--- a/치즈.pptx
+++ b/치즈.pptx
@@ -5,7 +5,7 @@
     <p:sldMasterId id="2147483648" r:id="rId1"/>
   </p:sldMasterIdLst>
   <p:notesMasterIdLst>
-    <p:notesMasterId r:id="rId15"/>
+    <p:notesMasterId r:id="rId21"/>
   </p:notesMasterIdLst>
   <p:sldIdLst>
     <p:sldId id="257" r:id="rId2"/>
@@ -16,11 +16,17 @@
     <p:sldId id="289" r:id="rId7"/>
     <p:sldId id="287" r:id="rId8"/>
     <p:sldId id="299" r:id="rId9"/>
-    <p:sldId id="304" r:id="rId10"/>
-    <p:sldId id="305" r:id="rId11"/>
-    <p:sldId id="306" r:id="rId12"/>
-    <p:sldId id="307" r:id="rId13"/>
-    <p:sldId id="259" r:id="rId14"/>
+    <p:sldId id="308" r:id="rId10"/>
+    <p:sldId id="310" r:id="rId11"/>
+    <p:sldId id="311" r:id="rId12"/>
+    <p:sldId id="312" r:id="rId13"/>
+    <p:sldId id="314" r:id="rId14"/>
+    <p:sldId id="313" r:id="rId15"/>
+    <p:sldId id="309" r:id="rId16"/>
+    <p:sldId id="305" r:id="rId17"/>
+    <p:sldId id="306" r:id="rId18"/>
+    <p:sldId id="307" r:id="rId19"/>
+    <p:sldId id="259" r:id="rId20"/>
   </p:sldIdLst>
   <p:sldSz cx="9144000" cy="6858000" type="screen4x3"/>
   <p:notesSz cx="6858000" cy="9144000"/>
@@ -3996,7 +4002,6 @@
             <a:rPr lang="ko-KR" altLang="en-US" b="1" spc="0" dirty="0" smtClean="0"/>
             <a:t>김민기</a:t>
           </a:r>
-          <a:endParaRPr lang="ko-KR" altLang="en-US" b="1" spc="0" dirty="0" smtClean="0"/>
         </a:p>
       </dgm:t>
     </dgm:pt>
@@ -4064,7 +4069,6 @@
             <a:rPr lang="ko-KR" altLang="en-US" b="1" spc="0" dirty="0" smtClean="0"/>
             <a:t>서준영</a:t>
           </a:r>
-          <a:endParaRPr lang="ko-KR" altLang="en-US" b="1" spc="0" dirty="0" smtClean="0"/>
         </a:p>
       </dgm:t>
     </dgm:pt>
@@ -4543,25 +4547,25 @@
     </dgm:pt>
   </dgm:ptLst>
   <dgm:cxnLst>
-    <dgm:cxn modelId="{AA00B887-C8C8-4ED3-844F-36157328F059}" type="presOf" srcId="{47BBF670-AF21-4D87-A81D-C69370AF9D27}" destId="{889090AD-663B-4ED0-A45A-A9C709CE8D63}" srcOrd="0" destOrd="0" presId="urn:microsoft.com/office/officeart/2005/8/layout/vList5"/>
     <dgm:cxn modelId="{E66410B9-B37E-4897-A989-AE21BD9280F9}" type="presOf" srcId="{877AC949-F131-4921-8CF4-B93A246D6EF1}" destId="{D59B156A-B76E-465B-AC78-6FFB87E3D610}" srcOrd="0" destOrd="0" presId="urn:microsoft.com/office/officeart/2005/8/layout/vList5"/>
+    <dgm:cxn modelId="{812783C3-C8C4-4D8E-88E4-E4FE1583581C}" type="presOf" srcId="{ECD6E1E3-A8BF-4F39-B4F2-45CE940F2FF6}" destId="{F84BF070-0916-463F-A778-9C5D3B8EA536}" srcOrd="0" destOrd="0" presId="urn:microsoft.com/office/officeart/2005/8/layout/vList5"/>
     <dgm:cxn modelId="{B9A510A9-59BE-40A2-A097-3481E533E482}" srcId="{0F832752-6AC3-40D9-BC0E-B2B205FF2058}" destId="{ECD6E1E3-A8BF-4F39-B4F2-45CE940F2FF6}" srcOrd="0" destOrd="0" parTransId="{B8C071E4-8C04-4536-8DB6-472C08CD4055}" sibTransId="{6B41984A-C3AD-4CF0-8C78-8DFB1C202AA8}"/>
-    <dgm:cxn modelId="{00AB34BE-FF38-4EBE-B3E2-7178A48A5492}" srcId="{31049312-047E-45D7-B692-5D8F2F782C2D}" destId="{0F58A6F1-2A75-46E4-B454-B341342FA5FB}" srcOrd="3" destOrd="0" parTransId="{2473174B-2A4B-4F62-B990-E19FC4CD6233}" sibTransId="{D43A2D07-A1BB-4B51-A54B-CE658EEA6C1F}"/>
-    <dgm:cxn modelId="{90D9F13A-1FBF-4DAD-8267-3FB1E30F3765}" srcId="{0F58A6F1-2A75-46E4-B454-B341342FA5FB}" destId="{9D640C39-F218-497F-955C-E4E1DB65799C}" srcOrd="0" destOrd="0" parTransId="{DA435B06-2588-4BFC-BA56-3F11F51D2214}" sibTransId="{6B734ABC-3CD3-4D24-9D6F-654D2BE91AAF}"/>
-    <dgm:cxn modelId="{7DF9ACAD-BED8-4566-B719-1763029C2CF3}" type="presOf" srcId="{9F6DFEE3-D181-446B-8E15-ECA983BB33B6}" destId="{1352640B-BD9A-4EB6-9204-F6D0955D4FA3}" srcOrd="0" destOrd="1" presId="urn:microsoft.com/office/officeart/2005/8/layout/vList5"/>
+    <dgm:cxn modelId="{770AF87C-38DF-4445-A7A0-2B25FE64F489}" srcId="{31049312-047E-45D7-B692-5D8F2F782C2D}" destId="{D9CCD4CE-91E4-4FA1-B0D1-959FD7B2F9A8}" srcOrd="2" destOrd="0" parTransId="{BB507E42-873A-462C-ADCE-E74D739F8AF4}" sibTransId="{866902A4-7B72-4721-B36D-35C6BA0159EF}"/>
     <dgm:cxn modelId="{E5B58181-2E6A-4E92-8837-C4A4A833765D}" type="presOf" srcId="{31049312-047E-45D7-B692-5D8F2F782C2D}" destId="{6AF1F34B-3789-4E8A-BEA8-9F61609F3056}" srcOrd="0" destOrd="0" presId="urn:microsoft.com/office/officeart/2005/8/layout/vList5"/>
-    <dgm:cxn modelId="{EC688180-BECC-4E6A-B68E-FC8670E6CE8B}" srcId="{31049312-047E-45D7-B692-5D8F2F782C2D}" destId="{0F832752-6AC3-40D9-BC0E-B2B205FF2058}" srcOrd="1" destOrd="0" parTransId="{F0A265D8-88B4-45DD-9C1D-24367D23F19C}" sibTransId="{D111DA8D-330E-4EC9-A386-F35D7B58C7A3}"/>
-    <dgm:cxn modelId="{4410C9E8-167F-48FA-965F-5C571ACD4C38}" type="presOf" srcId="{0F58A6F1-2A75-46E4-B454-B341342FA5FB}" destId="{86A961B4-81A6-4386-9A79-8FC1FF3B4763}" srcOrd="0" destOrd="0" presId="urn:microsoft.com/office/officeart/2005/8/layout/vList5"/>
-    <dgm:cxn modelId="{9ED5CDD0-B90D-4A8F-A372-9649B906FC0A}" type="presOf" srcId="{D9CCD4CE-91E4-4FA1-B0D1-959FD7B2F9A8}" destId="{0058D970-AB5F-4005-955F-6389A8C86A2B}" srcOrd="0" destOrd="0" presId="urn:microsoft.com/office/officeart/2005/8/layout/vList5"/>
-    <dgm:cxn modelId="{38207EB2-50F2-4DC9-B3CC-9A54EBD9AD31}" type="presOf" srcId="{0F832752-6AC3-40D9-BC0E-B2B205FF2058}" destId="{52CE7F3C-B24D-43C6-A33A-C1F200B79BDA}" srcOrd="0" destOrd="0" presId="urn:microsoft.com/office/officeart/2005/8/layout/vList5"/>
     <dgm:cxn modelId="{A788D923-BF32-4739-8802-8C4E49D382B8}" srcId="{D9CCD4CE-91E4-4FA1-B0D1-959FD7B2F9A8}" destId="{F5CCF786-460E-4857-85C5-86C62B45F0E1}" srcOrd="0" destOrd="0" parTransId="{4AB57CD6-5E18-42BE-A82B-D42096C574A2}" sibTransId="{EA33B042-0A98-4C04-A433-86754BDE3ED4}"/>
     <dgm:cxn modelId="{56D631CB-2D88-4FCE-8356-CCD5675F91AA}" srcId="{877AC949-F131-4921-8CF4-B93A246D6EF1}" destId="{47BBF670-AF21-4D87-A81D-C69370AF9D27}" srcOrd="0" destOrd="0" parTransId="{945EACD4-91FB-47DB-B6B9-BCD9965C75DD}" sibTransId="{38844BB0-F22E-4967-92E6-A459236E3659}"/>
-    <dgm:cxn modelId="{812783C3-C8C4-4D8E-88E4-E4FE1583581C}" type="presOf" srcId="{ECD6E1E3-A8BF-4F39-B4F2-45CE940F2FF6}" destId="{F84BF070-0916-463F-A778-9C5D3B8EA536}" srcOrd="0" destOrd="0" presId="urn:microsoft.com/office/officeart/2005/8/layout/vList5"/>
-    <dgm:cxn modelId="{770AF87C-38DF-4445-A7A0-2B25FE64F489}" srcId="{31049312-047E-45D7-B692-5D8F2F782C2D}" destId="{D9CCD4CE-91E4-4FA1-B0D1-959FD7B2F9A8}" srcOrd="2" destOrd="0" parTransId="{BB507E42-873A-462C-ADCE-E74D739F8AF4}" sibTransId="{866902A4-7B72-4721-B36D-35C6BA0159EF}"/>
+    <dgm:cxn modelId="{D61DDD20-3A30-489E-B8F6-EE63EB61C471}" srcId="{D9CCD4CE-91E4-4FA1-B0D1-959FD7B2F9A8}" destId="{9F6DFEE3-D181-446B-8E15-ECA983BB33B6}" srcOrd="1" destOrd="0" parTransId="{1C63B57B-7B0A-41AE-B6D7-980E46DA9745}" sibTransId="{94F0BFC1-170B-4779-AFE6-2DB7AF64ADEE}"/>
+    <dgm:cxn modelId="{CAD99218-9BB1-4509-BEEB-A81A4823436D}" type="presOf" srcId="{F5CCF786-460E-4857-85C5-86C62B45F0E1}" destId="{1352640B-BD9A-4EB6-9204-F6D0955D4FA3}" srcOrd="0" destOrd="0" presId="urn:microsoft.com/office/officeart/2005/8/layout/vList5"/>
+    <dgm:cxn modelId="{90D9F13A-1FBF-4DAD-8267-3FB1E30F3765}" srcId="{0F58A6F1-2A75-46E4-B454-B341342FA5FB}" destId="{9D640C39-F218-497F-955C-E4E1DB65799C}" srcOrd="0" destOrd="0" parTransId="{DA435B06-2588-4BFC-BA56-3F11F51D2214}" sibTransId="{6B734ABC-3CD3-4D24-9D6F-654D2BE91AAF}"/>
+    <dgm:cxn modelId="{9ED5CDD0-B90D-4A8F-A372-9649B906FC0A}" type="presOf" srcId="{D9CCD4CE-91E4-4FA1-B0D1-959FD7B2F9A8}" destId="{0058D970-AB5F-4005-955F-6389A8C86A2B}" srcOrd="0" destOrd="0" presId="urn:microsoft.com/office/officeart/2005/8/layout/vList5"/>
+    <dgm:cxn modelId="{EC688180-BECC-4E6A-B68E-FC8670E6CE8B}" srcId="{31049312-047E-45D7-B692-5D8F2F782C2D}" destId="{0F832752-6AC3-40D9-BC0E-B2B205FF2058}" srcOrd="1" destOrd="0" parTransId="{F0A265D8-88B4-45DD-9C1D-24367D23F19C}" sibTransId="{D111DA8D-330E-4EC9-A386-F35D7B58C7A3}"/>
     <dgm:cxn modelId="{35E4E6B1-A5F6-4187-A2B9-0C92A10B1907}" type="presOf" srcId="{9D640C39-F218-497F-955C-E4E1DB65799C}" destId="{B99CF148-F226-427D-8253-0FCF5DEE009B}" srcOrd="0" destOrd="0" presId="urn:microsoft.com/office/officeart/2005/8/layout/vList5"/>
+    <dgm:cxn modelId="{38207EB2-50F2-4DC9-B3CC-9A54EBD9AD31}" type="presOf" srcId="{0F832752-6AC3-40D9-BC0E-B2B205FF2058}" destId="{52CE7F3C-B24D-43C6-A33A-C1F200B79BDA}" srcOrd="0" destOrd="0" presId="urn:microsoft.com/office/officeart/2005/8/layout/vList5"/>
+    <dgm:cxn modelId="{4410C9E8-167F-48FA-965F-5C571ACD4C38}" type="presOf" srcId="{0F58A6F1-2A75-46E4-B454-B341342FA5FB}" destId="{86A961B4-81A6-4386-9A79-8FC1FF3B4763}" srcOrd="0" destOrd="0" presId="urn:microsoft.com/office/officeart/2005/8/layout/vList5"/>
+    <dgm:cxn modelId="{00AB34BE-FF38-4EBE-B3E2-7178A48A5492}" srcId="{31049312-047E-45D7-B692-5D8F2F782C2D}" destId="{0F58A6F1-2A75-46E4-B454-B341342FA5FB}" srcOrd="3" destOrd="0" parTransId="{2473174B-2A4B-4F62-B990-E19FC4CD6233}" sibTransId="{D43A2D07-A1BB-4B51-A54B-CE658EEA6C1F}"/>
+    <dgm:cxn modelId="{7DF9ACAD-BED8-4566-B719-1763029C2CF3}" type="presOf" srcId="{9F6DFEE3-D181-446B-8E15-ECA983BB33B6}" destId="{1352640B-BD9A-4EB6-9204-F6D0955D4FA3}" srcOrd="0" destOrd="1" presId="urn:microsoft.com/office/officeart/2005/8/layout/vList5"/>
+    <dgm:cxn modelId="{AA00B887-C8C8-4ED3-844F-36157328F059}" type="presOf" srcId="{47BBF670-AF21-4D87-A81D-C69370AF9D27}" destId="{889090AD-663B-4ED0-A45A-A9C709CE8D63}" srcOrd="0" destOrd="0" presId="urn:microsoft.com/office/officeart/2005/8/layout/vList5"/>
     <dgm:cxn modelId="{1B3BAC40-3198-45B2-BDCB-3D3DCE3A5235}" srcId="{31049312-047E-45D7-B692-5D8F2F782C2D}" destId="{877AC949-F131-4921-8CF4-B93A246D6EF1}" srcOrd="0" destOrd="0" parTransId="{3A366351-8D55-4438-A562-CD28407D0B25}" sibTransId="{5DA30983-1117-4830-B60F-806549CE0B8D}"/>
-    <dgm:cxn modelId="{CAD99218-9BB1-4509-BEEB-A81A4823436D}" type="presOf" srcId="{F5CCF786-460E-4857-85C5-86C62B45F0E1}" destId="{1352640B-BD9A-4EB6-9204-F6D0955D4FA3}" srcOrd="0" destOrd="0" presId="urn:microsoft.com/office/officeart/2005/8/layout/vList5"/>
-    <dgm:cxn modelId="{D61DDD20-3A30-489E-B8F6-EE63EB61C471}" srcId="{D9CCD4CE-91E4-4FA1-B0D1-959FD7B2F9A8}" destId="{9F6DFEE3-D181-446B-8E15-ECA983BB33B6}" srcOrd="1" destOrd="0" parTransId="{1C63B57B-7B0A-41AE-B6D7-980E46DA9745}" sibTransId="{94F0BFC1-170B-4779-AFE6-2DB7AF64ADEE}"/>
     <dgm:cxn modelId="{A9D0FBFE-C001-4766-A14B-C47B041E0BF6}" type="presParOf" srcId="{6AF1F34B-3789-4E8A-BEA8-9F61609F3056}" destId="{F794D62A-2C33-4A66-A79A-364AF375C5C5}" srcOrd="0" destOrd="0" presId="urn:microsoft.com/office/officeart/2005/8/layout/vList5"/>
     <dgm:cxn modelId="{9E4B7CE5-410A-4F16-84B2-3EFA3696DC98}" type="presParOf" srcId="{F794D62A-2C33-4A66-A79A-364AF375C5C5}" destId="{D59B156A-B76E-465B-AC78-6FFB87E3D610}" srcOrd="0" destOrd="0" presId="urn:microsoft.com/office/officeart/2005/8/layout/vList5"/>
     <dgm:cxn modelId="{37EA35CC-F0F8-4597-A3B3-06E9098D40E1}" type="presParOf" srcId="{F794D62A-2C33-4A66-A79A-364AF375C5C5}" destId="{889090AD-663B-4ED0-A45A-A9C709CE8D63}" srcOrd="1" destOrd="0" presId="urn:microsoft.com/office/officeart/2005/8/layout/vList5"/>
@@ -4902,8 +4906,8 @@
     <dgm:cxn modelId="{B5E54D0D-0FFC-46F5-832D-E8CD3EA3402C}" srcId="{8DE0AC77-8284-4E9F-8BAA-56F90931C058}" destId="{A3326A00-4586-4F5E-BF73-98DB78AB97E6}" srcOrd="0" destOrd="0" parTransId="{58F5EB1D-5E93-49AA-815F-82D702490146}" sibTransId="{6A3F34EE-D280-4207-9880-D59284EE49FC}"/>
     <dgm:cxn modelId="{BBECA5A0-7C19-4B2A-8B57-160C90F3F221}" srcId="{1C572361-EB8B-44DF-A21E-3FEF48ABFEF3}" destId="{CD4A76C2-0967-4032-9E9C-36AEC9551777}" srcOrd="1" destOrd="0" parTransId="{3C91E97B-BA4F-421F-BAFE-19DC2D18A8B9}" sibTransId="{E8D169DE-C265-4C5A-8AC9-07F7737DF382}"/>
     <dgm:cxn modelId="{020BC7EB-96D7-4001-BF03-0C39298E65F2}" type="presOf" srcId="{9A3F9818-FCBB-4955-9A0A-1A572A137B7C}" destId="{1BF8E976-FB6D-4F3E-929E-7096ED7134CB}" srcOrd="0" destOrd="0" presId="urn:microsoft.com/office/officeart/2005/8/layout/vList2"/>
+    <dgm:cxn modelId="{BD416A14-4284-4158-BE9B-4831DAB3F2F2}" type="presOf" srcId="{1C572361-EB8B-44DF-A21E-3FEF48ABFEF3}" destId="{6FB7898E-F165-4628-8189-1548D03B0D8C}" srcOrd="0" destOrd="0" presId="urn:microsoft.com/office/officeart/2005/8/layout/vList2"/>
     <dgm:cxn modelId="{1F909A52-DAD1-486C-A823-634B6B309C34}" type="presOf" srcId="{8DE0AC77-8284-4E9F-8BAA-56F90931C058}" destId="{36883D07-F9FA-453F-B443-43457B442261}" srcOrd="0" destOrd="0" presId="urn:microsoft.com/office/officeart/2005/8/layout/vList2"/>
-    <dgm:cxn modelId="{BD416A14-4284-4158-BE9B-4831DAB3F2F2}" type="presOf" srcId="{1C572361-EB8B-44DF-A21E-3FEF48ABFEF3}" destId="{6FB7898E-F165-4628-8189-1548D03B0D8C}" srcOrd="0" destOrd="0" presId="urn:microsoft.com/office/officeart/2005/8/layout/vList2"/>
     <dgm:cxn modelId="{F783DC10-F4B2-4644-A34B-1269A8C2C0BE}" type="presParOf" srcId="{6FB7898E-F165-4628-8189-1548D03B0D8C}" destId="{36883D07-F9FA-453F-B443-43457B442261}" srcOrd="0" destOrd="0" presId="urn:microsoft.com/office/officeart/2005/8/layout/vList2"/>
     <dgm:cxn modelId="{9BB085F0-777A-4A6B-8A4D-FB6B5C8CA778}" type="presParOf" srcId="{6FB7898E-F165-4628-8189-1548D03B0D8C}" destId="{7B5FABF5-F038-4493-9853-9EE72ED15887}" srcOrd="1" destOrd="0" presId="urn:microsoft.com/office/officeart/2005/8/layout/vList2"/>
     <dgm:cxn modelId="{A1940607-BDCE-4E0F-B7A9-582130874B1A}" type="presParOf" srcId="{6FB7898E-F165-4628-8189-1548D03B0D8C}" destId="{DCA69EE7-7518-452A-9B05-6BBFE7933FCF}" srcOrd="2" destOrd="0" presId="urn:microsoft.com/office/officeart/2005/8/layout/vList2"/>
@@ -5083,8 +5087,8 @@
     <dgm:cxn modelId="{CC8C19EB-8A1E-4863-9EA5-3B56EE438074}" type="presOf" srcId="{8DE0AC77-8284-4E9F-8BAA-56F90931C058}" destId="{36883D07-F9FA-453F-B443-43457B442261}" srcOrd="0" destOrd="0" presId="urn:microsoft.com/office/officeart/2005/8/layout/vList2"/>
     <dgm:cxn modelId="{B5E54D0D-0FFC-46F5-832D-E8CD3EA3402C}" srcId="{8DE0AC77-8284-4E9F-8BAA-56F90931C058}" destId="{A3326A00-4586-4F5E-BF73-98DB78AB97E6}" srcOrd="0" destOrd="0" parTransId="{58F5EB1D-5E93-49AA-815F-82D702490146}" sibTransId="{6A3F34EE-D280-4207-9880-D59284EE49FC}"/>
     <dgm:cxn modelId="{7FBEDB83-4896-44A5-AF3E-8490A9A80A30}" srcId="{1C572361-EB8B-44DF-A21E-3FEF48ABFEF3}" destId="{8DE0AC77-8284-4E9F-8BAA-56F90931C058}" srcOrd="0" destOrd="0" parTransId="{20B5FA60-63FD-4199-8B40-B55A822B7746}" sibTransId="{F418DA0A-5FE0-435A-9A26-A0D4F40575C6}"/>
+    <dgm:cxn modelId="{CF960B51-3006-44DA-B579-8CAC1C79B748}" type="presOf" srcId="{A3326A00-4586-4F5E-BF73-98DB78AB97E6}" destId="{7B5FABF5-F038-4493-9853-9EE72ED15887}" srcOrd="0" destOrd="0" presId="urn:microsoft.com/office/officeart/2005/8/layout/vList2"/>
     <dgm:cxn modelId="{3CDF4153-7415-480D-94B8-4146D1B3F9C7}" type="presOf" srcId="{1C572361-EB8B-44DF-A21E-3FEF48ABFEF3}" destId="{6FB7898E-F165-4628-8189-1548D03B0D8C}" srcOrd="0" destOrd="0" presId="urn:microsoft.com/office/officeart/2005/8/layout/vList2"/>
-    <dgm:cxn modelId="{CF960B51-3006-44DA-B579-8CAC1C79B748}" type="presOf" srcId="{A3326A00-4586-4F5E-BF73-98DB78AB97E6}" destId="{7B5FABF5-F038-4493-9853-9EE72ED15887}" srcOrd="0" destOrd="0" presId="urn:microsoft.com/office/officeart/2005/8/layout/vList2"/>
     <dgm:cxn modelId="{FD72AB38-7D22-4980-B330-EE7F3B4F0B14}" type="presParOf" srcId="{6FB7898E-F165-4628-8189-1548D03B0D8C}" destId="{36883D07-F9FA-453F-B443-43457B442261}" srcOrd="0" destOrd="0" presId="urn:microsoft.com/office/officeart/2005/8/layout/vList2"/>
     <dgm:cxn modelId="{847F47F5-10AA-4272-B44C-6252F24CEC4A}" type="presParOf" srcId="{6FB7898E-F165-4628-8189-1548D03B0D8C}" destId="{7B5FABF5-F038-4493-9853-9EE72ED15887}" srcOrd="1" destOrd="0" presId="urn:microsoft.com/office/officeart/2005/8/layout/vList2"/>
   </dgm:cxnLst>
@@ -5310,10 +5314,10 @@
   </dgm:ptLst>
   <dgm:cxnLst>
     <dgm:cxn modelId="{FEEA2B49-75F9-4D27-8AD9-8C3AD49C9991}" type="presOf" srcId="{A3326A00-4586-4F5E-BF73-98DB78AB97E6}" destId="{7B5FABF5-F038-4493-9853-9EE72ED15887}" srcOrd="0" destOrd="0" presId="urn:microsoft.com/office/officeart/2005/8/layout/vList2"/>
+    <dgm:cxn modelId="{B5E54D0D-0FFC-46F5-832D-E8CD3EA3402C}" srcId="{8DE0AC77-8284-4E9F-8BAA-56F90931C058}" destId="{A3326A00-4586-4F5E-BF73-98DB78AB97E6}" srcOrd="0" destOrd="0" parTransId="{58F5EB1D-5E93-49AA-815F-82D702490146}" sibTransId="{6A3F34EE-D280-4207-9880-D59284EE49FC}"/>
     <dgm:cxn modelId="{3AFCA6CB-530D-41CB-8FF2-D6BBF4CB5810}" type="presOf" srcId="{1C572361-EB8B-44DF-A21E-3FEF48ABFEF3}" destId="{6FB7898E-F165-4628-8189-1548D03B0D8C}" srcOrd="0" destOrd="0" presId="urn:microsoft.com/office/officeart/2005/8/layout/vList2"/>
     <dgm:cxn modelId="{D01AAF01-383A-4DE2-B36E-5E17CA7CC867}" type="presOf" srcId="{8DE0AC77-8284-4E9F-8BAA-56F90931C058}" destId="{36883D07-F9FA-453F-B443-43457B442261}" srcOrd="0" destOrd="0" presId="urn:microsoft.com/office/officeart/2005/8/layout/vList2"/>
     <dgm:cxn modelId="{7FBEDB83-4896-44A5-AF3E-8490A9A80A30}" srcId="{1C572361-EB8B-44DF-A21E-3FEF48ABFEF3}" destId="{8DE0AC77-8284-4E9F-8BAA-56F90931C058}" srcOrd="0" destOrd="0" parTransId="{20B5FA60-63FD-4199-8B40-B55A822B7746}" sibTransId="{F418DA0A-5FE0-435A-9A26-A0D4F40575C6}"/>
-    <dgm:cxn modelId="{B5E54D0D-0FFC-46F5-832D-E8CD3EA3402C}" srcId="{8DE0AC77-8284-4E9F-8BAA-56F90931C058}" destId="{A3326A00-4586-4F5E-BF73-98DB78AB97E6}" srcOrd="0" destOrd="0" parTransId="{58F5EB1D-5E93-49AA-815F-82D702490146}" sibTransId="{6A3F34EE-D280-4207-9880-D59284EE49FC}"/>
     <dgm:cxn modelId="{165619A4-84E6-4556-A76C-7C527A89608C}" type="presParOf" srcId="{6FB7898E-F165-4628-8189-1548D03B0D8C}" destId="{36883D07-F9FA-453F-B443-43457B442261}" srcOrd="0" destOrd="0" presId="urn:microsoft.com/office/officeart/2005/8/layout/vList2"/>
     <dgm:cxn modelId="{15EE0A73-072B-4A40-8F6D-AEFC68E43C4E}" type="presParOf" srcId="{6FB7898E-F165-4628-8189-1548D03B0D8C}" destId="{7B5FABF5-F038-4493-9853-9EE72ED15887}" srcOrd="1" destOrd="0" presId="urn:microsoft.com/office/officeart/2005/8/layout/vList2"/>
   </dgm:cxnLst>
@@ -5680,7 +5684,6 @@
             <a:rPr lang="ko-KR" altLang="en-US" sz="3600" b="1" kern="1200" spc="0" dirty="0" smtClean="0"/>
             <a:t>김민기</a:t>
           </a:r>
-          <a:endParaRPr lang="ko-KR" altLang="en-US" sz="3600" b="1" kern="1200" spc="0" dirty="0" smtClean="0"/>
         </a:p>
       </dsp:txBody>
       <dsp:txXfrm>
@@ -5874,7 +5877,6 @@
             <a:rPr lang="ko-KR" altLang="en-US" sz="3600" b="1" kern="1200" spc="0" dirty="0" smtClean="0"/>
             <a:t>서준영</a:t>
           </a:r>
-          <a:endParaRPr lang="ko-KR" altLang="en-US" sz="3600" b="1" kern="1200" spc="0" dirty="0" smtClean="0"/>
         </a:p>
       </dsp:txBody>
       <dsp:txXfrm>
@@ -13337,7 +13339,7 @@
     </p:spTree>
     <p:extLst>
       <p:ext uri="{BB962C8B-B14F-4D97-AF65-F5344CB8AC3E}">
-        <p14:creationId xmlns:p14="http://schemas.microsoft.com/office/powerpoint/2010/main" val="3907647140"/>
+        <p14:creationId xmlns:p14="http://schemas.microsoft.com/office/powerpoint/2010/main" val="274789891"/>
       </p:ext>
     </p:extLst>
   </p:cSld>
@@ -13448,7 +13450,7 @@
     </p:spTree>
     <p:extLst>
       <p:ext uri="{BB962C8B-B14F-4D97-AF65-F5344CB8AC3E}">
-        <p14:creationId xmlns:p14="http://schemas.microsoft.com/office/powerpoint/2010/main" val="3647743267"/>
+        <p14:creationId xmlns:p14="http://schemas.microsoft.com/office/powerpoint/2010/main" val="1849970812"/>
       </p:ext>
     </p:extLst>
   </p:cSld>
@@ -13559,7 +13561,7 @@
     </p:spTree>
     <p:extLst>
       <p:ext uri="{BB962C8B-B14F-4D97-AF65-F5344CB8AC3E}">
-        <p14:creationId xmlns:p14="http://schemas.microsoft.com/office/powerpoint/2010/main" val="788109612"/>
+        <p14:creationId xmlns:p14="http://schemas.microsoft.com/office/powerpoint/2010/main" val="3261207540"/>
       </p:ext>
     </p:extLst>
   </p:cSld>
@@ -13662,6 +13664,672 @@
               <a:rPr lang="ko-KR" altLang="en-US" smtClean="0"/>
               <a:pPr/>
               <a:t>13</a:t>
+            </a:fld>
+            <a:endParaRPr lang="ko-KR" altLang="en-US"/>
+          </a:p>
+        </p:txBody>
+      </p:sp>
+    </p:spTree>
+    <p:extLst>
+      <p:ext uri="{BB962C8B-B14F-4D97-AF65-F5344CB8AC3E}">
+        <p14:creationId xmlns:p14="http://schemas.microsoft.com/office/powerpoint/2010/main" val="3282022986"/>
+      </p:ext>
+    </p:extLst>
+  </p:cSld>
+  <p:clrMapOvr>
+    <a:masterClrMapping/>
+  </p:clrMapOvr>
+</p:notes>
+</file>
+
+<file path=ppt/notesSlides/notesSlide14.xml><?xml version="1.0" encoding="utf-8"?>
+<p:notes xmlns:a="http://schemas.openxmlformats.org/drawingml/2006/main" xmlns:r="http://schemas.openxmlformats.org/officeDocument/2006/relationships" xmlns:p="http://schemas.openxmlformats.org/presentationml/2006/main">
+  <p:cSld>
+    <p:spTree>
+      <p:nvGrpSpPr>
+        <p:cNvPr id="1" name=""/>
+        <p:cNvGrpSpPr/>
+        <p:nvPr/>
+      </p:nvGrpSpPr>
+      <p:grpSpPr>
+        <a:xfrm>
+          <a:off x="0" y="0"/>
+          <a:ext cx="0" cy="0"/>
+          <a:chOff x="0" y="0"/>
+          <a:chExt cx="0" cy="0"/>
+        </a:xfrm>
+      </p:grpSpPr>
+      <p:sp>
+        <p:nvSpPr>
+          <p:cNvPr id="2" name="슬라이드 이미지 개체 틀 1"/>
+          <p:cNvSpPr>
+            <a:spLocks noGrp="1" noRot="1" noChangeAspect="1"/>
+          </p:cNvSpPr>
+          <p:nvPr>
+            <p:ph type="sldImg"/>
+          </p:nvPr>
+        </p:nvSpPr>
+        <p:spPr/>
+      </p:sp>
+      <p:sp>
+        <p:nvSpPr>
+          <p:cNvPr id="3" name="슬라이드 노트 개체 틀 2"/>
+          <p:cNvSpPr>
+            <a:spLocks noGrp="1"/>
+          </p:cNvSpPr>
+          <p:nvPr>
+            <p:ph type="body" idx="1"/>
+          </p:nvPr>
+        </p:nvSpPr>
+        <p:spPr/>
+        <p:txBody>
+          <a:bodyPr>
+            <a:normAutofit/>
+          </a:bodyPr>
+          <a:lstStyle/>
+          <a:p>
+            <a:pPr marL="0" marR="0" indent="0" algn="l" defTabSz="914400" rtl="0" eaLnBrk="1" fontAlgn="auto" latinLnBrk="1" hangingPunct="1">
+              <a:lnSpc>
+                <a:spcPct val="100000"/>
+              </a:lnSpc>
+              <a:spcBef>
+                <a:spcPts val="0"/>
+              </a:spcBef>
+              <a:spcAft>
+                <a:spcPts val="0"/>
+              </a:spcAft>
+              <a:buClrTx/>
+              <a:buSzTx/>
+              <a:buFontTx/>
+              <a:buNone/>
+              <a:tabLst/>
+              <a:defRPr/>
+            </a:pPr>
+            <a:r>
+              <a:rPr lang="en-US" altLang="ko-KR" sz="1200" dirty="0" smtClean="0"/>
+              <a:t>http://minheeblog.tistory.com/category/PPT</a:t>
+            </a:r>
+            <a:endParaRPr lang="ko-KR" altLang="en-US" sz="1200" dirty="0" smtClean="0"/>
+          </a:p>
+          <a:p>
+            <a:endParaRPr lang="ko-KR" altLang="en-US" dirty="0"/>
+          </a:p>
+        </p:txBody>
+      </p:sp>
+      <p:sp>
+        <p:nvSpPr>
+          <p:cNvPr id="4" name="슬라이드 번호 개체 틀 3"/>
+          <p:cNvSpPr>
+            <a:spLocks noGrp="1"/>
+          </p:cNvSpPr>
+          <p:nvPr>
+            <p:ph type="sldNum" sz="quarter" idx="10"/>
+          </p:nvPr>
+        </p:nvSpPr>
+        <p:spPr/>
+        <p:txBody>
+          <a:bodyPr/>
+          <a:lstStyle/>
+          <a:p>
+            <a:fld id="{04A4E647-5A0F-41E6-A0EF-B58D8C1C6CD4}" type="slidenum">
+              <a:rPr lang="ko-KR" altLang="en-US" smtClean="0"/>
+              <a:pPr/>
+              <a:t>14</a:t>
+            </a:fld>
+            <a:endParaRPr lang="ko-KR" altLang="en-US"/>
+          </a:p>
+        </p:txBody>
+      </p:sp>
+    </p:spTree>
+    <p:extLst>
+      <p:ext uri="{BB962C8B-B14F-4D97-AF65-F5344CB8AC3E}">
+        <p14:creationId xmlns:p14="http://schemas.microsoft.com/office/powerpoint/2010/main" val="3350647483"/>
+      </p:ext>
+    </p:extLst>
+  </p:cSld>
+  <p:clrMapOvr>
+    <a:masterClrMapping/>
+  </p:clrMapOvr>
+</p:notes>
+</file>
+
+<file path=ppt/notesSlides/notesSlide15.xml><?xml version="1.0" encoding="utf-8"?>
+<p:notes xmlns:a="http://schemas.openxmlformats.org/drawingml/2006/main" xmlns:r="http://schemas.openxmlformats.org/officeDocument/2006/relationships" xmlns:p="http://schemas.openxmlformats.org/presentationml/2006/main">
+  <p:cSld>
+    <p:spTree>
+      <p:nvGrpSpPr>
+        <p:cNvPr id="1" name=""/>
+        <p:cNvGrpSpPr/>
+        <p:nvPr/>
+      </p:nvGrpSpPr>
+      <p:grpSpPr>
+        <a:xfrm>
+          <a:off x="0" y="0"/>
+          <a:ext cx="0" cy="0"/>
+          <a:chOff x="0" y="0"/>
+          <a:chExt cx="0" cy="0"/>
+        </a:xfrm>
+      </p:grpSpPr>
+      <p:sp>
+        <p:nvSpPr>
+          <p:cNvPr id="2" name="슬라이드 이미지 개체 틀 1"/>
+          <p:cNvSpPr>
+            <a:spLocks noGrp="1" noRot="1" noChangeAspect="1"/>
+          </p:cNvSpPr>
+          <p:nvPr>
+            <p:ph type="sldImg"/>
+          </p:nvPr>
+        </p:nvSpPr>
+        <p:spPr/>
+      </p:sp>
+      <p:sp>
+        <p:nvSpPr>
+          <p:cNvPr id="3" name="슬라이드 노트 개체 틀 2"/>
+          <p:cNvSpPr>
+            <a:spLocks noGrp="1"/>
+          </p:cNvSpPr>
+          <p:nvPr>
+            <p:ph type="body" idx="1"/>
+          </p:nvPr>
+        </p:nvSpPr>
+        <p:spPr/>
+        <p:txBody>
+          <a:bodyPr>
+            <a:normAutofit/>
+          </a:bodyPr>
+          <a:lstStyle/>
+          <a:p>
+            <a:pPr marL="0" marR="0" indent="0" algn="l" defTabSz="914400" rtl="0" eaLnBrk="1" fontAlgn="auto" latinLnBrk="1" hangingPunct="1">
+              <a:lnSpc>
+                <a:spcPct val="100000"/>
+              </a:lnSpc>
+              <a:spcBef>
+                <a:spcPts val="0"/>
+              </a:spcBef>
+              <a:spcAft>
+                <a:spcPts val="0"/>
+              </a:spcAft>
+              <a:buClrTx/>
+              <a:buSzTx/>
+              <a:buFontTx/>
+              <a:buNone/>
+              <a:tabLst/>
+              <a:defRPr/>
+            </a:pPr>
+            <a:r>
+              <a:rPr lang="en-US" altLang="ko-KR" sz="1200" dirty="0" smtClean="0"/>
+              <a:t>http://minheeblog.tistory.com/category/PPT</a:t>
+            </a:r>
+            <a:endParaRPr lang="ko-KR" altLang="en-US" sz="1200" dirty="0" smtClean="0"/>
+          </a:p>
+          <a:p>
+            <a:endParaRPr lang="ko-KR" altLang="en-US" dirty="0"/>
+          </a:p>
+        </p:txBody>
+      </p:sp>
+      <p:sp>
+        <p:nvSpPr>
+          <p:cNvPr id="4" name="슬라이드 번호 개체 틀 3"/>
+          <p:cNvSpPr>
+            <a:spLocks noGrp="1"/>
+          </p:cNvSpPr>
+          <p:nvPr>
+            <p:ph type="sldNum" sz="quarter" idx="10"/>
+          </p:nvPr>
+        </p:nvSpPr>
+        <p:spPr/>
+        <p:txBody>
+          <a:bodyPr/>
+          <a:lstStyle/>
+          <a:p>
+            <a:fld id="{04A4E647-5A0F-41E6-A0EF-B58D8C1C6CD4}" type="slidenum">
+              <a:rPr lang="ko-KR" altLang="en-US" smtClean="0"/>
+              <a:pPr/>
+              <a:t>15</a:t>
+            </a:fld>
+            <a:endParaRPr lang="ko-KR" altLang="en-US"/>
+          </a:p>
+        </p:txBody>
+      </p:sp>
+    </p:spTree>
+    <p:extLst>
+      <p:ext uri="{BB962C8B-B14F-4D97-AF65-F5344CB8AC3E}">
+        <p14:creationId xmlns:p14="http://schemas.microsoft.com/office/powerpoint/2010/main" val="1694435634"/>
+      </p:ext>
+    </p:extLst>
+  </p:cSld>
+  <p:clrMapOvr>
+    <a:masterClrMapping/>
+  </p:clrMapOvr>
+</p:notes>
+</file>
+
+<file path=ppt/notesSlides/notesSlide16.xml><?xml version="1.0" encoding="utf-8"?>
+<p:notes xmlns:a="http://schemas.openxmlformats.org/drawingml/2006/main" xmlns:r="http://schemas.openxmlformats.org/officeDocument/2006/relationships" xmlns:p="http://schemas.openxmlformats.org/presentationml/2006/main">
+  <p:cSld>
+    <p:spTree>
+      <p:nvGrpSpPr>
+        <p:cNvPr id="1" name=""/>
+        <p:cNvGrpSpPr/>
+        <p:nvPr/>
+      </p:nvGrpSpPr>
+      <p:grpSpPr>
+        <a:xfrm>
+          <a:off x="0" y="0"/>
+          <a:ext cx="0" cy="0"/>
+          <a:chOff x="0" y="0"/>
+          <a:chExt cx="0" cy="0"/>
+        </a:xfrm>
+      </p:grpSpPr>
+      <p:sp>
+        <p:nvSpPr>
+          <p:cNvPr id="2" name="슬라이드 이미지 개체 틀 1"/>
+          <p:cNvSpPr>
+            <a:spLocks noGrp="1" noRot="1" noChangeAspect="1"/>
+          </p:cNvSpPr>
+          <p:nvPr>
+            <p:ph type="sldImg"/>
+          </p:nvPr>
+        </p:nvSpPr>
+        <p:spPr/>
+      </p:sp>
+      <p:sp>
+        <p:nvSpPr>
+          <p:cNvPr id="3" name="슬라이드 노트 개체 틀 2"/>
+          <p:cNvSpPr>
+            <a:spLocks noGrp="1"/>
+          </p:cNvSpPr>
+          <p:nvPr>
+            <p:ph type="body" idx="1"/>
+          </p:nvPr>
+        </p:nvSpPr>
+        <p:spPr/>
+        <p:txBody>
+          <a:bodyPr>
+            <a:normAutofit/>
+          </a:bodyPr>
+          <a:lstStyle/>
+          <a:p>
+            <a:pPr marL="0" marR="0" indent="0" algn="l" defTabSz="914400" rtl="0" eaLnBrk="1" fontAlgn="auto" latinLnBrk="1" hangingPunct="1">
+              <a:lnSpc>
+                <a:spcPct val="100000"/>
+              </a:lnSpc>
+              <a:spcBef>
+                <a:spcPts val="0"/>
+              </a:spcBef>
+              <a:spcAft>
+                <a:spcPts val="0"/>
+              </a:spcAft>
+              <a:buClrTx/>
+              <a:buSzTx/>
+              <a:buFontTx/>
+              <a:buNone/>
+              <a:tabLst/>
+              <a:defRPr/>
+            </a:pPr>
+            <a:r>
+              <a:rPr lang="en-US" altLang="ko-KR" sz="1200" dirty="0" smtClean="0"/>
+              <a:t>http://minheeblog.tistory.com/category/PPT</a:t>
+            </a:r>
+            <a:endParaRPr lang="ko-KR" altLang="en-US" sz="1200" dirty="0" smtClean="0"/>
+          </a:p>
+          <a:p>
+            <a:endParaRPr lang="ko-KR" altLang="en-US" dirty="0"/>
+          </a:p>
+        </p:txBody>
+      </p:sp>
+      <p:sp>
+        <p:nvSpPr>
+          <p:cNvPr id="4" name="슬라이드 번호 개체 틀 3"/>
+          <p:cNvSpPr>
+            <a:spLocks noGrp="1"/>
+          </p:cNvSpPr>
+          <p:nvPr>
+            <p:ph type="sldNum" sz="quarter" idx="10"/>
+          </p:nvPr>
+        </p:nvSpPr>
+        <p:spPr/>
+        <p:txBody>
+          <a:bodyPr/>
+          <a:lstStyle/>
+          <a:p>
+            <a:fld id="{04A4E647-5A0F-41E6-A0EF-B58D8C1C6CD4}" type="slidenum">
+              <a:rPr lang="ko-KR" altLang="en-US" smtClean="0"/>
+              <a:pPr/>
+              <a:t>16</a:t>
+            </a:fld>
+            <a:endParaRPr lang="ko-KR" altLang="en-US"/>
+          </a:p>
+        </p:txBody>
+      </p:sp>
+    </p:spTree>
+    <p:extLst>
+      <p:ext uri="{BB962C8B-B14F-4D97-AF65-F5344CB8AC3E}">
+        <p14:creationId xmlns:p14="http://schemas.microsoft.com/office/powerpoint/2010/main" val="3907647140"/>
+      </p:ext>
+    </p:extLst>
+  </p:cSld>
+  <p:clrMapOvr>
+    <a:masterClrMapping/>
+  </p:clrMapOvr>
+</p:notes>
+</file>
+
+<file path=ppt/notesSlides/notesSlide17.xml><?xml version="1.0" encoding="utf-8"?>
+<p:notes xmlns:a="http://schemas.openxmlformats.org/drawingml/2006/main" xmlns:r="http://schemas.openxmlformats.org/officeDocument/2006/relationships" xmlns:p="http://schemas.openxmlformats.org/presentationml/2006/main">
+  <p:cSld>
+    <p:spTree>
+      <p:nvGrpSpPr>
+        <p:cNvPr id="1" name=""/>
+        <p:cNvGrpSpPr/>
+        <p:nvPr/>
+      </p:nvGrpSpPr>
+      <p:grpSpPr>
+        <a:xfrm>
+          <a:off x="0" y="0"/>
+          <a:ext cx="0" cy="0"/>
+          <a:chOff x="0" y="0"/>
+          <a:chExt cx="0" cy="0"/>
+        </a:xfrm>
+      </p:grpSpPr>
+      <p:sp>
+        <p:nvSpPr>
+          <p:cNvPr id="2" name="슬라이드 이미지 개체 틀 1"/>
+          <p:cNvSpPr>
+            <a:spLocks noGrp="1" noRot="1" noChangeAspect="1"/>
+          </p:cNvSpPr>
+          <p:nvPr>
+            <p:ph type="sldImg"/>
+          </p:nvPr>
+        </p:nvSpPr>
+        <p:spPr/>
+      </p:sp>
+      <p:sp>
+        <p:nvSpPr>
+          <p:cNvPr id="3" name="슬라이드 노트 개체 틀 2"/>
+          <p:cNvSpPr>
+            <a:spLocks noGrp="1"/>
+          </p:cNvSpPr>
+          <p:nvPr>
+            <p:ph type="body" idx="1"/>
+          </p:nvPr>
+        </p:nvSpPr>
+        <p:spPr/>
+        <p:txBody>
+          <a:bodyPr>
+            <a:normAutofit/>
+          </a:bodyPr>
+          <a:lstStyle/>
+          <a:p>
+            <a:pPr marL="0" marR="0" indent="0" algn="l" defTabSz="914400" rtl="0" eaLnBrk="1" fontAlgn="auto" latinLnBrk="1" hangingPunct="1">
+              <a:lnSpc>
+                <a:spcPct val="100000"/>
+              </a:lnSpc>
+              <a:spcBef>
+                <a:spcPts val="0"/>
+              </a:spcBef>
+              <a:spcAft>
+                <a:spcPts val="0"/>
+              </a:spcAft>
+              <a:buClrTx/>
+              <a:buSzTx/>
+              <a:buFontTx/>
+              <a:buNone/>
+              <a:tabLst/>
+              <a:defRPr/>
+            </a:pPr>
+            <a:r>
+              <a:rPr lang="en-US" altLang="ko-KR" sz="1200" dirty="0" smtClean="0"/>
+              <a:t>http://minheeblog.tistory.com/category/PPT</a:t>
+            </a:r>
+            <a:endParaRPr lang="ko-KR" altLang="en-US" sz="1200" dirty="0" smtClean="0"/>
+          </a:p>
+          <a:p>
+            <a:endParaRPr lang="ko-KR" altLang="en-US" dirty="0"/>
+          </a:p>
+        </p:txBody>
+      </p:sp>
+      <p:sp>
+        <p:nvSpPr>
+          <p:cNvPr id="4" name="슬라이드 번호 개체 틀 3"/>
+          <p:cNvSpPr>
+            <a:spLocks noGrp="1"/>
+          </p:cNvSpPr>
+          <p:nvPr>
+            <p:ph type="sldNum" sz="quarter" idx="10"/>
+          </p:nvPr>
+        </p:nvSpPr>
+        <p:spPr/>
+        <p:txBody>
+          <a:bodyPr/>
+          <a:lstStyle/>
+          <a:p>
+            <a:fld id="{04A4E647-5A0F-41E6-A0EF-B58D8C1C6CD4}" type="slidenum">
+              <a:rPr lang="ko-KR" altLang="en-US" smtClean="0"/>
+              <a:pPr/>
+              <a:t>17</a:t>
+            </a:fld>
+            <a:endParaRPr lang="ko-KR" altLang="en-US"/>
+          </a:p>
+        </p:txBody>
+      </p:sp>
+    </p:spTree>
+    <p:extLst>
+      <p:ext uri="{BB962C8B-B14F-4D97-AF65-F5344CB8AC3E}">
+        <p14:creationId xmlns:p14="http://schemas.microsoft.com/office/powerpoint/2010/main" val="3647743267"/>
+      </p:ext>
+    </p:extLst>
+  </p:cSld>
+  <p:clrMapOvr>
+    <a:masterClrMapping/>
+  </p:clrMapOvr>
+</p:notes>
+</file>
+
+<file path=ppt/notesSlides/notesSlide18.xml><?xml version="1.0" encoding="utf-8"?>
+<p:notes xmlns:a="http://schemas.openxmlformats.org/drawingml/2006/main" xmlns:r="http://schemas.openxmlformats.org/officeDocument/2006/relationships" xmlns:p="http://schemas.openxmlformats.org/presentationml/2006/main">
+  <p:cSld>
+    <p:spTree>
+      <p:nvGrpSpPr>
+        <p:cNvPr id="1" name=""/>
+        <p:cNvGrpSpPr/>
+        <p:nvPr/>
+      </p:nvGrpSpPr>
+      <p:grpSpPr>
+        <a:xfrm>
+          <a:off x="0" y="0"/>
+          <a:ext cx="0" cy="0"/>
+          <a:chOff x="0" y="0"/>
+          <a:chExt cx="0" cy="0"/>
+        </a:xfrm>
+      </p:grpSpPr>
+      <p:sp>
+        <p:nvSpPr>
+          <p:cNvPr id="2" name="슬라이드 이미지 개체 틀 1"/>
+          <p:cNvSpPr>
+            <a:spLocks noGrp="1" noRot="1" noChangeAspect="1"/>
+          </p:cNvSpPr>
+          <p:nvPr>
+            <p:ph type="sldImg"/>
+          </p:nvPr>
+        </p:nvSpPr>
+        <p:spPr/>
+      </p:sp>
+      <p:sp>
+        <p:nvSpPr>
+          <p:cNvPr id="3" name="슬라이드 노트 개체 틀 2"/>
+          <p:cNvSpPr>
+            <a:spLocks noGrp="1"/>
+          </p:cNvSpPr>
+          <p:nvPr>
+            <p:ph type="body" idx="1"/>
+          </p:nvPr>
+        </p:nvSpPr>
+        <p:spPr/>
+        <p:txBody>
+          <a:bodyPr>
+            <a:normAutofit/>
+          </a:bodyPr>
+          <a:lstStyle/>
+          <a:p>
+            <a:pPr marL="0" marR="0" indent="0" algn="l" defTabSz="914400" rtl="0" eaLnBrk="1" fontAlgn="auto" latinLnBrk="1" hangingPunct="1">
+              <a:lnSpc>
+                <a:spcPct val="100000"/>
+              </a:lnSpc>
+              <a:spcBef>
+                <a:spcPts val="0"/>
+              </a:spcBef>
+              <a:spcAft>
+                <a:spcPts val="0"/>
+              </a:spcAft>
+              <a:buClrTx/>
+              <a:buSzTx/>
+              <a:buFontTx/>
+              <a:buNone/>
+              <a:tabLst/>
+              <a:defRPr/>
+            </a:pPr>
+            <a:r>
+              <a:rPr lang="en-US" altLang="ko-KR" sz="1200" dirty="0" smtClean="0"/>
+              <a:t>http://minheeblog.tistory.com/category/PPT</a:t>
+            </a:r>
+            <a:endParaRPr lang="ko-KR" altLang="en-US" sz="1200" dirty="0" smtClean="0"/>
+          </a:p>
+          <a:p>
+            <a:endParaRPr lang="ko-KR" altLang="en-US" dirty="0"/>
+          </a:p>
+        </p:txBody>
+      </p:sp>
+      <p:sp>
+        <p:nvSpPr>
+          <p:cNvPr id="4" name="슬라이드 번호 개체 틀 3"/>
+          <p:cNvSpPr>
+            <a:spLocks noGrp="1"/>
+          </p:cNvSpPr>
+          <p:nvPr>
+            <p:ph type="sldNum" sz="quarter" idx="10"/>
+          </p:nvPr>
+        </p:nvSpPr>
+        <p:spPr/>
+        <p:txBody>
+          <a:bodyPr/>
+          <a:lstStyle/>
+          <a:p>
+            <a:fld id="{04A4E647-5A0F-41E6-A0EF-B58D8C1C6CD4}" type="slidenum">
+              <a:rPr lang="ko-KR" altLang="en-US" smtClean="0"/>
+              <a:pPr/>
+              <a:t>18</a:t>
+            </a:fld>
+            <a:endParaRPr lang="ko-KR" altLang="en-US"/>
+          </a:p>
+        </p:txBody>
+      </p:sp>
+    </p:spTree>
+    <p:extLst>
+      <p:ext uri="{BB962C8B-B14F-4D97-AF65-F5344CB8AC3E}">
+        <p14:creationId xmlns:p14="http://schemas.microsoft.com/office/powerpoint/2010/main" val="788109612"/>
+      </p:ext>
+    </p:extLst>
+  </p:cSld>
+  <p:clrMapOvr>
+    <a:masterClrMapping/>
+  </p:clrMapOvr>
+</p:notes>
+</file>
+
+<file path=ppt/notesSlides/notesSlide19.xml><?xml version="1.0" encoding="utf-8"?>
+<p:notes xmlns:a="http://schemas.openxmlformats.org/drawingml/2006/main" xmlns:r="http://schemas.openxmlformats.org/officeDocument/2006/relationships" xmlns:p="http://schemas.openxmlformats.org/presentationml/2006/main">
+  <p:cSld>
+    <p:spTree>
+      <p:nvGrpSpPr>
+        <p:cNvPr id="1" name=""/>
+        <p:cNvGrpSpPr/>
+        <p:nvPr/>
+      </p:nvGrpSpPr>
+      <p:grpSpPr>
+        <a:xfrm>
+          <a:off x="0" y="0"/>
+          <a:ext cx="0" cy="0"/>
+          <a:chOff x="0" y="0"/>
+          <a:chExt cx="0" cy="0"/>
+        </a:xfrm>
+      </p:grpSpPr>
+      <p:sp>
+        <p:nvSpPr>
+          <p:cNvPr id="2" name="슬라이드 이미지 개체 틀 1"/>
+          <p:cNvSpPr>
+            <a:spLocks noGrp="1" noRot="1" noChangeAspect="1"/>
+          </p:cNvSpPr>
+          <p:nvPr>
+            <p:ph type="sldImg"/>
+          </p:nvPr>
+        </p:nvSpPr>
+        <p:spPr/>
+      </p:sp>
+      <p:sp>
+        <p:nvSpPr>
+          <p:cNvPr id="3" name="슬라이드 노트 개체 틀 2"/>
+          <p:cNvSpPr>
+            <a:spLocks noGrp="1"/>
+          </p:cNvSpPr>
+          <p:nvPr>
+            <p:ph type="body" idx="1"/>
+          </p:nvPr>
+        </p:nvSpPr>
+        <p:spPr/>
+        <p:txBody>
+          <a:bodyPr>
+            <a:normAutofit/>
+          </a:bodyPr>
+          <a:lstStyle/>
+          <a:p>
+            <a:pPr marL="0" marR="0" indent="0" algn="l" defTabSz="914400" rtl="0" eaLnBrk="1" fontAlgn="auto" latinLnBrk="1" hangingPunct="1">
+              <a:lnSpc>
+                <a:spcPct val="100000"/>
+              </a:lnSpc>
+              <a:spcBef>
+                <a:spcPts val="0"/>
+              </a:spcBef>
+              <a:spcAft>
+                <a:spcPts val="0"/>
+              </a:spcAft>
+              <a:buClrTx/>
+              <a:buSzTx/>
+              <a:buFontTx/>
+              <a:buNone/>
+              <a:tabLst/>
+              <a:defRPr/>
+            </a:pPr>
+            <a:r>
+              <a:rPr lang="en-US" altLang="ko-KR" sz="1200" dirty="0" smtClean="0"/>
+              <a:t>http://minheeblog.tistory.com/category/PPT</a:t>
+            </a:r>
+            <a:endParaRPr lang="ko-KR" altLang="en-US" sz="1200" dirty="0" smtClean="0"/>
+          </a:p>
+          <a:p>
+            <a:endParaRPr lang="ko-KR" altLang="en-US" dirty="0"/>
+          </a:p>
+        </p:txBody>
+      </p:sp>
+      <p:sp>
+        <p:nvSpPr>
+          <p:cNvPr id="4" name="슬라이드 번호 개체 틀 3"/>
+          <p:cNvSpPr>
+            <a:spLocks noGrp="1"/>
+          </p:cNvSpPr>
+          <p:nvPr>
+            <p:ph type="sldNum" sz="quarter" idx="10"/>
+          </p:nvPr>
+        </p:nvSpPr>
+        <p:spPr/>
+        <p:txBody>
+          <a:bodyPr/>
+          <a:lstStyle/>
+          <a:p>
+            <a:fld id="{04A4E647-5A0F-41E6-A0EF-B58D8C1C6CD4}" type="slidenum">
+              <a:rPr lang="ko-KR" altLang="en-US" smtClean="0"/>
+              <a:pPr/>
+              <a:t>19</a:t>
             </a:fld>
             <a:endParaRPr lang="ko-KR" altLang="en-US"/>
           </a:p>
@@ -14558,7 +15226,7 @@
     </p:spTree>
     <p:extLst>
       <p:ext uri="{BB962C8B-B14F-4D97-AF65-F5344CB8AC3E}">
-        <p14:creationId xmlns:p14="http://schemas.microsoft.com/office/powerpoint/2010/main" val="3951165631"/>
+        <p14:creationId xmlns:p14="http://schemas.microsoft.com/office/powerpoint/2010/main" val="878779087"/>
       </p:ext>
     </p:extLst>
   </p:cSld>
@@ -17846,6 +18514,3316 @@
       </p:sp>
       <p:sp>
         <p:nvSpPr>
+          <p:cNvPr id="12" name="TextBox 11"/>
+          <p:cNvSpPr txBox="1"/>
+          <p:nvPr/>
+        </p:nvSpPr>
+        <p:spPr>
+          <a:xfrm>
+            <a:off x="5364088" y="271681"/>
+            <a:ext cx="3600400" cy="276999"/>
+          </a:xfrm>
+          <a:prstGeom prst="rect">
+            <a:avLst/>
+          </a:prstGeom>
+          <a:noFill/>
+        </p:spPr>
+        <p:txBody>
+          <a:bodyPr wrap="square" rtlCol="0">
+            <a:spAutoFit/>
+          </a:bodyPr>
+          <a:lstStyle/>
+          <a:p>
+            <a:pPr algn="dist"/>
+            <a:r>
+              <a:rPr lang="ko-KR" altLang="en-US" sz="1200" dirty="0" smtClean="0">
+                <a:solidFill>
+                  <a:schemeClr val="bg1"/>
+                </a:solidFill>
+              </a:rPr>
+              <a:t>과목이름이나 영문타이틀</a:t>
+            </a:r>
+          </a:p>
+        </p:txBody>
+      </p:sp>
+      <p:sp>
+        <p:nvSpPr>
+          <p:cNvPr id="38" name="화살표: 갈매기형 수장 1">
+            <a:extLst>
+              <a:ext uri="{FF2B5EF4-FFF2-40B4-BE49-F238E27FC236}">
+                <a16:creationId xmlns="" xmlns:a16="http://schemas.microsoft.com/office/drawing/2014/main" id="{A38FB86A-A9AC-4EAE-8223-69D52F8B1ABE}"/>
+              </a:ext>
+            </a:extLst>
+          </p:cNvPr>
+          <p:cNvSpPr/>
+          <p:nvPr/>
+        </p:nvSpPr>
+        <p:spPr>
+          <a:xfrm>
+            <a:off x="479244" y="1072880"/>
+            <a:ext cx="1742256" cy="461945"/>
+          </a:xfrm>
+          <a:prstGeom prst="chevron">
+            <a:avLst/>
+          </a:prstGeom>
+          <a:solidFill>
+            <a:srgbClr val="FFC000"/>
+          </a:solidFill>
+          <a:ln>
+            <a:solidFill>
+              <a:srgbClr val="FFCC00"/>
+            </a:solidFill>
+          </a:ln>
+        </p:spPr>
+        <p:style>
+          <a:lnRef idx="2">
+            <a:schemeClr val="accent1">
+              <a:shade val="50000"/>
+            </a:schemeClr>
+          </a:lnRef>
+          <a:fillRef idx="1">
+            <a:schemeClr val="accent1"/>
+          </a:fillRef>
+          <a:effectRef idx="0">
+            <a:schemeClr val="accent1"/>
+          </a:effectRef>
+          <a:fontRef idx="minor">
+            <a:schemeClr val="lt1"/>
+          </a:fontRef>
+        </p:style>
+        <p:txBody>
+          <a:bodyPr rtlCol="0" anchor="ctr"/>
+          <a:lstStyle/>
+          <a:p>
+            <a:pPr algn="ctr"/>
+            <a:endParaRPr lang="ko-KR" altLang="en-US">
+              <a:solidFill>
+                <a:schemeClr val="tx1"/>
+              </a:solidFill>
+            </a:endParaRPr>
+          </a:p>
+        </p:txBody>
+      </p:sp>
+      <p:sp>
+        <p:nvSpPr>
+          <p:cNvPr id="39" name="화살표: 갈매기형 수장 2">
+            <a:extLst>
+              <a:ext uri="{FF2B5EF4-FFF2-40B4-BE49-F238E27FC236}">
+                <a16:creationId xmlns="" xmlns:a16="http://schemas.microsoft.com/office/drawing/2014/main" id="{8C8E1FD7-9558-46EC-B4E7-FDD400E94927}"/>
+              </a:ext>
+            </a:extLst>
+          </p:cNvPr>
+          <p:cNvSpPr/>
+          <p:nvPr/>
+        </p:nvSpPr>
+        <p:spPr>
+          <a:xfrm>
+            <a:off x="3779912" y="1072224"/>
+            <a:ext cx="1742256" cy="461945"/>
+          </a:xfrm>
+          <a:prstGeom prst="chevron">
+            <a:avLst/>
+          </a:prstGeom>
+          <a:noFill/>
+          <a:ln>
+            <a:solidFill>
+              <a:srgbClr val="FFCC00"/>
+            </a:solidFill>
+          </a:ln>
+        </p:spPr>
+        <p:style>
+          <a:lnRef idx="2">
+            <a:schemeClr val="accent1">
+              <a:shade val="50000"/>
+            </a:schemeClr>
+          </a:lnRef>
+          <a:fillRef idx="1">
+            <a:schemeClr val="accent1"/>
+          </a:fillRef>
+          <a:effectRef idx="0">
+            <a:schemeClr val="accent1"/>
+          </a:effectRef>
+          <a:fontRef idx="minor">
+            <a:schemeClr val="lt1"/>
+          </a:fontRef>
+        </p:style>
+        <p:txBody>
+          <a:bodyPr rtlCol="0" anchor="ctr"/>
+          <a:lstStyle/>
+          <a:p>
+            <a:pPr algn="ctr"/>
+            <a:endParaRPr lang="ko-KR" altLang="en-US">
+              <a:solidFill>
+                <a:schemeClr val="tx1"/>
+              </a:solidFill>
+            </a:endParaRPr>
+          </a:p>
+        </p:txBody>
+      </p:sp>
+      <p:sp>
+        <p:nvSpPr>
+          <p:cNvPr id="41" name="화살표: 갈매기형 수장 4">
+            <a:extLst>
+              <a:ext uri="{FF2B5EF4-FFF2-40B4-BE49-F238E27FC236}">
+                <a16:creationId xmlns="" xmlns:a16="http://schemas.microsoft.com/office/drawing/2014/main" id="{66755A50-62DA-4FF0-95B0-EA82A6CC33B8}"/>
+              </a:ext>
+            </a:extLst>
+          </p:cNvPr>
+          <p:cNvSpPr/>
+          <p:nvPr/>
+        </p:nvSpPr>
+        <p:spPr>
+          <a:xfrm>
+            <a:off x="5402325" y="1072224"/>
+            <a:ext cx="1742256" cy="461945"/>
+          </a:xfrm>
+          <a:prstGeom prst="chevron">
+            <a:avLst/>
+          </a:prstGeom>
+          <a:noFill/>
+          <a:ln>
+            <a:solidFill>
+              <a:srgbClr val="FFCC00"/>
+            </a:solidFill>
+          </a:ln>
+        </p:spPr>
+        <p:style>
+          <a:lnRef idx="2">
+            <a:schemeClr val="accent1">
+              <a:shade val="50000"/>
+            </a:schemeClr>
+          </a:lnRef>
+          <a:fillRef idx="1">
+            <a:schemeClr val="accent1"/>
+          </a:fillRef>
+          <a:effectRef idx="0">
+            <a:schemeClr val="accent1"/>
+          </a:effectRef>
+          <a:fontRef idx="minor">
+            <a:schemeClr val="lt1"/>
+          </a:fontRef>
+        </p:style>
+        <p:txBody>
+          <a:bodyPr rtlCol="0" anchor="ctr"/>
+          <a:lstStyle/>
+          <a:p>
+            <a:pPr algn="ctr"/>
+            <a:endParaRPr lang="ko-KR" altLang="en-US">
+              <a:solidFill>
+                <a:schemeClr val="tx1"/>
+              </a:solidFill>
+            </a:endParaRPr>
+          </a:p>
+        </p:txBody>
+      </p:sp>
+      <p:sp>
+        <p:nvSpPr>
+          <p:cNvPr id="42" name="화살표: 갈매기형 수장 5">
+            <a:extLst>
+              <a:ext uri="{FF2B5EF4-FFF2-40B4-BE49-F238E27FC236}">
+                <a16:creationId xmlns="" xmlns:a16="http://schemas.microsoft.com/office/drawing/2014/main" id="{DE46CADA-41E8-412A-A136-0A94F5A27AD4}"/>
+              </a:ext>
+            </a:extLst>
+          </p:cNvPr>
+          <p:cNvSpPr/>
+          <p:nvPr/>
+        </p:nvSpPr>
+        <p:spPr>
+          <a:xfrm>
+            <a:off x="7012687" y="1072224"/>
+            <a:ext cx="1742256" cy="461945"/>
+          </a:xfrm>
+          <a:prstGeom prst="chevron">
+            <a:avLst/>
+          </a:prstGeom>
+          <a:noFill/>
+          <a:ln>
+            <a:solidFill>
+              <a:srgbClr val="FFCC00"/>
+            </a:solidFill>
+          </a:ln>
+        </p:spPr>
+        <p:style>
+          <a:lnRef idx="2">
+            <a:schemeClr val="accent1">
+              <a:shade val="50000"/>
+            </a:schemeClr>
+          </a:lnRef>
+          <a:fillRef idx="1">
+            <a:schemeClr val="accent1"/>
+          </a:fillRef>
+          <a:effectRef idx="0">
+            <a:schemeClr val="accent1"/>
+          </a:effectRef>
+          <a:fontRef idx="minor">
+            <a:schemeClr val="lt1"/>
+          </a:fontRef>
+        </p:style>
+        <p:txBody>
+          <a:bodyPr rtlCol="0" anchor="ctr"/>
+          <a:lstStyle/>
+          <a:p>
+            <a:pPr algn="ctr"/>
+            <a:endParaRPr lang="ko-KR" altLang="en-US">
+              <a:solidFill>
+                <a:schemeClr val="tx1"/>
+              </a:solidFill>
+            </a:endParaRPr>
+          </a:p>
+        </p:txBody>
+      </p:sp>
+      <p:sp>
+        <p:nvSpPr>
+          <p:cNvPr id="43" name="TextBox 42">
+            <a:extLst>
+              <a:ext uri="{FF2B5EF4-FFF2-40B4-BE49-F238E27FC236}">
+                <a16:creationId xmlns="" xmlns:a16="http://schemas.microsoft.com/office/drawing/2014/main" id="{68E943C8-5BA8-4C3E-A527-DD0F8F2B0E0A}"/>
+              </a:ext>
+            </a:extLst>
+          </p:cNvPr>
+          <p:cNvSpPr txBox="1"/>
+          <p:nvPr/>
+        </p:nvSpPr>
+        <p:spPr>
+          <a:xfrm>
+            <a:off x="675082" y="1130530"/>
+            <a:ext cx="1343858" cy="369332"/>
+          </a:xfrm>
+          <a:prstGeom prst="rect">
+            <a:avLst/>
+          </a:prstGeom>
+          <a:noFill/>
+        </p:spPr>
+        <p:txBody>
+          <a:bodyPr wrap="square" rtlCol="0">
+            <a:spAutoFit/>
+          </a:bodyPr>
+          <a:lstStyle/>
+          <a:p>
+            <a:r>
+              <a:rPr lang="ko-KR" altLang="en-US" b="1" dirty="0" err="1">
+                <a:solidFill>
+                  <a:schemeClr val="bg1"/>
+                </a:solidFill>
+              </a:rPr>
+              <a:t>웹스크래핑</a:t>
+            </a:r>
+            <a:endParaRPr lang="ko-KR" altLang="en-US" b="1" dirty="0">
+              <a:solidFill>
+                <a:schemeClr val="bg1"/>
+              </a:solidFill>
+            </a:endParaRPr>
+          </a:p>
+        </p:txBody>
+      </p:sp>
+      <p:sp>
+        <p:nvSpPr>
+          <p:cNvPr id="44" name="TextBox 43">
+            <a:extLst>
+              <a:ext uri="{FF2B5EF4-FFF2-40B4-BE49-F238E27FC236}">
+                <a16:creationId xmlns="" xmlns:a16="http://schemas.microsoft.com/office/drawing/2014/main" id="{4D3D8339-CC68-4AAC-A189-19E6E05D54DD}"/>
+              </a:ext>
+            </a:extLst>
+          </p:cNvPr>
+          <p:cNvSpPr txBox="1"/>
+          <p:nvPr/>
+        </p:nvSpPr>
+        <p:spPr>
+          <a:xfrm>
+            <a:off x="4198808" y="1129874"/>
+            <a:ext cx="890085" cy="369332"/>
+          </a:xfrm>
+          <a:prstGeom prst="rect">
+            <a:avLst/>
+          </a:prstGeom>
+          <a:noFill/>
+        </p:spPr>
+        <p:txBody>
+          <a:bodyPr wrap="square" rtlCol="0">
+            <a:spAutoFit/>
+          </a:bodyPr>
+          <a:lstStyle/>
+          <a:p>
+            <a:r>
+              <a:rPr lang="ko-KR" altLang="en-US" b="1" dirty="0">
+                <a:solidFill>
+                  <a:srgbClr val="082E59"/>
+                </a:solidFill>
+              </a:rPr>
+              <a:t>시각화</a:t>
+            </a:r>
+          </a:p>
+        </p:txBody>
+      </p:sp>
+      <p:sp>
+        <p:nvSpPr>
+          <p:cNvPr id="46" name="TextBox 45">
+            <a:extLst>
+              <a:ext uri="{FF2B5EF4-FFF2-40B4-BE49-F238E27FC236}">
+                <a16:creationId xmlns="" xmlns:a16="http://schemas.microsoft.com/office/drawing/2014/main" id="{32361A82-4993-4DC4-B5EF-3C30F9515573}"/>
+              </a:ext>
+            </a:extLst>
+          </p:cNvPr>
+          <p:cNvSpPr txBox="1"/>
+          <p:nvPr/>
+        </p:nvSpPr>
+        <p:spPr>
+          <a:xfrm>
+            <a:off x="7327810" y="1129874"/>
+            <a:ext cx="1101193" cy="369332"/>
+          </a:xfrm>
+          <a:prstGeom prst="rect">
+            <a:avLst/>
+          </a:prstGeom>
+          <a:noFill/>
+        </p:spPr>
+        <p:txBody>
+          <a:bodyPr wrap="square" rtlCol="0">
+            <a:spAutoFit/>
+          </a:bodyPr>
+          <a:lstStyle/>
+          <a:p>
+            <a:r>
+              <a:rPr lang="ko-KR" altLang="en-US" b="1" dirty="0">
+                <a:solidFill>
+                  <a:srgbClr val="082E59"/>
+                </a:solidFill>
+              </a:rPr>
+              <a:t>결론도출</a:t>
+            </a:r>
+          </a:p>
+        </p:txBody>
+      </p:sp>
+      <p:sp>
+        <p:nvSpPr>
+          <p:cNvPr id="47" name="TextBox 46">
+            <a:extLst>
+              <a:ext uri="{FF2B5EF4-FFF2-40B4-BE49-F238E27FC236}">
+                <a16:creationId xmlns="" xmlns:a16="http://schemas.microsoft.com/office/drawing/2014/main" id="{49D68CEE-0E8C-4AD6-9485-622609B084B3}"/>
+              </a:ext>
+            </a:extLst>
+          </p:cNvPr>
+          <p:cNvSpPr txBox="1"/>
+          <p:nvPr/>
+        </p:nvSpPr>
+        <p:spPr>
+          <a:xfrm>
+            <a:off x="5402325" y="1129874"/>
+            <a:ext cx="1742256" cy="369332"/>
+          </a:xfrm>
+          <a:prstGeom prst="rect">
+            <a:avLst/>
+          </a:prstGeom>
+          <a:noFill/>
+        </p:spPr>
+        <p:txBody>
+          <a:bodyPr wrap="square" rtlCol="0">
+            <a:spAutoFit/>
+          </a:bodyPr>
+          <a:lstStyle/>
+          <a:p>
+            <a:pPr algn="ctr"/>
+            <a:r>
+              <a:rPr lang="ko-KR" altLang="en-US" b="1" dirty="0">
+                <a:solidFill>
+                  <a:srgbClr val="082E59"/>
+                </a:solidFill>
+              </a:rPr>
+              <a:t>분석</a:t>
+            </a:r>
+          </a:p>
+        </p:txBody>
+      </p:sp>
+      <p:sp>
+        <p:nvSpPr>
+          <p:cNvPr id="48" name="화살표: 갈매기형 수장 2">
+            <a:extLst>
+              <a:ext uri="{FF2B5EF4-FFF2-40B4-BE49-F238E27FC236}">
+                <a16:creationId xmlns="" xmlns:a16="http://schemas.microsoft.com/office/drawing/2014/main" id="{7B196A9F-09F8-8545-89B0-5112E49D0233}"/>
+              </a:ext>
+            </a:extLst>
+          </p:cNvPr>
+          <p:cNvSpPr/>
+          <p:nvPr/>
+        </p:nvSpPr>
+        <p:spPr>
+          <a:xfrm>
+            <a:off x="2151275" y="1072224"/>
+            <a:ext cx="1742256" cy="461945"/>
+          </a:xfrm>
+          <a:prstGeom prst="chevron">
+            <a:avLst/>
+          </a:prstGeom>
+          <a:noFill/>
+          <a:ln>
+            <a:solidFill>
+              <a:srgbClr val="FFCC00"/>
+            </a:solidFill>
+          </a:ln>
+        </p:spPr>
+        <p:style>
+          <a:lnRef idx="2">
+            <a:schemeClr val="accent1">
+              <a:shade val="50000"/>
+            </a:schemeClr>
+          </a:lnRef>
+          <a:fillRef idx="1">
+            <a:schemeClr val="accent1"/>
+          </a:fillRef>
+          <a:effectRef idx="0">
+            <a:schemeClr val="accent1"/>
+          </a:effectRef>
+          <a:fontRef idx="minor">
+            <a:schemeClr val="lt1"/>
+          </a:fontRef>
+        </p:style>
+        <p:txBody>
+          <a:bodyPr rtlCol="0" anchor="ctr"/>
+          <a:lstStyle/>
+          <a:p>
+            <a:pPr algn="ctr"/>
+            <a:endParaRPr lang="ko-KR" altLang="en-US">
+              <a:solidFill>
+                <a:schemeClr val="tx1"/>
+              </a:solidFill>
+            </a:endParaRPr>
+          </a:p>
+        </p:txBody>
+      </p:sp>
+      <p:sp>
+        <p:nvSpPr>
+          <p:cNvPr id="49" name="TextBox 48">
+            <a:extLst>
+              <a:ext uri="{FF2B5EF4-FFF2-40B4-BE49-F238E27FC236}">
+                <a16:creationId xmlns="" xmlns:a16="http://schemas.microsoft.com/office/drawing/2014/main" id="{BC3F0FE1-9ECF-C344-B0A8-12B4DA316EC5}"/>
+              </a:ext>
+            </a:extLst>
+          </p:cNvPr>
+          <p:cNvSpPr txBox="1"/>
+          <p:nvPr/>
+        </p:nvSpPr>
+        <p:spPr>
+          <a:xfrm>
+            <a:off x="2548474" y="1140694"/>
+            <a:ext cx="890085" cy="369332"/>
+          </a:xfrm>
+          <a:prstGeom prst="rect">
+            <a:avLst/>
+          </a:prstGeom>
+          <a:noFill/>
+        </p:spPr>
+        <p:txBody>
+          <a:bodyPr wrap="square" rtlCol="0">
+            <a:spAutoFit/>
+          </a:bodyPr>
+          <a:lstStyle/>
+          <a:p>
+            <a:r>
+              <a:rPr lang="ko-KR" altLang="en-US" b="1" dirty="0">
+                <a:solidFill>
+                  <a:srgbClr val="082E59"/>
+                </a:solidFill>
+              </a:rPr>
+              <a:t>전처리</a:t>
+            </a:r>
+          </a:p>
+        </p:txBody>
+      </p:sp>
+      <p:pic>
+        <p:nvPicPr>
+          <p:cNvPr id="3" name="그림 2"/>
+          <p:cNvPicPr>
+            <a:picLocks noChangeAspect="1"/>
+          </p:cNvPicPr>
+          <p:nvPr/>
+        </p:nvPicPr>
+        <p:blipFill>
+          <a:blip r:embed="rId3"/>
+          <a:stretch>
+            <a:fillRect/>
+          </a:stretch>
+        </p:blipFill>
+        <p:spPr>
+          <a:xfrm>
+            <a:off x="675082" y="1844824"/>
+            <a:ext cx="7370787" cy="4100866"/>
+          </a:xfrm>
+          <a:prstGeom prst="rect">
+            <a:avLst/>
+          </a:prstGeom>
+        </p:spPr>
+      </p:pic>
+    </p:spTree>
+    <p:extLst>
+      <p:ext uri="{BB962C8B-B14F-4D97-AF65-F5344CB8AC3E}">
+        <p14:creationId xmlns:p14="http://schemas.microsoft.com/office/powerpoint/2010/main" val="1045512154"/>
+      </p:ext>
+    </p:extLst>
+  </p:cSld>
+  <p:clrMapOvr>
+    <a:masterClrMapping/>
+  </p:clrMapOvr>
+  <p:timing>
+    <p:tnLst>
+      <p:par>
+        <p:cTn id="1" dur="indefinite" restart="never" nodeType="tmRoot"/>
+      </p:par>
+    </p:tnLst>
+  </p:timing>
+</p:sld>
+</file>
+
+<file path=ppt/slides/slide11.xml><?xml version="1.0" encoding="utf-8"?>
+<p:sld xmlns:a="http://schemas.openxmlformats.org/drawingml/2006/main" xmlns:r="http://schemas.openxmlformats.org/officeDocument/2006/relationships" xmlns:p="http://schemas.openxmlformats.org/presentationml/2006/main">
+  <p:cSld>
+    <p:spTree>
+      <p:nvGrpSpPr>
+        <p:cNvPr id="1" name=""/>
+        <p:cNvGrpSpPr/>
+        <p:nvPr/>
+      </p:nvGrpSpPr>
+      <p:grpSpPr>
+        <a:xfrm>
+          <a:off x="0" y="0"/>
+          <a:ext cx="0" cy="0"/>
+          <a:chOff x="0" y="0"/>
+          <a:chExt cx="0" cy="0"/>
+        </a:xfrm>
+      </p:grpSpPr>
+      <p:sp>
+        <p:nvSpPr>
+          <p:cNvPr id="2" name="직사각형 1"/>
+          <p:cNvSpPr/>
+          <p:nvPr/>
+        </p:nvSpPr>
+        <p:spPr>
+          <a:xfrm>
+            <a:off x="251520" y="620688"/>
+            <a:ext cx="8640960" cy="5976664"/>
+          </a:xfrm>
+          <a:prstGeom prst="rect">
+            <a:avLst/>
+          </a:prstGeom>
+          <a:solidFill>
+            <a:schemeClr val="bg1"/>
+          </a:solidFill>
+          <a:ln>
+            <a:noFill/>
+          </a:ln>
+        </p:spPr>
+        <p:style>
+          <a:lnRef idx="2">
+            <a:schemeClr val="accent1">
+              <a:shade val="50000"/>
+            </a:schemeClr>
+          </a:lnRef>
+          <a:fillRef idx="1">
+            <a:schemeClr val="accent1"/>
+          </a:fillRef>
+          <a:effectRef idx="0">
+            <a:schemeClr val="accent1"/>
+          </a:effectRef>
+          <a:fontRef idx="minor">
+            <a:schemeClr val="lt1"/>
+          </a:fontRef>
+        </p:style>
+        <p:txBody>
+          <a:bodyPr rtlCol="0" anchor="ctr"/>
+          <a:lstStyle/>
+          <a:p>
+            <a:pPr algn="ctr"/>
+            <a:endParaRPr lang="ko-KR" altLang="en-US"/>
+          </a:p>
+        </p:txBody>
+      </p:sp>
+      <p:sp>
+        <p:nvSpPr>
+          <p:cNvPr id="8" name="직사각형 7"/>
+          <p:cNvSpPr/>
+          <p:nvPr/>
+        </p:nvSpPr>
+        <p:spPr>
+          <a:xfrm>
+            <a:off x="219463" y="271681"/>
+            <a:ext cx="1297150" cy="276999"/>
+          </a:xfrm>
+          <a:prstGeom prst="rect">
+            <a:avLst/>
+          </a:prstGeom>
+        </p:spPr>
+        <p:txBody>
+          <a:bodyPr wrap="none">
+            <a:spAutoFit/>
+          </a:bodyPr>
+          <a:lstStyle/>
+          <a:p>
+            <a:pPr algn="ctr"/>
+            <a:r>
+              <a:rPr lang="ko-KR" altLang="en-US" sz="1200" b="1" spc="-150" dirty="0" smtClean="0">
+                <a:solidFill>
+                  <a:schemeClr val="bg1"/>
+                </a:solidFill>
+              </a:rPr>
+              <a:t>제목을 입력하세요</a:t>
+            </a:r>
+            <a:endParaRPr lang="ko-KR" altLang="en-US" sz="1200" b="1" spc="-150" dirty="0">
+              <a:solidFill>
+                <a:schemeClr val="bg1"/>
+              </a:solidFill>
+            </a:endParaRPr>
+          </a:p>
+        </p:txBody>
+      </p:sp>
+      <p:sp>
+        <p:nvSpPr>
+          <p:cNvPr id="12" name="TextBox 11"/>
+          <p:cNvSpPr txBox="1"/>
+          <p:nvPr/>
+        </p:nvSpPr>
+        <p:spPr>
+          <a:xfrm>
+            <a:off x="5364088" y="271681"/>
+            <a:ext cx="3600400" cy="276999"/>
+          </a:xfrm>
+          <a:prstGeom prst="rect">
+            <a:avLst/>
+          </a:prstGeom>
+          <a:noFill/>
+        </p:spPr>
+        <p:txBody>
+          <a:bodyPr wrap="square" rtlCol="0">
+            <a:spAutoFit/>
+          </a:bodyPr>
+          <a:lstStyle/>
+          <a:p>
+            <a:pPr algn="dist"/>
+            <a:r>
+              <a:rPr lang="ko-KR" altLang="en-US" sz="1200" dirty="0" smtClean="0">
+                <a:solidFill>
+                  <a:schemeClr val="bg1"/>
+                </a:solidFill>
+              </a:rPr>
+              <a:t>과목이름이나 영문타이틀</a:t>
+            </a:r>
+          </a:p>
+        </p:txBody>
+      </p:sp>
+      <p:sp>
+        <p:nvSpPr>
+          <p:cNvPr id="38" name="화살표: 갈매기형 수장 1">
+            <a:extLst>
+              <a:ext uri="{FF2B5EF4-FFF2-40B4-BE49-F238E27FC236}">
+                <a16:creationId xmlns="" xmlns:a16="http://schemas.microsoft.com/office/drawing/2014/main" id="{A38FB86A-A9AC-4EAE-8223-69D52F8B1ABE}"/>
+              </a:ext>
+            </a:extLst>
+          </p:cNvPr>
+          <p:cNvSpPr/>
+          <p:nvPr/>
+        </p:nvSpPr>
+        <p:spPr>
+          <a:xfrm>
+            <a:off x="479244" y="1072880"/>
+            <a:ext cx="1742256" cy="461945"/>
+          </a:xfrm>
+          <a:prstGeom prst="chevron">
+            <a:avLst/>
+          </a:prstGeom>
+          <a:solidFill>
+            <a:srgbClr val="FFC000"/>
+          </a:solidFill>
+          <a:ln>
+            <a:solidFill>
+              <a:srgbClr val="FFCC00"/>
+            </a:solidFill>
+          </a:ln>
+        </p:spPr>
+        <p:style>
+          <a:lnRef idx="2">
+            <a:schemeClr val="accent1">
+              <a:shade val="50000"/>
+            </a:schemeClr>
+          </a:lnRef>
+          <a:fillRef idx="1">
+            <a:schemeClr val="accent1"/>
+          </a:fillRef>
+          <a:effectRef idx="0">
+            <a:schemeClr val="accent1"/>
+          </a:effectRef>
+          <a:fontRef idx="minor">
+            <a:schemeClr val="lt1"/>
+          </a:fontRef>
+        </p:style>
+        <p:txBody>
+          <a:bodyPr rtlCol="0" anchor="ctr"/>
+          <a:lstStyle/>
+          <a:p>
+            <a:pPr algn="ctr"/>
+            <a:endParaRPr lang="ko-KR" altLang="en-US">
+              <a:solidFill>
+                <a:schemeClr val="tx1"/>
+              </a:solidFill>
+            </a:endParaRPr>
+          </a:p>
+        </p:txBody>
+      </p:sp>
+      <p:sp>
+        <p:nvSpPr>
+          <p:cNvPr id="39" name="화살표: 갈매기형 수장 2">
+            <a:extLst>
+              <a:ext uri="{FF2B5EF4-FFF2-40B4-BE49-F238E27FC236}">
+                <a16:creationId xmlns="" xmlns:a16="http://schemas.microsoft.com/office/drawing/2014/main" id="{8C8E1FD7-9558-46EC-B4E7-FDD400E94927}"/>
+              </a:ext>
+            </a:extLst>
+          </p:cNvPr>
+          <p:cNvSpPr/>
+          <p:nvPr/>
+        </p:nvSpPr>
+        <p:spPr>
+          <a:xfrm>
+            <a:off x="3779912" y="1072224"/>
+            <a:ext cx="1742256" cy="461945"/>
+          </a:xfrm>
+          <a:prstGeom prst="chevron">
+            <a:avLst/>
+          </a:prstGeom>
+          <a:noFill/>
+          <a:ln>
+            <a:solidFill>
+              <a:srgbClr val="FFCC00"/>
+            </a:solidFill>
+          </a:ln>
+        </p:spPr>
+        <p:style>
+          <a:lnRef idx="2">
+            <a:schemeClr val="accent1">
+              <a:shade val="50000"/>
+            </a:schemeClr>
+          </a:lnRef>
+          <a:fillRef idx="1">
+            <a:schemeClr val="accent1"/>
+          </a:fillRef>
+          <a:effectRef idx="0">
+            <a:schemeClr val="accent1"/>
+          </a:effectRef>
+          <a:fontRef idx="minor">
+            <a:schemeClr val="lt1"/>
+          </a:fontRef>
+        </p:style>
+        <p:txBody>
+          <a:bodyPr rtlCol="0" anchor="ctr"/>
+          <a:lstStyle/>
+          <a:p>
+            <a:pPr algn="ctr"/>
+            <a:endParaRPr lang="ko-KR" altLang="en-US">
+              <a:solidFill>
+                <a:schemeClr val="tx1"/>
+              </a:solidFill>
+            </a:endParaRPr>
+          </a:p>
+        </p:txBody>
+      </p:sp>
+      <p:sp>
+        <p:nvSpPr>
+          <p:cNvPr id="41" name="화살표: 갈매기형 수장 4">
+            <a:extLst>
+              <a:ext uri="{FF2B5EF4-FFF2-40B4-BE49-F238E27FC236}">
+                <a16:creationId xmlns="" xmlns:a16="http://schemas.microsoft.com/office/drawing/2014/main" id="{66755A50-62DA-4FF0-95B0-EA82A6CC33B8}"/>
+              </a:ext>
+            </a:extLst>
+          </p:cNvPr>
+          <p:cNvSpPr/>
+          <p:nvPr/>
+        </p:nvSpPr>
+        <p:spPr>
+          <a:xfrm>
+            <a:off x="5402325" y="1072224"/>
+            <a:ext cx="1742256" cy="461945"/>
+          </a:xfrm>
+          <a:prstGeom prst="chevron">
+            <a:avLst/>
+          </a:prstGeom>
+          <a:noFill/>
+          <a:ln>
+            <a:solidFill>
+              <a:srgbClr val="FFCC00"/>
+            </a:solidFill>
+          </a:ln>
+        </p:spPr>
+        <p:style>
+          <a:lnRef idx="2">
+            <a:schemeClr val="accent1">
+              <a:shade val="50000"/>
+            </a:schemeClr>
+          </a:lnRef>
+          <a:fillRef idx="1">
+            <a:schemeClr val="accent1"/>
+          </a:fillRef>
+          <a:effectRef idx="0">
+            <a:schemeClr val="accent1"/>
+          </a:effectRef>
+          <a:fontRef idx="minor">
+            <a:schemeClr val="lt1"/>
+          </a:fontRef>
+        </p:style>
+        <p:txBody>
+          <a:bodyPr rtlCol="0" anchor="ctr"/>
+          <a:lstStyle/>
+          <a:p>
+            <a:pPr algn="ctr"/>
+            <a:endParaRPr lang="ko-KR" altLang="en-US">
+              <a:solidFill>
+                <a:schemeClr val="tx1"/>
+              </a:solidFill>
+            </a:endParaRPr>
+          </a:p>
+        </p:txBody>
+      </p:sp>
+      <p:sp>
+        <p:nvSpPr>
+          <p:cNvPr id="42" name="화살표: 갈매기형 수장 5">
+            <a:extLst>
+              <a:ext uri="{FF2B5EF4-FFF2-40B4-BE49-F238E27FC236}">
+                <a16:creationId xmlns="" xmlns:a16="http://schemas.microsoft.com/office/drawing/2014/main" id="{DE46CADA-41E8-412A-A136-0A94F5A27AD4}"/>
+              </a:ext>
+            </a:extLst>
+          </p:cNvPr>
+          <p:cNvSpPr/>
+          <p:nvPr/>
+        </p:nvSpPr>
+        <p:spPr>
+          <a:xfrm>
+            <a:off x="7012687" y="1072224"/>
+            <a:ext cx="1742256" cy="461945"/>
+          </a:xfrm>
+          <a:prstGeom prst="chevron">
+            <a:avLst/>
+          </a:prstGeom>
+          <a:noFill/>
+          <a:ln>
+            <a:solidFill>
+              <a:srgbClr val="FFCC00"/>
+            </a:solidFill>
+          </a:ln>
+        </p:spPr>
+        <p:style>
+          <a:lnRef idx="2">
+            <a:schemeClr val="accent1">
+              <a:shade val="50000"/>
+            </a:schemeClr>
+          </a:lnRef>
+          <a:fillRef idx="1">
+            <a:schemeClr val="accent1"/>
+          </a:fillRef>
+          <a:effectRef idx="0">
+            <a:schemeClr val="accent1"/>
+          </a:effectRef>
+          <a:fontRef idx="minor">
+            <a:schemeClr val="lt1"/>
+          </a:fontRef>
+        </p:style>
+        <p:txBody>
+          <a:bodyPr rtlCol="0" anchor="ctr"/>
+          <a:lstStyle/>
+          <a:p>
+            <a:pPr algn="ctr"/>
+            <a:endParaRPr lang="ko-KR" altLang="en-US">
+              <a:solidFill>
+                <a:schemeClr val="tx1"/>
+              </a:solidFill>
+            </a:endParaRPr>
+          </a:p>
+        </p:txBody>
+      </p:sp>
+      <p:sp>
+        <p:nvSpPr>
+          <p:cNvPr id="43" name="TextBox 42">
+            <a:extLst>
+              <a:ext uri="{FF2B5EF4-FFF2-40B4-BE49-F238E27FC236}">
+                <a16:creationId xmlns="" xmlns:a16="http://schemas.microsoft.com/office/drawing/2014/main" id="{68E943C8-5BA8-4C3E-A527-DD0F8F2B0E0A}"/>
+              </a:ext>
+            </a:extLst>
+          </p:cNvPr>
+          <p:cNvSpPr txBox="1"/>
+          <p:nvPr/>
+        </p:nvSpPr>
+        <p:spPr>
+          <a:xfrm>
+            <a:off x="675082" y="1130530"/>
+            <a:ext cx="1343858" cy="369332"/>
+          </a:xfrm>
+          <a:prstGeom prst="rect">
+            <a:avLst/>
+          </a:prstGeom>
+          <a:noFill/>
+        </p:spPr>
+        <p:txBody>
+          <a:bodyPr wrap="square" rtlCol="0">
+            <a:spAutoFit/>
+          </a:bodyPr>
+          <a:lstStyle/>
+          <a:p>
+            <a:r>
+              <a:rPr lang="ko-KR" altLang="en-US" b="1" dirty="0" err="1">
+                <a:solidFill>
+                  <a:schemeClr val="bg1"/>
+                </a:solidFill>
+              </a:rPr>
+              <a:t>웹스크래핑</a:t>
+            </a:r>
+            <a:endParaRPr lang="ko-KR" altLang="en-US" b="1" dirty="0">
+              <a:solidFill>
+                <a:schemeClr val="bg1"/>
+              </a:solidFill>
+            </a:endParaRPr>
+          </a:p>
+        </p:txBody>
+      </p:sp>
+      <p:sp>
+        <p:nvSpPr>
+          <p:cNvPr id="44" name="TextBox 43">
+            <a:extLst>
+              <a:ext uri="{FF2B5EF4-FFF2-40B4-BE49-F238E27FC236}">
+                <a16:creationId xmlns="" xmlns:a16="http://schemas.microsoft.com/office/drawing/2014/main" id="{4D3D8339-CC68-4AAC-A189-19E6E05D54DD}"/>
+              </a:ext>
+            </a:extLst>
+          </p:cNvPr>
+          <p:cNvSpPr txBox="1"/>
+          <p:nvPr/>
+        </p:nvSpPr>
+        <p:spPr>
+          <a:xfrm>
+            <a:off x="4198808" y="1129874"/>
+            <a:ext cx="890085" cy="369332"/>
+          </a:xfrm>
+          <a:prstGeom prst="rect">
+            <a:avLst/>
+          </a:prstGeom>
+          <a:noFill/>
+        </p:spPr>
+        <p:txBody>
+          <a:bodyPr wrap="square" rtlCol="0">
+            <a:spAutoFit/>
+          </a:bodyPr>
+          <a:lstStyle/>
+          <a:p>
+            <a:r>
+              <a:rPr lang="ko-KR" altLang="en-US" b="1" dirty="0">
+                <a:solidFill>
+                  <a:srgbClr val="082E59"/>
+                </a:solidFill>
+              </a:rPr>
+              <a:t>시각화</a:t>
+            </a:r>
+          </a:p>
+        </p:txBody>
+      </p:sp>
+      <p:sp>
+        <p:nvSpPr>
+          <p:cNvPr id="46" name="TextBox 45">
+            <a:extLst>
+              <a:ext uri="{FF2B5EF4-FFF2-40B4-BE49-F238E27FC236}">
+                <a16:creationId xmlns="" xmlns:a16="http://schemas.microsoft.com/office/drawing/2014/main" id="{32361A82-4993-4DC4-B5EF-3C30F9515573}"/>
+              </a:ext>
+            </a:extLst>
+          </p:cNvPr>
+          <p:cNvSpPr txBox="1"/>
+          <p:nvPr/>
+        </p:nvSpPr>
+        <p:spPr>
+          <a:xfrm>
+            <a:off x="7327810" y="1129874"/>
+            <a:ext cx="1101193" cy="369332"/>
+          </a:xfrm>
+          <a:prstGeom prst="rect">
+            <a:avLst/>
+          </a:prstGeom>
+          <a:noFill/>
+        </p:spPr>
+        <p:txBody>
+          <a:bodyPr wrap="square" rtlCol="0">
+            <a:spAutoFit/>
+          </a:bodyPr>
+          <a:lstStyle/>
+          <a:p>
+            <a:r>
+              <a:rPr lang="ko-KR" altLang="en-US" b="1" dirty="0">
+                <a:solidFill>
+                  <a:srgbClr val="082E59"/>
+                </a:solidFill>
+              </a:rPr>
+              <a:t>결론도출</a:t>
+            </a:r>
+          </a:p>
+        </p:txBody>
+      </p:sp>
+      <p:sp>
+        <p:nvSpPr>
+          <p:cNvPr id="47" name="TextBox 46">
+            <a:extLst>
+              <a:ext uri="{FF2B5EF4-FFF2-40B4-BE49-F238E27FC236}">
+                <a16:creationId xmlns="" xmlns:a16="http://schemas.microsoft.com/office/drawing/2014/main" id="{49D68CEE-0E8C-4AD6-9485-622609B084B3}"/>
+              </a:ext>
+            </a:extLst>
+          </p:cNvPr>
+          <p:cNvSpPr txBox="1"/>
+          <p:nvPr/>
+        </p:nvSpPr>
+        <p:spPr>
+          <a:xfrm>
+            <a:off x="5402325" y="1129874"/>
+            <a:ext cx="1742256" cy="369332"/>
+          </a:xfrm>
+          <a:prstGeom prst="rect">
+            <a:avLst/>
+          </a:prstGeom>
+          <a:noFill/>
+        </p:spPr>
+        <p:txBody>
+          <a:bodyPr wrap="square" rtlCol="0">
+            <a:spAutoFit/>
+          </a:bodyPr>
+          <a:lstStyle/>
+          <a:p>
+            <a:pPr algn="ctr"/>
+            <a:r>
+              <a:rPr lang="ko-KR" altLang="en-US" b="1" dirty="0">
+                <a:solidFill>
+                  <a:srgbClr val="082E59"/>
+                </a:solidFill>
+              </a:rPr>
+              <a:t>분석</a:t>
+            </a:r>
+          </a:p>
+        </p:txBody>
+      </p:sp>
+      <p:sp>
+        <p:nvSpPr>
+          <p:cNvPr id="48" name="화살표: 갈매기형 수장 2">
+            <a:extLst>
+              <a:ext uri="{FF2B5EF4-FFF2-40B4-BE49-F238E27FC236}">
+                <a16:creationId xmlns="" xmlns:a16="http://schemas.microsoft.com/office/drawing/2014/main" id="{7B196A9F-09F8-8545-89B0-5112E49D0233}"/>
+              </a:ext>
+            </a:extLst>
+          </p:cNvPr>
+          <p:cNvSpPr/>
+          <p:nvPr/>
+        </p:nvSpPr>
+        <p:spPr>
+          <a:xfrm>
+            <a:off x="2151275" y="1072224"/>
+            <a:ext cx="1742256" cy="461945"/>
+          </a:xfrm>
+          <a:prstGeom prst="chevron">
+            <a:avLst/>
+          </a:prstGeom>
+          <a:noFill/>
+          <a:ln>
+            <a:solidFill>
+              <a:srgbClr val="FFCC00"/>
+            </a:solidFill>
+          </a:ln>
+        </p:spPr>
+        <p:style>
+          <a:lnRef idx="2">
+            <a:schemeClr val="accent1">
+              <a:shade val="50000"/>
+            </a:schemeClr>
+          </a:lnRef>
+          <a:fillRef idx="1">
+            <a:schemeClr val="accent1"/>
+          </a:fillRef>
+          <a:effectRef idx="0">
+            <a:schemeClr val="accent1"/>
+          </a:effectRef>
+          <a:fontRef idx="minor">
+            <a:schemeClr val="lt1"/>
+          </a:fontRef>
+        </p:style>
+        <p:txBody>
+          <a:bodyPr rtlCol="0" anchor="ctr"/>
+          <a:lstStyle/>
+          <a:p>
+            <a:pPr algn="ctr"/>
+            <a:endParaRPr lang="ko-KR" altLang="en-US">
+              <a:solidFill>
+                <a:schemeClr val="tx1"/>
+              </a:solidFill>
+            </a:endParaRPr>
+          </a:p>
+        </p:txBody>
+      </p:sp>
+      <p:sp>
+        <p:nvSpPr>
+          <p:cNvPr id="49" name="TextBox 48">
+            <a:extLst>
+              <a:ext uri="{FF2B5EF4-FFF2-40B4-BE49-F238E27FC236}">
+                <a16:creationId xmlns="" xmlns:a16="http://schemas.microsoft.com/office/drawing/2014/main" id="{BC3F0FE1-9ECF-C344-B0A8-12B4DA316EC5}"/>
+              </a:ext>
+            </a:extLst>
+          </p:cNvPr>
+          <p:cNvSpPr txBox="1"/>
+          <p:nvPr/>
+        </p:nvSpPr>
+        <p:spPr>
+          <a:xfrm>
+            <a:off x="2548474" y="1140694"/>
+            <a:ext cx="890085" cy="369332"/>
+          </a:xfrm>
+          <a:prstGeom prst="rect">
+            <a:avLst/>
+          </a:prstGeom>
+          <a:noFill/>
+        </p:spPr>
+        <p:txBody>
+          <a:bodyPr wrap="square" rtlCol="0">
+            <a:spAutoFit/>
+          </a:bodyPr>
+          <a:lstStyle/>
+          <a:p>
+            <a:r>
+              <a:rPr lang="ko-KR" altLang="en-US" b="1" dirty="0">
+                <a:solidFill>
+                  <a:srgbClr val="082E59"/>
+                </a:solidFill>
+              </a:rPr>
+              <a:t>전처리</a:t>
+            </a:r>
+          </a:p>
+        </p:txBody>
+      </p:sp>
+      <p:pic>
+        <p:nvPicPr>
+          <p:cNvPr id="4" name="그림 3"/>
+          <p:cNvPicPr>
+            <a:picLocks noChangeAspect="1"/>
+          </p:cNvPicPr>
+          <p:nvPr/>
+        </p:nvPicPr>
+        <p:blipFill>
+          <a:blip r:embed="rId3"/>
+          <a:stretch>
+            <a:fillRect/>
+          </a:stretch>
+        </p:blipFill>
+        <p:spPr>
+          <a:xfrm>
+            <a:off x="1162546" y="1712983"/>
+            <a:ext cx="6818908" cy="4600908"/>
+          </a:xfrm>
+          <a:prstGeom prst="rect">
+            <a:avLst/>
+          </a:prstGeom>
+        </p:spPr>
+      </p:pic>
+    </p:spTree>
+    <p:extLst>
+      <p:ext uri="{BB962C8B-B14F-4D97-AF65-F5344CB8AC3E}">
+        <p14:creationId xmlns:p14="http://schemas.microsoft.com/office/powerpoint/2010/main" val="2302810847"/>
+      </p:ext>
+    </p:extLst>
+  </p:cSld>
+  <p:clrMapOvr>
+    <a:masterClrMapping/>
+  </p:clrMapOvr>
+  <p:timing>
+    <p:tnLst>
+      <p:par>
+        <p:cTn id="1" dur="indefinite" restart="never" nodeType="tmRoot"/>
+      </p:par>
+    </p:tnLst>
+  </p:timing>
+</p:sld>
+</file>
+
+<file path=ppt/slides/slide12.xml><?xml version="1.0" encoding="utf-8"?>
+<p:sld xmlns:a="http://schemas.openxmlformats.org/drawingml/2006/main" xmlns:r="http://schemas.openxmlformats.org/officeDocument/2006/relationships" xmlns:p="http://schemas.openxmlformats.org/presentationml/2006/main">
+  <p:cSld>
+    <p:spTree>
+      <p:nvGrpSpPr>
+        <p:cNvPr id="1" name=""/>
+        <p:cNvGrpSpPr/>
+        <p:nvPr/>
+      </p:nvGrpSpPr>
+      <p:grpSpPr>
+        <a:xfrm>
+          <a:off x="0" y="0"/>
+          <a:ext cx="0" cy="0"/>
+          <a:chOff x="0" y="0"/>
+          <a:chExt cx="0" cy="0"/>
+        </a:xfrm>
+      </p:grpSpPr>
+      <p:sp>
+        <p:nvSpPr>
+          <p:cNvPr id="2" name="직사각형 1"/>
+          <p:cNvSpPr/>
+          <p:nvPr/>
+        </p:nvSpPr>
+        <p:spPr>
+          <a:xfrm>
+            <a:off x="251520" y="620688"/>
+            <a:ext cx="8640960" cy="5976664"/>
+          </a:xfrm>
+          <a:prstGeom prst="rect">
+            <a:avLst/>
+          </a:prstGeom>
+          <a:solidFill>
+            <a:schemeClr val="bg1"/>
+          </a:solidFill>
+          <a:ln>
+            <a:noFill/>
+          </a:ln>
+        </p:spPr>
+        <p:style>
+          <a:lnRef idx="2">
+            <a:schemeClr val="accent1">
+              <a:shade val="50000"/>
+            </a:schemeClr>
+          </a:lnRef>
+          <a:fillRef idx="1">
+            <a:schemeClr val="accent1"/>
+          </a:fillRef>
+          <a:effectRef idx="0">
+            <a:schemeClr val="accent1"/>
+          </a:effectRef>
+          <a:fontRef idx="minor">
+            <a:schemeClr val="lt1"/>
+          </a:fontRef>
+        </p:style>
+        <p:txBody>
+          <a:bodyPr rtlCol="0" anchor="ctr"/>
+          <a:lstStyle/>
+          <a:p>
+            <a:pPr algn="ctr"/>
+            <a:endParaRPr lang="ko-KR" altLang="en-US"/>
+          </a:p>
+        </p:txBody>
+      </p:sp>
+      <p:sp>
+        <p:nvSpPr>
+          <p:cNvPr id="8" name="직사각형 7"/>
+          <p:cNvSpPr/>
+          <p:nvPr/>
+        </p:nvSpPr>
+        <p:spPr>
+          <a:xfrm>
+            <a:off x="219463" y="271681"/>
+            <a:ext cx="1297150" cy="276999"/>
+          </a:xfrm>
+          <a:prstGeom prst="rect">
+            <a:avLst/>
+          </a:prstGeom>
+        </p:spPr>
+        <p:txBody>
+          <a:bodyPr wrap="none">
+            <a:spAutoFit/>
+          </a:bodyPr>
+          <a:lstStyle/>
+          <a:p>
+            <a:pPr algn="ctr"/>
+            <a:r>
+              <a:rPr lang="ko-KR" altLang="en-US" sz="1200" b="1" spc="-150" dirty="0" smtClean="0">
+                <a:solidFill>
+                  <a:schemeClr val="bg1"/>
+                </a:solidFill>
+              </a:rPr>
+              <a:t>제목을 입력하세요</a:t>
+            </a:r>
+            <a:endParaRPr lang="ko-KR" altLang="en-US" sz="1200" b="1" spc="-150" dirty="0">
+              <a:solidFill>
+                <a:schemeClr val="bg1"/>
+              </a:solidFill>
+            </a:endParaRPr>
+          </a:p>
+        </p:txBody>
+      </p:sp>
+      <p:sp>
+        <p:nvSpPr>
+          <p:cNvPr id="12" name="TextBox 11"/>
+          <p:cNvSpPr txBox="1"/>
+          <p:nvPr/>
+        </p:nvSpPr>
+        <p:spPr>
+          <a:xfrm>
+            <a:off x="5364088" y="271681"/>
+            <a:ext cx="3600400" cy="276999"/>
+          </a:xfrm>
+          <a:prstGeom prst="rect">
+            <a:avLst/>
+          </a:prstGeom>
+          <a:noFill/>
+        </p:spPr>
+        <p:txBody>
+          <a:bodyPr wrap="square" rtlCol="0">
+            <a:spAutoFit/>
+          </a:bodyPr>
+          <a:lstStyle/>
+          <a:p>
+            <a:pPr algn="dist"/>
+            <a:r>
+              <a:rPr lang="ko-KR" altLang="en-US" sz="1200" dirty="0" smtClean="0">
+                <a:solidFill>
+                  <a:schemeClr val="bg1"/>
+                </a:solidFill>
+              </a:rPr>
+              <a:t>과목이름이나 영문타이틀</a:t>
+            </a:r>
+          </a:p>
+        </p:txBody>
+      </p:sp>
+      <p:sp>
+        <p:nvSpPr>
+          <p:cNvPr id="38" name="화살표: 갈매기형 수장 1">
+            <a:extLst>
+              <a:ext uri="{FF2B5EF4-FFF2-40B4-BE49-F238E27FC236}">
+                <a16:creationId xmlns="" xmlns:a16="http://schemas.microsoft.com/office/drawing/2014/main" id="{A38FB86A-A9AC-4EAE-8223-69D52F8B1ABE}"/>
+              </a:ext>
+            </a:extLst>
+          </p:cNvPr>
+          <p:cNvSpPr/>
+          <p:nvPr/>
+        </p:nvSpPr>
+        <p:spPr>
+          <a:xfrm>
+            <a:off x="479244" y="1072880"/>
+            <a:ext cx="1742256" cy="461945"/>
+          </a:xfrm>
+          <a:prstGeom prst="chevron">
+            <a:avLst/>
+          </a:prstGeom>
+          <a:solidFill>
+            <a:srgbClr val="FFC000"/>
+          </a:solidFill>
+          <a:ln>
+            <a:solidFill>
+              <a:srgbClr val="FFCC00"/>
+            </a:solidFill>
+          </a:ln>
+        </p:spPr>
+        <p:style>
+          <a:lnRef idx="2">
+            <a:schemeClr val="accent1">
+              <a:shade val="50000"/>
+            </a:schemeClr>
+          </a:lnRef>
+          <a:fillRef idx="1">
+            <a:schemeClr val="accent1"/>
+          </a:fillRef>
+          <a:effectRef idx="0">
+            <a:schemeClr val="accent1"/>
+          </a:effectRef>
+          <a:fontRef idx="minor">
+            <a:schemeClr val="lt1"/>
+          </a:fontRef>
+        </p:style>
+        <p:txBody>
+          <a:bodyPr rtlCol="0" anchor="ctr"/>
+          <a:lstStyle/>
+          <a:p>
+            <a:pPr algn="ctr"/>
+            <a:endParaRPr lang="ko-KR" altLang="en-US">
+              <a:solidFill>
+                <a:schemeClr val="tx1"/>
+              </a:solidFill>
+            </a:endParaRPr>
+          </a:p>
+        </p:txBody>
+      </p:sp>
+      <p:sp>
+        <p:nvSpPr>
+          <p:cNvPr id="39" name="화살표: 갈매기형 수장 2">
+            <a:extLst>
+              <a:ext uri="{FF2B5EF4-FFF2-40B4-BE49-F238E27FC236}">
+                <a16:creationId xmlns="" xmlns:a16="http://schemas.microsoft.com/office/drawing/2014/main" id="{8C8E1FD7-9558-46EC-B4E7-FDD400E94927}"/>
+              </a:ext>
+            </a:extLst>
+          </p:cNvPr>
+          <p:cNvSpPr/>
+          <p:nvPr/>
+        </p:nvSpPr>
+        <p:spPr>
+          <a:xfrm>
+            <a:off x="3779912" y="1072224"/>
+            <a:ext cx="1742256" cy="461945"/>
+          </a:xfrm>
+          <a:prstGeom prst="chevron">
+            <a:avLst/>
+          </a:prstGeom>
+          <a:noFill/>
+          <a:ln>
+            <a:solidFill>
+              <a:srgbClr val="FFCC00"/>
+            </a:solidFill>
+          </a:ln>
+        </p:spPr>
+        <p:style>
+          <a:lnRef idx="2">
+            <a:schemeClr val="accent1">
+              <a:shade val="50000"/>
+            </a:schemeClr>
+          </a:lnRef>
+          <a:fillRef idx="1">
+            <a:schemeClr val="accent1"/>
+          </a:fillRef>
+          <a:effectRef idx="0">
+            <a:schemeClr val="accent1"/>
+          </a:effectRef>
+          <a:fontRef idx="minor">
+            <a:schemeClr val="lt1"/>
+          </a:fontRef>
+        </p:style>
+        <p:txBody>
+          <a:bodyPr rtlCol="0" anchor="ctr"/>
+          <a:lstStyle/>
+          <a:p>
+            <a:pPr algn="ctr"/>
+            <a:endParaRPr lang="ko-KR" altLang="en-US">
+              <a:solidFill>
+                <a:schemeClr val="tx1"/>
+              </a:solidFill>
+            </a:endParaRPr>
+          </a:p>
+        </p:txBody>
+      </p:sp>
+      <p:sp>
+        <p:nvSpPr>
+          <p:cNvPr id="41" name="화살표: 갈매기형 수장 4">
+            <a:extLst>
+              <a:ext uri="{FF2B5EF4-FFF2-40B4-BE49-F238E27FC236}">
+                <a16:creationId xmlns="" xmlns:a16="http://schemas.microsoft.com/office/drawing/2014/main" id="{66755A50-62DA-4FF0-95B0-EA82A6CC33B8}"/>
+              </a:ext>
+            </a:extLst>
+          </p:cNvPr>
+          <p:cNvSpPr/>
+          <p:nvPr/>
+        </p:nvSpPr>
+        <p:spPr>
+          <a:xfrm>
+            <a:off x="5402325" y="1072224"/>
+            <a:ext cx="1742256" cy="461945"/>
+          </a:xfrm>
+          <a:prstGeom prst="chevron">
+            <a:avLst/>
+          </a:prstGeom>
+          <a:noFill/>
+          <a:ln>
+            <a:solidFill>
+              <a:srgbClr val="FFCC00"/>
+            </a:solidFill>
+          </a:ln>
+        </p:spPr>
+        <p:style>
+          <a:lnRef idx="2">
+            <a:schemeClr val="accent1">
+              <a:shade val="50000"/>
+            </a:schemeClr>
+          </a:lnRef>
+          <a:fillRef idx="1">
+            <a:schemeClr val="accent1"/>
+          </a:fillRef>
+          <a:effectRef idx="0">
+            <a:schemeClr val="accent1"/>
+          </a:effectRef>
+          <a:fontRef idx="minor">
+            <a:schemeClr val="lt1"/>
+          </a:fontRef>
+        </p:style>
+        <p:txBody>
+          <a:bodyPr rtlCol="0" anchor="ctr"/>
+          <a:lstStyle/>
+          <a:p>
+            <a:pPr algn="ctr"/>
+            <a:endParaRPr lang="ko-KR" altLang="en-US">
+              <a:solidFill>
+                <a:schemeClr val="tx1"/>
+              </a:solidFill>
+            </a:endParaRPr>
+          </a:p>
+        </p:txBody>
+      </p:sp>
+      <p:sp>
+        <p:nvSpPr>
+          <p:cNvPr id="42" name="화살표: 갈매기형 수장 5">
+            <a:extLst>
+              <a:ext uri="{FF2B5EF4-FFF2-40B4-BE49-F238E27FC236}">
+                <a16:creationId xmlns="" xmlns:a16="http://schemas.microsoft.com/office/drawing/2014/main" id="{DE46CADA-41E8-412A-A136-0A94F5A27AD4}"/>
+              </a:ext>
+            </a:extLst>
+          </p:cNvPr>
+          <p:cNvSpPr/>
+          <p:nvPr/>
+        </p:nvSpPr>
+        <p:spPr>
+          <a:xfrm>
+            <a:off x="7012687" y="1072224"/>
+            <a:ext cx="1742256" cy="461945"/>
+          </a:xfrm>
+          <a:prstGeom prst="chevron">
+            <a:avLst/>
+          </a:prstGeom>
+          <a:noFill/>
+          <a:ln>
+            <a:solidFill>
+              <a:srgbClr val="FFCC00"/>
+            </a:solidFill>
+          </a:ln>
+        </p:spPr>
+        <p:style>
+          <a:lnRef idx="2">
+            <a:schemeClr val="accent1">
+              <a:shade val="50000"/>
+            </a:schemeClr>
+          </a:lnRef>
+          <a:fillRef idx="1">
+            <a:schemeClr val="accent1"/>
+          </a:fillRef>
+          <a:effectRef idx="0">
+            <a:schemeClr val="accent1"/>
+          </a:effectRef>
+          <a:fontRef idx="minor">
+            <a:schemeClr val="lt1"/>
+          </a:fontRef>
+        </p:style>
+        <p:txBody>
+          <a:bodyPr rtlCol="0" anchor="ctr"/>
+          <a:lstStyle/>
+          <a:p>
+            <a:pPr algn="ctr"/>
+            <a:endParaRPr lang="ko-KR" altLang="en-US">
+              <a:solidFill>
+                <a:schemeClr val="tx1"/>
+              </a:solidFill>
+            </a:endParaRPr>
+          </a:p>
+        </p:txBody>
+      </p:sp>
+      <p:sp>
+        <p:nvSpPr>
+          <p:cNvPr id="43" name="TextBox 42">
+            <a:extLst>
+              <a:ext uri="{FF2B5EF4-FFF2-40B4-BE49-F238E27FC236}">
+                <a16:creationId xmlns="" xmlns:a16="http://schemas.microsoft.com/office/drawing/2014/main" id="{68E943C8-5BA8-4C3E-A527-DD0F8F2B0E0A}"/>
+              </a:ext>
+            </a:extLst>
+          </p:cNvPr>
+          <p:cNvSpPr txBox="1"/>
+          <p:nvPr/>
+        </p:nvSpPr>
+        <p:spPr>
+          <a:xfrm>
+            <a:off x="675082" y="1130530"/>
+            <a:ext cx="1343858" cy="369332"/>
+          </a:xfrm>
+          <a:prstGeom prst="rect">
+            <a:avLst/>
+          </a:prstGeom>
+          <a:noFill/>
+        </p:spPr>
+        <p:txBody>
+          <a:bodyPr wrap="square" rtlCol="0">
+            <a:spAutoFit/>
+          </a:bodyPr>
+          <a:lstStyle/>
+          <a:p>
+            <a:r>
+              <a:rPr lang="ko-KR" altLang="en-US" b="1" dirty="0" err="1">
+                <a:solidFill>
+                  <a:schemeClr val="bg1"/>
+                </a:solidFill>
+              </a:rPr>
+              <a:t>웹스크래핑</a:t>
+            </a:r>
+            <a:endParaRPr lang="ko-KR" altLang="en-US" b="1" dirty="0">
+              <a:solidFill>
+                <a:schemeClr val="bg1"/>
+              </a:solidFill>
+            </a:endParaRPr>
+          </a:p>
+        </p:txBody>
+      </p:sp>
+      <p:sp>
+        <p:nvSpPr>
+          <p:cNvPr id="44" name="TextBox 43">
+            <a:extLst>
+              <a:ext uri="{FF2B5EF4-FFF2-40B4-BE49-F238E27FC236}">
+                <a16:creationId xmlns="" xmlns:a16="http://schemas.microsoft.com/office/drawing/2014/main" id="{4D3D8339-CC68-4AAC-A189-19E6E05D54DD}"/>
+              </a:ext>
+            </a:extLst>
+          </p:cNvPr>
+          <p:cNvSpPr txBox="1"/>
+          <p:nvPr/>
+        </p:nvSpPr>
+        <p:spPr>
+          <a:xfrm>
+            <a:off x="4198808" y="1129874"/>
+            <a:ext cx="890085" cy="369332"/>
+          </a:xfrm>
+          <a:prstGeom prst="rect">
+            <a:avLst/>
+          </a:prstGeom>
+          <a:noFill/>
+        </p:spPr>
+        <p:txBody>
+          <a:bodyPr wrap="square" rtlCol="0">
+            <a:spAutoFit/>
+          </a:bodyPr>
+          <a:lstStyle/>
+          <a:p>
+            <a:r>
+              <a:rPr lang="ko-KR" altLang="en-US" b="1" dirty="0">
+                <a:solidFill>
+                  <a:srgbClr val="082E59"/>
+                </a:solidFill>
+              </a:rPr>
+              <a:t>시각화</a:t>
+            </a:r>
+          </a:p>
+        </p:txBody>
+      </p:sp>
+      <p:sp>
+        <p:nvSpPr>
+          <p:cNvPr id="46" name="TextBox 45">
+            <a:extLst>
+              <a:ext uri="{FF2B5EF4-FFF2-40B4-BE49-F238E27FC236}">
+                <a16:creationId xmlns="" xmlns:a16="http://schemas.microsoft.com/office/drawing/2014/main" id="{32361A82-4993-4DC4-B5EF-3C30F9515573}"/>
+              </a:ext>
+            </a:extLst>
+          </p:cNvPr>
+          <p:cNvSpPr txBox="1"/>
+          <p:nvPr/>
+        </p:nvSpPr>
+        <p:spPr>
+          <a:xfrm>
+            <a:off x="7327810" y="1129874"/>
+            <a:ext cx="1101193" cy="369332"/>
+          </a:xfrm>
+          <a:prstGeom prst="rect">
+            <a:avLst/>
+          </a:prstGeom>
+          <a:noFill/>
+        </p:spPr>
+        <p:txBody>
+          <a:bodyPr wrap="square" rtlCol="0">
+            <a:spAutoFit/>
+          </a:bodyPr>
+          <a:lstStyle/>
+          <a:p>
+            <a:r>
+              <a:rPr lang="ko-KR" altLang="en-US" b="1" dirty="0">
+                <a:solidFill>
+                  <a:srgbClr val="082E59"/>
+                </a:solidFill>
+              </a:rPr>
+              <a:t>결론도출</a:t>
+            </a:r>
+          </a:p>
+        </p:txBody>
+      </p:sp>
+      <p:sp>
+        <p:nvSpPr>
+          <p:cNvPr id="47" name="TextBox 46">
+            <a:extLst>
+              <a:ext uri="{FF2B5EF4-FFF2-40B4-BE49-F238E27FC236}">
+                <a16:creationId xmlns="" xmlns:a16="http://schemas.microsoft.com/office/drawing/2014/main" id="{49D68CEE-0E8C-4AD6-9485-622609B084B3}"/>
+              </a:ext>
+            </a:extLst>
+          </p:cNvPr>
+          <p:cNvSpPr txBox="1"/>
+          <p:nvPr/>
+        </p:nvSpPr>
+        <p:spPr>
+          <a:xfrm>
+            <a:off x="5402325" y="1129874"/>
+            <a:ext cx="1742256" cy="369332"/>
+          </a:xfrm>
+          <a:prstGeom prst="rect">
+            <a:avLst/>
+          </a:prstGeom>
+          <a:noFill/>
+        </p:spPr>
+        <p:txBody>
+          <a:bodyPr wrap="square" rtlCol="0">
+            <a:spAutoFit/>
+          </a:bodyPr>
+          <a:lstStyle/>
+          <a:p>
+            <a:pPr algn="ctr"/>
+            <a:r>
+              <a:rPr lang="ko-KR" altLang="en-US" b="1" dirty="0">
+                <a:solidFill>
+                  <a:srgbClr val="082E59"/>
+                </a:solidFill>
+              </a:rPr>
+              <a:t>분석</a:t>
+            </a:r>
+          </a:p>
+        </p:txBody>
+      </p:sp>
+      <p:sp>
+        <p:nvSpPr>
+          <p:cNvPr id="48" name="화살표: 갈매기형 수장 2">
+            <a:extLst>
+              <a:ext uri="{FF2B5EF4-FFF2-40B4-BE49-F238E27FC236}">
+                <a16:creationId xmlns="" xmlns:a16="http://schemas.microsoft.com/office/drawing/2014/main" id="{7B196A9F-09F8-8545-89B0-5112E49D0233}"/>
+              </a:ext>
+            </a:extLst>
+          </p:cNvPr>
+          <p:cNvSpPr/>
+          <p:nvPr/>
+        </p:nvSpPr>
+        <p:spPr>
+          <a:xfrm>
+            <a:off x="2151275" y="1072224"/>
+            <a:ext cx="1742256" cy="461945"/>
+          </a:xfrm>
+          <a:prstGeom prst="chevron">
+            <a:avLst/>
+          </a:prstGeom>
+          <a:noFill/>
+          <a:ln>
+            <a:solidFill>
+              <a:srgbClr val="FFCC00"/>
+            </a:solidFill>
+          </a:ln>
+        </p:spPr>
+        <p:style>
+          <a:lnRef idx="2">
+            <a:schemeClr val="accent1">
+              <a:shade val="50000"/>
+            </a:schemeClr>
+          </a:lnRef>
+          <a:fillRef idx="1">
+            <a:schemeClr val="accent1"/>
+          </a:fillRef>
+          <a:effectRef idx="0">
+            <a:schemeClr val="accent1"/>
+          </a:effectRef>
+          <a:fontRef idx="minor">
+            <a:schemeClr val="lt1"/>
+          </a:fontRef>
+        </p:style>
+        <p:txBody>
+          <a:bodyPr rtlCol="0" anchor="ctr"/>
+          <a:lstStyle/>
+          <a:p>
+            <a:pPr algn="ctr"/>
+            <a:endParaRPr lang="ko-KR" altLang="en-US">
+              <a:solidFill>
+                <a:schemeClr val="tx1"/>
+              </a:solidFill>
+            </a:endParaRPr>
+          </a:p>
+        </p:txBody>
+      </p:sp>
+      <p:sp>
+        <p:nvSpPr>
+          <p:cNvPr id="49" name="TextBox 48">
+            <a:extLst>
+              <a:ext uri="{FF2B5EF4-FFF2-40B4-BE49-F238E27FC236}">
+                <a16:creationId xmlns="" xmlns:a16="http://schemas.microsoft.com/office/drawing/2014/main" id="{BC3F0FE1-9ECF-C344-B0A8-12B4DA316EC5}"/>
+              </a:ext>
+            </a:extLst>
+          </p:cNvPr>
+          <p:cNvSpPr txBox="1"/>
+          <p:nvPr/>
+        </p:nvSpPr>
+        <p:spPr>
+          <a:xfrm>
+            <a:off x="2548474" y="1140694"/>
+            <a:ext cx="890085" cy="369332"/>
+          </a:xfrm>
+          <a:prstGeom prst="rect">
+            <a:avLst/>
+          </a:prstGeom>
+          <a:noFill/>
+        </p:spPr>
+        <p:txBody>
+          <a:bodyPr wrap="square" rtlCol="0">
+            <a:spAutoFit/>
+          </a:bodyPr>
+          <a:lstStyle/>
+          <a:p>
+            <a:r>
+              <a:rPr lang="ko-KR" altLang="en-US" b="1" dirty="0">
+                <a:solidFill>
+                  <a:srgbClr val="082E59"/>
+                </a:solidFill>
+              </a:rPr>
+              <a:t>전처리</a:t>
+            </a:r>
+          </a:p>
+        </p:txBody>
+      </p:sp>
+      <p:pic>
+        <p:nvPicPr>
+          <p:cNvPr id="6" name="그림 5"/>
+          <p:cNvPicPr>
+            <a:picLocks noChangeAspect="1"/>
+          </p:cNvPicPr>
+          <p:nvPr/>
+        </p:nvPicPr>
+        <p:blipFill>
+          <a:blip r:embed="rId3"/>
+          <a:stretch>
+            <a:fillRect/>
+          </a:stretch>
+        </p:blipFill>
+        <p:spPr>
+          <a:xfrm>
+            <a:off x="628650" y="2580320"/>
+            <a:ext cx="7886700" cy="2057400"/>
+          </a:xfrm>
+          <a:prstGeom prst="rect">
+            <a:avLst/>
+          </a:prstGeom>
+        </p:spPr>
+      </p:pic>
+    </p:spTree>
+    <p:extLst>
+      <p:ext uri="{BB962C8B-B14F-4D97-AF65-F5344CB8AC3E}">
+        <p14:creationId xmlns:p14="http://schemas.microsoft.com/office/powerpoint/2010/main" val="861637223"/>
+      </p:ext>
+    </p:extLst>
+  </p:cSld>
+  <p:clrMapOvr>
+    <a:masterClrMapping/>
+  </p:clrMapOvr>
+  <p:timing>
+    <p:tnLst>
+      <p:par>
+        <p:cTn id="1" dur="indefinite" restart="never" nodeType="tmRoot"/>
+      </p:par>
+    </p:tnLst>
+  </p:timing>
+</p:sld>
+</file>
+
+<file path=ppt/slides/slide13.xml><?xml version="1.0" encoding="utf-8"?>
+<p:sld xmlns:a="http://schemas.openxmlformats.org/drawingml/2006/main" xmlns:r="http://schemas.openxmlformats.org/officeDocument/2006/relationships" xmlns:p="http://schemas.openxmlformats.org/presentationml/2006/main">
+  <p:cSld>
+    <p:spTree>
+      <p:nvGrpSpPr>
+        <p:cNvPr id="1" name=""/>
+        <p:cNvGrpSpPr/>
+        <p:nvPr/>
+      </p:nvGrpSpPr>
+      <p:grpSpPr>
+        <a:xfrm>
+          <a:off x="0" y="0"/>
+          <a:ext cx="0" cy="0"/>
+          <a:chOff x="0" y="0"/>
+          <a:chExt cx="0" cy="0"/>
+        </a:xfrm>
+      </p:grpSpPr>
+      <p:sp>
+        <p:nvSpPr>
+          <p:cNvPr id="2" name="직사각형 1"/>
+          <p:cNvSpPr/>
+          <p:nvPr/>
+        </p:nvSpPr>
+        <p:spPr>
+          <a:xfrm>
+            <a:off x="251520" y="620688"/>
+            <a:ext cx="8640960" cy="5976664"/>
+          </a:xfrm>
+          <a:prstGeom prst="rect">
+            <a:avLst/>
+          </a:prstGeom>
+          <a:solidFill>
+            <a:schemeClr val="bg1"/>
+          </a:solidFill>
+          <a:ln>
+            <a:noFill/>
+          </a:ln>
+        </p:spPr>
+        <p:style>
+          <a:lnRef idx="2">
+            <a:schemeClr val="accent1">
+              <a:shade val="50000"/>
+            </a:schemeClr>
+          </a:lnRef>
+          <a:fillRef idx="1">
+            <a:schemeClr val="accent1"/>
+          </a:fillRef>
+          <a:effectRef idx="0">
+            <a:schemeClr val="accent1"/>
+          </a:effectRef>
+          <a:fontRef idx="minor">
+            <a:schemeClr val="lt1"/>
+          </a:fontRef>
+        </p:style>
+        <p:txBody>
+          <a:bodyPr rtlCol="0" anchor="ctr"/>
+          <a:lstStyle/>
+          <a:p>
+            <a:pPr algn="ctr"/>
+            <a:endParaRPr lang="ko-KR" altLang="en-US"/>
+          </a:p>
+        </p:txBody>
+      </p:sp>
+      <p:sp>
+        <p:nvSpPr>
+          <p:cNvPr id="8" name="직사각형 7"/>
+          <p:cNvSpPr/>
+          <p:nvPr/>
+        </p:nvSpPr>
+        <p:spPr>
+          <a:xfrm>
+            <a:off x="219463" y="271681"/>
+            <a:ext cx="1297150" cy="276999"/>
+          </a:xfrm>
+          <a:prstGeom prst="rect">
+            <a:avLst/>
+          </a:prstGeom>
+        </p:spPr>
+        <p:txBody>
+          <a:bodyPr wrap="none">
+            <a:spAutoFit/>
+          </a:bodyPr>
+          <a:lstStyle/>
+          <a:p>
+            <a:pPr algn="ctr"/>
+            <a:r>
+              <a:rPr lang="ko-KR" altLang="en-US" sz="1200" b="1" spc="-150" dirty="0" smtClean="0">
+                <a:solidFill>
+                  <a:schemeClr val="bg1"/>
+                </a:solidFill>
+              </a:rPr>
+              <a:t>제목을 입력하세요</a:t>
+            </a:r>
+            <a:endParaRPr lang="ko-KR" altLang="en-US" sz="1200" b="1" spc="-150" dirty="0">
+              <a:solidFill>
+                <a:schemeClr val="bg1"/>
+              </a:solidFill>
+            </a:endParaRPr>
+          </a:p>
+        </p:txBody>
+      </p:sp>
+      <p:sp>
+        <p:nvSpPr>
+          <p:cNvPr id="12" name="TextBox 11"/>
+          <p:cNvSpPr txBox="1"/>
+          <p:nvPr/>
+        </p:nvSpPr>
+        <p:spPr>
+          <a:xfrm>
+            <a:off x="5364088" y="271681"/>
+            <a:ext cx="3600400" cy="276999"/>
+          </a:xfrm>
+          <a:prstGeom prst="rect">
+            <a:avLst/>
+          </a:prstGeom>
+          <a:noFill/>
+        </p:spPr>
+        <p:txBody>
+          <a:bodyPr wrap="square" rtlCol="0">
+            <a:spAutoFit/>
+          </a:bodyPr>
+          <a:lstStyle/>
+          <a:p>
+            <a:pPr algn="dist"/>
+            <a:r>
+              <a:rPr lang="ko-KR" altLang="en-US" sz="1200" dirty="0" smtClean="0">
+                <a:solidFill>
+                  <a:schemeClr val="bg1"/>
+                </a:solidFill>
+              </a:rPr>
+              <a:t>과목이름이나 영문타이틀</a:t>
+            </a:r>
+          </a:p>
+        </p:txBody>
+      </p:sp>
+      <p:sp>
+        <p:nvSpPr>
+          <p:cNvPr id="38" name="화살표: 갈매기형 수장 1">
+            <a:extLst>
+              <a:ext uri="{FF2B5EF4-FFF2-40B4-BE49-F238E27FC236}">
+                <a16:creationId xmlns="" xmlns:a16="http://schemas.microsoft.com/office/drawing/2014/main" id="{A38FB86A-A9AC-4EAE-8223-69D52F8B1ABE}"/>
+              </a:ext>
+            </a:extLst>
+          </p:cNvPr>
+          <p:cNvSpPr/>
+          <p:nvPr/>
+        </p:nvSpPr>
+        <p:spPr>
+          <a:xfrm>
+            <a:off x="479244" y="1072880"/>
+            <a:ext cx="1742256" cy="461945"/>
+          </a:xfrm>
+          <a:prstGeom prst="chevron">
+            <a:avLst/>
+          </a:prstGeom>
+          <a:solidFill>
+            <a:srgbClr val="FFC000"/>
+          </a:solidFill>
+          <a:ln>
+            <a:solidFill>
+              <a:srgbClr val="FFCC00"/>
+            </a:solidFill>
+          </a:ln>
+        </p:spPr>
+        <p:style>
+          <a:lnRef idx="2">
+            <a:schemeClr val="accent1">
+              <a:shade val="50000"/>
+            </a:schemeClr>
+          </a:lnRef>
+          <a:fillRef idx="1">
+            <a:schemeClr val="accent1"/>
+          </a:fillRef>
+          <a:effectRef idx="0">
+            <a:schemeClr val="accent1"/>
+          </a:effectRef>
+          <a:fontRef idx="minor">
+            <a:schemeClr val="lt1"/>
+          </a:fontRef>
+        </p:style>
+        <p:txBody>
+          <a:bodyPr rtlCol="0" anchor="ctr"/>
+          <a:lstStyle/>
+          <a:p>
+            <a:pPr algn="ctr"/>
+            <a:endParaRPr lang="ko-KR" altLang="en-US">
+              <a:solidFill>
+                <a:schemeClr val="tx1"/>
+              </a:solidFill>
+            </a:endParaRPr>
+          </a:p>
+        </p:txBody>
+      </p:sp>
+      <p:sp>
+        <p:nvSpPr>
+          <p:cNvPr id="39" name="화살표: 갈매기형 수장 2">
+            <a:extLst>
+              <a:ext uri="{FF2B5EF4-FFF2-40B4-BE49-F238E27FC236}">
+                <a16:creationId xmlns="" xmlns:a16="http://schemas.microsoft.com/office/drawing/2014/main" id="{8C8E1FD7-9558-46EC-B4E7-FDD400E94927}"/>
+              </a:ext>
+            </a:extLst>
+          </p:cNvPr>
+          <p:cNvSpPr/>
+          <p:nvPr/>
+        </p:nvSpPr>
+        <p:spPr>
+          <a:xfrm>
+            <a:off x="3779912" y="1072224"/>
+            <a:ext cx="1742256" cy="461945"/>
+          </a:xfrm>
+          <a:prstGeom prst="chevron">
+            <a:avLst/>
+          </a:prstGeom>
+          <a:noFill/>
+          <a:ln>
+            <a:solidFill>
+              <a:srgbClr val="FFCC00"/>
+            </a:solidFill>
+          </a:ln>
+        </p:spPr>
+        <p:style>
+          <a:lnRef idx="2">
+            <a:schemeClr val="accent1">
+              <a:shade val="50000"/>
+            </a:schemeClr>
+          </a:lnRef>
+          <a:fillRef idx="1">
+            <a:schemeClr val="accent1"/>
+          </a:fillRef>
+          <a:effectRef idx="0">
+            <a:schemeClr val="accent1"/>
+          </a:effectRef>
+          <a:fontRef idx="minor">
+            <a:schemeClr val="lt1"/>
+          </a:fontRef>
+        </p:style>
+        <p:txBody>
+          <a:bodyPr rtlCol="0" anchor="ctr"/>
+          <a:lstStyle/>
+          <a:p>
+            <a:pPr algn="ctr"/>
+            <a:endParaRPr lang="ko-KR" altLang="en-US">
+              <a:solidFill>
+                <a:schemeClr val="tx1"/>
+              </a:solidFill>
+            </a:endParaRPr>
+          </a:p>
+        </p:txBody>
+      </p:sp>
+      <p:sp>
+        <p:nvSpPr>
+          <p:cNvPr id="41" name="화살표: 갈매기형 수장 4">
+            <a:extLst>
+              <a:ext uri="{FF2B5EF4-FFF2-40B4-BE49-F238E27FC236}">
+                <a16:creationId xmlns="" xmlns:a16="http://schemas.microsoft.com/office/drawing/2014/main" id="{66755A50-62DA-4FF0-95B0-EA82A6CC33B8}"/>
+              </a:ext>
+            </a:extLst>
+          </p:cNvPr>
+          <p:cNvSpPr/>
+          <p:nvPr/>
+        </p:nvSpPr>
+        <p:spPr>
+          <a:xfrm>
+            <a:off x="5402325" y="1072224"/>
+            <a:ext cx="1742256" cy="461945"/>
+          </a:xfrm>
+          <a:prstGeom prst="chevron">
+            <a:avLst/>
+          </a:prstGeom>
+          <a:noFill/>
+          <a:ln>
+            <a:solidFill>
+              <a:srgbClr val="FFCC00"/>
+            </a:solidFill>
+          </a:ln>
+        </p:spPr>
+        <p:style>
+          <a:lnRef idx="2">
+            <a:schemeClr val="accent1">
+              <a:shade val="50000"/>
+            </a:schemeClr>
+          </a:lnRef>
+          <a:fillRef idx="1">
+            <a:schemeClr val="accent1"/>
+          </a:fillRef>
+          <a:effectRef idx="0">
+            <a:schemeClr val="accent1"/>
+          </a:effectRef>
+          <a:fontRef idx="minor">
+            <a:schemeClr val="lt1"/>
+          </a:fontRef>
+        </p:style>
+        <p:txBody>
+          <a:bodyPr rtlCol="0" anchor="ctr"/>
+          <a:lstStyle/>
+          <a:p>
+            <a:pPr algn="ctr"/>
+            <a:endParaRPr lang="ko-KR" altLang="en-US">
+              <a:solidFill>
+                <a:schemeClr val="tx1"/>
+              </a:solidFill>
+            </a:endParaRPr>
+          </a:p>
+        </p:txBody>
+      </p:sp>
+      <p:sp>
+        <p:nvSpPr>
+          <p:cNvPr id="42" name="화살표: 갈매기형 수장 5">
+            <a:extLst>
+              <a:ext uri="{FF2B5EF4-FFF2-40B4-BE49-F238E27FC236}">
+                <a16:creationId xmlns="" xmlns:a16="http://schemas.microsoft.com/office/drawing/2014/main" id="{DE46CADA-41E8-412A-A136-0A94F5A27AD4}"/>
+              </a:ext>
+            </a:extLst>
+          </p:cNvPr>
+          <p:cNvSpPr/>
+          <p:nvPr/>
+        </p:nvSpPr>
+        <p:spPr>
+          <a:xfrm>
+            <a:off x="7012687" y="1072224"/>
+            <a:ext cx="1742256" cy="461945"/>
+          </a:xfrm>
+          <a:prstGeom prst="chevron">
+            <a:avLst/>
+          </a:prstGeom>
+          <a:noFill/>
+          <a:ln>
+            <a:solidFill>
+              <a:srgbClr val="FFCC00"/>
+            </a:solidFill>
+          </a:ln>
+        </p:spPr>
+        <p:style>
+          <a:lnRef idx="2">
+            <a:schemeClr val="accent1">
+              <a:shade val="50000"/>
+            </a:schemeClr>
+          </a:lnRef>
+          <a:fillRef idx="1">
+            <a:schemeClr val="accent1"/>
+          </a:fillRef>
+          <a:effectRef idx="0">
+            <a:schemeClr val="accent1"/>
+          </a:effectRef>
+          <a:fontRef idx="minor">
+            <a:schemeClr val="lt1"/>
+          </a:fontRef>
+        </p:style>
+        <p:txBody>
+          <a:bodyPr rtlCol="0" anchor="ctr"/>
+          <a:lstStyle/>
+          <a:p>
+            <a:pPr algn="ctr"/>
+            <a:endParaRPr lang="ko-KR" altLang="en-US">
+              <a:solidFill>
+                <a:schemeClr val="tx1"/>
+              </a:solidFill>
+            </a:endParaRPr>
+          </a:p>
+        </p:txBody>
+      </p:sp>
+      <p:sp>
+        <p:nvSpPr>
+          <p:cNvPr id="43" name="TextBox 42">
+            <a:extLst>
+              <a:ext uri="{FF2B5EF4-FFF2-40B4-BE49-F238E27FC236}">
+                <a16:creationId xmlns="" xmlns:a16="http://schemas.microsoft.com/office/drawing/2014/main" id="{68E943C8-5BA8-4C3E-A527-DD0F8F2B0E0A}"/>
+              </a:ext>
+            </a:extLst>
+          </p:cNvPr>
+          <p:cNvSpPr txBox="1"/>
+          <p:nvPr/>
+        </p:nvSpPr>
+        <p:spPr>
+          <a:xfrm>
+            <a:off x="675082" y="1130530"/>
+            <a:ext cx="1343858" cy="369332"/>
+          </a:xfrm>
+          <a:prstGeom prst="rect">
+            <a:avLst/>
+          </a:prstGeom>
+          <a:noFill/>
+        </p:spPr>
+        <p:txBody>
+          <a:bodyPr wrap="square" rtlCol="0">
+            <a:spAutoFit/>
+          </a:bodyPr>
+          <a:lstStyle/>
+          <a:p>
+            <a:r>
+              <a:rPr lang="ko-KR" altLang="en-US" b="1" dirty="0" err="1">
+                <a:solidFill>
+                  <a:schemeClr val="bg1"/>
+                </a:solidFill>
+              </a:rPr>
+              <a:t>웹스크래핑</a:t>
+            </a:r>
+            <a:endParaRPr lang="ko-KR" altLang="en-US" b="1" dirty="0">
+              <a:solidFill>
+                <a:schemeClr val="bg1"/>
+              </a:solidFill>
+            </a:endParaRPr>
+          </a:p>
+        </p:txBody>
+      </p:sp>
+      <p:sp>
+        <p:nvSpPr>
+          <p:cNvPr id="44" name="TextBox 43">
+            <a:extLst>
+              <a:ext uri="{FF2B5EF4-FFF2-40B4-BE49-F238E27FC236}">
+                <a16:creationId xmlns="" xmlns:a16="http://schemas.microsoft.com/office/drawing/2014/main" id="{4D3D8339-CC68-4AAC-A189-19E6E05D54DD}"/>
+              </a:ext>
+            </a:extLst>
+          </p:cNvPr>
+          <p:cNvSpPr txBox="1"/>
+          <p:nvPr/>
+        </p:nvSpPr>
+        <p:spPr>
+          <a:xfrm>
+            <a:off x="4198808" y="1129874"/>
+            <a:ext cx="890085" cy="369332"/>
+          </a:xfrm>
+          <a:prstGeom prst="rect">
+            <a:avLst/>
+          </a:prstGeom>
+          <a:noFill/>
+        </p:spPr>
+        <p:txBody>
+          <a:bodyPr wrap="square" rtlCol="0">
+            <a:spAutoFit/>
+          </a:bodyPr>
+          <a:lstStyle/>
+          <a:p>
+            <a:r>
+              <a:rPr lang="ko-KR" altLang="en-US" b="1" dirty="0">
+                <a:solidFill>
+                  <a:srgbClr val="082E59"/>
+                </a:solidFill>
+              </a:rPr>
+              <a:t>시각화</a:t>
+            </a:r>
+          </a:p>
+        </p:txBody>
+      </p:sp>
+      <p:sp>
+        <p:nvSpPr>
+          <p:cNvPr id="46" name="TextBox 45">
+            <a:extLst>
+              <a:ext uri="{FF2B5EF4-FFF2-40B4-BE49-F238E27FC236}">
+                <a16:creationId xmlns="" xmlns:a16="http://schemas.microsoft.com/office/drawing/2014/main" id="{32361A82-4993-4DC4-B5EF-3C30F9515573}"/>
+              </a:ext>
+            </a:extLst>
+          </p:cNvPr>
+          <p:cNvSpPr txBox="1"/>
+          <p:nvPr/>
+        </p:nvSpPr>
+        <p:spPr>
+          <a:xfrm>
+            <a:off x="7327810" y="1129874"/>
+            <a:ext cx="1101193" cy="369332"/>
+          </a:xfrm>
+          <a:prstGeom prst="rect">
+            <a:avLst/>
+          </a:prstGeom>
+          <a:noFill/>
+        </p:spPr>
+        <p:txBody>
+          <a:bodyPr wrap="square" rtlCol="0">
+            <a:spAutoFit/>
+          </a:bodyPr>
+          <a:lstStyle/>
+          <a:p>
+            <a:r>
+              <a:rPr lang="ko-KR" altLang="en-US" b="1" dirty="0">
+                <a:solidFill>
+                  <a:srgbClr val="082E59"/>
+                </a:solidFill>
+              </a:rPr>
+              <a:t>결론도출</a:t>
+            </a:r>
+          </a:p>
+        </p:txBody>
+      </p:sp>
+      <p:sp>
+        <p:nvSpPr>
+          <p:cNvPr id="47" name="TextBox 46">
+            <a:extLst>
+              <a:ext uri="{FF2B5EF4-FFF2-40B4-BE49-F238E27FC236}">
+                <a16:creationId xmlns="" xmlns:a16="http://schemas.microsoft.com/office/drawing/2014/main" id="{49D68CEE-0E8C-4AD6-9485-622609B084B3}"/>
+              </a:ext>
+            </a:extLst>
+          </p:cNvPr>
+          <p:cNvSpPr txBox="1"/>
+          <p:nvPr/>
+        </p:nvSpPr>
+        <p:spPr>
+          <a:xfrm>
+            <a:off x="5402325" y="1129874"/>
+            <a:ext cx="1742256" cy="369332"/>
+          </a:xfrm>
+          <a:prstGeom prst="rect">
+            <a:avLst/>
+          </a:prstGeom>
+          <a:noFill/>
+        </p:spPr>
+        <p:txBody>
+          <a:bodyPr wrap="square" rtlCol="0">
+            <a:spAutoFit/>
+          </a:bodyPr>
+          <a:lstStyle/>
+          <a:p>
+            <a:pPr algn="ctr"/>
+            <a:r>
+              <a:rPr lang="ko-KR" altLang="en-US" b="1" dirty="0">
+                <a:solidFill>
+                  <a:srgbClr val="082E59"/>
+                </a:solidFill>
+              </a:rPr>
+              <a:t>분석</a:t>
+            </a:r>
+          </a:p>
+        </p:txBody>
+      </p:sp>
+      <p:sp>
+        <p:nvSpPr>
+          <p:cNvPr id="48" name="화살표: 갈매기형 수장 2">
+            <a:extLst>
+              <a:ext uri="{FF2B5EF4-FFF2-40B4-BE49-F238E27FC236}">
+                <a16:creationId xmlns="" xmlns:a16="http://schemas.microsoft.com/office/drawing/2014/main" id="{7B196A9F-09F8-8545-89B0-5112E49D0233}"/>
+              </a:ext>
+            </a:extLst>
+          </p:cNvPr>
+          <p:cNvSpPr/>
+          <p:nvPr/>
+        </p:nvSpPr>
+        <p:spPr>
+          <a:xfrm>
+            <a:off x="2151275" y="1072224"/>
+            <a:ext cx="1742256" cy="461945"/>
+          </a:xfrm>
+          <a:prstGeom prst="chevron">
+            <a:avLst/>
+          </a:prstGeom>
+          <a:noFill/>
+          <a:ln>
+            <a:solidFill>
+              <a:srgbClr val="FFCC00"/>
+            </a:solidFill>
+          </a:ln>
+        </p:spPr>
+        <p:style>
+          <a:lnRef idx="2">
+            <a:schemeClr val="accent1">
+              <a:shade val="50000"/>
+            </a:schemeClr>
+          </a:lnRef>
+          <a:fillRef idx="1">
+            <a:schemeClr val="accent1"/>
+          </a:fillRef>
+          <a:effectRef idx="0">
+            <a:schemeClr val="accent1"/>
+          </a:effectRef>
+          <a:fontRef idx="minor">
+            <a:schemeClr val="lt1"/>
+          </a:fontRef>
+        </p:style>
+        <p:txBody>
+          <a:bodyPr rtlCol="0" anchor="ctr"/>
+          <a:lstStyle/>
+          <a:p>
+            <a:pPr algn="ctr"/>
+            <a:endParaRPr lang="ko-KR" altLang="en-US">
+              <a:solidFill>
+                <a:schemeClr val="tx1"/>
+              </a:solidFill>
+            </a:endParaRPr>
+          </a:p>
+        </p:txBody>
+      </p:sp>
+      <p:sp>
+        <p:nvSpPr>
+          <p:cNvPr id="49" name="TextBox 48">
+            <a:extLst>
+              <a:ext uri="{FF2B5EF4-FFF2-40B4-BE49-F238E27FC236}">
+                <a16:creationId xmlns="" xmlns:a16="http://schemas.microsoft.com/office/drawing/2014/main" id="{BC3F0FE1-9ECF-C344-B0A8-12B4DA316EC5}"/>
+              </a:ext>
+            </a:extLst>
+          </p:cNvPr>
+          <p:cNvSpPr txBox="1"/>
+          <p:nvPr/>
+        </p:nvSpPr>
+        <p:spPr>
+          <a:xfrm>
+            <a:off x="2548474" y="1140694"/>
+            <a:ext cx="890085" cy="369332"/>
+          </a:xfrm>
+          <a:prstGeom prst="rect">
+            <a:avLst/>
+          </a:prstGeom>
+          <a:noFill/>
+        </p:spPr>
+        <p:txBody>
+          <a:bodyPr wrap="square" rtlCol="0">
+            <a:spAutoFit/>
+          </a:bodyPr>
+          <a:lstStyle/>
+          <a:p>
+            <a:r>
+              <a:rPr lang="ko-KR" altLang="en-US" b="1" dirty="0">
+                <a:solidFill>
+                  <a:srgbClr val="082E59"/>
+                </a:solidFill>
+              </a:rPr>
+              <a:t>전처리</a:t>
+            </a:r>
+          </a:p>
+        </p:txBody>
+      </p:sp>
+      <p:pic>
+        <p:nvPicPr>
+          <p:cNvPr id="3" name="그림 2"/>
+          <p:cNvPicPr>
+            <a:picLocks noChangeAspect="1"/>
+          </p:cNvPicPr>
+          <p:nvPr/>
+        </p:nvPicPr>
+        <p:blipFill>
+          <a:blip r:embed="rId3"/>
+          <a:stretch>
+            <a:fillRect/>
+          </a:stretch>
+        </p:blipFill>
+        <p:spPr>
+          <a:xfrm>
+            <a:off x="623887" y="2345049"/>
+            <a:ext cx="7896225" cy="3390900"/>
+          </a:xfrm>
+          <a:prstGeom prst="rect">
+            <a:avLst/>
+          </a:prstGeom>
+        </p:spPr>
+      </p:pic>
+    </p:spTree>
+    <p:extLst>
+      <p:ext uri="{BB962C8B-B14F-4D97-AF65-F5344CB8AC3E}">
+        <p14:creationId xmlns:p14="http://schemas.microsoft.com/office/powerpoint/2010/main" val="3243040460"/>
+      </p:ext>
+    </p:extLst>
+  </p:cSld>
+  <p:clrMapOvr>
+    <a:masterClrMapping/>
+  </p:clrMapOvr>
+  <p:timing>
+    <p:tnLst>
+      <p:par>
+        <p:cTn id="1" dur="indefinite" restart="never" nodeType="tmRoot"/>
+      </p:par>
+    </p:tnLst>
+  </p:timing>
+</p:sld>
+</file>
+
+<file path=ppt/slides/slide14.xml><?xml version="1.0" encoding="utf-8"?>
+<p:sld xmlns:a="http://schemas.openxmlformats.org/drawingml/2006/main" xmlns:r="http://schemas.openxmlformats.org/officeDocument/2006/relationships" xmlns:p="http://schemas.openxmlformats.org/presentationml/2006/main">
+  <p:cSld>
+    <p:spTree>
+      <p:nvGrpSpPr>
+        <p:cNvPr id="1" name=""/>
+        <p:cNvGrpSpPr/>
+        <p:nvPr/>
+      </p:nvGrpSpPr>
+      <p:grpSpPr>
+        <a:xfrm>
+          <a:off x="0" y="0"/>
+          <a:ext cx="0" cy="0"/>
+          <a:chOff x="0" y="0"/>
+          <a:chExt cx="0" cy="0"/>
+        </a:xfrm>
+      </p:grpSpPr>
+      <p:sp>
+        <p:nvSpPr>
+          <p:cNvPr id="2" name="직사각형 1"/>
+          <p:cNvSpPr/>
+          <p:nvPr/>
+        </p:nvSpPr>
+        <p:spPr>
+          <a:xfrm>
+            <a:off x="251520" y="620688"/>
+            <a:ext cx="8640960" cy="5976664"/>
+          </a:xfrm>
+          <a:prstGeom prst="rect">
+            <a:avLst/>
+          </a:prstGeom>
+          <a:solidFill>
+            <a:schemeClr val="bg1"/>
+          </a:solidFill>
+          <a:ln>
+            <a:noFill/>
+          </a:ln>
+        </p:spPr>
+        <p:style>
+          <a:lnRef idx="2">
+            <a:schemeClr val="accent1">
+              <a:shade val="50000"/>
+            </a:schemeClr>
+          </a:lnRef>
+          <a:fillRef idx="1">
+            <a:schemeClr val="accent1"/>
+          </a:fillRef>
+          <a:effectRef idx="0">
+            <a:schemeClr val="accent1"/>
+          </a:effectRef>
+          <a:fontRef idx="minor">
+            <a:schemeClr val="lt1"/>
+          </a:fontRef>
+        </p:style>
+        <p:txBody>
+          <a:bodyPr rtlCol="0" anchor="ctr"/>
+          <a:lstStyle/>
+          <a:p>
+            <a:pPr algn="ctr"/>
+            <a:endParaRPr lang="ko-KR" altLang="en-US"/>
+          </a:p>
+        </p:txBody>
+      </p:sp>
+      <p:sp>
+        <p:nvSpPr>
+          <p:cNvPr id="8" name="직사각형 7"/>
+          <p:cNvSpPr/>
+          <p:nvPr/>
+        </p:nvSpPr>
+        <p:spPr>
+          <a:xfrm>
+            <a:off x="219463" y="271681"/>
+            <a:ext cx="1297150" cy="276999"/>
+          </a:xfrm>
+          <a:prstGeom prst="rect">
+            <a:avLst/>
+          </a:prstGeom>
+        </p:spPr>
+        <p:txBody>
+          <a:bodyPr wrap="none">
+            <a:spAutoFit/>
+          </a:bodyPr>
+          <a:lstStyle/>
+          <a:p>
+            <a:pPr algn="ctr"/>
+            <a:r>
+              <a:rPr lang="ko-KR" altLang="en-US" sz="1200" b="1" spc="-150" dirty="0" smtClean="0">
+                <a:solidFill>
+                  <a:schemeClr val="bg1"/>
+                </a:solidFill>
+              </a:rPr>
+              <a:t>제목을 입력하세요</a:t>
+            </a:r>
+            <a:endParaRPr lang="ko-KR" altLang="en-US" sz="1200" b="1" spc="-150" dirty="0">
+              <a:solidFill>
+                <a:schemeClr val="bg1"/>
+              </a:solidFill>
+            </a:endParaRPr>
+          </a:p>
+        </p:txBody>
+      </p:sp>
+      <p:sp>
+        <p:nvSpPr>
+          <p:cNvPr id="12" name="TextBox 11"/>
+          <p:cNvSpPr txBox="1"/>
+          <p:nvPr/>
+        </p:nvSpPr>
+        <p:spPr>
+          <a:xfrm>
+            <a:off x="5364088" y="271681"/>
+            <a:ext cx="3600400" cy="276999"/>
+          </a:xfrm>
+          <a:prstGeom prst="rect">
+            <a:avLst/>
+          </a:prstGeom>
+          <a:noFill/>
+        </p:spPr>
+        <p:txBody>
+          <a:bodyPr wrap="square" rtlCol="0">
+            <a:spAutoFit/>
+          </a:bodyPr>
+          <a:lstStyle/>
+          <a:p>
+            <a:pPr algn="dist"/>
+            <a:r>
+              <a:rPr lang="ko-KR" altLang="en-US" sz="1200" dirty="0" smtClean="0">
+                <a:solidFill>
+                  <a:schemeClr val="bg1"/>
+                </a:solidFill>
+              </a:rPr>
+              <a:t>과목이름이나 영문타이틀</a:t>
+            </a:r>
+          </a:p>
+        </p:txBody>
+      </p:sp>
+      <p:sp>
+        <p:nvSpPr>
+          <p:cNvPr id="38" name="화살표: 갈매기형 수장 1">
+            <a:extLst>
+              <a:ext uri="{FF2B5EF4-FFF2-40B4-BE49-F238E27FC236}">
+                <a16:creationId xmlns="" xmlns:a16="http://schemas.microsoft.com/office/drawing/2014/main" id="{A38FB86A-A9AC-4EAE-8223-69D52F8B1ABE}"/>
+              </a:ext>
+            </a:extLst>
+          </p:cNvPr>
+          <p:cNvSpPr/>
+          <p:nvPr/>
+        </p:nvSpPr>
+        <p:spPr>
+          <a:xfrm>
+            <a:off x="479244" y="1072880"/>
+            <a:ext cx="1742256" cy="461945"/>
+          </a:xfrm>
+          <a:prstGeom prst="chevron">
+            <a:avLst/>
+          </a:prstGeom>
+          <a:solidFill>
+            <a:srgbClr val="FFC000"/>
+          </a:solidFill>
+          <a:ln>
+            <a:solidFill>
+              <a:srgbClr val="FFCC00"/>
+            </a:solidFill>
+          </a:ln>
+        </p:spPr>
+        <p:style>
+          <a:lnRef idx="2">
+            <a:schemeClr val="accent1">
+              <a:shade val="50000"/>
+            </a:schemeClr>
+          </a:lnRef>
+          <a:fillRef idx="1">
+            <a:schemeClr val="accent1"/>
+          </a:fillRef>
+          <a:effectRef idx="0">
+            <a:schemeClr val="accent1"/>
+          </a:effectRef>
+          <a:fontRef idx="minor">
+            <a:schemeClr val="lt1"/>
+          </a:fontRef>
+        </p:style>
+        <p:txBody>
+          <a:bodyPr rtlCol="0" anchor="ctr"/>
+          <a:lstStyle/>
+          <a:p>
+            <a:pPr algn="ctr"/>
+            <a:endParaRPr lang="ko-KR" altLang="en-US">
+              <a:solidFill>
+                <a:schemeClr val="tx1"/>
+              </a:solidFill>
+            </a:endParaRPr>
+          </a:p>
+        </p:txBody>
+      </p:sp>
+      <p:sp>
+        <p:nvSpPr>
+          <p:cNvPr id="39" name="화살표: 갈매기형 수장 2">
+            <a:extLst>
+              <a:ext uri="{FF2B5EF4-FFF2-40B4-BE49-F238E27FC236}">
+                <a16:creationId xmlns="" xmlns:a16="http://schemas.microsoft.com/office/drawing/2014/main" id="{8C8E1FD7-9558-46EC-B4E7-FDD400E94927}"/>
+              </a:ext>
+            </a:extLst>
+          </p:cNvPr>
+          <p:cNvSpPr/>
+          <p:nvPr/>
+        </p:nvSpPr>
+        <p:spPr>
+          <a:xfrm>
+            <a:off x="3779912" y="1072224"/>
+            <a:ext cx="1742256" cy="461945"/>
+          </a:xfrm>
+          <a:prstGeom prst="chevron">
+            <a:avLst/>
+          </a:prstGeom>
+          <a:noFill/>
+          <a:ln>
+            <a:solidFill>
+              <a:srgbClr val="FFCC00"/>
+            </a:solidFill>
+          </a:ln>
+        </p:spPr>
+        <p:style>
+          <a:lnRef idx="2">
+            <a:schemeClr val="accent1">
+              <a:shade val="50000"/>
+            </a:schemeClr>
+          </a:lnRef>
+          <a:fillRef idx="1">
+            <a:schemeClr val="accent1"/>
+          </a:fillRef>
+          <a:effectRef idx="0">
+            <a:schemeClr val="accent1"/>
+          </a:effectRef>
+          <a:fontRef idx="minor">
+            <a:schemeClr val="lt1"/>
+          </a:fontRef>
+        </p:style>
+        <p:txBody>
+          <a:bodyPr rtlCol="0" anchor="ctr"/>
+          <a:lstStyle/>
+          <a:p>
+            <a:pPr algn="ctr"/>
+            <a:endParaRPr lang="ko-KR" altLang="en-US">
+              <a:solidFill>
+                <a:schemeClr val="tx1"/>
+              </a:solidFill>
+            </a:endParaRPr>
+          </a:p>
+        </p:txBody>
+      </p:sp>
+      <p:sp>
+        <p:nvSpPr>
+          <p:cNvPr id="41" name="화살표: 갈매기형 수장 4">
+            <a:extLst>
+              <a:ext uri="{FF2B5EF4-FFF2-40B4-BE49-F238E27FC236}">
+                <a16:creationId xmlns="" xmlns:a16="http://schemas.microsoft.com/office/drawing/2014/main" id="{66755A50-62DA-4FF0-95B0-EA82A6CC33B8}"/>
+              </a:ext>
+            </a:extLst>
+          </p:cNvPr>
+          <p:cNvSpPr/>
+          <p:nvPr/>
+        </p:nvSpPr>
+        <p:spPr>
+          <a:xfrm>
+            <a:off x="5402325" y="1072224"/>
+            <a:ext cx="1742256" cy="461945"/>
+          </a:xfrm>
+          <a:prstGeom prst="chevron">
+            <a:avLst/>
+          </a:prstGeom>
+          <a:noFill/>
+          <a:ln>
+            <a:solidFill>
+              <a:srgbClr val="FFCC00"/>
+            </a:solidFill>
+          </a:ln>
+        </p:spPr>
+        <p:style>
+          <a:lnRef idx="2">
+            <a:schemeClr val="accent1">
+              <a:shade val="50000"/>
+            </a:schemeClr>
+          </a:lnRef>
+          <a:fillRef idx="1">
+            <a:schemeClr val="accent1"/>
+          </a:fillRef>
+          <a:effectRef idx="0">
+            <a:schemeClr val="accent1"/>
+          </a:effectRef>
+          <a:fontRef idx="minor">
+            <a:schemeClr val="lt1"/>
+          </a:fontRef>
+        </p:style>
+        <p:txBody>
+          <a:bodyPr rtlCol="0" anchor="ctr"/>
+          <a:lstStyle/>
+          <a:p>
+            <a:pPr algn="ctr"/>
+            <a:endParaRPr lang="ko-KR" altLang="en-US">
+              <a:solidFill>
+                <a:schemeClr val="tx1"/>
+              </a:solidFill>
+            </a:endParaRPr>
+          </a:p>
+        </p:txBody>
+      </p:sp>
+      <p:sp>
+        <p:nvSpPr>
+          <p:cNvPr id="42" name="화살표: 갈매기형 수장 5">
+            <a:extLst>
+              <a:ext uri="{FF2B5EF4-FFF2-40B4-BE49-F238E27FC236}">
+                <a16:creationId xmlns="" xmlns:a16="http://schemas.microsoft.com/office/drawing/2014/main" id="{DE46CADA-41E8-412A-A136-0A94F5A27AD4}"/>
+              </a:ext>
+            </a:extLst>
+          </p:cNvPr>
+          <p:cNvSpPr/>
+          <p:nvPr/>
+        </p:nvSpPr>
+        <p:spPr>
+          <a:xfrm>
+            <a:off x="7012687" y="1072224"/>
+            <a:ext cx="1742256" cy="461945"/>
+          </a:xfrm>
+          <a:prstGeom prst="chevron">
+            <a:avLst/>
+          </a:prstGeom>
+          <a:noFill/>
+          <a:ln>
+            <a:solidFill>
+              <a:srgbClr val="FFCC00"/>
+            </a:solidFill>
+          </a:ln>
+        </p:spPr>
+        <p:style>
+          <a:lnRef idx="2">
+            <a:schemeClr val="accent1">
+              <a:shade val="50000"/>
+            </a:schemeClr>
+          </a:lnRef>
+          <a:fillRef idx="1">
+            <a:schemeClr val="accent1"/>
+          </a:fillRef>
+          <a:effectRef idx="0">
+            <a:schemeClr val="accent1"/>
+          </a:effectRef>
+          <a:fontRef idx="minor">
+            <a:schemeClr val="lt1"/>
+          </a:fontRef>
+        </p:style>
+        <p:txBody>
+          <a:bodyPr rtlCol="0" anchor="ctr"/>
+          <a:lstStyle/>
+          <a:p>
+            <a:pPr algn="ctr"/>
+            <a:endParaRPr lang="ko-KR" altLang="en-US">
+              <a:solidFill>
+                <a:schemeClr val="tx1"/>
+              </a:solidFill>
+            </a:endParaRPr>
+          </a:p>
+        </p:txBody>
+      </p:sp>
+      <p:sp>
+        <p:nvSpPr>
+          <p:cNvPr id="43" name="TextBox 42">
+            <a:extLst>
+              <a:ext uri="{FF2B5EF4-FFF2-40B4-BE49-F238E27FC236}">
+                <a16:creationId xmlns="" xmlns:a16="http://schemas.microsoft.com/office/drawing/2014/main" id="{68E943C8-5BA8-4C3E-A527-DD0F8F2B0E0A}"/>
+              </a:ext>
+            </a:extLst>
+          </p:cNvPr>
+          <p:cNvSpPr txBox="1"/>
+          <p:nvPr/>
+        </p:nvSpPr>
+        <p:spPr>
+          <a:xfrm>
+            <a:off x="675082" y="1130530"/>
+            <a:ext cx="1343858" cy="369332"/>
+          </a:xfrm>
+          <a:prstGeom prst="rect">
+            <a:avLst/>
+          </a:prstGeom>
+          <a:noFill/>
+        </p:spPr>
+        <p:txBody>
+          <a:bodyPr wrap="square" rtlCol="0">
+            <a:spAutoFit/>
+          </a:bodyPr>
+          <a:lstStyle/>
+          <a:p>
+            <a:r>
+              <a:rPr lang="ko-KR" altLang="en-US" b="1" dirty="0" err="1">
+                <a:solidFill>
+                  <a:schemeClr val="bg1"/>
+                </a:solidFill>
+              </a:rPr>
+              <a:t>웹스크래핑</a:t>
+            </a:r>
+            <a:endParaRPr lang="ko-KR" altLang="en-US" b="1" dirty="0">
+              <a:solidFill>
+                <a:schemeClr val="bg1"/>
+              </a:solidFill>
+            </a:endParaRPr>
+          </a:p>
+        </p:txBody>
+      </p:sp>
+      <p:sp>
+        <p:nvSpPr>
+          <p:cNvPr id="44" name="TextBox 43">
+            <a:extLst>
+              <a:ext uri="{FF2B5EF4-FFF2-40B4-BE49-F238E27FC236}">
+                <a16:creationId xmlns="" xmlns:a16="http://schemas.microsoft.com/office/drawing/2014/main" id="{4D3D8339-CC68-4AAC-A189-19E6E05D54DD}"/>
+              </a:ext>
+            </a:extLst>
+          </p:cNvPr>
+          <p:cNvSpPr txBox="1"/>
+          <p:nvPr/>
+        </p:nvSpPr>
+        <p:spPr>
+          <a:xfrm>
+            <a:off x="4198808" y="1129874"/>
+            <a:ext cx="890085" cy="369332"/>
+          </a:xfrm>
+          <a:prstGeom prst="rect">
+            <a:avLst/>
+          </a:prstGeom>
+          <a:noFill/>
+        </p:spPr>
+        <p:txBody>
+          <a:bodyPr wrap="square" rtlCol="0">
+            <a:spAutoFit/>
+          </a:bodyPr>
+          <a:lstStyle/>
+          <a:p>
+            <a:r>
+              <a:rPr lang="ko-KR" altLang="en-US" b="1" dirty="0">
+                <a:solidFill>
+                  <a:srgbClr val="082E59"/>
+                </a:solidFill>
+              </a:rPr>
+              <a:t>시각화</a:t>
+            </a:r>
+          </a:p>
+        </p:txBody>
+      </p:sp>
+      <p:sp>
+        <p:nvSpPr>
+          <p:cNvPr id="46" name="TextBox 45">
+            <a:extLst>
+              <a:ext uri="{FF2B5EF4-FFF2-40B4-BE49-F238E27FC236}">
+                <a16:creationId xmlns="" xmlns:a16="http://schemas.microsoft.com/office/drawing/2014/main" id="{32361A82-4993-4DC4-B5EF-3C30F9515573}"/>
+              </a:ext>
+            </a:extLst>
+          </p:cNvPr>
+          <p:cNvSpPr txBox="1"/>
+          <p:nvPr/>
+        </p:nvSpPr>
+        <p:spPr>
+          <a:xfrm>
+            <a:off x="7327810" y="1129874"/>
+            <a:ext cx="1101193" cy="369332"/>
+          </a:xfrm>
+          <a:prstGeom prst="rect">
+            <a:avLst/>
+          </a:prstGeom>
+          <a:noFill/>
+        </p:spPr>
+        <p:txBody>
+          <a:bodyPr wrap="square" rtlCol="0">
+            <a:spAutoFit/>
+          </a:bodyPr>
+          <a:lstStyle/>
+          <a:p>
+            <a:r>
+              <a:rPr lang="ko-KR" altLang="en-US" b="1" dirty="0">
+                <a:solidFill>
+                  <a:srgbClr val="082E59"/>
+                </a:solidFill>
+              </a:rPr>
+              <a:t>결론도출</a:t>
+            </a:r>
+          </a:p>
+        </p:txBody>
+      </p:sp>
+      <p:sp>
+        <p:nvSpPr>
+          <p:cNvPr id="47" name="TextBox 46">
+            <a:extLst>
+              <a:ext uri="{FF2B5EF4-FFF2-40B4-BE49-F238E27FC236}">
+                <a16:creationId xmlns="" xmlns:a16="http://schemas.microsoft.com/office/drawing/2014/main" id="{49D68CEE-0E8C-4AD6-9485-622609B084B3}"/>
+              </a:ext>
+            </a:extLst>
+          </p:cNvPr>
+          <p:cNvSpPr txBox="1"/>
+          <p:nvPr/>
+        </p:nvSpPr>
+        <p:spPr>
+          <a:xfrm>
+            <a:off x="5402325" y="1129874"/>
+            <a:ext cx="1742256" cy="369332"/>
+          </a:xfrm>
+          <a:prstGeom prst="rect">
+            <a:avLst/>
+          </a:prstGeom>
+          <a:noFill/>
+        </p:spPr>
+        <p:txBody>
+          <a:bodyPr wrap="square" rtlCol="0">
+            <a:spAutoFit/>
+          </a:bodyPr>
+          <a:lstStyle/>
+          <a:p>
+            <a:pPr algn="ctr"/>
+            <a:r>
+              <a:rPr lang="ko-KR" altLang="en-US" b="1" dirty="0">
+                <a:solidFill>
+                  <a:srgbClr val="082E59"/>
+                </a:solidFill>
+              </a:rPr>
+              <a:t>분석</a:t>
+            </a:r>
+          </a:p>
+        </p:txBody>
+      </p:sp>
+      <p:sp>
+        <p:nvSpPr>
+          <p:cNvPr id="48" name="화살표: 갈매기형 수장 2">
+            <a:extLst>
+              <a:ext uri="{FF2B5EF4-FFF2-40B4-BE49-F238E27FC236}">
+                <a16:creationId xmlns="" xmlns:a16="http://schemas.microsoft.com/office/drawing/2014/main" id="{7B196A9F-09F8-8545-89B0-5112E49D0233}"/>
+              </a:ext>
+            </a:extLst>
+          </p:cNvPr>
+          <p:cNvSpPr/>
+          <p:nvPr/>
+        </p:nvSpPr>
+        <p:spPr>
+          <a:xfrm>
+            <a:off x="2151275" y="1072224"/>
+            <a:ext cx="1742256" cy="461945"/>
+          </a:xfrm>
+          <a:prstGeom prst="chevron">
+            <a:avLst/>
+          </a:prstGeom>
+          <a:noFill/>
+          <a:ln>
+            <a:solidFill>
+              <a:srgbClr val="FFCC00"/>
+            </a:solidFill>
+          </a:ln>
+        </p:spPr>
+        <p:style>
+          <a:lnRef idx="2">
+            <a:schemeClr val="accent1">
+              <a:shade val="50000"/>
+            </a:schemeClr>
+          </a:lnRef>
+          <a:fillRef idx="1">
+            <a:schemeClr val="accent1"/>
+          </a:fillRef>
+          <a:effectRef idx="0">
+            <a:schemeClr val="accent1"/>
+          </a:effectRef>
+          <a:fontRef idx="minor">
+            <a:schemeClr val="lt1"/>
+          </a:fontRef>
+        </p:style>
+        <p:txBody>
+          <a:bodyPr rtlCol="0" anchor="ctr"/>
+          <a:lstStyle/>
+          <a:p>
+            <a:pPr algn="ctr"/>
+            <a:endParaRPr lang="ko-KR" altLang="en-US">
+              <a:solidFill>
+                <a:schemeClr val="tx1"/>
+              </a:solidFill>
+            </a:endParaRPr>
+          </a:p>
+        </p:txBody>
+      </p:sp>
+      <p:sp>
+        <p:nvSpPr>
+          <p:cNvPr id="49" name="TextBox 48">
+            <a:extLst>
+              <a:ext uri="{FF2B5EF4-FFF2-40B4-BE49-F238E27FC236}">
+                <a16:creationId xmlns="" xmlns:a16="http://schemas.microsoft.com/office/drawing/2014/main" id="{BC3F0FE1-9ECF-C344-B0A8-12B4DA316EC5}"/>
+              </a:ext>
+            </a:extLst>
+          </p:cNvPr>
+          <p:cNvSpPr txBox="1"/>
+          <p:nvPr/>
+        </p:nvSpPr>
+        <p:spPr>
+          <a:xfrm>
+            <a:off x="2548474" y="1140694"/>
+            <a:ext cx="890085" cy="369332"/>
+          </a:xfrm>
+          <a:prstGeom prst="rect">
+            <a:avLst/>
+          </a:prstGeom>
+          <a:noFill/>
+        </p:spPr>
+        <p:txBody>
+          <a:bodyPr wrap="square" rtlCol="0">
+            <a:spAutoFit/>
+          </a:bodyPr>
+          <a:lstStyle/>
+          <a:p>
+            <a:r>
+              <a:rPr lang="ko-KR" altLang="en-US" b="1" dirty="0">
+                <a:solidFill>
+                  <a:srgbClr val="082E59"/>
+                </a:solidFill>
+              </a:rPr>
+              <a:t>전처리</a:t>
+            </a:r>
+          </a:p>
+        </p:txBody>
+      </p:sp>
+      <p:pic>
+        <p:nvPicPr>
+          <p:cNvPr id="3" name="그림 2"/>
+          <p:cNvPicPr>
+            <a:picLocks noChangeAspect="1"/>
+          </p:cNvPicPr>
+          <p:nvPr/>
+        </p:nvPicPr>
+        <p:blipFill>
+          <a:blip r:embed="rId3"/>
+          <a:stretch>
+            <a:fillRect/>
+          </a:stretch>
+        </p:blipFill>
+        <p:spPr>
+          <a:xfrm>
+            <a:off x="628650" y="2275520"/>
+            <a:ext cx="7886700" cy="2667000"/>
+          </a:xfrm>
+          <a:prstGeom prst="rect">
+            <a:avLst/>
+          </a:prstGeom>
+        </p:spPr>
+      </p:pic>
+    </p:spTree>
+    <p:extLst>
+      <p:ext uri="{BB962C8B-B14F-4D97-AF65-F5344CB8AC3E}">
+        <p14:creationId xmlns:p14="http://schemas.microsoft.com/office/powerpoint/2010/main" val="848617570"/>
+      </p:ext>
+    </p:extLst>
+  </p:cSld>
+  <p:clrMapOvr>
+    <a:masterClrMapping/>
+  </p:clrMapOvr>
+  <p:timing>
+    <p:tnLst>
+      <p:par>
+        <p:cTn id="1" dur="indefinite" restart="never" nodeType="tmRoot"/>
+      </p:par>
+    </p:tnLst>
+  </p:timing>
+</p:sld>
+</file>
+
+<file path=ppt/slides/slide15.xml><?xml version="1.0" encoding="utf-8"?>
+<p:sld xmlns:a="http://schemas.openxmlformats.org/drawingml/2006/main" xmlns:r="http://schemas.openxmlformats.org/officeDocument/2006/relationships" xmlns:p="http://schemas.openxmlformats.org/presentationml/2006/main">
+  <p:cSld>
+    <p:spTree>
+      <p:nvGrpSpPr>
+        <p:cNvPr id="1" name=""/>
+        <p:cNvGrpSpPr/>
+        <p:nvPr/>
+      </p:nvGrpSpPr>
+      <p:grpSpPr>
+        <a:xfrm>
+          <a:off x="0" y="0"/>
+          <a:ext cx="0" cy="0"/>
+          <a:chOff x="0" y="0"/>
+          <a:chExt cx="0" cy="0"/>
+        </a:xfrm>
+      </p:grpSpPr>
+      <p:sp>
+        <p:nvSpPr>
+          <p:cNvPr id="2" name="직사각형 1"/>
+          <p:cNvSpPr/>
+          <p:nvPr/>
+        </p:nvSpPr>
+        <p:spPr>
+          <a:xfrm>
+            <a:off x="251520" y="620688"/>
+            <a:ext cx="8640960" cy="5976664"/>
+          </a:xfrm>
+          <a:prstGeom prst="rect">
+            <a:avLst/>
+          </a:prstGeom>
+          <a:solidFill>
+            <a:schemeClr val="bg1"/>
+          </a:solidFill>
+          <a:ln>
+            <a:noFill/>
+          </a:ln>
+        </p:spPr>
+        <p:style>
+          <a:lnRef idx="2">
+            <a:schemeClr val="accent1">
+              <a:shade val="50000"/>
+            </a:schemeClr>
+          </a:lnRef>
+          <a:fillRef idx="1">
+            <a:schemeClr val="accent1"/>
+          </a:fillRef>
+          <a:effectRef idx="0">
+            <a:schemeClr val="accent1"/>
+          </a:effectRef>
+          <a:fontRef idx="minor">
+            <a:schemeClr val="lt1"/>
+          </a:fontRef>
+        </p:style>
+        <p:txBody>
+          <a:bodyPr rtlCol="0" anchor="ctr"/>
+          <a:lstStyle/>
+          <a:p>
+            <a:pPr algn="ctr"/>
+            <a:endParaRPr lang="ko-KR" altLang="en-US"/>
+          </a:p>
+        </p:txBody>
+      </p:sp>
+      <p:sp>
+        <p:nvSpPr>
+          <p:cNvPr id="8" name="직사각형 7"/>
+          <p:cNvSpPr/>
+          <p:nvPr/>
+        </p:nvSpPr>
+        <p:spPr>
+          <a:xfrm>
+            <a:off x="219463" y="271681"/>
+            <a:ext cx="1297150" cy="276999"/>
+          </a:xfrm>
+          <a:prstGeom prst="rect">
+            <a:avLst/>
+          </a:prstGeom>
+        </p:spPr>
+        <p:txBody>
+          <a:bodyPr wrap="none">
+            <a:spAutoFit/>
+          </a:bodyPr>
+          <a:lstStyle/>
+          <a:p>
+            <a:pPr algn="ctr"/>
+            <a:r>
+              <a:rPr lang="ko-KR" altLang="en-US" sz="1200" b="1" spc="-150" dirty="0" smtClean="0">
+                <a:solidFill>
+                  <a:schemeClr val="bg1"/>
+                </a:solidFill>
+              </a:rPr>
+              <a:t>제목을 입력하세요</a:t>
+            </a:r>
+            <a:endParaRPr lang="ko-KR" altLang="en-US" sz="1200" b="1" spc="-150" dirty="0">
+              <a:solidFill>
+                <a:schemeClr val="bg1"/>
+              </a:solidFill>
+            </a:endParaRPr>
+          </a:p>
+        </p:txBody>
+      </p:sp>
+      <p:sp>
+        <p:nvSpPr>
           <p:cNvPr id="10" name="TextBox 9"/>
           <p:cNvSpPr txBox="1"/>
           <p:nvPr/>
@@ -17926,7 +21904,1269 @@
           <p:cNvPr id="38" name="화살표: 갈매기형 수장 1">
             <a:extLst>
               <a:ext uri="{FF2B5EF4-FFF2-40B4-BE49-F238E27FC236}">
-                <a16:creationId xmlns:a16="http://schemas.microsoft.com/office/drawing/2014/main" xmlns="" id="{A38FB86A-A9AC-4EAE-8223-69D52F8B1ABE}"/>
+                <a16:creationId xmlns="" xmlns:a16="http://schemas.microsoft.com/office/drawing/2014/main" id="{A38FB86A-A9AC-4EAE-8223-69D52F8B1ABE}"/>
+              </a:ext>
+            </a:extLst>
+          </p:cNvPr>
+          <p:cNvSpPr/>
+          <p:nvPr/>
+        </p:nvSpPr>
+        <p:spPr>
+          <a:xfrm>
+            <a:off x="479244" y="1072880"/>
+            <a:ext cx="1742256" cy="461945"/>
+          </a:xfrm>
+          <a:prstGeom prst="chevron">
+            <a:avLst/>
+          </a:prstGeom>
+          <a:noFill/>
+          <a:ln>
+            <a:solidFill>
+              <a:srgbClr val="FFCC00"/>
+            </a:solidFill>
+          </a:ln>
+        </p:spPr>
+        <p:style>
+          <a:lnRef idx="2">
+            <a:schemeClr val="accent1">
+              <a:shade val="50000"/>
+            </a:schemeClr>
+          </a:lnRef>
+          <a:fillRef idx="1">
+            <a:schemeClr val="accent1"/>
+          </a:fillRef>
+          <a:effectRef idx="0">
+            <a:schemeClr val="accent1"/>
+          </a:effectRef>
+          <a:fontRef idx="minor">
+            <a:schemeClr val="lt1"/>
+          </a:fontRef>
+        </p:style>
+        <p:txBody>
+          <a:bodyPr rtlCol="0" anchor="ctr"/>
+          <a:lstStyle/>
+          <a:p>
+            <a:pPr algn="ctr"/>
+            <a:endParaRPr lang="ko-KR" altLang="en-US">
+              <a:solidFill>
+                <a:schemeClr val="tx1"/>
+              </a:solidFill>
+            </a:endParaRPr>
+          </a:p>
+        </p:txBody>
+      </p:sp>
+      <p:sp>
+        <p:nvSpPr>
+          <p:cNvPr id="39" name="화살표: 갈매기형 수장 2">
+            <a:extLst>
+              <a:ext uri="{FF2B5EF4-FFF2-40B4-BE49-F238E27FC236}">
+                <a16:creationId xmlns="" xmlns:a16="http://schemas.microsoft.com/office/drawing/2014/main" id="{8C8E1FD7-9558-46EC-B4E7-FDD400E94927}"/>
+              </a:ext>
+            </a:extLst>
+          </p:cNvPr>
+          <p:cNvSpPr/>
+          <p:nvPr/>
+        </p:nvSpPr>
+        <p:spPr>
+          <a:xfrm>
+            <a:off x="3779912" y="1072224"/>
+            <a:ext cx="1742256" cy="461945"/>
+          </a:xfrm>
+          <a:prstGeom prst="chevron">
+            <a:avLst/>
+          </a:prstGeom>
+          <a:noFill/>
+          <a:ln>
+            <a:solidFill>
+              <a:srgbClr val="FFCC00"/>
+            </a:solidFill>
+          </a:ln>
+        </p:spPr>
+        <p:style>
+          <a:lnRef idx="2">
+            <a:schemeClr val="accent1">
+              <a:shade val="50000"/>
+            </a:schemeClr>
+          </a:lnRef>
+          <a:fillRef idx="1">
+            <a:schemeClr val="accent1"/>
+          </a:fillRef>
+          <a:effectRef idx="0">
+            <a:schemeClr val="accent1"/>
+          </a:effectRef>
+          <a:fontRef idx="minor">
+            <a:schemeClr val="lt1"/>
+          </a:fontRef>
+        </p:style>
+        <p:txBody>
+          <a:bodyPr rtlCol="0" anchor="ctr"/>
+          <a:lstStyle/>
+          <a:p>
+            <a:pPr algn="ctr"/>
+            <a:endParaRPr lang="ko-KR" altLang="en-US">
+              <a:solidFill>
+                <a:schemeClr val="tx1"/>
+              </a:solidFill>
+            </a:endParaRPr>
+          </a:p>
+        </p:txBody>
+      </p:sp>
+      <p:sp>
+        <p:nvSpPr>
+          <p:cNvPr id="41" name="화살표: 갈매기형 수장 4">
+            <a:extLst>
+              <a:ext uri="{FF2B5EF4-FFF2-40B4-BE49-F238E27FC236}">
+                <a16:creationId xmlns="" xmlns:a16="http://schemas.microsoft.com/office/drawing/2014/main" id="{66755A50-62DA-4FF0-95B0-EA82A6CC33B8}"/>
+              </a:ext>
+            </a:extLst>
+          </p:cNvPr>
+          <p:cNvSpPr/>
+          <p:nvPr/>
+        </p:nvSpPr>
+        <p:spPr>
+          <a:xfrm>
+            <a:off x="5402325" y="1072224"/>
+            <a:ext cx="1742256" cy="461945"/>
+          </a:xfrm>
+          <a:prstGeom prst="chevron">
+            <a:avLst/>
+          </a:prstGeom>
+          <a:noFill/>
+          <a:ln>
+            <a:solidFill>
+              <a:srgbClr val="FFCC00"/>
+            </a:solidFill>
+          </a:ln>
+        </p:spPr>
+        <p:style>
+          <a:lnRef idx="2">
+            <a:schemeClr val="accent1">
+              <a:shade val="50000"/>
+            </a:schemeClr>
+          </a:lnRef>
+          <a:fillRef idx="1">
+            <a:schemeClr val="accent1"/>
+          </a:fillRef>
+          <a:effectRef idx="0">
+            <a:schemeClr val="accent1"/>
+          </a:effectRef>
+          <a:fontRef idx="minor">
+            <a:schemeClr val="lt1"/>
+          </a:fontRef>
+        </p:style>
+        <p:txBody>
+          <a:bodyPr rtlCol="0" anchor="ctr"/>
+          <a:lstStyle/>
+          <a:p>
+            <a:pPr algn="ctr"/>
+            <a:endParaRPr lang="ko-KR" altLang="en-US">
+              <a:solidFill>
+                <a:schemeClr val="tx1"/>
+              </a:solidFill>
+            </a:endParaRPr>
+          </a:p>
+        </p:txBody>
+      </p:sp>
+      <p:sp>
+        <p:nvSpPr>
+          <p:cNvPr id="42" name="화살표: 갈매기형 수장 5">
+            <a:extLst>
+              <a:ext uri="{FF2B5EF4-FFF2-40B4-BE49-F238E27FC236}">
+                <a16:creationId xmlns="" xmlns:a16="http://schemas.microsoft.com/office/drawing/2014/main" id="{DE46CADA-41E8-412A-A136-0A94F5A27AD4}"/>
+              </a:ext>
+            </a:extLst>
+          </p:cNvPr>
+          <p:cNvSpPr/>
+          <p:nvPr/>
+        </p:nvSpPr>
+        <p:spPr>
+          <a:xfrm>
+            <a:off x="7012687" y="1072224"/>
+            <a:ext cx="1742256" cy="461945"/>
+          </a:xfrm>
+          <a:prstGeom prst="chevron">
+            <a:avLst/>
+          </a:prstGeom>
+          <a:noFill/>
+          <a:ln>
+            <a:solidFill>
+              <a:srgbClr val="FFCC00"/>
+            </a:solidFill>
+          </a:ln>
+        </p:spPr>
+        <p:style>
+          <a:lnRef idx="2">
+            <a:schemeClr val="accent1">
+              <a:shade val="50000"/>
+            </a:schemeClr>
+          </a:lnRef>
+          <a:fillRef idx="1">
+            <a:schemeClr val="accent1"/>
+          </a:fillRef>
+          <a:effectRef idx="0">
+            <a:schemeClr val="accent1"/>
+          </a:effectRef>
+          <a:fontRef idx="minor">
+            <a:schemeClr val="lt1"/>
+          </a:fontRef>
+        </p:style>
+        <p:txBody>
+          <a:bodyPr rtlCol="0" anchor="ctr"/>
+          <a:lstStyle/>
+          <a:p>
+            <a:pPr algn="ctr"/>
+            <a:endParaRPr lang="ko-KR" altLang="en-US">
+              <a:solidFill>
+                <a:schemeClr val="tx1"/>
+              </a:solidFill>
+            </a:endParaRPr>
+          </a:p>
+        </p:txBody>
+      </p:sp>
+      <p:sp>
+        <p:nvSpPr>
+          <p:cNvPr id="43" name="TextBox 42">
+            <a:extLst>
+              <a:ext uri="{FF2B5EF4-FFF2-40B4-BE49-F238E27FC236}">
+                <a16:creationId xmlns="" xmlns:a16="http://schemas.microsoft.com/office/drawing/2014/main" id="{68E943C8-5BA8-4C3E-A527-DD0F8F2B0E0A}"/>
+              </a:ext>
+            </a:extLst>
+          </p:cNvPr>
+          <p:cNvSpPr txBox="1"/>
+          <p:nvPr/>
+        </p:nvSpPr>
+        <p:spPr>
+          <a:xfrm>
+            <a:off x="675082" y="1130530"/>
+            <a:ext cx="1343858" cy="369332"/>
+          </a:xfrm>
+          <a:prstGeom prst="rect">
+            <a:avLst/>
+          </a:prstGeom>
+          <a:noFill/>
+        </p:spPr>
+        <p:txBody>
+          <a:bodyPr wrap="square" rtlCol="0">
+            <a:spAutoFit/>
+          </a:bodyPr>
+          <a:lstStyle/>
+          <a:p>
+            <a:r>
+              <a:rPr lang="ko-KR" altLang="en-US" b="1" dirty="0" err="1"/>
+              <a:t>웹스크래핑</a:t>
+            </a:r>
+            <a:endParaRPr lang="ko-KR" altLang="en-US" b="1" dirty="0"/>
+          </a:p>
+        </p:txBody>
+      </p:sp>
+      <p:sp>
+        <p:nvSpPr>
+          <p:cNvPr id="44" name="TextBox 43">
+            <a:extLst>
+              <a:ext uri="{FF2B5EF4-FFF2-40B4-BE49-F238E27FC236}">
+                <a16:creationId xmlns="" xmlns:a16="http://schemas.microsoft.com/office/drawing/2014/main" id="{4D3D8339-CC68-4AAC-A189-19E6E05D54DD}"/>
+              </a:ext>
+            </a:extLst>
+          </p:cNvPr>
+          <p:cNvSpPr txBox="1"/>
+          <p:nvPr/>
+        </p:nvSpPr>
+        <p:spPr>
+          <a:xfrm>
+            <a:off x="4198808" y="1129874"/>
+            <a:ext cx="890085" cy="369332"/>
+          </a:xfrm>
+          <a:prstGeom prst="rect">
+            <a:avLst/>
+          </a:prstGeom>
+          <a:noFill/>
+        </p:spPr>
+        <p:txBody>
+          <a:bodyPr wrap="square" rtlCol="0">
+            <a:spAutoFit/>
+          </a:bodyPr>
+          <a:lstStyle/>
+          <a:p>
+            <a:r>
+              <a:rPr lang="ko-KR" altLang="en-US" b="1" dirty="0">
+                <a:solidFill>
+                  <a:srgbClr val="082E59"/>
+                </a:solidFill>
+              </a:rPr>
+              <a:t>시각화</a:t>
+            </a:r>
+          </a:p>
+        </p:txBody>
+      </p:sp>
+      <p:sp>
+        <p:nvSpPr>
+          <p:cNvPr id="46" name="TextBox 45">
+            <a:extLst>
+              <a:ext uri="{FF2B5EF4-FFF2-40B4-BE49-F238E27FC236}">
+                <a16:creationId xmlns="" xmlns:a16="http://schemas.microsoft.com/office/drawing/2014/main" id="{32361A82-4993-4DC4-B5EF-3C30F9515573}"/>
+              </a:ext>
+            </a:extLst>
+          </p:cNvPr>
+          <p:cNvSpPr txBox="1"/>
+          <p:nvPr/>
+        </p:nvSpPr>
+        <p:spPr>
+          <a:xfrm>
+            <a:off x="7327810" y="1129874"/>
+            <a:ext cx="1101193" cy="369332"/>
+          </a:xfrm>
+          <a:prstGeom prst="rect">
+            <a:avLst/>
+          </a:prstGeom>
+          <a:noFill/>
+        </p:spPr>
+        <p:txBody>
+          <a:bodyPr wrap="square" rtlCol="0">
+            <a:spAutoFit/>
+          </a:bodyPr>
+          <a:lstStyle/>
+          <a:p>
+            <a:r>
+              <a:rPr lang="ko-KR" altLang="en-US" b="1" dirty="0">
+                <a:solidFill>
+                  <a:srgbClr val="082E59"/>
+                </a:solidFill>
+              </a:rPr>
+              <a:t>결론도출</a:t>
+            </a:r>
+          </a:p>
+        </p:txBody>
+      </p:sp>
+      <p:sp>
+        <p:nvSpPr>
+          <p:cNvPr id="47" name="TextBox 46">
+            <a:extLst>
+              <a:ext uri="{FF2B5EF4-FFF2-40B4-BE49-F238E27FC236}">
+                <a16:creationId xmlns="" xmlns:a16="http://schemas.microsoft.com/office/drawing/2014/main" id="{49D68CEE-0E8C-4AD6-9485-622609B084B3}"/>
+              </a:ext>
+            </a:extLst>
+          </p:cNvPr>
+          <p:cNvSpPr txBox="1"/>
+          <p:nvPr/>
+        </p:nvSpPr>
+        <p:spPr>
+          <a:xfrm>
+            <a:off x="5402325" y="1129874"/>
+            <a:ext cx="1742256" cy="369332"/>
+          </a:xfrm>
+          <a:prstGeom prst="rect">
+            <a:avLst/>
+          </a:prstGeom>
+          <a:noFill/>
+        </p:spPr>
+        <p:txBody>
+          <a:bodyPr wrap="square" rtlCol="0">
+            <a:spAutoFit/>
+          </a:bodyPr>
+          <a:lstStyle/>
+          <a:p>
+            <a:pPr algn="ctr"/>
+            <a:r>
+              <a:rPr lang="ko-KR" altLang="en-US" b="1" dirty="0">
+                <a:solidFill>
+                  <a:srgbClr val="082E59"/>
+                </a:solidFill>
+              </a:rPr>
+              <a:t>분석</a:t>
+            </a:r>
+          </a:p>
+        </p:txBody>
+      </p:sp>
+      <p:sp>
+        <p:nvSpPr>
+          <p:cNvPr id="48" name="화살표: 갈매기형 수장 2">
+            <a:extLst>
+              <a:ext uri="{FF2B5EF4-FFF2-40B4-BE49-F238E27FC236}">
+                <a16:creationId xmlns="" xmlns:a16="http://schemas.microsoft.com/office/drawing/2014/main" id="{7B196A9F-09F8-8545-89B0-5112E49D0233}"/>
+              </a:ext>
+            </a:extLst>
+          </p:cNvPr>
+          <p:cNvSpPr/>
+          <p:nvPr/>
+        </p:nvSpPr>
+        <p:spPr>
+          <a:xfrm>
+            <a:off x="2151275" y="1072224"/>
+            <a:ext cx="1742256" cy="461945"/>
+          </a:xfrm>
+          <a:prstGeom prst="chevron">
+            <a:avLst/>
+          </a:prstGeom>
+          <a:solidFill>
+            <a:srgbClr val="FFCC00"/>
+          </a:solidFill>
+          <a:ln>
+            <a:solidFill>
+              <a:srgbClr val="FFCC00"/>
+            </a:solidFill>
+          </a:ln>
+        </p:spPr>
+        <p:style>
+          <a:lnRef idx="2">
+            <a:schemeClr val="accent1">
+              <a:shade val="50000"/>
+            </a:schemeClr>
+          </a:lnRef>
+          <a:fillRef idx="1">
+            <a:schemeClr val="accent1"/>
+          </a:fillRef>
+          <a:effectRef idx="0">
+            <a:schemeClr val="accent1"/>
+          </a:effectRef>
+          <a:fontRef idx="minor">
+            <a:schemeClr val="lt1"/>
+          </a:fontRef>
+        </p:style>
+        <p:txBody>
+          <a:bodyPr rtlCol="0" anchor="ctr"/>
+          <a:lstStyle/>
+          <a:p>
+            <a:pPr algn="ctr"/>
+            <a:endParaRPr lang="ko-KR" altLang="en-US">
+              <a:solidFill>
+                <a:schemeClr val="tx1"/>
+              </a:solidFill>
+            </a:endParaRPr>
+          </a:p>
+        </p:txBody>
+      </p:sp>
+      <p:sp>
+        <p:nvSpPr>
+          <p:cNvPr id="49" name="TextBox 48">
+            <a:extLst>
+              <a:ext uri="{FF2B5EF4-FFF2-40B4-BE49-F238E27FC236}">
+                <a16:creationId xmlns="" xmlns:a16="http://schemas.microsoft.com/office/drawing/2014/main" id="{BC3F0FE1-9ECF-C344-B0A8-12B4DA316EC5}"/>
+              </a:ext>
+            </a:extLst>
+          </p:cNvPr>
+          <p:cNvSpPr txBox="1"/>
+          <p:nvPr/>
+        </p:nvSpPr>
+        <p:spPr>
+          <a:xfrm>
+            <a:off x="2548474" y="1140694"/>
+            <a:ext cx="890085" cy="369332"/>
+          </a:xfrm>
+          <a:prstGeom prst="rect">
+            <a:avLst/>
+          </a:prstGeom>
+          <a:noFill/>
+        </p:spPr>
+        <p:txBody>
+          <a:bodyPr wrap="square" rtlCol="0">
+            <a:spAutoFit/>
+          </a:bodyPr>
+          <a:lstStyle/>
+          <a:p>
+            <a:r>
+              <a:rPr lang="ko-KR" altLang="en-US" b="1" dirty="0">
+                <a:solidFill>
+                  <a:schemeClr val="bg1"/>
+                </a:solidFill>
+              </a:rPr>
+              <a:t>전처리</a:t>
+            </a:r>
+          </a:p>
+        </p:txBody>
+      </p:sp>
+      <p:sp>
+        <p:nvSpPr>
+          <p:cNvPr id="16" name="내용 개체 틀 2">
+            <a:extLst>
+              <a:ext uri="{FF2B5EF4-FFF2-40B4-BE49-F238E27FC236}">
+                <a16:creationId xmlns:a16="http://schemas.microsoft.com/office/drawing/2014/main" xmlns="" id="{E965BA51-CCB7-7A4F-A170-2565CA39D3E5}"/>
+              </a:ext>
+            </a:extLst>
+          </p:cNvPr>
+          <p:cNvSpPr txBox="1">
+            <a:spLocks/>
+          </p:cNvSpPr>
+          <p:nvPr/>
+        </p:nvSpPr>
+        <p:spPr>
+          <a:xfrm>
+            <a:off x="832892" y="1889799"/>
+            <a:ext cx="7478216" cy="3669285"/>
+          </a:xfrm>
+          <a:prstGeom prst="rect">
+            <a:avLst/>
+          </a:prstGeom>
+        </p:spPr>
+        <p:txBody>
+          <a:bodyPr>
+            <a:normAutofit fontScale="70000" lnSpcReduction="20000"/>
+          </a:bodyPr>
+          <a:lstStyle>
+            <a:lvl1pPr marL="342900" indent="-342900" algn="l" defTabSz="914400" rtl="0" eaLnBrk="1" latinLnBrk="1" hangingPunct="1">
+              <a:spcBef>
+                <a:spcPct val="20000"/>
+              </a:spcBef>
+              <a:buFont typeface="Arial" pitchFamily="34" charset="0"/>
+              <a:buChar char="•"/>
+              <a:defRPr sz="3200" kern="1200">
+                <a:solidFill>
+                  <a:schemeClr val="tx1"/>
+                </a:solidFill>
+                <a:latin typeface="+mn-lt"/>
+                <a:ea typeface="+mn-ea"/>
+                <a:cs typeface="+mn-cs"/>
+              </a:defRPr>
+            </a:lvl1pPr>
+            <a:lvl2pPr marL="742950" indent="-285750" algn="l" defTabSz="914400" rtl="0" eaLnBrk="1" latinLnBrk="1" hangingPunct="1">
+              <a:spcBef>
+                <a:spcPct val="20000"/>
+              </a:spcBef>
+              <a:buFont typeface="Arial" pitchFamily="34" charset="0"/>
+              <a:buChar char="–"/>
+              <a:defRPr sz="2800" kern="1200">
+                <a:solidFill>
+                  <a:schemeClr val="tx1"/>
+                </a:solidFill>
+                <a:latin typeface="+mn-lt"/>
+                <a:ea typeface="+mn-ea"/>
+                <a:cs typeface="+mn-cs"/>
+              </a:defRPr>
+            </a:lvl2pPr>
+            <a:lvl3pPr marL="1143000" indent="-228600" algn="l" defTabSz="914400" rtl="0" eaLnBrk="1" latinLnBrk="1" hangingPunct="1">
+              <a:spcBef>
+                <a:spcPct val="20000"/>
+              </a:spcBef>
+              <a:buFont typeface="Arial" pitchFamily="34" charset="0"/>
+              <a:buChar char="•"/>
+              <a:defRPr sz="2400" kern="1200">
+                <a:solidFill>
+                  <a:schemeClr val="tx1"/>
+                </a:solidFill>
+                <a:latin typeface="+mn-lt"/>
+                <a:ea typeface="+mn-ea"/>
+                <a:cs typeface="+mn-cs"/>
+              </a:defRPr>
+            </a:lvl3pPr>
+            <a:lvl4pPr marL="1600200" indent="-228600" algn="l" defTabSz="914400" rtl="0" eaLnBrk="1" latinLnBrk="1" hangingPunct="1">
+              <a:spcBef>
+                <a:spcPct val="20000"/>
+              </a:spcBef>
+              <a:buFont typeface="Arial" pitchFamily="34" charset="0"/>
+              <a:buChar char="–"/>
+              <a:defRPr sz="2000" kern="1200">
+                <a:solidFill>
+                  <a:schemeClr val="tx1"/>
+                </a:solidFill>
+                <a:latin typeface="+mn-lt"/>
+                <a:ea typeface="+mn-ea"/>
+                <a:cs typeface="+mn-cs"/>
+              </a:defRPr>
+            </a:lvl4pPr>
+            <a:lvl5pPr marL="2057400" indent="-228600" algn="l" defTabSz="914400" rtl="0" eaLnBrk="1" latinLnBrk="1" hangingPunct="1">
+              <a:spcBef>
+                <a:spcPct val="20000"/>
+              </a:spcBef>
+              <a:buFont typeface="Arial" pitchFamily="34" charset="0"/>
+              <a:buChar char="»"/>
+              <a:defRPr sz="2000" kern="1200">
+                <a:solidFill>
+                  <a:schemeClr val="tx1"/>
+                </a:solidFill>
+                <a:latin typeface="+mn-lt"/>
+                <a:ea typeface="+mn-ea"/>
+                <a:cs typeface="+mn-cs"/>
+              </a:defRPr>
+            </a:lvl5pPr>
+            <a:lvl6pPr marL="2514600" indent="-228600" algn="l" defTabSz="914400" rtl="0" eaLnBrk="1" latinLnBrk="1" hangingPunct="1">
+              <a:spcBef>
+                <a:spcPct val="20000"/>
+              </a:spcBef>
+              <a:buFont typeface="Arial" pitchFamily="34" charset="0"/>
+              <a:buChar char="•"/>
+              <a:defRPr sz="2000" kern="1200">
+                <a:solidFill>
+                  <a:schemeClr val="tx1"/>
+                </a:solidFill>
+                <a:latin typeface="+mn-lt"/>
+                <a:ea typeface="+mn-ea"/>
+                <a:cs typeface="+mn-cs"/>
+              </a:defRPr>
+            </a:lvl6pPr>
+            <a:lvl7pPr marL="2971800" indent="-228600" algn="l" defTabSz="914400" rtl="0" eaLnBrk="1" latinLnBrk="1" hangingPunct="1">
+              <a:spcBef>
+                <a:spcPct val="20000"/>
+              </a:spcBef>
+              <a:buFont typeface="Arial" pitchFamily="34" charset="0"/>
+              <a:buChar char="•"/>
+              <a:defRPr sz="2000" kern="1200">
+                <a:solidFill>
+                  <a:schemeClr val="tx1"/>
+                </a:solidFill>
+                <a:latin typeface="+mn-lt"/>
+                <a:ea typeface="+mn-ea"/>
+                <a:cs typeface="+mn-cs"/>
+              </a:defRPr>
+            </a:lvl7pPr>
+            <a:lvl8pPr marL="3429000" indent="-228600" algn="l" defTabSz="914400" rtl="0" eaLnBrk="1" latinLnBrk="1" hangingPunct="1">
+              <a:spcBef>
+                <a:spcPct val="20000"/>
+              </a:spcBef>
+              <a:buFont typeface="Arial" pitchFamily="34" charset="0"/>
+              <a:buChar char="•"/>
+              <a:defRPr sz="2000" kern="1200">
+                <a:solidFill>
+                  <a:schemeClr val="tx1"/>
+                </a:solidFill>
+                <a:latin typeface="+mn-lt"/>
+                <a:ea typeface="+mn-ea"/>
+                <a:cs typeface="+mn-cs"/>
+              </a:defRPr>
+            </a:lvl8pPr>
+            <a:lvl9pPr marL="3886200" indent="-228600" algn="l" defTabSz="914400" rtl="0" eaLnBrk="1" latinLnBrk="1" hangingPunct="1">
+              <a:spcBef>
+                <a:spcPct val="20000"/>
+              </a:spcBef>
+              <a:buFont typeface="Arial" pitchFamily="34" charset="0"/>
+              <a:buChar char="•"/>
+              <a:defRPr sz="2000" kern="1200">
+                <a:solidFill>
+                  <a:schemeClr val="tx1"/>
+                </a:solidFill>
+                <a:latin typeface="+mn-lt"/>
+                <a:ea typeface="+mn-ea"/>
+                <a:cs typeface="+mn-cs"/>
+              </a:defRPr>
+            </a:lvl9pPr>
+          </a:lstStyle>
+          <a:p>
+            <a:pPr marL="0" indent="0">
+              <a:lnSpc>
+                <a:spcPct val="110000"/>
+              </a:lnSpc>
+              <a:buFont typeface="Arial" pitchFamily="34" charset="0"/>
+              <a:buNone/>
+            </a:pPr>
+            <a:r>
+              <a:rPr kumimoji="1" lang="ko-KR" altLang="en-US" sz="2000" b="1" smtClean="0">
+                <a:solidFill>
+                  <a:schemeClr val="bg1"/>
+                </a:solidFill>
+                <a:highlight>
+                  <a:srgbClr val="4CAD9C"/>
+                </a:highlight>
+              </a:rPr>
+              <a:t>데이터 정제</a:t>
+            </a:r>
+            <a:r>
+              <a:rPr kumimoji="1" lang="ko-KR" altLang="en-US" sz="2000" smtClean="0"/>
+              <a:t> </a:t>
+            </a:r>
+            <a:r>
+              <a:rPr kumimoji="1" lang="en-US" altLang="ko-KR" sz="2000" smtClean="0"/>
+              <a:t>Sublime text3,</a:t>
+            </a:r>
+            <a:r>
+              <a:rPr kumimoji="1" lang="ko-KR" altLang="en-US" sz="2000" smtClean="0"/>
+              <a:t> 정규표현식</a:t>
+            </a:r>
+            <a:endParaRPr kumimoji="1" lang="en-US" altLang="ko-KR" sz="2000" smtClean="0"/>
+          </a:p>
+          <a:p>
+            <a:pPr lvl="1">
+              <a:lnSpc>
+                <a:spcPct val="110000"/>
+              </a:lnSpc>
+            </a:pPr>
+            <a:r>
+              <a:rPr kumimoji="1" lang="ko-KR" altLang="en-US" sz="1900" smtClean="0"/>
+              <a:t>로우 데이터 형식 통일</a:t>
+            </a:r>
+            <a:endParaRPr kumimoji="1" lang="en-US" altLang="ko-KR" sz="1900" smtClean="0"/>
+          </a:p>
+          <a:p>
+            <a:pPr lvl="1">
+              <a:lnSpc>
+                <a:spcPct val="110000"/>
+              </a:lnSpc>
+            </a:pPr>
+            <a:r>
+              <a:rPr kumimoji="1" lang="ko-KR" altLang="en-US" sz="1900" smtClean="0"/>
+              <a:t>결측치 확인 및 제거</a:t>
+            </a:r>
+            <a:endParaRPr kumimoji="1" lang="en-US" altLang="ko-KR" sz="1900" smtClean="0"/>
+          </a:p>
+          <a:p>
+            <a:pPr lvl="1">
+              <a:lnSpc>
+                <a:spcPct val="110000"/>
+              </a:lnSpc>
+            </a:pPr>
+            <a:endParaRPr kumimoji="1" lang="en-US" altLang="ko-KR" sz="1900" smtClean="0"/>
+          </a:p>
+          <a:p>
+            <a:pPr marL="0" indent="0">
+              <a:lnSpc>
+                <a:spcPct val="110000"/>
+              </a:lnSpc>
+              <a:buFont typeface="Arial" pitchFamily="34" charset="0"/>
+              <a:buNone/>
+            </a:pPr>
+            <a:r>
+              <a:rPr kumimoji="1" lang="ko-KR" altLang="en-US" sz="2000" b="1" smtClean="0">
+                <a:solidFill>
+                  <a:schemeClr val="bg1"/>
+                </a:solidFill>
+                <a:highlight>
+                  <a:srgbClr val="4CAD9C"/>
+                </a:highlight>
+              </a:rPr>
+              <a:t>형태소 분석</a:t>
+            </a:r>
+            <a:r>
+              <a:rPr kumimoji="1" lang="ko-KR" altLang="en-US" sz="2000" b="1" smtClean="0">
+                <a:solidFill>
+                  <a:schemeClr val="bg1"/>
+                </a:solidFill>
+              </a:rPr>
+              <a:t> </a:t>
+            </a:r>
+            <a:r>
+              <a:rPr kumimoji="1" lang="en-US" altLang="ko-KR" sz="2000" smtClean="0"/>
+              <a:t>KoNLPy(Okt)</a:t>
+            </a:r>
+          </a:p>
+          <a:p>
+            <a:pPr lvl="1">
+              <a:lnSpc>
+                <a:spcPct val="110000"/>
+              </a:lnSpc>
+            </a:pPr>
+            <a:r>
+              <a:rPr kumimoji="1" lang="ko-KR" altLang="en-US" sz="2000" smtClean="0"/>
+              <a:t>제목</a:t>
+            </a:r>
+            <a:r>
+              <a:rPr kumimoji="1" lang="en-US" altLang="ko-KR" sz="2000" smtClean="0"/>
+              <a:t>(Title)</a:t>
+            </a:r>
+            <a:r>
+              <a:rPr kumimoji="1" lang="ko-KR" altLang="en-US" sz="2000" smtClean="0"/>
+              <a:t>과 게시글 내용</a:t>
+            </a:r>
+            <a:r>
+              <a:rPr kumimoji="1" lang="en-US" altLang="ko-KR" sz="2000" smtClean="0"/>
+              <a:t>(Content)</a:t>
+            </a:r>
+            <a:r>
+              <a:rPr kumimoji="1" lang="ko-KR" altLang="en-US" sz="2000" smtClean="0"/>
+              <a:t>을 분리하여 품사 태깅</a:t>
+            </a:r>
+            <a:endParaRPr kumimoji="1" lang="en-US" altLang="ko-KR" sz="2000" smtClean="0"/>
+          </a:p>
+          <a:p>
+            <a:pPr lvl="1">
+              <a:lnSpc>
+                <a:spcPct val="110000"/>
+              </a:lnSpc>
+            </a:pPr>
+            <a:r>
+              <a:rPr kumimoji="1" lang="ko-KR" altLang="en-US" sz="2000" smtClean="0"/>
+              <a:t>확인 가능한 미등록 단어를 모아 사용자 사전 생성</a:t>
+            </a:r>
+            <a:endParaRPr kumimoji="1" lang="en-US" altLang="ko-KR" sz="2000" smtClean="0"/>
+          </a:p>
+          <a:p>
+            <a:pPr lvl="2">
+              <a:lnSpc>
+                <a:spcPct val="110000"/>
+              </a:lnSpc>
+            </a:pPr>
+            <a:r>
+              <a:rPr kumimoji="1" lang="en-US" altLang="ko-KR" sz="1600" smtClean="0"/>
+              <a:t>‘</a:t>
+            </a:r>
+            <a:r>
+              <a:rPr kumimoji="1" lang="ko-KR" altLang="en-US" sz="1600" smtClean="0"/>
+              <a:t>공수처</a:t>
+            </a:r>
+            <a:r>
+              <a:rPr kumimoji="1" lang="en-US" altLang="ko-KR" sz="1600" smtClean="0"/>
+              <a:t>’,</a:t>
+            </a:r>
+            <a:r>
+              <a:rPr kumimoji="1" lang="ko-KR" altLang="en-US" sz="1600" smtClean="0"/>
+              <a:t> </a:t>
+            </a:r>
+            <a:r>
+              <a:rPr kumimoji="1" lang="en-US" altLang="ko-KR" sz="1600" smtClean="0"/>
+              <a:t>‘</a:t>
+            </a:r>
+            <a:r>
+              <a:rPr kumimoji="1" lang="ko-KR" altLang="en-US" sz="1600" smtClean="0"/>
+              <a:t>자한당</a:t>
+            </a:r>
+            <a:r>
+              <a:rPr kumimoji="1" lang="en-US" altLang="ko-KR" sz="1600" smtClean="0"/>
+              <a:t>’,</a:t>
+            </a:r>
+            <a:r>
+              <a:rPr kumimoji="1" lang="ko-KR" altLang="en-US" sz="1600" smtClean="0"/>
+              <a:t> </a:t>
+            </a:r>
+            <a:r>
+              <a:rPr kumimoji="1" lang="en-US" altLang="ko-KR" sz="1600" smtClean="0"/>
+              <a:t>‘</a:t>
+            </a:r>
+            <a:r>
+              <a:rPr kumimoji="1" lang="ko-KR" altLang="en-US" sz="1600" smtClean="0"/>
+              <a:t>불체자</a:t>
+            </a:r>
+            <a:r>
+              <a:rPr kumimoji="1" lang="en-US" altLang="ko-KR" sz="1600" smtClean="0"/>
+              <a:t>’,</a:t>
+            </a:r>
+            <a:r>
+              <a:rPr kumimoji="1" lang="ko-KR" altLang="en-US" sz="1600" smtClean="0"/>
+              <a:t> </a:t>
+            </a:r>
+            <a:r>
+              <a:rPr kumimoji="1" lang="en-US" altLang="ko-KR" sz="1600" smtClean="0"/>
+              <a:t>‘</a:t>
+            </a:r>
+            <a:r>
+              <a:rPr kumimoji="1" lang="ko-KR" altLang="en-US" sz="1600" smtClean="0"/>
+              <a:t>학종</a:t>
+            </a:r>
+            <a:r>
+              <a:rPr kumimoji="1" lang="en-US" altLang="ko-KR" sz="1600" smtClean="0"/>
+              <a:t>’</a:t>
+            </a:r>
+            <a:r>
+              <a:rPr kumimoji="1" lang="ko-KR" altLang="en-US" sz="1600" smtClean="0"/>
+              <a:t> 등</a:t>
+            </a:r>
+            <a:endParaRPr kumimoji="1" lang="en-US" altLang="ko-KR" sz="1600" smtClean="0"/>
+          </a:p>
+          <a:p>
+            <a:pPr lvl="1">
+              <a:lnSpc>
+                <a:spcPct val="110000"/>
+              </a:lnSpc>
+            </a:pPr>
+            <a:r>
+              <a:rPr kumimoji="1" lang="en-US" altLang="ko-KR" sz="2000" smtClean="0"/>
+              <a:t>customoized KoNLPy</a:t>
+            </a:r>
+            <a:r>
+              <a:rPr kumimoji="1" lang="ko-KR" altLang="en-US" sz="2000" smtClean="0"/>
+              <a:t>를 활용하여 품사 태깅</a:t>
+            </a:r>
+            <a:endParaRPr kumimoji="1" lang="en-US" altLang="ko-KR" sz="2000" smtClean="0"/>
+          </a:p>
+          <a:p>
+            <a:pPr lvl="1">
+              <a:lnSpc>
+                <a:spcPct val="110000"/>
+              </a:lnSpc>
+            </a:pPr>
+            <a:endParaRPr kumimoji="1" lang="en-US" altLang="ko-KR" sz="2000" smtClean="0"/>
+          </a:p>
+          <a:p>
+            <a:pPr marL="0" indent="0">
+              <a:lnSpc>
+                <a:spcPct val="110000"/>
+              </a:lnSpc>
+              <a:buFont typeface="Arial" pitchFamily="34" charset="0"/>
+              <a:buNone/>
+            </a:pPr>
+            <a:r>
+              <a:rPr kumimoji="1" lang="ko-KR" altLang="en-US" sz="2100" b="1" smtClean="0">
+                <a:solidFill>
+                  <a:schemeClr val="bg1"/>
+                </a:solidFill>
+                <a:highlight>
+                  <a:srgbClr val="4CAD9C"/>
+                </a:highlight>
+              </a:rPr>
+              <a:t>불용어 제거</a:t>
+            </a:r>
+            <a:endParaRPr kumimoji="1" lang="en-US" altLang="ko-KR" sz="2100" b="1" smtClean="0">
+              <a:solidFill>
+                <a:schemeClr val="bg1"/>
+              </a:solidFill>
+              <a:highlight>
+                <a:srgbClr val="4CAD9C"/>
+              </a:highlight>
+            </a:endParaRPr>
+          </a:p>
+          <a:p>
+            <a:pPr lvl="1">
+              <a:lnSpc>
+                <a:spcPct val="110000"/>
+              </a:lnSpc>
+            </a:pPr>
+            <a:r>
+              <a:rPr kumimoji="1" lang="ko-KR" altLang="en-US" sz="2000" smtClean="0"/>
+              <a:t>플랫폼 특성을 고려하여 불용어 사전 생성</a:t>
+            </a:r>
+            <a:endParaRPr kumimoji="1" lang="en-US" altLang="ko-KR" sz="2000" smtClean="0"/>
+          </a:p>
+          <a:p>
+            <a:pPr lvl="2">
+              <a:lnSpc>
+                <a:spcPct val="110000"/>
+              </a:lnSpc>
+            </a:pPr>
+            <a:r>
+              <a:rPr kumimoji="1" lang="en-US" altLang="ko-KR" sz="1600" smtClean="0"/>
+              <a:t>’</a:t>
+            </a:r>
+            <a:r>
+              <a:rPr kumimoji="1" lang="ko-KR" altLang="en-US" sz="1600" smtClean="0"/>
+              <a:t>국민</a:t>
+            </a:r>
+            <a:r>
+              <a:rPr kumimoji="1" lang="en-US" altLang="ko-KR" sz="1600" smtClean="0"/>
+              <a:t>’,</a:t>
+            </a:r>
+            <a:r>
+              <a:rPr kumimoji="1" lang="ko-KR" altLang="en-US" sz="1600" smtClean="0"/>
+              <a:t> </a:t>
+            </a:r>
+            <a:r>
+              <a:rPr kumimoji="1" lang="en-US" altLang="ko-KR" sz="1600" smtClean="0"/>
+              <a:t>‘</a:t>
+            </a:r>
+            <a:r>
+              <a:rPr kumimoji="1" lang="ko-KR" altLang="en-US" sz="1600" smtClean="0"/>
+              <a:t>청원</a:t>
+            </a:r>
+            <a:r>
+              <a:rPr kumimoji="1" lang="en-US" altLang="ko-KR" sz="1600" smtClean="0"/>
+              <a:t>’,</a:t>
+            </a:r>
+            <a:r>
+              <a:rPr kumimoji="1" lang="ko-KR" altLang="en-US" sz="1600" smtClean="0"/>
+              <a:t> </a:t>
+            </a:r>
+            <a:r>
+              <a:rPr kumimoji="1" lang="en-US" altLang="ko-KR" sz="1600" smtClean="0"/>
+              <a:t>‘</a:t>
+            </a:r>
+            <a:r>
+              <a:rPr kumimoji="1" lang="ko-KR" altLang="en-US" sz="1600" smtClean="0"/>
+              <a:t>한국</a:t>
+            </a:r>
+            <a:r>
+              <a:rPr kumimoji="1" lang="en-US" altLang="ko-KR" sz="1600" smtClean="0"/>
+              <a:t>’,</a:t>
+            </a:r>
+            <a:r>
+              <a:rPr kumimoji="1" lang="ko-KR" altLang="en-US" sz="1600" smtClean="0"/>
+              <a:t> </a:t>
+            </a:r>
+            <a:r>
+              <a:rPr kumimoji="1" lang="en-US" altLang="ko-KR" sz="1600" smtClean="0"/>
+              <a:t>‘</a:t>
+            </a:r>
+            <a:r>
+              <a:rPr kumimoji="1" lang="ko-KR" altLang="en-US" sz="1600" smtClean="0"/>
+              <a:t>정부</a:t>
+            </a:r>
+            <a:r>
+              <a:rPr kumimoji="1" lang="en-US" altLang="ko-KR" sz="1600" smtClean="0"/>
+              <a:t>’,</a:t>
+            </a:r>
+            <a:r>
+              <a:rPr kumimoji="1" lang="ko-KR" altLang="en-US" sz="1600" smtClean="0"/>
+              <a:t> </a:t>
+            </a:r>
+            <a:r>
+              <a:rPr kumimoji="1" lang="en-US" altLang="ko-KR" sz="1600" smtClean="0"/>
+              <a:t>‘</a:t>
+            </a:r>
+            <a:r>
+              <a:rPr kumimoji="1" lang="ko-KR" altLang="en-US" sz="1600" smtClean="0"/>
+              <a:t>대한민국</a:t>
+            </a:r>
+            <a:r>
+              <a:rPr kumimoji="1" lang="en-US" altLang="ko-KR" sz="1600" smtClean="0"/>
+              <a:t>’</a:t>
+            </a:r>
+            <a:r>
+              <a:rPr kumimoji="1" lang="ko-KR" altLang="en-US" sz="1600" smtClean="0"/>
+              <a:t> 등</a:t>
+            </a:r>
+            <a:endParaRPr kumimoji="1" lang="en-US" altLang="ko-KR" sz="1600" smtClean="0"/>
+          </a:p>
+          <a:p>
+            <a:pPr lvl="2">
+              <a:lnSpc>
+                <a:spcPct val="110000"/>
+              </a:lnSpc>
+            </a:pPr>
+            <a:endParaRPr kumimoji="1" lang="en-US" altLang="ko-KR" sz="1600" smtClean="0"/>
+          </a:p>
+          <a:p>
+            <a:pPr>
+              <a:lnSpc>
+                <a:spcPct val="110000"/>
+              </a:lnSpc>
+            </a:pPr>
+            <a:r>
+              <a:rPr kumimoji="1" lang="ko-KR" altLang="en-US" sz="2400" smtClean="0"/>
+              <a:t>불용어가 제거된 품사별</a:t>
+            </a:r>
+            <a:r>
+              <a:rPr kumimoji="1" lang="en-US" altLang="ko-KR" sz="2400" smtClean="0"/>
+              <a:t>(</a:t>
+            </a:r>
+            <a:r>
+              <a:rPr kumimoji="1" lang="ko-KR" altLang="en-US" sz="2400" smtClean="0"/>
+              <a:t>명사</a:t>
+            </a:r>
+            <a:r>
+              <a:rPr kumimoji="1" lang="en-US" altLang="ko-KR" sz="2400" smtClean="0"/>
+              <a:t>,</a:t>
+            </a:r>
+            <a:r>
+              <a:rPr kumimoji="1" lang="ko-KR" altLang="en-US" sz="2400" smtClean="0"/>
+              <a:t> 형용사</a:t>
+            </a:r>
+            <a:r>
+              <a:rPr kumimoji="1" lang="en-US" altLang="ko-KR" sz="2400" smtClean="0"/>
+              <a:t>,</a:t>
+            </a:r>
+            <a:r>
+              <a:rPr kumimoji="1" lang="ko-KR" altLang="en-US" sz="2400" smtClean="0"/>
+              <a:t> 동사</a:t>
+            </a:r>
+            <a:r>
+              <a:rPr kumimoji="1" lang="en-US" altLang="ko-KR" sz="2400" smtClean="0"/>
+              <a:t>)</a:t>
+            </a:r>
+            <a:r>
+              <a:rPr kumimoji="1" lang="ko-KR" altLang="en-US" sz="2400" smtClean="0"/>
+              <a:t> 텍스트 파일로 저장 후 명사만 선택</a:t>
+            </a:r>
+            <a:endParaRPr kumimoji="1" lang="en-US" altLang="ko-KR" sz="2400" smtClean="0"/>
+          </a:p>
+          <a:p>
+            <a:endParaRPr kumimoji="1" lang="en-US" altLang="ko-KR" smtClean="0"/>
+          </a:p>
+          <a:p>
+            <a:pPr marL="457200" lvl="1" indent="0">
+              <a:buFont typeface="Arial" pitchFamily="34" charset="0"/>
+              <a:buNone/>
+            </a:pPr>
+            <a:endParaRPr kumimoji="1" lang="ko-KR" altLang="en-US" dirty="0"/>
+          </a:p>
+        </p:txBody>
+      </p:sp>
+    </p:spTree>
+    <p:extLst>
+      <p:ext uri="{BB962C8B-B14F-4D97-AF65-F5344CB8AC3E}">
+        <p14:creationId xmlns:p14="http://schemas.microsoft.com/office/powerpoint/2010/main" val="3557578185"/>
+      </p:ext>
+    </p:extLst>
+  </p:cSld>
+  <p:clrMapOvr>
+    <a:masterClrMapping/>
+  </p:clrMapOvr>
+  <p:timing>
+    <p:tnLst>
+      <p:par>
+        <p:cTn id="1" dur="indefinite" restart="never" nodeType="tmRoot"/>
+      </p:par>
+    </p:tnLst>
+  </p:timing>
+</p:sld>
+</file>
+
+<file path=ppt/slides/slide16.xml><?xml version="1.0" encoding="utf-8"?>
+<p:sld xmlns:a="http://schemas.openxmlformats.org/drawingml/2006/main" xmlns:r="http://schemas.openxmlformats.org/officeDocument/2006/relationships" xmlns:p="http://schemas.openxmlformats.org/presentationml/2006/main">
+  <p:cSld>
+    <p:spTree>
+      <p:nvGrpSpPr>
+        <p:cNvPr id="1" name=""/>
+        <p:cNvGrpSpPr/>
+        <p:nvPr/>
+      </p:nvGrpSpPr>
+      <p:grpSpPr>
+        <a:xfrm>
+          <a:off x="0" y="0"/>
+          <a:ext cx="0" cy="0"/>
+          <a:chOff x="0" y="0"/>
+          <a:chExt cx="0" cy="0"/>
+        </a:xfrm>
+      </p:grpSpPr>
+      <p:sp>
+        <p:nvSpPr>
+          <p:cNvPr id="2" name="직사각형 1"/>
+          <p:cNvSpPr/>
+          <p:nvPr/>
+        </p:nvSpPr>
+        <p:spPr>
+          <a:xfrm>
+            <a:off x="251520" y="620688"/>
+            <a:ext cx="8640960" cy="5976664"/>
+          </a:xfrm>
+          <a:prstGeom prst="rect">
+            <a:avLst/>
+          </a:prstGeom>
+          <a:solidFill>
+            <a:schemeClr val="bg1"/>
+          </a:solidFill>
+          <a:ln>
+            <a:noFill/>
+          </a:ln>
+        </p:spPr>
+        <p:style>
+          <a:lnRef idx="2">
+            <a:schemeClr val="accent1">
+              <a:shade val="50000"/>
+            </a:schemeClr>
+          </a:lnRef>
+          <a:fillRef idx="1">
+            <a:schemeClr val="accent1"/>
+          </a:fillRef>
+          <a:effectRef idx="0">
+            <a:schemeClr val="accent1"/>
+          </a:effectRef>
+          <a:fontRef idx="minor">
+            <a:schemeClr val="lt1"/>
+          </a:fontRef>
+        </p:style>
+        <p:txBody>
+          <a:bodyPr rtlCol="0" anchor="ctr"/>
+          <a:lstStyle/>
+          <a:p>
+            <a:pPr algn="ctr"/>
+            <a:endParaRPr lang="ko-KR" altLang="en-US"/>
+          </a:p>
+        </p:txBody>
+      </p:sp>
+      <p:sp>
+        <p:nvSpPr>
+          <p:cNvPr id="8" name="직사각형 7"/>
+          <p:cNvSpPr/>
+          <p:nvPr/>
+        </p:nvSpPr>
+        <p:spPr>
+          <a:xfrm>
+            <a:off x="219463" y="271681"/>
+            <a:ext cx="1297150" cy="276999"/>
+          </a:xfrm>
+          <a:prstGeom prst="rect">
+            <a:avLst/>
+          </a:prstGeom>
+        </p:spPr>
+        <p:txBody>
+          <a:bodyPr wrap="none">
+            <a:spAutoFit/>
+          </a:bodyPr>
+          <a:lstStyle/>
+          <a:p>
+            <a:pPr algn="ctr"/>
+            <a:r>
+              <a:rPr lang="ko-KR" altLang="en-US" sz="1200" b="1" spc="-150" dirty="0" smtClean="0">
+                <a:solidFill>
+                  <a:schemeClr val="bg1"/>
+                </a:solidFill>
+              </a:rPr>
+              <a:t>제목을 입력하세요</a:t>
+            </a:r>
+            <a:endParaRPr lang="ko-KR" altLang="en-US" sz="1200" b="1" spc="-150" dirty="0">
+              <a:solidFill>
+                <a:schemeClr val="bg1"/>
+              </a:solidFill>
+            </a:endParaRPr>
+          </a:p>
+        </p:txBody>
+      </p:sp>
+      <p:sp>
+        <p:nvSpPr>
+          <p:cNvPr id="10" name="TextBox 9"/>
+          <p:cNvSpPr txBox="1"/>
+          <p:nvPr/>
+        </p:nvSpPr>
+        <p:spPr>
+          <a:xfrm>
+            <a:off x="7164288" y="6546830"/>
+            <a:ext cx="1728192" cy="338554"/>
+          </a:xfrm>
+          <a:prstGeom prst="rect">
+            <a:avLst/>
+          </a:prstGeom>
+          <a:noFill/>
+        </p:spPr>
+        <p:txBody>
+          <a:bodyPr wrap="square" rtlCol="0">
+            <a:spAutoFit/>
+          </a:bodyPr>
+          <a:lstStyle/>
+          <a:p>
+            <a:pPr algn="r"/>
+            <a:r>
+              <a:rPr lang="en-US" altLang="ko-KR" sz="1600" dirty="0" smtClean="0">
+                <a:solidFill>
+                  <a:schemeClr val="bg1">
+                    <a:lumMod val="75000"/>
+                  </a:schemeClr>
+                </a:solidFill>
+              </a:rPr>
+              <a:t>MINHEEBLOG</a:t>
+            </a:r>
+            <a:endParaRPr lang="ko-KR" altLang="en-US" sz="1600" dirty="0">
+              <a:solidFill>
+                <a:schemeClr val="bg1">
+                  <a:lumMod val="75000"/>
+                </a:schemeClr>
+              </a:solidFill>
+            </a:endParaRPr>
+          </a:p>
+        </p:txBody>
+      </p:sp>
+      <p:sp>
+        <p:nvSpPr>
+          <p:cNvPr id="12" name="TextBox 11"/>
+          <p:cNvSpPr txBox="1"/>
+          <p:nvPr/>
+        </p:nvSpPr>
+        <p:spPr>
+          <a:xfrm>
+            <a:off x="5364088" y="271681"/>
+            <a:ext cx="3600400" cy="276999"/>
+          </a:xfrm>
+          <a:prstGeom prst="rect">
+            <a:avLst/>
+          </a:prstGeom>
+          <a:noFill/>
+        </p:spPr>
+        <p:txBody>
+          <a:bodyPr wrap="square" rtlCol="0">
+            <a:spAutoFit/>
+          </a:bodyPr>
+          <a:lstStyle/>
+          <a:p>
+            <a:pPr algn="dist"/>
+            <a:r>
+              <a:rPr lang="ko-KR" altLang="en-US" sz="1200" dirty="0" smtClean="0">
+                <a:solidFill>
+                  <a:schemeClr val="bg1"/>
+                </a:solidFill>
+              </a:rPr>
+              <a:t>과목이름이나 영문타이틀</a:t>
+            </a:r>
+          </a:p>
+        </p:txBody>
+      </p:sp>
+      <p:sp>
+        <p:nvSpPr>
+          <p:cNvPr id="38" name="화살표: 갈매기형 수장 1">
+            <a:extLst>
+              <a:ext uri="{FF2B5EF4-FFF2-40B4-BE49-F238E27FC236}">
+                <a16:creationId xmlns="" xmlns:a16="http://schemas.microsoft.com/office/drawing/2014/main" id="{A38FB86A-A9AC-4EAE-8223-69D52F8B1ABE}"/>
               </a:ext>
             </a:extLst>
           </p:cNvPr>
@@ -17984,7 +23224,7 @@
           <p:cNvPr id="39" name="화살표: 갈매기형 수장 2">
             <a:extLst>
               <a:ext uri="{FF2B5EF4-FFF2-40B4-BE49-F238E27FC236}">
-                <a16:creationId xmlns:a16="http://schemas.microsoft.com/office/drawing/2014/main" xmlns="" id="{8C8E1FD7-9558-46EC-B4E7-FDD400E94927}"/>
+                <a16:creationId xmlns="" xmlns:a16="http://schemas.microsoft.com/office/drawing/2014/main" id="{8C8E1FD7-9558-46EC-B4E7-FDD400E94927}"/>
               </a:ext>
             </a:extLst>
           </p:cNvPr>
@@ -18042,7 +23282,7 @@
           <p:cNvPr id="41" name="화살표: 갈매기형 수장 4">
             <a:extLst>
               <a:ext uri="{FF2B5EF4-FFF2-40B4-BE49-F238E27FC236}">
-                <a16:creationId xmlns:a16="http://schemas.microsoft.com/office/drawing/2014/main" xmlns="" id="{66755A50-62DA-4FF0-95B0-EA82A6CC33B8}"/>
+                <a16:creationId xmlns="" xmlns:a16="http://schemas.microsoft.com/office/drawing/2014/main" id="{66755A50-62DA-4FF0-95B0-EA82A6CC33B8}"/>
               </a:ext>
             </a:extLst>
           </p:cNvPr>
@@ -18098,7 +23338,7 @@
           <p:cNvPr id="42" name="화살표: 갈매기형 수장 5">
             <a:extLst>
               <a:ext uri="{FF2B5EF4-FFF2-40B4-BE49-F238E27FC236}">
-                <a16:creationId xmlns:a16="http://schemas.microsoft.com/office/drawing/2014/main" xmlns="" id="{DE46CADA-41E8-412A-A136-0A94F5A27AD4}"/>
+                <a16:creationId xmlns="" xmlns:a16="http://schemas.microsoft.com/office/drawing/2014/main" id="{DE46CADA-41E8-412A-A136-0A94F5A27AD4}"/>
               </a:ext>
             </a:extLst>
           </p:cNvPr>
@@ -18154,7 +23394,7 @@
           <p:cNvPr id="43" name="TextBox 42">
             <a:extLst>
               <a:ext uri="{FF2B5EF4-FFF2-40B4-BE49-F238E27FC236}">
-                <a16:creationId xmlns:a16="http://schemas.microsoft.com/office/drawing/2014/main" xmlns="" id="{68E943C8-5BA8-4C3E-A527-DD0F8F2B0E0A}"/>
+                <a16:creationId xmlns="" xmlns:a16="http://schemas.microsoft.com/office/drawing/2014/main" id="{68E943C8-5BA8-4C3E-A527-DD0F8F2B0E0A}"/>
               </a:ext>
             </a:extLst>
           </p:cNvPr>
@@ -18190,7 +23430,7 @@
           <p:cNvPr id="44" name="TextBox 43">
             <a:extLst>
               <a:ext uri="{FF2B5EF4-FFF2-40B4-BE49-F238E27FC236}">
-                <a16:creationId xmlns:a16="http://schemas.microsoft.com/office/drawing/2014/main" xmlns="" id="{4D3D8339-CC68-4AAC-A189-19E6E05D54DD}"/>
+                <a16:creationId xmlns="" xmlns:a16="http://schemas.microsoft.com/office/drawing/2014/main" id="{4D3D8339-CC68-4AAC-A189-19E6E05D54DD}"/>
               </a:ext>
             </a:extLst>
           </p:cNvPr>
@@ -18229,7 +23469,7 @@
           <p:cNvPr id="46" name="TextBox 45">
             <a:extLst>
               <a:ext uri="{FF2B5EF4-FFF2-40B4-BE49-F238E27FC236}">
-                <a16:creationId xmlns:a16="http://schemas.microsoft.com/office/drawing/2014/main" xmlns="" id="{32361A82-4993-4DC4-B5EF-3C30F9515573}"/>
+                <a16:creationId xmlns="" xmlns:a16="http://schemas.microsoft.com/office/drawing/2014/main" id="{32361A82-4993-4DC4-B5EF-3C30F9515573}"/>
               </a:ext>
             </a:extLst>
           </p:cNvPr>
@@ -18268,7 +23508,7 @@
           <p:cNvPr id="47" name="TextBox 46">
             <a:extLst>
               <a:ext uri="{FF2B5EF4-FFF2-40B4-BE49-F238E27FC236}">
-                <a16:creationId xmlns:a16="http://schemas.microsoft.com/office/drawing/2014/main" xmlns="" id="{49D68CEE-0E8C-4AD6-9485-622609B084B3}"/>
+                <a16:creationId xmlns="" xmlns:a16="http://schemas.microsoft.com/office/drawing/2014/main" id="{49D68CEE-0E8C-4AD6-9485-622609B084B3}"/>
               </a:ext>
             </a:extLst>
           </p:cNvPr>
@@ -18308,7 +23548,7 @@
           <p:cNvPr id="48" name="화살표: 갈매기형 수장 2">
             <a:extLst>
               <a:ext uri="{FF2B5EF4-FFF2-40B4-BE49-F238E27FC236}">
-                <a16:creationId xmlns:a16="http://schemas.microsoft.com/office/drawing/2014/main" xmlns="" id="{7B196A9F-09F8-8545-89B0-5112E49D0233}"/>
+                <a16:creationId xmlns="" xmlns:a16="http://schemas.microsoft.com/office/drawing/2014/main" id="{7B196A9F-09F8-8545-89B0-5112E49D0233}"/>
               </a:ext>
             </a:extLst>
           </p:cNvPr>
@@ -18364,7 +23604,7 @@
           <p:cNvPr id="49" name="TextBox 48">
             <a:extLst>
               <a:ext uri="{FF2B5EF4-FFF2-40B4-BE49-F238E27FC236}">
-                <a16:creationId xmlns:a16="http://schemas.microsoft.com/office/drawing/2014/main" xmlns="" id="{BC3F0FE1-9ECF-C344-B0A8-12B4DA316EC5}"/>
+                <a16:creationId xmlns="" xmlns:a16="http://schemas.microsoft.com/office/drawing/2014/main" id="{BC3F0FE1-9ECF-C344-B0A8-12B4DA316EC5}"/>
               </a:ext>
             </a:extLst>
           </p:cNvPr>
@@ -18418,7 +23658,7 @@
 </p:sld>
 </file>
 
-<file path=ppt/slides/slide11.xml><?xml version="1.0" encoding="utf-8"?>
+<file path=ppt/slides/slide17.xml><?xml version="1.0" encoding="utf-8"?>
 <p:sld xmlns:a="http://schemas.openxmlformats.org/drawingml/2006/main" xmlns:r="http://schemas.openxmlformats.org/officeDocument/2006/relationships" xmlns:p="http://schemas.openxmlformats.org/presentationml/2006/main">
   <p:cSld>
     <p:spTree>
@@ -18601,7 +23841,7 @@
           <p:cNvPr id="38" name="화살표: 갈매기형 수장 1">
             <a:extLst>
               <a:ext uri="{FF2B5EF4-FFF2-40B4-BE49-F238E27FC236}">
-                <a16:creationId xmlns:a16="http://schemas.microsoft.com/office/drawing/2014/main" xmlns="" id="{A38FB86A-A9AC-4EAE-8223-69D52F8B1ABE}"/>
+                <a16:creationId xmlns="" xmlns:a16="http://schemas.microsoft.com/office/drawing/2014/main" id="{A38FB86A-A9AC-4EAE-8223-69D52F8B1ABE}"/>
               </a:ext>
             </a:extLst>
           </p:cNvPr>
@@ -18659,7 +23899,7 @@
           <p:cNvPr id="39" name="화살표: 갈매기형 수장 2">
             <a:extLst>
               <a:ext uri="{FF2B5EF4-FFF2-40B4-BE49-F238E27FC236}">
-                <a16:creationId xmlns:a16="http://schemas.microsoft.com/office/drawing/2014/main" xmlns="" id="{8C8E1FD7-9558-46EC-B4E7-FDD400E94927}"/>
+                <a16:creationId xmlns="" xmlns:a16="http://schemas.microsoft.com/office/drawing/2014/main" id="{8C8E1FD7-9558-46EC-B4E7-FDD400E94927}"/>
               </a:ext>
             </a:extLst>
           </p:cNvPr>
@@ -18715,7 +23955,7 @@
           <p:cNvPr id="41" name="화살표: 갈매기형 수장 4">
             <a:extLst>
               <a:ext uri="{FF2B5EF4-FFF2-40B4-BE49-F238E27FC236}">
-                <a16:creationId xmlns:a16="http://schemas.microsoft.com/office/drawing/2014/main" xmlns="" id="{66755A50-62DA-4FF0-95B0-EA82A6CC33B8}"/>
+                <a16:creationId xmlns="" xmlns:a16="http://schemas.microsoft.com/office/drawing/2014/main" id="{66755A50-62DA-4FF0-95B0-EA82A6CC33B8}"/>
               </a:ext>
             </a:extLst>
           </p:cNvPr>
@@ -18773,7 +24013,7 @@
           <p:cNvPr id="42" name="화살표: 갈매기형 수장 5">
             <a:extLst>
               <a:ext uri="{FF2B5EF4-FFF2-40B4-BE49-F238E27FC236}">
-                <a16:creationId xmlns:a16="http://schemas.microsoft.com/office/drawing/2014/main" xmlns="" id="{DE46CADA-41E8-412A-A136-0A94F5A27AD4}"/>
+                <a16:creationId xmlns="" xmlns:a16="http://schemas.microsoft.com/office/drawing/2014/main" id="{DE46CADA-41E8-412A-A136-0A94F5A27AD4}"/>
               </a:ext>
             </a:extLst>
           </p:cNvPr>
@@ -18829,7 +24069,7 @@
           <p:cNvPr id="43" name="TextBox 42">
             <a:extLst>
               <a:ext uri="{FF2B5EF4-FFF2-40B4-BE49-F238E27FC236}">
-                <a16:creationId xmlns:a16="http://schemas.microsoft.com/office/drawing/2014/main" xmlns="" id="{68E943C8-5BA8-4C3E-A527-DD0F8F2B0E0A}"/>
+                <a16:creationId xmlns="" xmlns:a16="http://schemas.microsoft.com/office/drawing/2014/main" id="{68E943C8-5BA8-4C3E-A527-DD0F8F2B0E0A}"/>
               </a:ext>
             </a:extLst>
           </p:cNvPr>
@@ -18865,7 +24105,7 @@
           <p:cNvPr id="44" name="TextBox 43">
             <a:extLst>
               <a:ext uri="{FF2B5EF4-FFF2-40B4-BE49-F238E27FC236}">
-                <a16:creationId xmlns:a16="http://schemas.microsoft.com/office/drawing/2014/main" xmlns="" id="{4D3D8339-CC68-4AAC-A189-19E6E05D54DD}"/>
+                <a16:creationId xmlns="" xmlns:a16="http://schemas.microsoft.com/office/drawing/2014/main" id="{4D3D8339-CC68-4AAC-A189-19E6E05D54DD}"/>
               </a:ext>
             </a:extLst>
           </p:cNvPr>
@@ -18904,7 +24144,7 @@
           <p:cNvPr id="46" name="TextBox 45">
             <a:extLst>
               <a:ext uri="{FF2B5EF4-FFF2-40B4-BE49-F238E27FC236}">
-                <a16:creationId xmlns:a16="http://schemas.microsoft.com/office/drawing/2014/main" xmlns="" id="{32361A82-4993-4DC4-B5EF-3C30F9515573}"/>
+                <a16:creationId xmlns="" xmlns:a16="http://schemas.microsoft.com/office/drawing/2014/main" id="{32361A82-4993-4DC4-B5EF-3C30F9515573}"/>
               </a:ext>
             </a:extLst>
           </p:cNvPr>
@@ -18943,7 +24183,7 @@
           <p:cNvPr id="47" name="TextBox 46">
             <a:extLst>
               <a:ext uri="{FF2B5EF4-FFF2-40B4-BE49-F238E27FC236}">
-                <a16:creationId xmlns:a16="http://schemas.microsoft.com/office/drawing/2014/main" xmlns="" id="{49D68CEE-0E8C-4AD6-9485-622609B084B3}"/>
+                <a16:creationId xmlns="" xmlns:a16="http://schemas.microsoft.com/office/drawing/2014/main" id="{49D68CEE-0E8C-4AD6-9485-622609B084B3}"/>
               </a:ext>
             </a:extLst>
           </p:cNvPr>
@@ -18983,7 +24223,7 @@
           <p:cNvPr id="48" name="화살표: 갈매기형 수장 2">
             <a:extLst>
               <a:ext uri="{FF2B5EF4-FFF2-40B4-BE49-F238E27FC236}">
-                <a16:creationId xmlns:a16="http://schemas.microsoft.com/office/drawing/2014/main" xmlns="" id="{7B196A9F-09F8-8545-89B0-5112E49D0233}"/>
+                <a16:creationId xmlns="" xmlns:a16="http://schemas.microsoft.com/office/drawing/2014/main" id="{7B196A9F-09F8-8545-89B0-5112E49D0233}"/>
               </a:ext>
             </a:extLst>
           </p:cNvPr>
@@ -19039,7 +24279,7 @@
           <p:cNvPr id="49" name="TextBox 48">
             <a:extLst>
               <a:ext uri="{FF2B5EF4-FFF2-40B4-BE49-F238E27FC236}">
-                <a16:creationId xmlns:a16="http://schemas.microsoft.com/office/drawing/2014/main" xmlns="" id="{BC3F0FE1-9ECF-C344-B0A8-12B4DA316EC5}"/>
+                <a16:creationId xmlns="" xmlns:a16="http://schemas.microsoft.com/office/drawing/2014/main" id="{BC3F0FE1-9ECF-C344-B0A8-12B4DA316EC5}"/>
               </a:ext>
             </a:extLst>
           </p:cNvPr>
@@ -19093,7 +24333,7 @@
 </p:sld>
 </file>
 
-<file path=ppt/slides/slide12.xml><?xml version="1.0" encoding="utf-8"?>
+<file path=ppt/slides/slide18.xml><?xml version="1.0" encoding="utf-8"?>
 <p:sld xmlns:a="http://schemas.openxmlformats.org/drawingml/2006/main" xmlns:r="http://schemas.openxmlformats.org/officeDocument/2006/relationships" xmlns:p="http://schemas.openxmlformats.org/presentationml/2006/main">
   <p:cSld>
     <p:spTree>
@@ -19276,7 +24516,7 @@
           <p:cNvPr id="38" name="화살표: 갈매기형 수장 1">
             <a:extLst>
               <a:ext uri="{FF2B5EF4-FFF2-40B4-BE49-F238E27FC236}">
-                <a16:creationId xmlns:a16="http://schemas.microsoft.com/office/drawing/2014/main" xmlns="" id="{A38FB86A-A9AC-4EAE-8223-69D52F8B1ABE}"/>
+                <a16:creationId xmlns="" xmlns:a16="http://schemas.microsoft.com/office/drawing/2014/main" id="{A38FB86A-A9AC-4EAE-8223-69D52F8B1ABE}"/>
               </a:ext>
             </a:extLst>
           </p:cNvPr>
@@ -19332,7 +24572,7 @@
           <p:cNvPr id="39" name="화살표: 갈매기형 수장 2">
             <a:extLst>
               <a:ext uri="{FF2B5EF4-FFF2-40B4-BE49-F238E27FC236}">
-                <a16:creationId xmlns:a16="http://schemas.microsoft.com/office/drawing/2014/main" xmlns="" id="{8C8E1FD7-9558-46EC-B4E7-FDD400E94927}"/>
+                <a16:creationId xmlns="" xmlns:a16="http://schemas.microsoft.com/office/drawing/2014/main" id="{8C8E1FD7-9558-46EC-B4E7-FDD400E94927}"/>
               </a:ext>
             </a:extLst>
           </p:cNvPr>
@@ -19388,7 +24628,7 @@
           <p:cNvPr id="41" name="화살표: 갈매기형 수장 4">
             <a:extLst>
               <a:ext uri="{FF2B5EF4-FFF2-40B4-BE49-F238E27FC236}">
-                <a16:creationId xmlns:a16="http://schemas.microsoft.com/office/drawing/2014/main" xmlns="" id="{66755A50-62DA-4FF0-95B0-EA82A6CC33B8}"/>
+                <a16:creationId xmlns="" xmlns:a16="http://schemas.microsoft.com/office/drawing/2014/main" id="{66755A50-62DA-4FF0-95B0-EA82A6CC33B8}"/>
               </a:ext>
             </a:extLst>
           </p:cNvPr>
@@ -19444,7 +24684,7 @@
           <p:cNvPr id="42" name="화살표: 갈매기형 수장 5">
             <a:extLst>
               <a:ext uri="{FF2B5EF4-FFF2-40B4-BE49-F238E27FC236}">
-                <a16:creationId xmlns:a16="http://schemas.microsoft.com/office/drawing/2014/main" xmlns="" id="{DE46CADA-41E8-412A-A136-0A94F5A27AD4}"/>
+                <a16:creationId xmlns="" xmlns:a16="http://schemas.microsoft.com/office/drawing/2014/main" id="{DE46CADA-41E8-412A-A136-0A94F5A27AD4}"/>
               </a:ext>
             </a:extLst>
           </p:cNvPr>
@@ -19502,7 +24742,7 @@
           <p:cNvPr id="43" name="TextBox 42">
             <a:extLst>
               <a:ext uri="{FF2B5EF4-FFF2-40B4-BE49-F238E27FC236}">
-                <a16:creationId xmlns:a16="http://schemas.microsoft.com/office/drawing/2014/main" xmlns="" id="{68E943C8-5BA8-4C3E-A527-DD0F8F2B0E0A}"/>
+                <a16:creationId xmlns="" xmlns:a16="http://schemas.microsoft.com/office/drawing/2014/main" id="{68E943C8-5BA8-4C3E-A527-DD0F8F2B0E0A}"/>
               </a:ext>
             </a:extLst>
           </p:cNvPr>
@@ -19538,7 +24778,7 @@
           <p:cNvPr id="44" name="TextBox 43">
             <a:extLst>
               <a:ext uri="{FF2B5EF4-FFF2-40B4-BE49-F238E27FC236}">
-                <a16:creationId xmlns:a16="http://schemas.microsoft.com/office/drawing/2014/main" xmlns="" id="{4D3D8339-CC68-4AAC-A189-19E6E05D54DD}"/>
+                <a16:creationId xmlns="" xmlns:a16="http://schemas.microsoft.com/office/drawing/2014/main" id="{4D3D8339-CC68-4AAC-A189-19E6E05D54DD}"/>
               </a:ext>
             </a:extLst>
           </p:cNvPr>
@@ -19577,7 +24817,7 @@
           <p:cNvPr id="46" name="TextBox 45">
             <a:extLst>
               <a:ext uri="{FF2B5EF4-FFF2-40B4-BE49-F238E27FC236}">
-                <a16:creationId xmlns:a16="http://schemas.microsoft.com/office/drawing/2014/main" xmlns="" id="{32361A82-4993-4DC4-B5EF-3C30F9515573}"/>
+                <a16:creationId xmlns="" xmlns:a16="http://schemas.microsoft.com/office/drawing/2014/main" id="{32361A82-4993-4DC4-B5EF-3C30F9515573}"/>
               </a:ext>
             </a:extLst>
           </p:cNvPr>
@@ -19616,7 +24856,7 @@
           <p:cNvPr id="47" name="TextBox 46">
             <a:extLst>
               <a:ext uri="{FF2B5EF4-FFF2-40B4-BE49-F238E27FC236}">
-                <a16:creationId xmlns:a16="http://schemas.microsoft.com/office/drawing/2014/main" xmlns="" id="{49D68CEE-0E8C-4AD6-9485-622609B084B3}"/>
+                <a16:creationId xmlns="" xmlns:a16="http://schemas.microsoft.com/office/drawing/2014/main" id="{49D68CEE-0E8C-4AD6-9485-622609B084B3}"/>
               </a:ext>
             </a:extLst>
           </p:cNvPr>
@@ -19656,7 +24896,7 @@
           <p:cNvPr id="48" name="화살표: 갈매기형 수장 2">
             <a:extLst>
               <a:ext uri="{FF2B5EF4-FFF2-40B4-BE49-F238E27FC236}">
-                <a16:creationId xmlns:a16="http://schemas.microsoft.com/office/drawing/2014/main" xmlns="" id="{7B196A9F-09F8-8545-89B0-5112E49D0233}"/>
+                <a16:creationId xmlns="" xmlns:a16="http://schemas.microsoft.com/office/drawing/2014/main" id="{7B196A9F-09F8-8545-89B0-5112E49D0233}"/>
               </a:ext>
             </a:extLst>
           </p:cNvPr>
@@ -19712,7 +24952,7 @@
           <p:cNvPr id="49" name="TextBox 48">
             <a:extLst>
               <a:ext uri="{FF2B5EF4-FFF2-40B4-BE49-F238E27FC236}">
-                <a16:creationId xmlns:a16="http://schemas.microsoft.com/office/drawing/2014/main" xmlns="" id="{BC3F0FE1-9ECF-C344-B0A8-12B4DA316EC5}"/>
+                <a16:creationId xmlns="" xmlns:a16="http://schemas.microsoft.com/office/drawing/2014/main" id="{BC3F0FE1-9ECF-C344-B0A8-12B4DA316EC5}"/>
               </a:ext>
             </a:extLst>
           </p:cNvPr>
@@ -19766,7 +25006,7 @@
 </p:sld>
 </file>
 
-<file path=ppt/slides/slide13.xml><?xml version="1.0" encoding="utf-8"?>
+<file path=ppt/slides/slide19.xml><?xml version="1.0" encoding="utf-8"?>
 <p:sld xmlns:a="http://schemas.openxmlformats.org/drawingml/2006/main" xmlns:r="http://schemas.openxmlformats.org/officeDocument/2006/relationships" xmlns:p="http://schemas.openxmlformats.org/presentationml/2006/main">
   <p:cSld>
     <p:spTree>
@@ -21872,11 +27112,7 @@
             <a:pPr fontAlgn="base"/>
             <a:r>
               <a:rPr lang="en-US" altLang="ko-KR" b="1" dirty="0" smtClean="0"/>
-              <a:t>1</a:t>
-            </a:r>
-            <a:r>
-              <a:rPr lang="en-US" altLang="ko-KR" b="1" dirty="0" smtClean="0"/>
-              <a:t>) </a:t>
+              <a:t>1) </a:t>
             </a:r>
             <a:r>
               <a:rPr lang="ko-KR" altLang="en-US" b="1" dirty="0" smtClean="0"/>
@@ -22772,49 +28008,6 @@
       </p:sp>
       <p:sp>
         <p:nvSpPr>
-          <p:cNvPr id="10" name="TextBox 9"/>
-          <p:cNvSpPr txBox="1"/>
-          <p:nvPr/>
-        </p:nvSpPr>
-        <p:spPr>
-          <a:xfrm>
-            <a:off x="7164288" y="6546830"/>
-            <a:ext cx="1728192" cy="338554"/>
-          </a:xfrm>
-          <a:prstGeom prst="rect">
-            <a:avLst/>
-          </a:prstGeom>
-          <a:noFill/>
-        </p:spPr>
-        <p:txBody>
-          <a:bodyPr wrap="square" rtlCol="0">
-            <a:spAutoFit/>
-          </a:bodyPr>
-          <a:lstStyle/>
-          <a:p>
-            <a:pPr algn="r"/>
-            <a:r>
-              <a:rPr lang="en-US" altLang="ko-KR" sz="1600" dirty="0" smtClean="0">
-                <a:solidFill>
-                  <a:schemeClr val="bg1">
-                    <a:lumMod val="75000"/>
-                  </a:schemeClr>
-                </a:solidFill>
-              </a:rPr>
-              <a:t>MINHEEBLOG</a:t>
-            </a:r>
-            <a:endParaRPr lang="ko-KR" altLang="en-US" sz="1600" dirty="0">
-              <a:solidFill>
-                <a:schemeClr val="bg1">
-                  <a:lumMod val="75000"/>
-                </a:schemeClr>
-              </a:solidFill>
-            </a:endParaRPr>
-          </a:p>
-        </p:txBody>
-      </p:sp>
-      <p:sp>
-        <p:nvSpPr>
           <p:cNvPr id="12" name="TextBox 11"/>
           <p:cNvSpPr txBox="1"/>
           <p:nvPr/>
@@ -22852,7 +28045,7 @@
           <p:cNvPr id="13" name="화살표: 오른쪽 7">
             <a:extLst>
               <a:ext uri="{FF2B5EF4-FFF2-40B4-BE49-F238E27FC236}">
-                <a16:creationId xmlns:a16="http://schemas.microsoft.com/office/drawing/2014/main" xmlns="" id="{18BB7816-E21A-4F5D-BAEA-AEC1FC5AE81D}"/>
+                <a16:creationId xmlns="" xmlns:a16="http://schemas.microsoft.com/office/drawing/2014/main" id="{18BB7816-E21A-4F5D-BAEA-AEC1FC5AE81D}"/>
               </a:ext>
             </a:extLst>
           </p:cNvPr>
@@ -22901,7 +28094,7 @@
           <p:cNvPr id="14" name="Picture 2" descr="https://lh5.googleusercontent.com/b4mpzPAA4-BvWelzxuXcn32CxTZyWqUI0HttWBSH6mGY45vHI7fnSuFqyrn8TaQC3QNz_veBxa7Egah2U4QQi3H9uF8pqzUVq5ex4lVdt6RHl61e3uRAGdJkq_DuViIR4mnB-Y-ZuQk">
             <a:extLst>
               <a:ext uri="{FF2B5EF4-FFF2-40B4-BE49-F238E27FC236}">
-                <a16:creationId xmlns:a16="http://schemas.microsoft.com/office/drawing/2014/main" xmlns="" id="{0D22A31E-DFF7-490C-97E2-6719731F61A9}"/>
+                <a16:creationId xmlns="" xmlns:a16="http://schemas.microsoft.com/office/drawing/2014/main" id="{0D22A31E-DFF7-490C-97E2-6719731F61A9}"/>
               </a:ext>
             </a:extLst>
           </p:cNvPr>
@@ -22946,7 +28139,7 @@
           <p:cNvPr id="15" name="TextBox 14">
             <a:extLst>
               <a:ext uri="{FF2B5EF4-FFF2-40B4-BE49-F238E27FC236}">
-                <a16:creationId xmlns:a16="http://schemas.microsoft.com/office/drawing/2014/main" xmlns="" id="{F2BD5CAE-113D-4983-B008-2C4357F87185}"/>
+                <a16:creationId xmlns="" xmlns:a16="http://schemas.microsoft.com/office/drawing/2014/main" id="{F2BD5CAE-113D-4983-B008-2C4357F87185}"/>
               </a:ext>
             </a:extLst>
           </p:cNvPr>
@@ -22986,7 +28179,7 @@
           <p:cNvPr id="17" name="화살표: 오른쪽 21">
             <a:extLst>
               <a:ext uri="{FF2B5EF4-FFF2-40B4-BE49-F238E27FC236}">
-                <a16:creationId xmlns:a16="http://schemas.microsoft.com/office/drawing/2014/main" xmlns="" id="{0F928D42-4870-4C95-A37F-DCE1B2A39E36}"/>
+                <a16:creationId xmlns="" xmlns:a16="http://schemas.microsoft.com/office/drawing/2014/main" id="{0F928D42-4870-4C95-A37F-DCE1B2A39E36}"/>
               </a:ext>
             </a:extLst>
           </p:cNvPr>
@@ -23035,7 +28228,7 @@
           <p:cNvPr id="18" name="화살표: 오른쪽 24">
             <a:extLst>
               <a:ext uri="{FF2B5EF4-FFF2-40B4-BE49-F238E27FC236}">
-                <a16:creationId xmlns:a16="http://schemas.microsoft.com/office/drawing/2014/main" xmlns="" id="{6CE3F853-D40B-4312-9EDC-2FE93E4BEE37}"/>
+                <a16:creationId xmlns="" xmlns:a16="http://schemas.microsoft.com/office/drawing/2014/main" id="{6CE3F853-D40B-4312-9EDC-2FE93E4BEE37}"/>
               </a:ext>
             </a:extLst>
           </p:cNvPr>
@@ -23084,7 +28277,7 @@
           <p:cNvPr id="20" name="TextBox 19">
             <a:extLst>
               <a:ext uri="{FF2B5EF4-FFF2-40B4-BE49-F238E27FC236}">
-                <a16:creationId xmlns:a16="http://schemas.microsoft.com/office/drawing/2014/main" xmlns="" id="{F2086140-FF2F-4F50-A28A-FF52A1D14CCB}"/>
+                <a16:creationId xmlns="" xmlns:a16="http://schemas.microsoft.com/office/drawing/2014/main" id="{F2086140-FF2F-4F50-A28A-FF52A1D14CCB}"/>
               </a:ext>
             </a:extLst>
           </p:cNvPr>
@@ -23146,7 +28339,7 @@
           <p:cNvPr id="21" name="TextBox 20">
             <a:extLst>
               <a:ext uri="{FF2B5EF4-FFF2-40B4-BE49-F238E27FC236}">
-                <a16:creationId xmlns:a16="http://schemas.microsoft.com/office/drawing/2014/main" xmlns="" id="{31D958B3-C3B7-4D0C-B4C7-7AADEED1162C}"/>
+                <a16:creationId xmlns="" xmlns:a16="http://schemas.microsoft.com/office/drawing/2014/main" id="{31D958B3-C3B7-4D0C-B4C7-7AADEED1162C}"/>
               </a:ext>
             </a:extLst>
           </p:cNvPr>
@@ -23185,7 +28378,7 @@
           <p:cNvPr id="23" name="TextBox 22">
             <a:extLst>
               <a:ext uri="{FF2B5EF4-FFF2-40B4-BE49-F238E27FC236}">
-                <a16:creationId xmlns:a16="http://schemas.microsoft.com/office/drawing/2014/main" xmlns="" id="{4285950D-9FAA-4F85-82EC-A6B37F8BA911}"/>
+                <a16:creationId xmlns="" xmlns:a16="http://schemas.microsoft.com/office/drawing/2014/main" id="{4285950D-9FAA-4F85-82EC-A6B37F8BA911}"/>
               </a:ext>
             </a:extLst>
           </p:cNvPr>
@@ -23228,7 +28421,7 @@
           <p:cNvPr id="24" name="TextBox 23">
             <a:extLst>
               <a:ext uri="{FF2B5EF4-FFF2-40B4-BE49-F238E27FC236}">
-                <a16:creationId xmlns:a16="http://schemas.microsoft.com/office/drawing/2014/main" xmlns="" id="{273F19C7-B72D-4AA9-800B-AFA1B54DB920}"/>
+                <a16:creationId xmlns="" xmlns:a16="http://schemas.microsoft.com/office/drawing/2014/main" id="{273F19C7-B72D-4AA9-800B-AFA1B54DB920}"/>
               </a:ext>
             </a:extLst>
           </p:cNvPr>
@@ -23267,7 +28460,7 @@
           <p:cNvPr id="25" name="그림 24">
             <a:extLst>
               <a:ext uri="{FF2B5EF4-FFF2-40B4-BE49-F238E27FC236}">
-                <a16:creationId xmlns:a16="http://schemas.microsoft.com/office/drawing/2014/main" xmlns="" id="{B5C20A03-B623-47C2-8DEE-869964C2B7E1}"/>
+                <a16:creationId xmlns="" xmlns:a16="http://schemas.microsoft.com/office/drawing/2014/main" id="{B5C20A03-B623-47C2-8DEE-869964C2B7E1}"/>
               </a:ext>
             </a:extLst>
           </p:cNvPr>
@@ -23303,7 +28496,7 @@
           <p:cNvPr id="26" name="Group 6">
             <a:extLst>
               <a:ext uri="{FF2B5EF4-FFF2-40B4-BE49-F238E27FC236}">
-                <a16:creationId xmlns:a16="http://schemas.microsoft.com/office/drawing/2014/main" xmlns="" id="{542C3482-F236-46AC-98D6-86E2535E4AC1}"/>
+                <a16:creationId xmlns="" xmlns:a16="http://schemas.microsoft.com/office/drawing/2014/main" id="{542C3482-F236-46AC-98D6-86E2535E4AC1}"/>
               </a:ext>
             </a:extLst>
           </p:cNvPr>
@@ -23323,7 +28516,7 @@
             <p:cNvPr id="35" name="직선 연결선 34">
               <a:extLst>
                 <a:ext uri="{FF2B5EF4-FFF2-40B4-BE49-F238E27FC236}">
-                  <a16:creationId xmlns:a16="http://schemas.microsoft.com/office/drawing/2014/main" xmlns="" id="{544DF6FE-367A-42EF-B931-CBF201B0E135}"/>
+                  <a16:creationId xmlns="" xmlns:a16="http://schemas.microsoft.com/office/drawing/2014/main" id="{544DF6FE-367A-42EF-B931-CBF201B0E135}"/>
                 </a:ext>
               </a:extLst>
             </p:cNvPr>
@@ -23366,7 +28559,7 @@
             <p:cNvPr id="36" name="직선 연결선 35">
               <a:extLst>
                 <a:ext uri="{FF2B5EF4-FFF2-40B4-BE49-F238E27FC236}">
-                  <a16:creationId xmlns:a16="http://schemas.microsoft.com/office/drawing/2014/main" xmlns="" id="{AC434BE0-7877-4157-8091-697B30EDB1DE}"/>
+                  <a16:creationId xmlns="" xmlns:a16="http://schemas.microsoft.com/office/drawing/2014/main" id="{AC434BE0-7877-4157-8091-697B30EDB1DE}"/>
                 </a:ext>
               </a:extLst>
             </p:cNvPr>
@@ -23409,7 +28602,7 @@
             <p:cNvPr id="37" name="직선 연결선 36">
               <a:extLst>
                 <a:ext uri="{FF2B5EF4-FFF2-40B4-BE49-F238E27FC236}">
-                  <a16:creationId xmlns:a16="http://schemas.microsoft.com/office/drawing/2014/main" xmlns="" id="{65453E14-1F35-4455-9F4F-E012AE478D9D}"/>
+                  <a16:creationId xmlns="" xmlns:a16="http://schemas.microsoft.com/office/drawing/2014/main" id="{65453E14-1F35-4455-9F4F-E012AE478D9D}"/>
                 </a:ext>
               </a:extLst>
             </p:cNvPr>
@@ -23453,7 +28646,7 @@
           <p:cNvPr id="27" name="TextBox 26">
             <a:extLst>
               <a:ext uri="{FF2B5EF4-FFF2-40B4-BE49-F238E27FC236}">
-                <a16:creationId xmlns:a16="http://schemas.microsoft.com/office/drawing/2014/main" xmlns="" id="{8250630C-1A5B-4221-BF68-BF4EF9AF8FBD}"/>
+                <a16:creationId xmlns="" xmlns:a16="http://schemas.microsoft.com/office/drawing/2014/main" id="{8250630C-1A5B-4221-BF68-BF4EF9AF8FBD}"/>
               </a:ext>
             </a:extLst>
           </p:cNvPr>
@@ -23499,7 +28692,7 @@
           <p:cNvPr id="28" name="TextBox 27">
             <a:extLst>
               <a:ext uri="{FF2B5EF4-FFF2-40B4-BE49-F238E27FC236}">
-                <a16:creationId xmlns:a16="http://schemas.microsoft.com/office/drawing/2014/main" xmlns="" id="{B5994DA6-A7F0-4E27-BD2D-7FCE59CEE957}"/>
+                <a16:creationId xmlns="" xmlns:a16="http://schemas.microsoft.com/office/drawing/2014/main" id="{B5994DA6-A7F0-4E27-BD2D-7FCE59CEE957}"/>
               </a:ext>
             </a:extLst>
           </p:cNvPr>
@@ -23545,7 +28738,7 @@
           <p:cNvPr id="29" name="Group 6">
             <a:extLst>
               <a:ext uri="{FF2B5EF4-FFF2-40B4-BE49-F238E27FC236}">
-                <a16:creationId xmlns:a16="http://schemas.microsoft.com/office/drawing/2014/main" xmlns="" id="{9F72DB5D-BA1C-7D47-8C5D-22E239359D44}"/>
+                <a16:creationId xmlns="" xmlns:a16="http://schemas.microsoft.com/office/drawing/2014/main" id="{9F72DB5D-BA1C-7D47-8C5D-22E239359D44}"/>
               </a:ext>
             </a:extLst>
           </p:cNvPr>
@@ -23565,7 +28758,7 @@
             <p:cNvPr id="32" name="직선 연결선 19">
               <a:extLst>
                 <a:ext uri="{FF2B5EF4-FFF2-40B4-BE49-F238E27FC236}">
-                  <a16:creationId xmlns:a16="http://schemas.microsoft.com/office/drawing/2014/main" xmlns="" id="{D07F0C3C-8860-3B4A-9C56-58C6CE79747C}"/>
+                  <a16:creationId xmlns="" xmlns:a16="http://schemas.microsoft.com/office/drawing/2014/main" id="{D07F0C3C-8860-3B4A-9C56-58C6CE79747C}"/>
                 </a:ext>
               </a:extLst>
             </p:cNvPr>
@@ -23608,7 +28801,7 @@
             <p:cNvPr id="33" name="직선 연결선 23">
               <a:extLst>
                 <a:ext uri="{FF2B5EF4-FFF2-40B4-BE49-F238E27FC236}">
-                  <a16:creationId xmlns:a16="http://schemas.microsoft.com/office/drawing/2014/main" xmlns="" id="{A77AE363-B4D3-0E41-AC77-2087545960A8}"/>
+                  <a16:creationId xmlns="" xmlns:a16="http://schemas.microsoft.com/office/drawing/2014/main" id="{A77AE363-B4D3-0E41-AC77-2087545960A8}"/>
                 </a:ext>
               </a:extLst>
             </p:cNvPr>
@@ -23651,7 +28844,7 @@
             <p:cNvPr id="34" name="직선 연결선 25">
               <a:extLst>
                 <a:ext uri="{FF2B5EF4-FFF2-40B4-BE49-F238E27FC236}">
-                  <a16:creationId xmlns:a16="http://schemas.microsoft.com/office/drawing/2014/main" xmlns="" id="{1E92A284-FFCD-2347-B894-4591603D5B53}"/>
+                  <a16:creationId xmlns="" xmlns:a16="http://schemas.microsoft.com/office/drawing/2014/main" id="{1E92A284-FFCD-2347-B894-4591603D5B53}"/>
                 </a:ext>
               </a:extLst>
             </p:cNvPr>
@@ -23695,7 +28888,7 @@
           <p:cNvPr id="30" name="TextBox 29">
             <a:extLst>
               <a:ext uri="{FF2B5EF4-FFF2-40B4-BE49-F238E27FC236}">
-                <a16:creationId xmlns:a16="http://schemas.microsoft.com/office/drawing/2014/main" xmlns="" id="{A7100BD7-019C-0B4C-B0F2-A3BEA595CDF7}"/>
+                <a16:creationId xmlns="" xmlns:a16="http://schemas.microsoft.com/office/drawing/2014/main" id="{A7100BD7-019C-0B4C-B0F2-A3BEA595CDF7}"/>
               </a:ext>
             </a:extLst>
           </p:cNvPr>
@@ -23745,7 +28938,7 @@
           <p:cNvPr id="31" name="TextBox 30">
             <a:extLst>
               <a:ext uri="{FF2B5EF4-FFF2-40B4-BE49-F238E27FC236}">
-                <a16:creationId xmlns:a16="http://schemas.microsoft.com/office/drawing/2014/main" xmlns="" id="{EA351A81-A3A6-2949-9745-6937EA78F2CA}"/>
+                <a16:creationId xmlns="" xmlns:a16="http://schemas.microsoft.com/office/drawing/2014/main" id="{EA351A81-A3A6-2949-9745-6937EA78F2CA}"/>
               </a:ext>
             </a:extLst>
           </p:cNvPr>
@@ -23908,49 +29101,6 @@
       </p:sp>
       <p:sp>
         <p:nvSpPr>
-          <p:cNvPr id="10" name="TextBox 9"/>
-          <p:cNvSpPr txBox="1"/>
-          <p:nvPr/>
-        </p:nvSpPr>
-        <p:spPr>
-          <a:xfrm>
-            <a:off x="7164288" y="6546830"/>
-            <a:ext cx="1728192" cy="338554"/>
-          </a:xfrm>
-          <a:prstGeom prst="rect">
-            <a:avLst/>
-          </a:prstGeom>
-          <a:noFill/>
-        </p:spPr>
-        <p:txBody>
-          <a:bodyPr wrap="square" rtlCol="0">
-            <a:spAutoFit/>
-          </a:bodyPr>
-          <a:lstStyle/>
-          <a:p>
-            <a:pPr algn="r"/>
-            <a:r>
-              <a:rPr lang="en-US" altLang="ko-KR" sz="1600" dirty="0" smtClean="0">
-                <a:solidFill>
-                  <a:schemeClr val="bg1">
-                    <a:lumMod val="75000"/>
-                  </a:schemeClr>
-                </a:solidFill>
-              </a:rPr>
-              <a:t>MINHEEBLOG</a:t>
-            </a:r>
-            <a:endParaRPr lang="ko-KR" altLang="en-US" sz="1600" dirty="0">
-              <a:solidFill>
-                <a:schemeClr val="bg1">
-                  <a:lumMod val="75000"/>
-                </a:schemeClr>
-              </a:solidFill>
-            </a:endParaRPr>
-          </a:p>
-        </p:txBody>
-      </p:sp>
-      <p:sp>
-        <p:nvSpPr>
           <p:cNvPr id="12" name="TextBox 11"/>
           <p:cNvSpPr txBox="1"/>
           <p:nvPr/>
@@ -23988,7 +29138,7 @@
           <p:cNvPr id="38" name="화살표: 갈매기형 수장 1">
             <a:extLst>
               <a:ext uri="{FF2B5EF4-FFF2-40B4-BE49-F238E27FC236}">
-                <a16:creationId xmlns:a16="http://schemas.microsoft.com/office/drawing/2014/main" xmlns="" id="{A38FB86A-A9AC-4EAE-8223-69D52F8B1ABE}"/>
+                <a16:creationId xmlns="" xmlns:a16="http://schemas.microsoft.com/office/drawing/2014/main" id="{A38FB86A-A9AC-4EAE-8223-69D52F8B1ABE}"/>
               </a:ext>
             </a:extLst>
           </p:cNvPr>
@@ -24046,7 +29196,7 @@
           <p:cNvPr id="39" name="화살표: 갈매기형 수장 2">
             <a:extLst>
               <a:ext uri="{FF2B5EF4-FFF2-40B4-BE49-F238E27FC236}">
-                <a16:creationId xmlns:a16="http://schemas.microsoft.com/office/drawing/2014/main" xmlns="" id="{8C8E1FD7-9558-46EC-B4E7-FDD400E94927}"/>
+                <a16:creationId xmlns="" xmlns:a16="http://schemas.microsoft.com/office/drawing/2014/main" id="{8C8E1FD7-9558-46EC-B4E7-FDD400E94927}"/>
               </a:ext>
             </a:extLst>
           </p:cNvPr>
@@ -24102,7 +29252,7 @@
           <p:cNvPr id="41" name="화살표: 갈매기형 수장 4">
             <a:extLst>
               <a:ext uri="{FF2B5EF4-FFF2-40B4-BE49-F238E27FC236}">
-                <a16:creationId xmlns:a16="http://schemas.microsoft.com/office/drawing/2014/main" xmlns="" id="{66755A50-62DA-4FF0-95B0-EA82A6CC33B8}"/>
+                <a16:creationId xmlns="" xmlns:a16="http://schemas.microsoft.com/office/drawing/2014/main" id="{66755A50-62DA-4FF0-95B0-EA82A6CC33B8}"/>
               </a:ext>
             </a:extLst>
           </p:cNvPr>
@@ -24158,7 +29308,7 @@
           <p:cNvPr id="42" name="화살표: 갈매기형 수장 5">
             <a:extLst>
               <a:ext uri="{FF2B5EF4-FFF2-40B4-BE49-F238E27FC236}">
-                <a16:creationId xmlns:a16="http://schemas.microsoft.com/office/drawing/2014/main" xmlns="" id="{DE46CADA-41E8-412A-A136-0A94F5A27AD4}"/>
+                <a16:creationId xmlns="" xmlns:a16="http://schemas.microsoft.com/office/drawing/2014/main" id="{DE46CADA-41E8-412A-A136-0A94F5A27AD4}"/>
               </a:ext>
             </a:extLst>
           </p:cNvPr>
@@ -24214,7 +29364,7 @@
           <p:cNvPr id="43" name="TextBox 42">
             <a:extLst>
               <a:ext uri="{FF2B5EF4-FFF2-40B4-BE49-F238E27FC236}">
-                <a16:creationId xmlns:a16="http://schemas.microsoft.com/office/drawing/2014/main" xmlns="" id="{68E943C8-5BA8-4C3E-A527-DD0F8F2B0E0A}"/>
+                <a16:creationId xmlns="" xmlns:a16="http://schemas.microsoft.com/office/drawing/2014/main" id="{68E943C8-5BA8-4C3E-A527-DD0F8F2B0E0A}"/>
               </a:ext>
             </a:extLst>
           </p:cNvPr>
@@ -24258,7 +29408,7 @@
           <p:cNvPr id="44" name="TextBox 43">
             <a:extLst>
               <a:ext uri="{FF2B5EF4-FFF2-40B4-BE49-F238E27FC236}">
-                <a16:creationId xmlns:a16="http://schemas.microsoft.com/office/drawing/2014/main" xmlns="" id="{4D3D8339-CC68-4AAC-A189-19E6E05D54DD}"/>
+                <a16:creationId xmlns="" xmlns:a16="http://schemas.microsoft.com/office/drawing/2014/main" id="{4D3D8339-CC68-4AAC-A189-19E6E05D54DD}"/>
               </a:ext>
             </a:extLst>
           </p:cNvPr>
@@ -24297,7 +29447,7 @@
           <p:cNvPr id="46" name="TextBox 45">
             <a:extLst>
               <a:ext uri="{FF2B5EF4-FFF2-40B4-BE49-F238E27FC236}">
-                <a16:creationId xmlns:a16="http://schemas.microsoft.com/office/drawing/2014/main" xmlns="" id="{32361A82-4993-4DC4-B5EF-3C30F9515573}"/>
+                <a16:creationId xmlns="" xmlns:a16="http://schemas.microsoft.com/office/drawing/2014/main" id="{32361A82-4993-4DC4-B5EF-3C30F9515573}"/>
               </a:ext>
             </a:extLst>
           </p:cNvPr>
@@ -24336,7 +29486,7 @@
           <p:cNvPr id="47" name="TextBox 46">
             <a:extLst>
               <a:ext uri="{FF2B5EF4-FFF2-40B4-BE49-F238E27FC236}">
-                <a16:creationId xmlns:a16="http://schemas.microsoft.com/office/drawing/2014/main" xmlns="" id="{49D68CEE-0E8C-4AD6-9485-622609B084B3}"/>
+                <a16:creationId xmlns="" xmlns:a16="http://schemas.microsoft.com/office/drawing/2014/main" id="{49D68CEE-0E8C-4AD6-9485-622609B084B3}"/>
               </a:ext>
             </a:extLst>
           </p:cNvPr>
@@ -24376,7 +29526,7 @@
           <p:cNvPr id="48" name="화살표: 갈매기형 수장 2">
             <a:extLst>
               <a:ext uri="{FF2B5EF4-FFF2-40B4-BE49-F238E27FC236}">
-                <a16:creationId xmlns:a16="http://schemas.microsoft.com/office/drawing/2014/main" xmlns="" id="{7B196A9F-09F8-8545-89B0-5112E49D0233}"/>
+                <a16:creationId xmlns="" xmlns:a16="http://schemas.microsoft.com/office/drawing/2014/main" id="{7B196A9F-09F8-8545-89B0-5112E49D0233}"/>
               </a:ext>
             </a:extLst>
           </p:cNvPr>
@@ -24432,7 +29582,7 @@
           <p:cNvPr id="49" name="TextBox 48">
             <a:extLst>
               <a:ext uri="{FF2B5EF4-FFF2-40B4-BE49-F238E27FC236}">
-                <a16:creationId xmlns:a16="http://schemas.microsoft.com/office/drawing/2014/main" xmlns="" id="{BC3F0FE1-9ECF-C344-B0A8-12B4DA316EC5}"/>
+                <a16:creationId xmlns="" xmlns:a16="http://schemas.microsoft.com/office/drawing/2014/main" id="{BC3F0FE1-9ECF-C344-B0A8-12B4DA316EC5}"/>
               </a:ext>
             </a:extLst>
           </p:cNvPr>
@@ -24466,6 +29616,439 @@
           </a:p>
         </p:txBody>
       </p:sp>
+      <p:pic>
+        <p:nvPicPr>
+          <p:cNvPr id="7" name="그림 6"/>
+          <p:cNvPicPr>
+            <a:picLocks noChangeAspect="1"/>
+          </p:cNvPicPr>
+          <p:nvPr/>
+        </p:nvPicPr>
+        <p:blipFill>
+          <a:blip r:embed="rId3"/>
+          <a:stretch>
+            <a:fillRect/>
+          </a:stretch>
+        </p:blipFill>
+        <p:spPr>
+          <a:xfrm>
+            <a:off x="376527" y="1683284"/>
+            <a:ext cx="5291751" cy="4764296"/>
+          </a:xfrm>
+          <a:prstGeom prst="rect">
+            <a:avLst/>
+          </a:prstGeom>
+        </p:spPr>
+      </p:pic>
+      <p:cxnSp>
+        <p:nvCxnSpPr>
+          <p:cNvPr id="21" name="꺾인 연결선[E] 12">
+            <a:extLst>
+              <a:ext uri="{FF2B5EF4-FFF2-40B4-BE49-F238E27FC236}">
+                <a16:creationId xmlns:a16="http://schemas.microsoft.com/office/drawing/2014/main" xmlns="" id="{9EA1CB21-45EB-4FD5-8958-6638C2B8E9AF}"/>
+              </a:ext>
+            </a:extLst>
+          </p:cNvPr>
+          <p:cNvCxnSpPr>
+            <a:cxnSpLocks/>
+            <a:endCxn id="22" idx="1"/>
+          </p:cNvCxnSpPr>
+          <p:nvPr/>
+        </p:nvCxnSpPr>
+        <p:spPr>
+          <a:xfrm flipV="1">
+            <a:off x="4495438" y="2775046"/>
+            <a:ext cx="1744040" cy="552682"/>
+          </a:xfrm>
+          <a:prstGeom prst="bentConnector3">
+            <a:avLst>
+              <a:gd name="adj1" fmla="val 50000"/>
+            </a:avLst>
+          </a:prstGeom>
+          <a:ln w="19050">
+            <a:solidFill>
+              <a:srgbClr val="082E59"/>
+            </a:solidFill>
+          </a:ln>
+        </p:spPr>
+        <p:style>
+          <a:lnRef idx="1">
+            <a:schemeClr val="accent1"/>
+          </a:lnRef>
+          <a:fillRef idx="0">
+            <a:schemeClr val="accent1"/>
+          </a:fillRef>
+          <a:effectRef idx="0">
+            <a:schemeClr val="accent1"/>
+          </a:effectRef>
+          <a:fontRef idx="minor">
+            <a:schemeClr val="tx1"/>
+          </a:fontRef>
+        </p:style>
+      </p:cxnSp>
+      <p:sp>
+        <p:nvSpPr>
+          <p:cNvPr id="22" name="TextBox 21">
+            <a:extLst>
+              <a:ext uri="{FF2B5EF4-FFF2-40B4-BE49-F238E27FC236}">
+                <a16:creationId xmlns:a16="http://schemas.microsoft.com/office/drawing/2014/main" xmlns="" id="{4F1E8E36-7223-43AE-A194-C5947D11B18D}"/>
+              </a:ext>
+            </a:extLst>
+          </p:cNvPr>
+          <p:cNvSpPr txBox="1"/>
+          <p:nvPr/>
+        </p:nvSpPr>
+        <p:spPr>
+          <a:xfrm>
+            <a:off x="6239478" y="2590380"/>
+            <a:ext cx="1644890" cy="369332"/>
+          </a:xfrm>
+          <a:prstGeom prst="rect">
+            <a:avLst/>
+          </a:prstGeom>
+          <a:noFill/>
+        </p:spPr>
+        <p:txBody>
+          <a:bodyPr wrap="square" rtlCol="0">
+            <a:spAutoFit/>
+          </a:bodyPr>
+          <a:lstStyle/>
+          <a:p>
+            <a:r>
+              <a:rPr lang="en-US" altLang="ko-KR" b="1" dirty="0" smtClean="0">
+                <a:solidFill>
+                  <a:srgbClr val="082E59"/>
+                </a:solidFill>
+              </a:rPr>
+              <a:t>User_name</a:t>
+            </a:r>
+            <a:endParaRPr lang="ko-KR" altLang="en-US" b="1" dirty="0">
+              <a:solidFill>
+                <a:srgbClr val="082E59"/>
+              </a:solidFill>
+            </a:endParaRPr>
+          </a:p>
+        </p:txBody>
+      </p:sp>
+      <p:sp>
+        <p:nvSpPr>
+          <p:cNvPr id="24" name="TextBox 23">
+            <a:extLst>
+              <a:ext uri="{FF2B5EF4-FFF2-40B4-BE49-F238E27FC236}">
+                <a16:creationId xmlns:a16="http://schemas.microsoft.com/office/drawing/2014/main" xmlns="" id="{4F1E8E36-7223-43AE-A194-C5947D11B18D}"/>
+              </a:ext>
+            </a:extLst>
+          </p:cNvPr>
+          <p:cNvSpPr txBox="1"/>
+          <p:nvPr/>
+        </p:nvSpPr>
+        <p:spPr>
+          <a:xfrm>
+            <a:off x="6232548" y="4966220"/>
+            <a:ext cx="694142" cy="369332"/>
+          </a:xfrm>
+          <a:prstGeom prst="rect">
+            <a:avLst/>
+          </a:prstGeom>
+          <a:noFill/>
+        </p:spPr>
+        <p:txBody>
+          <a:bodyPr wrap="square" rtlCol="0">
+            <a:spAutoFit/>
+          </a:bodyPr>
+          <a:lstStyle/>
+          <a:p>
+            <a:r>
+              <a:rPr lang="en-US" altLang="ko-KR" b="1" dirty="0" smtClean="0">
+                <a:solidFill>
+                  <a:srgbClr val="082E59"/>
+                </a:solidFill>
+              </a:rPr>
+              <a:t>Tags</a:t>
+            </a:r>
+            <a:endParaRPr lang="ko-KR" altLang="en-US" b="1" dirty="0">
+              <a:solidFill>
+                <a:srgbClr val="082E59"/>
+              </a:solidFill>
+            </a:endParaRPr>
+          </a:p>
+        </p:txBody>
+      </p:sp>
+      <p:cxnSp>
+        <p:nvCxnSpPr>
+          <p:cNvPr id="28" name="직선 연결선 27">
+            <a:extLst>
+              <a:ext uri="{FF2B5EF4-FFF2-40B4-BE49-F238E27FC236}">
+                <a16:creationId xmlns:a16="http://schemas.microsoft.com/office/drawing/2014/main" xmlns="" id="{19C27C6B-EE52-4EBC-86EC-BB21C7AD776D}"/>
+              </a:ext>
+            </a:extLst>
+          </p:cNvPr>
+          <p:cNvCxnSpPr>
+            <a:endCxn id="24" idx="1"/>
+          </p:cNvCxnSpPr>
+          <p:nvPr/>
+        </p:nvCxnSpPr>
+        <p:spPr>
+          <a:xfrm flipV="1">
+            <a:off x="5296901" y="5150886"/>
+            <a:ext cx="935647" cy="6306"/>
+          </a:xfrm>
+          <a:prstGeom prst="line">
+            <a:avLst/>
+          </a:prstGeom>
+          <a:ln w="19050">
+            <a:solidFill>
+              <a:srgbClr val="082E59"/>
+            </a:solidFill>
+          </a:ln>
+        </p:spPr>
+        <p:style>
+          <a:lnRef idx="1">
+            <a:schemeClr val="accent1"/>
+          </a:lnRef>
+          <a:fillRef idx="0">
+            <a:schemeClr val="accent1"/>
+          </a:fillRef>
+          <a:effectRef idx="0">
+            <a:schemeClr val="accent1"/>
+          </a:effectRef>
+          <a:fontRef idx="minor">
+            <a:schemeClr val="tx1"/>
+          </a:fontRef>
+        </p:style>
+      </p:cxnSp>
+      <p:sp>
+        <p:nvSpPr>
+          <p:cNvPr id="40" name="TextBox 39">
+            <a:extLst>
+              <a:ext uri="{FF2B5EF4-FFF2-40B4-BE49-F238E27FC236}">
+                <a16:creationId xmlns:a16="http://schemas.microsoft.com/office/drawing/2014/main" xmlns="" id="{4F1E8E36-7223-43AE-A194-C5947D11B18D}"/>
+              </a:ext>
+            </a:extLst>
+          </p:cNvPr>
+          <p:cNvSpPr txBox="1"/>
+          <p:nvPr/>
+        </p:nvSpPr>
+        <p:spPr>
+          <a:xfrm>
+            <a:off x="6998548" y="4082611"/>
+            <a:ext cx="1644890" cy="369332"/>
+          </a:xfrm>
+          <a:prstGeom prst="rect">
+            <a:avLst/>
+          </a:prstGeom>
+          <a:noFill/>
+        </p:spPr>
+        <p:txBody>
+          <a:bodyPr wrap="square" rtlCol="0">
+            <a:spAutoFit/>
+          </a:bodyPr>
+          <a:lstStyle/>
+          <a:p>
+            <a:r>
+              <a:rPr lang="en-US" altLang="ko-KR" b="1" dirty="0" smtClean="0">
+                <a:solidFill>
+                  <a:srgbClr val="082E59"/>
+                </a:solidFill>
+              </a:rPr>
+              <a:t>Location</a:t>
+            </a:r>
+            <a:endParaRPr lang="ko-KR" altLang="en-US" b="1" dirty="0">
+              <a:solidFill>
+                <a:srgbClr val="082E59"/>
+              </a:solidFill>
+            </a:endParaRPr>
+          </a:p>
+        </p:txBody>
+      </p:sp>
+      <p:sp>
+        <p:nvSpPr>
+          <p:cNvPr id="50" name="TextBox 49">
+            <a:extLst>
+              <a:ext uri="{FF2B5EF4-FFF2-40B4-BE49-F238E27FC236}">
+                <a16:creationId xmlns:a16="http://schemas.microsoft.com/office/drawing/2014/main" xmlns="" id="{4F1E8E36-7223-43AE-A194-C5947D11B18D}"/>
+              </a:ext>
+            </a:extLst>
+          </p:cNvPr>
+          <p:cNvSpPr txBox="1"/>
+          <p:nvPr/>
+        </p:nvSpPr>
+        <p:spPr>
+          <a:xfrm>
+            <a:off x="5840219" y="5869934"/>
+            <a:ext cx="1440160" cy="369332"/>
+          </a:xfrm>
+          <a:prstGeom prst="rect">
+            <a:avLst/>
+          </a:prstGeom>
+          <a:noFill/>
+        </p:spPr>
+        <p:txBody>
+          <a:bodyPr wrap="square" rtlCol="0">
+            <a:spAutoFit/>
+          </a:bodyPr>
+          <a:lstStyle/>
+          <a:p>
+            <a:r>
+              <a:rPr lang="en-US" altLang="ko-KR" b="1" dirty="0" smtClean="0">
+                <a:solidFill>
+                  <a:srgbClr val="082E59"/>
+                </a:solidFill>
+              </a:rPr>
+              <a:t>Like_count</a:t>
+            </a:r>
+            <a:endParaRPr lang="ko-KR" altLang="en-US" b="1" dirty="0">
+              <a:solidFill>
+                <a:srgbClr val="082E59"/>
+              </a:solidFill>
+            </a:endParaRPr>
+          </a:p>
+        </p:txBody>
+      </p:sp>
+      <p:cxnSp>
+        <p:nvCxnSpPr>
+          <p:cNvPr id="52" name="직선 연결선 51"/>
+          <p:cNvCxnSpPr/>
+          <p:nvPr/>
+        </p:nvCxnSpPr>
+        <p:spPr>
+          <a:xfrm>
+            <a:off x="4116150" y="3512020"/>
+            <a:ext cx="0" cy="757320"/>
+          </a:xfrm>
+          <a:prstGeom prst="line">
+            <a:avLst/>
+          </a:prstGeom>
+          <a:ln w="19050">
+            <a:solidFill>
+              <a:srgbClr val="082E59"/>
+            </a:solidFill>
+          </a:ln>
+        </p:spPr>
+        <p:style>
+          <a:lnRef idx="1">
+            <a:schemeClr val="accent1"/>
+          </a:lnRef>
+          <a:fillRef idx="0">
+            <a:schemeClr val="accent1"/>
+          </a:fillRef>
+          <a:effectRef idx="0">
+            <a:schemeClr val="accent1"/>
+          </a:effectRef>
+          <a:fontRef idx="minor">
+            <a:schemeClr val="tx1"/>
+          </a:fontRef>
+        </p:style>
+      </p:cxnSp>
+      <p:cxnSp>
+        <p:nvCxnSpPr>
+          <p:cNvPr id="56" name="직선 연결선 55"/>
+          <p:cNvCxnSpPr>
+            <a:endCxn id="40" idx="1"/>
+          </p:cNvCxnSpPr>
+          <p:nvPr/>
+        </p:nvCxnSpPr>
+        <p:spPr>
+          <a:xfrm flipV="1">
+            <a:off x="4116150" y="4267277"/>
+            <a:ext cx="2882398" cy="2063"/>
+          </a:xfrm>
+          <a:prstGeom prst="line">
+            <a:avLst/>
+          </a:prstGeom>
+          <a:ln w="19050">
+            <a:solidFill>
+              <a:srgbClr val="082E59"/>
+            </a:solidFill>
+          </a:ln>
+        </p:spPr>
+        <p:style>
+          <a:lnRef idx="1">
+            <a:schemeClr val="accent1"/>
+          </a:lnRef>
+          <a:fillRef idx="0">
+            <a:schemeClr val="accent1"/>
+          </a:fillRef>
+          <a:effectRef idx="0">
+            <a:schemeClr val="accent1"/>
+          </a:effectRef>
+          <a:fontRef idx="minor">
+            <a:schemeClr val="tx1"/>
+          </a:fontRef>
+        </p:style>
+      </p:cxnSp>
+      <p:cxnSp>
+        <p:nvCxnSpPr>
+          <p:cNvPr id="61" name="직선 연결선 60"/>
+          <p:cNvCxnSpPr/>
+          <p:nvPr/>
+        </p:nvCxnSpPr>
+        <p:spPr>
+          <a:xfrm>
+            <a:off x="3779912" y="5757471"/>
+            <a:ext cx="0" cy="303365"/>
+          </a:xfrm>
+          <a:prstGeom prst="line">
+            <a:avLst/>
+          </a:prstGeom>
+          <a:ln w="19050">
+            <a:solidFill>
+              <a:srgbClr val="082E59"/>
+            </a:solidFill>
+          </a:ln>
+        </p:spPr>
+        <p:style>
+          <a:lnRef idx="1">
+            <a:schemeClr val="accent1"/>
+          </a:lnRef>
+          <a:fillRef idx="0">
+            <a:schemeClr val="accent1"/>
+          </a:fillRef>
+          <a:effectRef idx="0">
+            <a:schemeClr val="accent1"/>
+          </a:effectRef>
+          <a:fontRef idx="minor">
+            <a:schemeClr val="tx1"/>
+          </a:fontRef>
+        </p:style>
+      </p:cxnSp>
+      <p:cxnSp>
+        <p:nvCxnSpPr>
+          <p:cNvPr id="62" name="직선 연결선 61"/>
+          <p:cNvCxnSpPr>
+            <a:endCxn id="50" idx="1"/>
+          </p:cNvCxnSpPr>
+          <p:nvPr/>
+        </p:nvCxnSpPr>
+        <p:spPr>
+          <a:xfrm>
+            <a:off x="3779912" y="6054600"/>
+            <a:ext cx="2060307" cy="0"/>
+          </a:xfrm>
+          <a:prstGeom prst="line">
+            <a:avLst/>
+          </a:prstGeom>
+          <a:ln w="19050">
+            <a:solidFill>
+              <a:srgbClr val="082E59"/>
+            </a:solidFill>
+          </a:ln>
+        </p:spPr>
+        <p:style>
+          <a:lnRef idx="1">
+            <a:schemeClr val="accent1"/>
+          </a:lnRef>
+          <a:fillRef idx="0">
+            <a:schemeClr val="accent1"/>
+          </a:fillRef>
+          <a:effectRef idx="0">
+            <a:schemeClr val="accent1"/>
+          </a:effectRef>
+          <a:fontRef idx="minor">
+            <a:schemeClr val="tx1"/>
+          </a:fontRef>
+        </p:style>
+      </p:cxnSp>
     </p:spTree>
     <p:extLst>
       <p:ext uri="{BB962C8B-B14F-4D97-AF65-F5344CB8AC3E}">
@@ -24589,49 +30172,6 @@
       </p:sp>
       <p:sp>
         <p:nvSpPr>
-          <p:cNvPr id="10" name="TextBox 9"/>
-          <p:cNvSpPr txBox="1"/>
-          <p:nvPr/>
-        </p:nvSpPr>
-        <p:spPr>
-          <a:xfrm>
-            <a:off x="7164288" y="6546830"/>
-            <a:ext cx="1728192" cy="338554"/>
-          </a:xfrm>
-          <a:prstGeom prst="rect">
-            <a:avLst/>
-          </a:prstGeom>
-          <a:noFill/>
-        </p:spPr>
-        <p:txBody>
-          <a:bodyPr wrap="square" rtlCol="0">
-            <a:spAutoFit/>
-          </a:bodyPr>
-          <a:lstStyle/>
-          <a:p>
-            <a:pPr algn="r"/>
-            <a:r>
-              <a:rPr lang="en-US" altLang="ko-KR" sz="1600" dirty="0" smtClean="0">
-                <a:solidFill>
-                  <a:schemeClr val="bg1">
-                    <a:lumMod val="75000"/>
-                  </a:schemeClr>
-                </a:solidFill>
-              </a:rPr>
-              <a:t>MINHEEBLOG</a:t>
-            </a:r>
-            <a:endParaRPr lang="ko-KR" altLang="en-US" sz="1600" dirty="0">
-              <a:solidFill>
-                <a:schemeClr val="bg1">
-                  <a:lumMod val="75000"/>
-                </a:schemeClr>
-              </a:solidFill>
-            </a:endParaRPr>
-          </a:p>
-        </p:txBody>
-      </p:sp>
-      <p:sp>
-        <p:nvSpPr>
           <p:cNvPr id="12" name="TextBox 11"/>
           <p:cNvSpPr txBox="1"/>
           <p:nvPr/>
@@ -24669,7 +30209,7 @@
           <p:cNvPr id="38" name="화살표: 갈매기형 수장 1">
             <a:extLst>
               <a:ext uri="{FF2B5EF4-FFF2-40B4-BE49-F238E27FC236}">
-                <a16:creationId xmlns:a16="http://schemas.microsoft.com/office/drawing/2014/main" xmlns="" id="{A38FB86A-A9AC-4EAE-8223-69D52F8B1ABE}"/>
+                <a16:creationId xmlns="" xmlns:a16="http://schemas.microsoft.com/office/drawing/2014/main" id="{A38FB86A-A9AC-4EAE-8223-69D52F8B1ABE}"/>
               </a:ext>
             </a:extLst>
           </p:cNvPr>
@@ -24684,7 +30224,9 @@
           <a:prstGeom prst="chevron">
             <a:avLst/>
           </a:prstGeom>
-          <a:noFill/>
+          <a:solidFill>
+            <a:srgbClr val="FFC000"/>
+          </a:solidFill>
           <a:ln>
             <a:solidFill>
               <a:srgbClr val="FFCC00"/>
@@ -24725,7 +30267,7 @@
           <p:cNvPr id="39" name="화살표: 갈매기형 수장 2">
             <a:extLst>
               <a:ext uri="{FF2B5EF4-FFF2-40B4-BE49-F238E27FC236}">
-                <a16:creationId xmlns:a16="http://schemas.microsoft.com/office/drawing/2014/main" xmlns="" id="{8C8E1FD7-9558-46EC-B4E7-FDD400E94927}"/>
+                <a16:creationId xmlns="" xmlns:a16="http://schemas.microsoft.com/office/drawing/2014/main" id="{8C8E1FD7-9558-46EC-B4E7-FDD400E94927}"/>
               </a:ext>
             </a:extLst>
           </p:cNvPr>
@@ -24781,7 +30323,7 @@
           <p:cNvPr id="41" name="화살표: 갈매기형 수장 4">
             <a:extLst>
               <a:ext uri="{FF2B5EF4-FFF2-40B4-BE49-F238E27FC236}">
-                <a16:creationId xmlns:a16="http://schemas.microsoft.com/office/drawing/2014/main" xmlns="" id="{66755A50-62DA-4FF0-95B0-EA82A6CC33B8}"/>
+                <a16:creationId xmlns="" xmlns:a16="http://schemas.microsoft.com/office/drawing/2014/main" id="{66755A50-62DA-4FF0-95B0-EA82A6CC33B8}"/>
               </a:ext>
             </a:extLst>
           </p:cNvPr>
@@ -24837,7 +30379,7 @@
           <p:cNvPr id="42" name="화살표: 갈매기형 수장 5">
             <a:extLst>
               <a:ext uri="{FF2B5EF4-FFF2-40B4-BE49-F238E27FC236}">
-                <a16:creationId xmlns:a16="http://schemas.microsoft.com/office/drawing/2014/main" xmlns="" id="{DE46CADA-41E8-412A-A136-0A94F5A27AD4}"/>
+                <a16:creationId xmlns="" xmlns:a16="http://schemas.microsoft.com/office/drawing/2014/main" id="{DE46CADA-41E8-412A-A136-0A94F5A27AD4}"/>
               </a:ext>
             </a:extLst>
           </p:cNvPr>
@@ -24893,7 +30435,7 @@
           <p:cNvPr id="43" name="TextBox 42">
             <a:extLst>
               <a:ext uri="{FF2B5EF4-FFF2-40B4-BE49-F238E27FC236}">
-                <a16:creationId xmlns:a16="http://schemas.microsoft.com/office/drawing/2014/main" xmlns="" id="{68E943C8-5BA8-4C3E-A527-DD0F8F2B0E0A}"/>
+                <a16:creationId xmlns="" xmlns:a16="http://schemas.microsoft.com/office/drawing/2014/main" id="{68E943C8-5BA8-4C3E-A527-DD0F8F2B0E0A}"/>
               </a:ext>
             </a:extLst>
           </p:cNvPr>
@@ -24917,10 +30459,18 @@
           <a:lstStyle/>
           <a:p>
             <a:r>
-              <a:rPr lang="ko-KR" altLang="en-US" b="1" dirty="0" err="1"/>
+              <a:rPr lang="ko-KR" altLang="en-US" b="1" dirty="0" err="1">
+                <a:solidFill>
+                  <a:schemeClr val="bg1"/>
+                </a:solidFill>
+              </a:rPr>
               <a:t>웹스크래핑</a:t>
             </a:r>
-            <a:endParaRPr lang="ko-KR" altLang="en-US" b="1" dirty="0"/>
+            <a:endParaRPr lang="ko-KR" altLang="en-US" b="1" dirty="0">
+              <a:solidFill>
+                <a:schemeClr val="bg1"/>
+              </a:solidFill>
+            </a:endParaRPr>
           </a:p>
         </p:txBody>
       </p:sp>
@@ -24929,7 +30479,7 @@
           <p:cNvPr id="44" name="TextBox 43">
             <a:extLst>
               <a:ext uri="{FF2B5EF4-FFF2-40B4-BE49-F238E27FC236}">
-                <a16:creationId xmlns:a16="http://schemas.microsoft.com/office/drawing/2014/main" xmlns="" id="{4D3D8339-CC68-4AAC-A189-19E6E05D54DD}"/>
+                <a16:creationId xmlns="" xmlns:a16="http://schemas.microsoft.com/office/drawing/2014/main" id="{4D3D8339-CC68-4AAC-A189-19E6E05D54DD}"/>
               </a:ext>
             </a:extLst>
           </p:cNvPr>
@@ -24968,7 +30518,7 @@
           <p:cNvPr id="46" name="TextBox 45">
             <a:extLst>
               <a:ext uri="{FF2B5EF4-FFF2-40B4-BE49-F238E27FC236}">
-                <a16:creationId xmlns:a16="http://schemas.microsoft.com/office/drawing/2014/main" xmlns="" id="{32361A82-4993-4DC4-B5EF-3C30F9515573}"/>
+                <a16:creationId xmlns="" xmlns:a16="http://schemas.microsoft.com/office/drawing/2014/main" id="{32361A82-4993-4DC4-B5EF-3C30F9515573}"/>
               </a:ext>
             </a:extLst>
           </p:cNvPr>
@@ -25007,7 +30557,7 @@
           <p:cNvPr id="47" name="TextBox 46">
             <a:extLst>
               <a:ext uri="{FF2B5EF4-FFF2-40B4-BE49-F238E27FC236}">
-                <a16:creationId xmlns:a16="http://schemas.microsoft.com/office/drawing/2014/main" xmlns="" id="{49D68CEE-0E8C-4AD6-9485-622609B084B3}"/>
+                <a16:creationId xmlns="" xmlns:a16="http://schemas.microsoft.com/office/drawing/2014/main" id="{49D68CEE-0E8C-4AD6-9485-622609B084B3}"/>
               </a:ext>
             </a:extLst>
           </p:cNvPr>
@@ -25047,7 +30597,7 @@
           <p:cNvPr id="48" name="화살표: 갈매기형 수장 2">
             <a:extLst>
               <a:ext uri="{FF2B5EF4-FFF2-40B4-BE49-F238E27FC236}">
-                <a16:creationId xmlns:a16="http://schemas.microsoft.com/office/drawing/2014/main" xmlns="" id="{7B196A9F-09F8-8545-89B0-5112E49D0233}"/>
+                <a16:creationId xmlns="" xmlns:a16="http://schemas.microsoft.com/office/drawing/2014/main" id="{7B196A9F-09F8-8545-89B0-5112E49D0233}"/>
               </a:ext>
             </a:extLst>
           </p:cNvPr>
@@ -25062,9 +30612,7 @@
           <a:prstGeom prst="chevron">
             <a:avLst/>
           </a:prstGeom>
-          <a:solidFill>
-            <a:srgbClr val="FFCC00"/>
-          </a:solidFill>
+          <a:noFill/>
           <a:ln>
             <a:solidFill>
               <a:srgbClr val="FFCC00"/>
@@ -25105,7 +30653,7 @@
           <p:cNvPr id="49" name="TextBox 48">
             <a:extLst>
               <a:ext uri="{FF2B5EF4-FFF2-40B4-BE49-F238E27FC236}">
-                <a16:creationId xmlns:a16="http://schemas.microsoft.com/office/drawing/2014/main" xmlns="" id="{BC3F0FE1-9ECF-C344-B0A8-12B4DA316EC5}"/>
+                <a16:creationId xmlns="" xmlns:a16="http://schemas.microsoft.com/office/drawing/2014/main" id="{BC3F0FE1-9ECF-C344-B0A8-12B4DA316EC5}"/>
               </a:ext>
             </a:extLst>
           </p:cNvPr>
@@ -25131,7 +30679,7 @@
             <a:r>
               <a:rPr lang="ko-KR" altLang="en-US" b="1" dirty="0">
                 <a:solidFill>
-                  <a:schemeClr val="bg1"/>
+                  <a:srgbClr val="082E59"/>
                 </a:solidFill>
               </a:rPr>
               <a:t>전처리</a:t>
@@ -25139,10 +30687,402 @@
           </a:p>
         </p:txBody>
       </p:sp>
+      <p:sp>
+        <p:nvSpPr>
+          <p:cNvPr id="50" name="TextBox 49">
+            <a:extLst>
+              <a:ext uri="{FF2B5EF4-FFF2-40B4-BE49-F238E27FC236}">
+                <a16:creationId xmlns:a16="http://schemas.microsoft.com/office/drawing/2014/main" xmlns="" id="{4F1E8E36-7223-43AE-A194-C5947D11B18D}"/>
+              </a:ext>
+            </a:extLst>
+          </p:cNvPr>
+          <p:cNvSpPr txBox="1"/>
+          <p:nvPr/>
+        </p:nvSpPr>
+        <p:spPr>
+          <a:xfrm>
+            <a:off x="1347011" y="5456814"/>
+            <a:ext cx="1440160" cy="369332"/>
+          </a:xfrm>
+          <a:prstGeom prst="rect">
+            <a:avLst/>
+          </a:prstGeom>
+          <a:noFill/>
+        </p:spPr>
+        <p:txBody>
+          <a:bodyPr wrap="square" rtlCol="0">
+            <a:spAutoFit/>
+          </a:bodyPr>
+          <a:lstStyle/>
+          <a:p>
+            <a:r>
+              <a:rPr lang="en-US" altLang="ko-KR" b="1" dirty="0">
+                <a:solidFill>
+                  <a:srgbClr val="082E59"/>
+                </a:solidFill>
+              </a:rPr>
+              <a:t>login.click()</a:t>
+            </a:r>
+            <a:endParaRPr lang="ko-KR" altLang="en-US" b="1" dirty="0">
+              <a:solidFill>
+                <a:srgbClr val="082E59"/>
+              </a:solidFill>
+            </a:endParaRPr>
+          </a:p>
+        </p:txBody>
+      </p:sp>
+      <p:pic>
+        <p:nvPicPr>
+          <p:cNvPr id="29" name="그림 28"/>
+          <p:cNvPicPr>
+            <a:picLocks noChangeAspect="1"/>
+          </p:cNvPicPr>
+          <p:nvPr/>
+        </p:nvPicPr>
+        <p:blipFill>
+          <a:blip r:embed="rId3">
+            <a:extLst>
+              <a:ext uri="{28A0092B-C50C-407E-A947-70E740481C1C}">
+                <a14:useLocalDpi xmlns:a14="http://schemas.microsoft.com/office/drawing/2010/main" val="0"/>
+              </a:ext>
+            </a:extLst>
+          </a:blip>
+          <a:stretch>
+            <a:fillRect/>
+          </a:stretch>
+        </p:blipFill>
+        <p:spPr>
+          <a:xfrm>
+            <a:off x="507316" y="2303339"/>
+            <a:ext cx="3287918" cy="2676626"/>
+          </a:xfrm>
+          <a:prstGeom prst="rect">
+            <a:avLst/>
+          </a:prstGeom>
+        </p:spPr>
+      </p:pic>
+      <p:pic>
+        <p:nvPicPr>
+          <p:cNvPr id="27" name="그림 26"/>
+          <p:cNvPicPr>
+            <a:picLocks noChangeAspect="1"/>
+          </p:cNvPicPr>
+          <p:nvPr/>
+        </p:nvPicPr>
+        <p:blipFill>
+          <a:blip r:embed="rId4" cstate="print">
+            <a:extLst>
+              <a:ext uri="{28A0092B-C50C-407E-A947-70E740481C1C}">
+                <a14:useLocalDpi xmlns:a14="http://schemas.microsoft.com/office/drawing/2010/main" val="0"/>
+              </a:ext>
+            </a:extLst>
+          </a:blip>
+          <a:stretch>
+            <a:fillRect/>
+          </a:stretch>
+        </p:blipFill>
+        <p:spPr>
+          <a:xfrm>
+            <a:off x="5088893" y="2212534"/>
+            <a:ext cx="3573609" cy="2960843"/>
+          </a:xfrm>
+          <a:prstGeom prst="rect">
+            <a:avLst/>
+          </a:prstGeom>
+        </p:spPr>
+      </p:pic>
+      <p:cxnSp>
+        <p:nvCxnSpPr>
+          <p:cNvPr id="21" name="꺾인 연결선[E] 12">
+            <a:extLst>
+              <a:ext uri="{FF2B5EF4-FFF2-40B4-BE49-F238E27FC236}">
+                <a16:creationId xmlns:a16="http://schemas.microsoft.com/office/drawing/2014/main" xmlns="" id="{9EA1CB21-45EB-4FD5-8958-6638C2B8E9AF}"/>
+              </a:ext>
+            </a:extLst>
+          </p:cNvPr>
+          <p:cNvCxnSpPr>
+            <a:cxnSpLocks/>
+          </p:cNvCxnSpPr>
+          <p:nvPr/>
+        </p:nvCxnSpPr>
+        <p:spPr>
+          <a:xfrm flipV="1">
+            <a:off x="2138357" y="3180961"/>
+            <a:ext cx="1641555" cy="511995"/>
+          </a:xfrm>
+          <a:prstGeom prst="bentConnector3">
+            <a:avLst>
+              <a:gd name="adj1" fmla="val 50000"/>
+            </a:avLst>
+          </a:prstGeom>
+          <a:ln w="19050">
+            <a:solidFill>
+              <a:srgbClr val="082E59"/>
+            </a:solidFill>
+          </a:ln>
+        </p:spPr>
+        <p:style>
+          <a:lnRef idx="1">
+            <a:schemeClr val="accent1"/>
+          </a:lnRef>
+          <a:fillRef idx="0">
+            <a:schemeClr val="accent1"/>
+          </a:fillRef>
+          <a:effectRef idx="0">
+            <a:schemeClr val="accent1"/>
+          </a:effectRef>
+          <a:fontRef idx="minor">
+            <a:schemeClr val="tx1"/>
+          </a:fontRef>
+        </p:style>
+      </p:cxnSp>
+      <p:cxnSp>
+        <p:nvCxnSpPr>
+          <p:cNvPr id="56" name="직선 연결선 55"/>
+          <p:cNvCxnSpPr/>
+          <p:nvPr/>
+        </p:nvCxnSpPr>
+        <p:spPr>
+          <a:xfrm>
+            <a:off x="2259914" y="3931456"/>
+            <a:ext cx="1519998" cy="8354"/>
+          </a:xfrm>
+          <a:prstGeom prst="line">
+            <a:avLst/>
+          </a:prstGeom>
+          <a:ln w="19050">
+            <a:solidFill>
+              <a:srgbClr val="082E59"/>
+            </a:solidFill>
+          </a:ln>
+        </p:spPr>
+        <p:style>
+          <a:lnRef idx="1">
+            <a:schemeClr val="accent1"/>
+          </a:lnRef>
+          <a:fillRef idx="0">
+            <a:schemeClr val="accent1"/>
+          </a:fillRef>
+          <a:effectRef idx="0">
+            <a:schemeClr val="accent1"/>
+          </a:effectRef>
+          <a:fontRef idx="minor">
+            <a:schemeClr val="tx1"/>
+          </a:fontRef>
+        </p:style>
+      </p:cxnSp>
+      <p:sp>
+        <p:nvSpPr>
+          <p:cNvPr id="40" name="TextBox 39">
+            <a:extLst>
+              <a:ext uri="{FF2B5EF4-FFF2-40B4-BE49-F238E27FC236}">
+                <a16:creationId xmlns:a16="http://schemas.microsoft.com/office/drawing/2014/main" xmlns="" id="{4F1E8E36-7223-43AE-A194-C5947D11B18D}"/>
+              </a:ext>
+            </a:extLst>
+          </p:cNvPr>
+          <p:cNvSpPr txBox="1"/>
+          <p:nvPr/>
+        </p:nvSpPr>
+        <p:spPr>
+          <a:xfrm>
+            <a:off x="3749555" y="3742851"/>
+            <a:ext cx="678429" cy="369332"/>
+          </a:xfrm>
+          <a:prstGeom prst="rect">
+            <a:avLst/>
+          </a:prstGeom>
+          <a:noFill/>
+        </p:spPr>
+        <p:txBody>
+          <a:bodyPr wrap="square" rtlCol="0">
+            <a:spAutoFit/>
+          </a:bodyPr>
+          <a:lstStyle/>
+          <a:p>
+            <a:r>
+              <a:rPr lang="en-US" altLang="ko-KR" b="1" dirty="0" smtClean="0">
+                <a:solidFill>
+                  <a:srgbClr val="082E59"/>
+                </a:solidFill>
+              </a:rPr>
+              <a:t>PW</a:t>
+            </a:r>
+            <a:endParaRPr lang="ko-KR" altLang="en-US" b="1" dirty="0">
+              <a:solidFill>
+                <a:srgbClr val="082E59"/>
+              </a:solidFill>
+            </a:endParaRPr>
+          </a:p>
+        </p:txBody>
+      </p:sp>
+      <p:sp>
+        <p:nvSpPr>
+          <p:cNvPr id="22" name="TextBox 21">
+            <a:extLst>
+              <a:ext uri="{FF2B5EF4-FFF2-40B4-BE49-F238E27FC236}">
+                <a16:creationId xmlns:a16="http://schemas.microsoft.com/office/drawing/2014/main" xmlns="" id="{4F1E8E36-7223-43AE-A194-C5947D11B18D}"/>
+              </a:ext>
+            </a:extLst>
+          </p:cNvPr>
+          <p:cNvSpPr txBox="1"/>
+          <p:nvPr/>
+        </p:nvSpPr>
+        <p:spPr>
+          <a:xfrm>
+            <a:off x="3795234" y="3015434"/>
+            <a:ext cx="560742" cy="369332"/>
+          </a:xfrm>
+          <a:prstGeom prst="rect">
+            <a:avLst/>
+          </a:prstGeom>
+          <a:noFill/>
+        </p:spPr>
+        <p:txBody>
+          <a:bodyPr wrap="square" rtlCol="0">
+            <a:spAutoFit/>
+          </a:bodyPr>
+          <a:lstStyle/>
+          <a:p>
+            <a:r>
+              <a:rPr lang="en-US" altLang="ko-KR" b="1" dirty="0" smtClean="0">
+                <a:solidFill>
+                  <a:srgbClr val="082E59"/>
+                </a:solidFill>
+              </a:rPr>
+              <a:t>ID</a:t>
+            </a:r>
+            <a:endParaRPr lang="ko-KR" altLang="en-US" b="1" dirty="0">
+              <a:solidFill>
+                <a:srgbClr val="082E59"/>
+              </a:solidFill>
+            </a:endParaRPr>
+          </a:p>
+        </p:txBody>
+      </p:sp>
+      <p:cxnSp>
+        <p:nvCxnSpPr>
+          <p:cNvPr id="61" name="직선 연결선 60"/>
+          <p:cNvCxnSpPr/>
+          <p:nvPr/>
+        </p:nvCxnSpPr>
+        <p:spPr>
+          <a:xfrm>
+            <a:off x="2018940" y="4396442"/>
+            <a:ext cx="0" cy="1041819"/>
+          </a:xfrm>
+          <a:prstGeom prst="line">
+            <a:avLst/>
+          </a:prstGeom>
+          <a:ln w="19050">
+            <a:solidFill>
+              <a:srgbClr val="082E59"/>
+            </a:solidFill>
+          </a:ln>
+        </p:spPr>
+        <p:style>
+          <a:lnRef idx="1">
+            <a:schemeClr val="accent1"/>
+          </a:lnRef>
+          <a:fillRef idx="0">
+            <a:schemeClr val="accent1"/>
+          </a:fillRef>
+          <a:effectRef idx="0">
+            <a:schemeClr val="accent1"/>
+          </a:effectRef>
+          <a:fontRef idx="minor">
+            <a:schemeClr val="tx1"/>
+          </a:fontRef>
+        </p:style>
+      </p:cxnSp>
+      <p:cxnSp>
+        <p:nvCxnSpPr>
+          <p:cNvPr id="36" name="직선 연결선 35">
+            <a:extLst>
+              <a:ext uri="{FF2B5EF4-FFF2-40B4-BE49-F238E27FC236}">
+                <a16:creationId xmlns:a16="http://schemas.microsoft.com/office/drawing/2014/main" xmlns="" id="{19C27C6B-EE52-4EBC-86EC-BB21C7AD776D}"/>
+              </a:ext>
+            </a:extLst>
+          </p:cNvPr>
+          <p:cNvCxnSpPr/>
+          <p:nvPr/>
+        </p:nvCxnSpPr>
+        <p:spPr>
+          <a:xfrm flipV="1">
+            <a:off x="6273453" y="3071756"/>
+            <a:ext cx="24358" cy="2508280"/>
+          </a:xfrm>
+          <a:prstGeom prst="line">
+            <a:avLst/>
+          </a:prstGeom>
+          <a:ln w="19050">
+            <a:solidFill>
+              <a:srgbClr val="082E59"/>
+            </a:solidFill>
+          </a:ln>
+        </p:spPr>
+        <p:style>
+          <a:lnRef idx="1">
+            <a:schemeClr val="accent1"/>
+          </a:lnRef>
+          <a:fillRef idx="0">
+            <a:schemeClr val="accent1"/>
+          </a:fillRef>
+          <a:effectRef idx="0">
+            <a:schemeClr val="accent1"/>
+          </a:effectRef>
+          <a:fontRef idx="minor">
+            <a:schemeClr val="tx1"/>
+          </a:fontRef>
+        </p:style>
+      </p:cxnSp>
+      <p:sp>
+        <p:nvSpPr>
+          <p:cNvPr id="24" name="TextBox 23">
+            <a:extLst>
+              <a:ext uri="{FF2B5EF4-FFF2-40B4-BE49-F238E27FC236}">
+                <a16:creationId xmlns:a16="http://schemas.microsoft.com/office/drawing/2014/main" xmlns="" id="{4F1E8E36-7223-43AE-A194-C5947D11B18D}"/>
+              </a:ext>
+            </a:extLst>
+          </p:cNvPr>
+          <p:cNvSpPr txBox="1"/>
+          <p:nvPr/>
+        </p:nvSpPr>
+        <p:spPr>
+          <a:xfrm>
+            <a:off x="5696381" y="5537325"/>
+            <a:ext cx="1154144" cy="369332"/>
+          </a:xfrm>
+          <a:prstGeom prst="rect">
+            <a:avLst/>
+          </a:prstGeom>
+          <a:noFill/>
+        </p:spPr>
+        <p:txBody>
+          <a:bodyPr wrap="square" rtlCol="0">
+            <a:spAutoFit/>
+          </a:bodyPr>
+          <a:lstStyle/>
+          <a:p>
+            <a:r>
+              <a:rPr lang="en-US" altLang="ko-KR" b="1" dirty="0">
+                <a:solidFill>
+                  <a:srgbClr val="082E59"/>
+                </a:solidFill>
+              </a:rPr>
+              <a:t>keyword</a:t>
+            </a:r>
+            <a:endParaRPr lang="ko-KR" altLang="en-US" b="1" dirty="0">
+              <a:solidFill>
+                <a:srgbClr val="082E59"/>
+              </a:solidFill>
+            </a:endParaRPr>
+          </a:p>
+        </p:txBody>
+      </p:sp>
     </p:spTree>
     <p:extLst>
       <p:ext uri="{BB962C8B-B14F-4D97-AF65-F5344CB8AC3E}">
-        <p14:creationId xmlns:p14="http://schemas.microsoft.com/office/powerpoint/2010/main" val="2958441775"/>
+        <p14:creationId xmlns:p14="http://schemas.microsoft.com/office/powerpoint/2010/main" val="2796047496"/>
       </p:ext>
     </p:extLst>
   </p:cSld>

--- a/치즈.pptx
+++ b/치즈.pptx
@@ -5,7 +5,7 @@
     <p:sldMasterId id="2147483648" r:id="rId1"/>
   </p:sldMasterIdLst>
   <p:notesMasterIdLst>
-    <p:notesMasterId r:id="rId21"/>
+    <p:notesMasterId r:id="rId23"/>
   </p:notesMasterIdLst>
   <p:sldIdLst>
     <p:sldId id="257" r:id="rId2"/>
@@ -22,11 +22,13 @@
     <p:sldId id="312" r:id="rId13"/>
     <p:sldId id="314" r:id="rId14"/>
     <p:sldId id="313" r:id="rId15"/>
-    <p:sldId id="309" r:id="rId16"/>
-    <p:sldId id="305" r:id="rId17"/>
-    <p:sldId id="306" r:id="rId18"/>
-    <p:sldId id="307" r:id="rId19"/>
-    <p:sldId id="259" r:id="rId20"/>
+    <p:sldId id="315" r:id="rId16"/>
+    <p:sldId id="316" r:id="rId17"/>
+    <p:sldId id="309" r:id="rId18"/>
+    <p:sldId id="305" r:id="rId19"/>
+    <p:sldId id="306" r:id="rId20"/>
+    <p:sldId id="307" r:id="rId21"/>
+    <p:sldId id="259" r:id="rId22"/>
   </p:sldIdLst>
   <p:sldSz cx="9144000" cy="6858000" type="screen4x3"/>
   <p:notesSz cx="6858000" cy="9144000"/>
@@ -5087,8 +5089,8 @@
     <dgm:cxn modelId="{CC8C19EB-8A1E-4863-9EA5-3B56EE438074}" type="presOf" srcId="{8DE0AC77-8284-4E9F-8BAA-56F90931C058}" destId="{36883D07-F9FA-453F-B443-43457B442261}" srcOrd="0" destOrd="0" presId="urn:microsoft.com/office/officeart/2005/8/layout/vList2"/>
     <dgm:cxn modelId="{B5E54D0D-0FFC-46F5-832D-E8CD3EA3402C}" srcId="{8DE0AC77-8284-4E9F-8BAA-56F90931C058}" destId="{A3326A00-4586-4F5E-BF73-98DB78AB97E6}" srcOrd="0" destOrd="0" parTransId="{58F5EB1D-5E93-49AA-815F-82D702490146}" sibTransId="{6A3F34EE-D280-4207-9880-D59284EE49FC}"/>
     <dgm:cxn modelId="{7FBEDB83-4896-44A5-AF3E-8490A9A80A30}" srcId="{1C572361-EB8B-44DF-A21E-3FEF48ABFEF3}" destId="{8DE0AC77-8284-4E9F-8BAA-56F90931C058}" srcOrd="0" destOrd="0" parTransId="{20B5FA60-63FD-4199-8B40-B55A822B7746}" sibTransId="{F418DA0A-5FE0-435A-9A26-A0D4F40575C6}"/>
+    <dgm:cxn modelId="{3CDF4153-7415-480D-94B8-4146D1B3F9C7}" type="presOf" srcId="{1C572361-EB8B-44DF-A21E-3FEF48ABFEF3}" destId="{6FB7898E-F165-4628-8189-1548D03B0D8C}" srcOrd="0" destOrd="0" presId="urn:microsoft.com/office/officeart/2005/8/layout/vList2"/>
     <dgm:cxn modelId="{CF960B51-3006-44DA-B579-8CAC1C79B748}" type="presOf" srcId="{A3326A00-4586-4F5E-BF73-98DB78AB97E6}" destId="{7B5FABF5-F038-4493-9853-9EE72ED15887}" srcOrd="0" destOrd="0" presId="urn:microsoft.com/office/officeart/2005/8/layout/vList2"/>
-    <dgm:cxn modelId="{3CDF4153-7415-480D-94B8-4146D1B3F9C7}" type="presOf" srcId="{1C572361-EB8B-44DF-A21E-3FEF48ABFEF3}" destId="{6FB7898E-F165-4628-8189-1548D03B0D8C}" srcOrd="0" destOrd="0" presId="urn:microsoft.com/office/officeart/2005/8/layout/vList2"/>
     <dgm:cxn modelId="{FD72AB38-7D22-4980-B330-EE7F3B4F0B14}" type="presParOf" srcId="{6FB7898E-F165-4628-8189-1548D03B0D8C}" destId="{36883D07-F9FA-453F-B443-43457B442261}" srcOrd="0" destOrd="0" presId="urn:microsoft.com/office/officeart/2005/8/layout/vList2"/>
     <dgm:cxn modelId="{847F47F5-10AA-4272-B44C-6252F24CEC4A}" type="presParOf" srcId="{6FB7898E-F165-4628-8189-1548D03B0D8C}" destId="{7B5FABF5-F038-4493-9853-9EE72ED15887}" srcOrd="1" destOrd="0" presId="urn:microsoft.com/office/officeart/2005/8/layout/vList2"/>
   </dgm:cxnLst>
@@ -5314,8 +5316,8 @@
   </dgm:ptLst>
   <dgm:cxnLst>
     <dgm:cxn modelId="{FEEA2B49-75F9-4D27-8AD9-8C3AD49C9991}" type="presOf" srcId="{A3326A00-4586-4F5E-BF73-98DB78AB97E6}" destId="{7B5FABF5-F038-4493-9853-9EE72ED15887}" srcOrd="0" destOrd="0" presId="urn:microsoft.com/office/officeart/2005/8/layout/vList2"/>
+    <dgm:cxn modelId="{3AFCA6CB-530D-41CB-8FF2-D6BBF4CB5810}" type="presOf" srcId="{1C572361-EB8B-44DF-A21E-3FEF48ABFEF3}" destId="{6FB7898E-F165-4628-8189-1548D03B0D8C}" srcOrd="0" destOrd="0" presId="urn:microsoft.com/office/officeart/2005/8/layout/vList2"/>
     <dgm:cxn modelId="{B5E54D0D-0FFC-46F5-832D-E8CD3EA3402C}" srcId="{8DE0AC77-8284-4E9F-8BAA-56F90931C058}" destId="{A3326A00-4586-4F5E-BF73-98DB78AB97E6}" srcOrd="0" destOrd="0" parTransId="{58F5EB1D-5E93-49AA-815F-82D702490146}" sibTransId="{6A3F34EE-D280-4207-9880-D59284EE49FC}"/>
-    <dgm:cxn modelId="{3AFCA6CB-530D-41CB-8FF2-D6BBF4CB5810}" type="presOf" srcId="{1C572361-EB8B-44DF-A21E-3FEF48ABFEF3}" destId="{6FB7898E-F165-4628-8189-1548D03B0D8C}" srcOrd="0" destOrd="0" presId="urn:microsoft.com/office/officeart/2005/8/layout/vList2"/>
     <dgm:cxn modelId="{D01AAF01-383A-4DE2-B36E-5E17CA7CC867}" type="presOf" srcId="{8DE0AC77-8284-4E9F-8BAA-56F90931C058}" destId="{36883D07-F9FA-453F-B443-43457B442261}" srcOrd="0" destOrd="0" presId="urn:microsoft.com/office/officeart/2005/8/layout/vList2"/>
     <dgm:cxn modelId="{7FBEDB83-4896-44A5-AF3E-8490A9A80A30}" srcId="{1C572361-EB8B-44DF-A21E-3FEF48ABFEF3}" destId="{8DE0AC77-8284-4E9F-8BAA-56F90931C058}" srcOrd="0" destOrd="0" parTransId="{20B5FA60-63FD-4199-8B40-B55A822B7746}" sibTransId="{F418DA0A-5FE0-435A-9A26-A0D4F40575C6}"/>
     <dgm:cxn modelId="{165619A4-84E6-4556-A76C-7C527A89608C}" type="presParOf" srcId="{6FB7898E-F165-4628-8189-1548D03B0D8C}" destId="{36883D07-F9FA-453F-B443-43457B442261}" srcOrd="0" destOrd="0" presId="urn:microsoft.com/office/officeart/2005/8/layout/vList2"/>
@@ -5339,726 +5341,6 @@
       <dsp:cNvGrpSpPr/>
     </dsp:nvGrpSpPr>
     <dsp:grpSpPr/>
-    <dsp:sp modelId="{889090AD-663B-4ED0-A45A-A9C709CE8D63}">
-      <dsp:nvSpPr>
-        <dsp:cNvPr id="0" name=""/>
-        <dsp:cNvSpPr/>
-      </dsp:nvSpPr>
-      <dsp:spPr>
-        <a:xfrm rot="5400000">
-          <a:off x="4325455" y="-1728475"/>
-          <a:ext cx="782637" cy="4439316"/>
-        </a:xfrm>
-        <a:prstGeom prst="round2SameRect">
-          <a:avLst/>
-        </a:prstGeom>
-        <a:solidFill>
-          <a:schemeClr val="accent1">
-            <a:alpha val="90000"/>
-            <a:tint val="40000"/>
-            <a:hueOff val="0"/>
-            <a:satOff val="0"/>
-            <a:lumOff val="0"/>
-            <a:alphaOff val="0"/>
-          </a:schemeClr>
-        </a:solidFill>
-        <a:ln w="9525" cap="flat" cmpd="sng" algn="ctr">
-          <a:solidFill>
-            <a:schemeClr val="accent1">
-              <a:alpha val="90000"/>
-              <a:tint val="40000"/>
-              <a:hueOff val="0"/>
-              <a:satOff val="0"/>
-              <a:lumOff val="0"/>
-              <a:alphaOff val="0"/>
-            </a:schemeClr>
-          </a:solidFill>
-          <a:prstDash val="solid"/>
-        </a:ln>
-        <a:effectLst/>
-      </dsp:spPr>
-      <dsp:style>
-        <a:lnRef idx="1">
-          <a:scrgbClr r="0" g="0" b="0"/>
-        </a:lnRef>
-        <a:fillRef idx="1">
-          <a:scrgbClr r="0" g="0" b="0"/>
-        </a:fillRef>
-        <a:effectRef idx="0">
-          <a:scrgbClr r="0" g="0" b="0"/>
-        </a:effectRef>
-        <a:fontRef idx="minor"/>
-      </dsp:style>
-      <dsp:txBody>
-        <a:bodyPr spcFirstLastPara="0" vert="horz" wrap="square" lIns="53340" tIns="26670" rIns="53340" bIns="26670" numCol="1" spcCol="1270" anchor="ctr" anchorCtr="0">
-          <a:noAutofit/>
-        </a:bodyPr>
-        <a:lstStyle/>
-        <a:p>
-          <a:pPr marL="114300" lvl="1" indent="-114300" algn="l" defTabSz="622300" latinLnBrk="1">
-            <a:lnSpc>
-              <a:spcPct val="90000"/>
-            </a:lnSpc>
-            <a:spcBef>
-              <a:spcPct val="0"/>
-            </a:spcBef>
-            <a:spcAft>
-              <a:spcPct val="15000"/>
-            </a:spcAft>
-            <a:buChar char="••"/>
-          </a:pPr>
-          <a:r>
-            <a:rPr lang="en-US" altLang="ko-KR" sz="1400" b="1" kern="1200" spc="0" dirty="0" smtClean="0"/>
-            <a:t> </a:t>
-          </a:r>
-          <a:r>
-            <a:rPr lang="ko-KR" altLang="en-US" sz="1400" b="1" kern="1200" spc="0" dirty="0" smtClean="0"/>
-            <a:t>내용을 입력하세요</a:t>
-          </a:r>
-          <a:endParaRPr lang="ko-KR" altLang="en-US" sz="1400" b="1" kern="1200" spc="0" dirty="0"/>
-        </a:p>
-      </dsp:txBody>
-      <dsp:txXfrm rot="-5400000">
-        <a:off x="2497116" y="138069"/>
-        <a:ext cx="4401111" cy="706227"/>
-      </dsp:txXfrm>
-    </dsp:sp>
-    <dsp:sp modelId="{D59B156A-B76E-465B-AC78-6FFB87E3D610}">
-      <dsp:nvSpPr>
-        <dsp:cNvPr id="0" name=""/>
-        <dsp:cNvSpPr/>
-      </dsp:nvSpPr>
-      <dsp:spPr>
-        <a:xfrm>
-          <a:off x="0" y="2033"/>
-          <a:ext cx="2497115" cy="978296"/>
-        </a:xfrm>
-        <a:prstGeom prst="roundRect">
-          <a:avLst/>
-        </a:prstGeom>
-        <a:gradFill rotWithShape="0">
-          <a:gsLst>
-            <a:gs pos="100000">
-              <a:srgbClr val="FFCC00"/>
-            </a:gs>
-            <a:gs pos="100000">
-              <a:schemeClr val="accent1">
-                <a:hueOff val="0"/>
-                <a:satOff val="0"/>
-                <a:lumOff val="0"/>
-                <a:alphaOff val="0"/>
-                <a:shade val="93000"/>
-                <a:satMod val="130000"/>
-              </a:schemeClr>
-            </a:gs>
-            <a:gs pos="100000">
-              <a:schemeClr val="accent1">
-                <a:hueOff val="0"/>
-                <a:satOff val="0"/>
-                <a:lumOff val="0"/>
-                <a:alphaOff val="0"/>
-                <a:shade val="94000"/>
-                <a:satMod val="135000"/>
-              </a:schemeClr>
-            </a:gs>
-          </a:gsLst>
-          <a:lin ang="16200000" scaled="0"/>
-        </a:gradFill>
-        <a:ln>
-          <a:noFill/>
-        </a:ln>
-        <a:effectLst>
-          <a:outerShdw blurRad="40000" dist="23000" dir="5400000" rotWithShape="0">
-            <a:srgbClr val="000000">
-              <a:alpha val="35000"/>
-            </a:srgbClr>
-          </a:outerShdw>
-        </a:effectLst>
-      </dsp:spPr>
-      <dsp:style>
-        <a:lnRef idx="0">
-          <a:scrgbClr r="0" g="0" b="0"/>
-        </a:lnRef>
-        <a:fillRef idx="3">
-          <a:scrgbClr r="0" g="0" b="0"/>
-        </a:fillRef>
-        <a:effectRef idx="2">
-          <a:scrgbClr r="0" g="0" b="0"/>
-        </a:effectRef>
-        <a:fontRef idx="minor">
-          <a:schemeClr val="lt1"/>
-        </a:fontRef>
-      </dsp:style>
-      <dsp:txBody>
-        <a:bodyPr spcFirstLastPara="0" vert="horz" wrap="square" lIns="137160" tIns="68580" rIns="137160" bIns="68580" numCol="1" spcCol="1270" anchor="ctr" anchorCtr="0">
-          <a:noAutofit/>
-        </a:bodyPr>
-        <a:lstStyle/>
-        <a:p>
-          <a:pPr lvl="0" algn="ctr" defTabSz="1600200" latinLnBrk="1">
-            <a:lnSpc>
-              <a:spcPct val="90000"/>
-            </a:lnSpc>
-            <a:spcBef>
-              <a:spcPct val="0"/>
-            </a:spcBef>
-            <a:spcAft>
-              <a:spcPct val="35000"/>
-            </a:spcAft>
-          </a:pPr>
-          <a:r>
-            <a:rPr lang="ko-KR" altLang="en-US" sz="3600" b="1" kern="1200" spc="0" dirty="0" smtClean="0"/>
-            <a:t>김다영</a:t>
-          </a:r>
-          <a:endParaRPr lang="ko-KR" altLang="en-US" sz="3600" b="1" kern="1200" spc="0" dirty="0"/>
-        </a:p>
-      </dsp:txBody>
-      <dsp:txXfrm>
-        <a:off x="47756" y="49789"/>
-        <a:ext cx="2401603" cy="882784"/>
-      </dsp:txXfrm>
-    </dsp:sp>
-    <dsp:sp modelId="{F84BF070-0916-463F-A778-9C5D3B8EA536}">
-      <dsp:nvSpPr>
-        <dsp:cNvPr id="0" name=""/>
-        <dsp:cNvSpPr/>
-      </dsp:nvSpPr>
-      <dsp:spPr>
-        <a:xfrm rot="5400000">
-          <a:off x="4325455" y="-701264"/>
-          <a:ext cx="782637" cy="4439316"/>
-        </a:xfrm>
-        <a:prstGeom prst="round2SameRect">
-          <a:avLst/>
-        </a:prstGeom>
-        <a:solidFill>
-          <a:schemeClr val="accent1">
-            <a:alpha val="90000"/>
-            <a:tint val="40000"/>
-            <a:hueOff val="0"/>
-            <a:satOff val="0"/>
-            <a:lumOff val="0"/>
-            <a:alphaOff val="0"/>
-          </a:schemeClr>
-        </a:solidFill>
-        <a:ln w="9525" cap="flat" cmpd="sng" algn="ctr">
-          <a:solidFill>
-            <a:schemeClr val="accent1">
-              <a:alpha val="90000"/>
-              <a:tint val="40000"/>
-              <a:hueOff val="0"/>
-              <a:satOff val="0"/>
-              <a:lumOff val="0"/>
-              <a:alphaOff val="0"/>
-            </a:schemeClr>
-          </a:solidFill>
-          <a:prstDash val="solid"/>
-        </a:ln>
-        <a:effectLst/>
-      </dsp:spPr>
-      <dsp:style>
-        <a:lnRef idx="1">
-          <a:scrgbClr r="0" g="0" b="0"/>
-        </a:lnRef>
-        <a:fillRef idx="1">
-          <a:scrgbClr r="0" g="0" b="0"/>
-        </a:fillRef>
-        <a:effectRef idx="0">
-          <a:scrgbClr r="0" g="0" b="0"/>
-        </a:effectRef>
-        <a:fontRef idx="minor"/>
-      </dsp:style>
-      <dsp:txBody>
-        <a:bodyPr spcFirstLastPara="0" vert="horz" wrap="square" lIns="53340" tIns="26670" rIns="53340" bIns="26670" numCol="1" spcCol="1270" anchor="ctr" anchorCtr="0">
-          <a:noAutofit/>
-        </a:bodyPr>
-        <a:lstStyle/>
-        <a:p>
-          <a:pPr marL="114300" lvl="1" indent="-114300" algn="l" defTabSz="622300" latinLnBrk="1">
-            <a:lnSpc>
-              <a:spcPct val="90000"/>
-            </a:lnSpc>
-            <a:spcBef>
-              <a:spcPct val="0"/>
-            </a:spcBef>
-            <a:spcAft>
-              <a:spcPct val="15000"/>
-            </a:spcAft>
-            <a:buChar char="••"/>
-          </a:pPr>
-          <a:r>
-            <a:rPr lang="ko-KR" altLang="en-US" sz="1400" b="1" kern="1200" spc="0" dirty="0" smtClean="0"/>
-            <a:t>내용을 입력하세요</a:t>
-          </a:r>
-        </a:p>
-      </dsp:txBody>
-      <dsp:txXfrm rot="-5400000">
-        <a:off x="2497116" y="1165280"/>
-        <a:ext cx="4401111" cy="706227"/>
-      </dsp:txXfrm>
-    </dsp:sp>
-    <dsp:sp modelId="{52CE7F3C-B24D-43C6-A33A-C1F200B79BDA}">
-      <dsp:nvSpPr>
-        <dsp:cNvPr id="0" name=""/>
-        <dsp:cNvSpPr/>
-      </dsp:nvSpPr>
-      <dsp:spPr>
-        <a:xfrm>
-          <a:off x="0" y="1029245"/>
-          <a:ext cx="2497115" cy="978296"/>
-        </a:xfrm>
-        <a:prstGeom prst="roundRect">
-          <a:avLst/>
-        </a:prstGeom>
-        <a:gradFill rotWithShape="0">
-          <a:gsLst>
-            <a:gs pos="100000">
-              <a:srgbClr val="FFCC00"/>
-            </a:gs>
-            <a:gs pos="100000">
-              <a:schemeClr val="accent1">
-                <a:hueOff val="0"/>
-                <a:satOff val="0"/>
-                <a:lumOff val="0"/>
-                <a:alphaOff val="0"/>
-                <a:shade val="93000"/>
-                <a:satMod val="130000"/>
-              </a:schemeClr>
-            </a:gs>
-            <a:gs pos="100000">
-              <a:schemeClr val="accent1">
-                <a:hueOff val="0"/>
-                <a:satOff val="0"/>
-                <a:lumOff val="0"/>
-                <a:alphaOff val="0"/>
-                <a:shade val="94000"/>
-                <a:satMod val="135000"/>
-              </a:schemeClr>
-            </a:gs>
-          </a:gsLst>
-          <a:lin ang="16200000" scaled="0"/>
-        </a:gradFill>
-        <a:ln>
-          <a:noFill/>
-        </a:ln>
-        <a:effectLst>
-          <a:outerShdw blurRad="40000" dist="23000" dir="5400000" rotWithShape="0">
-            <a:srgbClr val="000000">
-              <a:alpha val="35000"/>
-            </a:srgbClr>
-          </a:outerShdw>
-        </a:effectLst>
-      </dsp:spPr>
-      <dsp:style>
-        <a:lnRef idx="0">
-          <a:scrgbClr r="0" g="0" b="0"/>
-        </a:lnRef>
-        <a:fillRef idx="3">
-          <a:scrgbClr r="0" g="0" b="0"/>
-        </a:fillRef>
-        <a:effectRef idx="2">
-          <a:scrgbClr r="0" g="0" b="0"/>
-        </a:effectRef>
-        <a:fontRef idx="minor">
-          <a:schemeClr val="lt1"/>
-        </a:fontRef>
-      </dsp:style>
-      <dsp:txBody>
-        <a:bodyPr spcFirstLastPara="0" vert="horz" wrap="square" lIns="137160" tIns="68580" rIns="137160" bIns="68580" numCol="1" spcCol="1270" anchor="ctr" anchorCtr="0">
-          <a:noAutofit/>
-        </a:bodyPr>
-        <a:lstStyle/>
-        <a:p>
-          <a:pPr lvl="0" algn="ctr" defTabSz="1600200" latinLnBrk="1">
-            <a:lnSpc>
-              <a:spcPct val="90000"/>
-            </a:lnSpc>
-            <a:spcBef>
-              <a:spcPct val="0"/>
-            </a:spcBef>
-            <a:spcAft>
-              <a:spcPct val="35000"/>
-            </a:spcAft>
-          </a:pPr>
-          <a:r>
-            <a:rPr lang="ko-KR" altLang="en-US" sz="3600" b="1" kern="1200" spc="0" dirty="0" smtClean="0"/>
-            <a:t>김민기</a:t>
-          </a:r>
-        </a:p>
-      </dsp:txBody>
-      <dsp:txXfrm>
-        <a:off x="47756" y="1077001"/>
-        <a:ext cx="2401603" cy="882784"/>
-      </dsp:txXfrm>
-    </dsp:sp>
-    <dsp:sp modelId="{1352640B-BD9A-4EB6-9204-F6D0955D4FA3}">
-      <dsp:nvSpPr>
-        <dsp:cNvPr id="0" name=""/>
-        <dsp:cNvSpPr/>
-      </dsp:nvSpPr>
-      <dsp:spPr>
-        <a:xfrm rot="5400000">
-          <a:off x="4325455" y="325947"/>
-          <a:ext cx="782637" cy="4439316"/>
-        </a:xfrm>
-        <a:prstGeom prst="round2SameRect">
-          <a:avLst/>
-        </a:prstGeom>
-        <a:solidFill>
-          <a:schemeClr val="accent1">
-            <a:alpha val="90000"/>
-            <a:tint val="40000"/>
-            <a:hueOff val="0"/>
-            <a:satOff val="0"/>
-            <a:lumOff val="0"/>
-            <a:alphaOff val="0"/>
-          </a:schemeClr>
-        </a:solidFill>
-        <a:ln w="9525" cap="flat" cmpd="sng" algn="ctr">
-          <a:solidFill>
-            <a:schemeClr val="accent1">
-              <a:alpha val="90000"/>
-              <a:tint val="40000"/>
-              <a:hueOff val="0"/>
-              <a:satOff val="0"/>
-              <a:lumOff val="0"/>
-              <a:alphaOff val="0"/>
-            </a:schemeClr>
-          </a:solidFill>
-          <a:prstDash val="solid"/>
-        </a:ln>
-        <a:effectLst/>
-      </dsp:spPr>
-      <dsp:style>
-        <a:lnRef idx="1">
-          <a:scrgbClr r="0" g="0" b="0"/>
-        </a:lnRef>
-        <a:fillRef idx="1">
-          <a:scrgbClr r="0" g="0" b="0"/>
-        </a:fillRef>
-        <a:effectRef idx="0">
-          <a:scrgbClr r="0" g="0" b="0"/>
-        </a:effectRef>
-        <a:fontRef idx="minor"/>
-      </dsp:style>
-      <dsp:txBody>
-        <a:bodyPr spcFirstLastPara="0" vert="horz" wrap="square" lIns="53340" tIns="26670" rIns="53340" bIns="26670" numCol="1" spcCol="1270" anchor="ctr" anchorCtr="0">
-          <a:noAutofit/>
-        </a:bodyPr>
-        <a:lstStyle/>
-        <a:p>
-          <a:pPr marL="114300" lvl="1" indent="-114300" algn="l" defTabSz="622300" latinLnBrk="1">
-            <a:lnSpc>
-              <a:spcPct val="90000"/>
-            </a:lnSpc>
-            <a:spcBef>
-              <a:spcPct val="0"/>
-            </a:spcBef>
-            <a:spcAft>
-              <a:spcPct val="15000"/>
-            </a:spcAft>
-            <a:buChar char="••"/>
-          </a:pPr>
-          <a:r>
-            <a:rPr lang="ko-KR" altLang="en-US" sz="1400" b="1" kern="1200" dirty="0" smtClean="0"/>
-            <a:t>내용을 입력하세요</a:t>
-          </a:r>
-          <a:endParaRPr lang="ko-KR" altLang="en-US" sz="1400" b="1" kern="1200" spc="0" dirty="0" smtClean="0"/>
-        </a:p>
-        <a:p>
-          <a:pPr marL="114300" lvl="1" indent="-114300" algn="l" defTabSz="622300" latinLnBrk="1">
-            <a:lnSpc>
-              <a:spcPct val="90000"/>
-            </a:lnSpc>
-            <a:spcBef>
-              <a:spcPct val="0"/>
-            </a:spcBef>
-            <a:spcAft>
-              <a:spcPct val="15000"/>
-            </a:spcAft>
-            <a:buChar char="••"/>
-          </a:pPr>
-          <a:r>
-            <a:rPr lang="en-US" altLang="ko-KR" sz="1400" b="1" kern="1200" dirty="0" smtClean="0"/>
-            <a:t>http://minheeblog.tistory.com/category/PPT</a:t>
-          </a:r>
-          <a:endParaRPr lang="ko-KR" altLang="en-US" sz="1400" b="1" kern="1200" dirty="0"/>
-        </a:p>
-      </dsp:txBody>
-      <dsp:txXfrm rot="-5400000">
-        <a:off x="2497116" y="2192492"/>
-        <a:ext cx="4401111" cy="706227"/>
-      </dsp:txXfrm>
-    </dsp:sp>
-    <dsp:sp modelId="{0058D970-AB5F-4005-955F-6389A8C86A2B}">
-      <dsp:nvSpPr>
-        <dsp:cNvPr id="0" name=""/>
-        <dsp:cNvSpPr/>
-      </dsp:nvSpPr>
-      <dsp:spPr>
-        <a:xfrm>
-          <a:off x="0" y="2056457"/>
-          <a:ext cx="2497115" cy="978296"/>
-        </a:xfrm>
-        <a:prstGeom prst="roundRect">
-          <a:avLst/>
-        </a:prstGeom>
-        <a:gradFill rotWithShape="0">
-          <a:gsLst>
-            <a:gs pos="100000">
-              <a:srgbClr val="FFCC00"/>
-            </a:gs>
-            <a:gs pos="100000">
-              <a:schemeClr val="accent1">
-                <a:hueOff val="0"/>
-                <a:satOff val="0"/>
-                <a:lumOff val="0"/>
-                <a:alphaOff val="0"/>
-                <a:shade val="93000"/>
-                <a:satMod val="130000"/>
-              </a:schemeClr>
-            </a:gs>
-            <a:gs pos="100000">
-              <a:schemeClr val="accent1">
-                <a:hueOff val="0"/>
-                <a:satOff val="0"/>
-                <a:lumOff val="0"/>
-                <a:alphaOff val="0"/>
-                <a:shade val="94000"/>
-                <a:satMod val="135000"/>
-              </a:schemeClr>
-            </a:gs>
-          </a:gsLst>
-          <a:lin ang="16200000" scaled="0"/>
-        </a:gradFill>
-        <a:ln>
-          <a:noFill/>
-        </a:ln>
-        <a:effectLst>
-          <a:outerShdw blurRad="40000" dist="23000" dir="5400000" rotWithShape="0">
-            <a:srgbClr val="000000">
-              <a:alpha val="35000"/>
-            </a:srgbClr>
-          </a:outerShdw>
-        </a:effectLst>
-      </dsp:spPr>
-      <dsp:style>
-        <a:lnRef idx="0">
-          <a:scrgbClr r="0" g="0" b="0"/>
-        </a:lnRef>
-        <a:fillRef idx="3">
-          <a:scrgbClr r="0" g="0" b="0"/>
-        </a:fillRef>
-        <a:effectRef idx="2">
-          <a:scrgbClr r="0" g="0" b="0"/>
-        </a:effectRef>
-        <a:fontRef idx="minor">
-          <a:schemeClr val="lt1"/>
-        </a:fontRef>
-      </dsp:style>
-      <dsp:txBody>
-        <a:bodyPr spcFirstLastPara="0" vert="horz" wrap="square" lIns="137160" tIns="68580" rIns="137160" bIns="68580" numCol="1" spcCol="1270" anchor="ctr" anchorCtr="0">
-          <a:noAutofit/>
-        </a:bodyPr>
-        <a:lstStyle/>
-        <a:p>
-          <a:pPr lvl="0" algn="ctr" defTabSz="1600200" latinLnBrk="1">
-            <a:lnSpc>
-              <a:spcPct val="90000"/>
-            </a:lnSpc>
-            <a:spcBef>
-              <a:spcPct val="0"/>
-            </a:spcBef>
-            <a:spcAft>
-              <a:spcPct val="35000"/>
-            </a:spcAft>
-          </a:pPr>
-          <a:r>
-            <a:rPr lang="ko-KR" altLang="en-US" sz="3600" b="1" kern="1200" spc="0" dirty="0" smtClean="0"/>
-            <a:t>서준영</a:t>
-          </a:r>
-        </a:p>
-      </dsp:txBody>
-      <dsp:txXfrm>
-        <a:off x="47756" y="2104213"/>
-        <a:ext cx="2401603" cy="882784"/>
-      </dsp:txXfrm>
-    </dsp:sp>
-    <dsp:sp modelId="{B99CF148-F226-427D-8253-0FCF5DEE009B}">
-      <dsp:nvSpPr>
-        <dsp:cNvPr id="0" name=""/>
-        <dsp:cNvSpPr/>
-      </dsp:nvSpPr>
-      <dsp:spPr>
-        <a:xfrm rot="5400000">
-          <a:off x="4325455" y="1353159"/>
-          <a:ext cx="782637" cy="4439316"/>
-        </a:xfrm>
-        <a:prstGeom prst="round2SameRect">
-          <a:avLst/>
-        </a:prstGeom>
-        <a:solidFill>
-          <a:schemeClr val="accent1">
-            <a:alpha val="90000"/>
-            <a:tint val="40000"/>
-            <a:hueOff val="0"/>
-            <a:satOff val="0"/>
-            <a:lumOff val="0"/>
-            <a:alphaOff val="0"/>
-          </a:schemeClr>
-        </a:solidFill>
-        <a:ln w="9525" cap="flat" cmpd="sng" algn="ctr">
-          <a:solidFill>
-            <a:schemeClr val="accent1">
-              <a:alpha val="90000"/>
-              <a:tint val="40000"/>
-              <a:hueOff val="0"/>
-              <a:satOff val="0"/>
-              <a:lumOff val="0"/>
-              <a:alphaOff val="0"/>
-            </a:schemeClr>
-          </a:solidFill>
-          <a:prstDash val="solid"/>
-        </a:ln>
-        <a:effectLst/>
-      </dsp:spPr>
-      <dsp:style>
-        <a:lnRef idx="1">
-          <a:scrgbClr r="0" g="0" b="0"/>
-        </a:lnRef>
-        <a:fillRef idx="1">
-          <a:scrgbClr r="0" g="0" b="0"/>
-        </a:fillRef>
-        <a:effectRef idx="0">
-          <a:scrgbClr r="0" g="0" b="0"/>
-        </a:effectRef>
-        <a:fontRef idx="minor"/>
-      </dsp:style>
-      <dsp:txBody>
-        <a:bodyPr spcFirstLastPara="0" vert="horz" wrap="square" lIns="53340" tIns="26670" rIns="53340" bIns="26670" numCol="1" spcCol="1270" anchor="ctr" anchorCtr="0">
-          <a:noAutofit/>
-        </a:bodyPr>
-        <a:lstStyle/>
-        <a:p>
-          <a:pPr marL="114300" lvl="1" indent="-114300" algn="l" defTabSz="622300" latinLnBrk="1">
-            <a:lnSpc>
-              <a:spcPct val="90000"/>
-            </a:lnSpc>
-            <a:spcBef>
-              <a:spcPct val="0"/>
-            </a:spcBef>
-            <a:spcAft>
-              <a:spcPct val="15000"/>
-            </a:spcAft>
-            <a:buChar char="••"/>
-          </a:pPr>
-          <a:r>
-            <a:rPr lang="ko-KR" altLang="en-US" sz="1400" b="1" kern="1200" spc="0" dirty="0" smtClean="0"/>
-            <a:t>내용을 입력하세요</a:t>
-          </a:r>
-          <a:endParaRPr lang="ko-KR" altLang="en-US" sz="1400" kern="1200" spc="0" dirty="0" smtClean="0"/>
-        </a:p>
-      </dsp:txBody>
-      <dsp:txXfrm rot="-5400000">
-        <a:off x="2497116" y="3219704"/>
-        <a:ext cx="4401111" cy="706227"/>
-      </dsp:txXfrm>
-    </dsp:sp>
-    <dsp:sp modelId="{86A961B4-81A6-4386-9A79-8FC1FF3B4763}">
-      <dsp:nvSpPr>
-        <dsp:cNvPr id="0" name=""/>
-        <dsp:cNvSpPr/>
-      </dsp:nvSpPr>
-      <dsp:spPr>
-        <a:xfrm>
-          <a:off x="0" y="3083669"/>
-          <a:ext cx="2497115" cy="978296"/>
-        </a:xfrm>
-        <a:prstGeom prst="roundRect">
-          <a:avLst/>
-        </a:prstGeom>
-        <a:gradFill rotWithShape="0">
-          <a:gsLst>
-            <a:gs pos="100000">
-              <a:srgbClr val="FFCC00"/>
-            </a:gs>
-            <a:gs pos="100000">
-              <a:schemeClr val="accent1">
-                <a:hueOff val="0"/>
-                <a:satOff val="0"/>
-                <a:lumOff val="0"/>
-                <a:alphaOff val="0"/>
-                <a:shade val="93000"/>
-                <a:satMod val="130000"/>
-              </a:schemeClr>
-            </a:gs>
-            <a:gs pos="100000">
-              <a:schemeClr val="accent1">
-                <a:hueOff val="0"/>
-                <a:satOff val="0"/>
-                <a:lumOff val="0"/>
-                <a:alphaOff val="0"/>
-                <a:shade val="94000"/>
-                <a:satMod val="135000"/>
-              </a:schemeClr>
-            </a:gs>
-          </a:gsLst>
-          <a:lin ang="16200000" scaled="0"/>
-        </a:gradFill>
-        <a:ln>
-          <a:noFill/>
-        </a:ln>
-        <a:effectLst>
-          <a:outerShdw blurRad="40000" dist="23000" dir="5400000" rotWithShape="0">
-            <a:srgbClr val="000000">
-              <a:alpha val="35000"/>
-            </a:srgbClr>
-          </a:outerShdw>
-        </a:effectLst>
-      </dsp:spPr>
-      <dsp:style>
-        <a:lnRef idx="0">
-          <a:scrgbClr r="0" g="0" b="0"/>
-        </a:lnRef>
-        <a:fillRef idx="3">
-          <a:scrgbClr r="0" g="0" b="0"/>
-        </a:fillRef>
-        <a:effectRef idx="2">
-          <a:scrgbClr r="0" g="0" b="0"/>
-        </a:effectRef>
-        <a:fontRef idx="minor">
-          <a:schemeClr val="lt1"/>
-        </a:fontRef>
-      </dsp:style>
-      <dsp:txBody>
-        <a:bodyPr spcFirstLastPara="0" vert="horz" wrap="square" lIns="137160" tIns="68580" rIns="137160" bIns="68580" numCol="1" spcCol="1270" anchor="ctr" anchorCtr="0">
-          <a:noAutofit/>
-        </a:bodyPr>
-        <a:lstStyle/>
-        <a:p>
-          <a:pPr lvl="0" algn="ctr" defTabSz="1600200" latinLnBrk="1">
-            <a:lnSpc>
-              <a:spcPct val="90000"/>
-            </a:lnSpc>
-            <a:spcBef>
-              <a:spcPct val="0"/>
-            </a:spcBef>
-            <a:spcAft>
-              <a:spcPct val="35000"/>
-            </a:spcAft>
-          </a:pPr>
-          <a:r>
-            <a:rPr lang="ko-KR" altLang="en-US" sz="3600" b="1" kern="1200" spc="0" dirty="0" smtClean="0"/>
-            <a:t>이수진</a:t>
-          </a:r>
-          <a:endParaRPr lang="en-US" altLang="ko-KR" sz="3600" b="1" kern="1200" spc="0" dirty="0" smtClean="0"/>
-        </a:p>
-      </dsp:txBody>
-      <dsp:txXfrm>
-        <a:off x="47756" y="3131425"/>
-        <a:ext cx="2401603" cy="882784"/>
-      </dsp:txXfrm>
-    </dsp:sp>
   </dsp:spTree>
 </dsp:drawing>
 </file>
@@ -6071,309 +5353,6 @@
       <dsp:cNvGrpSpPr/>
     </dsp:nvGrpSpPr>
     <dsp:grpSpPr/>
-    <dsp:sp modelId="{36883D07-F9FA-453F-B443-43457B442261}">
-      <dsp:nvSpPr>
-        <dsp:cNvPr id="0" name=""/>
-        <dsp:cNvSpPr/>
-      </dsp:nvSpPr>
-      <dsp:spPr>
-        <a:xfrm>
-          <a:off x="0" y="18628"/>
-          <a:ext cx="7488832" cy="878377"/>
-        </a:xfrm>
-        <a:prstGeom prst="roundRect">
-          <a:avLst/>
-        </a:prstGeom>
-        <a:gradFill rotWithShape="0">
-          <a:gsLst>
-            <a:gs pos="100000">
-              <a:srgbClr val="FFCC00"/>
-            </a:gs>
-            <a:gs pos="100000">
-              <a:schemeClr val="accent1">
-                <a:hueOff val="0"/>
-                <a:satOff val="0"/>
-                <a:lumOff val="0"/>
-                <a:alphaOff val="0"/>
-                <a:shade val="94000"/>
-                <a:satMod val="135000"/>
-              </a:schemeClr>
-            </a:gs>
-          </a:gsLst>
-          <a:lin ang="16200000" scaled="0"/>
-        </a:gradFill>
-        <a:ln>
-          <a:noFill/>
-        </a:ln>
-        <a:effectLst>
-          <a:outerShdw blurRad="40000" dist="23000" dir="5400000" rotWithShape="0">
-            <a:srgbClr val="000000">
-              <a:alpha val="35000"/>
-            </a:srgbClr>
-          </a:outerShdw>
-        </a:effectLst>
-      </dsp:spPr>
-      <dsp:style>
-        <a:lnRef idx="0">
-          <a:scrgbClr r="0" g="0" b="0"/>
-        </a:lnRef>
-        <a:fillRef idx="3">
-          <a:scrgbClr r="0" g="0" b="0"/>
-        </a:fillRef>
-        <a:effectRef idx="2">
-          <a:scrgbClr r="0" g="0" b="0"/>
-        </a:effectRef>
-        <a:fontRef idx="minor">
-          <a:schemeClr val="lt1"/>
-        </a:fontRef>
-      </dsp:style>
-      <dsp:txBody>
-        <a:bodyPr spcFirstLastPara="0" vert="horz" wrap="square" lIns="106680" tIns="106680" rIns="106680" bIns="106680" numCol="1" spcCol="1270" anchor="ctr" anchorCtr="0">
-          <a:noAutofit/>
-        </a:bodyPr>
-        <a:lstStyle/>
-        <a:p>
-          <a:pPr lvl="0" algn="l" defTabSz="1244600" latinLnBrk="1">
-            <a:lnSpc>
-              <a:spcPct val="90000"/>
-            </a:lnSpc>
-            <a:spcBef>
-              <a:spcPct val="0"/>
-            </a:spcBef>
-            <a:spcAft>
-              <a:spcPct val="35000"/>
-            </a:spcAft>
-          </a:pPr>
-          <a:r>
-            <a:rPr lang="ko-KR" altLang="en-US" sz="2800" b="1" kern="1200" dirty="0" smtClean="0"/>
-            <a:t>프로젝트 주제</a:t>
-          </a:r>
-          <a:endParaRPr lang="ko-KR" altLang="en-US" sz="2800" kern="1200" dirty="0"/>
-        </a:p>
-      </dsp:txBody>
-      <dsp:txXfrm>
-        <a:off x="42879" y="61507"/>
-        <a:ext cx="7403074" cy="792619"/>
-      </dsp:txXfrm>
-    </dsp:sp>
-    <dsp:sp modelId="{7B5FABF5-F038-4493-9853-9EE72ED15887}">
-      <dsp:nvSpPr>
-        <dsp:cNvPr id="0" name=""/>
-        <dsp:cNvSpPr/>
-      </dsp:nvSpPr>
-      <dsp:spPr>
-        <a:xfrm>
-          <a:off x="0" y="897006"/>
-          <a:ext cx="7488832" cy="507150"/>
-        </a:xfrm>
-        <a:prstGeom prst="rect">
-          <a:avLst/>
-        </a:prstGeom>
-        <a:noFill/>
-        <a:ln>
-          <a:noFill/>
-        </a:ln>
-        <a:effectLst/>
-      </dsp:spPr>
-      <dsp:style>
-        <a:lnRef idx="0">
-          <a:scrgbClr r="0" g="0" b="0"/>
-        </a:lnRef>
-        <a:fillRef idx="0">
-          <a:scrgbClr r="0" g="0" b="0"/>
-        </a:fillRef>
-        <a:effectRef idx="0">
-          <a:scrgbClr r="0" g="0" b="0"/>
-        </a:effectRef>
-        <a:fontRef idx="minor"/>
-      </dsp:style>
-      <dsp:txBody>
-        <a:bodyPr spcFirstLastPara="0" vert="horz" wrap="square" lIns="237770" tIns="35560" rIns="199136" bIns="35560" numCol="1" spcCol="1270" anchor="t" anchorCtr="0">
-          <a:noAutofit/>
-        </a:bodyPr>
-        <a:lstStyle/>
-        <a:p>
-          <a:pPr marL="228600" lvl="1" indent="-228600" algn="l" defTabSz="977900" latinLnBrk="1">
-            <a:lnSpc>
-              <a:spcPct val="90000"/>
-            </a:lnSpc>
-            <a:spcBef>
-              <a:spcPct val="0"/>
-            </a:spcBef>
-            <a:spcAft>
-              <a:spcPct val="20000"/>
-            </a:spcAft>
-            <a:buChar char="••"/>
-          </a:pPr>
-          <a:r>
-            <a:rPr lang="ko-KR" altLang="en-US" sz="2200" b="1" kern="1200" dirty="0" smtClean="0"/>
-            <a:t>유명 치즈케이크 </a:t>
-          </a:r>
-          <a:r>
-            <a:rPr lang="ko-KR" altLang="en-US" sz="2200" b="1" kern="1200" dirty="0" err="1" smtClean="0"/>
-            <a:t>맛집</a:t>
-          </a:r>
-          <a:r>
-            <a:rPr lang="ko-KR" altLang="en-US" sz="2200" b="1" kern="1200" dirty="0" smtClean="0"/>
-            <a:t> 찾기</a:t>
-          </a:r>
-          <a:endParaRPr lang="ko-KR" altLang="en-US" sz="2200" kern="1200" dirty="0"/>
-        </a:p>
-      </dsp:txBody>
-      <dsp:txXfrm>
-        <a:off x="0" y="897006"/>
-        <a:ext cx="7488832" cy="507150"/>
-      </dsp:txXfrm>
-    </dsp:sp>
-    <dsp:sp modelId="{DCA69EE7-7518-452A-9B05-6BBFE7933FCF}">
-      <dsp:nvSpPr>
-        <dsp:cNvPr id="0" name=""/>
-        <dsp:cNvSpPr/>
-      </dsp:nvSpPr>
-      <dsp:spPr>
-        <a:xfrm>
-          <a:off x="0" y="1404156"/>
-          <a:ext cx="7488832" cy="878377"/>
-        </a:xfrm>
-        <a:prstGeom prst="roundRect">
-          <a:avLst/>
-        </a:prstGeom>
-        <a:gradFill rotWithShape="0">
-          <a:gsLst>
-            <a:gs pos="100000">
-              <a:srgbClr val="FFCC00"/>
-            </a:gs>
-            <a:gs pos="100000">
-              <a:srgbClr val="FFC000"/>
-            </a:gs>
-            <a:gs pos="100000">
-              <a:schemeClr val="accent1">
-                <a:hueOff val="0"/>
-                <a:satOff val="0"/>
-                <a:lumOff val="0"/>
-                <a:alphaOff val="0"/>
-                <a:shade val="94000"/>
-                <a:satMod val="135000"/>
-              </a:schemeClr>
-            </a:gs>
-          </a:gsLst>
-          <a:lin ang="16200000" scaled="0"/>
-        </a:gradFill>
-        <a:ln>
-          <a:noFill/>
-        </a:ln>
-        <a:effectLst>
-          <a:outerShdw blurRad="40000" dist="23000" dir="5400000" rotWithShape="0">
-            <a:srgbClr val="000000">
-              <a:alpha val="35000"/>
-            </a:srgbClr>
-          </a:outerShdw>
-        </a:effectLst>
-      </dsp:spPr>
-      <dsp:style>
-        <a:lnRef idx="0">
-          <a:scrgbClr r="0" g="0" b="0"/>
-        </a:lnRef>
-        <a:fillRef idx="3">
-          <a:scrgbClr r="0" g="0" b="0"/>
-        </a:fillRef>
-        <a:effectRef idx="2">
-          <a:scrgbClr r="0" g="0" b="0"/>
-        </a:effectRef>
-        <a:fontRef idx="minor">
-          <a:schemeClr val="lt1"/>
-        </a:fontRef>
-      </dsp:style>
-      <dsp:txBody>
-        <a:bodyPr spcFirstLastPara="0" vert="horz" wrap="square" lIns="106680" tIns="106680" rIns="106680" bIns="106680" numCol="1" spcCol="1270" anchor="ctr" anchorCtr="0">
-          <a:noAutofit/>
-        </a:bodyPr>
-        <a:lstStyle/>
-        <a:p>
-          <a:pPr lvl="0" algn="l" defTabSz="1244600" latinLnBrk="1">
-            <a:lnSpc>
-              <a:spcPct val="90000"/>
-            </a:lnSpc>
-            <a:spcBef>
-              <a:spcPct val="0"/>
-            </a:spcBef>
-            <a:spcAft>
-              <a:spcPct val="35000"/>
-            </a:spcAft>
-          </a:pPr>
-          <a:r>
-            <a:rPr lang="ko-KR" altLang="en-US" sz="2800" b="1" kern="1200" dirty="0" smtClean="0"/>
-            <a:t>분석목적</a:t>
-          </a:r>
-          <a:endParaRPr lang="en-US" altLang="ko-KR" sz="2800" b="1" kern="1200" dirty="0"/>
-        </a:p>
-      </dsp:txBody>
-      <dsp:txXfrm>
-        <a:off x="42879" y="1447035"/>
-        <a:ext cx="7403074" cy="792619"/>
-      </dsp:txXfrm>
-    </dsp:sp>
-    <dsp:sp modelId="{1BF8E976-FB6D-4F3E-929E-7096ED7134CB}">
-      <dsp:nvSpPr>
-        <dsp:cNvPr id="0" name=""/>
-        <dsp:cNvSpPr/>
-      </dsp:nvSpPr>
-      <dsp:spPr>
-        <a:xfrm>
-          <a:off x="0" y="2282533"/>
-          <a:ext cx="7488832" cy="507150"/>
-        </a:xfrm>
-        <a:prstGeom prst="rect">
-          <a:avLst/>
-        </a:prstGeom>
-        <a:noFill/>
-        <a:ln>
-          <a:noFill/>
-        </a:ln>
-        <a:effectLst/>
-      </dsp:spPr>
-      <dsp:style>
-        <a:lnRef idx="0">
-          <a:scrgbClr r="0" g="0" b="0"/>
-        </a:lnRef>
-        <a:fillRef idx="0">
-          <a:scrgbClr r="0" g="0" b="0"/>
-        </a:fillRef>
-        <a:effectRef idx="0">
-          <a:scrgbClr r="0" g="0" b="0"/>
-        </a:effectRef>
-        <a:fontRef idx="minor"/>
-      </dsp:style>
-      <dsp:txBody>
-        <a:bodyPr spcFirstLastPara="0" vert="horz" wrap="square" lIns="237770" tIns="35560" rIns="199136" bIns="35560" numCol="1" spcCol="1270" anchor="t" anchorCtr="0">
-          <a:noAutofit/>
-        </a:bodyPr>
-        <a:lstStyle/>
-        <a:p>
-          <a:pPr marL="228600" lvl="1" indent="-228600" algn="l" defTabSz="977900" latinLnBrk="1">
-            <a:lnSpc>
-              <a:spcPct val="90000"/>
-            </a:lnSpc>
-            <a:spcBef>
-              <a:spcPct val="0"/>
-            </a:spcBef>
-            <a:spcAft>
-              <a:spcPct val="20000"/>
-            </a:spcAft>
-            <a:buChar char="••"/>
-          </a:pPr>
-          <a:r>
-            <a:rPr lang="ko-KR" altLang="en-US" sz="2200" b="1" kern="1200" dirty="0" smtClean="0"/>
-            <a:t>최근 유행하는 치즈케이크 집의 분포를 알아보자</a:t>
-          </a:r>
-          <a:endParaRPr lang="en-US" altLang="ko-KR" sz="2200" b="1" kern="1200" dirty="0"/>
-        </a:p>
-      </dsp:txBody>
-      <dsp:txXfrm>
-        <a:off x="0" y="2282533"/>
-        <a:ext cx="7488832" cy="507150"/>
-      </dsp:txXfrm>
-    </dsp:sp>
   </dsp:spTree>
 </dsp:drawing>
 </file>
@@ -13894,7 +12873,7 @@
     </p:spTree>
     <p:extLst>
       <p:ext uri="{BB962C8B-B14F-4D97-AF65-F5344CB8AC3E}">
-        <p14:creationId xmlns:p14="http://schemas.microsoft.com/office/powerpoint/2010/main" val="1694435634"/>
+        <p14:creationId xmlns:p14="http://schemas.microsoft.com/office/powerpoint/2010/main" val="540069200"/>
       </p:ext>
     </p:extLst>
   </p:cSld>
@@ -14005,7 +12984,7 @@
     </p:spTree>
     <p:extLst>
       <p:ext uri="{BB962C8B-B14F-4D97-AF65-F5344CB8AC3E}">
-        <p14:creationId xmlns:p14="http://schemas.microsoft.com/office/powerpoint/2010/main" val="3907647140"/>
+        <p14:creationId xmlns:p14="http://schemas.microsoft.com/office/powerpoint/2010/main" val="2323594451"/>
       </p:ext>
     </p:extLst>
   </p:cSld>
@@ -14116,7 +13095,7 @@
     </p:spTree>
     <p:extLst>
       <p:ext uri="{BB962C8B-B14F-4D97-AF65-F5344CB8AC3E}">
-        <p14:creationId xmlns:p14="http://schemas.microsoft.com/office/powerpoint/2010/main" val="3647743267"/>
+        <p14:creationId xmlns:p14="http://schemas.microsoft.com/office/powerpoint/2010/main" val="1694435634"/>
       </p:ext>
     </p:extLst>
   </p:cSld>
@@ -14227,7 +13206,7 @@
     </p:spTree>
     <p:extLst>
       <p:ext uri="{BB962C8B-B14F-4D97-AF65-F5344CB8AC3E}">
-        <p14:creationId xmlns:p14="http://schemas.microsoft.com/office/powerpoint/2010/main" val="788109612"/>
+        <p14:creationId xmlns:p14="http://schemas.microsoft.com/office/powerpoint/2010/main" val="3907647140"/>
       </p:ext>
     </p:extLst>
   </p:cSld>
@@ -14338,7 +13317,7 @@
     </p:spTree>
     <p:extLst>
       <p:ext uri="{BB962C8B-B14F-4D97-AF65-F5344CB8AC3E}">
-        <p14:creationId xmlns:p14="http://schemas.microsoft.com/office/powerpoint/2010/main" val="92096734"/>
+        <p14:creationId xmlns:p14="http://schemas.microsoft.com/office/powerpoint/2010/main" val="3647743267"/>
       </p:ext>
     </p:extLst>
   </p:cSld>
@@ -14450,6 +13429,228 @@
     <p:extLst>
       <p:ext uri="{BB962C8B-B14F-4D97-AF65-F5344CB8AC3E}">
         <p14:creationId xmlns:p14="http://schemas.microsoft.com/office/powerpoint/2010/main" val="1615739953"/>
+      </p:ext>
+    </p:extLst>
+  </p:cSld>
+  <p:clrMapOvr>
+    <a:masterClrMapping/>
+  </p:clrMapOvr>
+</p:notes>
+</file>
+
+<file path=ppt/notesSlides/notesSlide20.xml><?xml version="1.0" encoding="utf-8"?>
+<p:notes xmlns:a="http://schemas.openxmlformats.org/drawingml/2006/main" xmlns:r="http://schemas.openxmlformats.org/officeDocument/2006/relationships" xmlns:p="http://schemas.openxmlformats.org/presentationml/2006/main">
+  <p:cSld>
+    <p:spTree>
+      <p:nvGrpSpPr>
+        <p:cNvPr id="1" name=""/>
+        <p:cNvGrpSpPr/>
+        <p:nvPr/>
+      </p:nvGrpSpPr>
+      <p:grpSpPr>
+        <a:xfrm>
+          <a:off x="0" y="0"/>
+          <a:ext cx="0" cy="0"/>
+          <a:chOff x="0" y="0"/>
+          <a:chExt cx="0" cy="0"/>
+        </a:xfrm>
+      </p:grpSpPr>
+      <p:sp>
+        <p:nvSpPr>
+          <p:cNvPr id="2" name="슬라이드 이미지 개체 틀 1"/>
+          <p:cNvSpPr>
+            <a:spLocks noGrp="1" noRot="1" noChangeAspect="1"/>
+          </p:cNvSpPr>
+          <p:nvPr>
+            <p:ph type="sldImg"/>
+          </p:nvPr>
+        </p:nvSpPr>
+        <p:spPr/>
+      </p:sp>
+      <p:sp>
+        <p:nvSpPr>
+          <p:cNvPr id="3" name="슬라이드 노트 개체 틀 2"/>
+          <p:cNvSpPr>
+            <a:spLocks noGrp="1"/>
+          </p:cNvSpPr>
+          <p:nvPr>
+            <p:ph type="body" idx="1"/>
+          </p:nvPr>
+        </p:nvSpPr>
+        <p:spPr/>
+        <p:txBody>
+          <a:bodyPr>
+            <a:normAutofit/>
+          </a:bodyPr>
+          <a:lstStyle/>
+          <a:p>
+            <a:pPr marL="0" marR="0" indent="0" algn="l" defTabSz="914400" rtl="0" eaLnBrk="1" fontAlgn="auto" latinLnBrk="1" hangingPunct="1">
+              <a:lnSpc>
+                <a:spcPct val="100000"/>
+              </a:lnSpc>
+              <a:spcBef>
+                <a:spcPts val="0"/>
+              </a:spcBef>
+              <a:spcAft>
+                <a:spcPts val="0"/>
+              </a:spcAft>
+              <a:buClrTx/>
+              <a:buSzTx/>
+              <a:buFontTx/>
+              <a:buNone/>
+              <a:tabLst/>
+              <a:defRPr/>
+            </a:pPr>
+            <a:r>
+              <a:rPr lang="en-US" altLang="ko-KR" sz="1200" dirty="0" smtClean="0"/>
+              <a:t>http://minheeblog.tistory.com/category/PPT</a:t>
+            </a:r>
+            <a:endParaRPr lang="ko-KR" altLang="en-US" sz="1200" dirty="0" smtClean="0"/>
+          </a:p>
+          <a:p>
+            <a:endParaRPr lang="ko-KR" altLang="en-US" dirty="0"/>
+          </a:p>
+        </p:txBody>
+      </p:sp>
+      <p:sp>
+        <p:nvSpPr>
+          <p:cNvPr id="4" name="슬라이드 번호 개체 틀 3"/>
+          <p:cNvSpPr>
+            <a:spLocks noGrp="1"/>
+          </p:cNvSpPr>
+          <p:nvPr>
+            <p:ph type="sldNum" sz="quarter" idx="10"/>
+          </p:nvPr>
+        </p:nvSpPr>
+        <p:spPr/>
+        <p:txBody>
+          <a:bodyPr/>
+          <a:lstStyle/>
+          <a:p>
+            <a:fld id="{04A4E647-5A0F-41E6-A0EF-B58D8C1C6CD4}" type="slidenum">
+              <a:rPr lang="ko-KR" altLang="en-US" smtClean="0"/>
+              <a:pPr/>
+              <a:t>20</a:t>
+            </a:fld>
+            <a:endParaRPr lang="ko-KR" altLang="en-US"/>
+          </a:p>
+        </p:txBody>
+      </p:sp>
+    </p:spTree>
+    <p:extLst>
+      <p:ext uri="{BB962C8B-B14F-4D97-AF65-F5344CB8AC3E}">
+        <p14:creationId xmlns:p14="http://schemas.microsoft.com/office/powerpoint/2010/main" val="788109612"/>
+      </p:ext>
+    </p:extLst>
+  </p:cSld>
+  <p:clrMapOvr>
+    <a:masterClrMapping/>
+  </p:clrMapOvr>
+</p:notes>
+</file>
+
+<file path=ppt/notesSlides/notesSlide21.xml><?xml version="1.0" encoding="utf-8"?>
+<p:notes xmlns:a="http://schemas.openxmlformats.org/drawingml/2006/main" xmlns:r="http://schemas.openxmlformats.org/officeDocument/2006/relationships" xmlns:p="http://schemas.openxmlformats.org/presentationml/2006/main">
+  <p:cSld>
+    <p:spTree>
+      <p:nvGrpSpPr>
+        <p:cNvPr id="1" name=""/>
+        <p:cNvGrpSpPr/>
+        <p:nvPr/>
+      </p:nvGrpSpPr>
+      <p:grpSpPr>
+        <a:xfrm>
+          <a:off x="0" y="0"/>
+          <a:ext cx="0" cy="0"/>
+          <a:chOff x="0" y="0"/>
+          <a:chExt cx="0" cy="0"/>
+        </a:xfrm>
+      </p:grpSpPr>
+      <p:sp>
+        <p:nvSpPr>
+          <p:cNvPr id="2" name="슬라이드 이미지 개체 틀 1"/>
+          <p:cNvSpPr>
+            <a:spLocks noGrp="1" noRot="1" noChangeAspect="1"/>
+          </p:cNvSpPr>
+          <p:nvPr>
+            <p:ph type="sldImg"/>
+          </p:nvPr>
+        </p:nvSpPr>
+        <p:spPr/>
+      </p:sp>
+      <p:sp>
+        <p:nvSpPr>
+          <p:cNvPr id="3" name="슬라이드 노트 개체 틀 2"/>
+          <p:cNvSpPr>
+            <a:spLocks noGrp="1"/>
+          </p:cNvSpPr>
+          <p:nvPr>
+            <p:ph type="body" idx="1"/>
+          </p:nvPr>
+        </p:nvSpPr>
+        <p:spPr/>
+        <p:txBody>
+          <a:bodyPr>
+            <a:normAutofit/>
+          </a:bodyPr>
+          <a:lstStyle/>
+          <a:p>
+            <a:pPr marL="0" marR="0" indent="0" algn="l" defTabSz="914400" rtl="0" eaLnBrk="1" fontAlgn="auto" latinLnBrk="1" hangingPunct="1">
+              <a:lnSpc>
+                <a:spcPct val="100000"/>
+              </a:lnSpc>
+              <a:spcBef>
+                <a:spcPts val="0"/>
+              </a:spcBef>
+              <a:spcAft>
+                <a:spcPts val="0"/>
+              </a:spcAft>
+              <a:buClrTx/>
+              <a:buSzTx/>
+              <a:buFontTx/>
+              <a:buNone/>
+              <a:tabLst/>
+              <a:defRPr/>
+            </a:pPr>
+            <a:r>
+              <a:rPr lang="en-US" altLang="ko-KR" sz="1200" dirty="0" smtClean="0"/>
+              <a:t>http://minheeblog.tistory.com/category/PPT</a:t>
+            </a:r>
+            <a:endParaRPr lang="ko-KR" altLang="en-US" sz="1200" dirty="0" smtClean="0"/>
+          </a:p>
+          <a:p>
+            <a:endParaRPr lang="ko-KR" altLang="en-US" dirty="0"/>
+          </a:p>
+        </p:txBody>
+      </p:sp>
+      <p:sp>
+        <p:nvSpPr>
+          <p:cNvPr id="4" name="슬라이드 번호 개체 틀 3"/>
+          <p:cNvSpPr>
+            <a:spLocks noGrp="1"/>
+          </p:cNvSpPr>
+          <p:nvPr>
+            <p:ph type="sldNum" sz="quarter" idx="10"/>
+          </p:nvPr>
+        </p:nvSpPr>
+        <p:spPr/>
+        <p:txBody>
+          <a:bodyPr/>
+          <a:lstStyle/>
+          <a:p>
+            <a:fld id="{04A4E647-5A0F-41E6-A0EF-B58D8C1C6CD4}" type="slidenum">
+              <a:rPr lang="ko-KR" altLang="en-US" smtClean="0"/>
+              <a:pPr/>
+              <a:t>21</a:t>
+            </a:fld>
+            <a:endParaRPr lang="ko-KR" altLang="en-US"/>
+          </a:p>
+        </p:txBody>
+      </p:sp>
+    </p:spTree>
+    <p:extLst>
+      <p:ext uri="{BB962C8B-B14F-4D97-AF65-F5344CB8AC3E}">
+        <p14:creationId xmlns:p14="http://schemas.microsoft.com/office/powerpoint/2010/main" val="92096734"/>
       </p:ext>
     </p:extLst>
   </p:cSld>
@@ -18551,7 +17752,7 @@
           <p:cNvPr id="38" name="화살표: 갈매기형 수장 1">
             <a:extLst>
               <a:ext uri="{FF2B5EF4-FFF2-40B4-BE49-F238E27FC236}">
-                <a16:creationId xmlns="" xmlns:a16="http://schemas.microsoft.com/office/drawing/2014/main" id="{A38FB86A-A9AC-4EAE-8223-69D52F8B1ABE}"/>
+                <a16:creationId xmlns:a16="http://schemas.microsoft.com/office/drawing/2014/main" xmlns="" id="{A38FB86A-A9AC-4EAE-8223-69D52F8B1ABE}"/>
               </a:ext>
             </a:extLst>
           </p:cNvPr>
@@ -18609,7 +17810,7 @@
           <p:cNvPr id="39" name="화살표: 갈매기형 수장 2">
             <a:extLst>
               <a:ext uri="{FF2B5EF4-FFF2-40B4-BE49-F238E27FC236}">
-                <a16:creationId xmlns="" xmlns:a16="http://schemas.microsoft.com/office/drawing/2014/main" id="{8C8E1FD7-9558-46EC-B4E7-FDD400E94927}"/>
+                <a16:creationId xmlns:a16="http://schemas.microsoft.com/office/drawing/2014/main" xmlns="" id="{8C8E1FD7-9558-46EC-B4E7-FDD400E94927}"/>
               </a:ext>
             </a:extLst>
           </p:cNvPr>
@@ -18665,7 +17866,7 @@
           <p:cNvPr id="41" name="화살표: 갈매기형 수장 4">
             <a:extLst>
               <a:ext uri="{FF2B5EF4-FFF2-40B4-BE49-F238E27FC236}">
-                <a16:creationId xmlns="" xmlns:a16="http://schemas.microsoft.com/office/drawing/2014/main" id="{66755A50-62DA-4FF0-95B0-EA82A6CC33B8}"/>
+                <a16:creationId xmlns:a16="http://schemas.microsoft.com/office/drawing/2014/main" xmlns="" id="{66755A50-62DA-4FF0-95B0-EA82A6CC33B8}"/>
               </a:ext>
             </a:extLst>
           </p:cNvPr>
@@ -18721,7 +17922,7 @@
           <p:cNvPr id="42" name="화살표: 갈매기형 수장 5">
             <a:extLst>
               <a:ext uri="{FF2B5EF4-FFF2-40B4-BE49-F238E27FC236}">
-                <a16:creationId xmlns="" xmlns:a16="http://schemas.microsoft.com/office/drawing/2014/main" id="{DE46CADA-41E8-412A-A136-0A94F5A27AD4}"/>
+                <a16:creationId xmlns:a16="http://schemas.microsoft.com/office/drawing/2014/main" xmlns="" id="{DE46CADA-41E8-412A-A136-0A94F5A27AD4}"/>
               </a:ext>
             </a:extLst>
           </p:cNvPr>
@@ -18777,7 +17978,7 @@
           <p:cNvPr id="43" name="TextBox 42">
             <a:extLst>
               <a:ext uri="{FF2B5EF4-FFF2-40B4-BE49-F238E27FC236}">
-                <a16:creationId xmlns="" xmlns:a16="http://schemas.microsoft.com/office/drawing/2014/main" id="{68E943C8-5BA8-4C3E-A527-DD0F8F2B0E0A}"/>
+                <a16:creationId xmlns:a16="http://schemas.microsoft.com/office/drawing/2014/main" xmlns="" id="{68E943C8-5BA8-4C3E-A527-DD0F8F2B0E0A}"/>
               </a:ext>
             </a:extLst>
           </p:cNvPr>
@@ -18821,7 +18022,7 @@
           <p:cNvPr id="44" name="TextBox 43">
             <a:extLst>
               <a:ext uri="{FF2B5EF4-FFF2-40B4-BE49-F238E27FC236}">
-                <a16:creationId xmlns="" xmlns:a16="http://schemas.microsoft.com/office/drawing/2014/main" id="{4D3D8339-CC68-4AAC-A189-19E6E05D54DD}"/>
+                <a16:creationId xmlns:a16="http://schemas.microsoft.com/office/drawing/2014/main" xmlns="" id="{4D3D8339-CC68-4AAC-A189-19E6E05D54DD}"/>
               </a:ext>
             </a:extLst>
           </p:cNvPr>
@@ -18860,7 +18061,7 @@
           <p:cNvPr id="46" name="TextBox 45">
             <a:extLst>
               <a:ext uri="{FF2B5EF4-FFF2-40B4-BE49-F238E27FC236}">
-                <a16:creationId xmlns="" xmlns:a16="http://schemas.microsoft.com/office/drawing/2014/main" id="{32361A82-4993-4DC4-B5EF-3C30F9515573}"/>
+                <a16:creationId xmlns:a16="http://schemas.microsoft.com/office/drawing/2014/main" xmlns="" id="{32361A82-4993-4DC4-B5EF-3C30F9515573}"/>
               </a:ext>
             </a:extLst>
           </p:cNvPr>
@@ -18899,7 +18100,7 @@
           <p:cNvPr id="47" name="TextBox 46">
             <a:extLst>
               <a:ext uri="{FF2B5EF4-FFF2-40B4-BE49-F238E27FC236}">
-                <a16:creationId xmlns="" xmlns:a16="http://schemas.microsoft.com/office/drawing/2014/main" id="{49D68CEE-0E8C-4AD6-9485-622609B084B3}"/>
+                <a16:creationId xmlns:a16="http://schemas.microsoft.com/office/drawing/2014/main" xmlns="" id="{49D68CEE-0E8C-4AD6-9485-622609B084B3}"/>
               </a:ext>
             </a:extLst>
           </p:cNvPr>
@@ -18939,7 +18140,7 @@
           <p:cNvPr id="48" name="화살표: 갈매기형 수장 2">
             <a:extLst>
               <a:ext uri="{FF2B5EF4-FFF2-40B4-BE49-F238E27FC236}">
-                <a16:creationId xmlns="" xmlns:a16="http://schemas.microsoft.com/office/drawing/2014/main" id="{7B196A9F-09F8-8545-89B0-5112E49D0233}"/>
+                <a16:creationId xmlns:a16="http://schemas.microsoft.com/office/drawing/2014/main" xmlns="" id="{7B196A9F-09F8-8545-89B0-5112E49D0233}"/>
               </a:ext>
             </a:extLst>
           </p:cNvPr>
@@ -18995,7 +18196,7 @@
           <p:cNvPr id="49" name="TextBox 48">
             <a:extLst>
               <a:ext uri="{FF2B5EF4-FFF2-40B4-BE49-F238E27FC236}">
-                <a16:creationId xmlns="" xmlns:a16="http://schemas.microsoft.com/office/drawing/2014/main" id="{BC3F0FE1-9ECF-C344-B0A8-12B4DA316EC5}"/>
+                <a16:creationId xmlns:a16="http://schemas.microsoft.com/office/drawing/2014/main" xmlns="" id="{BC3F0FE1-9ECF-C344-B0A8-12B4DA316EC5}"/>
               </a:ext>
             </a:extLst>
           </p:cNvPr>
@@ -19213,7 +18414,7 @@
           <p:cNvPr id="38" name="화살표: 갈매기형 수장 1">
             <a:extLst>
               <a:ext uri="{FF2B5EF4-FFF2-40B4-BE49-F238E27FC236}">
-                <a16:creationId xmlns="" xmlns:a16="http://schemas.microsoft.com/office/drawing/2014/main" id="{A38FB86A-A9AC-4EAE-8223-69D52F8B1ABE}"/>
+                <a16:creationId xmlns:a16="http://schemas.microsoft.com/office/drawing/2014/main" xmlns="" id="{A38FB86A-A9AC-4EAE-8223-69D52F8B1ABE}"/>
               </a:ext>
             </a:extLst>
           </p:cNvPr>
@@ -19271,7 +18472,7 @@
           <p:cNvPr id="39" name="화살표: 갈매기형 수장 2">
             <a:extLst>
               <a:ext uri="{FF2B5EF4-FFF2-40B4-BE49-F238E27FC236}">
-                <a16:creationId xmlns="" xmlns:a16="http://schemas.microsoft.com/office/drawing/2014/main" id="{8C8E1FD7-9558-46EC-B4E7-FDD400E94927}"/>
+                <a16:creationId xmlns:a16="http://schemas.microsoft.com/office/drawing/2014/main" xmlns="" id="{8C8E1FD7-9558-46EC-B4E7-FDD400E94927}"/>
               </a:ext>
             </a:extLst>
           </p:cNvPr>
@@ -19327,7 +18528,7 @@
           <p:cNvPr id="41" name="화살표: 갈매기형 수장 4">
             <a:extLst>
               <a:ext uri="{FF2B5EF4-FFF2-40B4-BE49-F238E27FC236}">
-                <a16:creationId xmlns="" xmlns:a16="http://schemas.microsoft.com/office/drawing/2014/main" id="{66755A50-62DA-4FF0-95B0-EA82A6CC33B8}"/>
+                <a16:creationId xmlns:a16="http://schemas.microsoft.com/office/drawing/2014/main" xmlns="" id="{66755A50-62DA-4FF0-95B0-EA82A6CC33B8}"/>
               </a:ext>
             </a:extLst>
           </p:cNvPr>
@@ -19383,7 +18584,7 @@
           <p:cNvPr id="42" name="화살표: 갈매기형 수장 5">
             <a:extLst>
               <a:ext uri="{FF2B5EF4-FFF2-40B4-BE49-F238E27FC236}">
-                <a16:creationId xmlns="" xmlns:a16="http://schemas.microsoft.com/office/drawing/2014/main" id="{DE46CADA-41E8-412A-A136-0A94F5A27AD4}"/>
+                <a16:creationId xmlns:a16="http://schemas.microsoft.com/office/drawing/2014/main" xmlns="" id="{DE46CADA-41E8-412A-A136-0A94F5A27AD4}"/>
               </a:ext>
             </a:extLst>
           </p:cNvPr>
@@ -19439,7 +18640,7 @@
           <p:cNvPr id="43" name="TextBox 42">
             <a:extLst>
               <a:ext uri="{FF2B5EF4-FFF2-40B4-BE49-F238E27FC236}">
-                <a16:creationId xmlns="" xmlns:a16="http://schemas.microsoft.com/office/drawing/2014/main" id="{68E943C8-5BA8-4C3E-A527-DD0F8F2B0E0A}"/>
+                <a16:creationId xmlns:a16="http://schemas.microsoft.com/office/drawing/2014/main" xmlns="" id="{68E943C8-5BA8-4C3E-A527-DD0F8F2B0E0A}"/>
               </a:ext>
             </a:extLst>
           </p:cNvPr>
@@ -19483,7 +18684,7 @@
           <p:cNvPr id="44" name="TextBox 43">
             <a:extLst>
               <a:ext uri="{FF2B5EF4-FFF2-40B4-BE49-F238E27FC236}">
-                <a16:creationId xmlns="" xmlns:a16="http://schemas.microsoft.com/office/drawing/2014/main" id="{4D3D8339-CC68-4AAC-A189-19E6E05D54DD}"/>
+                <a16:creationId xmlns:a16="http://schemas.microsoft.com/office/drawing/2014/main" xmlns="" id="{4D3D8339-CC68-4AAC-A189-19E6E05D54DD}"/>
               </a:ext>
             </a:extLst>
           </p:cNvPr>
@@ -19522,7 +18723,7 @@
           <p:cNvPr id="46" name="TextBox 45">
             <a:extLst>
               <a:ext uri="{FF2B5EF4-FFF2-40B4-BE49-F238E27FC236}">
-                <a16:creationId xmlns="" xmlns:a16="http://schemas.microsoft.com/office/drawing/2014/main" id="{32361A82-4993-4DC4-B5EF-3C30F9515573}"/>
+                <a16:creationId xmlns:a16="http://schemas.microsoft.com/office/drawing/2014/main" xmlns="" id="{32361A82-4993-4DC4-B5EF-3C30F9515573}"/>
               </a:ext>
             </a:extLst>
           </p:cNvPr>
@@ -19561,7 +18762,7 @@
           <p:cNvPr id="47" name="TextBox 46">
             <a:extLst>
               <a:ext uri="{FF2B5EF4-FFF2-40B4-BE49-F238E27FC236}">
-                <a16:creationId xmlns="" xmlns:a16="http://schemas.microsoft.com/office/drawing/2014/main" id="{49D68CEE-0E8C-4AD6-9485-622609B084B3}"/>
+                <a16:creationId xmlns:a16="http://schemas.microsoft.com/office/drawing/2014/main" xmlns="" id="{49D68CEE-0E8C-4AD6-9485-622609B084B3}"/>
               </a:ext>
             </a:extLst>
           </p:cNvPr>
@@ -19601,7 +18802,7 @@
           <p:cNvPr id="48" name="화살표: 갈매기형 수장 2">
             <a:extLst>
               <a:ext uri="{FF2B5EF4-FFF2-40B4-BE49-F238E27FC236}">
-                <a16:creationId xmlns="" xmlns:a16="http://schemas.microsoft.com/office/drawing/2014/main" id="{7B196A9F-09F8-8545-89B0-5112E49D0233}"/>
+                <a16:creationId xmlns:a16="http://schemas.microsoft.com/office/drawing/2014/main" xmlns="" id="{7B196A9F-09F8-8545-89B0-5112E49D0233}"/>
               </a:ext>
             </a:extLst>
           </p:cNvPr>
@@ -19657,7 +18858,7 @@
           <p:cNvPr id="49" name="TextBox 48">
             <a:extLst>
               <a:ext uri="{FF2B5EF4-FFF2-40B4-BE49-F238E27FC236}">
-                <a16:creationId xmlns="" xmlns:a16="http://schemas.microsoft.com/office/drawing/2014/main" id="{BC3F0FE1-9ECF-C344-B0A8-12B4DA316EC5}"/>
+                <a16:creationId xmlns:a16="http://schemas.microsoft.com/office/drawing/2014/main" xmlns="" id="{BC3F0FE1-9ECF-C344-B0A8-12B4DA316EC5}"/>
               </a:ext>
             </a:extLst>
           </p:cNvPr>
@@ -19875,7 +19076,7 @@
           <p:cNvPr id="38" name="화살표: 갈매기형 수장 1">
             <a:extLst>
               <a:ext uri="{FF2B5EF4-FFF2-40B4-BE49-F238E27FC236}">
-                <a16:creationId xmlns="" xmlns:a16="http://schemas.microsoft.com/office/drawing/2014/main" id="{A38FB86A-A9AC-4EAE-8223-69D52F8B1ABE}"/>
+                <a16:creationId xmlns:a16="http://schemas.microsoft.com/office/drawing/2014/main" xmlns="" id="{A38FB86A-A9AC-4EAE-8223-69D52F8B1ABE}"/>
               </a:ext>
             </a:extLst>
           </p:cNvPr>
@@ -19933,7 +19134,7 @@
           <p:cNvPr id="39" name="화살표: 갈매기형 수장 2">
             <a:extLst>
               <a:ext uri="{FF2B5EF4-FFF2-40B4-BE49-F238E27FC236}">
-                <a16:creationId xmlns="" xmlns:a16="http://schemas.microsoft.com/office/drawing/2014/main" id="{8C8E1FD7-9558-46EC-B4E7-FDD400E94927}"/>
+                <a16:creationId xmlns:a16="http://schemas.microsoft.com/office/drawing/2014/main" xmlns="" id="{8C8E1FD7-9558-46EC-B4E7-FDD400E94927}"/>
               </a:ext>
             </a:extLst>
           </p:cNvPr>
@@ -19989,7 +19190,7 @@
           <p:cNvPr id="41" name="화살표: 갈매기형 수장 4">
             <a:extLst>
               <a:ext uri="{FF2B5EF4-FFF2-40B4-BE49-F238E27FC236}">
-                <a16:creationId xmlns="" xmlns:a16="http://schemas.microsoft.com/office/drawing/2014/main" id="{66755A50-62DA-4FF0-95B0-EA82A6CC33B8}"/>
+                <a16:creationId xmlns:a16="http://schemas.microsoft.com/office/drawing/2014/main" xmlns="" id="{66755A50-62DA-4FF0-95B0-EA82A6CC33B8}"/>
               </a:ext>
             </a:extLst>
           </p:cNvPr>
@@ -20045,7 +19246,7 @@
           <p:cNvPr id="42" name="화살표: 갈매기형 수장 5">
             <a:extLst>
               <a:ext uri="{FF2B5EF4-FFF2-40B4-BE49-F238E27FC236}">
-                <a16:creationId xmlns="" xmlns:a16="http://schemas.microsoft.com/office/drawing/2014/main" id="{DE46CADA-41E8-412A-A136-0A94F5A27AD4}"/>
+                <a16:creationId xmlns:a16="http://schemas.microsoft.com/office/drawing/2014/main" xmlns="" id="{DE46CADA-41E8-412A-A136-0A94F5A27AD4}"/>
               </a:ext>
             </a:extLst>
           </p:cNvPr>
@@ -20101,7 +19302,7 @@
           <p:cNvPr id="43" name="TextBox 42">
             <a:extLst>
               <a:ext uri="{FF2B5EF4-FFF2-40B4-BE49-F238E27FC236}">
-                <a16:creationId xmlns="" xmlns:a16="http://schemas.microsoft.com/office/drawing/2014/main" id="{68E943C8-5BA8-4C3E-A527-DD0F8F2B0E0A}"/>
+                <a16:creationId xmlns:a16="http://schemas.microsoft.com/office/drawing/2014/main" xmlns="" id="{68E943C8-5BA8-4C3E-A527-DD0F8F2B0E0A}"/>
               </a:ext>
             </a:extLst>
           </p:cNvPr>
@@ -20145,7 +19346,7 @@
           <p:cNvPr id="44" name="TextBox 43">
             <a:extLst>
               <a:ext uri="{FF2B5EF4-FFF2-40B4-BE49-F238E27FC236}">
-                <a16:creationId xmlns="" xmlns:a16="http://schemas.microsoft.com/office/drawing/2014/main" id="{4D3D8339-CC68-4AAC-A189-19E6E05D54DD}"/>
+                <a16:creationId xmlns:a16="http://schemas.microsoft.com/office/drawing/2014/main" xmlns="" id="{4D3D8339-CC68-4AAC-A189-19E6E05D54DD}"/>
               </a:ext>
             </a:extLst>
           </p:cNvPr>
@@ -20184,7 +19385,7 @@
           <p:cNvPr id="46" name="TextBox 45">
             <a:extLst>
               <a:ext uri="{FF2B5EF4-FFF2-40B4-BE49-F238E27FC236}">
-                <a16:creationId xmlns="" xmlns:a16="http://schemas.microsoft.com/office/drawing/2014/main" id="{32361A82-4993-4DC4-B5EF-3C30F9515573}"/>
+                <a16:creationId xmlns:a16="http://schemas.microsoft.com/office/drawing/2014/main" xmlns="" id="{32361A82-4993-4DC4-B5EF-3C30F9515573}"/>
               </a:ext>
             </a:extLst>
           </p:cNvPr>
@@ -20223,7 +19424,7 @@
           <p:cNvPr id="47" name="TextBox 46">
             <a:extLst>
               <a:ext uri="{FF2B5EF4-FFF2-40B4-BE49-F238E27FC236}">
-                <a16:creationId xmlns="" xmlns:a16="http://schemas.microsoft.com/office/drawing/2014/main" id="{49D68CEE-0E8C-4AD6-9485-622609B084B3}"/>
+                <a16:creationId xmlns:a16="http://schemas.microsoft.com/office/drawing/2014/main" xmlns="" id="{49D68CEE-0E8C-4AD6-9485-622609B084B3}"/>
               </a:ext>
             </a:extLst>
           </p:cNvPr>
@@ -20263,7 +19464,7 @@
           <p:cNvPr id="48" name="화살표: 갈매기형 수장 2">
             <a:extLst>
               <a:ext uri="{FF2B5EF4-FFF2-40B4-BE49-F238E27FC236}">
-                <a16:creationId xmlns="" xmlns:a16="http://schemas.microsoft.com/office/drawing/2014/main" id="{7B196A9F-09F8-8545-89B0-5112E49D0233}"/>
+                <a16:creationId xmlns:a16="http://schemas.microsoft.com/office/drawing/2014/main" xmlns="" id="{7B196A9F-09F8-8545-89B0-5112E49D0233}"/>
               </a:ext>
             </a:extLst>
           </p:cNvPr>
@@ -20319,7 +19520,7 @@
           <p:cNvPr id="49" name="TextBox 48">
             <a:extLst>
               <a:ext uri="{FF2B5EF4-FFF2-40B4-BE49-F238E27FC236}">
-                <a16:creationId xmlns="" xmlns:a16="http://schemas.microsoft.com/office/drawing/2014/main" id="{BC3F0FE1-9ECF-C344-B0A8-12B4DA316EC5}"/>
+                <a16:creationId xmlns:a16="http://schemas.microsoft.com/office/drawing/2014/main" xmlns="" id="{BC3F0FE1-9ECF-C344-B0A8-12B4DA316EC5}"/>
               </a:ext>
             </a:extLst>
           </p:cNvPr>
@@ -20537,7 +19738,7 @@
           <p:cNvPr id="38" name="화살표: 갈매기형 수장 1">
             <a:extLst>
               <a:ext uri="{FF2B5EF4-FFF2-40B4-BE49-F238E27FC236}">
-                <a16:creationId xmlns="" xmlns:a16="http://schemas.microsoft.com/office/drawing/2014/main" id="{A38FB86A-A9AC-4EAE-8223-69D52F8B1ABE}"/>
+                <a16:creationId xmlns:a16="http://schemas.microsoft.com/office/drawing/2014/main" xmlns="" id="{A38FB86A-A9AC-4EAE-8223-69D52F8B1ABE}"/>
               </a:ext>
             </a:extLst>
           </p:cNvPr>
@@ -20595,7 +19796,7 @@
           <p:cNvPr id="39" name="화살표: 갈매기형 수장 2">
             <a:extLst>
               <a:ext uri="{FF2B5EF4-FFF2-40B4-BE49-F238E27FC236}">
-                <a16:creationId xmlns="" xmlns:a16="http://schemas.microsoft.com/office/drawing/2014/main" id="{8C8E1FD7-9558-46EC-B4E7-FDD400E94927}"/>
+                <a16:creationId xmlns:a16="http://schemas.microsoft.com/office/drawing/2014/main" xmlns="" id="{8C8E1FD7-9558-46EC-B4E7-FDD400E94927}"/>
               </a:ext>
             </a:extLst>
           </p:cNvPr>
@@ -20651,7 +19852,7 @@
           <p:cNvPr id="41" name="화살표: 갈매기형 수장 4">
             <a:extLst>
               <a:ext uri="{FF2B5EF4-FFF2-40B4-BE49-F238E27FC236}">
-                <a16:creationId xmlns="" xmlns:a16="http://schemas.microsoft.com/office/drawing/2014/main" id="{66755A50-62DA-4FF0-95B0-EA82A6CC33B8}"/>
+                <a16:creationId xmlns:a16="http://schemas.microsoft.com/office/drawing/2014/main" xmlns="" id="{66755A50-62DA-4FF0-95B0-EA82A6CC33B8}"/>
               </a:ext>
             </a:extLst>
           </p:cNvPr>
@@ -20707,7 +19908,7 @@
           <p:cNvPr id="42" name="화살표: 갈매기형 수장 5">
             <a:extLst>
               <a:ext uri="{FF2B5EF4-FFF2-40B4-BE49-F238E27FC236}">
-                <a16:creationId xmlns="" xmlns:a16="http://schemas.microsoft.com/office/drawing/2014/main" id="{DE46CADA-41E8-412A-A136-0A94F5A27AD4}"/>
+                <a16:creationId xmlns:a16="http://schemas.microsoft.com/office/drawing/2014/main" xmlns="" id="{DE46CADA-41E8-412A-A136-0A94F5A27AD4}"/>
               </a:ext>
             </a:extLst>
           </p:cNvPr>
@@ -20763,7 +19964,7 @@
           <p:cNvPr id="43" name="TextBox 42">
             <a:extLst>
               <a:ext uri="{FF2B5EF4-FFF2-40B4-BE49-F238E27FC236}">
-                <a16:creationId xmlns="" xmlns:a16="http://schemas.microsoft.com/office/drawing/2014/main" id="{68E943C8-5BA8-4C3E-A527-DD0F8F2B0E0A}"/>
+                <a16:creationId xmlns:a16="http://schemas.microsoft.com/office/drawing/2014/main" xmlns="" id="{68E943C8-5BA8-4C3E-A527-DD0F8F2B0E0A}"/>
               </a:ext>
             </a:extLst>
           </p:cNvPr>
@@ -20807,7 +20008,7 @@
           <p:cNvPr id="44" name="TextBox 43">
             <a:extLst>
               <a:ext uri="{FF2B5EF4-FFF2-40B4-BE49-F238E27FC236}">
-                <a16:creationId xmlns="" xmlns:a16="http://schemas.microsoft.com/office/drawing/2014/main" id="{4D3D8339-CC68-4AAC-A189-19E6E05D54DD}"/>
+                <a16:creationId xmlns:a16="http://schemas.microsoft.com/office/drawing/2014/main" xmlns="" id="{4D3D8339-CC68-4AAC-A189-19E6E05D54DD}"/>
               </a:ext>
             </a:extLst>
           </p:cNvPr>
@@ -20846,7 +20047,7 @@
           <p:cNvPr id="46" name="TextBox 45">
             <a:extLst>
               <a:ext uri="{FF2B5EF4-FFF2-40B4-BE49-F238E27FC236}">
-                <a16:creationId xmlns="" xmlns:a16="http://schemas.microsoft.com/office/drawing/2014/main" id="{32361A82-4993-4DC4-B5EF-3C30F9515573}"/>
+                <a16:creationId xmlns:a16="http://schemas.microsoft.com/office/drawing/2014/main" xmlns="" id="{32361A82-4993-4DC4-B5EF-3C30F9515573}"/>
               </a:ext>
             </a:extLst>
           </p:cNvPr>
@@ -20885,7 +20086,7 @@
           <p:cNvPr id="47" name="TextBox 46">
             <a:extLst>
               <a:ext uri="{FF2B5EF4-FFF2-40B4-BE49-F238E27FC236}">
-                <a16:creationId xmlns="" xmlns:a16="http://schemas.microsoft.com/office/drawing/2014/main" id="{49D68CEE-0E8C-4AD6-9485-622609B084B3}"/>
+                <a16:creationId xmlns:a16="http://schemas.microsoft.com/office/drawing/2014/main" xmlns="" id="{49D68CEE-0E8C-4AD6-9485-622609B084B3}"/>
               </a:ext>
             </a:extLst>
           </p:cNvPr>
@@ -20925,7 +20126,7 @@
           <p:cNvPr id="48" name="화살표: 갈매기형 수장 2">
             <a:extLst>
               <a:ext uri="{FF2B5EF4-FFF2-40B4-BE49-F238E27FC236}">
-                <a16:creationId xmlns="" xmlns:a16="http://schemas.microsoft.com/office/drawing/2014/main" id="{7B196A9F-09F8-8545-89B0-5112E49D0233}"/>
+                <a16:creationId xmlns:a16="http://schemas.microsoft.com/office/drawing/2014/main" xmlns="" id="{7B196A9F-09F8-8545-89B0-5112E49D0233}"/>
               </a:ext>
             </a:extLst>
           </p:cNvPr>
@@ -20981,7 +20182,7 @@
           <p:cNvPr id="49" name="TextBox 48">
             <a:extLst>
               <a:ext uri="{FF2B5EF4-FFF2-40B4-BE49-F238E27FC236}">
-                <a16:creationId xmlns="" xmlns:a16="http://schemas.microsoft.com/office/drawing/2014/main" id="{BC3F0FE1-9ECF-C344-B0A8-12B4DA316EC5}"/>
+                <a16:creationId xmlns:a16="http://schemas.microsoft.com/office/drawing/2014/main" xmlns="" id="{BC3F0FE1-9ECF-C344-B0A8-12B4DA316EC5}"/>
               </a:ext>
             </a:extLst>
           </p:cNvPr>
@@ -21199,7 +20400,7 @@
           <p:cNvPr id="38" name="화살표: 갈매기형 수장 1">
             <a:extLst>
               <a:ext uri="{FF2B5EF4-FFF2-40B4-BE49-F238E27FC236}">
-                <a16:creationId xmlns="" xmlns:a16="http://schemas.microsoft.com/office/drawing/2014/main" id="{A38FB86A-A9AC-4EAE-8223-69D52F8B1ABE}"/>
+                <a16:creationId xmlns:a16="http://schemas.microsoft.com/office/drawing/2014/main" xmlns="" id="{A38FB86A-A9AC-4EAE-8223-69D52F8B1ABE}"/>
               </a:ext>
             </a:extLst>
           </p:cNvPr>
@@ -21257,7 +20458,7 @@
           <p:cNvPr id="39" name="화살표: 갈매기형 수장 2">
             <a:extLst>
               <a:ext uri="{FF2B5EF4-FFF2-40B4-BE49-F238E27FC236}">
-                <a16:creationId xmlns="" xmlns:a16="http://schemas.microsoft.com/office/drawing/2014/main" id="{8C8E1FD7-9558-46EC-B4E7-FDD400E94927}"/>
+                <a16:creationId xmlns:a16="http://schemas.microsoft.com/office/drawing/2014/main" xmlns="" id="{8C8E1FD7-9558-46EC-B4E7-FDD400E94927}"/>
               </a:ext>
             </a:extLst>
           </p:cNvPr>
@@ -21313,7 +20514,7 @@
           <p:cNvPr id="41" name="화살표: 갈매기형 수장 4">
             <a:extLst>
               <a:ext uri="{FF2B5EF4-FFF2-40B4-BE49-F238E27FC236}">
-                <a16:creationId xmlns="" xmlns:a16="http://schemas.microsoft.com/office/drawing/2014/main" id="{66755A50-62DA-4FF0-95B0-EA82A6CC33B8}"/>
+                <a16:creationId xmlns:a16="http://schemas.microsoft.com/office/drawing/2014/main" xmlns="" id="{66755A50-62DA-4FF0-95B0-EA82A6CC33B8}"/>
               </a:ext>
             </a:extLst>
           </p:cNvPr>
@@ -21369,7 +20570,7 @@
           <p:cNvPr id="42" name="화살표: 갈매기형 수장 5">
             <a:extLst>
               <a:ext uri="{FF2B5EF4-FFF2-40B4-BE49-F238E27FC236}">
-                <a16:creationId xmlns="" xmlns:a16="http://schemas.microsoft.com/office/drawing/2014/main" id="{DE46CADA-41E8-412A-A136-0A94F5A27AD4}"/>
+                <a16:creationId xmlns:a16="http://schemas.microsoft.com/office/drawing/2014/main" xmlns="" id="{DE46CADA-41E8-412A-A136-0A94F5A27AD4}"/>
               </a:ext>
             </a:extLst>
           </p:cNvPr>
@@ -21425,7 +20626,7 @@
           <p:cNvPr id="43" name="TextBox 42">
             <a:extLst>
               <a:ext uri="{FF2B5EF4-FFF2-40B4-BE49-F238E27FC236}">
-                <a16:creationId xmlns="" xmlns:a16="http://schemas.microsoft.com/office/drawing/2014/main" id="{68E943C8-5BA8-4C3E-A527-DD0F8F2B0E0A}"/>
+                <a16:creationId xmlns:a16="http://schemas.microsoft.com/office/drawing/2014/main" xmlns="" id="{68E943C8-5BA8-4C3E-A527-DD0F8F2B0E0A}"/>
               </a:ext>
             </a:extLst>
           </p:cNvPr>
@@ -21469,7 +20670,7 @@
           <p:cNvPr id="44" name="TextBox 43">
             <a:extLst>
               <a:ext uri="{FF2B5EF4-FFF2-40B4-BE49-F238E27FC236}">
-                <a16:creationId xmlns="" xmlns:a16="http://schemas.microsoft.com/office/drawing/2014/main" id="{4D3D8339-CC68-4AAC-A189-19E6E05D54DD}"/>
+                <a16:creationId xmlns:a16="http://schemas.microsoft.com/office/drawing/2014/main" xmlns="" id="{4D3D8339-CC68-4AAC-A189-19E6E05D54DD}"/>
               </a:ext>
             </a:extLst>
           </p:cNvPr>
@@ -21508,7 +20709,7 @@
           <p:cNvPr id="46" name="TextBox 45">
             <a:extLst>
               <a:ext uri="{FF2B5EF4-FFF2-40B4-BE49-F238E27FC236}">
-                <a16:creationId xmlns="" xmlns:a16="http://schemas.microsoft.com/office/drawing/2014/main" id="{32361A82-4993-4DC4-B5EF-3C30F9515573}"/>
+                <a16:creationId xmlns:a16="http://schemas.microsoft.com/office/drawing/2014/main" xmlns="" id="{32361A82-4993-4DC4-B5EF-3C30F9515573}"/>
               </a:ext>
             </a:extLst>
           </p:cNvPr>
@@ -21547,7 +20748,7 @@
           <p:cNvPr id="47" name="TextBox 46">
             <a:extLst>
               <a:ext uri="{FF2B5EF4-FFF2-40B4-BE49-F238E27FC236}">
-                <a16:creationId xmlns="" xmlns:a16="http://schemas.microsoft.com/office/drawing/2014/main" id="{49D68CEE-0E8C-4AD6-9485-622609B084B3}"/>
+                <a16:creationId xmlns:a16="http://schemas.microsoft.com/office/drawing/2014/main" xmlns="" id="{49D68CEE-0E8C-4AD6-9485-622609B084B3}"/>
               </a:ext>
             </a:extLst>
           </p:cNvPr>
@@ -21587,7 +20788,7 @@
           <p:cNvPr id="48" name="화살표: 갈매기형 수장 2">
             <a:extLst>
               <a:ext uri="{FF2B5EF4-FFF2-40B4-BE49-F238E27FC236}">
-                <a16:creationId xmlns="" xmlns:a16="http://schemas.microsoft.com/office/drawing/2014/main" id="{7B196A9F-09F8-8545-89B0-5112E49D0233}"/>
+                <a16:creationId xmlns:a16="http://schemas.microsoft.com/office/drawing/2014/main" xmlns="" id="{7B196A9F-09F8-8545-89B0-5112E49D0233}"/>
               </a:ext>
             </a:extLst>
           </p:cNvPr>
@@ -21643,7 +20844,7 @@
           <p:cNvPr id="49" name="TextBox 48">
             <a:extLst>
               <a:ext uri="{FF2B5EF4-FFF2-40B4-BE49-F238E27FC236}">
-                <a16:creationId xmlns="" xmlns:a16="http://schemas.microsoft.com/office/drawing/2014/main" id="{BC3F0FE1-9ECF-C344-B0A8-12B4DA316EC5}"/>
+                <a16:creationId xmlns:a16="http://schemas.microsoft.com/office/drawing/2014/main" xmlns="" id="{BC3F0FE1-9ECF-C344-B0A8-12B4DA316EC5}"/>
               </a:ext>
             </a:extLst>
           </p:cNvPr>
@@ -21824,6 +21025,1345 @@
       </p:sp>
       <p:sp>
         <p:nvSpPr>
+          <p:cNvPr id="12" name="TextBox 11"/>
+          <p:cNvSpPr txBox="1"/>
+          <p:nvPr/>
+        </p:nvSpPr>
+        <p:spPr>
+          <a:xfrm>
+            <a:off x="5364088" y="271681"/>
+            <a:ext cx="3600400" cy="276999"/>
+          </a:xfrm>
+          <a:prstGeom prst="rect">
+            <a:avLst/>
+          </a:prstGeom>
+          <a:noFill/>
+        </p:spPr>
+        <p:txBody>
+          <a:bodyPr wrap="square" rtlCol="0">
+            <a:spAutoFit/>
+          </a:bodyPr>
+          <a:lstStyle/>
+          <a:p>
+            <a:pPr algn="dist"/>
+            <a:r>
+              <a:rPr lang="ko-KR" altLang="en-US" sz="1200" dirty="0" smtClean="0">
+                <a:solidFill>
+                  <a:schemeClr val="bg1"/>
+                </a:solidFill>
+              </a:rPr>
+              <a:t>과목이름이나 영문타이틀</a:t>
+            </a:r>
+          </a:p>
+        </p:txBody>
+      </p:sp>
+      <p:sp>
+        <p:nvSpPr>
+          <p:cNvPr id="38" name="화살표: 갈매기형 수장 1">
+            <a:extLst>
+              <a:ext uri="{FF2B5EF4-FFF2-40B4-BE49-F238E27FC236}">
+                <a16:creationId xmlns:a16="http://schemas.microsoft.com/office/drawing/2014/main" xmlns="" id="{A38FB86A-A9AC-4EAE-8223-69D52F8B1ABE}"/>
+              </a:ext>
+            </a:extLst>
+          </p:cNvPr>
+          <p:cNvSpPr/>
+          <p:nvPr/>
+        </p:nvSpPr>
+        <p:spPr>
+          <a:xfrm>
+            <a:off x="479244" y="1072880"/>
+            <a:ext cx="1742256" cy="461945"/>
+          </a:xfrm>
+          <a:prstGeom prst="chevron">
+            <a:avLst/>
+          </a:prstGeom>
+          <a:solidFill>
+            <a:srgbClr val="FFC000"/>
+          </a:solidFill>
+          <a:ln>
+            <a:solidFill>
+              <a:srgbClr val="FFCC00"/>
+            </a:solidFill>
+          </a:ln>
+        </p:spPr>
+        <p:style>
+          <a:lnRef idx="2">
+            <a:schemeClr val="accent1">
+              <a:shade val="50000"/>
+            </a:schemeClr>
+          </a:lnRef>
+          <a:fillRef idx="1">
+            <a:schemeClr val="accent1"/>
+          </a:fillRef>
+          <a:effectRef idx="0">
+            <a:schemeClr val="accent1"/>
+          </a:effectRef>
+          <a:fontRef idx="minor">
+            <a:schemeClr val="lt1"/>
+          </a:fontRef>
+        </p:style>
+        <p:txBody>
+          <a:bodyPr rtlCol="0" anchor="ctr"/>
+          <a:lstStyle/>
+          <a:p>
+            <a:pPr algn="ctr"/>
+            <a:endParaRPr lang="ko-KR" altLang="en-US">
+              <a:solidFill>
+                <a:schemeClr val="tx1"/>
+              </a:solidFill>
+            </a:endParaRPr>
+          </a:p>
+        </p:txBody>
+      </p:sp>
+      <p:sp>
+        <p:nvSpPr>
+          <p:cNvPr id="39" name="화살표: 갈매기형 수장 2">
+            <a:extLst>
+              <a:ext uri="{FF2B5EF4-FFF2-40B4-BE49-F238E27FC236}">
+                <a16:creationId xmlns:a16="http://schemas.microsoft.com/office/drawing/2014/main" xmlns="" id="{8C8E1FD7-9558-46EC-B4E7-FDD400E94927}"/>
+              </a:ext>
+            </a:extLst>
+          </p:cNvPr>
+          <p:cNvSpPr/>
+          <p:nvPr/>
+        </p:nvSpPr>
+        <p:spPr>
+          <a:xfrm>
+            <a:off x="3779912" y="1072224"/>
+            <a:ext cx="1742256" cy="461945"/>
+          </a:xfrm>
+          <a:prstGeom prst="chevron">
+            <a:avLst/>
+          </a:prstGeom>
+          <a:noFill/>
+          <a:ln>
+            <a:solidFill>
+              <a:srgbClr val="FFCC00"/>
+            </a:solidFill>
+          </a:ln>
+        </p:spPr>
+        <p:style>
+          <a:lnRef idx="2">
+            <a:schemeClr val="accent1">
+              <a:shade val="50000"/>
+            </a:schemeClr>
+          </a:lnRef>
+          <a:fillRef idx="1">
+            <a:schemeClr val="accent1"/>
+          </a:fillRef>
+          <a:effectRef idx="0">
+            <a:schemeClr val="accent1"/>
+          </a:effectRef>
+          <a:fontRef idx="minor">
+            <a:schemeClr val="lt1"/>
+          </a:fontRef>
+        </p:style>
+        <p:txBody>
+          <a:bodyPr rtlCol="0" anchor="ctr"/>
+          <a:lstStyle/>
+          <a:p>
+            <a:pPr algn="ctr"/>
+            <a:endParaRPr lang="ko-KR" altLang="en-US">
+              <a:solidFill>
+                <a:schemeClr val="tx1"/>
+              </a:solidFill>
+            </a:endParaRPr>
+          </a:p>
+        </p:txBody>
+      </p:sp>
+      <p:sp>
+        <p:nvSpPr>
+          <p:cNvPr id="41" name="화살표: 갈매기형 수장 4">
+            <a:extLst>
+              <a:ext uri="{FF2B5EF4-FFF2-40B4-BE49-F238E27FC236}">
+                <a16:creationId xmlns:a16="http://schemas.microsoft.com/office/drawing/2014/main" xmlns="" id="{66755A50-62DA-4FF0-95B0-EA82A6CC33B8}"/>
+              </a:ext>
+            </a:extLst>
+          </p:cNvPr>
+          <p:cNvSpPr/>
+          <p:nvPr/>
+        </p:nvSpPr>
+        <p:spPr>
+          <a:xfrm>
+            <a:off x="5402325" y="1072224"/>
+            <a:ext cx="1742256" cy="461945"/>
+          </a:xfrm>
+          <a:prstGeom prst="chevron">
+            <a:avLst/>
+          </a:prstGeom>
+          <a:noFill/>
+          <a:ln>
+            <a:solidFill>
+              <a:srgbClr val="FFCC00"/>
+            </a:solidFill>
+          </a:ln>
+        </p:spPr>
+        <p:style>
+          <a:lnRef idx="2">
+            <a:schemeClr val="accent1">
+              <a:shade val="50000"/>
+            </a:schemeClr>
+          </a:lnRef>
+          <a:fillRef idx="1">
+            <a:schemeClr val="accent1"/>
+          </a:fillRef>
+          <a:effectRef idx="0">
+            <a:schemeClr val="accent1"/>
+          </a:effectRef>
+          <a:fontRef idx="minor">
+            <a:schemeClr val="lt1"/>
+          </a:fontRef>
+        </p:style>
+        <p:txBody>
+          <a:bodyPr rtlCol="0" anchor="ctr"/>
+          <a:lstStyle/>
+          <a:p>
+            <a:pPr algn="ctr"/>
+            <a:endParaRPr lang="ko-KR" altLang="en-US">
+              <a:solidFill>
+                <a:schemeClr val="tx1"/>
+              </a:solidFill>
+            </a:endParaRPr>
+          </a:p>
+        </p:txBody>
+      </p:sp>
+      <p:sp>
+        <p:nvSpPr>
+          <p:cNvPr id="42" name="화살표: 갈매기형 수장 5">
+            <a:extLst>
+              <a:ext uri="{FF2B5EF4-FFF2-40B4-BE49-F238E27FC236}">
+                <a16:creationId xmlns:a16="http://schemas.microsoft.com/office/drawing/2014/main" xmlns="" id="{DE46CADA-41E8-412A-A136-0A94F5A27AD4}"/>
+              </a:ext>
+            </a:extLst>
+          </p:cNvPr>
+          <p:cNvSpPr/>
+          <p:nvPr/>
+        </p:nvSpPr>
+        <p:spPr>
+          <a:xfrm>
+            <a:off x="7012687" y="1072224"/>
+            <a:ext cx="1742256" cy="461945"/>
+          </a:xfrm>
+          <a:prstGeom prst="chevron">
+            <a:avLst/>
+          </a:prstGeom>
+          <a:noFill/>
+          <a:ln>
+            <a:solidFill>
+              <a:srgbClr val="FFCC00"/>
+            </a:solidFill>
+          </a:ln>
+        </p:spPr>
+        <p:style>
+          <a:lnRef idx="2">
+            <a:schemeClr val="accent1">
+              <a:shade val="50000"/>
+            </a:schemeClr>
+          </a:lnRef>
+          <a:fillRef idx="1">
+            <a:schemeClr val="accent1"/>
+          </a:fillRef>
+          <a:effectRef idx="0">
+            <a:schemeClr val="accent1"/>
+          </a:effectRef>
+          <a:fontRef idx="minor">
+            <a:schemeClr val="lt1"/>
+          </a:fontRef>
+        </p:style>
+        <p:txBody>
+          <a:bodyPr rtlCol="0" anchor="ctr"/>
+          <a:lstStyle/>
+          <a:p>
+            <a:pPr algn="ctr"/>
+            <a:endParaRPr lang="ko-KR" altLang="en-US">
+              <a:solidFill>
+                <a:schemeClr val="tx1"/>
+              </a:solidFill>
+            </a:endParaRPr>
+          </a:p>
+        </p:txBody>
+      </p:sp>
+      <p:sp>
+        <p:nvSpPr>
+          <p:cNvPr id="43" name="TextBox 42">
+            <a:extLst>
+              <a:ext uri="{FF2B5EF4-FFF2-40B4-BE49-F238E27FC236}">
+                <a16:creationId xmlns:a16="http://schemas.microsoft.com/office/drawing/2014/main" xmlns="" id="{68E943C8-5BA8-4C3E-A527-DD0F8F2B0E0A}"/>
+              </a:ext>
+            </a:extLst>
+          </p:cNvPr>
+          <p:cNvSpPr txBox="1"/>
+          <p:nvPr/>
+        </p:nvSpPr>
+        <p:spPr>
+          <a:xfrm>
+            <a:off x="675082" y="1130530"/>
+            <a:ext cx="1343858" cy="369332"/>
+          </a:xfrm>
+          <a:prstGeom prst="rect">
+            <a:avLst/>
+          </a:prstGeom>
+          <a:noFill/>
+        </p:spPr>
+        <p:txBody>
+          <a:bodyPr wrap="square" rtlCol="0">
+            <a:spAutoFit/>
+          </a:bodyPr>
+          <a:lstStyle/>
+          <a:p>
+            <a:r>
+              <a:rPr lang="ko-KR" altLang="en-US" b="1" dirty="0" err="1">
+                <a:solidFill>
+                  <a:schemeClr val="bg1"/>
+                </a:solidFill>
+              </a:rPr>
+              <a:t>웹스크래핑</a:t>
+            </a:r>
+            <a:endParaRPr lang="ko-KR" altLang="en-US" b="1" dirty="0">
+              <a:solidFill>
+                <a:schemeClr val="bg1"/>
+              </a:solidFill>
+            </a:endParaRPr>
+          </a:p>
+        </p:txBody>
+      </p:sp>
+      <p:sp>
+        <p:nvSpPr>
+          <p:cNvPr id="44" name="TextBox 43">
+            <a:extLst>
+              <a:ext uri="{FF2B5EF4-FFF2-40B4-BE49-F238E27FC236}">
+                <a16:creationId xmlns:a16="http://schemas.microsoft.com/office/drawing/2014/main" xmlns="" id="{4D3D8339-CC68-4AAC-A189-19E6E05D54DD}"/>
+              </a:ext>
+            </a:extLst>
+          </p:cNvPr>
+          <p:cNvSpPr txBox="1"/>
+          <p:nvPr/>
+        </p:nvSpPr>
+        <p:spPr>
+          <a:xfrm>
+            <a:off x="4198808" y="1129874"/>
+            <a:ext cx="890085" cy="369332"/>
+          </a:xfrm>
+          <a:prstGeom prst="rect">
+            <a:avLst/>
+          </a:prstGeom>
+          <a:noFill/>
+        </p:spPr>
+        <p:txBody>
+          <a:bodyPr wrap="square" rtlCol="0">
+            <a:spAutoFit/>
+          </a:bodyPr>
+          <a:lstStyle/>
+          <a:p>
+            <a:r>
+              <a:rPr lang="ko-KR" altLang="en-US" b="1" dirty="0">
+                <a:solidFill>
+                  <a:srgbClr val="082E59"/>
+                </a:solidFill>
+              </a:rPr>
+              <a:t>시각화</a:t>
+            </a:r>
+          </a:p>
+        </p:txBody>
+      </p:sp>
+      <p:sp>
+        <p:nvSpPr>
+          <p:cNvPr id="46" name="TextBox 45">
+            <a:extLst>
+              <a:ext uri="{FF2B5EF4-FFF2-40B4-BE49-F238E27FC236}">
+                <a16:creationId xmlns:a16="http://schemas.microsoft.com/office/drawing/2014/main" xmlns="" id="{32361A82-4993-4DC4-B5EF-3C30F9515573}"/>
+              </a:ext>
+            </a:extLst>
+          </p:cNvPr>
+          <p:cNvSpPr txBox="1"/>
+          <p:nvPr/>
+        </p:nvSpPr>
+        <p:spPr>
+          <a:xfrm>
+            <a:off x="7327810" y="1129874"/>
+            <a:ext cx="1101193" cy="369332"/>
+          </a:xfrm>
+          <a:prstGeom prst="rect">
+            <a:avLst/>
+          </a:prstGeom>
+          <a:noFill/>
+        </p:spPr>
+        <p:txBody>
+          <a:bodyPr wrap="square" rtlCol="0">
+            <a:spAutoFit/>
+          </a:bodyPr>
+          <a:lstStyle/>
+          <a:p>
+            <a:r>
+              <a:rPr lang="ko-KR" altLang="en-US" b="1" dirty="0">
+                <a:solidFill>
+                  <a:srgbClr val="082E59"/>
+                </a:solidFill>
+              </a:rPr>
+              <a:t>결론도출</a:t>
+            </a:r>
+          </a:p>
+        </p:txBody>
+      </p:sp>
+      <p:sp>
+        <p:nvSpPr>
+          <p:cNvPr id="47" name="TextBox 46">
+            <a:extLst>
+              <a:ext uri="{FF2B5EF4-FFF2-40B4-BE49-F238E27FC236}">
+                <a16:creationId xmlns:a16="http://schemas.microsoft.com/office/drawing/2014/main" xmlns="" id="{49D68CEE-0E8C-4AD6-9485-622609B084B3}"/>
+              </a:ext>
+            </a:extLst>
+          </p:cNvPr>
+          <p:cNvSpPr txBox="1"/>
+          <p:nvPr/>
+        </p:nvSpPr>
+        <p:spPr>
+          <a:xfrm>
+            <a:off x="5402325" y="1129874"/>
+            <a:ext cx="1742256" cy="369332"/>
+          </a:xfrm>
+          <a:prstGeom prst="rect">
+            <a:avLst/>
+          </a:prstGeom>
+          <a:noFill/>
+        </p:spPr>
+        <p:txBody>
+          <a:bodyPr wrap="square" rtlCol="0">
+            <a:spAutoFit/>
+          </a:bodyPr>
+          <a:lstStyle/>
+          <a:p>
+            <a:pPr algn="ctr"/>
+            <a:r>
+              <a:rPr lang="ko-KR" altLang="en-US" b="1" dirty="0">
+                <a:solidFill>
+                  <a:srgbClr val="082E59"/>
+                </a:solidFill>
+              </a:rPr>
+              <a:t>분석</a:t>
+            </a:r>
+          </a:p>
+        </p:txBody>
+      </p:sp>
+      <p:sp>
+        <p:nvSpPr>
+          <p:cNvPr id="48" name="화살표: 갈매기형 수장 2">
+            <a:extLst>
+              <a:ext uri="{FF2B5EF4-FFF2-40B4-BE49-F238E27FC236}">
+                <a16:creationId xmlns:a16="http://schemas.microsoft.com/office/drawing/2014/main" xmlns="" id="{7B196A9F-09F8-8545-89B0-5112E49D0233}"/>
+              </a:ext>
+            </a:extLst>
+          </p:cNvPr>
+          <p:cNvSpPr/>
+          <p:nvPr/>
+        </p:nvSpPr>
+        <p:spPr>
+          <a:xfrm>
+            <a:off x="2151275" y="1072224"/>
+            <a:ext cx="1742256" cy="461945"/>
+          </a:xfrm>
+          <a:prstGeom prst="chevron">
+            <a:avLst/>
+          </a:prstGeom>
+          <a:noFill/>
+          <a:ln>
+            <a:solidFill>
+              <a:srgbClr val="FFCC00"/>
+            </a:solidFill>
+          </a:ln>
+        </p:spPr>
+        <p:style>
+          <a:lnRef idx="2">
+            <a:schemeClr val="accent1">
+              <a:shade val="50000"/>
+            </a:schemeClr>
+          </a:lnRef>
+          <a:fillRef idx="1">
+            <a:schemeClr val="accent1"/>
+          </a:fillRef>
+          <a:effectRef idx="0">
+            <a:schemeClr val="accent1"/>
+          </a:effectRef>
+          <a:fontRef idx="minor">
+            <a:schemeClr val="lt1"/>
+          </a:fontRef>
+        </p:style>
+        <p:txBody>
+          <a:bodyPr rtlCol="0" anchor="ctr"/>
+          <a:lstStyle/>
+          <a:p>
+            <a:pPr algn="ctr"/>
+            <a:endParaRPr lang="ko-KR" altLang="en-US">
+              <a:solidFill>
+                <a:schemeClr val="tx1"/>
+              </a:solidFill>
+            </a:endParaRPr>
+          </a:p>
+        </p:txBody>
+      </p:sp>
+      <p:sp>
+        <p:nvSpPr>
+          <p:cNvPr id="49" name="TextBox 48">
+            <a:extLst>
+              <a:ext uri="{FF2B5EF4-FFF2-40B4-BE49-F238E27FC236}">
+                <a16:creationId xmlns:a16="http://schemas.microsoft.com/office/drawing/2014/main" xmlns="" id="{BC3F0FE1-9ECF-C344-B0A8-12B4DA316EC5}"/>
+              </a:ext>
+            </a:extLst>
+          </p:cNvPr>
+          <p:cNvSpPr txBox="1"/>
+          <p:nvPr/>
+        </p:nvSpPr>
+        <p:spPr>
+          <a:xfrm>
+            <a:off x="2548474" y="1140694"/>
+            <a:ext cx="890085" cy="369332"/>
+          </a:xfrm>
+          <a:prstGeom prst="rect">
+            <a:avLst/>
+          </a:prstGeom>
+          <a:noFill/>
+        </p:spPr>
+        <p:txBody>
+          <a:bodyPr wrap="square" rtlCol="0">
+            <a:spAutoFit/>
+          </a:bodyPr>
+          <a:lstStyle/>
+          <a:p>
+            <a:r>
+              <a:rPr lang="ko-KR" altLang="en-US" b="1" dirty="0">
+                <a:solidFill>
+                  <a:srgbClr val="082E59"/>
+                </a:solidFill>
+              </a:rPr>
+              <a:t>전처리</a:t>
+            </a:r>
+          </a:p>
+        </p:txBody>
+      </p:sp>
+      <p:grpSp>
+        <p:nvGrpSpPr>
+          <p:cNvPr id="6" name="그룹 5"/>
+          <p:cNvGrpSpPr/>
+          <p:nvPr/>
+        </p:nvGrpSpPr>
+        <p:grpSpPr>
+          <a:xfrm>
+            <a:off x="610136" y="1991666"/>
+            <a:ext cx="7905214" cy="3683694"/>
+            <a:chOff x="610136" y="1991666"/>
+            <a:chExt cx="7905214" cy="3683694"/>
+          </a:xfrm>
+        </p:grpSpPr>
+        <p:pic>
+          <p:nvPicPr>
+            <p:cNvPr id="4" name="그림 3"/>
+            <p:cNvPicPr>
+              <a:picLocks noChangeAspect="1"/>
+            </p:cNvPicPr>
+            <p:nvPr/>
+          </p:nvPicPr>
+          <p:blipFill>
+            <a:blip r:embed="rId3"/>
+            <a:stretch>
+              <a:fillRect/>
+            </a:stretch>
+          </p:blipFill>
+          <p:spPr>
+            <a:xfrm>
+              <a:off x="628650" y="2398760"/>
+              <a:ext cx="7886700" cy="3276600"/>
+            </a:xfrm>
+            <a:prstGeom prst="rect">
+              <a:avLst/>
+            </a:prstGeom>
+          </p:spPr>
+        </p:pic>
+        <p:pic>
+          <p:nvPicPr>
+            <p:cNvPr id="5" name="그림 4"/>
+            <p:cNvPicPr>
+              <a:picLocks noChangeAspect="1"/>
+            </p:cNvPicPr>
+            <p:nvPr/>
+          </p:nvPicPr>
+          <p:blipFill>
+            <a:blip r:embed="rId4"/>
+            <a:stretch>
+              <a:fillRect/>
+            </a:stretch>
+          </p:blipFill>
+          <p:spPr>
+            <a:xfrm>
+              <a:off x="610136" y="1991666"/>
+              <a:ext cx="3876675" cy="371475"/>
+            </a:xfrm>
+            <a:prstGeom prst="rect">
+              <a:avLst/>
+            </a:prstGeom>
+          </p:spPr>
+        </p:pic>
+      </p:grpSp>
+    </p:spTree>
+    <p:extLst>
+      <p:ext uri="{BB962C8B-B14F-4D97-AF65-F5344CB8AC3E}">
+        <p14:creationId xmlns:p14="http://schemas.microsoft.com/office/powerpoint/2010/main" val="1358470216"/>
+      </p:ext>
+    </p:extLst>
+  </p:cSld>
+  <p:clrMapOvr>
+    <a:masterClrMapping/>
+  </p:clrMapOvr>
+  <p:timing>
+    <p:tnLst>
+      <p:par>
+        <p:cTn id="1" dur="indefinite" restart="never" nodeType="tmRoot"/>
+      </p:par>
+    </p:tnLst>
+  </p:timing>
+</p:sld>
+</file>
+
+<file path=ppt/slides/slide16.xml><?xml version="1.0" encoding="utf-8"?>
+<p:sld xmlns:a="http://schemas.openxmlformats.org/drawingml/2006/main" xmlns:r="http://schemas.openxmlformats.org/officeDocument/2006/relationships" xmlns:p="http://schemas.openxmlformats.org/presentationml/2006/main">
+  <p:cSld>
+    <p:spTree>
+      <p:nvGrpSpPr>
+        <p:cNvPr id="1" name=""/>
+        <p:cNvGrpSpPr/>
+        <p:nvPr/>
+      </p:nvGrpSpPr>
+      <p:grpSpPr>
+        <a:xfrm>
+          <a:off x="0" y="0"/>
+          <a:ext cx="0" cy="0"/>
+          <a:chOff x="0" y="0"/>
+          <a:chExt cx="0" cy="0"/>
+        </a:xfrm>
+      </p:grpSpPr>
+      <p:sp>
+        <p:nvSpPr>
+          <p:cNvPr id="2" name="직사각형 1"/>
+          <p:cNvSpPr/>
+          <p:nvPr/>
+        </p:nvSpPr>
+        <p:spPr>
+          <a:xfrm>
+            <a:off x="251520" y="620688"/>
+            <a:ext cx="8640960" cy="5976664"/>
+          </a:xfrm>
+          <a:prstGeom prst="rect">
+            <a:avLst/>
+          </a:prstGeom>
+          <a:solidFill>
+            <a:schemeClr val="bg1"/>
+          </a:solidFill>
+          <a:ln>
+            <a:noFill/>
+          </a:ln>
+        </p:spPr>
+        <p:style>
+          <a:lnRef idx="2">
+            <a:schemeClr val="accent1">
+              <a:shade val="50000"/>
+            </a:schemeClr>
+          </a:lnRef>
+          <a:fillRef idx="1">
+            <a:schemeClr val="accent1"/>
+          </a:fillRef>
+          <a:effectRef idx="0">
+            <a:schemeClr val="accent1"/>
+          </a:effectRef>
+          <a:fontRef idx="minor">
+            <a:schemeClr val="lt1"/>
+          </a:fontRef>
+        </p:style>
+        <p:txBody>
+          <a:bodyPr rtlCol="0" anchor="ctr"/>
+          <a:lstStyle/>
+          <a:p>
+            <a:pPr algn="ctr"/>
+            <a:endParaRPr lang="ko-KR" altLang="en-US"/>
+          </a:p>
+        </p:txBody>
+      </p:sp>
+      <p:sp>
+        <p:nvSpPr>
+          <p:cNvPr id="8" name="직사각형 7"/>
+          <p:cNvSpPr/>
+          <p:nvPr/>
+        </p:nvSpPr>
+        <p:spPr>
+          <a:xfrm>
+            <a:off x="219463" y="271681"/>
+            <a:ext cx="1297150" cy="276999"/>
+          </a:xfrm>
+          <a:prstGeom prst="rect">
+            <a:avLst/>
+          </a:prstGeom>
+        </p:spPr>
+        <p:txBody>
+          <a:bodyPr wrap="none">
+            <a:spAutoFit/>
+          </a:bodyPr>
+          <a:lstStyle/>
+          <a:p>
+            <a:pPr algn="ctr"/>
+            <a:r>
+              <a:rPr lang="ko-KR" altLang="en-US" sz="1200" b="1" spc="-150" dirty="0" smtClean="0">
+                <a:solidFill>
+                  <a:schemeClr val="bg1"/>
+                </a:solidFill>
+              </a:rPr>
+              <a:t>제목을 입력하세요</a:t>
+            </a:r>
+            <a:endParaRPr lang="ko-KR" altLang="en-US" sz="1200" b="1" spc="-150" dirty="0">
+              <a:solidFill>
+                <a:schemeClr val="bg1"/>
+              </a:solidFill>
+            </a:endParaRPr>
+          </a:p>
+        </p:txBody>
+      </p:sp>
+      <p:sp>
+        <p:nvSpPr>
+          <p:cNvPr id="12" name="TextBox 11"/>
+          <p:cNvSpPr txBox="1"/>
+          <p:nvPr/>
+        </p:nvSpPr>
+        <p:spPr>
+          <a:xfrm>
+            <a:off x="5364088" y="271681"/>
+            <a:ext cx="3600400" cy="276999"/>
+          </a:xfrm>
+          <a:prstGeom prst="rect">
+            <a:avLst/>
+          </a:prstGeom>
+          <a:noFill/>
+        </p:spPr>
+        <p:txBody>
+          <a:bodyPr wrap="square" rtlCol="0">
+            <a:spAutoFit/>
+          </a:bodyPr>
+          <a:lstStyle/>
+          <a:p>
+            <a:pPr algn="dist"/>
+            <a:r>
+              <a:rPr lang="ko-KR" altLang="en-US" sz="1200" dirty="0" smtClean="0">
+                <a:solidFill>
+                  <a:schemeClr val="bg1"/>
+                </a:solidFill>
+              </a:rPr>
+              <a:t>과목이름이나 영문타이틀</a:t>
+            </a:r>
+          </a:p>
+        </p:txBody>
+      </p:sp>
+      <p:sp>
+        <p:nvSpPr>
+          <p:cNvPr id="38" name="화살표: 갈매기형 수장 1">
+            <a:extLst>
+              <a:ext uri="{FF2B5EF4-FFF2-40B4-BE49-F238E27FC236}">
+                <a16:creationId xmlns:a16="http://schemas.microsoft.com/office/drawing/2014/main" xmlns="" id="{A38FB86A-A9AC-4EAE-8223-69D52F8B1ABE}"/>
+              </a:ext>
+            </a:extLst>
+          </p:cNvPr>
+          <p:cNvSpPr/>
+          <p:nvPr/>
+        </p:nvSpPr>
+        <p:spPr>
+          <a:xfrm>
+            <a:off x="479244" y="1072880"/>
+            <a:ext cx="1742256" cy="461945"/>
+          </a:xfrm>
+          <a:prstGeom prst="chevron">
+            <a:avLst/>
+          </a:prstGeom>
+          <a:solidFill>
+            <a:srgbClr val="FFC000"/>
+          </a:solidFill>
+          <a:ln>
+            <a:solidFill>
+              <a:srgbClr val="FFCC00"/>
+            </a:solidFill>
+          </a:ln>
+        </p:spPr>
+        <p:style>
+          <a:lnRef idx="2">
+            <a:schemeClr val="accent1">
+              <a:shade val="50000"/>
+            </a:schemeClr>
+          </a:lnRef>
+          <a:fillRef idx="1">
+            <a:schemeClr val="accent1"/>
+          </a:fillRef>
+          <a:effectRef idx="0">
+            <a:schemeClr val="accent1"/>
+          </a:effectRef>
+          <a:fontRef idx="minor">
+            <a:schemeClr val="lt1"/>
+          </a:fontRef>
+        </p:style>
+        <p:txBody>
+          <a:bodyPr rtlCol="0" anchor="ctr"/>
+          <a:lstStyle/>
+          <a:p>
+            <a:pPr algn="ctr"/>
+            <a:endParaRPr lang="ko-KR" altLang="en-US">
+              <a:solidFill>
+                <a:schemeClr val="tx1"/>
+              </a:solidFill>
+            </a:endParaRPr>
+          </a:p>
+        </p:txBody>
+      </p:sp>
+      <p:sp>
+        <p:nvSpPr>
+          <p:cNvPr id="39" name="화살표: 갈매기형 수장 2">
+            <a:extLst>
+              <a:ext uri="{FF2B5EF4-FFF2-40B4-BE49-F238E27FC236}">
+                <a16:creationId xmlns:a16="http://schemas.microsoft.com/office/drawing/2014/main" xmlns="" id="{8C8E1FD7-9558-46EC-B4E7-FDD400E94927}"/>
+              </a:ext>
+            </a:extLst>
+          </p:cNvPr>
+          <p:cNvSpPr/>
+          <p:nvPr/>
+        </p:nvSpPr>
+        <p:spPr>
+          <a:xfrm>
+            <a:off x="3779912" y="1072224"/>
+            <a:ext cx="1742256" cy="461945"/>
+          </a:xfrm>
+          <a:prstGeom prst="chevron">
+            <a:avLst/>
+          </a:prstGeom>
+          <a:noFill/>
+          <a:ln>
+            <a:solidFill>
+              <a:srgbClr val="FFCC00"/>
+            </a:solidFill>
+          </a:ln>
+        </p:spPr>
+        <p:style>
+          <a:lnRef idx="2">
+            <a:schemeClr val="accent1">
+              <a:shade val="50000"/>
+            </a:schemeClr>
+          </a:lnRef>
+          <a:fillRef idx="1">
+            <a:schemeClr val="accent1"/>
+          </a:fillRef>
+          <a:effectRef idx="0">
+            <a:schemeClr val="accent1"/>
+          </a:effectRef>
+          <a:fontRef idx="minor">
+            <a:schemeClr val="lt1"/>
+          </a:fontRef>
+        </p:style>
+        <p:txBody>
+          <a:bodyPr rtlCol="0" anchor="ctr"/>
+          <a:lstStyle/>
+          <a:p>
+            <a:pPr algn="ctr"/>
+            <a:endParaRPr lang="ko-KR" altLang="en-US">
+              <a:solidFill>
+                <a:schemeClr val="tx1"/>
+              </a:solidFill>
+            </a:endParaRPr>
+          </a:p>
+        </p:txBody>
+      </p:sp>
+      <p:sp>
+        <p:nvSpPr>
+          <p:cNvPr id="41" name="화살표: 갈매기형 수장 4">
+            <a:extLst>
+              <a:ext uri="{FF2B5EF4-FFF2-40B4-BE49-F238E27FC236}">
+                <a16:creationId xmlns:a16="http://schemas.microsoft.com/office/drawing/2014/main" xmlns="" id="{66755A50-62DA-4FF0-95B0-EA82A6CC33B8}"/>
+              </a:ext>
+            </a:extLst>
+          </p:cNvPr>
+          <p:cNvSpPr/>
+          <p:nvPr/>
+        </p:nvSpPr>
+        <p:spPr>
+          <a:xfrm>
+            <a:off x="5402325" y="1072224"/>
+            <a:ext cx="1742256" cy="461945"/>
+          </a:xfrm>
+          <a:prstGeom prst="chevron">
+            <a:avLst/>
+          </a:prstGeom>
+          <a:noFill/>
+          <a:ln>
+            <a:solidFill>
+              <a:srgbClr val="FFCC00"/>
+            </a:solidFill>
+          </a:ln>
+        </p:spPr>
+        <p:style>
+          <a:lnRef idx="2">
+            <a:schemeClr val="accent1">
+              <a:shade val="50000"/>
+            </a:schemeClr>
+          </a:lnRef>
+          <a:fillRef idx="1">
+            <a:schemeClr val="accent1"/>
+          </a:fillRef>
+          <a:effectRef idx="0">
+            <a:schemeClr val="accent1"/>
+          </a:effectRef>
+          <a:fontRef idx="minor">
+            <a:schemeClr val="lt1"/>
+          </a:fontRef>
+        </p:style>
+        <p:txBody>
+          <a:bodyPr rtlCol="0" anchor="ctr"/>
+          <a:lstStyle/>
+          <a:p>
+            <a:pPr algn="ctr"/>
+            <a:endParaRPr lang="ko-KR" altLang="en-US">
+              <a:solidFill>
+                <a:schemeClr val="tx1"/>
+              </a:solidFill>
+            </a:endParaRPr>
+          </a:p>
+        </p:txBody>
+      </p:sp>
+      <p:sp>
+        <p:nvSpPr>
+          <p:cNvPr id="42" name="화살표: 갈매기형 수장 5">
+            <a:extLst>
+              <a:ext uri="{FF2B5EF4-FFF2-40B4-BE49-F238E27FC236}">
+                <a16:creationId xmlns:a16="http://schemas.microsoft.com/office/drawing/2014/main" xmlns="" id="{DE46CADA-41E8-412A-A136-0A94F5A27AD4}"/>
+              </a:ext>
+            </a:extLst>
+          </p:cNvPr>
+          <p:cNvSpPr/>
+          <p:nvPr/>
+        </p:nvSpPr>
+        <p:spPr>
+          <a:xfrm>
+            <a:off x="7012687" y="1072224"/>
+            <a:ext cx="1742256" cy="461945"/>
+          </a:xfrm>
+          <a:prstGeom prst="chevron">
+            <a:avLst/>
+          </a:prstGeom>
+          <a:noFill/>
+          <a:ln>
+            <a:solidFill>
+              <a:srgbClr val="FFCC00"/>
+            </a:solidFill>
+          </a:ln>
+        </p:spPr>
+        <p:style>
+          <a:lnRef idx="2">
+            <a:schemeClr val="accent1">
+              <a:shade val="50000"/>
+            </a:schemeClr>
+          </a:lnRef>
+          <a:fillRef idx="1">
+            <a:schemeClr val="accent1"/>
+          </a:fillRef>
+          <a:effectRef idx="0">
+            <a:schemeClr val="accent1"/>
+          </a:effectRef>
+          <a:fontRef idx="minor">
+            <a:schemeClr val="lt1"/>
+          </a:fontRef>
+        </p:style>
+        <p:txBody>
+          <a:bodyPr rtlCol="0" anchor="ctr"/>
+          <a:lstStyle/>
+          <a:p>
+            <a:pPr algn="ctr"/>
+            <a:endParaRPr lang="ko-KR" altLang="en-US">
+              <a:solidFill>
+                <a:schemeClr val="tx1"/>
+              </a:solidFill>
+            </a:endParaRPr>
+          </a:p>
+        </p:txBody>
+      </p:sp>
+      <p:sp>
+        <p:nvSpPr>
+          <p:cNvPr id="43" name="TextBox 42">
+            <a:extLst>
+              <a:ext uri="{FF2B5EF4-FFF2-40B4-BE49-F238E27FC236}">
+                <a16:creationId xmlns:a16="http://schemas.microsoft.com/office/drawing/2014/main" xmlns="" id="{68E943C8-5BA8-4C3E-A527-DD0F8F2B0E0A}"/>
+              </a:ext>
+            </a:extLst>
+          </p:cNvPr>
+          <p:cNvSpPr txBox="1"/>
+          <p:nvPr/>
+        </p:nvSpPr>
+        <p:spPr>
+          <a:xfrm>
+            <a:off x="675082" y="1130530"/>
+            <a:ext cx="1343858" cy="369332"/>
+          </a:xfrm>
+          <a:prstGeom prst="rect">
+            <a:avLst/>
+          </a:prstGeom>
+          <a:noFill/>
+        </p:spPr>
+        <p:txBody>
+          <a:bodyPr wrap="square" rtlCol="0">
+            <a:spAutoFit/>
+          </a:bodyPr>
+          <a:lstStyle/>
+          <a:p>
+            <a:r>
+              <a:rPr lang="ko-KR" altLang="en-US" b="1" dirty="0" err="1">
+                <a:solidFill>
+                  <a:schemeClr val="bg1"/>
+                </a:solidFill>
+              </a:rPr>
+              <a:t>웹스크래핑</a:t>
+            </a:r>
+            <a:endParaRPr lang="ko-KR" altLang="en-US" b="1" dirty="0">
+              <a:solidFill>
+                <a:schemeClr val="bg1"/>
+              </a:solidFill>
+            </a:endParaRPr>
+          </a:p>
+        </p:txBody>
+      </p:sp>
+      <p:sp>
+        <p:nvSpPr>
+          <p:cNvPr id="44" name="TextBox 43">
+            <a:extLst>
+              <a:ext uri="{FF2B5EF4-FFF2-40B4-BE49-F238E27FC236}">
+                <a16:creationId xmlns:a16="http://schemas.microsoft.com/office/drawing/2014/main" xmlns="" id="{4D3D8339-CC68-4AAC-A189-19E6E05D54DD}"/>
+              </a:ext>
+            </a:extLst>
+          </p:cNvPr>
+          <p:cNvSpPr txBox="1"/>
+          <p:nvPr/>
+        </p:nvSpPr>
+        <p:spPr>
+          <a:xfrm>
+            <a:off x="4198808" y="1129874"/>
+            <a:ext cx="890085" cy="369332"/>
+          </a:xfrm>
+          <a:prstGeom prst="rect">
+            <a:avLst/>
+          </a:prstGeom>
+          <a:noFill/>
+        </p:spPr>
+        <p:txBody>
+          <a:bodyPr wrap="square" rtlCol="0">
+            <a:spAutoFit/>
+          </a:bodyPr>
+          <a:lstStyle/>
+          <a:p>
+            <a:r>
+              <a:rPr lang="ko-KR" altLang="en-US" b="1" dirty="0">
+                <a:solidFill>
+                  <a:srgbClr val="082E59"/>
+                </a:solidFill>
+              </a:rPr>
+              <a:t>시각화</a:t>
+            </a:r>
+          </a:p>
+        </p:txBody>
+      </p:sp>
+      <p:sp>
+        <p:nvSpPr>
+          <p:cNvPr id="46" name="TextBox 45">
+            <a:extLst>
+              <a:ext uri="{FF2B5EF4-FFF2-40B4-BE49-F238E27FC236}">
+                <a16:creationId xmlns:a16="http://schemas.microsoft.com/office/drawing/2014/main" xmlns="" id="{32361A82-4993-4DC4-B5EF-3C30F9515573}"/>
+              </a:ext>
+            </a:extLst>
+          </p:cNvPr>
+          <p:cNvSpPr txBox="1"/>
+          <p:nvPr/>
+        </p:nvSpPr>
+        <p:spPr>
+          <a:xfrm>
+            <a:off x="7327810" y="1129874"/>
+            <a:ext cx="1101193" cy="369332"/>
+          </a:xfrm>
+          <a:prstGeom prst="rect">
+            <a:avLst/>
+          </a:prstGeom>
+          <a:noFill/>
+        </p:spPr>
+        <p:txBody>
+          <a:bodyPr wrap="square" rtlCol="0">
+            <a:spAutoFit/>
+          </a:bodyPr>
+          <a:lstStyle/>
+          <a:p>
+            <a:r>
+              <a:rPr lang="ko-KR" altLang="en-US" b="1" dirty="0">
+                <a:solidFill>
+                  <a:srgbClr val="082E59"/>
+                </a:solidFill>
+              </a:rPr>
+              <a:t>결론도출</a:t>
+            </a:r>
+          </a:p>
+        </p:txBody>
+      </p:sp>
+      <p:sp>
+        <p:nvSpPr>
+          <p:cNvPr id="47" name="TextBox 46">
+            <a:extLst>
+              <a:ext uri="{FF2B5EF4-FFF2-40B4-BE49-F238E27FC236}">
+                <a16:creationId xmlns:a16="http://schemas.microsoft.com/office/drawing/2014/main" xmlns="" id="{49D68CEE-0E8C-4AD6-9485-622609B084B3}"/>
+              </a:ext>
+            </a:extLst>
+          </p:cNvPr>
+          <p:cNvSpPr txBox="1"/>
+          <p:nvPr/>
+        </p:nvSpPr>
+        <p:spPr>
+          <a:xfrm>
+            <a:off x="5402325" y="1129874"/>
+            <a:ext cx="1742256" cy="369332"/>
+          </a:xfrm>
+          <a:prstGeom prst="rect">
+            <a:avLst/>
+          </a:prstGeom>
+          <a:noFill/>
+        </p:spPr>
+        <p:txBody>
+          <a:bodyPr wrap="square" rtlCol="0">
+            <a:spAutoFit/>
+          </a:bodyPr>
+          <a:lstStyle/>
+          <a:p>
+            <a:pPr algn="ctr"/>
+            <a:r>
+              <a:rPr lang="ko-KR" altLang="en-US" b="1" dirty="0">
+                <a:solidFill>
+                  <a:srgbClr val="082E59"/>
+                </a:solidFill>
+              </a:rPr>
+              <a:t>분석</a:t>
+            </a:r>
+          </a:p>
+        </p:txBody>
+      </p:sp>
+      <p:sp>
+        <p:nvSpPr>
+          <p:cNvPr id="48" name="화살표: 갈매기형 수장 2">
+            <a:extLst>
+              <a:ext uri="{FF2B5EF4-FFF2-40B4-BE49-F238E27FC236}">
+                <a16:creationId xmlns:a16="http://schemas.microsoft.com/office/drawing/2014/main" xmlns="" id="{7B196A9F-09F8-8545-89B0-5112E49D0233}"/>
+              </a:ext>
+            </a:extLst>
+          </p:cNvPr>
+          <p:cNvSpPr/>
+          <p:nvPr/>
+        </p:nvSpPr>
+        <p:spPr>
+          <a:xfrm>
+            <a:off x="2151275" y="1072224"/>
+            <a:ext cx="1742256" cy="461945"/>
+          </a:xfrm>
+          <a:prstGeom prst="chevron">
+            <a:avLst/>
+          </a:prstGeom>
+          <a:noFill/>
+          <a:ln>
+            <a:solidFill>
+              <a:srgbClr val="FFCC00"/>
+            </a:solidFill>
+          </a:ln>
+        </p:spPr>
+        <p:style>
+          <a:lnRef idx="2">
+            <a:schemeClr val="accent1">
+              <a:shade val="50000"/>
+            </a:schemeClr>
+          </a:lnRef>
+          <a:fillRef idx="1">
+            <a:schemeClr val="accent1"/>
+          </a:fillRef>
+          <a:effectRef idx="0">
+            <a:schemeClr val="accent1"/>
+          </a:effectRef>
+          <a:fontRef idx="minor">
+            <a:schemeClr val="lt1"/>
+          </a:fontRef>
+        </p:style>
+        <p:txBody>
+          <a:bodyPr rtlCol="0" anchor="ctr"/>
+          <a:lstStyle/>
+          <a:p>
+            <a:pPr algn="ctr"/>
+            <a:endParaRPr lang="ko-KR" altLang="en-US">
+              <a:solidFill>
+                <a:schemeClr val="tx1"/>
+              </a:solidFill>
+            </a:endParaRPr>
+          </a:p>
+        </p:txBody>
+      </p:sp>
+      <p:sp>
+        <p:nvSpPr>
+          <p:cNvPr id="49" name="TextBox 48">
+            <a:extLst>
+              <a:ext uri="{FF2B5EF4-FFF2-40B4-BE49-F238E27FC236}">
+                <a16:creationId xmlns:a16="http://schemas.microsoft.com/office/drawing/2014/main" xmlns="" id="{BC3F0FE1-9ECF-C344-B0A8-12B4DA316EC5}"/>
+              </a:ext>
+            </a:extLst>
+          </p:cNvPr>
+          <p:cNvSpPr txBox="1"/>
+          <p:nvPr/>
+        </p:nvSpPr>
+        <p:spPr>
+          <a:xfrm>
+            <a:off x="2548474" y="1140694"/>
+            <a:ext cx="890085" cy="369332"/>
+          </a:xfrm>
+          <a:prstGeom prst="rect">
+            <a:avLst/>
+          </a:prstGeom>
+          <a:noFill/>
+        </p:spPr>
+        <p:txBody>
+          <a:bodyPr wrap="square" rtlCol="0">
+            <a:spAutoFit/>
+          </a:bodyPr>
+          <a:lstStyle/>
+          <a:p>
+            <a:r>
+              <a:rPr lang="ko-KR" altLang="en-US" b="1" dirty="0">
+                <a:solidFill>
+                  <a:srgbClr val="082E59"/>
+                </a:solidFill>
+              </a:rPr>
+              <a:t>전처리</a:t>
+            </a:r>
+          </a:p>
+        </p:txBody>
+      </p:sp>
+    </p:spTree>
+    <p:extLst>
+      <p:ext uri="{BB962C8B-B14F-4D97-AF65-F5344CB8AC3E}">
+        <p14:creationId xmlns:p14="http://schemas.microsoft.com/office/powerpoint/2010/main" val="1730248788"/>
+      </p:ext>
+    </p:extLst>
+  </p:cSld>
+  <p:clrMapOvr>
+    <a:masterClrMapping/>
+  </p:clrMapOvr>
+  <p:timing>
+    <p:tnLst>
+      <p:par>
+        <p:cTn id="1" dur="indefinite" restart="never" nodeType="tmRoot"/>
+      </p:par>
+    </p:tnLst>
+  </p:timing>
+</p:sld>
+</file>
+
+<file path=ppt/slides/slide17.xml><?xml version="1.0" encoding="utf-8"?>
+<p:sld xmlns:a="http://schemas.openxmlformats.org/drawingml/2006/main" xmlns:r="http://schemas.openxmlformats.org/officeDocument/2006/relationships" xmlns:p="http://schemas.openxmlformats.org/presentationml/2006/main">
+  <p:cSld>
+    <p:spTree>
+      <p:nvGrpSpPr>
+        <p:cNvPr id="1" name=""/>
+        <p:cNvGrpSpPr/>
+        <p:nvPr/>
+      </p:nvGrpSpPr>
+      <p:grpSpPr>
+        <a:xfrm>
+          <a:off x="0" y="0"/>
+          <a:ext cx="0" cy="0"/>
+          <a:chOff x="0" y="0"/>
+          <a:chExt cx="0" cy="0"/>
+        </a:xfrm>
+      </p:grpSpPr>
+      <p:sp>
+        <p:nvSpPr>
+          <p:cNvPr id="2" name="직사각형 1"/>
+          <p:cNvSpPr/>
+          <p:nvPr/>
+        </p:nvSpPr>
+        <p:spPr>
+          <a:xfrm>
+            <a:off x="251520" y="620688"/>
+            <a:ext cx="8640960" cy="5976664"/>
+          </a:xfrm>
+          <a:prstGeom prst="rect">
+            <a:avLst/>
+          </a:prstGeom>
+          <a:solidFill>
+            <a:schemeClr val="bg1"/>
+          </a:solidFill>
+          <a:ln>
+            <a:noFill/>
+          </a:ln>
+        </p:spPr>
+        <p:style>
+          <a:lnRef idx="2">
+            <a:schemeClr val="accent1">
+              <a:shade val="50000"/>
+            </a:schemeClr>
+          </a:lnRef>
+          <a:fillRef idx="1">
+            <a:schemeClr val="accent1"/>
+          </a:fillRef>
+          <a:effectRef idx="0">
+            <a:schemeClr val="accent1"/>
+          </a:effectRef>
+          <a:fontRef idx="minor">
+            <a:schemeClr val="lt1"/>
+          </a:fontRef>
+        </p:style>
+        <p:txBody>
+          <a:bodyPr rtlCol="0" anchor="ctr"/>
+          <a:lstStyle/>
+          <a:p>
+            <a:pPr algn="ctr"/>
+            <a:endParaRPr lang="ko-KR" altLang="en-US"/>
+          </a:p>
+        </p:txBody>
+      </p:sp>
+      <p:sp>
+        <p:nvSpPr>
+          <p:cNvPr id="8" name="직사각형 7"/>
+          <p:cNvSpPr/>
+          <p:nvPr/>
+        </p:nvSpPr>
+        <p:spPr>
+          <a:xfrm>
+            <a:off x="219463" y="271681"/>
+            <a:ext cx="1297150" cy="276999"/>
+          </a:xfrm>
+          <a:prstGeom prst="rect">
+            <a:avLst/>
+          </a:prstGeom>
+        </p:spPr>
+        <p:txBody>
+          <a:bodyPr wrap="none">
+            <a:spAutoFit/>
+          </a:bodyPr>
+          <a:lstStyle/>
+          <a:p>
+            <a:pPr algn="ctr"/>
+            <a:r>
+              <a:rPr lang="ko-KR" altLang="en-US" sz="1200" b="1" spc="-150" dirty="0" smtClean="0">
+                <a:solidFill>
+                  <a:schemeClr val="bg1"/>
+                </a:solidFill>
+              </a:rPr>
+              <a:t>제목을 입력하세요</a:t>
+            </a:r>
+            <a:endParaRPr lang="ko-KR" altLang="en-US" sz="1200" b="1" spc="-150" dirty="0">
+              <a:solidFill>
+                <a:schemeClr val="bg1"/>
+              </a:solidFill>
+            </a:endParaRPr>
+          </a:p>
+        </p:txBody>
+      </p:sp>
+      <p:sp>
+        <p:nvSpPr>
           <p:cNvPr id="10" name="TextBox 9"/>
           <p:cNvSpPr txBox="1"/>
           <p:nvPr/>
@@ -21904,7 +22444,7 @@
           <p:cNvPr id="38" name="화살표: 갈매기형 수장 1">
             <a:extLst>
               <a:ext uri="{FF2B5EF4-FFF2-40B4-BE49-F238E27FC236}">
-                <a16:creationId xmlns="" xmlns:a16="http://schemas.microsoft.com/office/drawing/2014/main" id="{A38FB86A-A9AC-4EAE-8223-69D52F8B1ABE}"/>
+                <a16:creationId xmlns:a16="http://schemas.microsoft.com/office/drawing/2014/main" xmlns="" id="{A38FB86A-A9AC-4EAE-8223-69D52F8B1ABE}"/>
               </a:ext>
             </a:extLst>
           </p:cNvPr>
@@ -21960,7 +22500,7 @@
           <p:cNvPr id="39" name="화살표: 갈매기형 수장 2">
             <a:extLst>
               <a:ext uri="{FF2B5EF4-FFF2-40B4-BE49-F238E27FC236}">
-                <a16:creationId xmlns="" xmlns:a16="http://schemas.microsoft.com/office/drawing/2014/main" id="{8C8E1FD7-9558-46EC-B4E7-FDD400E94927}"/>
+                <a16:creationId xmlns:a16="http://schemas.microsoft.com/office/drawing/2014/main" xmlns="" id="{8C8E1FD7-9558-46EC-B4E7-FDD400E94927}"/>
               </a:ext>
             </a:extLst>
           </p:cNvPr>
@@ -22016,7 +22556,7 @@
           <p:cNvPr id="41" name="화살표: 갈매기형 수장 4">
             <a:extLst>
               <a:ext uri="{FF2B5EF4-FFF2-40B4-BE49-F238E27FC236}">
-                <a16:creationId xmlns="" xmlns:a16="http://schemas.microsoft.com/office/drawing/2014/main" id="{66755A50-62DA-4FF0-95B0-EA82A6CC33B8}"/>
+                <a16:creationId xmlns:a16="http://schemas.microsoft.com/office/drawing/2014/main" xmlns="" id="{66755A50-62DA-4FF0-95B0-EA82A6CC33B8}"/>
               </a:ext>
             </a:extLst>
           </p:cNvPr>
@@ -22072,7 +22612,7 @@
           <p:cNvPr id="42" name="화살표: 갈매기형 수장 5">
             <a:extLst>
               <a:ext uri="{FF2B5EF4-FFF2-40B4-BE49-F238E27FC236}">
-                <a16:creationId xmlns="" xmlns:a16="http://schemas.microsoft.com/office/drawing/2014/main" id="{DE46CADA-41E8-412A-A136-0A94F5A27AD4}"/>
+                <a16:creationId xmlns:a16="http://schemas.microsoft.com/office/drawing/2014/main" xmlns="" id="{DE46CADA-41E8-412A-A136-0A94F5A27AD4}"/>
               </a:ext>
             </a:extLst>
           </p:cNvPr>
@@ -22128,7 +22668,7 @@
           <p:cNvPr id="43" name="TextBox 42">
             <a:extLst>
               <a:ext uri="{FF2B5EF4-FFF2-40B4-BE49-F238E27FC236}">
-                <a16:creationId xmlns="" xmlns:a16="http://schemas.microsoft.com/office/drawing/2014/main" id="{68E943C8-5BA8-4C3E-A527-DD0F8F2B0E0A}"/>
+                <a16:creationId xmlns:a16="http://schemas.microsoft.com/office/drawing/2014/main" xmlns="" id="{68E943C8-5BA8-4C3E-A527-DD0F8F2B0E0A}"/>
               </a:ext>
             </a:extLst>
           </p:cNvPr>
@@ -22164,7 +22704,7 @@
           <p:cNvPr id="44" name="TextBox 43">
             <a:extLst>
               <a:ext uri="{FF2B5EF4-FFF2-40B4-BE49-F238E27FC236}">
-                <a16:creationId xmlns="" xmlns:a16="http://schemas.microsoft.com/office/drawing/2014/main" id="{4D3D8339-CC68-4AAC-A189-19E6E05D54DD}"/>
+                <a16:creationId xmlns:a16="http://schemas.microsoft.com/office/drawing/2014/main" xmlns="" id="{4D3D8339-CC68-4AAC-A189-19E6E05D54DD}"/>
               </a:ext>
             </a:extLst>
           </p:cNvPr>
@@ -22203,7 +22743,7 @@
           <p:cNvPr id="46" name="TextBox 45">
             <a:extLst>
               <a:ext uri="{FF2B5EF4-FFF2-40B4-BE49-F238E27FC236}">
-                <a16:creationId xmlns="" xmlns:a16="http://schemas.microsoft.com/office/drawing/2014/main" id="{32361A82-4993-4DC4-B5EF-3C30F9515573}"/>
+                <a16:creationId xmlns:a16="http://schemas.microsoft.com/office/drawing/2014/main" xmlns="" id="{32361A82-4993-4DC4-B5EF-3C30F9515573}"/>
               </a:ext>
             </a:extLst>
           </p:cNvPr>
@@ -22242,7 +22782,7 @@
           <p:cNvPr id="47" name="TextBox 46">
             <a:extLst>
               <a:ext uri="{FF2B5EF4-FFF2-40B4-BE49-F238E27FC236}">
-                <a16:creationId xmlns="" xmlns:a16="http://schemas.microsoft.com/office/drawing/2014/main" id="{49D68CEE-0E8C-4AD6-9485-622609B084B3}"/>
+                <a16:creationId xmlns:a16="http://schemas.microsoft.com/office/drawing/2014/main" xmlns="" id="{49D68CEE-0E8C-4AD6-9485-622609B084B3}"/>
               </a:ext>
             </a:extLst>
           </p:cNvPr>
@@ -22282,7 +22822,7 @@
           <p:cNvPr id="48" name="화살표: 갈매기형 수장 2">
             <a:extLst>
               <a:ext uri="{FF2B5EF4-FFF2-40B4-BE49-F238E27FC236}">
-                <a16:creationId xmlns="" xmlns:a16="http://schemas.microsoft.com/office/drawing/2014/main" id="{7B196A9F-09F8-8545-89B0-5112E49D0233}"/>
+                <a16:creationId xmlns:a16="http://schemas.microsoft.com/office/drawing/2014/main" xmlns="" id="{7B196A9F-09F8-8545-89B0-5112E49D0233}"/>
               </a:ext>
             </a:extLst>
           </p:cNvPr>
@@ -22340,7 +22880,7 @@
           <p:cNvPr id="49" name="TextBox 48">
             <a:extLst>
               <a:ext uri="{FF2B5EF4-FFF2-40B4-BE49-F238E27FC236}">
-                <a16:creationId xmlns="" xmlns:a16="http://schemas.microsoft.com/office/drawing/2014/main" id="{BC3F0FE1-9ECF-C344-B0A8-12B4DA316EC5}"/>
+                <a16:creationId xmlns:a16="http://schemas.microsoft.com/office/drawing/2014/main" xmlns="" id="{BC3F0FE1-9ECF-C344-B0A8-12B4DA316EC5}"/>
               </a:ext>
             </a:extLst>
           </p:cNvPr>
@@ -22379,7 +22919,7 @@
           <p:cNvPr id="16" name="내용 개체 틀 2">
             <a:extLst>
               <a:ext uri="{FF2B5EF4-FFF2-40B4-BE49-F238E27FC236}">
-                <a16:creationId xmlns:a16="http://schemas.microsoft.com/office/drawing/2014/main" xmlns="" id="{E965BA51-CCB7-7A4F-A170-2565CA39D3E5}"/>
+                <a16:creationId xmlns="" xmlns:a16="http://schemas.microsoft.com/office/drawing/2014/main" id="{E965BA51-CCB7-7A4F-A170-2565CA39D3E5}"/>
               </a:ext>
             </a:extLst>
           </p:cNvPr>
@@ -22983,7 +23523,7 @@
 </p:sld>
 </file>
 
-<file path=ppt/slides/slide16.xml><?xml version="1.0" encoding="utf-8"?>
+<file path=ppt/slides/slide18.xml><?xml version="1.0" encoding="utf-8"?>
 <p:sld xmlns:a="http://schemas.openxmlformats.org/drawingml/2006/main" xmlns:r="http://schemas.openxmlformats.org/officeDocument/2006/relationships" xmlns:p="http://schemas.openxmlformats.org/presentationml/2006/main">
   <p:cSld>
     <p:spTree>
@@ -23166,7 +23706,7 @@
           <p:cNvPr id="38" name="화살표: 갈매기형 수장 1">
             <a:extLst>
               <a:ext uri="{FF2B5EF4-FFF2-40B4-BE49-F238E27FC236}">
-                <a16:creationId xmlns="" xmlns:a16="http://schemas.microsoft.com/office/drawing/2014/main" id="{A38FB86A-A9AC-4EAE-8223-69D52F8B1ABE}"/>
+                <a16:creationId xmlns:a16="http://schemas.microsoft.com/office/drawing/2014/main" xmlns="" id="{A38FB86A-A9AC-4EAE-8223-69D52F8B1ABE}"/>
               </a:ext>
             </a:extLst>
           </p:cNvPr>
@@ -23224,7 +23764,7 @@
           <p:cNvPr id="39" name="화살표: 갈매기형 수장 2">
             <a:extLst>
               <a:ext uri="{FF2B5EF4-FFF2-40B4-BE49-F238E27FC236}">
-                <a16:creationId xmlns="" xmlns:a16="http://schemas.microsoft.com/office/drawing/2014/main" id="{8C8E1FD7-9558-46EC-B4E7-FDD400E94927}"/>
+                <a16:creationId xmlns:a16="http://schemas.microsoft.com/office/drawing/2014/main" xmlns="" id="{8C8E1FD7-9558-46EC-B4E7-FDD400E94927}"/>
               </a:ext>
             </a:extLst>
           </p:cNvPr>
@@ -23282,7 +23822,7 @@
           <p:cNvPr id="41" name="화살표: 갈매기형 수장 4">
             <a:extLst>
               <a:ext uri="{FF2B5EF4-FFF2-40B4-BE49-F238E27FC236}">
-                <a16:creationId xmlns="" xmlns:a16="http://schemas.microsoft.com/office/drawing/2014/main" id="{66755A50-62DA-4FF0-95B0-EA82A6CC33B8}"/>
+                <a16:creationId xmlns:a16="http://schemas.microsoft.com/office/drawing/2014/main" xmlns="" id="{66755A50-62DA-4FF0-95B0-EA82A6CC33B8}"/>
               </a:ext>
             </a:extLst>
           </p:cNvPr>
@@ -23338,7 +23878,7 @@
           <p:cNvPr id="42" name="화살표: 갈매기형 수장 5">
             <a:extLst>
               <a:ext uri="{FF2B5EF4-FFF2-40B4-BE49-F238E27FC236}">
-                <a16:creationId xmlns="" xmlns:a16="http://schemas.microsoft.com/office/drawing/2014/main" id="{DE46CADA-41E8-412A-A136-0A94F5A27AD4}"/>
+                <a16:creationId xmlns:a16="http://schemas.microsoft.com/office/drawing/2014/main" xmlns="" id="{DE46CADA-41E8-412A-A136-0A94F5A27AD4}"/>
               </a:ext>
             </a:extLst>
           </p:cNvPr>
@@ -23394,7 +23934,7 @@
           <p:cNvPr id="43" name="TextBox 42">
             <a:extLst>
               <a:ext uri="{FF2B5EF4-FFF2-40B4-BE49-F238E27FC236}">
-                <a16:creationId xmlns="" xmlns:a16="http://schemas.microsoft.com/office/drawing/2014/main" id="{68E943C8-5BA8-4C3E-A527-DD0F8F2B0E0A}"/>
+                <a16:creationId xmlns:a16="http://schemas.microsoft.com/office/drawing/2014/main" xmlns="" id="{68E943C8-5BA8-4C3E-A527-DD0F8F2B0E0A}"/>
               </a:ext>
             </a:extLst>
           </p:cNvPr>
@@ -23430,7 +23970,7 @@
           <p:cNvPr id="44" name="TextBox 43">
             <a:extLst>
               <a:ext uri="{FF2B5EF4-FFF2-40B4-BE49-F238E27FC236}">
-                <a16:creationId xmlns="" xmlns:a16="http://schemas.microsoft.com/office/drawing/2014/main" id="{4D3D8339-CC68-4AAC-A189-19E6E05D54DD}"/>
+                <a16:creationId xmlns:a16="http://schemas.microsoft.com/office/drawing/2014/main" xmlns="" id="{4D3D8339-CC68-4AAC-A189-19E6E05D54DD}"/>
               </a:ext>
             </a:extLst>
           </p:cNvPr>
@@ -23469,7 +24009,7 @@
           <p:cNvPr id="46" name="TextBox 45">
             <a:extLst>
               <a:ext uri="{FF2B5EF4-FFF2-40B4-BE49-F238E27FC236}">
-                <a16:creationId xmlns="" xmlns:a16="http://schemas.microsoft.com/office/drawing/2014/main" id="{32361A82-4993-4DC4-B5EF-3C30F9515573}"/>
+                <a16:creationId xmlns:a16="http://schemas.microsoft.com/office/drawing/2014/main" xmlns="" id="{32361A82-4993-4DC4-B5EF-3C30F9515573}"/>
               </a:ext>
             </a:extLst>
           </p:cNvPr>
@@ -23508,7 +24048,7 @@
           <p:cNvPr id="47" name="TextBox 46">
             <a:extLst>
               <a:ext uri="{FF2B5EF4-FFF2-40B4-BE49-F238E27FC236}">
-                <a16:creationId xmlns="" xmlns:a16="http://schemas.microsoft.com/office/drawing/2014/main" id="{49D68CEE-0E8C-4AD6-9485-622609B084B3}"/>
+                <a16:creationId xmlns:a16="http://schemas.microsoft.com/office/drawing/2014/main" xmlns="" id="{49D68CEE-0E8C-4AD6-9485-622609B084B3}"/>
               </a:ext>
             </a:extLst>
           </p:cNvPr>
@@ -23548,7 +24088,7 @@
           <p:cNvPr id="48" name="화살표: 갈매기형 수장 2">
             <a:extLst>
               <a:ext uri="{FF2B5EF4-FFF2-40B4-BE49-F238E27FC236}">
-                <a16:creationId xmlns="" xmlns:a16="http://schemas.microsoft.com/office/drawing/2014/main" id="{7B196A9F-09F8-8545-89B0-5112E49D0233}"/>
+                <a16:creationId xmlns:a16="http://schemas.microsoft.com/office/drawing/2014/main" xmlns="" id="{7B196A9F-09F8-8545-89B0-5112E49D0233}"/>
               </a:ext>
             </a:extLst>
           </p:cNvPr>
@@ -23604,7 +24144,7 @@
           <p:cNvPr id="49" name="TextBox 48">
             <a:extLst>
               <a:ext uri="{FF2B5EF4-FFF2-40B4-BE49-F238E27FC236}">
-                <a16:creationId xmlns="" xmlns:a16="http://schemas.microsoft.com/office/drawing/2014/main" id="{BC3F0FE1-9ECF-C344-B0A8-12B4DA316EC5}"/>
+                <a16:creationId xmlns:a16="http://schemas.microsoft.com/office/drawing/2014/main" xmlns="" id="{BC3F0FE1-9ECF-C344-B0A8-12B4DA316EC5}"/>
               </a:ext>
             </a:extLst>
           </p:cNvPr>
@@ -23658,7 +24198,7 @@
 </p:sld>
 </file>
 
-<file path=ppt/slides/slide17.xml><?xml version="1.0" encoding="utf-8"?>
+<file path=ppt/slides/slide19.xml><?xml version="1.0" encoding="utf-8"?>
 <p:sld xmlns:a="http://schemas.openxmlformats.org/drawingml/2006/main" xmlns:r="http://schemas.openxmlformats.org/officeDocument/2006/relationships" xmlns:p="http://schemas.openxmlformats.org/presentationml/2006/main">
   <p:cSld>
     <p:spTree>
@@ -23841,7 +24381,7 @@
           <p:cNvPr id="38" name="화살표: 갈매기형 수장 1">
             <a:extLst>
               <a:ext uri="{FF2B5EF4-FFF2-40B4-BE49-F238E27FC236}">
-                <a16:creationId xmlns="" xmlns:a16="http://schemas.microsoft.com/office/drawing/2014/main" id="{A38FB86A-A9AC-4EAE-8223-69D52F8B1ABE}"/>
+                <a16:creationId xmlns:a16="http://schemas.microsoft.com/office/drawing/2014/main" xmlns="" id="{A38FB86A-A9AC-4EAE-8223-69D52F8B1ABE}"/>
               </a:ext>
             </a:extLst>
           </p:cNvPr>
@@ -23899,7 +24439,7 @@
           <p:cNvPr id="39" name="화살표: 갈매기형 수장 2">
             <a:extLst>
               <a:ext uri="{FF2B5EF4-FFF2-40B4-BE49-F238E27FC236}">
-                <a16:creationId xmlns="" xmlns:a16="http://schemas.microsoft.com/office/drawing/2014/main" id="{8C8E1FD7-9558-46EC-B4E7-FDD400E94927}"/>
+                <a16:creationId xmlns:a16="http://schemas.microsoft.com/office/drawing/2014/main" xmlns="" id="{8C8E1FD7-9558-46EC-B4E7-FDD400E94927}"/>
               </a:ext>
             </a:extLst>
           </p:cNvPr>
@@ -23955,7 +24495,7 @@
           <p:cNvPr id="41" name="화살표: 갈매기형 수장 4">
             <a:extLst>
               <a:ext uri="{FF2B5EF4-FFF2-40B4-BE49-F238E27FC236}">
-                <a16:creationId xmlns="" xmlns:a16="http://schemas.microsoft.com/office/drawing/2014/main" id="{66755A50-62DA-4FF0-95B0-EA82A6CC33B8}"/>
+                <a16:creationId xmlns:a16="http://schemas.microsoft.com/office/drawing/2014/main" xmlns="" id="{66755A50-62DA-4FF0-95B0-EA82A6CC33B8}"/>
               </a:ext>
             </a:extLst>
           </p:cNvPr>
@@ -24013,7 +24553,7 @@
           <p:cNvPr id="42" name="화살표: 갈매기형 수장 5">
             <a:extLst>
               <a:ext uri="{FF2B5EF4-FFF2-40B4-BE49-F238E27FC236}">
-                <a16:creationId xmlns="" xmlns:a16="http://schemas.microsoft.com/office/drawing/2014/main" id="{DE46CADA-41E8-412A-A136-0A94F5A27AD4}"/>
+                <a16:creationId xmlns:a16="http://schemas.microsoft.com/office/drawing/2014/main" xmlns="" id="{DE46CADA-41E8-412A-A136-0A94F5A27AD4}"/>
               </a:ext>
             </a:extLst>
           </p:cNvPr>
@@ -24069,7 +24609,7 @@
           <p:cNvPr id="43" name="TextBox 42">
             <a:extLst>
               <a:ext uri="{FF2B5EF4-FFF2-40B4-BE49-F238E27FC236}">
-                <a16:creationId xmlns="" xmlns:a16="http://schemas.microsoft.com/office/drawing/2014/main" id="{68E943C8-5BA8-4C3E-A527-DD0F8F2B0E0A}"/>
+                <a16:creationId xmlns:a16="http://schemas.microsoft.com/office/drawing/2014/main" xmlns="" id="{68E943C8-5BA8-4C3E-A527-DD0F8F2B0E0A}"/>
               </a:ext>
             </a:extLst>
           </p:cNvPr>
@@ -24105,7 +24645,7 @@
           <p:cNvPr id="44" name="TextBox 43">
             <a:extLst>
               <a:ext uri="{FF2B5EF4-FFF2-40B4-BE49-F238E27FC236}">
-                <a16:creationId xmlns="" xmlns:a16="http://schemas.microsoft.com/office/drawing/2014/main" id="{4D3D8339-CC68-4AAC-A189-19E6E05D54DD}"/>
+                <a16:creationId xmlns:a16="http://schemas.microsoft.com/office/drawing/2014/main" xmlns="" id="{4D3D8339-CC68-4AAC-A189-19E6E05D54DD}"/>
               </a:ext>
             </a:extLst>
           </p:cNvPr>
@@ -24144,7 +24684,7 @@
           <p:cNvPr id="46" name="TextBox 45">
             <a:extLst>
               <a:ext uri="{FF2B5EF4-FFF2-40B4-BE49-F238E27FC236}">
-                <a16:creationId xmlns="" xmlns:a16="http://schemas.microsoft.com/office/drawing/2014/main" id="{32361A82-4993-4DC4-B5EF-3C30F9515573}"/>
+                <a16:creationId xmlns:a16="http://schemas.microsoft.com/office/drawing/2014/main" xmlns="" id="{32361A82-4993-4DC4-B5EF-3C30F9515573}"/>
               </a:ext>
             </a:extLst>
           </p:cNvPr>
@@ -24183,7 +24723,7 @@
           <p:cNvPr id="47" name="TextBox 46">
             <a:extLst>
               <a:ext uri="{FF2B5EF4-FFF2-40B4-BE49-F238E27FC236}">
-                <a16:creationId xmlns="" xmlns:a16="http://schemas.microsoft.com/office/drawing/2014/main" id="{49D68CEE-0E8C-4AD6-9485-622609B084B3}"/>
+                <a16:creationId xmlns:a16="http://schemas.microsoft.com/office/drawing/2014/main" xmlns="" id="{49D68CEE-0E8C-4AD6-9485-622609B084B3}"/>
               </a:ext>
             </a:extLst>
           </p:cNvPr>
@@ -24223,7 +24763,7 @@
           <p:cNvPr id="48" name="화살표: 갈매기형 수장 2">
             <a:extLst>
               <a:ext uri="{FF2B5EF4-FFF2-40B4-BE49-F238E27FC236}">
-                <a16:creationId xmlns="" xmlns:a16="http://schemas.microsoft.com/office/drawing/2014/main" id="{7B196A9F-09F8-8545-89B0-5112E49D0233}"/>
+                <a16:creationId xmlns:a16="http://schemas.microsoft.com/office/drawing/2014/main" xmlns="" id="{7B196A9F-09F8-8545-89B0-5112E49D0233}"/>
               </a:ext>
             </a:extLst>
           </p:cNvPr>
@@ -24279,7 +24819,7 @@
           <p:cNvPr id="49" name="TextBox 48">
             <a:extLst>
               <a:ext uri="{FF2B5EF4-FFF2-40B4-BE49-F238E27FC236}">
-                <a16:creationId xmlns="" xmlns:a16="http://schemas.microsoft.com/office/drawing/2014/main" id="{BC3F0FE1-9ECF-C344-B0A8-12B4DA316EC5}"/>
+                <a16:creationId xmlns:a16="http://schemas.microsoft.com/office/drawing/2014/main" xmlns="" id="{BC3F0FE1-9ECF-C344-B0A8-12B4DA316EC5}"/>
               </a:ext>
             </a:extLst>
           </p:cNvPr>
@@ -24319,940 +24859,6 @@
         <p14:creationId xmlns:p14="http://schemas.microsoft.com/office/powerpoint/2010/main" val="2607869930"/>
       </p:ext>
     </p:extLst>
-  </p:cSld>
-  <p:clrMapOvr>
-    <a:masterClrMapping/>
-  </p:clrMapOvr>
-  <p:timing>
-    <p:tnLst>
-      <p:par>
-        <p:cTn id="1" dur="indefinite" restart="never" nodeType="tmRoot"/>
-      </p:par>
-    </p:tnLst>
-  </p:timing>
-</p:sld>
-</file>
-
-<file path=ppt/slides/slide18.xml><?xml version="1.0" encoding="utf-8"?>
-<p:sld xmlns:a="http://schemas.openxmlformats.org/drawingml/2006/main" xmlns:r="http://schemas.openxmlformats.org/officeDocument/2006/relationships" xmlns:p="http://schemas.openxmlformats.org/presentationml/2006/main">
-  <p:cSld>
-    <p:spTree>
-      <p:nvGrpSpPr>
-        <p:cNvPr id="1" name=""/>
-        <p:cNvGrpSpPr/>
-        <p:nvPr/>
-      </p:nvGrpSpPr>
-      <p:grpSpPr>
-        <a:xfrm>
-          <a:off x="0" y="0"/>
-          <a:ext cx="0" cy="0"/>
-          <a:chOff x="0" y="0"/>
-          <a:chExt cx="0" cy="0"/>
-        </a:xfrm>
-      </p:grpSpPr>
-      <p:sp>
-        <p:nvSpPr>
-          <p:cNvPr id="2" name="직사각형 1"/>
-          <p:cNvSpPr/>
-          <p:nvPr/>
-        </p:nvSpPr>
-        <p:spPr>
-          <a:xfrm>
-            <a:off x="251520" y="620688"/>
-            <a:ext cx="8640960" cy="5976664"/>
-          </a:xfrm>
-          <a:prstGeom prst="rect">
-            <a:avLst/>
-          </a:prstGeom>
-          <a:solidFill>
-            <a:schemeClr val="bg1"/>
-          </a:solidFill>
-          <a:ln>
-            <a:noFill/>
-          </a:ln>
-        </p:spPr>
-        <p:style>
-          <a:lnRef idx="2">
-            <a:schemeClr val="accent1">
-              <a:shade val="50000"/>
-            </a:schemeClr>
-          </a:lnRef>
-          <a:fillRef idx="1">
-            <a:schemeClr val="accent1"/>
-          </a:fillRef>
-          <a:effectRef idx="0">
-            <a:schemeClr val="accent1"/>
-          </a:effectRef>
-          <a:fontRef idx="minor">
-            <a:schemeClr val="lt1"/>
-          </a:fontRef>
-        </p:style>
-        <p:txBody>
-          <a:bodyPr rtlCol="0" anchor="ctr"/>
-          <a:lstStyle/>
-          <a:p>
-            <a:pPr algn="ctr"/>
-            <a:endParaRPr lang="ko-KR" altLang="en-US"/>
-          </a:p>
-        </p:txBody>
-      </p:sp>
-      <p:sp>
-        <p:nvSpPr>
-          <p:cNvPr id="8" name="직사각형 7"/>
-          <p:cNvSpPr/>
-          <p:nvPr/>
-        </p:nvSpPr>
-        <p:spPr>
-          <a:xfrm>
-            <a:off x="219463" y="271681"/>
-            <a:ext cx="1297150" cy="276999"/>
-          </a:xfrm>
-          <a:prstGeom prst="rect">
-            <a:avLst/>
-          </a:prstGeom>
-        </p:spPr>
-        <p:txBody>
-          <a:bodyPr wrap="none">
-            <a:spAutoFit/>
-          </a:bodyPr>
-          <a:lstStyle/>
-          <a:p>
-            <a:pPr algn="ctr"/>
-            <a:r>
-              <a:rPr lang="ko-KR" altLang="en-US" sz="1200" b="1" spc="-150" dirty="0" smtClean="0">
-                <a:solidFill>
-                  <a:schemeClr val="bg1"/>
-                </a:solidFill>
-              </a:rPr>
-              <a:t>제목을 입력하세요</a:t>
-            </a:r>
-            <a:endParaRPr lang="ko-KR" altLang="en-US" sz="1200" b="1" spc="-150" dirty="0">
-              <a:solidFill>
-                <a:schemeClr val="bg1"/>
-              </a:solidFill>
-            </a:endParaRPr>
-          </a:p>
-        </p:txBody>
-      </p:sp>
-      <p:sp>
-        <p:nvSpPr>
-          <p:cNvPr id="10" name="TextBox 9"/>
-          <p:cNvSpPr txBox="1"/>
-          <p:nvPr/>
-        </p:nvSpPr>
-        <p:spPr>
-          <a:xfrm>
-            <a:off x="7164288" y="6546830"/>
-            <a:ext cx="1728192" cy="338554"/>
-          </a:xfrm>
-          <a:prstGeom prst="rect">
-            <a:avLst/>
-          </a:prstGeom>
-          <a:noFill/>
-        </p:spPr>
-        <p:txBody>
-          <a:bodyPr wrap="square" rtlCol="0">
-            <a:spAutoFit/>
-          </a:bodyPr>
-          <a:lstStyle/>
-          <a:p>
-            <a:pPr algn="r"/>
-            <a:r>
-              <a:rPr lang="en-US" altLang="ko-KR" sz="1600" dirty="0" smtClean="0">
-                <a:solidFill>
-                  <a:schemeClr val="bg1">
-                    <a:lumMod val="75000"/>
-                  </a:schemeClr>
-                </a:solidFill>
-              </a:rPr>
-              <a:t>MINHEEBLOG</a:t>
-            </a:r>
-            <a:endParaRPr lang="ko-KR" altLang="en-US" sz="1600" dirty="0">
-              <a:solidFill>
-                <a:schemeClr val="bg1">
-                  <a:lumMod val="75000"/>
-                </a:schemeClr>
-              </a:solidFill>
-            </a:endParaRPr>
-          </a:p>
-        </p:txBody>
-      </p:sp>
-      <p:sp>
-        <p:nvSpPr>
-          <p:cNvPr id="12" name="TextBox 11"/>
-          <p:cNvSpPr txBox="1"/>
-          <p:nvPr/>
-        </p:nvSpPr>
-        <p:spPr>
-          <a:xfrm>
-            <a:off x="5364088" y="271681"/>
-            <a:ext cx="3600400" cy="276999"/>
-          </a:xfrm>
-          <a:prstGeom prst="rect">
-            <a:avLst/>
-          </a:prstGeom>
-          <a:noFill/>
-        </p:spPr>
-        <p:txBody>
-          <a:bodyPr wrap="square" rtlCol="0">
-            <a:spAutoFit/>
-          </a:bodyPr>
-          <a:lstStyle/>
-          <a:p>
-            <a:pPr algn="dist"/>
-            <a:r>
-              <a:rPr lang="ko-KR" altLang="en-US" sz="1200" dirty="0" smtClean="0">
-                <a:solidFill>
-                  <a:schemeClr val="bg1"/>
-                </a:solidFill>
-              </a:rPr>
-              <a:t>과목이름이나 영문타이틀</a:t>
-            </a:r>
-          </a:p>
-        </p:txBody>
-      </p:sp>
-      <p:sp>
-        <p:nvSpPr>
-          <p:cNvPr id="38" name="화살표: 갈매기형 수장 1">
-            <a:extLst>
-              <a:ext uri="{FF2B5EF4-FFF2-40B4-BE49-F238E27FC236}">
-                <a16:creationId xmlns="" xmlns:a16="http://schemas.microsoft.com/office/drawing/2014/main" id="{A38FB86A-A9AC-4EAE-8223-69D52F8B1ABE}"/>
-              </a:ext>
-            </a:extLst>
-          </p:cNvPr>
-          <p:cNvSpPr/>
-          <p:nvPr/>
-        </p:nvSpPr>
-        <p:spPr>
-          <a:xfrm>
-            <a:off x="479244" y="1072880"/>
-            <a:ext cx="1742256" cy="461945"/>
-          </a:xfrm>
-          <a:prstGeom prst="chevron">
-            <a:avLst/>
-          </a:prstGeom>
-          <a:noFill/>
-          <a:ln>
-            <a:solidFill>
-              <a:srgbClr val="FFCC00"/>
-            </a:solidFill>
-          </a:ln>
-        </p:spPr>
-        <p:style>
-          <a:lnRef idx="2">
-            <a:schemeClr val="accent1">
-              <a:shade val="50000"/>
-            </a:schemeClr>
-          </a:lnRef>
-          <a:fillRef idx="1">
-            <a:schemeClr val="accent1"/>
-          </a:fillRef>
-          <a:effectRef idx="0">
-            <a:schemeClr val="accent1"/>
-          </a:effectRef>
-          <a:fontRef idx="minor">
-            <a:schemeClr val="lt1"/>
-          </a:fontRef>
-        </p:style>
-        <p:txBody>
-          <a:bodyPr rtlCol="0" anchor="ctr"/>
-          <a:lstStyle/>
-          <a:p>
-            <a:pPr algn="ctr"/>
-            <a:endParaRPr lang="ko-KR" altLang="en-US">
-              <a:solidFill>
-                <a:schemeClr val="tx1"/>
-              </a:solidFill>
-            </a:endParaRPr>
-          </a:p>
-        </p:txBody>
-      </p:sp>
-      <p:sp>
-        <p:nvSpPr>
-          <p:cNvPr id="39" name="화살표: 갈매기형 수장 2">
-            <a:extLst>
-              <a:ext uri="{FF2B5EF4-FFF2-40B4-BE49-F238E27FC236}">
-                <a16:creationId xmlns="" xmlns:a16="http://schemas.microsoft.com/office/drawing/2014/main" id="{8C8E1FD7-9558-46EC-B4E7-FDD400E94927}"/>
-              </a:ext>
-            </a:extLst>
-          </p:cNvPr>
-          <p:cNvSpPr/>
-          <p:nvPr/>
-        </p:nvSpPr>
-        <p:spPr>
-          <a:xfrm>
-            <a:off x="3779912" y="1072224"/>
-            <a:ext cx="1742256" cy="461945"/>
-          </a:xfrm>
-          <a:prstGeom prst="chevron">
-            <a:avLst/>
-          </a:prstGeom>
-          <a:noFill/>
-          <a:ln>
-            <a:solidFill>
-              <a:srgbClr val="FFCC00"/>
-            </a:solidFill>
-          </a:ln>
-        </p:spPr>
-        <p:style>
-          <a:lnRef idx="2">
-            <a:schemeClr val="accent1">
-              <a:shade val="50000"/>
-            </a:schemeClr>
-          </a:lnRef>
-          <a:fillRef idx="1">
-            <a:schemeClr val="accent1"/>
-          </a:fillRef>
-          <a:effectRef idx="0">
-            <a:schemeClr val="accent1"/>
-          </a:effectRef>
-          <a:fontRef idx="minor">
-            <a:schemeClr val="lt1"/>
-          </a:fontRef>
-        </p:style>
-        <p:txBody>
-          <a:bodyPr rtlCol="0" anchor="ctr"/>
-          <a:lstStyle/>
-          <a:p>
-            <a:pPr algn="ctr"/>
-            <a:endParaRPr lang="ko-KR" altLang="en-US">
-              <a:solidFill>
-                <a:schemeClr val="tx1"/>
-              </a:solidFill>
-            </a:endParaRPr>
-          </a:p>
-        </p:txBody>
-      </p:sp>
-      <p:sp>
-        <p:nvSpPr>
-          <p:cNvPr id="41" name="화살표: 갈매기형 수장 4">
-            <a:extLst>
-              <a:ext uri="{FF2B5EF4-FFF2-40B4-BE49-F238E27FC236}">
-                <a16:creationId xmlns="" xmlns:a16="http://schemas.microsoft.com/office/drawing/2014/main" id="{66755A50-62DA-4FF0-95B0-EA82A6CC33B8}"/>
-              </a:ext>
-            </a:extLst>
-          </p:cNvPr>
-          <p:cNvSpPr/>
-          <p:nvPr/>
-        </p:nvSpPr>
-        <p:spPr>
-          <a:xfrm>
-            <a:off x="5402325" y="1072224"/>
-            <a:ext cx="1742256" cy="461945"/>
-          </a:xfrm>
-          <a:prstGeom prst="chevron">
-            <a:avLst/>
-          </a:prstGeom>
-          <a:noFill/>
-          <a:ln>
-            <a:solidFill>
-              <a:srgbClr val="FFCC00"/>
-            </a:solidFill>
-          </a:ln>
-        </p:spPr>
-        <p:style>
-          <a:lnRef idx="2">
-            <a:schemeClr val="accent1">
-              <a:shade val="50000"/>
-            </a:schemeClr>
-          </a:lnRef>
-          <a:fillRef idx="1">
-            <a:schemeClr val="accent1"/>
-          </a:fillRef>
-          <a:effectRef idx="0">
-            <a:schemeClr val="accent1"/>
-          </a:effectRef>
-          <a:fontRef idx="minor">
-            <a:schemeClr val="lt1"/>
-          </a:fontRef>
-        </p:style>
-        <p:txBody>
-          <a:bodyPr rtlCol="0" anchor="ctr"/>
-          <a:lstStyle/>
-          <a:p>
-            <a:pPr algn="ctr"/>
-            <a:endParaRPr lang="ko-KR" altLang="en-US">
-              <a:solidFill>
-                <a:schemeClr val="tx1"/>
-              </a:solidFill>
-            </a:endParaRPr>
-          </a:p>
-        </p:txBody>
-      </p:sp>
-      <p:sp>
-        <p:nvSpPr>
-          <p:cNvPr id="42" name="화살표: 갈매기형 수장 5">
-            <a:extLst>
-              <a:ext uri="{FF2B5EF4-FFF2-40B4-BE49-F238E27FC236}">
-                <a16:creationId xmlns="" xmlns:a16="http://schemas.microsoft.com/office/drawing/2014/main" id="{DE46CADA-41E8-412A-A136-0A94F5A27AD4}"/>
-              </a:ext>
-            </a:extLst>
-          </p:cNvPr>
-          <p:cNvSpPr/>
-          <p:nvPr/>
-        </p:nvSpPr>
-        <p:spPr>
-          <a:xfrm>
-            <a:off x="7012687" y="1072224"/>
-            <a:ext cx="1742256" cy="461945"/>
-          </a:xfrm>
-          <a:prstGeom prst="chevron">
-            <a:avLst/>
-          </a:prstGeom>
-          <a:solidFill>
-            <a:srgbClr val="FFCC00"/>
-          </a:solidFill>
-          <a:ln>
-            <a:solidFill>
-              <a:srgbClr val="FFCC00"/>
-            </a:solidFill>
-          </a:ln>
-        </p:spPr>
-        <p:style>
-          <a:lnRef idx="2">
-            <a:schemeClr val="accent1">
-              <a:shade val="50000"/>
-            </a:schemeClr>
-          </a:lnRef>
-          <a:fillRef idx="1">
-            <a:schemeClr val="accent1"/>
-          </a:fillRef>
-          <a:effectRef idx="0">
-            <a:schemeClr val="accent1"/>
-          </a:effectRef>
-          <a:fontRef idx="minor">
-            <a:schemeClr val="lt1"/>
-          </a:fontRef>
-        </p:style>
-        <p:txBody>
-          <a:bodyPr rtlCol="0" anchor="ctr"/>
-          <a:lstStyle/>
-          <a:p>
-            <a:pPr algn="ctr"/>
-            <a:endParaRPr lang="ko-KR" altLang="en-US">
-              <a:solidFill>
-                <a:schemeClr val="tx1"/>
-              </a:solidFill>
-            </a:endParaRPr>
-          </a:p>
-        </p:txBody>
-      </p:sp>
-      <p:sp>
-        <p:nvSpPr>
-          <p:cNvPr id="43" name="TextBox 42">
-            <a:extLst>
-              <a:ext uri="{FF2B5EF4-FFF2-40B4-BE49-F238E27FC236}">
-                <a16:creationId xmlns="" xmlns:a16="http://schemas.microsoft.com/office/drawing/2014/main" id="{68E943C8-5BA8-4C3E-A527-DD0F8F2B0E0A}"/>
-              </a:ext>
-            </a:extLst>
-          </p:cNvPr>
-          <p:cNvSpPr txBox="1"/>
-          <p:nvPr/>
-        </p:nvSpPr>
-        <p:spPr>
-          <a:xfrm>
-            <a:off x="675082" y="1130530"/>
-            <a:ext cx="1343858" cy="369332"/>
-          </a:xfrm>
-          <a:prstGeom prst="rect">
-            <a:avLst/>
-          </a:prstGeom>
-          <a:noFill/>
-        </p:spPr>
-        <p:txBody>
-          <a:bodyPr wrap="square" rtlCol="0">
-            <a:spAutoFit/>
-          </a:bodyPr>
-          <a:lstStyle/>
-          <a:p>
-            <a:r>
-              <a:rPr lang="ko-KR" altLang="en-US" b="1" dirty="0" err="1"/>
-              <a:t>웹스크래핑</a:t>
-            </a:r>
-            <a:endParaRPr lang="ko-KR" altLang="en-US" b="1" dirty="0"/>
-          </a:p>
-        </p:txBody>
-      </p:sp>
-      <p:sp>
-        <p:nvSpPr>
-          <p:cNvPr id="44" name="TextBox 43">
-            <a:extLst>
-              <a:ext uri="{FF2B5EF4-FFF2-40B4-BE49-F238E27FC236}">
-                <a16:creationId xmlns="" xmlns:a16="http://schemas.microsoft.com/office/drawing/2014/main" id="{4D3D8339-CC68-4AAC-A189-19E6E05D54DD}"/>
-              </a:ext>
-            </a:extLst>
-          </p:cNvPr>
-          <p:cNvSpPr txBox="1"/>
-          <p:nvPr/>
-        </p:nvSpPr>
-        <p:spPr>
-          <a:xfrm>
-            <a:off x="4198808" y="1129874"/>
-            <a:ext cx="890085" cy="369332"/>
-          </a:xfrm>
-          <a:prstGeom prst="rect">
-            <a:avLst/>
-          </a:prstGeom>
-          <a:noFill/>
-        </p:spPr>
-        <p:txBody>
-          <a:bodyPr wrap="square" rtlCol="0">
-            <a:spAutoFit/>
-          </a:bodyPr>
-          <a:lstStyle/>
-          <a:p>
-            <a:r>
-              <a:rPr lang="ko-KR" altLang="en-US" b="1" dirty="0">
-                <a:solidFill>
-                  <a:srgbClr val="082E59"/>
-                </a:solidFill>
-              </a:rPr>
-              <a:t>시각화</a:t>
-            </a:r>
-          </a:p>
-        </p:txBody>
-      </p:sp>
-      <p:sp>
-        <p:nvSpPr>
-          <p:cNvPr id="46" name="TextBox 45">
-            <a:extLst>
-              <a:ext uri="{FF2B5EF4-FFF2-40B4-BE49-F238E27FC236}">
-                <a16:creationId xmlns="" xmlns:a16="http://schemas.microsoft.com/office/drawing/2014/main" id="{32361A82-4993-4DC4-B5EF-3C30F9515573}"/>
-              </a:ext>
-            </a:extLst>
-          </p:cNvPr>
-          <p:cNvSpPr txBox="1"/>
-          <p:nvPr/>
-        </p:nvSpPr>
-        <p:spPr>
-          <a:xfrm>
-            <a:off x="7327810" y="1129874"/>
-            <a:ext cx="1101193" cy="369332"/>
-          </a:xfrm>
-          <a:prstGeom prst="rect">
-            <a:avLst/>
-          </a:prstGeom>
-          <a:noFill/>
-        </p:spPr>
-        <p:txBody>
-          <a:bodyPr wrap="square" rtlCol="0">
-            <a:spAutoFit/>
-          </a:bodyPr>
-          <a:lstStyle/>
-          <a:p>
-            <a:r>
-              <a:rPr lang="ko-KR" altLang="en-US" b="1" dirty="0">
-                <a:solidFill>
-                  <a:schemeClr val="bg1"/>
-                </a:solidFill>
-              </a:rPr>
-              <a:t>결론도출</a:t>
-            </a:r>
-          </a:p>
-        </p:txBody>
-      </p:sp>
-      <p:sp>
-        <p:nvSpPr>
-          <p:cNvPr id="47" name="TextBox 46">
-            <a:extLst>
-              <a:ext uri="{FF2B5EF4-FFF2-40B4-BE49-F238E27FC236}">
-                <a16:creationId xmlns="" xmlns:a16="http://schemas.microsoft.com/office/drawing/2014/main" id="{49D68CEE-0E8C-4AD6-9485-622609B084B3}"/>
-              </a:ext>
-            </a:extLst>
-          </p:cNvPr>
-          <p:cNvSpPr txBox="1"/>
-          <p:nvPr/>
-        </p:nvSpPr>
-        <p:spPr>
-          <a:xfrm>
-            <a:off x="5402325" y="1129874"/>
-            <a:ext cx="1742256" cy="369332"/>
-          </a:xfrm>
-          <a:prstGeom prst="rect">
-            <a:avLst/>
-          </a:prstGeom>
-          <a:noFill/>
-        </p:spPr>
-        <p:txBody>
-          <a:bodyPr wrap="square" rtlCol="0">
-            <a:spAutoFit/>
-          </a:bodyPr>
-          <a:lstStyle/>
-          <a:p>
-            <a:pPr algn="ctr"/>
-            <a:r>
-              <a:rPr lang="ko-KR" altLang="en-US" b="1" dirty="0">
-                <a:solidFill>
-                  <a:srgbClr val="082E59"/>
-                </a:solidFill>
-              </a:rPr>
-              <a:t>분석</a:t>
-            </a:r>
-          </a:p>
-        </p:txBody>
-      </p:sp>
-      <p:sp>
-        <p:nvSpPr>
-          <p:cNvPr id="48" name="화살표: 갈매기형 수장 2">
-            <a:extLst>
-              <a:ext uri="{FF2B5EF4-FFF2-40B4-BE49-F238E27FC236}">
-                <a16:creationId xmlns="" xmlns:a16="http://schemas.microsoft.com/office/drawing/2014/main" id="{7B196A9F-09F8-8545-89B0-5112E49D0233}"/>
-              </a:ext>
-            </a:extLst>
-          </p:cNvPr>
-          <p:cNvSpPr/>
-          <p:nvPr/>
-        </p:nvSpPr>
-        <p:spPr>
-          <a:xfrm>
-            <a:off x="2151275" y="1072224"/>
-            <a:ext cx="1742256" cy="461945"/>
-          </a:xfrm>
-          <a:prstGeom prst="chevron">
-            <a:avLst/>
-          </a:prstGeom>
-          <a:noFill/>
-          <a:ln>
-            <a:solidFill>
-              <a:srgbClr val="FFCC00"/>
-            </a:solidFill>
-          </a:ln>
-        </p:spPr>
-        <p:style>
-          <a:lnRef idx="2">
-            <a:schemeClr val="accent1">
-              <a:shade val="50000"/>
-            </a:schemeClr>
-          </a:lnRef>
-          <a:fillRef idx="1">
-            <a:schemeClr val="accent1"/>
-          </a:fillRef>
-          <a:effectRef idx="0">
-            <a:schemeClr val="accent1"/>
-          </a:effectRef>
-          <a:fontRef idx="minor">
-            <a:schemeClr val="lt1"/>
-          </a:fontRef>
-        </p:style>
-        <p:txBody>
-          <a:bodyPr rtlCol="0" anchor="ctr"/>
-          <a:lstStyle/>
-          <a:p>
-            <a:pPr algn="ctr"/>
-            <a:endParaRPr lang="ko-KR" altLang="en-US">
-              <a:solidFill>
-                <a:schemeClr val="tx1"/>
-              </a:solidFill>
-            </a:endParaRPr>
-          </a:p>
-        </p:txBody>
-      </p:sp>
-      <p:sp>
-        <p:nvSpPr>
-          <p:cNvPr id="49" name="TextBox 48">
-            <a:extLst>
-              <a:ext uri="{FF2B5EF4-FFF2-40B4-BE49-F238E27FC236}">
-                <a16:creationId xmlns="" xmlns:a16="http://schemas.microsoft.com/office/drawing/2014/main" id="{BC3F0FE1-9ECF-C344-B0A8-12B4DA316EC5}"/>
-              </a:ext>
-            </a:extLst>
-          </p:cNvPr>
-          <p:cNvSpPr txBox="1"/>
-          <p:nvPr/>
-        </p:nvSpPr>
-        <p:spPr>
-          <a:xfrm>
-            <a:off x="2548474" y="1140694"/>
-            <a:ext cx="890085" cy="369332"/>
-          </a:xfrm>
-          <a:prstGeom prst="rect">
-            <a:avLst/>
-          </a:prstGeom>
-          <a:noFill/>
-        </p:spPr>
-        <p:txBody>
-          <a:bodyPr wrap="square" rtlCol="0">
-            <a:spAutoFit/>
-          </a:bodyPr>
-          <a:lstStyle/>
-          <a:p>
-            <a:r>
-              <a:rPr lang="ko-KR" altLang="en-US" b="1" dirty="0">
-                <a:solidFill>
-                  <a:srgbClr val="082E59"/>
-                </a:solidFill>
-              </a:rPr>
-              <a:t>전처리</a:t>
-            </a:r>
-          </a:p>
-        </p:txBody>
-      </p:sp>
-    </p:spTree>
-    <p:extLst>
-      <p:ext uri="{BB962C8B-B14F-4D97-AF65-F5344CB8AC3E}">
-        <p14:creationId xmlns:p14="http://schemas.microsoft.com/office/powerpoint/2010/main" val="1529614325"/>
-      </p:ext>
-    </p:extLst>
-  </p:cSld>
-  <p:clrMapOvr>
-    <a:masterClrMapping/>
-  </p:clrMapOvr>
-  <p:timing>
-    <p:tnLst>
-      <p:par>
-        <p:cTn id="1" dur="indefinite" restart="never" nodeType="tmRoot"/>
-      </p:par>
-    </p:tnLst>
-  </p:timing>
-</p:sld>
-</file>
-
-<file path=ppt/slides/slide19.xml><?xml version="1.0" encoding="utf-8"?>
-<p:sld xmlns:a="http://schemas.openxmlformats.org/drawingml/2006/main" xmlns:r="http://schemas.openxmlformats.org/officeDocument/2006/relationships" xmlns:p="http://schemas.openxmlformats.org/presentationml/2006/main">
-  <p:cSld>
-    <p:spTree>
-      <p:nvGrpSpPr>
-        <p:cNvPr id="1" name=""/>
-        <p:cNvGrpSpPr/>
-        <p:nvPr/>
-      </p:nvGrpSpPr>
-      <p:grpSpPr>
-        <a:xfrm>
-          <a:off x="0" y="0"/>
-          <a:ext cx="0" cy="0"/>
-          <a:chOff x="0" y="0"/>
-          <a:chExt cx="0" cy="0"/>
-        </a:xfrm>
-      </p:grpSpPr>
-      <p:sp>
-        <p:nvSpPr>
-          <p:cNvPr id="2" name="직사각형 1"/>
-          <p:cNvSpPr/>
-          <p:nvPr/>
-        </p:nvSpPr>
-        <p:spPr>
-          <a:xfrm>
-            <a:off x="251520" y="3068960"/>
-            <a:ext cx="8640960" cy="3528392"/>
-          </a:xfrm>
-          <a:prstGeom prst="rect">
-            <a:avLst/>
-          </a:prstGeom>
-          <a:solidFill>
-            <a:schemeClr val="bg1"/>
-          </a:solidFill>
-          <a:ln>
-            <a:noFill/>
-          </a:ln>
-        </p:spPr>
-        <p:style>
-          <a:lnRef idx="2">
-            <a:schemeClr val="accent1">
-              <a:shade val="50000"/>
-            </a:schemeClr>
-          </a:lnRef>
-          <a:fillRef idx="1">
-            <a:schemeClr val="accent1"/>
-          </a:fillRef>
-          <a:effectRef idx="0">
-            <a:schemeClr val="accent1"/>
-          </a:effectRef>
-          <a:fontRef idx="minor">
-            <a:schemeClr val="lt1"/>
-          </a:fontRef>
-        </p:style>
-        <p:txBody>
-          <a:bodyPr rtlCol="0" anchor="ctr"/>
-          <a:lstStyle/>
-          <a:p>
-            <a:pPr algn="ctr"/>
-            <a:endParaRPr lang="ko-KR" altLang="en-US"/>
-          </a:p>
-        </p:txBody>
-      </p:sp>
-      <p:sp>
-        <p:nvSpPr>
-          <p:cNvPr id="3" name="타원 2"/>
-          <p:cNvSpPr/>
-          <p:nvPr/>
-        </p:nvSpPr>
-        <p:spPr>
-          <a:xfrm>
-            <a:off x="2627784" y="1052736"/>
-            <a:ext cx="3858956" cy="3858956"/>
-          </a:xfrm>
-          <a:prstGeom prst="ellipse">
-            <a:avLst/>
-          </a:prstGeom>
-          <a:solidFill>
-            <a:srgbClr val="FFC000"/>
-          </a:solidFill>
-          <a:ln>
-            <a:noFill/>
-          </a:ln>
-        </p:spPr>
-        <p:style>
-          <a:lnRef idx="2">
-            <a:schemeClr val="accent1">
-              <a:shade val="50000"/>
-            </a:schemeClr>
-          </a:lnRef>
-          <a:fillRef idx="1">
-            <a:schemeClr val="accent1"/>
-          </a:fillRef>
-          <a:effectRef idx="0">
-            <a:schemeClr val="accent1"/>
-          </a:effectRef>
-          <a:fontRef idx="minor">
-            <a:schemeClr val="lt1"/>
-          </a:fontRef>
-        </p:style>
-        <p:txBody>
-          <a:bodyPr rtlCol="0" anchor="ctr"/>
-          <a:lstStyle/>
-          <a:p>
-            <a:pPr algn="ctr"/>
-            <a:endParaRPr lang="ko-KR" altLang="en-US"/>
-          </a:p>
-        </p:txBody>
-      </p:sp>
-      <p:sp>
-        <p:nvSpPr>
-          <p:cNvPr id="4" name="TextBox 3"/>
-          <p:cNvSpPr txBox="1"/>
-          <p:nvPr/>
-        </p:nvSpPr>
-        <p:spPr>
-          <a:xfrm>
-            <a:off x="5364088" y="271681"/>
-            <a:ext cx="3600400" cy="276999"/>
-          </a:xfrm>
-          <a:prstGeom prst="rect">
-            <a:avLst/>
-          </a:prstGeom>
-          <a:noFill/>
-        </p:spPr>
-        <p:txBody>
-          <a:bodyPr wrap="square" rtlCol="0">
-            <a:spAutoFit/>
-          </a:bodyPr>
-          <a:lstStyle/>
-          <a:p>
-            <a:pPr algn="dist"/>
-            <a:r>
-              <a:rPr lang="ko-KR" altLang="en-US" sz="1200" dirty="0" smtClean="0">
-                <a:solidFill>
-                  <a:schemeClr val="bg1"/>
-                </a:solidFill>
-              </a:rPr>
-              <a:t>과목이름이나 영문타이틀</a:t>
-            </a:r>
-          </a:p>
-        </p:txBody>
-      </p:sp>
-      <p:sp>
-        <p:nvSpPr>
-          <p:cNvPr id="7" name="TextBox 6"/>
-          <p:cNvSpPr txBox="1"/>
-          <p:nvPr/>
-        </p:nvSpPr>
-        <p:spPr>
-          <a:xfrm>
-            <a:off x="2699792" y="2564904"/>
-            <a:ext cx="3816424" cy="1754326"/>
-          </a:xfrm>
-          <a:prstGeom prst="rect">
-            <a:avLst/>
-          </a:prstGeom>
-          <a:noFill/>
-        </p:spPr>
-        <p:txBody>
-          <a:bodyPr wrap="square" rtlCol="0">
-            <a:spAutoFit/>
-          </a:bodyPr>
-          <a:lstStyle/>
-          <a:p>
-            <a:pPr algn="ctr"/>
-            <a:r>
-              <a:rPr lang="en-US" altLang="ko-KR" sz="5400" b="1" dirty="0" smtClean="0">
-                <a:solidFill>
-                  <a:schemeClr val="bg1"/>
-                </a:solidFill>
-              </a:rPr>
-              <a:t>THANK</a:t>
-            </a:r>
-          </a:p>
-          <a:p>
-            <a:pPr algn="ctr"/>
-            <a:r>
-              <a:rPr lang="en-US" altLang="ko-KR" sz="5400" b="1" dirty="0" smtClean="0">
-                <a:solidFill>
-                  <a:schemeClr val="bg1"/>
-                </a:solidFill>
-              </a:rPr>
-              <a:t>YOU</a:t>
-            </a:r>
-            <a:endParaRPr lang="ko-KR" altLang="en-US" sz="5400" b="1" dirty="0">
-              <a:solidFill>
-                <a:schemeClr val="bg1"/>
-              </a:solidFill>
-            </a:endParaRPr>
-          </a:p>
-        </p:txBody>
-      </p:sp>
-      <p:sp>
-        <p:nvSpPr>
-          <p:cNvPr id="9" name="TextBox 8"/>
-          <p:cNvSpPr txBox="1"/>
-          <p:nvPr/>
-        </p:nvSpPr>
-        <p:spPr>
-          <a:xfrm>
-            <a:off x="3203848" y="5178678"/>
-            <a:ext cx="2736304" cy="338554"/>
-          </a:xfrm>
-          <a:prstGeom prst="rect">
-            <a:avLst/>
-          </a:prstGeom>
-          <a:noFill/>
-        </p:spPr>
-        <p:txBody>
-          <a:bodyPr wrap="square" rtlCol="0">
-            <a:spAutoFit/>
-          </a:bodyPr>
-          <a:lstStyle/>
-          <a:p>
-            <a:pPr algn="dist"/>
-            <a:r>
-              <a:rPr lang="ko-KR" altLang="en-US" sz="1600" b="1" dirty="0" smtClean="0">
-                <a:solidFill>
-                  <a:schemeClr val="tx2">
-                    <a:lumMod val="50000"/>
-                  </a:schemeClr>
-                </a:solidFill>
-              </a:rPr>
-              <a:t>발표자 박 민 </a:t>
-            </a:r>
-            <a:r>
-              <a:rPr lang="ko-KR" altLang="en-US" sz="1600" b="1" dirty="0" err="1" smtClean="0">
-                <a:solidFill>
-                  <a:schemeClr val="tx2">
-                    <a:lumMod val="50000"/>
-                  </a:schemeClr>
-                </a:solidFill>
-              </a:rPr>
-              <a:t>희</a:t>
-            </a:r>
-            <a:endParaRPr lang="ko-KR" altLang="en-US" sz="1600" b="1" dirty="0">
-              <a:solidFill>
-                <a:schemeClr val="tx2">
-                  <a:lumMod val="50000"/>
-                </a:schemeClr>
-              </a:solidFill>
-            </a:endParaRPr>
-          </a:p>
-        </p:txBody>
-      </p:sp>
-    </p:spTree>
   </p:cSld>
   <p:clrMapOvr>
     <a:masterClrMapping/>
@@ -26377,6 +25983,940 @@
 </p:sld>
 </file>
 
+<file path=ppt/slides/slide20.xml><?xml version="1.0" encoding="utf-8"?>
+<p:sld xmlns:a="http://schemas.openxmlformats.org/drawingml/2006/main" xmlns:r="http://schemas.openxmlformats.org/officeDocument/2006/relationships" xmlns:p="http://schemas.openxmlformats.org/presentationml/2006/main">
+  <p:cSld>
+    <p:spTree>
+      <p:nvGrpSpPr>
+        <p:cNvPr id="1" name=""/>
+        <p:cNvGrpSpPr/>
+        <p:nvPr/>
+      </p:nvGrpSpPr>
+      <p:grpSpPr>
+        <a:xfrm>
+          <a:off x="0" y="0"/>
+          <a:ext cx="0" cy="0"/>
+          <a:chOff x="0" y="0"/>
+          <a:chExt cx="0" cy="0"/>
+        </a:xfrm>
+      </p:grpSpPr>
+      <p:sp>
+        <p:nvSpPr>
+          <p:cNvPr id="2" name="직사각형 1"/>
+          <p:cNvSpPr/>
+          <p:nvPr/>
+        </p:nvSpPr>
+        <p:spPr>
+          <a:xfrm>
+            <a:off x="251520" y="620688"/>
+            <a:ext cx="8640960" cy="5976664"/>
+          </a:xfrm>
+          <a:prstGeom prst="rect">
+            <a:avLst/>
+          </a:prstGeom>
+          <a:solidFill>
+            <a:schemeClr val="bg1"/>
+          </a:solidFill>
+          <a:ln>
+            <a:noFill/>
+          </a:ln>
+        </p:spPr>
+        <p:style>
+          <a:lnRef idx="2">
+            <a:schemeClr val="accent1">
+              <a:shade val="50000"/>
+            </a:schemeClr>
+          </a:lnRef>
+          <a:fillRef idx="1">
+            <a:schemeClr val="accent1"/>
+          </a:fillRef>
+          <a:effectRef idx="0">
+            <a:schemeClr val="accent1"/>
+          </a:effectRef>
+          <a:fontRef idx="minor">
+            <a:schemeClr val="lt1"/>
+          </a:fontRef>
+        </p:style>
+        <p:txBody>
+          <a:bodyPr rtlCol="0" anchor="ctr"/>
+          <a:lstStyle/>
+          <a:p>
+            <a:pPr algn="ctr"/>
+            <a:endParaRPr lang="ko-KR" altLang="en-US"/>
+          </a:p>
+        </p:txBody>
+      </p:sp>
+      <p:sp>
+        <p:nvSpPr>
+          <p:cNvPr id="8" name="직사각형 7"/>
+          <p:cNvSpPr/>
+          <p:nvPr/>
+        </p:nvSpPr>
+        <p:spPr>
+          <a:xfrm>
+            <a:off x="219463" y="271681"/>
+            <a:ext cx="1297150" cy="276999"/>
+          </a:xfrm>
+          <a:prstGeom prst="rect">
+            <a:avLst/>
+          </a:prstGeom>
+        </p:spPr>
+        <p:txBody>
+          <a:bodyPr wrap="none">
+            <a:spAutoFit/>
+          </a:bodyPr>
+          <a:lstStyle/>
+          <a:p>
+            <a:pPr algn="ctr"/>
+            <a:r>
+              <a:rPr lang="ko-KR" altLang="en-US" sz="1200" b="1" spc="-150" dirty="0" smtClean="0">
+                <a:solidFill>
+                  <a:schemeClr val="bg1"/>
+                </a:solidFill>
+              </a:rPr>
+              <a:t>제목을 입력하세요</a:t>
+            </a:r>
+            <a:endParaRPr lang="ko-KR" altLang="en-US" sz="1200" b="1" spc="-150" dirty="0">
+              <a:solidFill>
+                <a:schemeClr val="bg1"/>
+              </a:solidFill>
+            </a:endParaRPr>
+          </a:p>
+        </p:txBody>
+      </p:sp>
+      <p:sp>
+        <p:nvSpPr>
+          <p:cNvPr id="10" name="TextBox 9"/>
+          <p:cNvSpPr txBox="1"/>
+          <p:nvPr/>
+        </p:nvSpPr>
+        <p:spPr>
+          <a:xfrm>
+            <a:off x="7164288" y="6546830"/>
+            <a:ext cx="1728192" cy="338554"/>
+          </a:xfrm>
+          <a:prstGeom prst="rect">
+            <a:avLst/>
+          </a:prstGeom>
+          <a:noFill/>
+        </p:spPr>
+        <p:txBody>
+          <a:bodyPr wrap="square" rtlCol="0">
+            <a:spAutoFit/>
+          </a:bodyPr>
+          <a:lstStyle/>
+          <a:p>
+            <a:pPr algn="r"/>
+            <a:r>
+              <a:rPr lang="en-US" altLang="ko-KR" sz="1600" dirty="0" smtClean="0">
+                <a:solidFill>
+                  <a:schemeClr val="bg1">
+                    <a:lumMod val="75000"/>
+                  </a:schemeClr>
+                </a:solidFill>
+              </a:rPr>
+              <a:t>MINHEEBLOG</a:t>
+            </a:r>
+            <a:endParaRPr lang="ko-KR" altLang="en-US" sz="1600" dirty="0">
+              <a:solidFill>
+                <a:schemeClr val="bg1">
+                  <a:lumMod val="75000"/>
+                </a:schemeClr>
+              </a:solidFill>
+            </a:endParaRPr>
+          </a:p>
+        </p:txBody>
+      </p:sp>
+      <p:sp>
+        <p:nvSpPr>
+          <p:cNvPr id="12" name="TextBox 11"/>
+          <p:cNvSpPr txBox="1"/>
+          <p:nvPr/>
+        </p:nvSpPr>
+        <p:spPr>
+          <a:xfrm>
+            <a:off x="5364088" y="271681"/>
+            <a:ext cx="3600400" cy="276999"/>
+          </a:xfrm>
+          <a:prstGeom prst="rect">
+            <a:avLst/>
+          </a:prstGeom>
+          <a:noFill/>
+        </p:spPr>
+        <p:txBody>
+          <a:bodyPr wrap="square" rtlCol="0">
+            <a:spAutoFit/>
+          </a:bodyPr>
+          <a:lstStyle/>
+          <a:p>
+            <a:pPr algn="dist"/>
+            <a:r>
+              <a:rPr lang="ko-KR" altLang="en-US" sz="1200" dirty="0" smtClean="0">
+                <a:solidFill>
+                  <a:schemeClr val="bg1"/>
+                </a:solidFill>
+              </a:rPr>
+              <a:t>과목이름이나 영문타이틀</a:t>
+            </a:r>
+          </a:p>
+        </p:txBody>
+      </p:sp>
+      <p:sp>
+        <p:nvSpPr>
+          <p:cNvPr id="38" name="화살표: 갈매기형 수장 1">
+            <a:extLst>
+              <a:ext uri="{FF2B5EF4-FFF2-40B4-BE49-F238E27FC236}">
+                <a16:creationId xmlns:a16="http://schemas.microsoft.com/office/drawing/2014/main" xmlns="" id="{A38FB86A-A9AC-4EAE-8223-69D52F8B1ABE}"/>
+              </a:ext>
+            </a:extLst>
+          </p:cNvPr>
+          <p:cNvSpPr/>
+          <p:nvPr/>
+        </p:nvSpPr>
+        <p:spPr>
+          <a:xfrm>
+            <a:off x="479244" y="1072880"/>
+            <a:ext cx="1742256" cy="461945"/>
+          </a:xfrm>
+          <a:prstGeom prst="chevron">
+            <a:avLst/>
+          </a:prstGeom>
+          <a:noFill/>
+          <a:ln>
+            <a:solidFill>
+              <a:srgbClr val="FFCC00"/>
+            </a:solidFill>
+          </a:ln>
+        </p:spPr>
+        <p:style>
+          <a:lnRef idx="2">
+            <a:schemeClr val="accent1">
+              <a:shade val="50000"/>
+            </a:schemeClr>
+          </a:lnRef>
+          <a:fillRef idx="1">
+            <a:schemeClr val="accent1"/>
+          </a:fillRef>
+          <a:effectRef idx="0">
+            <a:schemeClr val="accent1"/>
+          </a:effectRef>
+          <a:fontRef idx="minor">
+            <a:schemeClr val="lt1"/>
+          </a:fontRef>
+        </p:style>
+        <p:txBody>
+          <a:bodyPr rtlCol="0" anchor="ctr"/>
+          <a:lstStyle/>
+          <a:p>
+            <a:pPr algn="ctr"/>
+            <a:endParaRPr lang="ko-KR" altLang="en-US">
+              <a:solidFill>
+                <a:schemeClr val="tx1"/>
+              </a:solidFill>
+            </a:endParaRPr>
+          </a:p>
+        </p:txBody>
+      </p:sp>
+      <p:sp>
+        <p:nvSpPr>
+          <p:cNvPr id="39" name="화살표: 갈매기형 수장 2">
+            <a:extLst>
+              <a:ext uri="{FF2B5EF4-FFF2-40B4-BE49-F238E27FC236}">
+                <a16:creationId xmlns:a16="http://schemas.microsoft.com/office/drawing/2014/main" xmlns="" id="{8C8E1FD7-9558-46EC-B4E7-FDD400E94927}"/>
+              </a:ext>
+            </a:extLst>
+          </p:cNvPr>
+          <p:cNvSpPr/>
+          <p:nvPr/>
+        </p:nvSpPr>
+        <p:spPr>
+          <a:xfrm>
+            <a:off x="3779912" y="1072224"/>
+            <a:ext cx="1742256" cy="461945"/>
+          </a:xfrm>
+          <a:prstGeom prst="chevron">
+            <a:avLst/>
+          </a:prstGeom>
+          <a:noFill/>
+          <a:ln>
+            <a:solidFill>
+              <a:srgbClr val="FFCC00"/>
+            </a:solidFill>
+          </a:ln>
+        </p:spPr>
+        <p:style>
+          <a:lnRef idx="2">
+            <a:schemeClr val="accent1">
+              <a:shade val="50000"/>
+            </a:schemeClr>
+          </a:lnRef>
+          <a:fillRef idx="1">
+            <a:schemeClr val="accent1"/>
+          </a:fillRef>
+          <a:effectRef idx="0">
+            <a:schemeClr val="accent1"/>
+          </a:effectRef>
+          <a:fontRef idx="minor">
+            <a:schemeClr val="lt1"/>
+          </a:fontRef>
+        </p:style>
+        <p:txBody>
+          <a:bodyPr rtlCol="0" anchor="ctr"/>
+          <a:lstStyle/>
+          <a:p>
+            <a:pPr algn="ctr"/>
+            <a:endParaRPr lang="ko-KR" altLang="en-US">
+              <a:solidFill>
+                <a:schemeClr val="tx1"/>
+              </a:solidFill>
+            </a:endParaRPr>
+          </a:p>
+        </p:txBody>
+      </p:sp>
+      <p:sp>
+        <p:nvSpPr>
+          <p:cNvPr id="41" name="화살표: 갈매기형 수장 4">
+            <a:extLst>
+              <a:ext uri="{FF2B5EF4-FFF2-40B4-BE49-F238E27FC236}">
+                <a16:creationId xmlns:a16="http://schemas.microsoft.com/office/drawing/2014/main" xmlns="" id="{66755A50-62DA-4FF0-95B0-EA82A6CC33B8}"/>
+              </a:ext>
+            </a:extLst>
+          </p:cNvPr>
+          <p:cNvSpPr/>
+          <p:nvPr/>
+        </p:nvSpPr>
+        <p:spPr>
+          <a:xfrm>
+            <a:off x="5402325" y="1072224"/>
+            <a:ext cx="1742256" cy="461945"/>
+          </a:xfrm>
+          <a:prstGeom prst="chevron">
+            <a:avLst/>
+          </a:prstGeom>
+          <a:noFill/>
+          <a:ln>
+            <a:solidFill>
+              <a:srgbClr val="FFCC00"/>
+            </a:solidFill>
+          </a:ln>
+        </p:spPr>
+        <p:style>
+          <a:lnRef idx="2">
+            <a:schemeClr val="accent1">
+              <a:shade val="50000"/>
+            </a:schemeClr>
+          </a:lnRef>
+          <a:fillRef idx="1">
+            <a:schemeClr val="accent1"/>
+          </a:fillRef>
+          <a:effectRef idx="0">
+            <a:schemeClr val="accent1"/>
+          </a:effectRef>
+          <a:fontRef idx="minor">
+            <a:schemeClr val="lt1"/>
+          </a:fontRef>
+        </p:style>
+        <p:txBody>
+          <a:bodyPr rtlCol="0" anchor="ctr"/>
+          <a:lstStyle/>
+          <a:p>
+            <a:pPr algn="ctr"/>
+            <a:endParaRPr lang="ko-KR" altLang="en-US">
+              <a:solidFill>
+                <a:schemeClr val="tx1"/>
+              </a:solidFill>
+            </a:endParaRPr>
+          </a:p>
+        </p:txBody>
+      </p:sp>
+      <p:sp>
+        <p:nvSpPr>
+          <p:cNvPr id="42" name="화살표: 갈매기형 수장 5">
+            <a:extLst>
+              <a:ext uri="{FF2B5EF4-FFF2-40B4-BE49-F238E27FC236}">
+                <a16:creationId xmlns:a16="http://schemas.microsoft.com/office/drawing/2014/main" xmlns="" id="{DE46CADA-41E8-412A-A136-0A94F5A27AD4}"/>
+              </a:ext>
+            </a:extLst>
+          </p:cNvPr>
+          <p:cNvSpPr/>
+          <p:nvPr/>
+        </p:nvSpPr>
+        <p:spPr>
+          <a:xfrm>
+            <a:off x="7012687" y="1072224"/>
+            <a:ext cx="1742256" cy="461945"/>
+          </a:xfrm>
+          <a:prstGeom prst="chevron">
+            <a:avLst/>
+          </a:prstGeom>
+          <a:solidFill>
+            <a:srgbClr val="FFCC00"/>
+          </a:solidFill>
+          <a:ln>
+            <a:solidFill>
+              <a:srgbClr val="FFCC00"/>
+            </a:solidFill>
+          </a:ln>
+        </p:spPr>
+        <p:style>
+          <a:lnRef idx="2">
+            <a:schemeClr val="accent1">
+              <a:shade val="50000"/>
+            </a:schemeClr>
+          </a:lnRef>
+          <a:fillRef idx="1">
+            <a:schemeClr val="accent1"/>
+          </a:fillRef>
+          <a:effectRef idx="0">
+            <a:schemeClr val="accent1"/>
+          </a:effectRef>
+          <a:fontRef idx="minor">
+            <a:schemeClr val="lt1"/>
+          </a:fontRef>
+        </p:style>
+        <p:txBody>
+          <a:bodyPr rtlCol="0" anchor="ctr"/>
+          <a:lstStyle/>
+          <a:p>
+            <a:pPr algn="ctr"/>
+            <a:endParaRPr lang="ko-KR" altLang="en-US">
+              <a:solidFill>
+                <a:schemeClr val="tx1"/>
+              </a:solidFill>
+            </a:endParaRPr>
+          </a:p>
+        </p:txBody>
+      </p:sp>
+      <p:sp>
+        <p:nvSpPr>
+          <p:cNvPr id="43" name="TextBox 42">
+            <a:extLst>
+              <a:ext uri="{FF2B5EF4-FFF2-40B4-BE49-F238E27FC236}">
+                <a16:creationId xmlns:a16="http://schemas.microsoft.com/office/drawing/2014/main" xmlns="" id="{68E943C8-5BA8-4C3E-A527-DD0F8F2B0E0A}"/>
+              </a:ext>
+            </a:extLst>
+          </p:cNvPr>
+          <p:cNvSpPr txBox="1"/>
+          <p:nvPr/>
+        </p:nvSpPr>
+        <p:spPr>
+          <a:xfrm>
+            <a:off x="675082" y="1130530"/>
+            <a:ext cx="1343858" cy="369332"/>
+          </a:xfrm>
+          <a:prstGeom prst="rect">
+            <a:avLst/>
+          </a:prstGeom>
+          <a:noFill/>
+        </p:spPr>
+        <p:txBody>
+          <a:bodyPr wrap="square" rtlCol="0">
+            <a:spAutoFit/>
+          </a:bodyPr>
+          <a:lstStyle/>
+          <a:p>
+            <a:r>
+              <a:rPr lang="ko-KR" altLang="en-US" b="1" dirty="0" err="1"/>
+              <a:t>웹스크래핑</a:t>
+            </a:r>
+            <a:endParaRPr lang="ko-KR" altLang="en-US" b="1" dirty="0"/>
+          </a:p>
+        </p:txBody>
+      </p:sp>
+      <p:sp>
+        <p:nvSpPr>
+          <p:cNvPr id="44" name="TextBox 43">
+            <a:extLst>
+              <a:ext uri="{FF2B5EF4-FFF2-40B4-BE49-F238E27FC236}">
+                <a16:creationId xmlns:a16="http://schemas.microsoft.com/office/drawing/2014/main" xmlns="" id="{4D3D8339-CC68-4AAC-A189-19E6E05D54DD}"/>
+              </a:ext>
+            </a:extLst>
+          </p:cNvPr>
+          <p:cNvSpPr txBox="1"/>
+          <p:nvPr/>
+        </p:nvSpPr>
+        <p:spPr>
+          <a:xfrm>
+            <a:off x="4198808" y="1129874"/>
+            <a:ext cx="890085" cy="369332"/>
+          </a:xfrm>
+          <a:prstGeom prst="rect">
+            <a:avLst/>
+          </a:prstGeom>
+          <a:noFill/>
+        </p:spPr>
+        <p:txBody>
+          <a:bodyPr wrap="square" rtlCol="0">
+            <a:spAutoFit/>
+          </a:bodyPr>
+          <a:lstStyle/>
+          <a:p>
+            <a:r>
+              <a:rPr lang="ko-KR" altLang="en-US" b="1" dirty="0">
+                <a:solidFill>
+                  <a:srgbClr val="082E59"/>
+                </a:solidFill>
+              </a:rPr>
+              <a:t>시각화</a:t>
+            </a:r>
+          </a:p>
+        </p:txBody>
+      </p:sp>
+      <p:sp>
+        <p:nvSpPr>
+          <p:cNvPr id="46" name="TextBox 45">
+            <a:extLst>
+              <a:ext uri="{FF2B5EF4-FFF2-40B4-BE49-F238E27FC236}">
+                <a16:creationId xmlns:a16="http://schemas.microsoft.com/office/drawing/2014/main" xmlns="" id="{32361A82-4993-4DC4-B5EF-3C30F9515573}"/>
+              </a:ext>
+            </a:extLst>
+          </p:cNvPr>
+          <p:cNvSpPr txBox="1"/>
+          <p:nvPr/>
+        </p:nvSpPr>
+        <p:spPr>
+          <a:xfrm>
+            <a:off x="7327810" y="1129874"/>
+            <a:ext cx="1101193" cy="369332"/>
+          </a:xfrm>
+          <a:prstGeom prst="rect">
+            <a:avLst/>
+          </a:prstGeom>
+          <a:noFill/>
+        </p:spPr>
+        <p:txBody>
+          <a:bodyPr wrap="square" rtlCol="0">
+            <a:spAutoFit/>
+          </a:bodyPr>
+          <a:lstStyle/>
+          <a:p>
+            <a:r>
+              <a:rPr lang="ko-KR" altLang="en-US" b="1" dirty="0">
+                <a:solidFill>
+                  <a:schemeClr val="bg1"/>
+                </a:solidFill>
+              </a:rPr>
+              <a:t>결론도출</a:t>
+            </a:r>
+          </a:p>
+        </p:txBody>
+      </p:sp>
+      <p:sp>
+        <p:nvSpPr>
+          <p:cNvPr id="47" name="TextBox 46">
+            <a:extLst>
+              <a:ext uri="{FF2B5EF4-FFF2-40B4-BE49-F238E27FC236}">
+                <a16:creationId xmlns:a16="http://schemas.microsoft.com/office/drawing/2014/main" xmlns="" id="{49D68CEE-0E8C-4AD6-9485-622609B084B3}"/>
+              </a:ext>
+            </a:extLst>
+          </p:cNvPr>
+          <p:cNvSpPr txBox="1"/>
+          <p:nvPr/>
+        </p:nvSpPr>
+        <p:spPr>
+          <a:xfrm>
+            <a:off x="5402325" y="1129874"/>
+            <a:ext cx="1742256" cy="369332"/>
+          </a:xfrm>
+          <a:prstGeom prst="rect">
+            <a:avLst/>
+          </a:prstGeom>
+          <a:noFill/>
+        </p:spPr>
+        <p:txBody>
+          <a:bodyPr wrap="square" rtlCol="0">
+            <a:spAutoFit/>
+          </a:bodyPr>
+          <a:lstStyle/>
+          <a:p>
+            <a:pPr algn="ctr"/>
+            <a:r>
+              <a:rPr lang="ko-KR" altLang="en-US" b="1" dirty="0">
+                <a:solidFill>
+                  <a:srgbClr val="082E59"/>
+                </a:solidFill>
+              </a:rPr>
+              <a:t>분석</a:t>
+            </a:r>
+          </a:p>
+        </p:txBody>
+      </p:sp>
+      <p:sp>
+        <p:nvSpPr>
+          <p:cNvPr id="48" name="화살표: 갈매기형 수장 2">
+            <a:extLst>
+              <a:ext uri="{FF2B5EF4-FFF2-40B4-BE49-F238E27FC236}">
+                <a16:creationId xmlns:a16="http://schemas.microsoft.com/office/drawing/2014/main" xmlns="" id="{7B196A9F-09F8-8545-89B0-5112E49D0233}"/>
+              </a:ext>
+            </a:extLst>
+          </p:cNvPr>
+          <p:cNvSpPr/>
+          <p:nvPr/>
+        </p:nvSpPr>
+        <p:spPr>
+          <a:xfrm>
+            <a:off x="2151275" y="1072224"/>
+            <a:ext cx="1742256" cy="461945"/>
+          </a:xfrm>
+          <a:prstGeom prst="chevron">
+            <a:avLst/>
+          </a:prstGeom>
+          <a:noFill/>
+          <a:ln>
+            <a:solidFill>
+              <a:srgbClr val="FFCC00"/>
+            </a:solidFill>
+          </a:ln>
+        </p:spPr>
+        <p:style>
+          <a:lnRef idx="2">
+            <a:schemeClr val="accent1">
+              <a:shade val="50000"/>
+            </a:schemeClr>
+          </a:lnRef>
+          <a:fillRef idx="1">
+            <a:schemeClr val="accent1"/>
+          </a:fillRef>
+          <a:effectRef idx="0">
+            <a:schemeClr val="accent1"/>
+          </a:effectRef>
+          <a:fontRef idx="minor">
+            <a:schemeClr val="lt1"/>
+          </a:fontRef>
+        </p:style>
+        <p:txBody>
+          <a:bodyPr rtlCol="0" anchor="ctr"/>
+          <a:lstStyle/>
+          <a:p>
+            <a:pPr algn="ctr"/>
+            <a:endParaRPr lang="ko-KR" altLang="en-US">
+              <a:solidFill>
+                <a:schemeClr val="tx1"/>
+              </a:solidFill>
+            </a:endParaRPr>
+          </a:p>
+        </p:txBody>
+      </p:sp>
+      <p:sp>
+        <p:nvSpPr>
+          <p:cNvPr id="49" name="TextBox 48">
+            <a:extLst>
+              <a:ext uri="{FF2B5EF4-FFF2-40B4-BE49-F238E27FC236}">
+                <a16:creationId xmlns:a16="http://schemas.microsoft.com/office/drawing/2014/main" xmlns="" id="{BC3F0FE1-9ECF-C344-B0A8-12B4DA316EC5}"/>
+              </a:ext>
+            </a:extLst>
+          </p:cNvPr>
+          <p:cNvSpPr txBox="1"/>
+          <p:nvPr/>
+        </p:nvSpPr>
+        <p:spPr>
+          <a:xfrm>
+            <a:off x="2548474" y="1140694"/>
+            <a:ext cx="890085" cy="369332"/>
+          </a:xfrm>
+          <a:prstGeom prst="rect">
+            <a:avLst/>
+          </a:prstGeom>
+          <a:noFill/>
+        </p:spPr>
+        <p:txBody>
+          <a:bodyPr wrap="square" rtlCol="0">
+            <a:spAutoFit/>
+          </a:bodyPr>
+          <a:lstStyle/>
+          <a:p>
+            <a:r>
+              <a:rPr lang="ko-KR" altLang="en-US" b="1" dirty="0">
+                <a:solidFill>
+                  <a:srgbClr val="082E59"/>
+                </a:solidFill>
+              </a:rPr>
+              <a:t>전처리</a:t>
+            </a:r>
+          </a:p>
+        </p:txBody>
+      </p:sp>
+    </p:spTree>
+    <p:extLst>
+      <p:ext uri="{BB962C8B-B14F-4D97-AF65-F5344CB8AC3E}">
+        <p14:creationId xmlns:p14="http://schemas.microsoft.com/office/powerpoint/2010/main" val="1529614325"/>
+      </p:ext>
+    </p:extLst>
+  </p:cSld>
+  <p:clrMapOvr>
+    <a:masterClrMapping/>
+  </p:clrMapOvr>
+  <p:timing>
+    <p:tnLst>
+      <p:par>
+        <p:cTn id="1" dur="indefinite" restart="never" nodeType="tmRoot"/>
+      </p:par>
+    </p:tnLst>
+  </p:timing>
+</p:sld>
+</file>
+
+<file path=ppt/slides/slide21.xml><?xml version="1.0" encoding="utf-8"?>
+<p:sld xmlns:a="http://schemas.openxmlformats.org/drawingml/2006/main" xmlns:r="http://schemas.openxmlformats.org/officeDocument/2006/relationships" xmlns:p="http://schemas.openxmlformats.org/presentationml/2006/main">
+  <p:cSld>
+    <p:spTree>
+      <p:nvGrpSpPr>
+        <p:cNvPr id="1" name=""/>
+        <p:cNvGrpSpPr/>
+        <p:nvPr/>
+      </p:nvGrpSpPr>
+      <p:grpSpPr>
+        <a:xfrm>
+          <a:off x="0" y="0"/>
+          <a:ext cx="0" cy="0"/>
+          <a:chOff x="0" y="0"/>
+          <a:chExt cx="0" cy="0"/>
+        </a:xfrm>
+      </p:grpSpPr>
+      <p:sp>
+        <p:nvSpPr>
+          <p:cNvPr id="2" name="직사각형 1"/>
+          <p:cNvSpPr/>
+          <p:nvPr/>
+        </p:nvSpPr>
+        <p:spPr>
+          <a:xfrm>
+            <a:off x="251520" y="3068960"/>
+            <a:ext cx="8640960" cy="3528392"/>
+          </a:xfrm>
+          <a:prstGeom prst="rect">
+            <a:avLst/>
+          </a:prstGeom>
+          <a:solidFill>
+            <a:schemeClr val="bg1"/>
+          </a:solidFill>
+          <a:ln>
+            <a:noFill/>
+          </a:ln>
+        </p:spPr>
+        <p:style>
+          <a:lnRef idx="2">
+            <a:schemeClr val="accent1">
+              <a:shade val="50000"/>
+            </a:schemeClr>
+          </a:lnRef>
+          <a:fillRef idx="1">
+            <a:schemeClr val="accent1"/>
+          </a:fillRef>
+          <a:effectRef idx="0">
+            <a:schemeClr val="accent1"/>
+          </a:effectRef>
+          <a:fontRef idx="minor">
+            <a:schemeClr val="lt1"/>
+          </a:fontRef>
+        </p:style>
+        <p:txBody>
+          <a:bodyPr rtlCol="0" anchor="ctr"/>
+          <a:lstStyle/>
+          <a:p>
+            <a:pPr algn="ctr"/>
+            <a:endParaRPr lang="ko-KR" altLang="en-US"/>
+          </a:p>
+        </p:txBody>
+      </p:sp>
+      <p:sp>
+        <p:nvSpPr>
+          <p:cNvPr id="3" name="타원 2"/>
+          <p:cNvSpPr/>
+          <p:nvPr/>
+        </p:nvSpPr>
+        <p:spPr>
+          <a:xfrm>
+            <a:off x="2627784" y="1052736"/>
+            <a:ext cx="3858956" cy="3858956"/>
+          </a:xfrm>
+          <a:prstGeom prst="ellipse">
+            <a:avLst/>
+          </a:prstGeom>
+          <a:solidFill>
+            <a:srgbClr val="FFC000"/>
+          </a:solidFill>
+          <a:ln>
+            <a:noFill/>
+          </a:ln>
+        </p:spPr>
+        <p:style>
+          <a:lnRef idx="2">
+            <a:schemeClr val="accent1">
+              <a:shade val="50000"/>
+            </a:schemeClr>
+          </a:lnRef>
+          <a:fillRef idx="1">
+            <a:schemeClr val="accent1"/>
+          </a:fillRef>
+          <a:effectRef idx="0">
+            <a:schemeClr val="accent1"/>
+          </a:effectRef>
+          <a:fontRef idx="minor">
+            <a:schemeClr val="lt1"/>
+          </a:fontRef>
+        </p:style>
+        <p:txBody>
+          <a:bodyPr rtlCol="0" anchor="ctr"/>
+          <a:lstStyle/>
+          <a:p>
+            <a:pPr algn="ctr"/>
+            <a:endParaRPr lang="ko-KR" altLang="en-US"/>
+          </a:p>
+        </p:txBody>
+      </p:sp>
+      <p:sp>
+        <p:nvSpPr>
+          <p:cNvPr id="4" name="TextBox 3"/>
+          <p:cNvSpPr txBox="1"/>
+          <p:nvPr/>
+        </p:nvSpPr>
+        <p:spPr>
+          <a:xfrm>
+            <a:off x="5364088" y="271681"/>
+            <a:ext cx="3600400" cy="276999"/>
+          </a:xfrm>
+          <a:prstGeom prst="rect">
+            <a:avLst/>
+          </a:prstGeom>
+          <a:noFill/>
+        </p:spPr>
+        <p:txBody>
+          <a:bodyPr wrap="square" rtlCol="0">
+            <a:spAutoFit/>
+          </a:bodyPr>
+          <a:lstStyle/>
+          <a:p>
+            <a:pPr algn="dist"/>
+            <a:r>
+              <a:rPr lang="ko-KR" altLang="en-US" sz="1200" dirty="0" smtClean="0">
+                <a:solidFill>
+                  <a:schemeClr val="bg1"/>
+                </a:solidFill>
+              </a:rPr>
+              <a:t>과목이름이나 영문타이틀</a:t>
+            </a:r>
+          </a:p>
+        </p:txBody>
+      </p:sp>
+      <p:sp>
+        <p:nvSpPr>
+          <p:cNvPr id="7" name="TextBox 6"/>
+          <p:cNvSpPr txBox="1"/>
+          <p:nvPr/>
+        </p:nvSpPr>
+        <p:spPr>
+          <a:xfrm>
+            <a:off x="2699792" y="2564904"/>
+            <a:ext cx="3816424" cy="1754326"/>
+          </a:xfrm>
+          <a:prstGeom prst="rect">
+            <a:avLst/>
+          </a:prstGeom>
+          <a:noFill/>
+        </p:spPr>
+        <p:txBody>
+          <a:bodyPr wrap="square" rtlCol="0">
+            <a:spAutoFit/>
+          </a:bodyPr>
+          <a:lstStyle/>
+          <a:p>
+            <a:pPr algn="ctr"/>
+            <a:r>
+              <a:rPr lang="en-US" altLang="ko-KR" sz="5400" b="1" dirty="0" smtClean="0">
+                <a:solidFill>
+                  <a:schemeClr val="bg1"/>
+                </a:solidFill>
+              </a:rPr>
+              <a:t>THANK</a:t>
+            </a:r>
+          </a:p>
+          <a:p>
+            <a:pPr algn="ctr"/>
+            <a:r>
+              <a:rPr lang="en-US" altLang="ko-KR" sz="5400" b="1" dirty="0" smtClean="0">
+                <a:solidFill>
+                  <a:schemeClr val="bg1"/>
+                </a:solidFill>
+              </a:rPr>
+              <a:t>YOU</a:t>
+            </a:r>
+            <a:endParaRPr lang="ko-KR" altLang="en-US" sz="5400" b="1" dirty="0">
+              <a:solidFill>
+                <a:schemeClr val="bg1"/>
+              </a:solidFill>
+            </a:endParaRPr>
+          </a:p>
+        </p:txBody>
+      </p:sp>
+      <p:sp>
+        <p:nvSpPr>
+          <p:cNvPr id="9" name="TextBox 8"/>
+          <p:cNvSpPr txBox="1"/>
+          <p:nvPr/>
+        </p:nvSpPr>
+        <p:spPr>
+          <a:xfrm>
+            <a:off x="3203848" y="5178678"/>
+            <a:ext cx="2736304" cy="338554"/>
+          </a:xfrm>
+          <a:prstGeom prst="rect">
+            <a:avLst/>
+          </a:prstGeom>
+          <a:noFill/>
+        </p:spPr>
+        <p:txBody>
+          <a:bodyPr wrap="square" rtlCol="0">
+            <a:spAutoFit/>
+          </a:bodyPr>
+          <a:lstStyle/>
+          <a:p>
+            <a:pPr algn="dist"/>
+            <a:r>
+              <a:rPr lang="ko-KR" altLang="en-US" sz="1600" b="1" dirty="0" smtClean="0">
+                <a:solidFill>
+                  <a:schemeClr val="tx2">
+                    <a:lumMod val="50000"/>
+                  </a:schemeClr>
+                </a:solidFill>
+              </a:rPr>
+              <a:t>발표자 박 민 </a:t>
+            </a:r>
+            <a:r>
+              <a:rPr lang="ko-KR" altLang="en-US" sz="1600" b="1" dirty="0" err="1" smtClean="0">
+                <a:solidFill>
+                  <a:schemeClr val="tx2">
+                    <a:lumMod val="50000"/>
+                  </a:schemeClr>
+                </a:solidFill>
+              </a:rPr>
+              <a:t>희</a:t>
+            </a:r>
+            <a:endParaRPr lang="ko-KR" altLang="en-US" sz="1600" b="1" dirty="0">
+              <a:solidFill>
+                <a:schemeClr val="tx2">
+                  <a:lumMod val="50000"/>
+                </a:schemeClr>
+              </a:solidFill>
+            </a:endParaRPr>
+          </a:p>
+        </p:txBody>
+      </p:sp>
+    </p:spTree>
+  </p:cSld>
+  <p:clrMapOvr>
+    <a:masterClrMapping/>
+  </p:clrMapOvr>
+  <p:timing>
+    <p:tnLst>
+      <p:par>
+        <p:cTn id="1" dur="indefinite" restart="never" nodeType="tmRoot"/>
+      </p:par>
+    </p:tnLst>
+  </p:timing>
+</p:sld>
+</file>
+
 <file path=ppt/slides/slide3.xml><?xml version="1.0" encoding="utf-8"?>
 <p:sld xmlns:a="http://schemas.openxmlformats.org/drawingml/2006/main" xmlns:r="http://schemas.openxmlformats.org/officeDocument/2006/relationships" xmlns:p="http://schemas.openxmlformats.org/presentationml/2006/main">
   <p:cSld>
@@ -28045,7 +28585,7 @@
           <p:cNvPr id="13" name="화살표: 오른쪽 7">
             <a:extLst>
               <a:ext uri="{FF2B5EF4-FFF2-40B4-BE49-F238E27FC236}">
-                <a16:creationId xmlns="" xmlns:a16="http://schemas.microsoft.com/office/drawing/2014/main" id="{18BB7816-E21A-4F5D-BAEA-AEC1FC5AE81D}"/>
+                <a16:creationId xmlns:a16="http://schemas.microsoft.com/office/drawing/2014/main" xmlns="" id="{18BB7816-E21A-4F5D-BAEA-AEC1FC5AE81D}"/>
               </a:ext>
             </a:extLst>
           </p:cNvPr>
@@ -28094,7 +28634,7 @@
           <p:cNvPr id="14" name="Picture 2" descr="https://lh5.googleusercontent.com/b4mpzPAA4-BvWelzxuXcn32CxTZyWqUI0HttWBSH6mGY45vHI7fnSuFqyrn8TaQC3QNz_veBxa7Egah2U4QQi3H9uF8pqzUVq5ex4lVdt6RHl61e3uRAGdJkq_DuViIR4mnB-Y-ZuQk">
             <a:extLst>
               <a:ext uri="{FF2B5EF4-FFF2-40B4-BE49-F238E27FC236}">
-                <a16:creationId xmlns="" xmlns:a16="http://schemas.microsoft.com/office/drawing/2014/main" id="{0D22A31E-DFF7-490C-97E2-6719731F61A9}"/>
+                <a16:creationId xmlns:a16="http://schemas.microsoft.com/office/drawing/2014/main" xmlns="" id="{0D22A31E-DFF7-490C-97E2-6719731F61A9}"/>
               </a:ext>
             </a:extLst>
           </p:cNvPr>
@@ -28139,7 +28679,7 @@
           <p:cNvPr id="15" name="TextBox 14">
             <a:extLst>
               <a:ext uri="{FF2B5EF4-FFF2-40B4-BE49-F238E27FC236}">
-                <a16:creationId xmlns="" xmlns:a16="http://schemas.microsoft.com/office/drawing/2014/main" id="{F2BD5CAE-113D-4983-B008-2C4357F87185}"/>
+                <a16:creationId xmlns:a16="http://schemas.microsoft.com/office/drawing/2014/main" xmlns="" id="{F2BD5CAE-113D-4983-B008-2C4357F87185}"/>
               </a:ext>
             </a:extLst>
           </p:cNvPr>
@@ -28179,7 +28719,7 @@
           <p:cNvPr id="17" name="화살표: 오른쪽 21">
             <a:extLst>
               <a:ext uri="{FF2B5EF4-FFF2-40B4-BE49-F238E27FC236}">
-                <a16:creationId xmlns="" xmlns:a16="http://schemas.microsoft.com/office/drawing/2014/main" id="{0F928D42-4870-4C95-A37F-DCE1B2A39E36}"/>
+                <a16:creationId xmlns:a16="http://schemas.microsoft.com/office/drawing/2014/main" xmlns="" id="{0F928D42-4870-4C95-A37F-DCE1B2A39E36}"/>
               </a:ext>
             </a:extLst>
           </p:cNvPr>
@@ -28228,7 +28768,7 @@
           <p:cNvPr id="18" name="화살표: 오른쪽 24">
             <a:extLst>
               <a:ext uri="{FF2B5EF4-FFF2-40B4-BE49-F238E27FC236}">
-                <a16:creationId xmlns="" xmlns:a16="http://schemas.microsoft.com/office/drawing/2014/main" id="{6CE3F853-D40B-4312-9EDC-2FE93E4BEE37}"/>
+                <a16:creationId xmlns:a16="http://schemas.microsoft.com/office/drawing/2014/main" xmlns="" id="{6CE3F853-D40B-4312-9EDC-2FE93E4BEE37}"/>
               </a:ext>
             </a:extLst>
           </p:cNvPr>
@@ -28277,7 +28817,7 @@
           <p:cNvPr id="20" name="TextBox 19">
             <a:extLst>
               <a:ext uri="{FF2B5EF4-FFF2-40B4-BE49-F238E27FC236}">
-                <a16:creationId xmlns="" xmlns:a16="http://schemas.microsoft.com/office/drawing/2014/main" id="{F2086140-FF2F-4F50-A28A-FF52A1D14CCB}"/>
+                <a16:creationId xmlns:a16="http://schemas.microsoft.com/office/drawing/2014/main" xmlns="" id="{F2086140-FF2F-4F50-A28A-FF52A1D14CCB}"/>
               </a:ext>
             </a:extLst>
           </p:cNvPr>
@@ -28339,7 +28879,7 @@
           <p:cNvPr id="21" name="TextBox 20">
             <a:extLst>
               <a:ext uri="{FF2B5EF4-FFF2-40B4-BE49-F238E27FC236}">
-                <a16:creationId xmlns="" xmlns:a16="http://schemas.microsoft.com/office/drawing/2014/main" id="{31D958B3-C3B7-4D0C-B4C7-7AADEED1162C}"/>
+                <a16:creationId xmlns:a16="http://schemas.microsoft.com/office/drawing/2014/main" xmlns="" id="{31D958B3-C3B7-4D0C-B4C7-7AADEED1162C}"/>
               </a:ext>
             </a:extLst>
           </p:cNvPr>
@@ -28378,7 +28918,7 @@
           <p:cNvPr id="23" name="TextBox 22">
             <a:extLst>
               <a:ext uri="{FF2B5EF4-FFF2-40B4-BE49-F238E27FC236}">
-                <a16:creationId xmlns="" xmlns:a16="http://schemas.microsoft.com/office/drawing/2014/main" id="{4285950D-9FAA-4F85-82EC-A6B37F8BA911}"/>
+                <a16:creationId xmlns:a16="http://schemas.microsoft.com/office/drawing/2014/main" xmlns="" id="{4285950D-9FAA-4F85-82EC-A6B37F8BA911}"/>
               </a:ext>
             </a:extLst>
           </p:cNvPr>
@@ -28421,7 +28961,7 @@
           <p:cNvPr id="24" name="TextBox 23">
             <a:extLst>
               <a:ext uri="{FF2B5EF4-FFF2-40B4-BE49-F238E27FC236}">
-                <a16:creationId xmlns="" xmlns:a16="http://schemas.microsoft.com/office/drawing/2014/main" id="{273F19C7-B72D-4AA9-800B-AFA1B54DB920}"/>
+                <a16:creationId xmlns:a16="http://schemas.microsoft.com/office/drawing/2014/main" xmlns="" id="{273F19C7-B72D-4AA9-800B-AFA1B54DB920}"/>
               </a:ext>
             </a:extLst>
           </p:cNvPr>
@@ -28460,7 +29000,7 @@
           <p:cNvPr id="25" name="그림 24">
             <a:extLst>
               <a:ext uri="{FF2B5EF4-FFF2-40B4-BE49-F238E27FC236}">
-                <a16:creationId xmlns="" xmlns:a16="http://schemas.microsoft.com/office/drawing/2014/main" id="{B5C20A03-B623-47C2-8DEE-869964C2B7E1}"/>
+                <a16:creationId xmlns:a16="http://schemas.microsoft.com/office/drawing/2014/main" xmlns="" id="{B5C20A03-B623-47C2-8DEE-869964C2B7E1}"/>
               </a:ext>
             </a:extLst>
           </p:cNvPr>
@@ -28496,7 +29036,7 @@
           <p:cNvPr id="26" name="Group 6">
             <a:extLst>
               <a:ext uri="{FF2B5EF4-FFF2-40B4-BE49-F238E27FC236}">
-                <a16:creationId xmlns="" xmlns:a16="http://schemas.microsoft.com/office/drawing/2014/main" id="{542C3482-F236-46AC-98D6-86E2535E4AC1}"/>
+                <a16:creationId xmlns:a16="http://schemas.microsoft.com/office/drawing/2014/main" xmlns="" id="{542C3482-F236-46AC-98D6-86E2535E4AC1}"/>
               </a:ext>
             </a:extLst>
           </p:cNvPr>
@@ -28516,7 +29056,7 @@
             <p:cNvPr id="35" name="직선 연결선 34">
               <a:extLst>
                 <a:ext uri="{FF2B5EF4-FFF2-40B4-BE49-F238E27FC236}">
-                  <a16:creationId xmlns="" xmlns:a16="http://schemas.microsoft.com/office/drawing/2014/main" id="{544DF6FE-367A-42EF-B931-CBF201B0E135}"/>
+                  <a16:creationId xmlns:a16="http://schemas.microsoft.com/office/drawing/2014/main" xmlns="" id="{544DF6FE-367A-42EF-B931-CBF201B0E135}"/>
                 </a:ext>
               </a:extLst>
             </p:cNvPr>
@@ -28559,7 +29099,7 @@
             <p:cNvPr id="36" name="직선 연결선 35">
               <a:extLst>
                 <a:ext uri="{FF2B5EF4-FFF2-40B4-BE49-F238E27FC236}">
-                  <a16:creationId xmlns="" xmlns:a16="http://schemas.microsoft.com/office/drawing/2014/main" id="{AC434BE0-7877-4157-8091-697B30EDB1DE}"/>
+                  <a16:creationId xmlns:a16="http://schemas.microsoft.com/office/drawing/2014/main" xmlns="" id="{AC434BE0-7877-4157-8091-697B30EDB1DE}"/>
                 </a:ext>
               </a:extLst>
             </p:cNvPr>
@@ -28602,7 +29142,7 @@
             <p:cNvPr id="37" name="직선 연결선 36">
               <a:extLst>
                 <a:ext uri="{FF2B5EF4-FFF2-40B4-BE49-F238E27FC236}">
-                  <a16:creationId xmlns="" xmlns:a16="http://schemas.microsoft.com/office/drawing/2014/main" id="{65453E14-1F35-4455-9F4F-E012AE478D9D}"/>
+                  <a16:creationId xmlns:a16="http://schemas.microsoft.com/office/drawing/2014/main" xmlns="" id="{65453E14-1F35-4455-9F4F-E012AE478D9D}"/>
                 </a:ext>
               </a:extLst>
             </p:cNvPr>
@@ -28646,7 +29186,7 @@
           <p:cNvPr id="27" name="TextBox 26">
             <a:extLst>
               <a:ext uri="{FF2B5EF4-FFF2-40B4-BE49-F238E27FC236}">
-                <a16:creationId xmlns="" xmlns:a16="http://schemas.microsoft.com/office/drawing/2014/main" id="{8250630C-1A5B-4221-BF68-BF4EF9AF8FBD}"/>
+                <a16:creationId xmlns:a16="http://schemas.microsoft.com/office/drawing/2014/main" xmlns="" id="{8250630C-1A5B-4221-BF68-BF4EF9AF8FBD}"/>
               </a:ext>
             </a:extLst>
           </p:cNvPr>
@@ -28692,7 +29232,7 @@
           <p:cNvPr id="28" name="TextBox 27">
             <a:extLst>
               <a:ext uri="{FF2B5EF4-FFF2-40B4-BE49-F238E27FC236}">
-                <a16:creationId xmlns="" xmlns:a16="http://schemas.microsoft.com/office/drawing/2014/main" id="{B5994DA6-A7F0-4E27-BD2D-7FCE59CEE957}"/>
+                <a16:creationId xmlns:a16="http://schemas.microsoft.com/office/drawing/2014/main" xmlns="" id="{B5994DA6-A7F0-4E27-BD2D-7FCE59CEE957}"/>
               </a:ext>
             </a:extLst>
           </p:cNvPr>
@@ -28738,7 +29278,7 @@
           <p:cNvPr id="29" name="Group 6">
             <a:extLst>
               <a:ext uri="{FF2B5EF4-FFF2-40B4-BE49-F238E27FC236}">
-                <a16:creationId xmlns="" xmlns:a16="http://schemas.microsoft.com/office/drawing/2014/main" id="{9F72DB5D-BA1C-7D47-8C5D-22E239359D44}"/>
+                <a16:creationId xmlns:a16="http://schemas.microsoft.com/office/drawing/2014/main" xmlns="" id="{9F72DB5D-BA1C-7D47-8C5D-22E239359D44}"/>
               </a:ext>
             </a:extLst>
           </p:cNvPr>
@@ -28758,7 +29298,7 @@
             <p:cNvPr id="32" name="직선 연결선 19">
               <a:extLst>
                 <a:ext uri="{FF2B5EF4-FFF2-40B4-BE49-F238E27FC236}">
-                  <a16:creationId xmlns="" xmlns:a16="http://schemas.microsoft.com/office/drawing/2014/main" id="{D07F0C3C-8860-3B4A-9C56-58C6CE79747C}"/>
+                  <a16:creationId xmlns:a16="http://schemas.microsoft.com/office/drawing/2014/main" xmlns="" id="{D07F0C3C-8860-3B4A-9C56-58C6CE79747C}"/>
                 </a:ext>
               </a:extLst>
             </p:cNvPr>
@@ -28801,7 +29341,7 @@
             <p:cNvPr id="33" name="직선 연결선 23">
               <a:extLst>
                 <a:ext uri="{FF2B5EF4-FFF2-40B4-BE49-F238E27FC236}">
-                  <a16:creationId xmlns="" xmlns:a16="http://schemas.microsoft.com/office/drawing/2014/main" id="{A77AE363-B4D3-0E41-AC77-2087545960A8}"/>
+                  <a16:creationId xmlns:a16="http://schemas.microsoft.com/office/drawing/2014/main" xmlns="" id="{A77AE363-B4D3-0E41-AC77-2087545960A8}"/>
                 </a:ext>
               </a:extLst>
             </p:cNvPr>
@@ -28844,7 +29384,7 @@
             <p:cNvPr id="34" name="직선 연결선 25">
               <a:extLst>
                 <a:ext uri="{FF2B5EF4-FFF2-40B4-BE49-F238E27FC236}">
-                  <a16:creationId xmlns="" xmlns:a16="http://schemas.microsoft.com/office/drawing/2014/main" id="{1E92A284-FFCD-2347-B894-4591603D5B53}"/>
+                  <a16:creationId xmlns:a16="http://schemas.microsoft.com/office/drawing/2014/main" xmlns="" id="{1E92A284-FFCD-2347-B894-4591603D5B53}"/>
                 </a:ext>
               </a:extLst>
             </p:cNvPr>
@@ -28888,7 +29428,7 @@
           <p:cNvPr id="30" name="TextBox 29">
             <a:extLst>
               <a:ext uri="{FF2B5EF4-FFF2-40B4-BE49-F238E27FC236}">
-                <a16:creationId xmlns="" xmlns:a16="http://schemas.microsoft.com/office/drawing/2014/main" id="{A7100BD7-019C-0B4C-B0F2-A3BEA595CDF7}"/>
+                <a16:creationId xmlns:a16="http://schemas.microsoft.com/office/drawing/2014/main" xmlns="" id="{A7100BD7-019C-0B4C-B0F2-A3BEA595CDF7}"/>
               </a:ext>
             </a:extLst>
           </p:cNvPr>
@@ -28938,7 +29478,7 @@
           <p:cNvPr id="31" name="TextBox 30">
             <a:extLst>
               <a:ext uri="{FF2B5EF4-FFF2-40B4-BE49-F238E27FC236}">
-                <a16:creationId xmlns="" xmlns:a16="http://schemas.microsoft.com/office/drawing/2014/main" id="{EA351A81-A3A6-2949-9745-6937EA78F2CA}"/>
+                <a16:creationId xmlns:a16="http://schemas.microsoft.com/office/drawing/2014/main" xmlns="" id="{EA351A81-A3A6-2949-9745-6937EA78F2CA}"/>
               </a:ext>
             </a:extLst>
           </p:cNvPr>
@@ -29138,7 +29678,7 @@
           <p:cNvPr id="38" name="화살표: 갈매기형 수장 1">
             <a:extLst>
               <a:ext uri="{FF2B5EF4-FFF2-40B4-BE49-F238E27FC236}">
-                <a16:creationId xmlns="" xmlns:a16="http://schemas.microsoft.com/office/drawing/2014/main" id="{A38FB86A-A9AC-4EAE-8223-69D52F8B1ABE}"/>
+                <a16:creationId xmlns:a16="http://schemas.microsoft.com/office/drawing/2014/main" xmlns="" id="{A38FB86A-A9AC-4EAE-8223-69D52F8B1ABE}"/>
               </a:ext>
             </a:extLst>
           </p:cNvPr>
@@ -29196,7 +29736,7 @@
           <p:cNvPr id="39" name="화살표: 갈매기형 수장 2">
             <a:extLst>
               <a:ext uri="{FF2B5EF4-FFF2-40B4-BE49-F238E27FC236}">
-                <a16:creationId xmlns="" xmlns:a16="http://schemas.microsoft.com/office/drawing/2014/main" id="{8C8E1FD7-9558-46EC-B4E7-FDD400E94927}"/>
+                <a16:creationId xmlns:a16="http://schemas.microsoft.com/office/drawing/2014/main" xmlns="" id="{8C8E1FD7-9558-46EC-B4E7-FDD400E94927}"/>
               </a:ext>
             </a:extLst>
           </p:cNvPr>
@@ -29252,7 +29792,7 @@
           <p:cNvPr id="41" name="화살표: 갈매기형 수장 4">
             <a:extLst>
               <a:ext uri="{FF2B5EF4-FFF2-40B4-BE49-F238E27FC236}">
-                <a16:creationId xmlns="" xmlns:a16="http://schemas.microsoft.com/office/drawing/2014/main" id="{66755A50-62DA-4FF0-95B0-EA82A6CC33B8}"/>
+                <a16:creationId xmlns:a16="http://schemas.microsoft.com/office/drawing/2014/main" xmlns="" id="{66755A50-62DA-4FF0-95B0-EA82A6CC33B8}"/>
               </a:ext>
             </a:extLst>
           </p:cNvPr>
@@ -29308,7 +29848,7 @@
           <p:cNvPr id="42" name="화살표: 갈매기형 수장 5">
             <a:extLst>
               <a:ext uri="{FF2B5EF4-FFF2-40B4-BE49-F238E27FC236}">
-                <a16:creationId xmlns="" xmlns:a16="http://schemas.microsoft.com/office/drawing/2014/main" id="{DE46CADA-41E8-412A-A136-0A94F5A27AD4}"/>
+                <a16:creationId xmlns:a16="http://schemas.microsoft.com/office/drawing/2014/main" xmlns="" id="{DE46CADA-41E8-412A-A136-0A94F5A27AD4}"/>
               </a:ext>
             </a:extLst>
           </p:cNvPr>
@@ -29364,7 +29904,7 @@
           <p:cNvPr id="43" name="TextBox 42">
             <a:extLst>
               <a:ext uri="{FF2B5EF4-FFF2-40B4-BE49-F238E27FC236}">
-                <a16:creationId xmlns="" xmlns:a16="http://schemas.microsoft.com/office/drawing/2014/main" id="{68E943C8-5BA8-4C3E-A527-DD0F8F2B0E0A}"/>
+                <a16:creationId xmlns:a16="http://schemas.microsoft.com/office/drawing/2014/main" xmlns="" id="{68E943C8-5BA8-4C3E-A527-DD0F8F2B0E0A}"/>
               </a:ext>
             </a:extLst>
           </p:cNvPr>
@@ -29408,7 +29948,7 @@
           <p:cNvPr id="44" name="TextBox 43">
             <a:extLst>
               <a:ext uri="{FF2B5EF4-FFF2-40B4-BE49-F238E27FC236}">
-                <a16:creationId xmlns="" xmlns:a16="http://schemas.microsoft.com/office/drawing/2014/main" id="{4D3D8339-CC68-4AAC-A189-19E6E05D54DD}"/>
+                <a16:creationId xmlns:a16="http://schemas.microsoft.com/office/drawing/2014/main" xmlns="" id="{4D3D8339-CC68-4AAC-A189-19E6E05D54DD}"/>
               </a:ext>
             </a:extLst>
           </p:cNvPr>
@@ -29447,7 +29987,7 @@
           <p:cNvPr id="46" name="TextBox 45">
             <a:extLst>
               <a:ext uri="{FF2B5EF4-FFF2-40B4-BE49-F238E27FC236}">
-                <a16:creationId xmlns="" xmlns:a16="http://schemas.microsoft.com/office/drawing/2014/main" id="{32361A82-4993-4DC4-B5EF-3C30F9515573}"/>
+                <a16:creationId xmlns:a16="http://schemas.microsoft.com/office/drawing/2014/main" xmlns="" id="{32361A82-4993-4DC4-B5EF-3C30F9515573}"/>
               </a:ext>
             </a:extLst>
           </p:cNvPr>
@@ -29486,7 +30026,7 @@
           <p:cNvPr id="47" name="TextBox 46">
             <a:extLst>
               <a:ext uri="{FF2B5EF4-FFF2-40B4-BE49-F238E27FC236}">
-                <a16:creationId xmlns="" xmlns:a16="http://schemas.microsoft.com/office/drawing/2014/main" id="{49D68CEE-0E8C-4AD6-9485-622609B084B3}"/>
+                <a16:creationId xmlns:a16="http://schemas.microsoft.com/office/drawing/2014/main" xmlns="" id="{49D68CEE-0E8C-4AD6-9485-622609B084B3}"/>
               </a:ext>
             </a:extLst>
           </p:cNvPr>
@@ -29526,7 +30066,7 @@
           <p:cNvPr id="48" name="화살표: 갈매기형 수장 2">
             <a:extLst>
               <a:ext uri="{FF2B5EF4-FFF2-40B4-BE49-F238E27FC236}">
-                <a16:creationId xmlns="" xmlns:a16="http://schemas.microsoft.com/office/drawing/2014/main" id="{7B196A9F-09F8-8545-89B0-5112E49D0233}"/>
+                <a16:creationId xmlns:a16="http://schemas.microsoft.com/office/drawing/2014/main" xmlns="" id="{7B196A9F-09F8-8545-89B0-5112E49D0233}"/>
               </a:ext>
             </a:extLst>
           </p:cNvPr>
@@ -29582,7 +30122,7 @@
           <p:cNvPr id="49" name="TextBox 48">
             <a:extLst>
               <a:ext uri="{FF2B5EF4-FFF2-40B4-BE49-F238E27FC236}">
-                <a16:creationId xmlns="" xmlns:a16="http://schemas.microsoft.com/office/drawing/2014/main" id="{BC3F0FE1-9ECF-C344-B0A8-12B4DA316EC5}"/>
+                <a16:creationId xmlns:a16="http://schemas.microsoft.com/office/drawing/2014/main" xmlns="" id="{BC3F0FE1-9ECF-C344-B0A8-12B4DA316EC5}"/>
               </a:ext>
             </a:extLst>
           </p:cNvPr>
@@ -29645,7 +30185,7 @@
           <p:cNvPr id="21" name="꺾인 연결선[E] 12">
             <a:extLst>
               <a:ext uri="{FF2B5EF4-FFF2-40B4-BE49-F238E27FC236}">
-                <a16:creationId xmlns:a16="http://schemas.microsoft.com/office/drawing/2014/main" xmlns="" id="{9EA1CB21-45EB-4FD5-8958-6638C2B8E9AF}"/>
+                <a16:creationId xmlns="" xmlns:a16="http://schemas.microsoft.com/office/drawing/2014/main" id="{9EA1CB21-45EB-4FD5-8958-6638C2B8E9AF}"/>
               </a:ext>
             </a:extLst>
           </p:cNvPr>
@@ -29691,7 +30231,7 @@
           <p:cNvPr id="22" name="TextBox 21">
             <a:extLst>
               <a:ext uri="{FF2B5EF4-FFF2-40B4-BE49-F238E27FC236}">
-                <a16:creationId xmlns:a16="http://schemas.microsoft.com/office/drawing/2014/main" xmlns="" id="{4F1E8E36-7223-43AE-A194-C5947D11B18D}"/>
+                <a16:creationId xmlns="" xmlns:a16="http://schemas.microsoft.com/office/drawing/2014/main" id="{4F1E8E36-7223-43AE-A194-C5947D11B18D}"/>
               </a:ext>
             </a:extLst>
           </p:cNvPr>
@@ -29735,7 +30275,7 @@
           <p:cNvPr id="24" name="TextBox 23">
             <a:extLst>
               <a:ext uri="{FF2B5EF4-FFF2-40B4-BE49-F238E27FC236}">
-                <a16:creationId xmlns:a16="http://schemas.microsoft.com/office/drawing/2014/main" xmlns="" id="{4F1E8E36-7223-43AE-A194-C5947D11B18D}"/>
+                <a16:creationId xmlns="" xmlns:a16="http://schemas.microsoft.com/office/drawing/2014/main" id="{4F1E8E36-7223-43AE-A194-C5947D11B18D}"/>
               </a:ext>
             </a:extLst>
           </p:cNvPr>
@@ -29779,7 +30319,7 @@
           <p:cNvPr id="28" name="직선 연결선 27">
             <a:extLst>
               <a:ext uri="{FF2B5EF4-FFF2-40B4-BE49-F238E27FC236}">
-                <a16:creationId xmlns:a16="http://schemas.microsoft.com/office/drawing/2014/main" xmlns="" id="{19C27C6B-EE52-4EBC-86EC-BB21C7AD776D}"/>
+                <a16:creationId xmlns="" xmlns:a16="http://schemas.microsoft.com/office/drawing/2014/main" id="{19C27C6B-EE52-4EBC-86EC-BB21C7AD776D}"/>
               </a:ext>
             </a:extLst>
           </p:cNvPr>
@@ -29822,7 +30362,7 @@
           <p:cNvPr id="40" name="TextBox 39">
             <a:extLst>
               <a:ext uri="{FF2B5EF4-FFF2-40B4-BE49-F238E27FC236}">
-                <a16:creationId xmlns:a16="http://schemas.microsoft.com/office/drawing/2014/main" xmlns="" id="{4F1E8E36-7223-43AE-A194-C5947D11B18D}"/>
+                <a16:creationId xmlns="" xmlns:a16="http://schemas.microsoft.com/office/drawing/2014/main" id="{4F1E8E36-7223-43AE-A194-C5947D11B18D}"/>
               </a:ext>
             </a:extLst>
           </p:cNvPr>
@@ -29866,7 +30406,7 @@
           <p:cNvPr id="50" name="TextBox 49">
             <a:extLst>
               <a:ext uri="{FF2B5EF4-FFF2-40B4-BE49-F238E27FC236}">
-                <a16:creationId xmlns:a16="http://schemas.microsoft.com/office/drawing/2014/main" xmlns="" id="{4F1E8E36-7223-43AE-A194-C5947D11B18D}"/>
+                <a16:creationId xmlns="" xmlns:a16="http://schemas.microsoft.com/office/drawing/2014/main" id="{4F1E8E36-7223-43AE-A194-C5947D11B18D}"/>
               </a:ext>
             </a:extLst>
           </p:cNvPr>
@@ -30209,7 +30749,7 @@
           <p:cNvPr id="38" name="화살표: 갈매기형 수장 1">
             <a:extLst>
               <a:ext uri="{FF2B5EF4-FFF2-40B4-BE49-F238E27FC236}">
-                <a16:creationId xmlns="" xmlns:a16="http://schemas.microsoft.com/office/drawing/2014/main" id="{A38FB86A-A9AC-4EAE-8223-69D52F8B1ABE}"/>
+                <a16:creationId xmlns:a16="http://schemas.microsoft.com/office/drawing/2014/main" xmlns="" id="{A38FB86A-A9AC-4EAE-8223-69D52F8B1ABE}"/>
               </a:ext>
             </a:extLst>
           </p:cNvPr>
@@ -30267,7 +30807,7 @@
           <p:cNvPr id="39" name="화살표: 갈매기형 수장 2">
             <a:extLst>
               <a:ext uri="{FF2B5EF4-FFF2-40B4-BE49-F238E27FC236}">
-                <a16:creationId xmlns="" xmlns:a16="http://schemas.microsoft.com/office/drawing/2014/main" id="{8C8E1FD7-9558-46EC-B4E7-FDD400E94927}"/>
+                <a16:creationId xmlns:a16="http://schemas.microsoft.com/office/drawing/2014/main" xmlns="" id="{8C8E1FD7-9558-46EC-B4E7-FDD400E94927}"/>
               </a:ext>
             </a:extLst>
           </p:cNvPr>
@@ -30323,7 +30863,7 @@
           <p:cNvPr id="41" name="화살표: 갈매기형 수장 4">
             <a:extLst>
               <a:ext uri="{FF2B5EF4-FFF2-40B4-BE49-F238E27FC236}">
-                <a16:creationId xmlns="" xmlns:a16="http://schemas.microsoft.com/office/drawing/2014/main" id="{66755A50-62DA-4FF0-95B0-EA82A6CC33B8}"/>
+                <a16:creationId xmlns:a16="http://schemas.microsoft.com/office/drawing/2014/main" xmlns="" id="{66755A50-62DA-4FF0-95B0-EA82A6CC33B8}"/>
               </a:ext>
             </a:extLst>
           </p:cNvPr>
@@ -30379,7 +30919,7 @@
           <p:cNvPr id="42" name="화살표: 갈매기형 수장 5">
             <a:extLst>
               <a:ext uri="{FF2B5EF4-FFF2-40B4-BE49-F238E27FC236}">
-                <a16:creationId xmlns="" xmlns:a16="http://schemas.microsoft.com/office/drawing/2014/main" id="{DE46CADA-41E8-412A-A136-0A94F5A27AD4}"/>
+                <a16:creationId xmlns:a16="http://schemas.microsoft.com/office/drawing/2014/main" xmlns="" id="{DE46CADA-41E8-412A-A136-0A94F5A27AD4}"/>
               </a:ext>
             </a:extLst>
           </p:cNvPr>
@@ -30435,7 +30975,7 @@
           <p:cNvPr id="43" name="TextBox 42">
             <a:extLst>
               <a:ext uri="{FF2B5EF4-FFF2-40B4-BE49-F238E27FC236}">
-                <a16:creationId xmlns="" xmlns:a16="http://schemas.microsoft.com/office/drawing/2014/main" id="{68E943C8-5BA8-4C3E-A527-DD0F8F2B0E0A}"/>
+                <a16:creationId xmlns:a16="http://schemas.microsoft.com/office/drawing/2014/main" xmlns="" id="{68E943C8-5BA8-4C3E-A527-DD0F8F2B0E0A}"/>
               </a:ext>
             </a:extLst>
           </p:cNvPr>
@@ -30479,7 +31019,7 @@
           <p:cNvPr id="44" name="TextBox 43">
             <a:extLst>
               <a:ext uri="{FF2B5EF4-FFF2-40B4-BE49-F238E27FC236}">
-                <a16:creationId xmlns="" xmlns:a16="http://schemas.microsoft.com/office/drawing/2014/main" id="{4D3D8339-CC68-4AAC-A189-19E6E05D54DD}"/>
+                <a16:creationId xmlns:a16="http://schemas.microsoft.com/office/drawing/2014/main" xmlns="" id="{4D3D8339-CC68-4AAC-A189-19E6E05D54DD}"/>
               </a:ext>
             </a:extLst>
           </p:cNvPr>
@@ -30518,7 +31058,7 @@
           <p:cNvPr id="46" name="TextBox 45">
             <a:extLst>
               <a:ext uri="{FF2B5EF4-FFF2-40B4-BE49-F238E27FC236}">
-                <a16:creationId xmlns="" xmlns:a16="http://schemas.microsoft.com/office/drawing/2014/main" id="{32361A82-4993-4DC4-B5EF-3C30F9515573}"/>
+                <a16:creationId xmlns:a16="http://schemas.microsoft.com/office/drawing/2014/main" xmlns="" id="{32361A82-4993-4DC4-B5EF-3C30F9515573}"/>
               </a:ext>
             </a:extLst>
           </p:cNvPr>
@@ -30557,7 +31097,7 @@
           <p:cNvPr id="47" name="TextBox 46">
             <a:extLst>
               <a:ext uri="{FF2B5EF4-FFF2-40B4-BE49-F238E27FC236}">
-                <a16:creationId xmlns="" xmlns:a16="http://schemas.microsoft.com/office/drawing/2014/main" id="{49D68CEE-0E8C-4AD6-9485-622609B084B3}"/>
+                <a16:creationId xmlns:a16="http://schemas.microsoft.com/office/drawing/2014/main" xmlns="" id="{49D68CEE-0E8C-4AD6-9485-622609B084B3}"/>
               </a:ext>
             </a:extLst>
           </p:cNvPr>
@@ -30597,7 +31137,7 @@
           <p:cNvPr id="48" name="화살표: 갈매기형 수장 2">
             <a:extLst>
               <a:ext uri="{FF2B5EF4-FFF2-40B4-BE49-F238E27FC236}">
-                <a16:creationId xmlns="" xmlns:a16="http://schemas.microsoft.com/office/drawing/2014/main" id="{7B196A9F-09F8-8545-89B0-5112E49D0233}"/>
+                <a16:creationId xmlns:a16="http://schemas.microsoft.com/office/drawing/2014/main" xmlns="" id="{7B196A9F-09F8-8545-89B0-5112E49D0233}"/>
               </a:ext>
             </a:extLst>
           </p:cNvPr>
@@ -30653,7 +31193,7 @@
           <p:cNvPr id="49" name="TextBox 48">
             <a:extLst>
               <a:ext uri="{FF2B5EF4-FFF2-40B4-BE49-F238E27FC236}">
-                <a16:creationId xmlns="" xmlns:a16="http://schemas.microsoft.com/office/drawing/2014/main" id="{BC3F0FE1-9ECF-C344-B0A8-12B4DA316EC5}"/>
+                <a16:creationId xmlns:a16="http://schemas.microsoft.com/office/drawing/2014/main" xmlns="" id="{BC3F0FE1-9ECF-C344-B0A8-12B4DA316EC5}"/>
               </a:ext>
             </a:extLst>
           </p:cNvPr>
@@ -30692,7 +31232,7 @@
           <p:cNvPr id="50" name="TextBox 49">
             <a:extLst>
               <a:ext uri="{FF2B5EF4-FFF2-40B4-BE49-F238E27FC236}">
-                <a16:creationId xmlns:a16="http://schemas.microsoft.com/office/drawing/2014/main" xmlns="" id="{4F1E8E36-7223-43AE-A194-C5947D11B18D}"/>
+                <a16:creationId xmlns="" xmlns:a16="http://schemas.microsoft.com/office/drawing/2014/main" id="{4F1E8E36-7223-43AE-A194-C5947D11B18D}"/>
               </a:ext>
             </a:extLst>
           </p:cNvPr>
@@ -30796,7 +31336,7 @@
           <p:cNvPr id="21" name="꺾인 연결선[E] 12">
             <a:extLst>
               <a:ext uri="{FF2B5EF4-FFF2-40B4-BE49-F238E27FC236}">
-                <a16:creationId xmlns:a16="http://schemas.microsoft.com/office/drawing/2014/main" xmlns="" id="{9EA1CB21-45EB-4FD5-8958-6638C2B8E9AF}"/>
+                <a16:creationId xmlns="" xmlns:a16="http://schemas.microsoft.com/office/drawing/2014/main" id="{9EA1CB21-45EB-4FD5-8958-6638C2B8E9AF}"/>
               </a:ext>
             </a:extLst>
           </p:cNvPr>
@@ -30876,7 +31416,7 @@
           <p:cNvPr id="40" name="TextBox 39">
             <a:extLst>
               <a:ext uri="{FF2B5EF4-FFF2-40B4-BE49-F238E27FC236}">
-                <a16:creationId xmlns:a16="http://schemas.microsoft.com/office/drawing/2014/main" xmlns="" id="{4F1E8E36-7223-43AE-A194-C5947D11B18D}"/>
+                <a16:creationId xmlns="" xmlns:a16="http://schemas.microsoft.com/office/drawing/2014/main" id="{4F1E8E36-7223-43AE-A194-C5947D11B18D}"/>
               </a:ext>
             </a:extLst>
           </p:cNvPr>
@@ -30920,7 +31460,7 @@
           <p:cNvPr id="22" name="TextBox 21">
             <a:extLst>
               <a:ext uri="{FF2B5EF4-FFF2-40B4-BE49-F238E27FC236}">
-                <a16:creationId xmlns:a16="http://schemas.microsoft.com/office/drawing/2014/main" xmlns="" id="{4F1E8E36-7223-43AE-A194-C5947D11B18D}"/>
+                <a16:creationId xmlns="" xmlns:a16="http://schemas.microsoft.com/office/drawing/2014/main" id="{4F1E8E36-7223-43AE-A194-C5947D11B18D}"/>
               </a:ext>
             </a:extLst>
           </p:cNvPr>
@@ -30999,7 +31539,7 @@
           <p:cNvPr id="36" name="직선 연결선 35">
             <a:extLst>
               <a:ext uri="{FF2B5EF4-FFF2-40B4-BE49-F238E27FC236}">
-                <a16:creationId xmlns:a16="http://schemas.microsoft.com/office/drawing/2014/main" xmlns="" id="{19C27C6B-EE52-4EBC-86EC-BB21C7AD776D}"/>
+                <a16:creationId xmlns="" xmlns:a16="http://schemas.microsoft.com/office/drawing/2014/main" id="{19C27C6B-EE52-4EBC-86EC-BB21C7AD776D}"/>
               </a:ext>
             </a:extLst>
           </p:cNvPr>
@@ -31040,7 +31580,7 @@
           <p:cNvPr id="24" name="TextBox 23">
             <a:extLst>
               <a:ext uri="{FF2B5EF4-FFF2-40B4-BE49-F238E27FC236}">
-                <a16:creationId xmlns:a16="http://schemas.microsoft.com/office/drawing/2014/main" xmlns="" id="{4F1E8E36-7223-43AE-A194-C5947D11B18D}"/>
+                <a16:creationId xmlns="" xmlns:a16="http://schemas.microsoft.com/office/drawing/2014/main" id="{4F1E8E36-7223-43AE-A194-C5947D11B18D}"/>
               </a:ext>
             </a:extLst>
           </p:cNvPr>

--- a/치즈.pptx
+++ b/치즈.pptx
@@ -5,30 +5,31 @@
     <p:sldMasterId id="2147483648" r:id="rId1"/>
   </p:sldMasterIdLst>
   <p:notesMasterIdLst>
-    <p:notesMasterId r:id="rId23"/>
+    <p:notesMasterId r:id="rId24"/>
   </p:notesMasterIdLst>
   <p:sldIdLst>
     <p:sldId id="257" r:id="rId2"/>
-    <p:sldId id="260" r:id="rId3"/>
-    <p:sldId id="288" r:id="rId4"/>
-    <p:sldId id="290" r:id="rId5"/>
-    <p:sldId id="294" r:id="rId6"/>
-    <p:sldId id="289" r:id="rId7"/>
-    <p:sldId id="287" r:id="rId8"/>
-    <p:sldId id="299" r:id="rId9"/>
-    <p:sldId id="308" r:id="rId10"/>
-    <p:sldId id="310" r:id="rId11"/>
-    <p:sldId id="311" r:id="rId12"/>
-    <p:sldId id="312" r:id="rId13"/>
+    <p:sldId id="288" r:id="rId3"/>
+    <p:sldId id="290" r:id="rId4"/>
+    <p:sldId id="294" r:id="rId5"/>
+    <p:sldId id="289" r:id="rId6"/>
+    <p:sldId id="308" r:id="rId7"/>
+    <p:sldId id="309" r:id="rId8"/>
+    <p:sldId id="287" r:id="rId9"/>
+    <p:sldId id="310" r:id="rId10"/>
+    <p:sldId id="311" r:id="rId11"/>
+    <p:sldId id="312" r:id="rId12"/>
+    <p:sldId id="313" r:id="rId13"/>
     <p:sldId id="314" r:id="rId14"/>
-    <p:sldId id="313" r:id="rId15"/>
-    <p:sldId id="315" r:id="rId16"/>
-    <p:sldId id="316" r:id="rId17"/>
-    <p:sldId id="309" r:id="rId18"/>
-    <p:sldId id="305" r:id="rId19"/>
-    <p:sldId id="306" r:id="rId20"/>
-    <p:sldId id="307" r:id="rId21"/>
-    <p:sldId id="259" r:id="rId22"/>
+    <p:sldId id="315" r:id="rId15"/>
+    <p:sldId id="316" r:id="rId16"/>
+    <p:sldId id="317" r:id="rId17"/>
+    <p:sldId id="299" r:id="rId18"/>
+    <p:sldId id="304" r:id="rId19"/>
+    <p:sldId id="305" r:id="rId20"/>
+    <p:sldId id="306" r:id="rId21"/>
+    <p:sldId id="307" r:id="rId22"/>
+    <p:sldId id="259" r:id="rId23"/>
   </p:sldIdLst>
   <p:sldSz cx="9144000" cy="6858000" type="screen4x3"/>
   <p:notesSz cx="6858000" cy="9144000"/>
@@ -5193,7 +5194,7 @@
           <a:pPr latinLnBrk="1"/>
           <a:r>
             <a:rPr lang="en-US" altLang="ko-KR" b="1" dirty="0" smtClean="0"/>
-            <a:t>00</a:t>
+            <a:t>000</a:t>
           </a:r>
           <a:r>
             <a:rPr lang="ko-KR" altLang="en-US" b="1" dirty="0" smtClean="0"/>
@@ -5365,148 +5366,6 @@
       <dsp:cNvGrpSpPr/>
     </dsp:nvGrpSpPr>
     <dsp:grpSpPr/>
-    <dsp:sp modelId="{36883D07-F9FA-453F-B443-43457B442261}">
-      <dsp:nvSpPr>
-        <dsp:cNvPr id="0" name=""/>
-        <dsp:cNvSpPr/>
-      </dsp:nvSpPr>
-      <dsp:spPr>
-        <a:xfrm>
-          <a:off x="0" y="3299"/>
-          <a:ext cx="7488832" cy="794232"/>
-        </a:xfrm>
-        <a:prstGeom prst="roundRect">
-          <a:avLst/>
-        </a:prstGeom>
-        <a:gradFill rotWithShape="0">
-          <a:gsLst>
-            <a:gs pos="100000">
-              <a:srgbClr val="FFCC00"/>
-            </a:gs>
-            <a:gs pos="100000">
-              <a:schemeClr val="accent1">
-                <a:hueOff val="0"/>
-                <a:satOff val="0"/>
-                <a:lumOff val="0"/>
-                <a:alphaOff val="0"/>
-                <a:shade val="94000"/>
-                <a:satMod val="135000"/>
-              </a:schemeClr>
-            </a:gs>
-          </a:gsLst>
-          <a:lin ang="16200000" scaled="0"/>
-        </a:gradFill>
-        <a:ln>
-          <a:noFill/>
-        </a:ln>
-        <a:effectLst>
-          <a:outerShdw blurRad="40000" dist="23000" dir="5400000" rotWithShape="0">
-            <a:srgbClr val="000000">
-              <a:alpha val="35000"/>
-            </a:srgbClr>
-          </a:outerShdw>
-        </a:effectLst>
-      </dsp:spPr>
-      <dsp:style>
-        <a:lnRef idx="0">
-          <a:scrgbClr r="0" g="0" b="0"/>
-        </a:lnRef>
-        <a:fillRef idx="3">
-          <a:scrgbClr r="0" g="0" b="0"/>
-        </a:fillRef>
-        <a:effectRef idx="2">
-          <a:scrgbClr r="0" g="0" b="0"/>
-        </a:effectRef>
-        <a:fontRef idx="minor">
-          <a:schemeClr val="lt1"/>
-        </a:fontRef>
-      </dsp:style>
-      <dsp:txBody>
-        <a:bodyPr spcFirstLastPara="0" vert="horz" wrap="square" lIns="95250" tIns="95250" rIns="95250" bIns="95250" numCol="1" spcCol="1270" anchor="ctr" anchorCtr="0">
-          <a:noAutofit/>
-        </a:bodyPr>
-        <a:lstStyle/>
-        <a:p>
-          <a:pPr lvl="0" algn="l" defTabSz="1111250" latinLnBrk="1">
-            <a:lnSpc>
-              <a:spcPct val="90000"/>
-            </a:lnSpc>
-            <a:spcBef>
-              <a:spcPct val="0"/>
-            </a:spcBef>
-            <a:spcAft>
-              <a:spcPct val="35000"/>
-            </a:spcAft>
-          </a:pPr>
-          <a:r>
-            <a:rPr lang="ko-KR" altLang="en-US" sz="2500" b="1" kern="1200" dirty="0" err="1" smtClean="0"/>
-            <a:t>인스타그램</a:t>
-          </a:r>
-          <a:endParaRPr lang="ko-KR" altLang="en-US" sz="2500" kern="1200" dirty="0"/>
-        </a:p>
-      </dsp:txBody>
-      <dsp:txXfrm>
-        <a:off x="38771" y="42070"/>
-        <a:ext cx="7411290" cy="716690"/>
-      </dsp:txXfrm>
-    </dsp:sp>
-    <dsp:sp modelId="{7B5FABF5-F038-4493-9853-9EE72ED15887}">
-      <dsp:nvSpPr>
-        <dsp:cNvPr id="0" name=""/>
-        <dsp:cNvSpPr/>
-      </dsp:nvSpPr>
-      <dsp:spPr>
-        <a:xfrm>
-          <a:off x="0" y="797532"/>
-          <a:ext cx="7488832" cy="927360"/>
-        </a:xfrm>
-        <a:prstGeom prst="rect">
-          <a:avLst/>
-        </a:prstGeom>
-        <a:noFill/>
-        <a:ln>
-          <a:noFill/>
-        </a:ln>
-        <a:effectLst/>
-      </dsp:spPr>
-      <dsp:style>
-        <a:lnRef idx="0">
-          <a:scrgbClr r="0" g="0" b="0"/>
-        </a:lnRef>
-        <a:fillRef idx="0">
-          <a:scrgbClr r="0" g="0" b="0"/>
-        </a:fillRef>
-        <a:effectRef idx="0">
-          <a:scrgbClr r="0" g="0" b="0"/>
-        </a:effectRef>
-        <a:fontRef idx="minor"/>
-      </dsp:style>
-      <dsp:txBody>
-        <a:bodyPr spcFirstLastPara="0" vert="horz" wrap="square" lIns="237770" tIns="31750" rIns="177800" bIns="31750" numCol="1" spcCol="1270" anchor="t" anchorCtr="0">
-          <a:noAutofit/>
-        </a:bodyPr>
-        <a:lstStyle/>
-        <a:p>
-          <a:pPr marL="228600" lvl="1" indent="-228600" algn="l" defTabSz="889000" latinLnBrk="1">
-            <a:lnSpc>
-              <a:spcPct val="90000"/>
-            </a:lnSpc>
-            <a:spcBef>
-              <a:spcPct val="0"/>
-            </a:spcBef>
-            <a:spcAft>
-              <a:spcPct val="20000"/>
-            </a:spcAft>
-            <a:buChar char="••"/>
-          </a:pPr>
-          <a:endParaRPr lang="ko-KR" altLang="en-US" sz="2000" kern="1200" dirty="0"/>
-        </a:p>
-      </dsp:txBody>
-      <dsp:txXfrm>
-        <a:off x="0" y="797532"/>
-        <a:ext cx="7488832" cy="927360"/>
-      </dsp:txXfrm>
-    </dsp:sp>
   </dsp:spTree>
 </dsp:drawing>
 </file>
@@ -5531,152 +5390,6 @@
       <dsp:cNvGrpSpPr/>
     </dsp:nvGrpSpPr>
     <dsp:grpSpPr/>
-    <dsp:sp modelId="{36883D07-F9FA-453F-B443-43457B442261}">
-      <dsp:nvSpPr>
-        <dsp:cNvPr id="0" name=""/>
-        <dsp:cNvSpPr/>
-      </dsp:nvSpPr>
-      <dsp:spPr>
-        <a:xfrm>
-          <a:off x="0" y="3299"/>
-          <a:ext cx="7488832" cy="794232"/>
-        </a:xfrm>
-        <a:prstGeom prst="roundRect">
-          <a:avLst/>
-        </a:prstGeom>
-        <a:gradFill rotWithShape="0">
-          <a:gsLst>
-            <a:gs pos="100000">
-              <a:srgbClr val="FFCC00"/>
-            </a:gs>
-            <a:gs pos="100000">
-              <a:schemeClr val="accent1">
-                <a:hueOff val="0"/>
-                <a:satOff val="0"/>
-                <a:lumOff val="0"/>
-                <a:alphaOff val="0"/>
-                <a:shade val="94000"/>
-                <a:satMod val="135000"/>
-              </a:schemeClr>
-            </a:gs>
-          </a:gsLst>
-          <a:lin ang="16200000" scaled="0"/>
-        </a:gradFill>
-        <a:ln>
-          <a:noFill/>
-        </a:ln>
-        <a:effectLst>
-          <a:outerShdw blurRad="40000" dist="23000" dir="5400000" rotWithShape="0">
-            <a:srgbClr val="000000">
-              <a:alpha val="35000"/>
-            </a:srgbClr>
-          </a:outerShdw>
-        </a:effectLst>
-      </dsp:spPr>
-      <dsp:style>
-        <a:lnRef idx="0">
-          <a:scrgbClr r="0" g="0" b="0"/>
-        </a:lnRef>
-        <a:fillRef idx="3">
-          <a:scrgbClr r="0" g="0" b="0"/>
-        </a:fillRef>
-        <a:effectRef idx="2">
-          <a:scrgbClr r="0" g="0" b="0"/>
-        </a:effectRef>
-        <a:fontRef idx="minor">
-          <a:schemeClr val="lt1"/>
-        </a:fontRef>
-      </dsp:style>
-      <dsp:txBody>
-        <a:bodyPr spcFirstLastPara="0" vert="horz" wrap="square" lIns="95250" tIns="95250" rIns="95250" bIns="95250" numCol="1" spcCol="1270" anchor="ctr" anchorCtr="0">
-          <a:noAutofit/>
-        </a:bodyPr>
-        <a:lstStyle/>
-        <a:p>
-          <a:pPr lvl="0" algn="l" defTabSz="1111250" latinLnBrk="1">
-            <a:lnSpc>
-              <a:spcPct val="90000"/>
-            </a:lnSpc>
-            <a:spcBef>
-              <a:spcPct val="0"/>
-            </a:spcBef>
-            <a:spcAft>
-              <a:spcPct val="35000"/>
-            </a:spcAft>
-          </a:pPr>
-          <a:r>
-            <a:rPr lang="en-US" altLang="ko-KR" sz="2500" b="1" kern="1200" dirty="0" smtClean="0"/>
-            <a:t>00</a:t>
-          </a:r>
-          <a:r>
-            <a:rPr lang="ko-KR" altLang="en-US" sz="2500" b="1" kern="1200" dirty="0" smtClean="0"/>
-            <a:t>개</a:t>
-          </a:r>
-          <a:endParaRPr lang="ko-KR" altLang="en-US" sz="2500" kern="1200" dirty="0"/>
-        </a:p>
-      </dsp:txBody>
-      <dsp:txXfrm>
-        <a:off x="38771" y="42070"/>
-        <a:ext cx="7411290" cy="716690"/>
-      </dsp:txXfrm>
-    </dsp:sp>
-    <dsp:sp modelId="{7B5FABF5-F038-4493-9853-9EE72ED15887}">
-      <dsp:nvSpPr>
-        <dsp:cNvPr id="0" name=""/>
-        <dsp:cNvSpPr/>
-      </dsp:nvSpPr>
-      <dsp:spPr>
-        <a:xfrm>
-          <a:off x="0" y="797532"/>
-          <a:ext cx="7488832" cy="927360"/>
-        </a:xfrm>
-        <a:prstGeom prst="rect">
-          <a:avLst/>
-        </a:prstGeom>
-        <a:noFill/>
-        <a:ln>
-          <a:noFill/>
-        </a:ln>
-        <a:effectLst/>
-      </dsp:spPr>
-      <dsp:style>
-        <a:lnRef idx="0">
-          <a:scrgbClr r="0" g="0" b="0"/>
-        </a:lnRef>
-        <a:fillRef idx="0">
-          <a:scrgbClr r="0" g="0" b="0"/>
-        </a:fillRef>
-        <a:effectRef idx="0">
-          <a:scrgbClr r="0" g="0" b="0"/>
-        </a:effectRef>
-        <a:fontRef idx="minor"/>
-      </dsp:style>
-      <dsp:txBody>
-        <a:bodyPr spcFirstLastPara="0" vert="horz" wrap="square" lIns="237770" tIns="31750" rIns="177800" bIns="31750" numCol="1" spcCol="1270" anchor="t" anchorCtr="0">
-          <a:noAutofit/>
-        </a:bodyPr>
-        <a:lstStyle/>
-        <a:p>
-          <a:pPr marL="228600" lvl="1" indent="-228600" algn="l" defTabSz="889000" latinLnBrk="1">
-            <a:lnSpc>
-              <a:spcPct val="90000"/>
-            </a:lnSpc>
-            <a:spcBef>
-              <a:spcPct val="0"/>
-            </a:spcBef>
-            <a:spcAft>
-              <a:spcPct val="20000"/>
-            </a:spcAft>
-            <a:buChar char="••"/>
-          </a:pPr>
-          <a:endParaRPr lang="ko-KR" altLang="en-US" sz="2000" kern="1200" dirty="0"/>
-        </a:p>
-      </dsp:txBody>
-      <dsp:txXfrm>
-        <a:off x="0" y="797532"/>
-        <a:ext cx="7488832" cy="927360"/>
-      </dsp:txXfrm>
-    </dsp:sp>
   </dsp:spTree>
 </dsp:drawing>
 </file>
@@ -12318,7 +12031,7 @@
     </p:spTree>
     <p:extLst>
       <p:ext uri="{BB962C8B-B14F-4D97-AF65-F5344CB8AC3E}">
-        <p14:creationId xmlns:p14="http://schemas.microsoft.com/office/powerpoint/2010/main" val="274789891"/>
+        <p14:creationId xmlns:p14="http://schemas.microsoft.com/office/powerpoint/2010/main" val="1028656209"/>
       </p:ext>
     </p:extLst>
   </p:cSld>
@@ -12429,7 +12142,7 @@
     </p:spTree>
     <p:extLst>
       <p:ext uri="{BB962C8B-B14F-4D97-AF65-F5344CB8AC3E}">
-        <p14:creationId xmlns:p14="http://schemas.microsoft.com/office/powerpoint/2010/main" val="1849970812"/>
+        <p14:creationId xmlns:p14="http://schemas.microsoft.com/office/powerpoint/2010/main" val="2921468049"/>
       </p:ext>
     </p:extLst>
   </p:cSld>
@@ -12540,7 +12253,7 @@
     </p:spTree>
     <p:extLst>
       <p:ext uri="{BB962C8B-B14F-4D97-AF65-F5344CB8AC3E}">
-        <p14:creationId xmlns:p14="http://schemas.microsoft.com/office/powerpoint/2010/main" val="3261207540"/>
+        <p14:creationId xmlns:p14="http://schemas.microsoft.com/office/powerpoint/2010/main" val="3189708215"/>
       </p:ext>
     </p:extLst>
   </p:cSld>
@@ -12651,7 +12364,7 @@
     </p:spTree>
     <p:extLst>
       <p:ext uri="{BB962C8B-B14F-4D97-AF65-F5344CB8AC3E}">
-        <p14:creationId xmlns:p14="http://schemas.microsoft.com/office/powerpoint/2010/main" val="3282022986"/>
+        <p14:creationId xmlns:p14="http://schemas.microsoft.com/office/powerpoint/2010/main" val="3552626085"/>
       </p:ext>
     </p:extLst>
   </p:cSld>
@@ -12762,7 +12475,7 @@
     </p:spTree>
     <p:extLst>
       <p:ext uri="{BB962C8B-B14F-4D97-AF65-F5344CB8AC3E}">
-        <p14:creationId xmlns:p14="http://schemas.microsoft.com/office/powerpoint/2010/main" val="3350647483"/>
+        <p14:creationId xmlns:p14="http://schemas.microsoft.com/office/powerpoint/2010/main" val="1757699669"/>
       </p:ext>
     </p:extLst>
   </p:cSld>
@@ -12873,7 +12586,7 @@
     </p:spTree>
     <p:extLst>
       <p:ext uri="{BB962C8B-B14F-4D97-AF65-F5344CB8AC3E}">
-        <p14:creationId xmlns:p14="http://schemas.microsoft.com/office/powerpoint/2010/main" val="540069200"/>
+        <p14:creationId xmlns:p14="http://schemas.microsoft.com/office/powerpoint/2010/main" val="857057001"/>
       </p:ext>
     </p:extLst>
   </p:cSld>
@@ -12984,7 +12697,7 @@
     </p:spTree>
     <p:extLst>
       <p:ext uri="{BB962C8B-B14F-4D97-AF65-F5344CB8AC3E}">
-        <p14:creationId xmlns:p14="http://schemas.microsoft.com/office/powerpoint/2010/main" val="2323594451"/>
+        <p14:creationId xmlns:p14="http://schemas.microsoft.com/office/powerpoint/2010/main" val="764817540"/>
       </p:ext>
     </p:extLst>
   </p:cSld>
@@ -13095,7 +12808,7 @@
     </p:spTree>
     <p:extLst>
       <p:ext uri="{BB962C8B-B14F-4D97-AF65-F5344CB8AC3E}">
-        <p14:creationId xmlns:p14="http://schemas.microsoft.com/office/powerpoint/2010/main" val="1694435634"/>
+        <p14:creationId xmlns:p14="http://schemas.microsoft.com/office/powerpoint/2010/main" val="3674853813"/>
       </p:ext>
     </p:extLst>
   </p:cSld>
@@ -13206,7 +12919,7 @@
     </p:spTree>
     <p:extLst>
       <p:ext uri="{BB962C8B-B14F-4D97-AF65-F5344CB8AC3E}">
-        <p14:creationId xmlns:p14="http://schemas.microsoft.com/office/powerpoint/2010/main" val="3907647140"/>
+        <p14:creationId xmlns:p14="http://schemas.microsoft.com/office/powerpoint/2010/main" val="3951165631"/>
       </p:ext>
     </p:extLst>
   </p:cSld>
@@ -13317,7 +13030,7 @@
     </p:spTree>
     <p:extLst>
       <p:ext uri="{BB962C8B-B14F-4D97-AF65-F5344CB8AC3E}">
-        <p14:creationId xmlns:p14="http://schemas.microsoft.com/office/powerpoint/2010/main" val="3647743267"/>
+        <p14:creationId xmlns:p14="http://schemas.microsoft.com/office/powerpoint/2010/main" val="3907647140"/>
       </p:ext>
     </p:extLst>
   </p:cSld>
@@ -13428,7 +13141,7 @@
     </p:spTree>
     <p:extLst>
       <p:ext uri="{BB962C8B-B14F-4D97-AF65-F5344CB8AC3E}">
-        <p14:creationId xmlns:p14="http://schemas.microsoft.com/office/powerpoint/2010/main" val="1615739953"/>
+        <p14:creationId xmlns:p14="http://schemas.microsoft.com/office/powerpoint/2010/main" val="1128376806"/>
       </p:ext>
     </p:extLst>
   </p:cSld>
@@ -13539,7 +13252,7 @@
     </p:spTree>
     <p:extLst>
       <p:ext uri="{BB962C8B-B14F-4D97-AF65-F5344CB8AC3E}">
-        <p14:creationId xmlns:p14="http://schemas.microsoft.com/office/powerpoint/2010/main" val="788109612"/>
+        <p14:creationId xmlns:p14="http://schemas.microsoft.com/office/powerpoint/2010/main" val="3647743267"/>
       </p:ext>
     </p:extLst>
   </p:cSld>
@@ -13642,6 +13355,117 @@
               <a:rPr lang="ko-KR" altLang="en-US" smtClean="0"/>
               <a:pPr/>
               <a:t>21</a:t>
+            </a:fld>
+            <a:endParaRPr lang="ko-KR" altLang="en-US"/>
+          </a:p>
+        </p:txBody>
+      </p:sp>
+    </p:spTree>
+    <p:extLst>
+      <p:ext uri="{BB962C8B-B14F-4D97-AF65-F5344CB8AC3E}">
+        <p14:creationId xmlns:p14="http://schemas.microsoft.com/office/powerpoint/2010/main" val="788109612"/>
+      </p:ext>
+    </p:extLst>
+  </p:cSld>
+  <p:clrMapOvr>
+    <a:masterClrMapping/>
+  </p:clrMapOvr>
+</p:notes>
+</file>
+
+<file path=ppt/notesSlides/notesSlide22.xml><?xml version="1.0" encoding="utf-8"?>
+<p:notes xmlns:a="http://schemas.openxmlformats.org/drawingml/2006/main" xmlns:r="http://schemas.openxmlformats.org/officeDocument/2006/relationships" xmlns:p="http://schemas.openxmlformats.org/presentationml/2006/main">
+  <p:cSld>
+    <p:spTree>
+      <p:nvGrpSpPr>
+        <p:cNvPr id="1" name=""/>
+        <p:cNvGrpSpPr/>
+        <p:nvPr/>
+      </p:nvGrpSpPr>
+      <p:grpSpPr>
+        <a:xfrm>
+          <a:off x="0" y="0"/>
+          <a:ext cx="0" cy="0"/>
+          <a:chOff x="0" y="0"/>
+          <a:chExt cx="0" cy="0"/>
+        </a:xfrm>
+      </p:grpSpPr>
+      <p:sp>
+        <p:nvSpPr>
+          <p:cNvPr id="2" name="슬라이드 이미지 개체 틀 1"/>
+          <p:cNvSpPr>
+            <a:spLocks noGrp="1" noRot="1" noChangeAspect="1"/>
+          </p:cNvSpPr>
+          <p:nvPr>
+            <p:ph type="sldImg"/>
+          </p:nvPr>
+        </p:nvSpPr>
+        <p:spPr/>
+      </p:sp>
+      <p:sp>
+        <p:nvSpPr>
+          <p:cNvPr id="3" name="슬라이드 노트 개체 틀 2"/>
+          <p:cNvSpPr>
+            <a:spLocks noGrp="1"/>
+          </p:cNvSpPr>
+          <p:nvPr>
+            <p:ph type="body" idx="1"/>
+          </p:nvPr>
+        </p:nvSpPr>
+        <p:spPr/>
+        <p:txBody>
+          <a:bodyPr>
+            <a:normAutofit/>
+          </a:bodyPr>
+          <a:lstStyle/>
+          <a:p>
+            <a:pPr marL="0" marR="0" indent="0" algn="l" defTabSz="914400" rtl="0" eaLnBrk="1" fontAlgn="auto" latinLnBrk="1" hangingPunct="1">
+              <a:lnSpc>
+                <a:spcPct val="100000"/>
+              </a:lnSpc>
+              <a:spcBef>
+                <a:spcPts val="0"/>
+              </a:spcBef>
+              <a:spcAft>
+                <a:spcPts val="0"/>
+              </a:spcAft>
+              <a:buClrTx/>
+              <a:buSzTx/>
+              <a:buFontTx/>
+              <a:buNone/>
+              <a:tabLst/>
+              <a:defRPr/>
+            </a:pPr>
+            <a:r>
+              <a:rPr lang="en-US" altLang="ko-KR" sz="1200" dirty="0" smtClean="0"/>
+              <a:t>http://minheeblog.tistory.com/category/PPT</a:t>
+            </a:r>
+            <a:endParaRPr lang="ko-KR" altLang="en-US" sz="1200" dirty="0" smtClean="0"/>
+          </a:p>
+          <a:p>
+            <a:endParaRPr lang="ko-KR" altLang="en-US" dirty="0"/>
+          </a:p>
+        </p:txBody>
+      </p:sp>
+      <p:sp>
+        <p:nvSpPr>
+          <p:cNvPr id="4" name="슬라이드 번호 개체 틀 3"/>
+          <p:cNvSpPr>
+            <a:spLocks noGrp="1"/>
+          </p:cNvSpPr>
+          <p:nvPr>
+            <p:ph type="sldNum" sz="quarter" idx="10"/>
+          </p:nvPr>
+        </p:nvSpPr>
+        <p:spPr/>
+        <p:txBody>
+          <a:bodyPr/>
+          <a:lstStyle/>
+          <a:p>
+            <a:fld id="{04A4E647-5A0F-41E6-A0EF-B58D8C1C6CD4}" type="slidenum">
+              <a:rPr lang="ko-KR" altLang="en-US" smtClean="0"/>
+              <a:pPr/>
+              <a:t>22</a:t>
             </a:fld>
             <a:endParaRPr lang="ko-KR" altLang="en-US"/>
           </a:p>
@@ -13761,7 +13585,7 @@
     </p:spTree>
     <p:extLst>
       <p:ext uri="{BB962C8B-B14F-4D97-AF65-F5344CB8AC3E}">
-        <p14:creationId xmlns:p14="http://schemas.microsoft.com/office/powerpoint/2010/main" val="1128376806"/>
+        <p14:creationId xmlns:p14="http://schemas.microsoft.com/office/powerpoint/2010/main" val="599869156"/>
       </p:ext>
     </p:extLst>
   </p:cSld>
@@ -13872,7 +13696,7 @@
     </p:spTree>
     <p:extLst>
       <p:ext uri="{BB962C8B-B14F-4D97-AF65-F5344CB8AC3E}">
-        <p14:creationId xmlns:p14="http://schemas.microsoft.com/office/powerpoint/2010/main" val="599869156"/>
+        <p14:creationId xmlns:p14="http://schemas.microsoft.com/office/powerpoint/2010/main" val="841097676"/>
       </p:ext>
     </p:extLst>
   </p:cSld>
@@ -13983,7 +13807,7 @@
     </p:spTree>
     <p:extLst>
       <p:ext uri="{BB962C8B-B14F-4D97-AF65-F5344CB8AC3E}">
-        <p14:creationId xmlns:p14="http://schemas.microsoft.com/office/powerpoint/2010/main" val="841097676"/>
+        <p14:creationId xmlns:p14="http://schemas.microsoft.com/office/powerpoint/2010/main" val="1704356712"/>
       </p:ext>
     </p:extLst>
   </p:cSld>
@@ -14094,7 +13918,7 @@
     </p:spTree>
     <p:extLst>
       <p:ext uri="{BB962C8B-B14F-4D97-AF65-F5344CB8AC3E}">
-        <p14:creationId xmlns:p14="http://schemas.microsoft.com/office/powerpoint/2010/main" val="1704356712"/>
+        <p14:creationId xmlns:p14="http://schemas.microsoft.com/office/powerpoint/2010/main" val="2823576515"/>
       </p:ext>
     </p:extLst>
   </p:cSld>
@@ -14205,7 +14029,7 @@
     </p:spTree>
     <p:extLst>
       <p:ext uri="{BB962C8B-B14F-4D97-AF65-F5344CB8AC3E}">
-        <p14:creationId xmlns:p14="http://schemas.microsoft.com/office/powerpoint/2010/main" val="1224833479"/>
+        <p14:creationId xmlns:p14="http://schemas.microsoft.com/office/powerpoint/2010/main" val="2462038620"/>
       </p:ext>
     </p:extLst>
   </p:cSld>
@@ -14316,7 +14140,7 @@
     </p:spTree>
     <p:extLst>
       <p:ext uri="{BB962C8B-B14F-4D97-AF65-F5344CB8AC3E}">
-        <p14:creationId xmlns:p14="http://schemas.microsoft.com/office/powerpoint/2010/main" val="3674853813"/>
+        <p14:creationId xmlns:p14="http://schemas.microsoft.com/office/powerpoint/2010/main" val="1224833479"/>
       </p:ext>
     </p:extLst>
   </p:cSld>
@@ -14427,7 +14251,7 @@
     </p:spTree>
     <p:extLst>
       <p:ext uri="{BB962C8B-B14F-4D97-AF65-F5344CB8AC3E}">
-        <p14:creationId xmlns:p14="http://schemas.microsoft.com/office/powerpoint/2010/main" val="878779087"/>
+        <p14:creationId xmlns:p14="http://schemas.microsoft.com/office/powerpoint/2010/main" val="1184731567"/>
       </p:ext>
     </p:extLst>
   </p:cSld>
@@ -17752,7 +17576,7 @@
           <p:cNvPr id="38" name="화살표: 갈매기형 수장 1">
             <a:extLst>
               <a:ext uri="{FF2B5EF4-FFF2-40B4-BE49-F238E27FC236}">
-                <a16:creationId xmlns:a16="http://schemas.microsoft.com/office/drawing/2014/main" xmlns="" id="{A38FB86A-A9AC-4EAE-8223-69D52F8B1ABE}"/>
+                <a16:creationId xmlns="" xmlns:a16="http://schemas.microsoft.com/office/drawing/2014/main" id="{A38FB86A-A9AC-4EAE-8223-69D52F8B1ABE}"/>
               </a:ext>
             </a:extLst>
           </p:cNvPr>
@@ -17810,7 +17634,7 @@
           <p:cNvPr id="39" name="화살표: 갈매기형 수장 2">
             <a:extLst>
               <a:ext uri="{FF2B5EF4-FFF2-40B4-BE49-F238E27FC236}">
-                <a16:creationId xmlns:a16="http://schemas.microsoft.com/office/drawing/2014/main" xmlns="" id="{8C8E1FD7-9558-46EC-B4E7-FDD400E94927}"/>
+                <a16:creationId xmlns="" xmlns:a16="http://schemas.microsoft.com/office/drawing/2014/main" id="{8C8E1FD7-9558-46EC-B4E7-FDD400E94927}"/>
               </a:ext>
             </a:extLst>
           </p:cNvPr>
@@ -17866,7 +17690,7 @@
           <p:cNvPr id="41" name="화살표: 갈매기형 수장 4">
             <a:extLst>
               <a:ext uri="{FF2B5EF4-FFF2-40B4-BE49-F238E27FC236}">
-                <a16:creationId xmlns:a16="http://schemas.microsoft.com/office/drawing/2014/main" xmlns="" id="{66755A50-62DA-4FF0-95B0-EA82A6CC33B8}"/>
+                <a16:creationId xmlns="" xmlns:a16="http://schemas.microsoft.com/office/drawing/2014/main" id="{66755A50-62DA-4FF0-95B0-EA82A6CC33B8}"/>
               </a:ext>
             </a:extLst>
           </p:cNvPr>
@@ -17922,7 +17746,7 @@
           <p:cNvPr id="42" name="화살표: 갈매기형 수장 5">
             <a:extLst>
               <a:ext uri="{FF2B5EF4-FFF2-40B4-BE49-F238E27FC236}">
-                <a16:creationId xmlns:a16="http://schemas.microsoft.com/office/drawing/2014/main" xmlns="" id="{DE46CADA-41E8-412A-A136-0A94F5A27AD4}"/>
+                <a16:creationId xmlns="" xmlns:a16="http://schemas.microsoft.com/office/drawing/2014/main" id="{DE46CADA-41E8-412A-A136-0A94F5A27AD4}"/>
               </a:ext>
             </a:extLst>
           </p:cNvPr>
@@ -17978,7 +17802,7 @@
           <p:cNvPr id="43" name="TextBox 42">
             <a:extLst>
               <a:ext uri="{FF2B5EF4-FFF2-40B4-BE49-F238E27FC236}">
-                <a16:creationId xmlns:a16="http://schemas.microsoft.com/office/drawing/2014/main" xmlns="" id="{68E943C8-5BA8-4C3E-A527-DD0F8F2B0E0A}"/>
+                <a16:creationId xmlns="" xmlns:a16="http://schemas.microsoft.com/office/drawing/2014/main" id="{68E943C8-5BA8-4C3E-A527-DD0F8F2B0E0A}"/>
               </a:ext>
             </a:extLst>
           </p:cNvPr>
@@ -18022,7 +17846,7 @@
           <p:cNvPr id="44" name="TextBox 43">
             <a:extLst>
               <a:ext uri="{FF2B5EF4-FFF2-40B4-BE49-F238E27FC236}">
-                <a16:creationId xmlns:a16="http://schemas.microsoft.com/office/drawing/2014/main" xmlns="" id="{4D3D8339-CC68-4AAC-A189-19E6E05D54DD}"/>
+                <a16:creationId xmlns="" xmlns:a16="http://schemas.microsoft.com/office/drawing/2014/main" id="{4D3D8339-CC68-4AAC-A189-19E6E05D54DD}"/>
               </a:ext>
             </a:extLst>
           </p:cNvPr>
@@ -18061,7 +17885,7 @@
           <p:cNvPr id="46" name="TextBox 45">
             <a:extLst>
               <a:ext uri="{FF2B5EF4-FFF2-40B4-BE49-F238E27FC236}">
-                <a16:creationId xmlns:a16="http://schemas.microsoft.com/office/drawing/2014/main" xmlns="" id="{32361A82-4993-4DC4-B5EF-3C30F9515573}"/>
+                <a16:creationId xmlns="" xmlns:a16="http://schemas.microsoft.com/office/drawing/2014/main" id="{32361A82-4993-4DC4-B5EF-3C30F9515573}"/>
               </a:ext>
             </a:extLst>
           </p:cNvPr>
@@ -18100,7 +17924,7 @@
           <p:cNvPr id="47" name="TextBox 46">
             <a:extLst>
               <a:ext uri="{FF2B5EF4-FFF2-40B4-BE49-F238E27FC236}">
-                <a16:creationId xmlns:a16="http://schemas.microsoft.com/office/drawing/2014/main" xmlns="" id="{49D68CEE-0E8C-4AD6-9485-622609B084B3}"/>
+                <a16:creationId xmlns="" xmlns:a16="http://schemas.microsoft.com/office/drawing/2014/main" id="{49D68CEE-0E8C-4AD6-9485-622609B084B3}"/>
               </a:ext>
             </a:extLst>
           </p:cNvPr>
@@ -18140,7 +17964,7 @@
           <p:cNvPr id="48" name="화살표: 갈매기형 수장 2">
             <a:extLst>
               <a:ext uri="{FF2B5EF4-FFF2-40B4-BE49-F238E27FC236}">
-                <a16:creationId xmlns:a16="http://schemas.microsoft.com/office/drawing/2014/main" xmlns="" id="{7B196A9F-09F8-8545-89B0-5112E49D0233}"/>
+                <a16:creationId xmlns="" xmlns:a16="http://schemas.microsoft.com/office/drawing/2014/main" id="{7B196A9F-09F8-8545-89B0-5112E49D0233}"/>
               </a:ext>
             </a:extLst>
           </p:cNvPr>
@@ -18196,7 +18020,7 @@
           <p:cNvPr id="49" name="TextBox 48">
             <a:extLst>
               <a:ext uri="{FF2B5EF4-FFF2-40B4-BE49-F238E27FC236}">
-                <a16:creationId xmlns:a16="http://schemas.microsoft.com/office/drawing/2014/main" xmlns="" id="{BC3F0FE1-9ECF-C344-B0A8-12B4DA316EC5}"/>
+                <a16:creationId xmlns="" xmlns:a16="http://schemas.microsoft.com/office/drawing/2014/main" id="{BC3F0FE1-9ECF-C344-B0A8-12B4DA316EC5}"/>
               </a:ext>
             </a:extLst>
           </p:cNvPr>
@@ -18230,34 +18054,402 @@
           </a:p>
         </p:txBody>
       </p:sp>
+      <p:sp>
+        <p:nvSpPr>
+          <p:cNvPr id="50" name="TextBox 49">
+            <a:extLst>
+              <a:ext uri="{FF2B5EF4-FFF2-40B4-BE49-F238E27FC236}">
+                <a16:creationId xmlns:a16="http://schemas.microsoft.com/office/drawing/2014/main" xmlns="" id="{4F1E8E36-7223-43AE-A194-C5947D11B18D}"/>
+              </a:ext>
+            </a:extLst>
+          </p:cNvPr>
+          <p:cNvSpPr txBox="1"/>
+          <p:nvPr/>
+        </p:nvSpPr>
+        <p:spPr>
+          <a:xfrm>
+            <a:off x="1347011" y="5456814"/>
+            <a:ext cx="1440160" cy="369332"/>
+          </a:xfrm>
+          <a:prstGeom prst="rect">
+            <a:avLst/>
+          </a:prstGeom>
+          <a:noFill/>
+        </p:spPr>
+        <p:txBody>
+          <a:bodyPr wrap="square" rtlCol="0">
+            <a:spAutoFit/>
+          </a:bodyPr>
+          <a:lstStyle/>
+          <a:p>
+            <a:r>
+              <a:rPr lang="en-US" altLang="ko-KR" b="1" dirty="0">
+                <a:solidFill>
+                  <a:srgbClr val="082E59"/>
+                </a:solidFill>
+              </a:rPr>
+              <a:t>login.click()</a:t>
+            </a:r>
+            <a:endParaRPr lang="ko-KR" altLang="en-US" b="1" dirty="0">
+              <a:solidFill>
+                <a:srgbClr val="082E59"/>
+              </a:solidFill>
+            </a:endParaRPr>
+          </a:p>
+        </p:txBody>
+      </p:sp>
       <p:pic>
         <p:nvPicPr>
-          <p:cNvPr id="3" name="그림 2"/>
+          <p:cNvPr id="29" name="그림 28"/>
           <p:cNvPicPr>
             <a:picLocks noChangeAspect="1"/>
           </p:cNvPicPr>
           <p:nvPr/>
         </p:nvPicPr>
         <p:blipFill>
-          <a:blip r:embed="rId3"/>
+          <a:blip r:embed="rId3">
+            <a:extLst>
+              <a:ext uri="{28A0092B-C50C-407E-A947-70E740481C1C}">
+                <a14:useLocalDpi xmlns:a14="http://schemas.microsoft.com/office/drawing/2010/main" val="0"/>
+              </a:ext>
+            </a:extLst>
+          </a:blip>
           <a:stretch>
             <a:fillRect/>
           </a:stretch>
         </p:blipFill>
         <p:spPr>
           <a:xfrm>
-            <a:off x="675082" y="1844824"/>
-            <a:ext cx="7370787" cy="4100866"/>
+            <a:off x="507316" y="2303339"/>
+            <a:ext cx="3287918" cy="2676626"/>
           </a:xfrm>
           <a:prstGeom prst="rect">
             <a:avLst/>
           </a:prstGeom>
         </p:spPr>
       </p:pic>
+      <p:pic>
+        <p:nvPicPr>
+          <p:cNvPr id="27" name="그림 26"/>
+          <p:cNvPicPr>
+            <a:picLocks noChangeAspect="1"/>
+          </p:cNvPicPr>
+          <p:nvPr/>
+        </p:nvPicPr>
+        <p:blipFill>
+          <a:blip r:embed="rId4" cstate="print">
+            <a:extLst>
+              <a:ext uri="{28A0092B-C50C-407E-A947-70E740481C1C}">
+                <a14:useLocalDpi xmlns:a14="http://schemas.microsoft.com/office/drawing/2010/main" val="0"/>
+              </a:ext>
+            </a:extLst>
+          </a:blip>
+          <a:stretch>
+            <a:fillRect/>
+          </a:stretch>
+        </p:blipFill>
+        <p:spPr>
+          <a:xfrm>
+            <a:off x="5088893" y="2212534"/>
+            <a:ext cx="3573609" cy="2960843"/>
+          </a:xfrm>
+          <a:prstGeom prst="rect">
+            <a:avLst/>
+          </a:prstGeom>
+        </p:spPr>
+      </p:pic>
+      <p:cxnSp>
+        <p:nvCxnSpPr>
+          <p:cNvPr id="21" name="꺾인 연결선[E] 12">
+            <a:extLst>
+              <a:ext uri="{FF2B5EF4-FFF2-40B4-BE49-F238E27FC236}">
+                <a16:creationId xmlns:a16="http://schemas.microsoft.com/office/drawing/2014/main" xmlns="" id="{9EA1CB21-45EB-4FD5-8958-6638C2B8E9AF}"/>
+              </a:ext>
+            </a:extLst>
+          </p:cNvPr>
+          <p:cNvCxnSpPr>
+            <a:cxnSpLocks/>
+          </p:cNvCxnSpPr>
+          <p:nvPr/>
+        </p:nvCxnSpPr>
+        <p:spPr>
+          <a:xfrm flipV="1">
+            <a:off x="2138357" y="3180961"/>
+            <a:ext cx="1641555" cy="511995"/>
+          </a:xfrm>
+          <a:prstGeom prst="bentConnector3">
+            <a:avLst>
+              <a:gd name="adj1" fmla="val 50000"/>
+            </a:avLst>
+          </a:prstGeom>
+          <a:ln w="19050">
+            <a:solidFill>
+              <a:srgbClr val="082E59"/>
+            </a:solidFill>
+          </a:ln>
+        </p:spPr>
+        <p:style>
+          <a:lnRef idx="1">
+            <a:schemeClr val="accent1"/>
+          </a:lnRef>
+          <a:fillRef idx="0">
+            <a:schemeClr val="accent1"/>
+          </a:fillRef>
+          <a:effectRef idx="0">
+            <a:schemeClr val="accent1"/>
+          </a:effectRef>
+          <a:fontRef idx="minor">
+            <a:schemeClr val="tx1"/>
+          </a:fontRef>
+        </p:style>
+      </p:cxnSp>
+      <p:cxnSp>
+        <p:nvCxnSpPr>
+          <p:cNvPr id="56" name="직선 연결선 55"/>
+          <p:cNvCxnSpPr/>
+          <p:nvPr/>
+        </p:nvCxnSpPr>
+        <p:spPr>
+          <a:xfrm>
+            <a:off x="2259914" y="3931456"/>
+            <a:ext cx="1519998" cy="8354"/>
+          </a:xfrm>
+          <a:prstGeom prst="line">
+            <a:avLst/>
+          </a:prstGeom>
+          <a:ln w="19050">
+            <a:solidFill>
+              <a:srgbClr val="082E59"/>
+            </a:solidFill>
+          </a:ln>
+        </p:spPr>
+        <p:style>
+          <a:lnRef idx="1">
+            <a:schemeClr val="accent1"/>
+          </a:lnRef>
+          <a:fillRef idx="0">
+            <a:schemeClr val="accent1"/>
+          </a:fillRef>
+          <a:effectRef idx="0">
+            <a:schemeClr val="accent1"/>
+          </a:effectRef>
+          <a:fontRef idx="minor">
+            <a:schemeClr val="tx1"/>
+          </a:fontRef>
+        </p:style>
+      </p:cxnSp>
+      <p:sp>
+        <p:nvSpPr>
+          <p:cNvPr id="40" name="TextBox 39">
+            <a:extLst>
+              <a:ext uri="{FF2B5EF4-FFF2-40B4-BE49-F238E27FC236}">
+                <a16:creationId xmlns:a16="http://schemas.microsoft.com/office/drawing/2014/main" xmlns="" id="{4F1E8E36-7223-43AE-A194-C5947D11B18D}"/>
+              </a:ext>
+            </a:extLst>
+          </p:cNvPr>
+          <p:cNvSpPr txBox="1"/>
+          <p:nvPr/>
+        </p:nvSpPr>
+        <p:spPr>
+          <a:xfrm>
+            <a:off x="3749555" y="3742851"/>
+            <a:ext cx="678429" cy="369332"/>
+          </a:xfrm>
+          <a:prstGeom prst="rect">
+            <a:avLst/>
+          </a:prstGeom>
+          <a:noFill/>
+        </p:spPr>
+        <p:txBody>
+          <a:bodyPr wrap="square" rtlCol="0">
+            <a:spAutoFit/>
+          </a:bodyPr>
+          <a:lstStyle/>
+          <a:p>
+            <a:r>
+              <a:rPr lang="en-US" altLang="ko-KR" b="1" dirty="0" smtClean="0">
+                <a:solidFill>
+                  <a:srgbClr val="082E59"/>
+                </a:solidFill>
+              </a:rPr>
+              <a:t>PW</a:t>
+            </a:r>
+            <a:endParaRPr lang="ko-KR" altLang="en-US" b="1" dirty="0">
+              <a:solidFill>
+                <a:srgbClr val="082E59"/>
+              </a:solidFill>
+            </a:endParaRPr>
+          </a:p>
+        </p:txBody>
+      </p:sp>
+      <p:sp>
+        <p:nvSpPr>
+          <p:cNvPr id="22" name="TextBox 21">
+            <a:extLst>
+              <a:ext uri="{FF2B5EF4-FFF2-40B4-BE49-F238E27FC236}">
+                <a16:creationId xmlns:a16="http://schemas.microsoft.com/office/drawing/2014/main" xmlns="" id="{4F1E8E36-7223-43AE-A194-C5947D11B18D}"/>
+              </a:ext>
+            </a:extLst>
+          </p:cNvPr>
+          <p:cNvSpPr txBox="1"/>
+          <p:nvPr/>
+        </p:nvSpPr>
+        <p:spPr>
+          <a:xfrm>
+            <a:off x="3795234" y="3015434"/>
+            <a:ext cx="560742" cy="369332"/>
+          </a:xfrm>
+          <a:prstGeom prst="rect">
+            <a:avLst/>
+          </a:prstGeom>
+          <a:noFill/>
+        </p:spPr>
+        <p:txBody>
+          <a:bodyPr wrap="square" rtlCol="0">
+            <a:spAutoFit/>
+          </a:bodyPr>
+          <a:lstStyle/>
+          <a:p>
+            <a:r>
+              <a:rPr lang="en-US" altLang="ko-KR" b="1" dirty="0" smtClean="0">
+                <a:solidFill>
+                  <a:srgbClr val="082E59"/>
+                </a:solidFill>
+              </a:rPr>
+              <a:t>ID</a:t>
+            </a:r>
+            <a:endParaRPr lang="ko-KR" altLang="en-US" b="1" dirty="0">
+              <a:solidFill>
+                <a:srgbClr val="082E59"/>
+              </a:solidFill>
+            </a:endParaRPr>
+          </a:p>
+        </p:txBody>
+      </p:sp>
+      <p:cxnSp>
+        <p:nvCxnSpPr>
+          <p:cNvPr id="61" name="직선 연결선 60"/>
+          <p:cNvCxnSpPr/>
+          <p:nvPr/>
+        </p:nvCxnSpPr>
+        <p:spPr>
+          <a:xfrm>
+            <a:off x="2018940" y="4396442"/>
+            <a:ext cx="0" cy="1041819"/>
+          </a:xfrm>
+          <a:prstGeom prst="line">
+            <a:avLst/>
+          </a:prstGeom>
+          <a:ln w="19050">
+            <a:solidFill>
+              <a:srgbClr val="082E59"/>
+            </a:solidFill>
+          </a:ln>
+        </p:spPr>
+        <p:style>
+          <a:lnRef idx="1">
+            <a:schemeClr val="accent1"/>
+          </a:lnRef>
+          <a:fillRef idx="0">
+            <a:schemeClr val="accent1"/>
+          </a:fillRef>
+          <a:effectRef idx="0">
+            <a:schemeClr val="accent1"/>
+          </a:effectRef>
+          <a:fontRef idx="minor">
+            <a:schemeClr val="tx1"/>
+          </a:fontRef>
+        </p:style>
+      </p:cxnSp>
+      <p:cxnSp>
+        <p:nvCxnSpPr>
+          <p:cNvPr id="36" name="직선 연결선 35">
+            <a:extLst>
+              <a:ext uri="{FF2B5EF4-FFF2-40B4-BE49-F238E27FC236}">
+                <a16:creationId xmlns:a16="http://schemas.microsoft.com/office/drawing/2014/main" xmlns="" id="{19C27C6B-EE52-4EBC-86EC-BB21C7AD776D}"/>
+              </a:ext>
+            </a:extLst>
+          </p:cNvPr>
+          <p:cNvCxnSpPr/>
+          <p:nvPr/>
+        </p:nvCxnSpPr>
+        <p:spPr>
+          <a:xfrm flipV="1">
+            <a:off x="6273453" y="3071756"/>
+            <a:ext cx="24358" cy="2508280"/>
+          </a:xfrm>
+          <a:prstGeom prst="line">
+            <a:avLst/>
+          </a:prstGeom>
+          <a:ln w="19050">
+            <a:solidFill>
+              <a:srgbClr val="082E59"/>
+            </a:solidFill>
+          </a:ln>
+        </p:spPr>
+        <p:style>
+          <a:lnRef idx="1">
+            <a:schemeClr val="accent1"/>
+          </a:lnRef>
+          <a:fillRef idx="0">
+            <a:schemeClr val="accent1"/>
+          </a:fillRef>
+          <a:effectRef idx="0">
+            <a:schemeClr val="accent1"/>
+          </a:effectRef>
+          <a:fontRef idx="minor">
+            <a:schemeClr val="tx1"/>
+          </a:fontRef>
+        </p:style>
+      </p:cxnSp>
+      <p:sp>
+        <p:nvSpPr>
+          <p:cNvPr id="24" name="TextBox 23">
+            <a:extLst>
+              <a:ext uri="{FF2B5EF4-FFF2-40B4-BE49-F238E27FC236}">
+                <a16:creationId xmlns:a16="http://schemas.microsoft.com/office/drawing/2014/main" xmlns="" id="{4F1E8E36-7223-43AE-A194-C5947D11B18D}"/>
+              </a:ext>
+            </a:extLst>
+          </p:cNvPr>
+          <p:cNvSpPr txBox="1"/>
+          <p:nvPr/>
+        </p:nvSpPr>
+        <p:spPr>
+          <a:xfrm>
+            <a:off x="5696381" y="5537325"/>
+            <a:ext cx="1154144" cy="369332"/>
+          </a:xfrm>
+          <a:prstGeom prst="rect">
+            <a:avLst/>
+          </a:prstGeom>
+          <a:noFill/>
+        </p:spPr>
+        <p:txBody>
+          <a:bodyPr wrap="square" rtlCol="0">
+            <a:spAutoFit/>
+          </a:bodyPr>
+          <a:lstStyle/>
+          <a:p>
+            <a:r>
+              <a:rPr lang="en-US" altLang="ko-KR" b="1" dirty="0">
+                <a:solidFill>
+                  <a:srgbClr val="082E59"/>
+                </a:solidFill>
+              </a:rPr>
+              <a:t>keyword</a:t>
+            </a:r>
+            <a:endParaRPr lang="ko-KR" altLang="en-US" b="1" dirty="0">
+              <a:solidFill>
+                <a:srgbClr val="082E59"/>
+              </a:solidFill>
+            </a:endParaRPr>
+          </a:p>
+        </p:txBody>
+      </p:sp>
     </p:spTree>
     <p:extLst>
       <p:ext uri="{BB962C8B-B14F-4D97-AF65-F5344CB8AC3E}">
-        <p14:creationId xmlns:p14="http://schemas.microsoft.com/office/powerpoint/2010/main" val="1045512154"/>
+        <p14:creationId xmlns:p14="http://schemas.microsoft.com/office/powerpoint/2010/main" val="274966914"/>
       </p:ext>
     </p:extLst>
   </p:cSld>
@@ -18414,7 +18606,7 @@
           <p:cNvPr id="38" name="화살표: 갈매기형 수장 1">
             <a:extLst>
               <a:ext uri="{FF2B5EF4-FFF2-40B4-BE49-F238E27FC236}">
-                <a16:creationId xmlns:a16="http://schemas.microsoft.com/office/drawing/2014/main" xmlns="" id="{A38FB86A-A9AC-4EAE-8223-69D52F8B1ABE}"/>
+                <a16:creationId xmlns="" xmlns:a16="http://schemas.microsoft.com/office/drawing/2014/main" id="{A38FB86A-A9AC-4EAE-8223-69D52F8B1ABE}"/>
               </a:ext>
             </a:extLst>
           </p:cNvPr>
@@ -18472,7 +18664,7 @@
           <p:cNvPr id="39" name="화살표: 갈매기형 수장 2">
             <a:extLst>
               <a:ext uri="{FF2B5EF4-FFF2-40B4-BE49-F238E27FC236}">
-                <a16:creationId xmlns:a16="http://schemas.microsoft.com/office/drawing/2014/main" xmlns="" id="{8C8E1FD7-9558-46EC-B4E7-FDD400E94927}"/>
+                <a16:creationId xmlns="" xmlns:a16="http://schemas.microsoft.com/office/drawing/2014/main" id="{8C8E1FD7-9558-46EC-B4E7-FDD400E94927}"/>
               </a:ext>
             </a:extLst>
           </p:cNvPr>
@@ -18528,7 +18720,7 @@
           <p:cNvPr id="41" name="화살표: 갈매기형 수장 4">
             <a:extLst>
               <a:ext uri="{FF2B5EF4-FFF2-40B4-BE49-F238E27FC236}">
-                <a16:creationId xmlns:a16="http://schemas.microsoft.com/office/drawing/2014/main" xmlns="" id="{66755A50-62DA-4FF0-95B0-EA82A6CC33B8}"/>
+                <a16:creationId xmlns="" xmlns:a16="http://schemas.microsoft.com/office/drawing/2014/main" id="{66755A50-62DA-4FF0-95B0-EA82A6CC33B8}"/>
               </a:ext>
             </a:extLst>
           </p:cNvPr>
@@ -18584,7 +18776,7 @@
           <p:cNvPr id="42" name="화살표: 갈매기형 수장 5">
             <a:extLst>
               <a:ext uri="{FF2B5EF4-FFF2-40B4-BE49-F238E27FC236}">
-                <a16:creationId xmlns:a16="http://schemas.microsoft.com/office/drawing/2014/main" xmlns="" id="{DE46CADA-41E8-412A-A136-0A94F5A27AD4}"/>
+                <a16:creationId xmlns="" xmlns:a16="http://schemas.microsoft.com/office/drawing/2014/main" id="{DE46CADA-41E8-412A-A136-0A94F5A27AD4}"/>
               </a:ext>
             </a:extLst>
           </p:cNvPr>
@@ -18640,7 +18832,7 @@
           <p:cNvPr id="43" name="TextBox 42">
             <a:extLst>
               <a:ext uri="{FF2B5EF4-FFF2-40B4-BE49-F238E27FC236}">
-                <a16:creationId xmlns:a16="http://schemas.microsoft.com/office/drawing/2014/main" xmlns="" id="{68E943C8-5BA8-4C3E-A527-DD0F8F2B0E0A}"/>
+                <a16:creationId xmlns="" xmlns:a16="http://schemas.microsoft.com/office/drawing/2014/main" id="{68E943C8-5BA8-4C3E-A527-DD0F8F2B0E0A}"/>
               </a:ext>
             </a:extLst>
           </p:cNvPr>
@@ -18684,7 +18876,7 @@
           <p:cNvPr id="44" name="TextBox 43">
             <a:extLst>
               <a:ext uri="{FF2B5EF4-FFF2-40B4-BE49-F238E27FC236}">
-                <a16:creationId xmlns:a16="http://schemas.microsoft.com/office/drawing/2014/main" xmlns="" id="{4D3D8339-CC68-4AAC-A189-19E6E05D54DD}"/>
+                <a16:creationId xmlns="" xmlns:a16="http://schemas.microsoft.com/office/drawing/2014/main" id="{4D3D8339-CC68-4AAC-A189-19E6E05D54DD}"/>
               </a:ext>
             </a:extLst>
           </p:cNvPr>
@@ -18723,7 +18915,7 @@
           <p:cNvPr id="46" name="TextBox 45">
             <a:extLst>
               <a:ext uri="{FF2B5EF4-FFF2-40B4-BE49-F238E27FC236}">
-                <a16:creationId xmlns:a16="http://schemas.microsoft.com/office/drawing/2014/main" xmlns="" id="{32361A82-4993-4DC4-B5EF-3C30F9515573}"/>
+                <a16:creationId xmlns="" xmlns:a16="http://schemas.microsoft.com/office/drawing/2014/main" id="{32361A82-4993-4DC4-B5EF-3C30F9515573}"/>
               </a:ext>
             </a:extLst>
           </p:cNvPr>
@@ -18762,7 +18954,7 @@
           <p:cNvPr id="47" name="TextBox 46">
             <a:extLst>
               <a:ext uri="{FF2B5EF4-FFF2-40B4-BE49-F238E27FC236}">
-                <a16:creationId xmlns:a16="http://schemas.microsoft.com/office/drawing/2014/main" xmlns="" id="{49D68CEE-0E8C-4AD6-9485-622609B084B3}"/>
+                <a16:creationId xmlns="" xmlns:a16="http://schemas.microsoft.com/office/drawing/2014/main" id="{49D68CEE-0E8C-4AD6-9485-622609B084B3}"/>
               </a:ext>
             </a:extLst>
           </p:cNvPr>
@@ -18802,7 +18994,7 @@
           <p:cNvPr id="48" name="화살표: 갈매기형 수장 2">
             <a:extLst>
               <a:ext uri="{FF2B5EF4-FFF2-40B4-BE49-F238E27FC236}">
-                <a16:creationId xmlns:a16="http://schemas.microsoft.com/office/drawing/2014/main" xmlns="" id="{7B196A9F-09F8-8545-89B0-5112E49D0233}"/>
+                <a16:creationId xmlns="" xmlns:a16="http://schemas.microsoft.com/office/drawing/2014/main" id="{7B196A9F-09F8-8545-89B0-5112E49D0233}"/>
               </a:ext>
             </a:extLst>
           </p:cNvPr>
@@ -18858,7 +19050,7 @@
           <p:cNvPr id="49" name="TextBox 48">
             <a:extLst>
               <a:ext uri="{FF2B5EF4-FFF2-40B4-BE49-F238E27FC236}">
-                <a16:creationId xmlns:a16="http://schemas.microsoft.com/office/drawing/2014/main" xmlns="" id="{BC3F0FE1-9ECF-C344-B0A8-12B4DA316EC5}"/>
+                <a16:creationId xmlns="" xmlns:a16="http://schemas.microsoft.com/office/drawing/2014/main" id="{BC3F0FE1-9ECF-C344-B0A8-12B4DA316EC5}"/>
               </a:ext>
             </a:extLst>
           </p:cNvPr>
@@ -18894,7 +19086,7 @@
       </p:sp>
       <p:pic>
         <p:nvPicPr>
-          <p:cNvPr id="4" name="그림 3"/>
+          <p:cNvPr id="3" name="그림 2"/>
           <p:cNvPicPr>
             <a:picLocks noChangeAspect="1"/>
           </p:cNvPicPr>
@@ -18908,8 +19100,8 @@
         </p:blipFill>
         <p:spPr>
           <a:xfrm>
-            <a:off x="1162546" y="1712983"/>
-            <a:ext cx="6818908" cy="4600908"/>
+            <a:off x="675082" y="1844824"/>
+            <a:ext cx="7370787" cy="4100866"/>
           </a:xfrm>
           <a:prstGeom prst="rect">
             <a:avLst/>
@@ -18919,7 +19111,7 @@
     </p:spTree>
     <p:extLst>
       <p:ext uri="{BB962C8B-B14F-4D97-AF65-F5344CB8AC3E}">
-        <p14:creationId xmlns:p14="http://schemas.microsoft.com/office/powerpoint/2010/main" val="2302810847"/>
+        <p14:creationId xmlns:p14="http://schemas.microsoft.com/office/powerpoint/2010/main" val="1591884760"/>
       </p:ext>
     </p:extLst>
   </p:cSld>
@@ -19076,7 +19268,7 @@
           <p:cNvPr id="38" name="화살표: 갈매기형 수장 1">
             <a:extLst>
               <a:ext uri="{FF2B5EF4-FFF2-40B4-BE49-F238E27FC236}">
-                <a16:creationId xmlns:a16="http://schemas.microsoft.com/office/drawing/2014/main" xmlns="" id="{A38FB86A-A9AC-4EAE-8223-69D52F8B1ABE}"/>
+                <a16:creationId xmlns="" xmlns:a16="http://schemas.microsoft.com/office/drawing/2014/main" id="{A38FB86A-A9AC-4EAE-8223-69D52F8B1ABE}"/>
               </a:ext>
             </a:extLst>
           </p:cNvPr>
@@ -19134,7 +19326,7 @@
           <p:cNvPr id="39" name="화살표: 갈매기형 수장 2">
             <a:extLst>
               <a:ext uri="{FF2B5EF4-FFF2-40B4-BE49-F238E27FC236}">
-                <a16:creationId xmlns:a16="http://schemas.microsoft.com/office/drawing/2014/main" xmlns="" id="{8C8E1FD7-9558-46EC-B4E7-FDD400E94927}"/>
+                <a16:creationId xmlns="" xmlns:a16="http://schemas.microsoft.com/office/drawing/2014/main" id="{8C8E1FD7-9558-46EC-B4E7-FDD400E94927}"/>
               </a:ext>
             </a:extLst>
           </p:cNvPr>
@@ -19190,7 +19382,7 @@
           <p:cNvPr id="41" name="화살표: 갈매기형 수장 4">
             <a:extLst>
               <a:ext uri="{FF2B5EF4-FFF2-40B4-BE49-F238E27FC236}">
-                <a16:creationId xmlns:a16="http://schemas.microsoft.com/office/drawing/2014/main" xmlns="" id="{66755A50-62DA-4FF0-95B0-EA82A6CC33B8}"/>
+                <a16:creationId xmlns="" xmlns:a16="http://schemas.microsoft.com/office/drawing/2014/main" id="{66755A50-62DA-4FF0-95B0-EA82A6CC33B8}"/>
               </a:ext>
             </a:extLst>
           </p:cNvPr>
@@ -19246,7 +19438,7 @@
           <p:cNvPr id="42" name="화살표: 갈매기형 수장 5">
             <a:extLst>
               <a:ext uri="{FF2B5EF4-FFF2-40B4-BE49-F238E27FC236}">
-                <a16:creationId xmlns:a16="http://schemas.microsoft.com/office/drawing/2014/main" xmlns="" id="{DE46CADA-41E8-412A-A136-0A94F5A27AD4}"/>
+                <a16:creationId xmlns="" xmlns:a16="http://schemas.microsoft.com/office/drawing/2014/main" id="{DE46CADA-41E8-412A-A136-0A94F5A27AD4}"/>
               </a:ext>
             </a:extLst>
           </p:cNvPr>
@@ -19302,7 +19494,7 @@
           <p:cNvPr id="43" name="TextBox 42">
             <a:extLst>
               <a:ext uri="{FF2B5EF4-FFF2-40B4-BE49-F238E27FC236}">
-                <a16:creationId xmlns:a16="http://schemas.microsoft.com/office/drawing/2014/main" xmlns="" id="{68E943C8-5BA8-4C3E-A527-DD0F8F2B0E0A}"/>
+                <a16:creationId xmlns="" xmlns:a16="http://schemas.microsoft.com/office/drawing/2014/main" id="{68E943C8-5BA8-4C3E-A527-DD0F8F2B0E0A}"/>
               </a:ext>
             </a:extLst>
           </p:cNvPr>
@@ -19346,7 +19538,7 @@
           <p:cNvPr id="44" name="TextBox 43">
             <a:extLst>
               <a:ext uri="{FF2B5EF4-FFF2-40B4-BE49-F238E27FC236}">
-                <a16:creationId xmlns:a16="http://schemas.microsoft.com/office/drawing/2014/main" xmlns="" id="{4D3D8339-CC68-4AAC-A189-19E6E05D54DD}"/>
+                <a16:creationId xmlns="" xmlns:a16="http://schemas.microsoft.com/office/drawing/2014/main" id="{4D3D8339-CC68-4AAC-A189-19E6E05D54DD}"/>
               </a:ext>
             </a:extLst>
           </p:cNvPr>
@@ -19385,7 +19577,7 @@
           <p:cNvPr id="46" name="TextBox 45">
             <a:extLst>
               <a:ext uri="{FF2B5EF4-FFF2-40B4-BE49-F238E27FC236}">
-                <a16:creationId xmlns:a16="http://schemas.microsoft.com/office/drawing/2014/main" xmlns="" id="{32361A82-4993-4DC4-B5EF-3C30F9515573}"/>
+                <a16:creationId xmlns="" xmlns:a16="http://schemas.microsoft.com/office/drawing/2014/main" id="{32361A82-4993-4DC4-B5EF-3C30F9515573}"/>
               </a:ext>
             </a:extLst>
           </p:cNvPr>
@@ -19424,7 +19616,7 @@
           <p:cNvPr id="47" name="TextBox 46">
             <a:extLst>
               <a:ext uri="{FF2B5EF4-FFF2-40B4-BE49-F238E27FC236}">
-                <a16:creationId xmlns:a16="http://schemas.microsoft.com/office/drawing/2014/main" xmlns="" id="{49D68CEE-0E8C-4AD6-9485-622609B084B3}"/>
+                <a16:creationId xmlns="" xmlns:a16="http://schemas.microsoft.com/office/drawing/2014/main" id="{49D68CEE-0E8C-4AD6-9485-622609B084B3}"/>
               </a:ext>
             </a:extLst>
           </p:cNvPr>
@@ -19464,7 +19656,7 @@
           <p:cNvPr id="48" name="화살표: 갈매기형 수장 2">
             <a:extLst>
               <a:ext uri="{FF2B5EF4-FFF2-40B4-BE49-F238E27FC236}">
-                <a16:creationId xmlns:a16="http://schemas.microsoft.com/office/drawing/2014/main" xmlns="" id="{7B196A9F-09F8-8545-89B0-5112E49D0233}"/>
+                <a16:creationId xmlns="" xmlns:a16="http://schemas.microsoft.com/office/drawing/2014/main" id="{7B196A9F-09F8-8545-89B0-5112E49D0233}"/>
               </a:ext>
             </a:extLst>
           </p:cNvPr>
@@ -19520,7 +19712,7 @@
           <p:cNvPr id="49" name="TextBox 48">
             <a:extLst>
               <a:ext uri="{FF2B5EF4-FFF2-40B4-BE49-F238E27FC236}">
-                <a16:creationId xmlns:a16="http://schemas.microsoft.com/office/drawing/2014/main" xmlns="" id="{BC3F0FE1-9ECF-C344-B0A8-12B4DA316EC5}"/>
+                <a16:creationId xmlns="" xmlns:a16="http://schemas.microsoft.com/office/drawing/2014/main" id="{BC3F0FE1-9ECF-C344-B0A8-12B4DA316EC5}"/>
               </a:ext>
             </a:extLst>
           </p:cNvPr>
@@ -19556,7 +19748,7 @@
       </p:sp>
       <p:pic>
         <p:nvPicPr>
-          <p:cNvPr id="6" name="그림 5"/>
+          <p:cNvPr id="4" name="그림 3"/>
           <p:cNvPicPr>
             <a:picLocks noChangeAspect="1"/>
           </p:cNvPicPr>
@@ -19570,8 +19762,8 @@
         </p:blipFill>
         <p:spPr>
           <a:xfrm>
-            <a:off x="628650" y="2580320"/>
-            <a:ext cx="7886700" cy="2057400"/>
+            <a:off x="1162546" y="1712983"/>
+            <a:ext cx="6818908" cy="4600908"/>
           </a:xfrm>
           <a:prstGeom prst="rect">
             <a:avLst/>
@@ -19581,7 +19773,7 @@
     </p:spTree>
     <p:extLst>
       <p:ext uri="{BB962C8B-B14F-4D97-AF65-F5344CB8AC3E}">
-        <p14:creationId xmlns:p14="http://schemas.microsoft.com/office/powerpoint/2010/main" val="861637223"/>
+        <p14:creationId xmlns:p14="http://schemas.microsoft.com/office/powerpoint/2010/main" val="49082142"/>
       </p:ext>
     </p:extLst>
   </p:cSld>
@@ -19738,7 +19930,7 @@
           <p:cNvPr id="38" name="화살표: 갈매기형 수장 1">
             <a:extLst>
               <a:ext uri="{FF2B5EF4-FFF2-40B4-BE49-F238E27FC236}">
-                <a16:creationId xmlns:a16="http://schemas.microsoft.com/office/drawing/2014/main" xmlns="" id="{A38FB86A-A9AC-4EAE-8223-69D52F8B1ABE}"/>
+                <a16:creationId xmlns="" xmlns:a16="http://schemas.microsoft.com/office/drawing/2014/main" id="{A38FB86A-A9AC-4EAE-8223-69D52F8B1ABE}"/>
               </a:ext>
             </a:extLst>
           </p:cNvPr>
@@ -19796,7 +19988,7 @@
           <p:cNvPr id="39" name="화살표: 갈매기형 수장 2">
             <a:extLst>
               <a:ext uri="{FF2B5EF4-FFF2-40B4-BE49-F238E27FC236}">
-                <a16:creationId xmlns:a16="http://schemas.microsoft.com/office/drawing/2014/main" xmlns="" id="{8C8E1FD7-9558-46EC-B4E7-FDD400E94927}"/>
+                <a16:creationId xmlns="" xmlns:a16="http://schemas.microsoft.com/office/drawing/2014/main" id="{8C8E1FD7-9558-46EC-B4E7-FDD400E94927}"/>
               </a:ext>
             </a:extLst>
           </p:cNvPr>
@@ -19852,7 +20044,7 @@
           <p:cNvPr id="41" name="화살표: 갈매기형 수장 4">
             <a:extLst>
               <a:ext uri="{FF2B5EF4-FFF2-40B4-BE49-F238E27FC236}">
-                <a16:creationId xmlns:a16="http://schemas.microsoft.com/office/drawing/2014/main" xmlns="" id="{66755A50-62DA-4FF0-95B0-EA82A6CC33B8}"/>
+                <a16:creationId xmlns="" xmlns:a16="http://schemas.microsoft.com/office/drawing/2014/main" id="{66755A50-62DA-4FF0-95B0-EA82A6CC33B8}"/>
               </a:ext>
             </a:extLst>
           </p:cNvPr>
@@ -19908,7 +20100,7 @@
           <p:cNvPr id="42" name="화살표: 갈매기형 수장 5">
             <a:extLst>
               <a:ext uri="{FF2B5EF4-FFF2-40B4-BE49-F238E27FC236}">
-                <a16:creationId xmlns:a16="http://schemas.microsoft.com/office/drawing/2014/main" xmlns="" id="{DE46CADA-41E8-412A-A136-0A94F5A27AD4}"/>
+                <a16:creationId xmlns="" xmlns:a16="http://schemas.microsoft.com/office/drawing/2014/main" id="{DE46CADA-41E8-412A-A136-0A94F5A27AD4}"/>
               </a:ext>
             </a:extLst>
           </p:cNvPr>
@@ -19964,7 +20156,7 @@
           <p:cNvPr id="43" name="TextBox 42">
             <a:extLst>
               <a:ext uri="{FF2B5EF4-FFF2-40B4-BE49-F238E27FC236}">
-                <a16:creationId xmlns:a16="http://schemas.microsoft.com/office/drawing/2014/main" xmlns="" id="{68E943C8-5BA8-4C3E-A527-DD0F8F2B0E0A}"/>
+                <a16:creationId xmlns="" xmlns:a16="http://schemas.microsoft.com/office/drawing/2014/main" id="{68E943C8-5BA8-4C3E-A527-DD0F8F2B0E0A}"/>
               </a:ext>
             </a:extLst>
           </p:cNvPr>
@@ -20008,7 +20200,7 @@
           <p:cNvPr id="44" name="TextBox 43">
             <a:extLst>
               <a:ext uri="{FF2B5EF4-FFF2-40B4-BE49-F238E27FC236}">
-                <a16:creationId xmlns:a16="http://schemas.microsoft.com/office/drawing/2014/main" xmlns="" id="{4D3D8339-CC68-4AAC-A189-19E6E05D54DD}"/>
+                <a16:creationId xmlns="" xmlns:a16="http://schemas.microsoft.com/office/drawing/2014/main" id="{4D3D8339-CC68-4AAC-A189-19E6E05D54DD}"/>
               </a:ext>
             </a:extLst>
           </p:cNvPr>
@@ -20047,7 +20239,7 @@
           <p:cNvPr id="46" name="TextBox 45">
             <a:extLst>
               <a:ext uri="{FF2B5EF4-FFF2-40B4-BE49-F238E27FC236}">
-                <a16:creationId xmlns:a16="http://schemas.microsoft.com/office/drawing/2014/main" xmlns="" id="{32361A82-4993-4DC4-B5EF-3C30F9515573}"/>
+                <a16:creationId xmlns="" xmlns:a16="http://schemas.microsoft.com/office/drawing/2014/main" id="{32361A82-4993-4DC4-B5EF-3C30F9515573}"/>
               </a:ext>
             </a:extLst>
           </p:cNvPr>
@@ -20086,7 +20278,7 @@
           <p:cNvPr id="47" name="TextBox 46">
             <a:extLst>
               <a:ext uri="{FF2B5EF4-FFF2-40B4-BE49-F238E27FC236}">
-                <a16:creationId xmlns:a16="http://schemas.microsoft.com/office/drawing/2014/main" xmlns="" id="{49D68CEE-0E8C-4AD6-9485-622609B084B3}"/>
+                <a16:creationId xmlns="" xmlns:a16="http://schemas.microsoft.com/office/drawing/2014/main" id="{49D68CEE-0E8C-4AD6-9485-622609B084B3}"/>
               </a:ext>
             </a:extLst>
           </p:cNvPr>
@@ -20126,7 +20318,7 @@
           <p:cNvPr id="48" name="화살표: 갈매기형 수장 2">
             <a:extLst>
               <a:ext uri="{FF2B5EF4-FFF2-40B4-BE49-F238E27FC236}">
-                <a16:creationId xmlns:a16="http://schemas.microsoft.com/office/drawing/2014/main" xmlns="" id="{7B196A9F-09F8-8545-89B0-5112E49D0233}"/>
+                <a16:creationId xmlns="" xmlns:a16="http://schemas.microsoft.com/office/drawing/2014/main" id="{7B196A9F-09F8-8545-89B0-5112E49D0233}"/>
               </a:ext>
             </a:extLst>
           </p:cNvPr>
@@ -20182,7 +20374,7 @@
           <p:cNvPr id="49" name="TextBox 48">
             <a:extLst>
               <a:ext uri="{FF2B5EF4-FFF2-40B4-BE49-F238E27FC236}">
-                <a16:creationId xmlns:a16="http://schemas.microsoft.com/office/drawing/2014/main" xmlns="" id="{BC3F0FE1-9ECF-C344-B0A8-12B4DA316EC5}"/>
+                <a16:creationId xmlns="" xmlns:a16="http://schemas.microsoft.com/office/drawing/2014/main" id="{BC3F0FE1-9ECF-C344-B0A8-12B4DA316EC5}"/>
               </a:ext>
             </a:extLst>
           </p:cNvPr>
@@ -20218,7 +20410,7 @@
       </p:sp>
       <p:pic>
         <p:nvPicPr>
-          <p:cNvPr id="3" name="그림 2"/>
+          <p:cNvPr id="6" name="그림 5"/>
           <p:cNvPicPr>
             <a:picLocks noChangeAspect="1"/>
           </p:cNvPicPr>
@@ -20232,8 +20424,8 @@
         </p:blipFill>
         <p:spPr>
           <a:xfrm>
-            <a:off x="623887" y="2345049"/>
-            <a:ext cx="7896225" cy="3390900"/>
+            <a:off x="628650" y="2580320"/>
+            <a:ext cx="7886700" cy="2057400"/>
           </a:xfrm>
           <a:prstGeom prst="rect">
             <a:avLst/>
@@ -20243,7 +20435,7 @@
     </p:spTree>
     <p:extLst>
       <p:ext uri="{BB962C8B-B14F-4D97-AF65-F5344CB8AC3E}">
-        <p14:creationId xmlns:p14="http://schemas.microsoft.com/office/powerpoint/2010/main" val="3243040460"/>
+        <p14:creationId xmlns:p14="http://schemas.microsoft.com/office/powerpoint/2010/main" val="274701108"/>
       </p:ext>
     </p:extLst>
   </p:cSld>
@@ -20400,7 +20592,7 @@
           <p:cNvPr id="38" name="화살표: 갈매기형 수장 1">
             <a:extLst>
               <a:ext uri="{FF2B5EF4-FFF2-40B4-BE49-F238E27FC236}">
-                <a16:creationId xmlns:a16="http://schemas.microsoft.com/office/drawing/2014/main" xmlns="" id="{A38FB86A-A9AC-4EAE-8223-69D52F8B1ABE}"/>
+                <a16:creationId xmlns="" xmlns:a16="http://schemas.microsoft.com/office/drawing/2014/main" id="{A38FB86A-A9AC-4EAE-8223-69D52F8B1ABE}"/>
               </a:ext>
             </a:extLst>
           </p:cNvPr>
@@ -20458,7 +20650,7 @@
           <p:cNvPr id="39" name="화살표: 갈매기형 수장 2">
             <a:extLst>
               <a:ext uri="{FF2B5EF4-FFF2-40B4-BE49-F238E27FC236}">
-                <a16:creationId xmlns:a16="http://schemas.microsoft.com/office/drawing/2014/main" xmlns="" id="{8C8E1FD7-9558-46EC-B4E7-FDD400E94927}"/>
+                <a16:creationId xmlns="" xmlns:a16="http://schemas.microsoft.com/office/drawing/2014/main" id="{8C8E1FD7-9558-46EC-B4E7-FDD400E94927}"/>
               </a:ext>
             </a:extLst>
           </p:cNvPr>
@@ -20514,7 +20706,7 @@
           <p:cNvPr id="41" name="화살표: 갈매기형 수장 4">
             <a:extLst>
               <a:ext uri="{FF2B5EF4-FFF2-40B4-BE49-F238E27FC236}">
-                <a16:creationId xmlns:a16="http://schemas.microsoft.com/office/drawing/2014/main" xmlns="" id="{66755A50-62DA-4FF0-95B0-EA82A6CC33B8}"/>
+                <a16:creationId xmlns="" xmlns:a16="http://schemas.microsoft.com/office/drawing/2014/main" id="{66755A50-62DA-4FF0-95B0-EA82A6CC33B8}"/>
               </a:ext>
             </a:extLst>
           </p:cNvPr>
@@ -20570,7 +20762,7 @@
           <p:cNvPr id="42" name="화살표: 갈매기형 수장 5">
             <a:extLst>
               <a:ext uri="{FF2B5EF4-FFF2-40B4-BE49-F238E27FC236}">
-                <a16:creationId xmlns:a16="http://schemas.microsoft.com/office/drawing/2014/main" xmlns="" id="{DE46CADA-41E8-412A-A136-0A94F5A27AD4}"/>
+                <a16:creationId xmlns="" xmlns:a16="http://schemas.microsoft.com/office/drawing/2014/main" id="{DE46CADA-41E8-412A-A136-0A94F5A27AD4}"/>
               </a:ext>
             </a:extLst>
           </p:cNvPr>
@@ -20626,7 +20818,7 @@
           <p:cNvPr id="43" name="TextBox 42">
             <a:extLst>
               <a:ext uri="{FF2B5EF4-FFF2-40B4-BE49-F238E27FC236}">
-                <a16:creationId xmlns:a16="http://schemas.microsoft.com/office/drawing/2014/main" xmlns="" id="{68E943C8-5BA8-4C3E-A527-DD0F8F2B0E0A}"/>
+                <a16:creationId xmlns="" xmlns:a16="http://schemas.microsoft.com/office/drawing/2014/main" id="{68E943C8-5BA8-4C3E-A527-DD0F8F2B0E0A}"/>
               </a:ext>
             </a:extLst>
           </p:cNvPr>
@@ -20670,7 +20862,7 @@
           <p:cNvPr id="44" name="TextBox 43">
             <a:extLst>
               <a:ext uri="{FF2B5EF4-FFF2-40B4-BE49-F238E27FC236}">
-                <a16:creationId xmlns:a16="http://schemas.microsoft.com/office/drawing/2014/main" xmlns="" id="{4D3D8339-CC68-4AAC-A189-19E6E05D54DD}"/>
+                <a16:creationId xmlns="" xmlns:a16="http://schemas.microsoft.com/office/drawing/2014/main" id="{4D3D8339-CC68-4AAC-A189-19E6E05D54DD}"/>
               </a:ext>
             </a:extLst>
           </p:cNvPr>
@@ -20709,7 +20901,7 @@
           <p:cNvPr id="46" name="TextBox 45">
             <a:extLst>
               <a:ext uri="{FF2B5EF4-FFF2-40B4-BE49-F238E27FC236}">
-                <a16:creationId xmlns:a16="http://schemas.microsoft.com/office/drawing/2014/main" xmlns="" id="{32361A82-4993-4DC4-B5EF-3C30F9515573}"/>
+                <a16:creationId xmlns="" xmlns:a16="http://schemas.microsoft.com/office/drawing/2014/main" id="{32361A82-4993-4DC4-B5EF-3C30F9515573}"/>
               </a:ext>
             </a:extLst>
           </p:cNvPr>
@@ -20748,7 +20940,7 @@
           <p:cNvPr id="47" name="TextBox 46">
             <a:extLst>
               <a:ext uri="{FF2B5EF4-FFF2-40B4-BE49-F238E27FC236}">
-                <a16:creationId xmlns:a16="http://schemas.microsoft.com/office/drawing/2014/main" xmlns="" id="{49D68CEE-0E8C-4AD6-9485-622609B084B3}"/>
+                <a16:creationId xmlns="" xmlns:a16="http://schemas.microsoft.com/office/drawing/2014/main" id="{49D68CEE-0E8C-4AD6-9485-622609B084B3}"/>
               </a:ext>
             </a:extLst>
           </p:cNvPr>
@@ -20788,7 +20980,7 @@
           <p:cNvPr id="48" name="화살표: 갈매기형 수장 2">
             <a:extLst>
               <a:ext uri="{FF2B5EF4-FFF2-40B4-BE49-F238E27FC236}">
-                <a16:creationId xmlns:a16="http://schemas.microsoft.com/office/drawing/2014/main" xmlns="" id="{7B196A9F-09F8-8545-89B0-5112E49D0233}"/>
+                <a16:creationId xmlns="" xmlns:a16="http://schemas.microsoft.com/office/drawing/2014/main" id="{7B196A9F-09F8-8545-89B0-5112E49D0233}"/>
               </a:ext>
             </a:extLst>
           </p:cNvPr>
@@ -20844,7 +21036,7 @@
           <p:cNvPr id="49" name="TextBox 48">
             <a:extLst>
               <a:ext uri="{FF2B5EF4-FFF2-40B4-BE49-F238E27FC236}">
-                <a16:creationId xmlns:a16="http://schemas.microsoft.com/office/drawing/2014/main" xmlns="" id="{BC3F0FE1-9ECF-C344-B0A8-12B4DA316EC5}"/>
+                <a16:creationId xmlns="" xmlns:a16="http://schemas.microsoft.com/office/drawing/2014/main" id="{BC3F0FE1-9ECF-C344-B0A8-12B4DA316EC5}"/>
               </a:ext>
             </a:extLst>
           </p:cNvPr>
@@ -20894,8 +21086,8 @@
         </p:blipFill>
         <p:spPr>
           <a:xfrm>
-            <a:off x="628650" y="2275520"/>
-            <a:ext cx="7886700" cy="2667000"/>
+            <a:off x="623887" y="2345049"/>
+            <a:ext cx="7896225" cy="3390900"/>
           </a:xfrm>
           <a:prstGeom prst="rect">
             <a:avLst/>
@@ -20905,7 +21097,7 @@
     </p:spTree>
     <p:extLst>
       <p:ext uri="{BB962C8B-B14F-4D97-AF65-F5344CB8AC3E}">
-        <p14:creationId xmlns:p14="http://schemas.microsoft.com/office/powerpoint/2010/main" val="848617570"/>
+        <p14:creationId xmlns:p14="http://schemas.microsoft.com/office/powerpoint/2010/main" val="2790652032"/>
       </p:ext>
     </p:extLst>
   </p:cSld>
@@ -21062,7 +21254,7 @@
           <p:cNvPr id="38" name="화살표: 갈매기형 수장 1">
             <a:extLst>
               <a:ext uri="{FF2B5EF4-FFF2-40B4-BE49-F238E27FC236}">
-                <a16:creationId xmlns:a16="http://schemas.microsoft.com/office/drawing/2014/main" xmlns="" id="{A38FB86A-A9AC-4EAE-8223-69D52F8B1ABE}"/>
+                <a16:creationId xmlns="" xmlns:a16="http://schemas.microsoft.com/office/drawing/2014/main" id="{A38FB86A-A9AC-4EAE-8223-69D52F8B1ABE}"/>
               </a:ext>
             </a:extLst>
           </p:cNvPr>
@@ -21120,7 +21312,7 @@
           <p:cNvPr id="39" name="화살표: 갈매기형 수장 2">
             <a:extLst>
               <a:ext uri="{FF2B5EF4-FFF2-40B4-BE49-F238E27FC236}">
-                <a16:creationId xmlns:a16="http://schemas.microsoft.com/office/drawing/2014/main" xmlns="" id="{8C8E1FD7-9558-46EC-B4E7-FDD400E94927}"/>
+                <a16:creationId xmlns="" xmlns:a16="http://schemas.microsoft.com/office/drawing/2014/main" id="{8C8E1FD7-9558-46EC-B4E7-FDD400E94927}"/>
               </a:ext>
             </a:extLst>
           </p:cNvPr>
@@ -21176,7 +21368,7 @@
           <p:cNvPr id="41" name="화살표: 갈매기형 수장 4">
             <a:extLst>
               <a:ext uri="{FF2B5EF4-FFF2-40B4-BE49-F238E27FC236}">
-                <a16:creationId xmlns:a16="http://schemas.microsoft.com/office/drawing/2014/main" xmlns="" id="{66755A50-62DA-4FF0-95B0-EA82A6CC33B8}"/>
+                <a16:creationId xmlns="" xmlns:a16="http://schemas.microsoft.com/office/drawing/2014/main" id="{66755A50-62DA-4FF0-95B0-EA82A6CC33B8}"/>
               </a:ext>
             </a:extLst>
           </p:cNvPr>
@@ -21232,7 +21424,7 @@
           <p:cNvPr id="42" name="화살표: 갈매기형 수장 5">
             <a:extLst>
               <a:ext uri="{FF2B5EF4-FFF2-40B4-BE49-F238E27FC236}">
-                <a16:creationId xmlns:a16="http://schemas.microsoft.com/office/drawing/2014/main" xmlns="" id="{DE46CADA-41E8-412A-A136-0A94F5A27AD4}"/>
+                <a16:creationId xmlns="" xmlns:a16="http://schemas.microsoft.com/office/drawing/2014/main" id="{DE46CADA-41E8-412A-A136-0A94F5A27AD4}"/>
               </a:ext>
             </a:extLst>
           </p:cNvPr>
@@ -21288,7 +21480,7 @@
           <p:cNvPr id="43" name="TextBox 42">
             <a:extLst>
               <a:ext uri="{FF2B5EF4-FFF2-40B4-BE49-F238E27FC236}">
-                <a16:creationId xmlns:a16="http://schemas.microsoft.com/office/drawing/2014/main" xmlns="" id="{68E943C8-5BA8-4C3E-A527-DD0F8F2B0E0A}"/>
+                <a16:creationId xmlns="" xmlns:a16="http://schemas.microsoft.com/office/drawing/2014/main" id="{68E943C8-5BA8-4C3E-A527-DD0F8F2B0E0A}"/>
               </a:ext>
             </a:extLst>
           </p:cNvPr>
@@ -21332,7 +21524,7 @@
           <p:cNvPr id="44" name="TextBox 43">
             <a:extLst>
               <a:ext uri="{FF2B5EF4-FFF2-40B4-BE49-F238E27FC236}">
-                <a16:creationId xmlns:a16="http://schemas.microsoft.com/office/drawing/2014/main" xmlns="" id="{4D3D8339-CC68-4AAC-A189-19E6E05D54DD}"/>
+                <a16:creationId xmlns="" xmlns:a16="http://schemas.microsoft.com/office/drawing/2014/main" id="{4D3D8339-CC68-4AAC-A189-19E6E05D54DD}"/>
               </a:ext>
             </a:extLst>
           </p:cNvPr>
@@ -21371,7 +21563,7 @@
           <p:cNvPr id="46" name="TextBox 45">
             <a:extLst>
               <a:ext uri="{FF2B5EF4-FFF2-40B4-BE49-F238E27FC236}">
-                <a16:creationId xmlns:a16="http://schemas.microsoft.com/office/drawing/2014/main" xmlns="" id="{32361A82-4993-4DC4-B5EF-3C30F9515573}"/>
+                <a16:creationId xmlns="" xmlns:a16="http://schemas.microsoft.com/office/drawing/2014/main" id="{32361A82-4993-4DC4-B5EF-3C30F9515573}"/>
               </a:ext>
             </a:extLst>
           </p:cNvPr>
@@ -21410,7 +21602,7 @@
           <p:cNvPr id="47" name="TextBox 46">
             <a:extLst>
               <a:ext uri="{FF2B5EF4-FFF2-40B4-BE49-F238E27FC236}">
-                <a16:creationId xmlns:a16="http://schemas.microsoft.com/office/drawing/2014/main" xmlns="" id="{49D68CEE-0E8C-4AD6-9485-622609B084B3}"/>
+                <a16:creationId xmlns="" xmlns:a16="http://schemas.microsoft.com/office/drawing/2014/main" id="{49D68CEE-0E8C-4AD6-9485-622609B084B3}"/>
               </a:ext>
             </a:extLst>
           </p:cNvPr>
@@ -21450,7 +21642,7 @@
           <p:cNvPr id="48" name="화살표: 갈매기형 수장 2">
             <a:extLst>
               <a:ext uri="{FF2B5EF4-FFF2-40B4-BE49-F238E27FC236}">
-                <a16:creationId xmlns:a16="http://schemas.microsoft.com/office/drawing/2014/main" xmlns="" id="{7B196A9F-09F8-8545-89B0-5112E49D0233}"/>
+                <a16:creationId xmlns="" xmlns:a16="http://schemas.microsoft.com/office/drawing/2014/main" id="{7B196A9F-09F8-8545-89B0-5112E49D0233}"/>
               </a:ext>
             </a:extLst>
           </p:cNvPr>
@@ -21506,7 +21698,669 @@
           <p:cNvPr id="49" name="TextBox 48">
             <a:extLst>
               <a:ext uri="{FF2B5EF4-FFF2-40B4-BE49-F238E27FC236}">
-                <a16:creationId xmlns:a16="http://schemas.microsoft.com/office/drawing/2014/main" xmlns="" id="{BC3F0FE1-9ECF-C344-B0A8-12B4DA316EC5}"/>
+                <a16:creationId xmlns="" xmlns:a16="http://schemas.microsoft.com/office/drawing/2014/main" id="{BC3F0FE1-9ECF-C344-B0A8-12B4DA316EC5}"/>
+              </a:ext>
+            </a:extLst>
+          </p:cNvPr>
+          <p:cNvSpPr txBox="1"/>
+          <p:nvPr/>
+        </p:nvSpPr>
+        <p:spPr>
+          <a:xfrm>
+            <a:off x="2548474" y="1140694"/>
+            <a:ext cx="890085" cy="369332"/>
+          </a:xfrm>
+          <a:prstGeom prst="rect">
+            <a:avLst/>
+          </a:prstGeom>
+          <a:noFill/>
+        </p:spPr>
+        <p:txBody>
+          <a:bodyPr wrap="square" rtlCol="0">
+            <a:spAutoFit/>
+          </a:bodyPr>
+          <a:lstStyle/>
+          <a:p>
+            <a:r>
+              <a:rPr lang="ko-KR" altLang="en-US" b="1" dirty="0">
+                <a:solidFill>
+                  <a:srgbClr val="082E59"/>
+                </a:solidFill>
+              </a:rPr>
+              <a:t>전처리</a:t>
+            </a:r>
+          </a:p>
+        </p:txBody>
+      </p:sp>
+      <p:pic>
+        <p:nvPicPr>
+          <p:cNvPr id="3" name="그림 2"/>
+          <p:cNvPicPr>
+            <a:picLocks noChangeAspect="1"/>
+          </p:cNvPicPr>
+          <p:nvPr/>
+        </p:nvPicPr>
+        <p:blipFill>
+          <a:blip r:embed="rId3"/>
+          <a:stretch>
+            <a:fillRect/>
+          </a:stretch>
+        </p:blipFill>
+        <p:spPr>
+          <a:xfrm>
+            <a:off x="628650" y="2275520"/>
+            <a:ext cx="7886700" cy="2667000"/>
+          </a:xfrm>
+          <a:prstGeom prst="rect">
+            <a:avLst/>
+          </a:prstGeom>
+        </p:spPr>
+      </p:pic>
+    </p:spTree>
+    <p:extLst>
+      <p:ext uri="{BB962C8B-B14F-4D97-AF65-F5344CB8AC3E}">
+        <p14:creationId xmlns:p14="http://schemas.microsoft.com/office/powerpoint/2010/main" val="1705862208"/>
+      </p:ext>
+    </p:extLst>
+  </p:cSld>
+  <p:clrMapOvr>
+    <a:masterClrMapping/>
+  </p:clrMapOvr>
+  <p:timing>
+    <p:tnLst>
+      <p:par>
+        <p:cTn id="1" dur="indefinite" restart="never" nodeType="tmRoot"/>
+      </p:par>
+    </p:tnLst>
+  </p:timing>
+</p:sld>
+</file>
+
+<file path=ppt/slides/slide16.xml><?xml version="1.0" encoding="utf-8"?>
+<p:sld xmlns:a="http://schemas.openxmlformats.org/drawingml/2006/main" xmlns:r="http://schemas.openxmlformats.org/officeDocument/2006/relationships" xmlns:p="http://schemas.openxmlformats.org/presentationml/2006/main">
+  <p:cSld>
+    <p:spTree>
+      <p:nvGrpSpPr>
+        <p:cNvPr id="1" name=""/>
+        <p:cNvGrpSpPr/>
+        <p:nvPr/>
+      </p:nvGrpSpPr>
+      <p:grpSpPr>
+        <a:xfrm>
+          <a:off x="0" y="0"/>
+          <a:ext cx="0" cy="0"/>
+          <a:chOff x="0" y="0"/>
+          <a:chExt cx="0" cy="0"/>
+        </a:xfrm>
+      </p:grpSpPr>
+      <p:sp>
+        <p:nvSpPr>
+          <p:cNvPr id="2" name="직사각형 1"/>
+          <p:cNvSpPr/>
+          <p:nvPr/>
+        </p:nvSpPr>
+        <p:spPr>
+          <a:xfrm>
+            <a:off x="251520" y="620688"/>
+            <a:ext cx="8640960" cy="5976664"/>
+          </a:xfrm>
+          <a:prstGeom prst="rect">
+            <a:avLst/>
+          </a:prstGeom>
+          <a:solidFill>
+            <a:schemeClr val="bg1"/>
+          </a:solidFill>
+          <a:ln>
+            <a:noFill/>
+          </a:ln>
+        </p:spPr>
+        <p:style>
+          <a:lnRef idx="2">
+            <a:schemeClr val="accent1">
+              <a:shade val="50000"/>
+            </a:schemeClr>
+          </a:lnRef>
+          <a:fillRef idx="1">
+            <a:schemeClr val="accent1"/>
+          </a:fillRef>
+          <a:effectRef idx="0">
+            <a:schemeClr val="accent1"/>
+          </a:effectRef>
+          <a:fontRef idx="minor">
+            <a:schemeClr val="lt1"/>
+          </a:fontRef>
+        </p:style>
+        <p:txBody>
+          <a:bodyPr rtlCol="0" anchor="ctr"/>
+          <a:lstStyle/>
+          <a:p>
+            <a:pPr algn="ctr"/>
+            <a:endParaRPr lang="ko-KR" altLang="en-US"/>
+          </a:p>
+        </p:txBody>
+      </p:sp>
+      <p:sp>
+        <p:nvSpPr>
+          <p:cNvPr id="8" name="직사각형 7"/>
+          <p:cNvSpPr/>
+          <p:nvPr/>
+        </p:nvSpPr>
+        <p:spPr>
+          <a:xfrm>
+            <a:off x="219463" y="271681"/>
+            <a:ext cx="1297150" cy="276999"/>
+          </a:xfrm>
+          <a:prstGeom prst="rect">
+            <a:avLst/>
+          </a:prstGeom>
+        </p:spPr>
+        <p:txBody>
+          <a:bodyPr wrap="none">
+            <a:spAutoFit/>
+          </a:bodyPr>
+          <a:lstStyle/>
+          <a:p>
+            <a:pPr algn="ctr"/>
+            <a:r>
+              <a:rPr lang="ko-KR" altLang="en-US" sz="1200" b="1" spc="-150" dirty="0" smtClean="0">
+                <a:solidFill>
+                  <a:schemeClr val="bg1"/>
+                </a:solidFill>
+              </a:rPr>
+              <a:t>제목을 입력하세요</a:t>
+            </a:r>
+            <a:endParaRPr lang="ko-KR" altLang="en-US" sz="1200" b="1" spc="-150" dirty="0">
+              <a:solidFill>
+                <a:schemeClr val="bg1"/>
+              </a:solidFill>
+            </a:endParaRPr>
+          </a:p>
+        </p:txBody>
+      </p:sp>
+      <p:sp>
+        <p:nvSpPr>
+          <p:cNvPr id="12" name="TextBox 11"/>
+          <p:cNvSpPr txBox="1"/>
+          <p:nvPr/>
+        </p:nvSpPr>
+        <p:spPr>
+          <a:xfrm>
+            <a:off x="5364088" y="271681"/>
+            <a:ext cx="3600400" cy="276999"/>
+          </a:xfrm>
+          <a:prstGeom prst="rect">
+            <a:avLst/>
+          </a:prstGeom>
+          <a:noFill/>
+        </p:spPr>
+        <p:txBody>
+          <a:bodyPr wrap="square" rtlCol="0">
+            <a:spAutoFit/>
+          </a:bodyPr>
+          <a:lstStyle/>
+          <a:p>
+            <a:pPr algn="dist"/>
+            <a:r>
+              <a:rPr lang="ko-KR" altLang="en-US" sz="1200" dirty="0" smtClean="0">
+                <a:solidFill>
+                  <a:schemeClr val="bg1"/>
+                </a:solidFill>
+              </a:rPr>
+              <a:t>과목이름이나 영문타이틀</a:t>
+            </a:r>
+          </a:p>
+        </p:txBody>
+      </p:sp>
+      <p:sp>
+        <p:nvSpPr>
+          <p:cNvPr id="38" name="화살표: 갈매기형 수장 1">
+            <a:extLst>
+              <a:ext uri="{FF2B5EF4-FFF2-40B4-BE49-F238E27FC236}">
+                <a16:creationId xmlns="" xmlns:a16="http://schemas.microsoft.com/office/drawing/2014/main" id="{A38FB86A-A9AC-4EAE-8223-69D52F8B1ABE}"/>
+              </a:ext>
+            </a:extLst>
+          </p:cNvPr>
+          <p:cNvSpPr/>
+          <p:nvPr/>
+        </p:nvSpPr>
+        <p:spPr>
+          <a:xfrm>
+            <a:off x="479244" y="1072880"/>
+            <a:ext cx="1742256" cy="461945"/>
+          </a:xfrm>
+          <a:prstGeom prst="chevron">
+            <a:avLst/>
+          </a:prstGeom>
+          <a:solidFill>
+            <a:srgbClr val="FFC000"/>
+          </a:solidFill>
+          <a:ln>
+            <a:solidFill>
+              <a:srgbClr val="FFCC00"/>
+            </a:solidFill>
+          </a:ln>
+        </p:spPr>
+        <p:style>
+          <a:lnRef idx="2">
+            <a:schemeClr val="accent1">
+              <a:shade val="50000"/>
+            </a:schemeClr>
+          </a:lnRef>
+          <a:fillRef idx="1">
+            <a:schemeClr val="accent1"/>
+          </a:fillRef>
+          <a:effectRef idx="0">
+            <a:schemeClr val="accent1"/>
+          </a:effectRef>
+          <a:fontRef idx="minor">
+            <a:schemeClr val="lt1"/>
+          </a:fontRef>
+        </p:style>
+        <p:txBody>
+          <a:bodyPr rtlCol="0" anchor="ctr"/>
+          <a:lstStyle/>
+          <a:p>
+            <a:pPr algn="ctr"/>
+            <a:endParaRPr lang="ko-KR" altLang="en-US">
+              <a:solidFill>
+                <a:schemeClr val="tx1"/>
+              </a:solidFill>
+            </a:endParaRPr>
+          </a:p>
+        </p:txBody>
+      </p:sp>
+      <p:sp>
+        <p:nvSpPr>
+          <p:cNvPr id="39" name="화살표: 갈매기형 수장 2">
+            <a:extLst>
+              <a:ext uri="{FF2B5EF4-FFF2-40B4-BE49-F238E27FC236}">
+                <a16:creationId xmlns="" xmlns:a16="http://schemas.microsoft.com/office/drawing/2014/main" id="{8C8E1FD7-9558-46EC-B4E7-FDD400E94927}"/>
+              </a:ext>
+            </a:extLst>
+          </p:cNvPr>
+          <p:cNvSpPr/>
+          <p:nvPr/>
+        </p:nvSpPr>
+        <p:spPr>
+          <a:xfrm>
+            <a:off x="3779912" y="1072224"/>
+            <a:ext cx="1742256" cy="461945"/>
+          </a:xfrm>
+          <a:prstGeom prst="chevron">
+            <a:avLst/>
+          </a:prstGeom>
+          <a:noFill/>
+          <a:ln>
+            <a:solidFill>
+              <a:srgbClr val="FFCC00"/>
+            </a:solidFill>
+          </a:ln>
+        </p:spPr>
+        <p:style>
+          <a:lnRef idx="2">
+            <a:schemeClr val="accent1">
+              <a:shade val="50000"/>
+            </a:schemeClr>
+          </a:lnRef>
+          <a:fillRef idx="1">
+            <a:schemeClr val="accent1"/>
+          </a:fillRef>
+          <a:effectRef idx="0">
+            <a:schemeClr val="accent1"/>
+          </a:effectRef>
+          <a:fontRef idx="minor">
+            <a:schemeClr val="lt1"/>
+          </a:fontRef>
+        </p:style>
+        <p:txBody>
+          <a:bodyPr rtlCol="0" anchor="ctr"/>
+          <a:lstStyle/>
+          <a:p>
+            <a:pPr algn="ctr"/>
+            <a:endParaRPr lang="ko-KR" altLang="en-US">
+              <a:solidFill>
+                <a:schemeClr val="tx1"/>
+              </a:solidFill>
+            </a:endParaRPr>
+          </a:p>
+        </p:txBody>
+      </p:sp>
+      <p:sp>
+        <p:nvSpPr>
+          <p:cNvPr id="41" name="화살표: 갈매기형 수장 4">
+            <a:extLst>
+              <a:ext uri="{FF2B5EF4-FFF2-40B4-BE49-F238E27FC236}">
+                <a16:creationId xmlns="" xmlns:a16="http://schemas.microsoft.com/office/drawing/2014/main" id="{66755A50-62DA-4FF0-95B0-EA82A6CC33B8}"/>
+              </a:ext>
+            </a:extLst>
+          </p:cNvPr>
+          <p:cNvSpPr/>
+          <p:nvPr/>
+        </p:nvSpPr>
+        <p:spPr>
+          <a:xfrm>
+            <a:off x="5402325" y="1072224"/>
+            <a:ext cx="1742256" cy="461945"/>
+          </a:xfrm>
+          <a:prstGeom prst="chevron">
+            <a:avLst/>
+          </a:prstGeom>
+          <a:noFill/>
+          <a:ln>
+            <a:solidFill>
+              <a:srgbClr val="FFCC00"/>
+            </a:solidFill>
+          </a:ln>
+        </p:spPr>
+        <p:style>
+          <a:lnRef idx="2">
+            <a:schemeClr val="accent1">
+              <a:shade val="50000"/>
+            </a:schemeClr>
+          </a:lnRef>
+          <a:fillRef idx="1">
+            <a:schemeClr val="accent1"/>
+          </a:fillRef>
+          <a:effectRef idx="0">
+            <a:schemeClr val="accent1"/>
+          </a:effectRef>
+          <a:fontRef idx="minor">
+            <a:schemeClr val="lt1"/>
+          </a:fontRef>
+        </p:style>
+        <p:txBody>
+          <a:bodyPr rtlCol="0" anchor="ctr"/>
+          <a:lstStyle/>
+          <a:p>
+            <a:pPr algn="ctr"/>
+            <a:endParaRPr lang="ko-KR" altLang="en-US">
+              <a:solidFill>
+                <a:schemeClr val="tx1"/>
+              </a:solidFill>
+            </a:endParaRPr>
+          </a:p>
+        </p:txBody>
+      </p:sp>
+      <p:sp>
+        <p:nvSpPr>
+          <p:cNvPr id="42" name="화살표: 갈매기형 수장 5">
+            <a:extLst>
+              <a:ext uri="{FF2B5EF4-FFF2-40B4-BE49-F238E27FC236}">
+                <a16:creationId xmlns="" xmlns:a16="http://schemas.microsoft.com/office/drawing/2014/main" id="{DE46CADA-41E8-412A-A136-0A94F5A27AD4}"/>
+              </a:ext>
+            </a:extLst>
+          </p:cNvPr>
+          <p:cNvSpPr/>
+          <p:nvPr/>
+        </p:nvSpPr>
+        <p:spPr>
+          <a:xfrm>
+            <a:off x="7012687" y="1072224"/>
+            <a:ext cx="1742256" cy="461945"/>
+          </a:xfrm>
+          <a:prstGeom prst="chevron">
+            <a:avLst/>
+          </a:prstGeom>
+          <a:noFill/>
+          <a:ln>
+            <a:solidFill>
+              <a:srgbClr val="FFCC00"/>
+            </a:solidFill>
+          </a:ln>
+        </p:spPr>
+        <p:style>
+          <a:lnRef idx="2">
+            <a:schemeClr val="accent1">
+              <a:shade val="50000"/>
+            </a:schemeClr>
+          </a:lnRef>
+          <a:fillRef idx="1">
+            <a:schemeClr val="accent1"/>
+          </a:fillRef>
+          <a:effectRef idx="0">
+            <a:schemeClr val="accent1"/>
+          </a:effectRef>
+          <a:fontRef idx="minor">
+            <a:schemeClr val="lt1"/>
+          </a:fontRef>
+        </p:style>
+        <p:txBody>
+          <a:bodyPr rtlCol="0" anchor="ctr"/>
+          <a:lstStyle/>
+          <a:p>
+            <a:pPr algn="ctr"/>
+            <a:endParaRPr lang="ko-KR" altLang="en-US">
+              <a:solidFill>
+                <a:schemeClr val="tx1"/>
+              </a:solidFill>
+            </a:endParaRPr>
+          </a:p>
+        </p:txBody>
+      </p:sp>
+      <p:sp>
+        <p:nvSpPr>
+          <p:cNvPr id="43" name="TextBox 42">
+            <a:extLst>
+              <a:ext uri="{FF2B5EF4-FFF2-40B4-BE49-F238E27FC236}">
+                <a16:creationId xmlns="" xmlns:a16="http://schemas.microsoft.com/office/drawing/2014/main" id="{68E943C8-5BA8-4C3E-A527-DD0F8F2B0E0A}"/>
+              </a:ext>
+            </a:extLst>
+          </p:cNvPr>
+          <p:cNvSpPr txBox="1"/>
+          <p:nvPr/>
+        </p:nvSpPr>
+        <p:spPr>
+          <a:xfrm>
+            <a:off x="675082" y="1130530"/>
+            <a:ext cx="1343858" cy="369332"/>
+          </a:xfrm>
+          <a:prstGeom prst="rect">
+            <a:avLst/>
+          </a:prstGeom>
+          <a:noFill/>
+        </p:spPr>
+        <p:txBody>
+          <a:bodyPr wrap="square" rtlCol="0">
+            <a:spAutoFit/>
+          </a:bodyPr>
+          <a:lstStyle/>
+          <a:p>
+            <a:r>
+              <a:rPr lang="ko-KR" altLang="en-US" b="1" dirty="0" err="1">
+                <a:solidFill>
+                  <a:schemeClr val="bg1"/>
+                </a:solidFill>
+              </a:rPr>
+              <a:t>웹스크래핑</a:t>
+            </a:r>
+            <a:endParaRPr lang="ko-KR" altLang="en-US" b="1" dirty="0">
+              <a:solidFill>
+                <a:schemeClr val="bg1"/>
+              </a:solidFill>
+            </a:endParaRPr>
+          </a:p>
+        </p:txBody>
+      </p:sp>
+      <p:sp>
+        <p:nvSpPr>
+          <p:cNvPr id="44" name="TextBox 43">
+            <a:extLst>
+              <a:ext uri="{FF2B5EF4-FFF2-40B4-BE49-F238E27FC236}">
+                <a16:creationId xmlns="" xmlns:a16="http://schemas.microsoft.com/office/drawing/2014/main" id="{4D3D8339-CC68-4AAC-A189-19E6E05D54DD}"/>
+              </a:ext>
+            </a:extLst>
+          </p:cNvPr>
+          <p:cNvSpPr txBox="1"/>
+          <p:nvPr/>
+        </p:nvSpPr>
+        <p:spPr>
+          <a:xfrm>
+            <a:off x="4198808" y="1129874"/>
+            <a:ext cx="890085" cy="369332"/>
+          </a:xfrm>
+          <a:prstGeom prst="rect">
+            <a:avLst/>
+          </a:prstGeom>
+          <a:noFill/>
+        </p:spPr>
+        <p:txBody>
+          <a:bodyPr wrap="square" rtlCol="0">
+            <a:spAutoFit/>
+          </a:bodyPr>
+          <a:lstStyle/>
+          <a:p>
+            <a:r>
+              <a:rPr lang="ko-KR" altLang="en-US" b="1" dirty="0">
+                <a:solidFill>
+                  <a:srgbClr val="082E59"/>
+                </a:solidFill>
+              </a:rPr>
+              <a:t>시각화</a:t>
+            </a:r>
+          </a:p>
+        </p:txBody>
+      </p:sp>
+      <p:sp>
+        <p:nvSpPr>
+          <p:cNvPr id="46" name="TextBox 45">
+            <a:extLst>
+              <a:ext uri="{FF2B5EF4-FFF2-40B4-BE49-F238E27FC236}">
+                <a16:creationId xmlns="" xmlns:a16="http://schemas.microsoft.com/office/drawing/2014/main" id="{32361A82-4993-4DC4-B5EF-3C30F9515573}"/>
+              </a:ext>
+            </a:extLst>
+          </p:cNvPr>
+          <p:cNvSpPr txBox="1"/>
+          <p:nvPr/>
+        </p:nvSpPr>
+        <p:spPr>
+          <a:xfrm>
+            <a:off x="7327810" y="1129874"/>
+            <a:ext cx="1101193" cy="369332"/>
+          </a:xfrm>
+          <a:prstGeom prst="rect">
+            <a:avLst/>
+          </a:prstGeom>
+          <a:noFill/>
+        </p:spPr>
+        <p:txBody>
+          <a:bodyPr wrap="square" rtlCol="0">
+            <a:spAutoFit/>
+          </a:bodyPr>
+          <a:lstStyle/>
+          <a:p>
+            <a:r>
+              <a:rPr lang="ko-KR" altLang="en-US" b="1" dirty="0">
+                <a:solidFill>
+                  <a:srgbClr val="082E59"/>
+                </a:solidFill>
+              </a:rPr>
+              <a:t>결론도출</a:t>
+            </a:r>
+          </a:p>
+        </p:txBody>
+      </p:sp>
+      <p:sp>
+        <p:nvSpPr>
+          <p:cNvPr id="47" name="TextBox 46">
+            <a:extLst>
+              <a:ext uri="{FF2B5EF4-FFF2-40B4-BE49-F238E27FC236}">
+                <a16:creationId xmlns="" xmlns:a16="http://schemas.microsoft.com/office/drawing/2014/main" id="{49D68CEE-0E8C-4AD6-9485-622609B084B3}"/>
+              </a:ext>
+            </a:extLst>
+          </p:cNvPr>
+          <p:cNvSpPr txBox="1"/>
+          <p:nvPr/>
+        </p:nvSpPr>
+        <p:spPr>
+          <a:xfrm>
+            <a:off x="5402325" y="1129874"/>
+            <a:ext cx="1742256" cy="369332"/>
+          </a:xfrm>
+          <a:prstGeom prst="rect">
+            <a:avLst/>
+          </a:prstGeom>
+          <a:noFill/>
+        </p:spPr>
+        <p:txBody>
+          <a:bodyPr wrap="square" rtlCol="0">
+            <a:spAutoFit/>
+          </a:bodyPr>
+          <a:lstStyle/>
+          <a:p>
+            <a:pPr algn="ctr"/>
+            <a:r>
+              <a:rPr lang="ko-KR" altLang="en-US" b="1" dirty="0">
+                <a:solidFill>
+                  <a:srgbClr val="082E59"/>
+                </a:solidFill>
+              </a:rPr>
+              <a:t>분석</a:t>
+            </a:r>
+          </a:p>
+        </p:txBody>
+      </p:sp>
+      <p:sp>
+        <p:nvSpPr>
+          <p:cNvPr id="48" name="화살표: 갈매기형 수장 2">
+            <a:extLst>
+              <a:ext uri="{FF2B5EF4-FFF2-40B4-BE49-F238E27FC236}">
+                <a16:creationId xmlns="" xmlns:a16="http://schemas.microsoft.com/office/drawing/2014/main" id="{7B196A9F-09F8-8545-89B0-5112E49D0233}"/>
+              </a:ext>
+            </a:extLst>
+          </p:cNvPr>
+          <p:cNvSpPr/>
+          <p:nvPr/>
+        </p:nvSpPr>
+        <p:spPr>
+          <a:xfrm>
+            <a:off x="2151275" y="1072224"/>
+            <a:ext cx="1742256" cy="461945"/>
+          </a:xfrm>
+          <a:prstGeom prst="chevron">
+            <a:avLst/>
+          </a:prstGeom>
+          <a:noFill/>
+          <a:ln>
+            <a:solidFill>
+              <a:srgbClr val="FFCC00"/>
+            </a:solidFill>
+          </a:ln>
+        </p:spPr>
+        <p:style>
+          <a:lnRef idx="2">
+            <a:schemeClr val="accent1">
+              <a:shade val="50000"/>
+            </a:schemeClr>
+          </a:lnRef>
+          <a:fillRef idx="1">
+            <a:schemeClr val="accent1"/>
+          </a:fillRef>
+          <a:effectRef idx="0">
+            <a:schemeClr val="accent1"/>
+          </a:effectRef>
+          <a:fontRef idx="minor">
+            <a:schemeClr val="lt1"/>
+          </a:fontRef>
+        </p:style>
+        <p:txBody>
+          <a:bodyPr rtlCol="0" anchor="ctr"/>
+          <a:lstStyle/>
+          <a:p>
+            <a:pPr algn="ctr"/>
+            <a:endParaRPr lang="ko-KR" altLang="en-US">
+              <a:solidFill>
+                <a:schemeClr val="tx1"/>
+              </a:solidFill>
+            </a:endParaRPr>
+          </a:p>
+        </p:txBody>
+      </p:sp>
+      <p:sp>
+        <p:nvSpPr>
+          <p:cNvPr id="49" name="TextBox 48">
+            <a:extLst>
+              <a:ext uri="{FF2B5EF4-FFF2-40B4-BE49-F238E27FC236}">
+                <a16:creationId xmlns="" xmlns:a16="http://schemas.microsoft.com/office/drawing/2014/main" id="{BC3F0FE1-9ECF-C344-B0A8-12B4DA316EC5}"/>
               </a:ext>
             </a:extLst>
           </p:cNvPr>
@@ -21606,7 +22460,7 @@
     </p:spTree>
     <p:extLst>
       <p:ext uri="{BB962C8B-B14F-4D97-AF65-F5344CB8AC3E}">
-        <p14:creationId xmlns:p14="http://schemas.microsoft.com/office/powerpoint/2010/main" val="1358470216"/>
+        <p14:creationId xmlns:p14="http://schemas.microsoft.com/office/powerpoint/2010/main" val="3559733489"/>
       </p:ext>
     </p:extLst>
   </p:cSld>
@@ -21623,7 +22477,7 @@
 </p:sld>
 </file>
 
-<file path=ppt/slides/slide16.xml><?xml version="1.0" encoding="utf-8"?>
+<file path=ppt/slides/slide17.xml><?xml version="1.0" encoding="utf-8"?>
 <p:sld xmlns:a="http://schemas.openxmlformats.org/drawingml/2006/main" xmlns:r="http://schemas.openxmlformats.org/officeDocument/2006/relationships" xmlns:p="http://schemas.openxmlformats.org/presentationml/2006/main">
   <p:cSld>
     <p:spTree>
@@ -21719,6 +22573,49 @@
             <a:endParaRPr lang="ko-KR" altLang="en-US" sz="1200" b="1" spc="-150" dirty="0">
               <a:solidFill>
                 <a:schemeClr val="bg1"/>
+              </a:solidFill>
+            </a:endParaRPr>
+          </a:p>
+        </p:txBody>
+      </p:sp>
+      <p:sp>
+        <p:nvSpPr>
+          <p:cNvPr id="10" name="TextBox 9"/>
+          <p:cNvSpPr txBox="1"/>
+          <p:nvPr/>
+        </p:nvSpPr>
+        <p:spPr>
+          <a:xfrm>
+            <a:off x="7164288" y="6546830"/>
+            <a:ext cx="1728192" cy="338554"/>
+          </a:xfrm>
+          <a:prstGeom prst="rect">
+            <a:avLst/>
+          </a:prstGeom>
+          <a:noFill/>
+        </p:spPr>
+        <p:txBody>
+          <a:bodyPr wrap="square" rtlCol="0">
+            <a:spAutoFit/>
+          </a:bodyPr>
+          <a:lstStyle/>
+          <a:p>
+            <a:pPr algn="r"/>
+            <a:r>
+              <a:rPr lang="en-US" altLang="ko-KR" sz="1600" dirty="0" smtClean="0">
+                <a:solidFill>
+                  <a:schemeClr val="bg1">
+                    <a:lumMod val="75000"/>
+                  </a:schemeClr>
+                </a:solidFill>
+              </a:rPr>
+              <a:t>MINHEEBLOG</a:t>
+            </a:r>
+            <a:endParaRPr lang="ko-KR" altLang="en-US" sz="1600" dirty="0">
+              <a:solidFill>
+                <a:schemeClr val="bg1">
+                  <a:lumMod val="75000"/>
+                </a:schemeClr>
               </a:solidFill>
             </a:endParaRPr>
           </a:p>
@@ -22244,7 +23141,7 @@
     </p:spTree>
     <p:extLst>
       <p:ext uri="{BB962C8B-B14F-4D97-AF65-F5344CB8AC3E}">
-        <p14:creationId xmlns:p14="http://schemas.microsoft.com/office/powerpoint/2010/main" val="1730248788"/>
+        <p14:creationId xmlns:p14="http://schemas.microsoft.com/office/powerpoint/2010/main" val="4175070301"/>
       </p:ext>
     </p:extLst>
   </p:cSld>
@@ -22261,7 +23158,7 @@
 </p:sld>
 </file>
 
-<file path=ppt/slides/slide17.xml><?xml version="1.0" encoding="utf-8"?>
+<file path=ppt/slides/slide18.xml><?xml version="1.0" encoding="utf-8"?>
 <p:sld xmlns:a="http://schemas.openxmlformats.org/drawingml/2006/main" xmlns:r="http://schemas.openxmlformats.org/officeDocument/2006/relationships" xmlns:p="http://schemas.openxmlformats.org/presentationml/2006/main">
   <p:cSld>
     <p:spTree>
@@ -22916,597 +23813,84 @@
       </p:sp>
       <p:sp>
         <p:nvSpPr>
-          <p:cNvPr id="16" name="내용 개체 틀 2">
-            <a:extLst>
-              <a:ext uri="{FF2B5EF4-FFF2-40B4-BE49-F238E27FC236}">
-                <a16:creationId xmlns="" xmlns:a16="http://schemas.microsoft.com/office/drawing/2014/main" id="{E965BA51-CCB7-7A4F-A170-2565CA39D3E5}"/>
-              </a:ext>
-            </a:extLst>
-          </p:cNvPr>
-          <p:cNvSpPr txBox="1">
-            <a:spLocks/>
-          </p:cNvSpPr>
+          <p:cNvPr id="4" name="TextBox 3"/>
+          <p:cNvSpPr txBox="1"/>
           <p:nvPr/>
         </p:nvSpPr>
         <p:spPr>
           <a:xfrm>
-            <a:off x="832892" y="1889799"/>
-            <a:ext cx="7478216" cy="3669285"/>
+            <a:off x="1403648" y="2420888"/>
+            <a:ext cx="5609039" cy="1200329"/>
           </a:xfrm>
           <a:prstGeom prst="rect">
             <a:avLst/>
           </a:prstGeom>
+          <a:noFill/>
         </p:spPr>
         <p:txBody>
-          <a:bodyPr>
-            <a:normAutofit fontScale="70000" lnSpcReduction="20000"/>
+          <a:bodyPr wrap="square" rtlCol="0">
+            <a:spAutoFit/>
           </a:bodyPr>
-          <a:lstStyle>
-            <a:lvl1pPr marL="342900" indent="-342900" algn="l" defTabSz="914400" rtl="0" eaLnBrk="1" latinLnBrk="1" hangingPunct="1">
-              <a:spcBef>
-                <a:spcPct val="20000"/>
-              </a:spcBef>
-              <a:buFont typeface="Arial" pitchFamily="34" charset="0"/>
-              <a:buChar char="•"/>
-              <a:defRPr sz="3200" kern="1200">
-                <a:solidFill>
-                  <a:schemeClr val="tx1"/>
-                </a:solidFill>
-                <a:latin typeface="+mn-lt"/>
-                <a:ea typeface="+mn-ea"/>
-                <a:cs typeface="+mn-cs"/>
-              </a:defRPr>
-            </a:lvl1pPr>
-            <a:lvl2pPr marL="742950" indent="-285750" algn="l" defTabSz="914400" rtl="0" eaLnBrk="1" latinLnBrk="1" hangingPunct="1">
-              <a:spcBef>
-                <a:spcPct val="20000"/>
-              </a:spcBef>
-              <a:buFont typeface="Arial" pitchFamily="34" charset="0"/>
-              <a:buChar char="–"/>
-              <a:defRPr sz="2800" kern="1200">
-                <a:solidFill>
-                  <a:schemeClr val="tx1"/>
-                </a:solidFill>
-                <a:latin typeface="+mn-lt"/>
-                <a:ea typeface="+mn-ea"/>
-                <a:cs typeface="+mn-cs"/>
-              </a:defRPr>
-            </a:lvl2pPr>
-            <a:lvl3pPr marL="1143000" indent="-228600" algn="l" defTabSz="914400" rtl="0" eaLnBrk="1" latinLnBrk="1" hangingPunct="1">
-              <a:spcBef>
-                <a:spcPct val="20000"/>
-              </a:spcBef>
-              <a:buFont typeface="Arial" pitchFamily="34" charset="0"/>
-              <a:buChar char="•"/>
-              <a:defRPr sz="2400" kern="1200">
-                <a:solidFill>
-                  <a:schemeClr val="tx1"/>
-                </a:solidFill>
-                <a:latin typeface="+mn-lt"/>
-                <a:ea typeface="+mn-ea"/>
-                <a:cs typeface="+mn-cs"/>
-              </a:defRPr>
-            </a:lvl3pPr>
-            <a:lvl4pPr marL="1600200" indent="-228600" algn="l" defTabSz="914400" rtl="0" eaLnBrk="1" latinLnBrk="1" hangingPunct="1">
-              <a:spcBef>
-                <a:spcPct val="20000"/>
-              </a:spcBef>
-              <a:buFont typeface="Arial" pitchFamily="34" charset="0"/>
-              <a:buChar char="–"/>
-              <a:defRPr sz="2000" kern="1200">
-                <a:solidFill>
-                  <a:schemeClr val="tx1"/>
-                </a:solidFill>
-                <a:latin typeface="+mn-lt"/>
-                <a:ea typeface="+mn-ea"/>
-                <a:cs typeface="+mn-cs"/>
-              </a:defRPr>
-            </a:lvl4pPr>
-            <a:lvl5pPr marL="2057400" indent="-228600" algn="l" defTabSz="914400" rtl="0" eaLnBrk="1" latinLnBrk="1" hangingPunct="1">
-              <a:spcBef>
-                <a:spcPct val="20000"/>
-              </a:spcBef>
-              <a:buFont typeface="Arial" pitchFamily="34" charset="0"/>
-              <a:buChar char="»"/>
-              <a:defRPr sz="2000" kern="1200">
-                <a:solidFill>
-                  <a:schemeClr val="tx1"/>
-                </a:solidFill>
-                <a:latin typeface="+mn-lt"/>
-                <a:ea typeface="+mn-ea"/>
-                <a:cs typeface="+mn-cs"/>
-              </a:defRPr>
-            </a:lvl5pPr>
-            <a:lvl6pPr marL="2514600" indent="-228600" algn="l" defTabSz="914400" rtl="0" eaLnBrk="1" latinLnBrk="1" hangingPunct="1">
-              <a:spcBef>
-                <a:spcPct val="20000"/>
-              </a:spcBef>
-              <a:buFont typeface="Arial" pitchFamily="34" charset="0"/>
-              <a:buChar char="•"/>
-              <a:defRPr sz="2000" kern="1200">
-                <a:solidFill>
-                  <a:schemeClr val="tx1"/>
-                </a:solidFill>
-                <a:latin typeface="+mn-lt"/>
-                <a:ea typeface="+mn-ea"/>
-                <a:cs typeface="+mn-cs"/>
-              </a:defRPr>
-            </a:lvl6pPr>
-            <a:lvl7pPr marL="2971800" indent="-228600" algn="l" defTabSz="914400" rtl="0" eaLnBrk="1" latinLnBrk="1" hangingPunct="1">
-              <a:spcBef>
-                <a:spcPct val="20000"/>
-              </a:spcBef>
-              <a:buFont typeface="Arial" pitchFamily="34" charset="0"/>
-              <a:buChar char="•"/>
-              <a:defRPr sz="2000" kern="1200">
-                <a:solidFill>
-                  <a:schemeClr val="tx1"/>
-                </a:solidFill>
-                <a:latin typeface="+mn-lt"/>
-                <a:ea typeface="+mn-ea"/>
-                <a:cs typeface="+mn-cs"/>
-              </a:defRPr>
-            </a:lvl7pPr>
-            <a:lvl8pPr marL="3429000" indent="-228600" algn="l" defTabSz="914400" rtl="0" eaLnBrk="1" latinLnBrk="1" hangingPunct="1">
-              <a:spcBef>
-                <a:spcPct val="20000"/>
-              </a:spcBef>
-              <a:buFont typeface="Arial" pitchFamily="34" charset="0"/>
-              <a:buChar char="•"/>
-              <a:defRPr sz="2000" kern="1200">
-                <a:solidFill>
-                  <a:schemeClr val="tx1"/>
-                </a:solidFill>
-                <a:latin typeface="+mn-lt"/>
-                <a:ea typeface="+mn-ea"/>
-                <a:cs typeface="+mn-cs"/>
-              </a:defRPr>
-            </a:lvl8pPr>
-            <a:lvl9pPr marL="3886200" indent="-228600" algn="l" defTabSz="914400" rtl="0" eaLnBrk="1" latinLnBrk="1" hangingPunct="1">
-              <a:spcBef>
-                <a:spcPct val="20000"/>
-              </a:spcBef>
-              <a:buFont typeface="Arial" pitchFamily="34" charset="0"/>
-              <a:buChar char="•"/>
-              <a:defRPr sz="2000" kern="1200">
-                <a:solidFill>
-                  <a:schemeClr val="tx1"/>
-                </a:solidFill>
-                <a:latin typeface="+mn-lt"/>
-                <a:ea typeface="+mn-ea"/>
-                <a:cs typeface="+mn-cs"/>
-              </a:defRPr>
-            </a:lvl9pPr>
-          </a:lstStyle>
-          <a:p>
-            <a:pPr marL="0" indent="0">
-              <a:lnSpc>
-                <a:spcPct val="110000"/>
-              </a:lnSpc>
-              <a:buFont typeface="Arial" pitchFamily="34" charset="0"/>
-              <a:buNone/>
-            </a:pPr>
+          <a:lstStyle/>
+          <a:p>
             <a:r>
-              <a:rPr kumimoji="1" lang="ko-KR" altLang="en-US" sz="2000" b="1" smtClean="0">
-                <a:solidFill>
-                  <a:schemeClr val="bg1"/>
-                </a:solidFill>
-                <a:highlight>
-                  <a:srgbClr val="4CAD9C"/>
-                </a:highlight>
-              </a:rPr>
-              <a:t>데이터 정제</a:t>
+              <a:rPr lang="en-US" altLang="ko-KR" dirty="0" err="1" smtClean="0"/>
+              <a:t>Api</a:t>
             </a:r>
             <a:r>
-              <a:rPr kumimoji="1" lang="ko-KR" altLang="en-US" sz="2000" smtClean="0"/>
+              <a:rPr lang="en-US" altLang="ko-KR" dirty="0" smtClean="0"/>
               <a:t> </a:t>
             </a:r>
             <a:r>
-              <a:rPr kumimoji="1" lang="en-US" altLang="ko-KR" sz="2000" smtClean="0"/>
-              <a:t>Sublime text3,</a:t>
+              <a:rPr lang="ko-KR" altLang="en-US" dirty="0" err="1" smtClean="0"/>
+              <a:t>쓰는것을</a:t>
             </a:r>
             <a:r>
-              <a:rPr kumimoji="1" lang="ko-KR" altLang="en-US" sz="2000" smtClean="0"/>
-              <a:t> 정규표현식</a:t>
-            </a:r>
-            <a:endParaRPr kumimoji="1" lang="en-US" altLang="ko-KR" sz="2000" smtClean="0"/>
-          </a:p>
-          <a:p>
-            <a:pPr lvl="1">
-              <a:lnSpc>
-                <a:spcPct val="110000"/>
-              </a:lnSpc>
-            </a:pPr>
-            <a:r>
-              <a:rPr kumimoji="1" lang="ko-KR" altLang="en-US" sz="1900" smtClean="0"/>
-              <a:t>로우 데이터 형식 통일</a:t>
-            </a:r>
-            <a:endParaRPr kumimoji="1" lang="en-US" altLang="ko-KR" sz="1900" smtClean="0"/>
-          </a:p>
-          <a:p>
-            <a:pPr lvl="1">
-              <a:lnSpc>
-                <a:spcPct val="110000"/>
-              </a:lnSpc>
-            </a:pPr>
-            <a:r>
-              <a:rPr kumimoji="1" lang="ko-KR" altLang="en-US" sz="1900" smtClean="0"/>
-              <a:t>결측치 확인 및 제거</a:t>
-            </a:r>
-            <a:endParaRPr kumimoji="1" lang="en-US" altLang="ko-KR" sz="1900" smtClean="0"/>
-          </a:p>
-          <a:p>
-            <a:pPr lvl="1">
-              <a:lnSpc>
-                <a:spcPct val="110000"/>
-              </a:lnSpc>
-            </a:pPr>
-            <a:endParaRPr kumimoji="1" lang="en-US" altLang="ko-KR" sz="1900" smtClean="0"/>
-          </a:p>
-          <a:p>
-            <a:pPr marL="0" indent="0">
-              <a:lnSpc>
-                <a:spcPct val="110000"/>
-              </a:lnSpc>
-              <a:buFont typeface="Arial" pitchFamily="34" charset="0"/>
-              <a:buNone/>
-            </a:pPr>
-            <a:r>
-              <a:rPr kumimoji="1" lang="ko-KR" altLang="en-US" sz="2000" b="1" smtClean="0">
-                <a:solidFill>
-                  <a:schemeClr val="bg1"/>
-                </a:solidFill>
-                <a:highlight>
-                  <a:srgbClr val="4CAD9C"/>
-                </a:highlight>
-              </a:rPr>
-              <a:t>형태소 분석</a:t>
-            </a:r>
-            <a:r>
-              <a:rPr kumimoji="1" lang="ko-KR" altLang="en-US" sz="2000" b="1" smtClean="0">
-                <a:solidFill>
-                  <a:schemeClr val="bg1"/>
-                </a:solidFill>
-              </a:rPr>
+              <a:rPr lang="ko-KR" altLang="en-US" dirty="0" smtClean="0"/>
               <a:t> </a:t>
             </a:r>
             <a:r>
-              <a:rPr kumimoji="1" lang="en-US" altLang="ko-KR" sz="2000" smtClean="0"/>
-              <a:t>KoNLPy(Okt)</a:t>
-            </a:r>
-          </a:p>
-          <a:p>
-            <a:pPr lvl="1">
-              <a:lnSpc>
-                <a:spcPct val="110000"/>
-              </a:lnSpc>
-            </a:pPr>
-            <a:r>
-              <a:rPr kumimoji="1" lang="ko-KR" altLang="en-US" sz="2000" smtClean="0"/>
-              <a:t>제목</a:t>
+              <a:rPr lang="ko-KR" altLang="en-US" dirty="0" err="1" smtClean="0"/>
+              <a:t>전처리로</a:t>
             </a:r>
             <a:r>
-              <a:rPr kumimoji="1" lang="en-US" altLang="ko-KR" sz="2000" smtClean="0"/>
-              <a:t>(Title)</a:t>
+              <a:rPr lang="ko-KR" altLang="en-US" dirty="0" smtClean="0"/>
+              <a:t> 넣자</a:t>
+            </a:r>
+            <a:endParaRPr lang="en-US" altLang="ko-KR" dirty="0" smtClean="0"/>
+          </a:p>
+          <a:p>
+            <a:endParaRPr lang="en-US" altLang="ko-KR" dirty="0"/>
+          </a:p>
+          <a:p>
+            <a:r>
+              <a:rPr lang="ko-KR" altLang="en-US" dirty="0" smtClean="0"/>
+              <a:t>시각화를 위해 </a:t>
             </a:r>
             <a:r>
-              <a:rPr kumimoji="1" lang="ko-KR" altLang="en-US" sz="2000" smtClean="0"/>
-              <a:t>과 게시글 내용</a:t>
+              <a:rPr lang="ko-KR" altLang="en-US" dirty="0" err="1" smtClean="0"/>
+              <a:t>인스타그램</a:t>
             </a:r>
             <a:r>
-              <a:rPr kumimoji="1" lang="en-US" altLang="ko-KR" sz="2000" smtClean="0"/>
-              <a:t>(Content)</a:t>
-            </a:r>
-            <a:r>
-              <a:rPr kumimoji="1" lang="ko-KR" altLang="en-US" sz="2000" smtClean="0"/>
-              <a:t>을 분리하여 품사 태깅</a:t>
-            </a:r>
-            <a:endParaRPr kumimoji="1" lang="en-US" altLang="ko-KR" sz="2000" smtClean="0"/>
-          </a:p>
-          <a:p>
-            <a:pPr lvl="1">
-              <a:lnSpc>
-                <a:spcPct val="110000"/>
-              </a:lnSpc>
-            </a:pPr>
-            <a:r>
-              <a:rPr kumimoji="1" lang="ko-KR" altLang="en-US" sz="2000" smtClean="0"/>
-              <a:t>확인 가능한 미등록 단어를 모아 사용자 사전 생성</a:t>
-            </a:r>
-            <a:endParaRPr kumimoji="1" lang="en-US" altLang="ko-KR" sz="2000" smtClean="0"/>
-          </a:p>
-          <a:p>
-            <a:pPr lvl="2">
-              <a:lnSpc>
-                <a:spcPct val="110000"/>
-              </a:lnSpc>
-            </a:pPr>
-            <a:r>
-              <a:rPr kumimoji="1" lang="en-US" altLang="ko-KR" sz="1600" smtClean="0"/>
-              <a:t>‘</a:t>
-            </a:r>
-            <a:r>
-              <a:rPr kumimoji="1" lang="ko-KR" altLang="en-US" sz="1600" smtClean="0"/>
-              <a:t>공수처</a:t>
-            </a:r>
-            <a:r>
-              <a:rPr kumimoji="1" lang="en-US" altLang="ko-KR" sz="1600" smtClean="0"/>
-              <a:t>’,</a:t>
-            </a:r>
-            <a:r>
-              <a:rPr kumimoji="1" lang="ko-KR" altLang="en-US" sz="1600" smtClean="0"/>
+              <a:rPr lang="ko-KR" altLang="en-US" dirty="0" smtClean="0"/>
               <a:t> </a:t>
             </a:r>
             <a:r>
-              <a:rPr kumimoji="1" lang="en-US" altLang="ko-KR" sz="1600" smtClean="0"/>
-              <a:t>‘</a:t>
+              <a:rPr lang="ko-KR" altLang="en-US" dirty="0" err="1" smtClean="0"/>
+              <a:t>해쉬태그</a:t>
             </a:r>
             <a:r>
-              <a:rPr kumimoji="1" lang="ko-KR" altLang="en-US" sz="1600" smtClean="0"/>
-              <a:t>자한당</a:t>
+              <a:rPr lang="ko-KR" altLang="en-US" dirty="0" smtClean="0"/>
+              <a:t> 아이디 등등을 전처리</a:t>
             </a:r>
-            <a:r>
-              <a:rPr kumimoji="1" lang="en-US" altLang="ko-KR" sz="1600" smtClean="0"/>
-              <a:t>’,</a:t>
-            </a:r>
-            <a:r>
-              <a:rPr kumimoji="1" lang="ko-KR" altLang="en-US" sz="1600" smtClean="0"/>
-              <a:t> </a:t>
-            </a:r>
-            <a:r>
-              <a:rPr kumimoji="1" lang="en-US" altLang="ko-KR" sz="1600" smtClean="0"/>
-              <a:t>‘</a:t>
-            </a:r>
-            <a:r>
-              <a:rPr kumimoji="1" lang="ko-KR" altLang="en-US" sz="1600" smtClean="0"/>
-              <a:t>불체자</a:t>
-            </a:r>
-            <a:r>
-              <a:rPr kumimoji="1" lang="en-US" altLang="ko-KR" sz="1600" smtClean="0"/>
-              <a:t>’,</a:t>
-            </a:r>
-            <a:r>
-              <a:rPr kumimoji="1" lang="ko-KR" altLang="en-US" sz="1600" smtClean="0"/>
-              <a:t> </a:t>
-            </a:r>
-            <a:r>
-              <a:rPr kumimoji="1" lang="en-US" altLang="ko-KR" sz="1600" smtClean="0"/>
-              <a:t>‘</a:t>
-            </a:r>
-            <a:r>
-              <a:rPr kumimoji="1" lang="ko-KR" altLang="en-US" sz="1600" smtClean="0"/>
-              <a:t>학종</a:t>
-            </a:r>
-            <a:r>
-              <a:rPr kumimoji="1" lang="en-US" altLang="ko-KR" sz="1600" smtClean="0"/>
-              <a:t>’</a:t>
-            </a:r>
-            <a:r>
-              <a:rPr kumimoji="1" lang="ko-KR" altLang="en-US" sz="1600" smtClean="0"/>
-              <a:t> 등</a:t>
-            </a:r>
-            <a:endParaRPr kumimoji="1" lang="en-US" altLang="ko-KR" sz="1600" smtClean="0"/>
-          </a:p>
-          <a:p>
-            <a:pPr lvl="1">
-              <a:lnSpc>
-                <a:spcPct val="110000"/>
-              </a:lnSpc>
-            </a:pPr>
-            <a:r>
-              <a:rPr kumimoji="1" lang="en-US" altLang="ko-KR" sz="2000" smtClean="0"/>
-              <a:t>customoized KoNLPy</a:t>
-            </a:r>
-            <a:r>
-              <a:rPr kumimoji="1" lang="ko-KR" altLang="en-US" sz="2000" smtClean="0"/>
-              <a:t>를 활용하여 품사 태깅</a:t>
-            </a:r>
-            <a:endParaRPr kumimoji="1" lang="en-US" altLang="ko-KR" sz="2000" smtClean="0"/>
-          </a:p>
-          <a:p>
-            <a:pPr lvl="1">
-              <a:lnSpc>
-                <a:spcPct val="110000"/>
-              </a:lnSpc>
-            </a:pPr>
-            <a:endParaRPr kumimoji="1" lang="en-US" altLang="ko-KR" sz="2000" smtClean="0"/>
-          </a:p>
-          <a:p>
-            <a:pPr marL="0" indent="0">
-              <a:lnSpc>
-                <a:spcPct val="110000"/>
-              </a:lnSpc>
-              <a:buFont typeface="Arial" pitchFamily="34" charset="0"/>
-              <a:buNone/>
-            </a:pPr>
-            <a:r>
-              <a:rPr kumimoji="1" lang="ko-KR" altLang="en-US" sz="2100" b="1" smtClean="0">
-                <a:solidFill>
-                  <a:schemeClr val="bg1"/>
-                </a:solidFill>
-                <a:highlight>
-                  <a:srgbClr val="4CAD9C"/>
-                </a:highlight>
-              </a:rPr>
-              <a:t>불용어 제거</a:t>
-            </a:r>
-            <a:endParaRPr kumimoji="1" lang="en-US" altLang="ko-KR" sz="2100" b="1" smtClean="0">
-              <a:solidFill>
-                <a:schemeClr val="bg1"/>
-              </a:solidFill>
-              <a:highlight>
-                <a:srgbClr val="4CAD9C"/>
-              </a:highlight>
-            </a:endParaRPr>
-          </a:p>
-          <a:p>
-            <a:pPr lvl="1">
-              <a:lnSpc>
-                <a:spcPct val="110000"/>
-              </a:lnSpc>
-            </a:pPr>
-            <a:r>
-              <a:rPr kumimoji="1" lang="ko-KR" altLang="en-US" sz="2000" smtClean="0"/>
-              <a:t>플랫폼 특성을 고려하여 불용어 사전 생성</a:t>
-            </a:r>
-            <a:endParaRPr kumimoji="1" lang="en-US" altLang="ko-KR" sz="2000" smtClean="0"/>
-          </a:p>
-          <a:p>
-            <a:pPr lvl="2">
-              <a:lnSpc>
-                <a:spcPct val="110000"/>
-              </a:lnSpc>
-            </a:pPr>
-            <a:r>
-              <a:rPr kumimoji="1" lang="en-US" altLang="ko-KR" sz="1600" smtClean="0"/>
-              <a:t>’</a:t>
-            </a:r>
-            <a:r>
-              <a:rPr kumimoji="1" lang="ko-KR" altLang="en-US" sz="1600" smtClean="0"/>
-              <a:t>국민</a:t>
-            </a:r>
-            <a:r>
-              <a:rPr kumimoji="1" lang="en-US" altLang="ko-KR" sz="1600" smtClean="0"/>
-              <a:t>’,</a:t>
-            </a:r>
-            <a:r>
-              <a:rPr kumimoji="1" lang="ko-KR" altLang="en-US" sz="1600" smtClean="0"/>
-              <a:t> </a:t>
-            </a:r>
-            <a:r>
-              <a:rPr kumimoji="1" lang="en-US" altLang="ko-KR" sz="1600" smtClean="0"/>
-              <a:t>‘</a:t>
-            </a:r>
-            <a:r>
-              <a:rPr kumimoji="1" lang="ko-KR" altLang="en-US" sz="1600" smtClean="0"/>
-              <a:t>청원</a:t>
-            </a:r>
-            <a:r>
-              <a:rPr kumimoji="1" lang="en-US" altLang="ko-KR" sz="1600" smtClean="0"/>
-              <a:t>’,</a:t>
-            </a:r>
-            <a:r>
-              <a:rPr kumimoji="1" lang="ko-KR" altLang="en-US" sz="1600" smtClean="0"/>
-              <a:t> </a:t>
-            </a:r>
-            <a:r>
-              <a:rPr kumimoji="1" lang="en-US" altLang="ko-KR" sz="1600" smtClean="0"/>
-              <a:t>‘</a:t>
-            </a:r>
-            <a:r>
-              <a:rPr kumimoji="1" lang="ko-KR" altLang="en-US" sz="1600" smtClean="0"/>
-              <a:t>한국</a:t>
-            </a:r>
-            <a:r>
-              <a:rPr kumimoji="1" lang="en-US" altLang="ko-KR" sz="1600" smtClean="0"/>
-              <a:t>’,</a:t>
-            </a:r>
-            <a:r>
-              <a:rPr kumimoji="1" lang="ko-KR" altLang="en-US" sz="1600" smtClean="0"/>
-              <a:t> </a:t>
-            </a:r>
-            <a:r>
-              <a:rPr kumimoji="1" lang="en-US" altLang="ko-KR" sz="1600" smtClean="0"/>
-              <a:t>‘</a:t>
-            </a:r>
-            <a:r>
-              <a:rPr kumimoji="1" lang="ko-KR" altLang="en-US" sz="1600" smtClean="0"/>
-              <a:t>정부</a:t>
-            </a:r>
-            <a:r>
-              <a:rPr kumimoji="1" lang="en-US" altLang="ko-KR" sz="1600" smtClean="0"/>
-              <a:t>’,</a:t>
-            </a:r>
-            <a:r>
-              <a:rPr kumimoji="1" lang="ko-KR" altLang="en-US" sz="1600" smtClean="0"/>
-              <a:t> </a:t>
-            </a:r>
-            <a:r>
-              <a:rPr kumimoji="1" lang="en-US" altLang="ko-KR" sz="1600" smtClean="0"/>
-              <a:t>‘</a:t>
-            </a:r>
-            <a:r>
-              <a:rPr kumimoji="1" lang="ko-KR" altLang="en-US" sz="1600" smtClean="0"/>
-              <a:t>대한민국</a:t>
-            </a:r>
-            <a:r>
-              <a:rPr kumimoji="1" lang="en-US" altLang="ko-KR" sz="1600" smtClean="0"/>
-              <a:t>’</a:t>
-            </a:r>
-            <a:r>
-              <a:rPr kumimoji="1" lang="ko-KR" altLang="en-US" sz="1600" smtClean="0"/>
-              <a:t> 등</a:t>
-            </a:r>
-            <a:endParaRPr kumimoji="1" lang="en-US" altLang="ko-KR" sz="1600" smtClean="0"/>
-          </a:p>
-          <a:p>
-            <a:pPr lvl="2">
-              <a:lnSpc>
-                <a:spcPct val="110000"/>
-              </a:lnSpc>
-            </a:pPr>
-            <a:endParaRPr kumimoji="1" lang="en-US" altLang="ko-KR" sz="1600" smtClean="0"/>
-          </a:p>
-          <a:p>
-            <a:pPr>
-              <a:lnSpc>
-                <a:spcPct val="110000"/>
-              </a:lnSpc>
-            </a:pPr>
-            <a:r>
-              <a:rPr kumimoji="1" lang="ko-KR" altLang="en-US" sz="2400" smtClean="0"/>
-              <a:t>불용어가 제거된 품사별</a:t>
-            </a:r>
-            <a:r>
-              <a:rPr kumimoji="1" lang="en-US" altLang="ko-KR" sz="2400" smtClean="0"/>
-              <a:t>(</a:t>
-            </a:r>
-            <a:r>
-              <a:rPr kumimoji="1" lang="ko-KR" altLang="en-US" sz="2400" smtClean="0"/>
-              <a:t>명사</a:t>
-            </a:r>
-            <a:r>
-              <a:rPr kumimoji="1" lang="en-US" altLang="ko-KR" sz="2400" smtClean="0"/>
-              <a:t>,</a:t>
-            </a:r>
-            <a:r>
-              <a:rPr kumimoji="1" lang="ko-KR" altLang="en-US" sz="2400" smtClean="0"/>
-              <a:t> 형용사</a:t>
-            </a:r>
-            <a:r>
-              <a:rPr kumimoji="1" lang="en-US" altLang="ko-KR" sz="2400" smtClean="0"/>
-              <a:t>,</a:t>
-            </a:r>
-            <a:r>
-              <a:rPr kumimoji="1" lang="ko-KR" altLang="en-US" sz="2400" smtClean="0"/>
-              <a:t> 동사</a:t>
-            </a:r>
-            <a:r>
-              <a:rPr kumimoji="1" lang="en-US" altLang="ko-KR" sz="2400" smtClean="0"/>
-              <a:t>)</a:t>
-            </a:r>
-            <a:r>
-              <a:rPr kumimoji="1" lang="ko-KR" altLang="en-US" sz="2400" smtClean="0"/>
-              <a:t> 텍스트 파일로 저장 후 명사만 선택</a:t>
-            </a:r>
-            <a:endParaRPr kumimoji="1" lang="en-US" altLang="ko-KR" sz="2400" smtClean="0"/>
-          </a:p>
-          <a:p>
-            <a:endParaRPr kumimoji="1" lang="en-US" altLang="ko-KR" smtClean="0"/>
-          </a:p>
-          <a:p>
-            <a:pPr marL="457200" lvl="1" indent="0">
-              <a:buFont typeface="Arial" pitchFamily="34" charset="0"/>
-              <a:buNone/>
-            </a:pPr>
-            <a:endParaRPr kumimoji="1" lang="ko-KR" altLang="en-US" dirty="0"/>
+            <a:endParaRPr lang="en-US" altLang="ko-KR" dirty="0" smtClean="0"/>
           </a:p>
         </p:txBody>
       </p:sp>
     </p:spTree>
     <p:extLst>
       <p:ext uri="{BB962C8B-B14F-4D97-AF65-F5344CB8AC3E}">
-        <p14:creationId xmlns:p14="http://schemas.microsoft.com/office/powerpoint/2010/main" val="3557578185"/>
+        <p14:creationId xmlns:p14="http://schemas.microsoft.com/office/powerpoint/2010/main" val="2958441775"/>
       </p:ext>
     </p:extLst>
   </p:cSld>
@@ -23523,7 +23907,7 @@
 </p:sld>
 </file>
 
-<file path=ppt/slides/slide18.xml><?xml version="1.0" encoding="utf-8"?>
+<file path=ppt/slides/slide19.xml><?xml version="1.0" encoding="utf-8"?>
 <p:sld xmlns:a="http://schemas.openxmlformats.org/drawingml/2006/main" xmlns:r="http://schemas.openxmlformats.org/officeDocument/2006/relationships" xmlns:p="http://schemas.openxmlformats.org/presentationml/2006/main">
   <p:cSld>
     <p:spTree>
@@ -24198,7 +24582,311 @@
 </p:sld>
 </file>
 
-<file path=ppt/slides/slide19.xml><?xml version="1.0" encoding="utf-8"?>
+<file path=ppt/slides/slide2.xml><?xml version="1.0" encoding="utf-8"?>
+<p:sld xmlns:a="http://schemas.openxmlformats.org/drawingml/2006/main" xmlns:r="http://schemas.openxmlformats.org/officeDocument/2006/relationships" xmlns:p="http://schemas.openxmlformats.org/presentationml/2006/main">
+  <p:cSld>
+    <p:spTree>
+      <p:nvGrpSpPr>
+        <p:cNvPr id="1" name=""/>
+        <p:cNvGrpSpPr/>
+        <p:nvPr/>
+      </p:nvGrpSpPr>
+      <p:grpSpPr>
+        <a:xfrm>
+          <a:off x="0" y="0"/>
+          <a:ext cx="0" cy="0"/>
+          <a:chOff x="0" y="0"/>
+          <a:chExt cx="0" cy="0"/>
+        </a:xfrm>
+      </p:grpSpPr>
+      <p:sp>
+        <p:nvSpPr>
+          <p:cNvPr id="2" name="직사각형 1"/>
+          <p:cNvSpPr/>
+          <p:nvPr/>
+        </p:nvSpPr>
+        <p:spPr>
+          <a:xfrm>
+            <a:off x="251520" y="620688"/>
+            <a:ext cx="8640960" cy="5976664"/>
+          </a:xfrm>
+          <a:prstGeom prst="rect">
+            <a:avLst/>
+          </a:prstGeom>
+          <a:solidFill>
+            <a:schemeClr val="bg1"/>
+          </a:solidFill>
+          <a:ln>
+            <a:noFill/>
+          </a:ln>
+        </p:spPr>
+        <p:style>
+          <a:lnRef idx="2">
+            <a:schemeClr val="accent1">
+              <a:shade val="50000"/>
+            </a:schemeClr>
+          </a:lnRef>
+          <a:fillRef idx="1">
+            <a:schemeClr val="accent1"/>
+          </a:fillRef>
+          <a:effectRef idx="0">
+            <a:schemeClr val="accent1"/>
+          </a:effectRef>
+          <a:fontRef idx="minor">
+            <a:schemeClr val="lt1"/>
+          </a:fontRef>
+        </p:style>
+        <p:txBody>
+          <a:bodyPr rtlCol="0" anchor="ctr"/>
+          <a:lstStyle/>
+          <a:p>
+            <a:pPr algn="ctr"/>
+            <a:endParaRPr lang="ko-KR" altLang="en-US"/>
+          </a:p>
+        </p:txBody>
+      </p:sp>
+      <p:sp>
+        <p:nvSpPr>
+          <p:cNvPr id="21" name="TextBox 20"/>
+          <p:cNvSpPr txBox="1"/>
+          <p:nvPr/>
+        </p:nvSpPr>
+        <p:spPr>
+          <a:xfrm>
+            <a:off x="2483768" y="1412776"/>
+            <a:ext cx="4176464" cy="369332"/>
+          </a:xfrm>
+          <a:prstGeom prst="rect">
+            <a:avLst/>
+          </a:prstGeom>
+          <a:noFill/>
+        </p:spPr>
+        <p:txBody>
+          <a:bodyPr wrap="square" rtlCol="0">
+            <a:spAutoFit/>
+          </a:bodyPr>
+          <a:lstStyle/>
+          <a:p>
+            <a:pPr algn="ctr"/>
+            <a:r>
+              <a:rPr lang="en-US" altLang="ko-KR" b="1" spc="-150" dirty="0" smtClean="0">
+                <a:solidFill>
+                  <a:schemeClr val="tx2"/>
+                </a:solidFill>
+              </a:rPr>
+              <a:t>[ </a:t>
+            </a:r>
+            <a:r>
+              <a:rPr lang="ko-KR" altLang="en-US" b="1" spc="-150" dirty="0" smtClean="0">
+                <a:solidFill>
+                  <a:schemeClr val="tx2"/>
+                </a:solidFill>
+              </a:rPr>
+              <a:t>조원소개 및 역할 </a:t>
+            </a:r>
+            <a:r>
+              <a:rPr lang="en-US" altLang="ko-KR" b="1" spc="-150" dirty="0" smtClean="0">
+                <a:solidFill>
+                  <a:schemeClr val="tx2"/>
+                </a:solidFill>
+              </a:rPr>
+              <a:t>]</a:t>
+            </a:r>
+            <a:endParaRPr lang="ko-KR" altLang="en-US" b="1" spc="-150" dirty="0">
+              <a:solidFill>
+                <a:schemeClr val="tx2"/>
+              </a:solidFill>
+            </a:endParaRPr>
+          </a:p>
+        </p:txBody>
+      </p:sp>
+      <p:sp>
+        <p:nvSpPr>
+          <p:cNvPr id="27" name="TextBox 26"/>
+          <p:cNvSpPr txBox="1"/>
+          <p:nvPr/>
+        </p:nvSpPr>
+        <p:spPr>
+          <a:xfrm>
+            <a:off x="683568" y="2204864"/>
+            <a:ext cx="7488832" cy="646331"/>
+          </a:xfrm>
+          <a:prstGeom prst="rect">
+            <a:avLst/>
+          </a:prstGeom>
+          <a:noFill/>
+        </p:spPr>
+        <p:txBody>
+          <a:bodyPr wrap="square" rtlCol="0">
+            <a:spAutoFit/>
+          </a:bodyPr>
+          <a:lstStyle/>
+          <a:p>
+            <a:endParaRPr lang="ko-KR" altLang="en-US" dirty="0" smtClean="0"/>
+          </a:p>
+          <a:p>
+            <a:endParaRPr lang="ko-KR" altLang="en-US" dirty="0"/>
+          </a:p>
+        </p:txBody>
+      </p:sp>
+      <p:graphicFrame>
+        <p:nvGraphicFramePr>
+          <p:cNvPr id="29" name="다이어그램 28"/>
+          <p:cNvGraphicFramePr/>
+          <p:nvPr>
+            <p:extLst>
+              <p:ext uri="{D42A27DB-BD31-4B8C-83A1-F6EECF244321}">
+                <p14:modId xmlns:p14="http://schemas.microsoft.com/office/powerpoint/2010/main" val="3861921337"/>
+              </p:ext>
+            </p:extLst>
+          </p:nvPr>
+        </p:nvGraphicFramePr>
+        <p:xfrm>
+          <a:off x="1187624" y="2101304"/>
+          <a:ext cx="6936432" cy="4064000"/>
+        </p:xfrm>
+        <a:graphic>
+          <a:graphicData uri="http://schemas.openxmlformats.org/drawingml/2006/diagram">
+            <dgm:relIds xmlns:dgm="http://schemas.openxmlformats.org/drawingml/2006/diagram" xmlns:r="http://schemas.openxmlformats.org/officeDocument/2006/relationships" r:dm="rId3" r:lo="rId4" r:qs="rId5" r:cs="rId6"/>
+          </a:graphicData>
+        </a:graphic>
+      </p:graphicFrame>
+      <p:sp>
+        <p:nvSpPr>
+          <p:cNvPr id="13" name="TextBox 12"/>
+          <p:cNvSpPr txBox="1"/>
+          <p:nvPr/>
+        </p:nvSpPr>
+        <p:spPr>
+          <a:xfrm>
+            <a:off x="5364088" y="271681"/>
+            <a:ext cx="3600400" cy="276999"/>
+          </a:xfrm>
+          <a:prstGeom prst="rect">
+            <a:avLst/>
+          </a:prstGeom>
+          <a:noFill/>
+        </p:spPr>
+        <p:txBody>
+          <a:bodyPr wrap="square" rtlCol="0">
+            <a:spAutoFit/>
+          </a:bodyPr>
+          <a:lstStyle/>
+          <a:p>
+            <a:pPr algn="dist"/>
+            <a:r>
+              <a:rPr lang="ko-KR" altLang="en-US" sz="1200" dirty="0" smtClean="0">
+                <a:solidFill>
+                  <a:schemeClr val="bg1"/>
+                </a:solidFill>
+              </a:rPr>
+              <a:t>과목이름이나 영문타이틀</a:t>
+            </a:r>
+          </a:p>
+        </p:txBody>
+      </p:sp>
+      <p:sp>
+        <p:nvSpPr>
+          <p:cNvPr id="14" name="직사각형 13"/>
+          <p:cNvSpPr/>
+          <p:nvPr/>
+        </p:nvSpPr>
+        <p:spPr>
+          <a:xfrm>
+            <a:off x="219463" y="271681"/>
+            <a:ext cx="1297150" cy="276999"/>
+          </a:xfrm>
+          <a:prstGeom prst="rect">
+            <a:avLst/>
+          </a:prstGeom>
+        </p:spPr>
+        <p:txBody>
+          <a:bodyPr wrap="none">
+            <a:spAutoFit/>
+          </a:bodyPr>
+          <a:lstStyle/>
+          <a:p>
+            <a:pPr algn="ctr"/>
+            <a:r>
+              <a:rPr lang="ko-KR" altLang="en-US" sz="1200" b="1" spc="-150" dirty="0" smtClean="0">
+                <a:solidFill>
+                  <a:schemeClr val="bg1"/>
+                </a:solidFill>
+              </a:rPr>
+              <a:t>제목을 입력하세요</a:t>
+            </a:r>
+            <a:endParaRPr lang="ko-KR" altLang="en-US" sz="1200" b="1" spc="-150" dirty="0">
+              <a:solidFill>
+                <a:schemeClr val="bg1"/>
+              </a:solidFill>
+            </a:endParaRPr>
+          </a:p>
+        </p:txBody>
+      </p:sp>
+      <p:sp>
+        <p:nvSpPr>
+          <p:cNvPr id="15" name="TextBox 14"/>
+          <p:cNvSpPr txBox="1"/>
+          <p:nvPr/>
+        </p:nvSpPr>
+        <p:spPr>
+          <a:xfrm>
+            <a:off x="7164288" y="6546830"/>
+            <a:ext cx="1728192" cy="338554"/>
+          </a:xfrm>
+          <a:prstGeom prst="rect">
+            <a:avLst/>
+          </a:prstGeom>
+          <a:noFill/>
+        </p:spPr>
+        <p:txBody>
+          <a:bodyPr wrap="square" rtlCol="0">
+            <a:spAutoFit/>
+          </a:bodyPr>
+          <a:lstStyle/>
+          <a:p>
+            <a:pPr algn="r"/>
+            <a:r>
+              <a:rPr lang="en-US" altLang="ko-KR" sz="1600" dirty="0" smtClean="0">
+                <a:solidFill>
+                  <a:schemeClr val="bg1">
+                    <a:lumMod val="75000"/>
+                  </a:schemeClr>
+                </a:solidFill>
+              </a:rPr>
+              <a:t>MINHEEBLOG</a:t>
+            </a:r>
+            <a:endParaRPr lang="ko-KR" altLang="en-US" sz="1600" dirty="0">
+              <a:solidFill>
+                <a:schemeClr val="bg1">
+                  <a:lumMod val="75000"/>
+                </a:schemeClr>
+              </a:solidFill>
+            </a:endParaRPr>
+          </a:p>
+        </p:txBody>
+      </p:sp>
+    </p:spTree>
+    <p:extLst>
+      <p:ext uri="{BB962C8B-B14F-4D97-AF65-F5344CB8AC3E}">
+        <p14:creationId xmlns:p14="http://schemas.microsoft.com/office/powerpoint/2010/main" val="2649028908"/>
+      </p:ext>
+    </p:extLst>
+  </p:cSld>
+  <p:clrMapOvr>
+    <a:masterClrMapping/>
+  </p:clrMapOvr>
+  <p:timing>
+    <p:tnLst>
+      <p:par>
+        <p:cTn id="1" dur="indefinite" restart="never" nodeType="tmRoot"/>
+      </p:par>
+    </p:tnLst>
+  </p:timing>
+</p:sld>
+</file>
+
+<file path=ppt/slides/slide20.xml><?xml version="1.0" encoding="utf-8"?>
 <p:sld xmlns:a="http://schemas.openxmlformats.org/drawingml/2006/main" xmlns:r="http://schemas.openxmlformats.org/officeDocument/2006/relationships" xmlns:p="http://schemas.openxmlformats.org/presentationml/2006/main">
   <p:cSld>
     <p:spTree>
@@ -24873,1117 +25561,7 @@
 </p:sld>
 </file>
 
-<file path=ppt/slides/slide2.xml><?xml version="1.0" encoding="utf-8"?>
-<p:sld xmlns:a="http://schemas.openxmlformats.org/drawingml/2006/main" xmlns:r="http://schemas.openxmlformats.org/officeDocument/2006/relationships" xmlns:p="http://schemas.openxmlformats.org/presentationml/2006/main">
-  <p:cSld>
-    <p:spTree>
-      <p:nvGrpSpPr>
-        <p:cNvPr id="1" name=""/>
-        <p:cNvGrpSpPr/>
-        <p:nvPr/>
-      </p:nvGrpSpPr>
-      <p:grpSpPr>
-        <a:xfrm>
-          <a:off x="0" y="0"/>
-          <a:ext cx="0" cy="0"/>
-          <a:chOff x="0" y="0"/>
-          <a:chExt cx="0" cy="0"/>
-        </a:xfrm>
-      </p:grpSpPr>
-      <p:sp>
-        <p:nvSpPr>
-          <p:cNvPr id="18" name="직사각형 17"/>
-          <p:cNvSpPr/>
-          <p:nvPr/>
-        </p:nvSpPr>
-        <p:spPr>
-          <a:xfrm>
-            <a:off x="395536" y="3284984"/>
-            <a:ext cx="1368152" cy="1944216"/>
-          </a:xfrm>
-          <a:prstGeom prst="rect">
-            <a:avLst/>
-          </a:prstGeom>
-          <a:solidFill>
-            <a:schemeClr val="bg1">
-              <a:alpha val="80000"/>
-            </a:schemeClr>
-          </a:solidFill>
-          <a:ln>
-            <a:noFill/>
-          </a:ln>
-        </p:spPr>
-        <p:style>
-          <a:lnRef idx="2">
-            <a:schemeClr val="accent1">
-              <a:shade val="50000"/>
-            </a:schemeClr>
-          </a:lnRef>
-          <a:fillRef idx="1">
-            <a:schemeClr val="accent1"/>
-          </a:fillRef>
-          <a:effectRef idx="0">
-            <a:schemeClr val="accent1"/>
-          </a:effectRef>
-          <a:fontRef idx="minor">
-            <a:schemeClr val="lt1"/>
-          </a:fontRef>
-        </p:style>
-        <p:txBody>
-          <a:bodyPr rtlCol="0" anchor="ctr"/>
-          <a:lstStyle/>
-          <a:p>
-            <a:pPr algn="ctr"/>
-            <a:endParaRPr lang="ko-KR" altLang="en-US" b="1"/>
-          </a:p>
-        </p:txBody>
-      </p:sp>
-      <p:sp>
-        <p:nvSpPr>
-          <p:cNvPr id="7" name="TextBox 6"/>
-          <p:cNvSpPr txBox="1"/>
-          <p:nvPr/>
-        </p:nvSpPr>
-        <p:spPr>
-          <a:xfrm>
-            <a:off x="323528" y="548680"/>
-            <a:ext cx="4176464" cy="461665"/>
-          </a:xfrm>
-          <a:prstGeom prst="rect">
-            <a:avLst/>
-          </a:prstGeom>
-          <a:noFill/>
-        </p:spPr>
-        <p:txBody>
-          <a:bodyPr wrap="square" rtlCol="0">
-            <a:spAutoFit/>
-          </a:bodyPr>
-          <a:lstStyle/>
-          <a:p>
-            <a:r>
-              <a:rPr lang="en-US" altLang="ko-KR" sz="2400" b="1" dirty="0" smtClean="0">
-                <a:solidFill>
-                  <a:schemeClr val="bg1"/>
-                </a:solidFill>
-              </a:rPr>
-              <a:t>CONTENTS</a:t>
-            </a:r>
-            <a:endParaRPr lang="ko-KR" altLang="en-US" sz="2400" b="1" dirty="0">
-              <a:solidFill>
-                <a:schemeClr val="bg1"/>
-              </a:solidFill>
-            </a:endParaRPr>
-          </a:p>
-        </p:txBody>
-      </p:sp>
-      <p:sp>
-        <p:nvSpPr>
-          <p:cNvPr id="9" name="TextBox 8"/>
-          <p:cNvSpPr txBox="1"/>
-          <p:nvPr/>
-        </p:nvSpPr>
-        <p:spPr>
-          <a:xfrm>
-            <a:off x="384903" y="1772816"/>
-            <a:ext cx="8496944" cy="923330"/>
-          </a:xfrm>
-          <a:prstGeom prst="rect">
-            <a:avLst/>
-          </a:prstGeom>
-          <a:noFill/>
-        </p:spPr>
-        <p:txBody>
-          <a:bodyPr wrap="square" rtlCol="0">
-            <a:spAutoFit/>
-          </a:bodyPr>
-          <a:lstStyle/>
-          <a:p>
-            <a:r>
-              <a:rPr lang="en-US" altLang="ko-KR" sz="5400" dirty="0" smtClean="0">
-                <a:solidFill>
-                  <a:schemeClr val="bg1"/>
-                </a:solidFill>
-                <a:latin typeface="HY헤드라인M" pitchFamily="18" charset="-127"/>
-                <a:ea typeface="HY헤드라인M" pitchFamily="18" charset="-127"/>
-              </a:rPr>
-              <a:t>01    02    03    04    05</a:t>
-            </a:r>
-            <a:endParaRPr lang="ko-KR" altLang="en-US" sz="5400" dirty="0">
-              <a:solidFill>
-                <a:schemeClr val="bg1"/>
-              </a:solidFill>
-              <a:latin typeface="HY헤드라인M" pitchFamily="18" charset="-127"/>
-              <a:ea typeface="HY헤드라인M" pitchFamily="18" charset="-127"/>
-            </a:endParaRPr>
-          </a:p>
-        </p:txBody>
-      </p:sp>
-      <p:cxnSp>
-        <p:nvCxnSpPr>
-          <p:cNvPr id="11" name="직선 연결선 10"/>
-          <p:cNvCxnSpPr/>
-          <p:nvPr/>
-        </p:nvCxnSpPr>
-        <p:spPr>
-          <a:xfrm>
-            <a:off x="528919" y="2708920"/>
-            <a:ext cx="1152128" cy="0"/>
-          </a:xfrm>
-          <a:prstGeom prst="line">
-            <a:avLst/>
-          </a:prstGeom>
-          <a:ln>
-            <a:solidFill>
-              <a:schemeClr val="bg1"/>
-            </a:solidFill>
-          </a:ln>
-        </p:spPr>
-        <p:style>
-          <a:lnRef idx="1">
-            <a:schemeClr val="accent1"/>
-          </a:lnRef>
-          <a:fillRef idx="0">
-            <a:schemeClr val="accent1"/>
-          </a:fillRef>
-          <a:effectRef idx="0">
-            <a:schemeClr val="accent1"/>
-          </a:effectRef>
-          <a:fontRef idx="minor">
-            <a:schemeClr val="tx1"/>
-          </a:fontRef>
-        </p:style>
-      </p:cxnSp>
-      <p:cxnSp>
-        <p:nvCxnSpPr>
-          <p:cNvPr id="12" name="직선 연결선 11"/>
-          <p:cNvCxnSpPr/>
-          <p:nvPr/>
-        </p:nvCxnSpPr>
-        <p:spPr>
-          <a:xfrm>
-            <a:off x="2195736" y="2708920"/>
-            <a:ext cx="1152128" cy="0"/>
-          </a:xfrm>
-          <a:prstGeom prst="line">
-            <a:avLst/>
-          </a:prstGeom>
-          <a:ln>
-            <a:solidFill>
-              <a:schemeClr val="bg1"/>
-            </a:solidFill>
-          </a:ln>
-        </p:spPr>
-        <p:style>
-          <a:lnRef idx="1">
-            <a:schemeClr val="accent1"/>
-          </a:lnRef>
-          <a:fillRef idx="0">
-            <a:schemeClr val="accent1"/>
-          </a:fillRef>
-          <a:effectRef idx="0">
-            <a:schemeClr val="accent1"/>
-          </a:effectRef>
-          <a:fontRef idx="minor">
-            <a:schemeClr val="tx1"/>
-          </a:fontRef>
-        </p:style>
-      </p:cxnSp>
-      <p:cxnSp>
-        <p:nvCxnSpPr>
-          <p:cNvPr id="13" name="직선 연결선 12"/>
-          <p:cNvCxnSpPr/>
-          <p:nvPr/>
-        </p:nvCxnSpPr>
-        <p:spPr>
-          <a:xfrm>
-            <a:off x="3923928" y="2708920"/>
-            <a:ext cx="1152128" cy="0"/>
-          </a:xfrm>
-          <a:prstGeom prst="line">
-            <a:avLst/>
-          </a:prstGeom>
-          <a:ln>
-            <a:solidFill>
-              <a:schemeClr val="bg1"/>
-            </a:solidFill>
-          </a:ln>
-        </p:spPr>
-        <p:style>
-          <a:lnRef idx="1">
-            <a:schemeClr val="accent1"/>
-          </a:lnRef>
-          <a:fillRef idx="0">
-            <a:schemeClr val="accent1"/>
-          </a:fillRef>
-          <a:effectRef idx="0">
-            <a:schemeClr val="accent1"/>
-          </a:effectRef>
-          <a:fontRef idx="minor">
-            <a:schemeClr val="tx1"/>
-          </a:fontRef>
-        </p:style>
-      </p:cxnSp>
-      <p:cxnSp>
-        <p:nvCxnSpPr>
-          <p:cNvPr id="14" name="직선 연결선 13"/>
-          <p:cNvCxnSpPr/>
-          <p:nvPr/>
-        </p:nvCxnSpPr>
-        <p:spPr>
-          <a:xfrm>
-            <a:off x="5652120" y="2708920"/>
-            <a:ext cx="1152128" cy="0"/>
-          </a:xfrm>
-          <a:prstGeom prst="line">
-            <a:avLst/>
-          </a:prstGeom>
-          <a:ln>
-            <a:solidFill>
-              <a:schemeClr val="bg1"/>
-            </a:solidFill>
-          </a:ln>
-        </p:spPr>
-        <p:style>
-          <a:lnRef idx="1">
-            <a:schemeClr val="accent1"/>
-          </a:lnRef>
-          <a:fillRef idx="0">
-            <a:schemeClr val="accent1"/>
-          </a:fillRef>
-          <a:effectRef idx="0">
-            <a:schemeClr val="accent1"/>
-          </a:effectRef>
-          <a:fontRef idx="minor">
-            <a:schemeClr val="tx1"/>
-          </a:fontRef>
-        </p:style>
-      </p:cxnSp>
-      <p:cxnSp>
-        <p:nvCxnSpPr>
-          <p:cNvPr id="15" name="직선 연결선 14"/>
-          <p:cNvCxnSpPr/>
-          <p:nvPr/>
-        </p:nvCxnSpPr>
-        <p:spPr>
-          <a:xfrm>
-            <a:off x="7380312" y="2708920"/>
-            <a:ext cx="1152128" cy="0"/>
-          </a:xfrm>
-          <a:prstGeom prst="line">
-            <a:avLst/>
-          </a:prstGeom>
-          <a:ln>
-            <a:solidFill>
-              <a:schemeClr val="bg1"/>
-            </a:solidFill>
-          </a:ln>
-        </p:spPr>
-        <p:style>
-          <a:lnRef idx="1">
-            <a:schemeClr val="accent1"/>
-          </a:lnRef>
-          <a:fillRef idx="0">
-            <a:schemeClr val="accent1"/>
-          </a:fillRef>
-          <a:effectRef idx="0">
-            <a:schemeClr val="accent1"/>
-          </a:effectRef>
-          <a:fontRef idx="minor">
-            <a:schemeClr val="tx1"/>
-          </a:fontRef>
-        </p:style>
-      </p:cxnSp>
-      <p:sp>
-        <p:nvSpPr>
-          <p:cNvPr id="16" name="TextBox 15"/>
-          <p:cNvSpPr txBox="1"/>
-          <p:nvPr/>
-        </p:nvSpPr>
-        <p:spPr>
-          <a:xfrm>
-            <a:off x="393113" y="2843644"/>
-            <a:ext cx="1368152" cy="369332"/>
-          </a:xfrm>
-          <a:prstGeom prst="rect">
-            <a:avLst/>
-          </a:prstGeom>
-          <a:noFill/>
-        </p:spPr>
-        <p:txBody>
-          <a:bodyPr wrap="square" rtlCol="0">
-            <a:spAutoFit/>
-          </a:bodyPr>
-          <a:lstStyle/>
-          <a:p>
-            <a:pPr algn="ctr"/>
-            <a:r>
-              <a:rPr lang="ko-KR" altLang="en-US" b="1" spc="-150" dirty="0" smtClean="0">
-                <a:solidFill>
-                  <a:schemeClr val="bg1"/>
-                </a:solidFill>
-                <a:latin typeface="+mj-ea"/>
-                <a:ea typeface="+mj-ea"/>
-              </a:rPr>
-              <a:t>소개</a:t>
-            </a:r>
-            <a:endParaRPr lang="ko-KR" altLang="en-US" b="1" spc="-150" dirty="0">
-              <a:solidFill>
-                <a:schemeClr val="bg1"/>
-              </a:solidFill>
-              <a:latin typeface="+mj-ea"/>
-              <a:ea typeface="+mj-ea"/>
-            </a:endParaRPr>
-          </a:p>
-        </p:txBody>
-      </p:sp>
-      <p:sp>
-        <p:nvSpPr>
-          <p:cNvPr id="17" name="TextBox 16"/>
-          <p:cNvSpPr txBox="1"/>
-          <p:nvPr/>
-        </p:nvSpPr>
-        <p:spPr>
-          <a:xfrm>
-            <a:off x="395536" y="3429000"/>
-            <a:ext cx="1368152" cy="1015663"/>
-          </a:xfrm>
-          <a:prstGeom prst="rect">
-            <a:avLst/>
-          </a:prstGeom>
-          <a:noFill/>
-        </p:spPr>
-        <p:txBody>
-          <a:bodyPr wrap="square" rtlCol="0">
-            <a:spAutoFit/>
-          </a:bodyPr>
-          <a:lstStyle/>
-          <a:p>
-            <a:r>
-              <a:rPr lang="en-US" altLang="ko-KR" sz="1200" b="1" spc="-150" dirty="0" smtClean="0"/>
-              <a:t>- </a:t>
-            </a:r>
-            <a:r>
-              <a:rPr lang="ko-KR" altLang="en-US" sz="1200" b="1" spc="-150" dirty="0" smtClean="0"/>
-              <a:t>소제목</a:t>
-            </a:r>
-          </a:p>
-          <a:p>
-            <a:endParaRPr lang="en-US" altLang="ko-KR" sz="1200" b="1" spc="-150" dirty="0" smtClean="0"/>
-          </a:p>
-          <a:p>
-            <a:r>
-              <a:rPr lang="en-US" altLang="ko-KR" sz="1200" b="1" spc="-150" dirty="0" smtClean="0"/>
-              <a:t>- </a:t>
-            </a:r>
-            <a:r>
-              <a:rPr lang="ko-KR" altLang="en-US" sz="1200" b="1" spc="-150" dirty="0" smtClean="0"/>
-              <a:t>소제목</a:t>
-            </a:r>
-            <a:endParaRPr lang="en-US" altLang="ko-KR" sz="1200" b="1" spc="-150" dirty="0" smtClean="0"/>
-          </a:p>
-          <a:p>
-            <a:pPr>
-              <a:buFontTx/>
-              <a:buChar char="-"/>
-            </a:pPr>
-            <a:endParaRPr lang="en-US" altLang="ko-KR" sz="1200" b="1" spc="-150" dirty="0" smtClean="0"/>
-          </a:p>
-          <a:p>
-            <a:r>
-              <a:rPr lang="en-US" altLang="ko-KR" sz="1200" b="1" spc="-150" dirty="0" smtClean="0"/>
-              <a:t>- </a:t>
-            </a:r>
-            <a:r>
-              <a:rPr lang="ko-KR" altLang="en-US" sz="1200" b="1" spc="-150" dirty="0" smtClean="0"/>
-              <a:t>소제목</a:t>
-            </a:r>
-          </a:p>
-        </p:txBody>
-      </p:sp>
-      <p:sp>
-        <p:nvSpPr>
-          <p:cNvPr id="19" name="직사각형 18"/>
-          <p:cNvSpPr/>
-          <p:nvPr/>
-        </p:nvSpPr>
-        <p:spPr>
-          <a:xfrm>
-            <a:off x="2123728" y="3284984"/>
-            <a:ext cx="1368152" cy="1944216"/>
-          </a:xfrm>
-          <a:prstGeom prst="rect">
-            <a:avLst/>
-          </a:prstGeom>
-          <a:solidFill>
-            <a:schemeClr val="bg1">
-              <a:alpha val="80000"/>
-            </a:schemeClr>
-          </a:solidFill>
-          <a:ln>
-            <a:noFill/>
-          </a:ln>
-        </p:spPr>
-        <p:style>
-          <a:lnRef idx="2">
-            <a:schemeClr val="accent1">
-              <a:shade val="50000"/>
-            </a:schemeClr>
-          </a:lnRef>
-          <a:fillRef idx="1">
-            <a:schemeClr val="accent1"/>
-          </a:fillRef>
-          <a:effectRef idx="0">
-            <a:schemeClr val="accent1"/>
-          </a:effectRef>
-          <a:fontRef idx="minor">
-            <a:schemeClr val="lt1"/>
-          </a:fontRef>
-        </p:style>
-        <p:txBody>
-          <a:bodyPr rtlCol="0" anchor="ctr"/>
-          <a:lstStyle/>
-          <a:p>
-            <a:pPr algn="ctr"/>
-            <a:endParaRPr lang="ko-KR" altLang="en-US" b="1"/>
-          </a:p>
-        </p:txBody>
-      </p:sp>
-      <p:sp>
-        <p:nvSpPr>
-          <p:cNvPr id="20" name="직사각형 19"/>
-          <p:cNvSpPr/>
-          <p:nvPr/>
-        </p:nvSpPr>
-        <p:spPr>
-          <a:xfrm>
-            <a:off x="3851920" y="3284984"/>
-            <a:ext cx="1368152" cy="1944216"/>
-          </a:xfrm>
-          <a:prstGeom prst="rect">
-            <a:avLst/>
-          </a:prstGeom>
-          <a:solidFill>
-            <a:schemeClr val="bg1">
-              <a:alpha val="80000"/>
-            </a:schemeClr>
-          </a:solidFill>
-          <a:ln>
-            <a:noFill/>
-          </a:ln>
-        </p:spPr>
-        <p:style>
-          <a:lnRef idx="2">
-            <a:schemeClr val="accent1">
-              <a:shade val="50000"/>
-            </a:schemeClr>
-          </a:lnRef>
-          <a:fillRef idx="1">
-            <a:schemeClr val="accent1"/>
-          </a:fillRef>
-          <a:effectRef idx="0">
-            <a:schemeClr val="accent1"/>
-          </a:effectRef>
-          <a:fontRef idx="minor">
-            <a:schemeClr val="lt1"/>
-          </a:fontRef>
-        </p:style>
-        <p:txBody>
-          <a:bodyPr rtlCol="0" anchor="ctr"/>
-          <a:lstStyle/>
-          <a:p>
-            <a:pPr algn="ctr"/>
-            <a:endParaRPr lang="ko-KR" altLang="en-US" b="1"/>
-          </a:p>
-        </p:txBody>
-      </p:sp>
-      <p:sp>
-        <p:nvSpPr>
-          <p:cNvPr id="21" name="직사각형 20"/>
-          <p:cNvSpPr/>
-          <p:nvPr/>
-        </p:nvSpPr>
-        <p:spPr>
-          <a:xfrm>
-            <a:off x="5580112" y="3284984"/>
-            <a:ext cx="1368152" cy="1944216"/>
-          </a:xfrm>
-          <a:prstGeom prst="rect">
-            <a:avLst/>
-          </a:prstGeom>
-          <a:solidFill>
-            <a:schemeClr val="bg1">
-              <a:alpha val="80000"/>
-            </a:schemeClr>
-          </a:solidFill>
-          <a:ln>
-            <a:noFill/>
-          </a:ln>
-        </p:spPr>
-        <p:style>
-          <a:lnRef idx="2">
-            <a:schemeClr val="accent1">
-              <a:shade val="50000"/>
-            </a:schemeClr>
-          </a:lnRef>
-          <a:fillRef idx="1">
-            <a:schemeClr val="accent1"/>
-          </a:fillRef>
-          <a:effectRef idx="0">
-            <a:schemeClr val="accent1"/>
-          </a:effectRef>
-          <a:fontRef idx="minor">
-            <a:schemeClr val="lt1"/>
-          </a:fontRef>
-        </p:style>
-        <p:txBody>
-          <a:bodyPr rtlCol="0" anchor="ctr"/>
-          <a:lstStyle/>
-          <a:p>
-            <a:pPr algn="ctr"/>
-            <a:endParaRPr lang="ko-KR" altLang="en-US" b="1"/>
-          </a:p>
-        </p:txBody>
-      </p:sp>
-      <p:sp>
-        <p:nvSpPr>
-          <p:cNvPr id="22" name="직사각형 21"/>
-          <p:cNvSpPr/>
-          <p:nvPr/>
-        </p:nvSpPr>
-        <p:spPr>
-          <a:xfrm>
-            <a:off x="7308304" y="3284984"/>
-            <a:ext cx="1368152" cy="1944216"/>
-          </a:xfrm>
-          <a:prstGeom prst="rect">
-            <a:avLst/>
-          </a:prstGeom>
-          <a:solidFill>
-            <a:schemeClr val="bg1">
-              <a:alpha val="80000"/>
-            </a:schemeClr>
-          </a:solidFill>
-          <a:ln>
-            <a:noFill/>
-          </a:ln>
-        </p:spPr>
-        <p:style>
-          <a:lnRef idx="2">
-            <a:schemeClr val="accent1">
-              <a:shade val="50000"/>
-            </a:schemeClr>
-          </a:lnRef>
-          <a:fillRef idx="1">
-            <a:schemeClr val="accent1"/>
-          </a:fillRef>
-          <a:effectRef idx="0">
-            <a:schemeClr val="accent1"/>
-          </a:effectRef>
-          <a:fontRef idx="minor">
-            <a:schemeClr val="lt1"/>
-          </a:fontRef>
-        </p:style>
-        <p:txBody>
-          <a:bodyPr rtlCol="0" anchor="ctr"/>
-          <a:lstStyle/>
-          <a:p>
-            <a:pPr algn="ctr"/>
-            <a:endParaRPr lang="ko-KR" altLang="en-US" b="1"/>
-          </a:p>
-        </p:txBody>
-      </p:sp>
-      <p:sp>
-        <p:nvSpPr>
-          <p:cNvPr id="23" name="TextBox 22"/>
-          <p:cNvSpPr txBox="1"/>
-          <p:nvPr/>
-        </p:nvSpPr>
-        <p:spPr>
-          <a:xfrm>
-            <a:off x="2123728" y="3429000"/>
-            <a:ext cx="1368152" cy="1015663"/>
-          </a:xfrm>
-          <a:prstGeom prst="rect">
-            <a:avLst/>
-          </a:prstGeom>
-          <a:noFill/>
-        </p:spPr>
-        <p:txBody>
-          <a:bodyPr wrap="square" rtlCol="0">
-            <a:spAutoFit/>
-          </a:bodyPr>
-          <a:lstStyle/>
-          <a:p>
-            <a:r>
-              <a:rPr lang="en-US" altLang="ko-KR" sz="1200" b="1" spc="-150" dirty="0" smtClean="0"/>
-              <a:t>- </a:t>
-            </a:r>
-            <a:r>
-              <a:rPr lang="ko-KR" altLang="en-US" sz="1200" b="1" spc="-150" dirty="0" smtClean="0"/>
-              <a:t>소제목</a:t>
-            </a:r>
-          </a:p>
-          <a:p>
-            <a:endParaRPr lang="en-US" altLang="ko-KR" sz="1200" b="1" spc="-150" dirty="0" smtClean="0"/>
-          </a:p>
-          <a:p>
-            <a:r>
-              <a:rPr lang="en-US" altLang="ko-KR" sz="1200" b="1" spc="-150" dirty="0" smtClean="0"/>
-              <a:t>- </a:t>
-            </a:r>
-            <a:r>
-              <a:rPr lang="ko-KR" altLang="en-US" sz="1200" b="1" spc="-150" dirty="0" smtClean="0"/>
-              <a:t>소제목</a:t>
-            </a:r>
-            <a:endParaRPr lang="en-US" altLang="ko-KR" sz="1200" b="1" spc="-150" dirty="0" smtClean="0"/>
-          </a:p>
-          <a:p>
-            <a:pPr>
-              <a:buFontTx/>
-              <a:buChar char="-"/>
-            </a:pPr>
-            <a:endParaRPr lang="en-US" altLang="ko-KR" sz="1200" b="1" spc="-150" dirty="0" smtClean="0"/>
-          </a:p>
-          <a:p>
-            <a:endParaRPr lang="ko-KR" altLang="en-US" sz="1200" b="1" spc="-150" dirty="0" smtClean="0"/>
-          </a:p>
-        </p:txBody>
-      </p:sp>
-      <p:sp>
-        <p:nvSpPr>
-          <p:cNvPr id="24" name="TextBox 23"/>
-          <p:cNvSpPr txBox="1"/>
-          <p:nvPr/>
-        </p:nvSpPr>
-        <p:spPr>
-          <a:xfrm>
-            <a:off x="3851920" y="3429000"/>
-            <a:ext cx="1368152" cy="1015663"/>
-          </a:xfrm>
-          <a:prstGeom prst="rect">
-            <a:avLst/>
-          </a:prstGeom>
-          <a:noFill/>
-        </p:spPr>
-        <p:txBody>
-          <a:bodyPr wrap="square" rtlCol="0">
-            <a:spAutoFit/>
-          </a:bodyPr>
-          <a:lstStyle/>
-          <a:p>
-            <a:r>
-              <a:rPr lang="en-US" altLang="ko-KR" sz="1200" b="1" spc="-150" dirty="0" smtClean="0"/>
-              <a:t>- </a:t>
-            </a:r>
-            <a:r>
-              <a:rPr lang="ko-KR" altLang="en-US" sz="1200" b="1" spc="-150" dirty="0" smtClean="0"/>
-              <a:t>소제목</a:t>
-            </a:r>
-          </a:p>
-          <a:p>
-            <a:endParaRPr lang="en-US" altLang="ko-KR" sz="1200" b="1" spc="-150" dirty="0" smtClean="0"/>
-          </a:p>
-          <a:p>
-            <a:r>
-              <a:rPr lang="en-US" altLang="ko-KR" sz="1200" b="1" spc="-150" dirty="0" smtClean="0"/>
-              <a:t>- </a:t>
-            </a:r>
-            <a:r>
-              <a:rPr lang="ko-KR" altLang="en-US" sz="1200" b="1" spc="-150" dirty="0" smtClean="0"/>
-              <a:t>소제목</a:t>
-            </a:r>
-            <a:endParaRPr lang="en-US" altLang="ko-KR" sz="1200" b="1" spc="-150" dirty="0" smtClean="0"/>
-          </a:p>
-          <a:p>
-            <a:pPr>
-              <a:buFontTx/>
-              <a:buChar char="-"/>
-            </a:pPr>
-            <a:endParaRPr lang="en-US" altLang="ko-KR" sz="1200" b="1" spc="-150" dirty="0" smtClean="0"/>
-          </a:p>
-          <a:p>
-            <a:r>
-              <a:rPr lang="en-US" altLang="ko-KR" sz="1200" b="1" spc="-150" dirty="0" smtClean="0"/>
-              <a:t>- </a:t>
-            </a:r>
-            <a:r>
-              <a:rPr lang="ko-KR" altLang="en-US" sz="1200" b="1" spc="-150" dirty="0" smtClean="0"/>
-              <a:t>소제목</a:t>
-            </a:r>
-          </a:p>
-        </p:txBody>
-      </p:sp>
-      <p:sp>
-        <p:nvSpPr>
-          <p:cNvPr id="25" name="TextBox 24"/>
-          <p:cNvSpPr txBox="1"/>
-          <p:nvPr/>
-        </p:nvSpPr>
-        <p:spPr>
-          <a:xfrm>
-            <a:off x="5580112" y="3429000"/>
-            <a:ext cx="1368152" cy="646331"/>
-          </a:xfrm>
-          <a:prstGeom prst="rect">
-            <a:avLst/>
-          </a:prstGeom>
-          <a:noFill/>
-        </p:spPr>
-        <p:txBody>
-          <a:bodyPr wrap="square" rtlCol="0">
-            <a:spAutoFit/>
-          </a:bodyPr>
-          <a:lstStyle/>
-          <a:p>
-            <a:r>
-              <a:rPr lang="en-US" altLang="ko-KR" sz="1200" b="1" spc="-150" dirty="0" smtClean="0"/>
-              <a:t>- </a:t>
-            </a:r>
-            <a:r>
-              <a:rPr lang="ko-KR" altLang="en-US" sz="1200" b="1" spc="-150" dirty="0" smtClean="0"/>
-              <a:t>소제목</a:t>
-            </a:r>
-          </a:p>
-          <a:p>
-            <a:endParaRPr lang="en-US" altLang="ko-KR" sz="1200" b="1" spc="-150" dirty="0" smtClean="0"/>
-          </a:p>
-          <a:p>
-            <a:r>
-              <a:rPr lang="en-US" altLang="ko-KR" sz="1200" b="1" spc="-150" dirty="0" smtClean="0"/>
-              <a:t>- </a:t>
-            </a:r>
-            <a:r>
-              <a:rPr lang="ko-KR" altLang="en-US" sz="1200" b="1" spc="-150" dirty="0" smtClean="0"/>
-              <a:t>소제목</a:t>
-            </a:r>
-          </a:p>
-        </p:txBody>
-      </p:sp>
-      <p:sp>
-        <p:nvSpPr>
-          <p:cNvPr id="26" name="TextBox 25"/>
-          <p:cNvSpPr txBox="1"/>
-          <p:nvPr/>
-        </p:nvSpPr>
-        <p:spPr>
-          <a:xfrm>
-            <a:off x="7308304" y="3429000"/>
-            <a:ext cx="1368152" cy="1015663"/>
-          </a:xfrm>
-          <a:prstGeom prst="rect">
-            <a:avLst/>
-          </a:prstGeom>
-          <a:noFill/>
-        </p:spPr>
-        <p:txBody>
-          <a:bodyPr wrap="square" rtlCol="0">
-            <a:spAutoFit/>
-          </a:bodyPr>
-          <a:lstStyle/>
-          <a:p>
-            <a:r>
-              <a:rPr lang="en-US" altLang="ko-KR" sz="1200" b="1" spc="-150" dirty="0" smtClean="0"/>
-              <a:t>- </a:t>
-            </a:r>
-            <a:r>
-              <a:rPr lang="ko-KR" altLang="en-US" sz="1200" b="1" spc="-150" dirty="0" smtClean="0"/>
-              <a:t>소제목</a:t>
-            </a:r>
-          </a:p>
-          <a:p>
-            <a:endParaRPr lang="en-US" altLang="ko-KR" sz="1200" b="1" spc="-150" dirty="0" smtClean="0"/>
-          </a:p>
-          <a:p>
-            <a:r>
-              <a:rPr lang="en-US" altLang="ko-KR" sz="1200" b="1" spc="-150" dirty="0" smtClean="0"/>
-              <a:t>- </a:t>
-            </a:r>
-            <a:r>
-              <a:rPr lang="ko-KR" altLang="en-US" sz="1200" b="1" spc="-150" dirty="0" smtClean="0"/>
-              <a:t>소제목</a:t>
-            </a:r>
-            <a:endParaRPr lang="en-US" altLang="ko-KR" sz="1200" b="1" spc="-150" dirty="0" smtClean="0"/>
-          </a:p>
-          <a:p>
-            <a:pPr>
-              <a:buFontTx/>
-              <a:buChar char="-"/>
-            </a:pPr>
-            <a:endParaRPr lang="en-US" altLang="ko-KR" sz="1200" b="1" spc="-150" dirty="0" smtClean="0"/>
-          </a:p>
-          <a:p>
-            <a:r>
-              <a:rPr lang="en-US" altLang="ko-KR" sz="1200" b="1" spc="-150" dirty="0" smtClean="0"/>
-              <a:t>- </a:t>
-            </a:r>
-            <a:r>
-              <a:rPr lang="ko-KR" altLang="en-US" sz="1200" b="1" spc="-150" dirty="0" smtClean="0"/>
-              <a:t>소제목</a:t>
-            </a:r>
-          </a:p>
-        </p:txBody>
-      </p:sp>
-      <p:sp>
-        <p:nvSpPr>
-          <p:cNvPr id="27" name="TextBox 26"/>
-          <p:cNvSpPr txBox="1"/>
-          <p:nvPr/>
-        </p:nvSpPr>
-        <p:spPr>
-          <a:xfrm>
-            <a:off x="2051720" y="2843644"/>
-            <a:ext cx="1656184" cy="369332"/>
-          </a:xfrm>
-          <a:prstGeom prst="rect">
-            <a:avLst/>
-          </a:prstGeom>
-          <a:noFill/>
-        </p:spPr>
-        <p:txBody>
-          <a:bodyPr wrap="square" rtlCol="0">
-            <a:spAutoFit/>
-          </a:bodyPr>
-          <a:lstStyle/>
-          <a:p>
-            <a:pPr algn="ctr"/>
-            <a:r>
-              <a:rPr lang="ko-KR" altLang="en-US" b="1" spc="-150" dirty="0" smtClean="0">
-                <a:solidFill>
-                  <a:schemeClr val="bg1"/>
-                </a:solidFill>
-                <a:latin typeface="+mj-ea"/>
-              </a:rPr>
-              <a:t>서론</a:t>
-            </a:r>
-            <a:endParaRPr lang="ko-KR" altLang="en-US" b="1" spc="-150" dirty="0">
-              <a:solidFill>
-                <a:schemeClr val="bg1"/>
-              </a:solidFill>
-              <a:latin typeface="+mj-ea"/>
-            </a:endParaRPr>
-          </a:p>
-        </p:txBody>
-      </p:sp>
-      <p:sp>
-        <p:nvSpPr>
-          <p:cNvPr id="28" name="TextBox 27"/>
-          <p:cNvSpPr txBox="1"/>
-          <p:nvPr/>
-        </p:nvSpPr>
-        <p:spPr>
-          <a:xfrm>
-            <a:off x="3707904" y="2843644"/>
-            <a:ext cx="1656184" cy="369332"/>
-          </a:xfrm>
-          <a:prstGeom prst="rect">
-            <a:avLst/>
-          </a:prstGeom>
-          <a:noFill/>
-        </p:spPr>
-        <p:txBody>
-          <a:bodyPr wrap="square" rtlCol="0">
-            <a:spAutoFit/>
-          </a:bodyPr>
-          <a:lstStyle/>
-          <a:p>
-            <a:pPr algn="ctr"/>
-            <a:r>
-              <a:rPr lang="ko-KR" altLang="en-US" b="1" spc="-150" dirty="0" smtClean="0">
-                <a:solidFill>
-                  <a:schemeClr val="bg1"/>
-                </a:solidFill>
-                <a:latin typeface="+mj-ea"/>
-              </a:rPr>
-              <a:t>본론</a:t>
-            </a:r>
-            <a:endParaRPr lang="ko-KR" altLang="en-US" b="1" spc="-150" dirty="0">
-              <a:solidFill>
-                <a:schemeClr val="bg1"/>
-              </a:solidFill>
-              <a:latin typeface="+mj-ea"/>
-            </a:endParaRPr>
-          </a:p>
-        </p:txBody>
-      </p:sp>
-      <p:sp>
-        <p:nvSpPr>
-          <p:cNvPr id="29" name="TextBox 28"/>
-          <p:cNvSpPr txBox="1"/>
-          <p:nvPr/>
-        </p:nvSpPr>
-        <p:spPr>
-          <a:xfrm>
-            <a:off x="5292080" y="2852936"/>
-            <a:ext cx="1872208" cy="369332"/>
-          </a:xfrm>
-          <a:prstGeom prst="rect">
-            <a:avLst/>
-          </a:prstGeom>
-          <a:noFill/>
-        </p:spPr>
-        <p:txBody>
-          <a:bodyPr wrap="square" rtlCol="0">
-            <a:spAutoFit/>
-          </a:bodyPr>
-          <a:lstStyle/>
-          <a:p>
-            <a:pPr algn="ctr"/>
-            <a:r>
-              <a:rPr lang="ko-KR" altLang="en-US" b="1" spc="-150" dirty="0" smtClean="0">
-                <a:solidFill>
-                  <a:schemeClr val="bg1"/>
-                </a:solidFill>
-                <a:latin typeface="+mj-ea"/>
-              </a:rPr>
-              <a:t>결론</a:t>
-            </a:r>
-            <a:endParaRPr lang="ko-KR" altLang="en-US" b="1" spc="-150" dirty="0">
-              <a:solidFill>
-                <a:schemeClr val="bg1"/>
-              </a:solidFill>
-              <a:latin typeface="+mj-ea"/>
-            </a:endParaRPr>
-          </a:p>
-        </p:txBody>
-      </p:sp>
-      <p:sp>
-        <p:nvSpPr>
-          <p:cNvPr id="30" name="TextBox 29"/>
-          <p:cNvSpPr txBox="1"/>
-          <p:nvPr/>
-        </p:nvSpPr>
-        <p:spPr>
-          <a:xfrm>
-            <a:off x="6840760" y="2843644"/>
-            <a:ext cx="2195736" cy="369332"/>
-          </a:xfrm>
-          <a:prstGeom prst="rect">
-            <a:avLst/>
-          </a:prstGeom>
-          <a:noFill/>
-        </p:spPr>
-        <p:txBody>
-          <a:bodyPr wrap="square" rtlCol="0">
-            <a:spAutoFit/>
-          </a:bodyPr>
-          <a:lstStyle/>
-          <a:p>
-            <a:pPr algn="ctr"/>
-            <a:r>
-              <a:rPr kumimoji="1" lang="en-US" altLang="ko-KR" b="1" i="0" u="none" strike="noStrike" cap="none" spc="-150" normalizeH="0" baseline="0" dirty="0" smtClean="0">
-                <a:ln>
-                  <a:noFill/>
-                </a:ln>
-                <a:solidFill>
-                  <a:schemeClr val="bg1"/>
-                </a:solidFill>
-                <a:effectLst/>
-                <a:latin typeface="+mj-ea"/>
-                <a:ea typeface="+mj-ea"/>
-                <a:cs typeface="굴림" pitchFamily="50" charset="-127"/>
-              </a:rPr>
-              <a:t> </a:t>
-            </a:r>
-            <a:r>
-              <a:rPr lang="ko-KR" altLang="en-US" b="1" spc="-150" dirty="0" smtClean="0">
-                <a:solidFill>
-                  <a:schemeClr val="bg1"/>
-                </a:solidFill>
-                <a:latin typeface="+mj-ea"/>
-              </a:rPr>
-              <a:t>제목을 입력</a:t>
-            </a:r>
-            <a:endParaRPr lang="ko-KR" altLang="en-US" b="1" spc="-150" dirty="0">
-              <a:solidFill>
-                <a:schemeClr val="bg1"/>
-              </a:solidFill>
-              <a:latin typeface="+mj-ea"/>
-            </a:endParaRPr>
-          </a:p>
-        </p:txBody>
-      </p:sp>
-      <p:sp>
-        <p:nvSpPr>
-          <p:cNvPr id="31" name="TextBox 30"/>
-          <p:cNvSpPr txBox="1"/>
-          <p:nvPr/>
-        </p:nvSpPr>
-        <p:spPr>
-          <a:xfrm>
-            <a:off x="2915816" y="5922421"/>
-            <a:ext cx="3600400" cy="530915"/>
-          </a:xfrm>
-          <a:prstGeom prst="rect">
-            <a:avLst/>
-          </a:prstGeom>
-          <a:noFill/>
-        </p:spPr>
-        <p:txBody>
-          <a:bodyPr wrap="square" rtlCol="0">
-            <a:spAutoFit/>
-          </a:bodyPr>
-          <a:lstStyle/>
-          <a:p>
-            <a:pPr algn="ctr"/>
-            <a:r>
-              <a:rPr lang="en-US" altLang="ko-KR" b="1" dirty="0" smtClean="0">
-                <a:solidFill>
-                  <a:schemeClr val="bg1"/>
-                </a:solidFill>
-              </a:rPr>
-              <a:t>MINHEEBLOG</a:t>
-            </a:r>
-          </a:p>
-          <a:p>
-            <a:pPr algn="ctr"/>
-            <a:r>
-              <a:rPr lang="en-US" altLang="ko-KR" sz="1050" dirty="0" smtClean="0">
-                <a:solidFill>
-                  <a:schemeClr val="bg1"/>
-                </a:solidFill>
-              </a:rPr>
-              <a:t>(</a:t>
-            </a:r>
-            <a:r>
-              <a:rPr lang="ko-KR" altLang="en-US" sz="1050" dirty="0" smtClean="0">
-                <a:solidFill>
-                  <a:schemeClr val="bg1"/>
-                </a:solidFill>
-              </a:rPr>
-              <a:t>여기에 로고를 넣어주세요</a:t>
-            </a:r>
-            <a:r>
-              <a:rPr lang="en-US" altLang="ko-KR" sz="1050" dirty="0" smtClean="0">
-                <a:solidFill>
-                  <a:schemeClr val="bg1"/>
-                </a:solidFill>
-              </a:rPr>
-              <a:t>)</a:t>
-            </a:r>
-            <a:endParaRPr lang="ko-KR" altLang="en-US" sz="1050" dirty="0">
-              <a:solidFill>
-                <a:schemeClr val="bg1"/>
-              </a:solidFill>
-            </a:endParaRPr>
-          </a:p>
-        </p:txBody>
-      </p:sp>
-    </p:spTree>
-  </p:cSld>
-  <p:clrMapOvr>
-    <a:masterClrMapping/>
-  </p:clrMapOvr>
-  <p:timing>
-    <p:tnLst>
-      <p:par>
-        <p:cTn id="1" dur="indefinite" restart="never" nodeType="tmRoot"/>
-      </p:par>
-    </p:tnLst>
-  </p:timing>
-</p:sld>
-</file>
-
-<file path=ppt/slides/slide20.xml><?xml version="1.0" encoding="utf-8"?>
+<file path=ppt/slides/slide21.xml><?xml version="1.0" encoding="utf-8"?>
 <p:sld xmlns:a="http://schemas.openxmlformats.org/drawingml/2006/main" xmlns:r="http://schemas.openxmlformats.org/officeDocument/2006/relationships" xmlns:p="http://schemas.openxmlformats.org/presentationml/2006/main">
   <p:cSld>
     <p:spTree>
@@ -26656,7 +26234,7 @@
 </p:sld>
 </file>
 
-<file path=ppt/slides/slide21.xml><?xml version="1.0" encoding="utf-8"?>
+<file path=ppt/slides/slide22.xml><?xml version="1.0" encoding="utf-8"?>
 <p:sld xmlns:a="http://schemas.openxmlformats.org/drawingml/2006/main" xmlns:r="http://schemas.openxmlformats.org/officeDocument/2006/relationships" xmlns:p="http://schemas.openxmlformats.org/presentationml/2006/main">
   <p:cSld>
     <p:spTree>
@@ -26982,14 +26560,14 @@
       </p:sp>
       <p:sp>
         <p:nvSpPr>
-          <p:cNvPr id="21" name="TextBox 20"/>
+          <p:cNvPr id="12" name="TextBox 11"/>
           <p:cNvSpPr txBox="1"/>
           <p:nvPr/>
         </p:nvSpPr>
         <p:spPr>
           <a:xfrm>
-            <a:off x="2483768" y="1412776"/>
-            <a:ext cx="4176464" cy="369332"/>
+            <a:off x="467544" y="1556792"/>
+            <a:ext cx="8208912" cy="3139321"/>
           </a:xfrm>
           <a:prstGeom prst="rect">
             <a:avLst/>
@@ -27002,83 +26580,68 @@
           </a:bodyPr>
           <a:lstStyle/>
           <a:p>
-            <a:pPr algn="ctr"/>
+            <a:pPr fontAlgn="base"/>
             <a:r>
-              <a:rPr lang="en-US" altLang="ko-KR" b="1" spc="-150" dirty="0" smtClean="0">
-                <a:solidFill>
-                  <a:schemeClr val="tx2"/>
-                </a:solidFill>
-              </a:rPr>
-              <a:t>[ </a:t>
+              <a:rPr lang="en-US" altLang="ko-KR" b="1" dirty="0" smtClean="0"/>
+              <a:t>1) </a:t>
             </a:r>
             <a:r>
-              <a:rPr lang="ko-KR" altLang="en-US" b="1" spc="-150" dirty="0" smtClean="0">
-                <a:solidFill>
-                  <a:schemeClr val="tx2"/>
-                </a:solidFill>
-              </a:rPr>
-              <a:t>조원소개 및 역할 </a:t>
+              <a:rPr lang="ko-KR" altLang="en-US" b="1" dirty="0" smtClean="0"/>
+              <a:t>프로젝트 주제</a:t>
             </a:r>
-            <a:r>
-              <a:rPr lang="en-US" altLang="ko-KR" b="1" spc="-150" dirty="0" smtClean="0">
-                <a:solidFill>
-                  <a:schemeClr val="tx2"/>
-                </a:solidFill>
-              </a:rPr>
-              <a:t>]</a:t>
-            </a:r>
-            <a:endParaRPr lang="ko-KR" altLang="en-US" b="1" spc="-150" dirty="0">
-              <a:solidFill>
-                <a:schemeClr val="tx2"/>
-              </a:solidFill>
-            </a:endParaRPr>
-          </a:p>
-        </p:txBody>
-      </p:sp>
-      <p:sp>
-        <p:nvSpPr>
-          <p:cNvPr id="27" name="TextBox 26"/>
-          <p:cNvSpPr txBox="1"/>
-          <p:nvPr/>
-        </p:nvSpPr>
-        <p:spPr>
-          <a:xfrm>
-            <a:off x="683568" y="2204864"/>
-            <a:ext cx="7488832" cy="646331"/>
-          </a:xfrm>
-          <a:prstGeom prst="rect">
-            <a:avLst/>
-          </a:prstGeom>
-          <a:noFill/>
-        </p:spPr>
-        <p:txBody>
-          <a:bodyPr wrap="square" rtlCol="0">
-            <a:spAutoFit/>
-          </a:bodyPr>
-          <a:lstStyle/>
-          <a:p>
-            <a:endParaRPr lang="ko-KR" altLang="en-US" dirty="0" smtClean="0"/>
-          </a:p>
-          <a:p>
-            <a:endParaRPr lang="ko-KR" altLang="en-US" dirty="0"/>
+            <a:endParaRPr lang="en-US" altLang="ko-KR" dirty="0" smtClean="0"/>
+          </a:p>
+          <a:p>
+            <a:pPr fontAlgn="base"/>
+            <a:endParaRPr lang="en-US" altLang="ko-KR" dirty="0"/>
+          </a:p>
+          <a:p>
+            <a:pPr fontAlgn="base"/>
+            <a:endParaRPr lang="en-US" altLang="ko-KR" dirty="0" smtClean="0"/>
+          </a:p>
+          <a:p>
+            <a:pPr fontAlgn="base"/>
+            <a:endParaRPr lang="en-US" altLang="ko-KR" dirty="0"/>
+          </a:p>
+          <a:p>
+            <a:pPr fontAlgn="base"/>
+            <a:endParaRPr lang="en-US" altLang="ko-KR" dirty="0" smtClean="0"/>
+          </a:p>
+          <a:p>
+            <a:pPr fontAlgn="base"/>
+            <a:endParaRPr lang="en-US" altLang="ko-KR" dirty="0"/>
+          </a:p>
+          <a:p>
+            <a:pPr fontAlgn="base"/>
+            <a:endParaRPr lang="en-US" altLang="ko-KR" dirty="0" smtClean="0"/>
+          </a:p>
+          <a:p>
+            <a:pPr fontAlgn="base"/>
+            <a:endParaRPr lang="en-US" altLang="ko-KR" dirty="0"/>
+          </a:p>
+          <a:p>
+            <a:pPr fontAlgn="base"/>
+            <a:endParaRPr lang="en-US" altLang="ko-KR" dirty="0" smtClean="0"/>
+          </a:p>
+          <a:p>
+            <a:pPr fontAlgn="base"/>
+            <a:endParaRPr lang="en-US" altLang="ko-KR" dirty="0"/>
+          </a:p>
+          <a:p>
+            <a:pPr fontAlgn="base"/>
+            <a:endParaRPr lang="en-US" altLang="ko-KR" dirty="0" smtClean="0"/>
           </a:p>
         </p:txBody>
       </p:sp>
       <p:graphicFrame>
         <p:nvGraphicFramePr>
-          <p:cNvPr id="29" name="다이어그램 28"/>
+          <p:cNvPr id="13" name="다이어그램 12"/>
           <p:cNvGraphicFramePr/>
-          <p:nvPr>
-            <p:extLst>
-              <p:ext uri="{D42A27DB-BD31-4B8C-83A1-F6EECF244321}">
-                <p14:modId xmlns:p14="http://schemas.microsoft.com/office/powerpoint/2010/main" val="3861921337"/>
-              </p:ext>
-            </p:extLst>
-          </p:nvPr>
+          <p:nvPr/>
         </p:nvGraphicFramePr>
         <p:xfrm>
-          <a:off x="1187624" y="2101304"/>
-          <a:ext cx="6936432" cy="4064000"/>
+          <a:off x="899592" y="1916832"/>
+          <a:ext cx="7488832" cy="2808312"/>
         </p:xfrm>
         <a:graphic>
           <a:graphicData uri="http://schemas.openxmlformats.org/drawingml/2006/diagram">
@@ -27088,7 +26651,7 @@
       </p:graphicFrame>
       <p:sp>
         <p:nvSpPr>
-          <p:cNvPr id="13" name="TextBox 12"/>
+          <p:cNvPr id="14" name="TextBox 13"/>
           <p:cNvSpPr txBox="1"/>
           <p:nvPr/>
         </p:nvSpPr>
@@ -27122,7 +26685,7 @@
       </p:sp>
       <p:sp>
         <p:nvSpPr>
-          <p:cNvPr id="14" name="직사각형 13"/>
+          <p:cNvPr id="15" name="직사각형 14"/>
           <p:cNvSpPr/>
           <p:nvPr/>
         </p:nvSpPr>
@@ -27160,7 +26723,61 @@
       </p:sp>
       <p:sp>
         <p:nvSpPr>
-          <p:cNvPr id="15" name="TextBox 14"/>
+          <p:cNvPr id="10" name="TextBox 9"/>
+          <p:cNvSpPr txBox="1"/>
+          <p:nvPr/>
+        </p:nvSpPr>
+        <p:spPr>
+          <a:xfrm>
+            <a:off x="427434" y="836712"/>
+            <a:ext cx="2056333" cy="400110"/>
+          </a:xfrm>
+          <a:prstGeom prst="rect">
+            <a:avLst/>
+          </a:prstGeom>
+          <a:noFill/>
+        </p:spPr>
+        <p:txBody>
+          <a:bodyPr wrap="square" rtlCol="0">
+            <a:spAutoFit/>
+          </a:bodyPr>
+          <a:lstStyle/>
+          <a:p>
+            <a:r>
+              <a:rPr lang="en-US" altLang="ko-KR" sz="2000" b="1" spc="-150" dirty="0" smtClean="0">
+                <a:solidFill>
+                  <a:schemeClr val="tx2">
+                    <a:lumMod val="75000"/>
+                  </a:schemeClr>
+                </a:solidFill>
+                <a:latin typeface="+mj-ea"/>
+              </a:rPr>
+              <a:t>  </a:t>
+            </a:r>
+            <a:r>
+              <a:rPr lang="ko-KR" altLang="en-US" sz="2000" b="1" spc="-150" dirty="0" err="1" smtClean="0">
+                <a:solidFill>
+                  <a:schemeClr val="tx2">
+                    <a:lumMod val="75000"/>
+                  </a:schemeClr>
+                </a:solidFill>
+                <a:latin typeface="+mj-ea"/>
+              </a:rPr>
+              <a:t>프로젝트명</a:t>
+            </a:r>
+            <a:endParaRPr lang="ko-KR" altLang="en-US" sz="2400" dirty="0">
+              <a:solidFill>
+                <a:schemeClr val="tx2">
+                  <a:lumMod val="75000"/>
+                </a:schemeClr>
+              </a:solidFill>
+            </a:endParaRPr>
+          </a:p>
+        </p:txBody>
+      </p:sp>
+      <p:sp>
+        <p:nvSpPr>
+          <p:cNvPr id="16" name="TextBox 15"/>
           <p:cNvSpPr txBox="1"/>
           <p:nvPr/>
         </p:nvSpPr>
@@ -27204,7 +26821,7 @@
     </p:spTree>
     <p:extLst>
       <p:ext uri="{BB962C8B-B14F-4D97-AF65-F5344CB8AC3E}">
-        <p14:creationId xmlns:p14="http://schemas.microsoft.com/office/powerpoint/2010/main" val="2649028908"/>
+        <p14:creationId xmlns:p14="http://schemas.microsoft.com/office/powerpoint/2010/main" val="3708461837"/>
       </p:ext>
     </p:extLst>
   </p:cSld>
@@ -27293,349 +26910,6 @@
         <p:spPr>
           <a:xfrm>
             <a:off x="467544" y="1556792"/>
-            <a:ext cx="8208912" cy="3139321"/>
-          </a:xfrm>
-          <a:prstGeom prst="rect">
-            <a:avLst/>
-          </a:prstGeom>
-          <a:noFill/>
-        </p:spPr>
-        <p:txBody>
-          <a:bodyPr wrap="square" rtlCol="0">
-            <a:spAutoFit/>
-          </a:bodyPr>
-          <a:lstStyle/>
-          <a:p>
-            <a:pPr fontAlgn="base"/>
-            <a:r>
-              <a:rPr lang="en-US" altLang="ko-KR" b="1" dirty="0" smtClean="0"/>
-              <a:t>1) </a:t>
-            </a:r>
-            <a:r>
-              <a:rPr lang="ko-KR" altLang="en-US" b="1" dirty="0" smtClean="0"/>
-              <a:t>프로젝트 주제</a:t>
-            </a:r>
-            <a:endParaRPr lang="en-US" altLang="ko-KR" dirty="0" smtClean="0"/>
-          </a:p>
-          <a:p>
-            <a:pPr fontAlgn="base"/>
-            <a:endParaRPr lang="en-US" altLang="ko-KR" dirty="0"/>
-          </a:p>
-          <a:p>
-            <a:pPr fontAlgn="base"/>
-            <a:endParaRPr lang="en-US" altLang="ko-KR" dirty="0" smtClean="0"/>
-          </a:p>
-          <a:p>
-            <a:pPr fontAlgn="base"/>
-            <a:endParaRPr lang="en-US" altLang="ko-KR" dirty="0"/>
-          </a:p>
-          <a:p>
-            <a:pPr fontAlgn="base"/>
-            <a:endParaRPr lang="en-US" altLang="ko-KR" dirty="0" smtClean="0"/>
-          </a:p>
-          <a:p>
-            <a:pPr fontAlgn="base"/>
-            <a:endParaRPr lang="en-US" altLang="ko-KR" dirty="0"/>
-          </a:p>
-          <a:p>
-            <a:pPr fontAlgn="base"/>
-            <a:endParaRPr lang="en-US" altLang="ko-KR" dirty="0" smtClean="0"/>
-          </a:p>
-          <a:p>
-            <a:pPr fontAlgn="base"/>
-            <a:endParaRPr lang="en-US" altLang="ko-KR" dirty="0"/>
-          </a:p>
-          <a:p>
-            <a:pPr fontAlgn="base"/>
-            <a:endParaRPr lang="en-US" altLang="ko-KR" dirty="0" smtClean="0"/>
-          </a:p>
-          <a:p>
-            <a:pPr fontAlgn="base"/>
-            <a:endParaRPr lang="en-US" altLang="ko-KR" dirty="0"/>
-          </a:p>
-          <a:p>
-            <a:pPr fontAlgn="base"/>
-            <a:endParaRPr lang="en-US" altLang="ko-KR" dirty="0" smtClean="0"/>
-          </a:p>
-        </p:txBody>
-      </p:sp>
-      <p:graphicFrame>
-        <p:nvGraphicFramePr>
-          <p:cNvPr id="13" name="다이어그램 12"/>
-          <p:cNvGraphicFramePr/>
-          <p:nvPr/>
-        </p:nvGraphicFramePr>
-        <p:xfrm>
-          <a:off x="899592" y="1916832"/>
-          <a:ext cx="7488832" cy="2808312"/>
-        </p:xfrm>
-        <a:graphic>
-          <a:graphicData uri="http://schemas.openxmlformats.org/drawingml/2006/diagram">
-            <dgm:relIds xmlns:dgm="http://schemas.openxmlformats.org/drawingml/2006/diagram" xmlns:r="http://schemas.openxmlformats.org/officeDocument/2006/relationships" r:dm="rId3" r:lo="rId4" r:qs="rId5" r:cs="rId6"/>
-          </a:graphicData>
-        </a:graphic>
-      </p:graphicFrame>
-      <p:sp>
-        <p:nvSpPr>
-          <p:cNvPr id="14" name="TextBox 13"/>
-          <p:cNvSpPr txBox="1"/>
-          <p:nvPr/>
-        </p:nvSpPr>
-        <p:spPr>
-          <a:xfrm>
-            <a:off x="5364088" y="271681"/>
-            <a:ext cx="3600400" cy="276999"/>
-          </a:xfrm>
-          <a:prstGeom prst="rect">
-            <a:avLst/>
-          </a:prstGeom>
-          <a:noFill/>
-        </p:spPr>
-        <p:txBody>
-          <a:bodyPr wrap="square" rtlCol="0">
-            <a:spAutoFit/>
-          </a:bodyPr>
-          <a:lstStyle/>
-          <a:p>
-            <a:pPr algn="dist"/>
-            <a:r>
-              <a:rPr lang="ko-KR" altLang="en-US" sz="1200" dirty="0" smtClean="0">
-                <a:solidFill>
-                  <a:schemeClr val="bg1"/>
-                </a:solidFill>
-              </a:rPr>
-              <a:t>과목이름이나 영문타이틀</a:t>
-            </a:r>
-          </a:p>
-        </p:txBody>
-      </p:sp>
-      <p:sp>
-        <p:nvSpPr>
-          <p:cNvPr id="15" name="직사각형 14"/>
-          <p:cNvSpPr/>
-          <p:nvPr/>
-        </p:nvSpPr>
-        <p:spPr>
-          <a:xfrm>
-            <a:off x="219463" y="271681"/>
-            <a:ext cx="1297150" cy="276999"/>
-          </a:xfrm>
-          <a:prstGeom prst="rect">
-            <a:avLst/>
-          </a:prstGeom>
-        </p:spPr>
-        <p:txBody>
-          <a:bodyPr wrap="none">
-            <a:spAutoFit/>
-          </a:bodyPr>
-          <a:lstStyle/>
-          <a:p>
-            <a:pPr algn="ctr"/>
-            <a:r>
-              <a:rPr lang="ko-KR" altLang="en-US" sz="1200" b="1" spc="-150" dirty="0" smtClean="0">
-                <a:solidFill>
-                  <a:schemeClr val="bg1"/>
-                </a:solidFill>
-              </a:rPr>
-              <a:t>제목을 입력하세요</a:t>
-            </a:r>
-            <a:endParaRPr lang="ko-KR" altLang="en-US" sz="1200" b="1" spc="-150" dirty="0">
-              <a:solidFill>
-                <a:schemeClr val="bg1"/>
-              </a:solidFill>
-            </a:endParaRPr>
-          </a:p>
-        </p:txBody>
-      </p:sp>
-      <p:sp>
-        <p:nvSpPr>
-          <p:cNvPr id="10" name="TextBox 9"/>
-          <p:cNvSpPr txBox="1"/>
-          <p:nvPr/>
-        </p:nvSpPr>
-        <p:spPr>
-          <a:xfrm>
-            <a:off x="427434" y="836712"/>
-            <a:ext cx="2056333" cy="400110"/>
-          </a:xfrm>
-          <a:prstGeom prst="rect">
-            <a:avLst/>
-          </a:prstGeom>
-          <a:noFill/>
-        </p:spPr>
-        <p:txBody>
-          <a:bodyPr wrap="square" rtlCol="0">
-            <a:spAutoFit/>
-          </a:bodyPr>
-          <a:lstStyle/>
-          <a:p>
-            <a:r>
-              <a:rPr lang="en-US" altLang="ko-KR" sz="2000" b="1" spc="-150" dirty="0" smtClean="0">
-                <a:solidFill>
-                  <a:schemeClr val="tx2">
-                    <a:lumMod val="75000"/>
-                  </a:schemeClr>
-                </a:solidFill>
-                <a:latin typeface="+mj-ea"/>
-              </a:rPr>
-              <a:t>  </a:t>
-            </a:r>
-            <a:r>
-              <a:rPr lang="ko-KR" altLang="en-US" sz="2000" b="1" spc="-150" dirty="0" err="1" smtClean="0">
-                <a:solidFill>
-                  <a:schemeClr val="tx2">
-                    <a:lumMod val="75000"/>
-                  </a:schemeClr>
-                </a:solidFill>
-                <a:latin typeface="+mj-ea"/>
-              </a:rPr>
-              <a:t>프로젝트명</a:t>
-            </a:r>
-            <a:endParaRPr lang="ko-KR" altLang="en-US" sz="2400" dirty="0">
-              <a:solidFill>
-                <a:schemeClr val="tx2">
-                  <a:lumMod val="75000"/>
-                </a:schemeClr>
-              </a:solidFill>
-            </a:endParaRPr>
-          </a:p>
-        </p:txBody>
-      </p:sp>
-      <p:sp>
-        <p:nvSpPr>
-          <p:cNvPr id="16" name="TextBox 15"/>
-          <p:cNvSpPr txBox="1"/>
-          <p:nvPr/>
-        </p:nvSpPr>
-        <p:spPr>
-          <a:xfrm>
-            <a:off x="7164288" y="6546830"/>
-            <a:ext cx="1728192" cy="338554"/>
-          </a:xfrm>
-          <a:prstGeom prst="rect">
-            <a:avLst/>
-          </a:prstGeom>
-          <a:noFill/>
-        </p:spPr>
-        <p:txBody>
-          <a:bodyPr wrap="square" rtlCol="0">
-            <a:spAutoFit/>
-          </a:bodyPr>
-          <a:lstStyle/>
-          <a:p>
-            <a:pPr algn="r"/>
-            <a:r>
-              <a:rPr lang="en-US" altLang="ko-KR" sz="1600" dirty="0" smtClean="0">
-                <a:solidFill>
-                  <a:schemeClr val="bg1">
-                    <a:lumMod val="75000"/>
-                  </a:schemeClr>
-                </a:solidFill>
-              </a:rPr>
-              <a:t>MINHEEBLOG</a:t>
-            </a:r>
-            <a:endParaRPr lang="ko-KR" altLang="en-US" sz="1600" dirty="0">
-              <a:solidFill>
-                <a:schemeClr val="bg1">
-                  <a:lumMod val="75000"/>
-                </a:schemeClr>
-              </a:solidFill>
-            </a:endParaRPr>
-          </a:p>
-        </p:txBody>
-      </p:sp>
-    </p:spTree>
-    <p:extLst>
-      <p:ext uri="{BB962C8B-B14F-4D97-AF65-F5344CB8AC3E}">
-        <p14:creationId xmlns:p14="http://schemas.microsoft.com/office/powerpoint/2010/main" val="3708461837"/>
-      </p:ext>
-    </p:extLst>
-  </p:cSld>
-  <p:clrMapOvr>
-    <a:masterClrMapping/>
-  </p:clrMapOvr>
-  <p:timing>
-    <p:tnLst>
-      <p:par>
-        <p:cTn id="1" dur="indefinite" restart="never" nodeType="tmRoot"/>
-      </p:par>
-    </p:tnLst>
-  </p:timing>
-</p:sld>
-</file>
-
-<file path=ppt/slides/slide5.xml><?xml version="1.0" encoding="utf-8"?>
-<p:sld xmlns:a="http://schemas.openxmlformats.org/drawingml/2006/main" xmlns:r="http://schemas.openxmlformats.org/officeDocument/2006/relationships" xmlns:p="http://schemas.openxmlformats.org/presentationml/2006/main">
-  <p:cSld>
-    <p:spTree>
-      <p:nvGrpSpPr>
-        <p:cNvPr id="1" name=""/>
-        <p:cNvGrpSpPr/>
-        <p:nvPr/>
-      </p:nvGrpSpPr>
-      <p:grpSpPr>
-        <a:xfrm>
-          <a:off x="0" y="0"/>
-          <a:ext cx="0" cy="0"/>
-          <a:chOff x="0" y="0"/>
-          <a:chExt cx="0" cy="0"/>
-        </a:xfrm>
-      </p:grpSpPr>
-      <p:sp>
-        <p:nvSpPr>
-          <p:cNvPr id="2" name="직사각형 1"/>
-          <p:cNvSpPr/>
-          <p:nvPr/>
-        </p:nvSpPr>
-        <p:spPr>
-          <a:xfrm>
-            <a:off x="251520" y="620688"/>
-            <a:ext cx="8640960" cy="5976664"/>
-          </a:xfrm>
-          <a:prstGeom prst="rect">
-            <a:avLst/>
-          </a:prstGeom>
-          <a:solidFill>
-            <a:schemeClr val="bg1"/>
-          </a:solidFill>
-          <a:ln>
-            <a:noFill/>
-          </a:ln>
-        </p:spPr>
-        <p:style>
-          <a:lnRef idx="2">
-            <a:schemeClr val="accent1">
-              <a:shade val="50000"/>
-            </a:schemeClr>
-          </a:lnRef>
-          <a:fillRef idx="1">
-            <a:schemeClr val="accent1"/>
-          </a:fillRef>
-          <a:effectRef idx="0">
-            <a:schemeClr val="accent1"/>
-          </a:effectRef>
-          <a:fontRef idx="minor">
-            <a:schemeClr val="lt1"/>
-          </a:fontRef>
-        </p:style>
-        <p:txBody>
-          <a:bodyPr rtlCol="0" anchor="ctr"/>
-          <a:lstStyle/>
-          <a:p>
-            <a:pPr algn="ctr"/>
-            <a:endParaRPr lang="ko-KR" altLang="en-US"/>
-          </a:p>
-        </p:txBody>
-      </p:sp>
-      <p:sp>
-        <p:nvSpPr>
-          <p:cNvPr id="12" name="TextBox 11"/>
-          <p:cNvSpPr txBox="1"/>
-          <p:nvPr/>
-        </p:nvSpPr>
-        <p:spPr>
-          <a:xfrm>
-            <a:off x="467544" y="1556792"/>
             <a:ext cx="8208912" cy="2862322"/>
           </a:xfrm>
           <a:prstGeom prst="rect">
@@ -27976,21 +27250,21 @@
       </p:graphicFrame>
       <p:grpSp>
         <p:nvGrpSpPr>
-          <p:cNvPr id="8" name="그룹 7"/>
+          <p:cNvPr id="18" name="그룹 17"/>
           <p:cNvGrpSpPr/>
           <p:nvPr/>
         </p:nvGrpSpPr>
         <p:grpSpPr>
           <a:xfrm>
-            <a:off x="793736" y="3384907"/>
-            <a:ext cx="5575687" cy="2687484"/>
+            <a:off x="755355" y="3448659"/>
+            <a:ext cx="7489053" cy="2810140"/>
             <a:chOff x="793736" y="3384907"/>
             <a:chExt cx="5575687" cy="2687484"/>
           </a:xfrm>
         </p:grpSpPr>
         <p:pic>
           <p:nvPicPr>
-            <p:cNvPr id="5" name="그림 4"/>
+            <p:cNvPr id="19" name="그림 18"/>
             <p:cNvPicPr>
               <a:picLocks noChangeAspect="1"/>
             </p:cNvPicPr>
@@ -28020,7 +27294,7 @@
         </p:pic>
         <p:pic>
           <p:nvPicPr>
-            <p:cNvPr id="6" name="그림 5"/>
+            <p:cNvPr id="20" name="그림 19"/>
             <p:cNvPicPr>
               <a:picLocks noChangeAspect="1"/>
             </p:cNvPicPr>
@@ -28069,7 +27343,7 @@
 </p:sld>
 </file>
 
-<file path=ppt/slides/slide6.xml><?xml version="1.0" encoding="utf-8"?>
+<file path=ppt/slides/slide5.xml><?xml version="1.0" encoding="utf-8"?>
 <p:sld xmlns:a="http://schemas.openxmlformats.org/drawingml/2006/main" xmlns:r="http://schemas.openxmlformats.org/officeDocument/2006/relationships" xmlns:p="http://schemas.openxmlformats.org/presentationml/2006/main">
   <p:cSld>
     <p:spTree>
@@ -28218,7 +27492,7 @@
           <p:nvPr>
             <p:extLst>
               <p:ext uri="{D42A27DB-BD31-4B8C-83A1-F6EECF244321}">
-                <p14:modId xmlns:p14="http://schemas.microsoft.com/office/powerpoint/2010/main" val="1303299083"/>
+                <p14:modId xmlns:p14="http://schemas.microsoft.com/office/powerpoint/2010/main" val="1208091738"/>
               </p:ext>
             </p:extLst>
           </p:nvPr>
@@ -28429,6 +27703,276 @@
     <p:extLst>
       <p:ext uri="{BB962C8B-B14F-4D97-AF65-F5344CB8AC3E}">
         <p14:creationId xmlns:p14="http://schemas.microsoft.com/office/powerpoint/2010/main" val="3527882714"/>
+      </p:ext>
+    </p:extLst>
+  </p:cSld>
+  <p:clrMapOvr>
+    <a:masterClrMapping/>
+  </p:clrMapOvr>
+  <p:timing>
+    <p:tnLst>
+      <p:par>
+        <p:cTn id="1" dur="indefinite" restart="never" nodeType="tmRoot"/>
+      </p:par>
+    </p:tnLst>
+  </p:timing>
+</p:sld>
+</file>
+
+<file path=ppt/slides/slide6.xml><?xml version="1.0" encoding="utf-8"?>
+<p:sld xmlns:a="http://schemas.openxmlformats.org/drawingml/2006/main" xmlns:r="http://schemas.openxmlformats.org/officeDocument/2006/relationships" xmlns:p="http://schemas.openxmlformats.org/presentationml/2006/main">
+  <p:cSld>
+    <p:spTree>
+      <p:nvGrpSpPr>
+        <p:cNvPr id="1" name=""/>
+        <p:cNvGrpSpPr/>
+        <p:nvPr/>
+      </p:nvGrpSpPr>
+      <p:grpSpPr>
+        <a:xfrm>
+          <a:off x="0" y="0"/>
+          <a:ext cx="0" cy="0"/>
+          <a:chOff x="0" y="0"/>
+          <a:chExt cx="0" cy="0"/>
+        </a:xfrm>
+      </p:grpSpPr>
+      <p:sp>
+        <p:nvSpPr>
+          <p:cNvPr id="2" name="직사각형 1"/>
+          <p:cNvSpPr/>
+          <p:nvPr/>
+        </p:nvSpPr>
+        <p:spPr>
+          <a:xfrm>
+            <a:off x="251520" y="620688"/>
+            <a:ext cx="8640960" cy="5976664"/>
+          </a:xfrm>
+          <a:prstGeom prst="rect">
+            <a:avLst/>
+          </a:prstGeom>
+          <a:solidFill>
+            <a:schemeClr val="bg1"/>
+          </a:solidFill>
+          <a:ln>
+            <a:noFill/>
+          </a:ln>
+        </p:spPr>
+        <p:style>
+          <a:lnRef idx="2">
+            <a:schemeClr val="accent1">
+              <a:shade val="50000"/>
+            </a:schemeClr>
+          </a:lnRef>
+          <a:fillRef idx="1">
+            <a:schemeClr val="accent1"/>
+          </a:fillRef>
+          <a:effectRef idx="0">
+            <a:schemeClr val="accent1"/>
+          </a:effectRef>
+          <a:fontRef idx="minor">
+            <a:schemeClr val="lt1"/>
+          </a:fontRef>
+        </p:style>
+        <p:txBody>
+          <a:bodyPr rtlCol="0" anchor="ctr"/>
+          <a:lstStyle/>
+          <a:p>
+            <a:pPr algn="ctr"/>
+            <a:endParaRPr lang="ko-KR" altLang="en-US"/>
+          </a:p>
+        </p:txBody>
+      </p:sp>
+      <p:sp>
+        <p:nvSpPr>
+          <p:cNvPr id="8" name="직사각형 7"/>
+          <p:cNvSpPr/>
+          <p:nvPr/>
+        </p:nvSpPr>
+        <p:spPr>
+          <a:xfrm>
+            <a:off x="219463" y="271681"/>
+            <a:ext cx="1297150" cy="276999"/>
+          </a:xfrm>
+          <a:prstGeom prst="rect">
+            <a:avLst/>
+          </a:prstGeom>
+        </p:spPr>
+        <p:txBody>
+          <a:bodyPr wrap="none">
+            <a:spAutoFit/>
+          </a:bodyPr>
+          <a:lstStyle/>
+          <a:p>
+            <a:pPr algn="ctr"/>
+            <a:r>
+              <a:rPr lang="ko-KR" altLang="en-US" sz="1200" b="1" spc="-150" dirty="0" smtClean="0">
+                <a:solidFill>
+                  <a:schemeClr val="bg1"/>
+                </a:solidFill>
+              </a:rPr>
+              <a:t>제목을 입력하세요</a:t>
+            </a:r>
+            <a:endParaRPr lang="ko-KR" altLang="en-US" sz="1200" b="1" spc="-150" dirty="0">
+              <a:solidFill>
+                <a:schemeClr val="bg1"/>
+              </a:solidFill>
+            </a:endParaRPr>
+          </a:p>
+        </p:txBody>
+      </p:sp>
+      <p:sp>
+        <p:nvSpPr>
+          <p:cNvPr id="10" name="TextBox 9"/>
+          <p:cNvSpPr txBox="1"/>
+          <p:nvPr/>
+        </p:nvSpPr>
+        <p:spPr>
+          <a:xfrm>
+            <a:off x="7164288" y="6546830"/>
+            <a:ext cx="1728192" cy="338554"/>
+          </a:xfrm>
+          <a:prstGeom prst="rect">
+            <a:avLst/>
+          </a:prstGeom>
+          <a:noFill/>
+        </p:spPr>
+        <p:txBody>
+          <a:bodyPr wrap="square" rtlCol="0">
+            <a:spAutoFit/>
+          </a:bodyPr>
+          <a:lstStyle/>
+          <a:p>
+            <a:pPr algn="r"/>
+            <a:r>
+              <a:rPr lang="en-US" altLang="ko-KR" sz="1600" dirty="0" smtClean="0">
+                <a:solidFill>
+                  <a:schemeClr val="bg1">
+                    <a:lumMod val="75000"/>
+                  </a:schemeClr>
+                </a:solidFill>
+              </a:rPr>
+              <a:t>MINHEEBLOG</a:t>
+            </a:r>
+            <a:endParaRPr lang="ko-KR" altLang="en-US" sz="1600" dirty="0">
+              <a:solidFill>
+                <a:schemeClr val="bg1">
+                  <a:lumMod val="75000"/>
+                </a:schemeClr>
+              </a:solidFill>
+            </a:endParaRPr>
+          </a:p>
+        </p:txBody>
+      </p:sp>
+      <p:sp>
+        <p:nvSpPr>
+          <p:cNvPr id="12" name="TextBox 11"/>
+          <p:cNvSpPr txBox="1"/>
+          <p:nvPr/>
+        </p:nvSpPr>
+        <p:spPr>
+          <a:xfrm>
+            <a:off x="5364088" y="271681"/>
+            <a:ext cx="3600400" cy="276999"/>
+          </a:xfrm>
+          <a:prstGeom prst="rect">
+            <a:avLst/>
+          </a:prstGeom>
+          <a:noFill/>
+        </p:spPr>
+        <p:txBody>
+          <a:bodyPr wrap="square" rtlCol="0">
+            <a:spAutoFit/>
+          </a:bodyPr>
+          <a:lstStyle/>
+          <a:p>
+            <a:pPr algn="dist"/>
+            <a:r>
+              <a:rPr lang="ko-KR" altLang="en-US" sz="1200" dirty="0" smtClean="0">
+                <a:solidFill>
+                  <a:schemeClr val="bg1"/>
+                </a:solidFill>
+              </a:rPr>
+              <a:t>과목이름이나 영문타이틀</a:t>
+            </a:r>
+          </a:p>
+        </p:txBody>
+      </p:sp>
+      <p:sp>
+        <p:nvSpPr>
+          <p:cNvPr id="38" name="제목 1">
+            <a:extLst>
+              <a:ext uri="{FF2B5EF4-FFF2-40B4-BE49-F238E27FC236}">
+                <a16:creationId xmlns="" xmlns:a16="http://schemas.microsoft.com/office/drawing/2014/main" id="{F2D34BDE-DC1C-4249-9909-C81DB1DD3C27}"/>
+              </a:ext>
+            </a:extLst>
+          </p:cNvPr>
+          <p:cNvSpPr txBox="1">
+            <a:spLocks/>
+          </p:cNvSpPr>
+          <p:nvPr/>
+        </p:nvSpPr>
+        <p:spPr>
+          <a:xfrm>
+            <a:off x="467544" y="2420888"/>
+            <a:ext cx="8064896" cy="1642393"/>
+          </a:xfrm>
+          <a:prstGeom prst="rect">
+            <a:avLst/>
+          </a:prstGeom>
+        </p:spPr>
+        <p:txBody>
+          <a:bodyPr anchor="ctr" anchorCtr="0">
+            <a:normAutofit/>
+          </a:bodyPr>
+          <a:lstStyle>
+            <a:lvl1pPr algn="ctr" defTabSz="914400" rtl="0" eaLnBrk="1" latinLnBrk="1" hangingPunct="1">
+              <a:spcBef>
+                <a:spcPct val="0"/>
+              </a:spcBef>
+              <a:buNone/>
+              <a:defRPr sz="4400" kern="1200">
+                <a:solidFill>
+                  <a:schemeClr val="tx1"/>
+                </a:solidFill>
+                <a:latin typeface="+mj-lt"/>
+                <a:ea typeface="+mj-ea"/>
+                <a:cs typeface="+mj-cs"/>
+              </a:defRPr>
+            </a:lvl1pPr>
+          </a:lstStyle>
+          <a:p>
+            <a:r>
+              <a:rPr kumimoji="1" lang="ko-KR" altLang="en-US" sz="3500" dirty="0" err="1" smtClean="0">
+                <a:latin typeface="DXPnMStd" panose="02020600000000000000" pitchFamily="18" charset="-127"/>
+                <a:ea typeface="DXPnMStd" panose="02020600000000000000" pitchFamily="18" charset="-127"/>
+              </a:rPr>
+              <a:t>인스타그램을</a:t>
+            </a:r>
+            <a:r>
+              <a:rPr kumimoji="1" lang="ko-KR" altLang="en-US" sz="3500" dirty="0" smtClean="0">
+                <a:latin typeface="DXPnMStd" panose="02020600000000000000" pitchFamily="18" charset="-127"/>
+                <a:ea typeface="DXPnMStd" panose="02020600000000000000" pitchFamily="18" charset="-127"/>
+              </a:rPr>
+              <a:t> 선택한 이유는 무엇인가</a:t>
+            </a:r>
+            <a:r>
+              <a:rPr kumimoji="1" lang="en-US" altLang="ko-KR" sz="3500" dirty="0" smtClean="0">
+                <a:latin typeface="DXPnMStd" panose="02020600000000000000" pitchFamily="18" charset="-127"/>
+                <a:ea typeface="DXPnMStd" panose="02020600000000000000" pitchFamily="18" charset="-127"/>
+              </a:rPr>
+              <a:t>?</a:t>
+            </a:r>
+            <a:endParaRPr kumimoji="1" lang="ko-KR" altLang="en-US" sz="3500" dirty="0">
+              <a:latin typeface="DXPnMStd" panose="02020600000000000000" pitchFamily="18" charset="-127"/>
+              <a:ea typeface="DXPnMStd" panose="02020600000000000000" pitchFamily="18" charset="-127"/>
+            </a:endParaRPr>
+          </a:p>
+        </p:txBody>
+      </p:sp>
+    </p:spTree>
+    <p:extLst>
+      <p:ext uri="{BB962C8B-B14F-4D97-AF65-F5344CB8AC3E}">
+        <p14:creationId xmlns:p14="http://schemas.microsoft.com/office/powerpoint/2010/main" val="1997026734"/>
       </p:ext>
     </p:extLst>
   </p:cSld>
@@ -28541,6 +28085,500 @@
             <a:endParaRPr lang="ko-KR" altLang="en-US" sz="1200" b="1" spc="-150" dirty="0">
               <a:solidFill>
                 <a:schemeClr val="bg1"/>
+              </a:solidFill>
+            </a:endParaRPr>
+          </a:p>
+        </p:txBody>
+      </p:sp>
+      <p:sp>
+        <p:nvSpPr>
+          <p:cNvPr id="10" name="TextBox 9"/>
+          <p:cNvSpPr txBox="1"/>
+          <p:nvPr/>
+        </p:nvSpPr>
+        <p:spPr>
+          <a:xfrm>
+            <a:off x="7164288" y="6546830"/>
+            <a:ext cx="1728192" cy="338554"/>
+          </a:xfrm>
+          <a:prstGeom prst="rect">
+            <a:avLst/>
+          </a:prstGeom>
+          <a:noFill/>
+        </p:spPr>
+        <p:txBody>
+          <a:bodyPr wrap="square" rtlCol="0">
+            <a:spAutoFit/>
+          </a:bodyPr>
+          <a:lstStyle/>
+          <a:p>
+            <a:pPr algn="r"/>
+            <a:r>
+              <a:rPr lang="en-US" altLang="ko-KR" sz="1600" dirty="0" smtClean="0">
+                <a:solidFill>
+                  <a:schemeClr val="bg1">
+                    <a:lumMod val="75000"/>
+                  </a:schemeClr>
+                </a:solidFill>
+              </a:rPr>
+              <a:t>MINHEEBLOG</a:t>
+            </a:r>
+            <a:endParaRPr lang="ko-KR" altLang="en-US" sz="1600" dirty="0">
+              <a:solidFill>
+                <a:schemeClr val="bg1">
+                  <a:lumMod val="75000"/>
+                </a:schemeClr>
+              </a:solidFill>
+            </a:endParaRPr>
+          </a:p>
+        </p:txBody>
+      </p:sp>
+      <p:sp>
+        <p:nvSpPr>
+          <p:cNvPr id="12" name="TextBox 11"/>
+          <p:cNvSpPr txBox="1"/>
+          <p:nvPr/>
+        </p:nvSpPr>
+        <p:spPr>
+          <a:xfrm>
+            <a:off x="5364088" y="271681"/>
+            <a:ext cx="3600400" cy="276999"/>
+          </a:xfrm>
+          <a:prstGeom prst="rect">
+            <a:avLst/>
+          </a:prstGeom>
+          <a:noFill/>
+        </p:spPr>
+        <p:txBody>
+          <a:bodyPr wrap="square" rtlCol="0">
+            <a:spAutoFit/>
+          </a:bodyPr>
+          <a:lstStyle/>
+          <a:p>
+            <a:pPr algn="dist"/>
+            <a:r>
+              <a:rPr lang="ko-KR" altLang="en-US" sz="1200" dirty="0" smtClean="0">
+                <a:solidFill>
+                  <a:schemeClr val="bg1"/>
+                </a:solidFill>
+              </a:rPr>
+              <a:t>과목이름이나 영문타이틀</a:t>
+            </a:r>
+          </a:p>
+        </p:txBody>
+      </p:sp>
+      <p:sp>
+        <p:nvSpPr>
+          <p:cNvPr id="38" name="제목 1">
+            <a:extLst>
+              <a:ext uri="{FF2B5EF4-FFF2-40B4-BE49-F238E27FC236}">
+                <a16:creationId xmlns="" xmlns:a16="http://schemas.microsoft.com/office/drawing/2014/main" id="{F2D34BDE-DC1C-4249-9909-C81DB1DD3C27}"/>
+              </a:ext>
+            </a:extLst>
+          </p:cNvPr>
+          <p:cNvSpPr txBox="1">
+            <a:spLocks/>
+          </p:cNvSpPr>
+          <p:nvPr/>
+        </p:nvSpPr>
+        <p:spPr>
+          <a:xfrm>
+            <a:off x="467544" y="2420888"/>
+            <a:ext cx="8064896" cy="1642393"/>
+          </a:xfrm>
+          <a:prstGeom prst="rect">
+            <a:avLst/>
+          </a:prstGeom>
+        </p:spPr>
+        <p:txBody>
+          <a:bodyPr anchor="ctr" anchorCtr="0">
+            <a:normAutofit/>
+          </a:bodyPr>
+          <a:lstStyle>
+            <a:lvl1pPr algn="ctr" defTabSz="914400" rtl="0" eaLnBrk="1" latinLnBrk="1" hangingPunct="1">
+              <a:spcBef>
+                <a:spcPct val="0"/>
+              </a:spcBef>
+              <a:buNone/>
+              <a:defRPr sz="4400" kern="1200">
+                <a:solidFill>
+                  <a:schemeClr val="tx1"/>
+                </a:solidFill>
+                <a:latin typeface="+mj-lt"/>
+                <a:ea typeface="+mj-ea"/>
+                <a:cs typeface="+mj-cs"/>
+              </a:defRPr>
+            </a:lvl1pPr>
+          </a:lstStyle>
+          <a:p>
+            <a:r>
+              <a:rPr kumimoji="1" lang="ko-KR" altLang="en-US" sz="3500" dirty="0" err="1" smtClean="0">
+                <a:latin typeface="DXPnMStd" panose="02020600000000000000" pitchFamily="18" charset="-127"/>
+                <a:ea typeface="DXPnMStd" panose="02020600000000000000" pitchFamily="18" charset="-127"/>
+              </a:rPr>
+              <a:t>인스타그램을</a:t>
+            </a:r>
+            <a:r>
+              <a:rPr kumimoji="1" lang="ko-KR" altLang="en-US" sz="3500" dirty="0" smtClean="0">
+                <a:latin typeface="DXPnMStd" panose="02020600000000000000" pitchFamily="18" charset="-127"/>
+                <a:ea typeface="DXPnMStd" panose="02020600000000000000" pitchFamily="18" charset="-127"/>
+              </a:rPr>
+              <a:t> 선택한 이유는 무엇인가</a:t>
+            </a:r>
+            <a:r>
+              <a:rPr kumimoji="1" lang="en-US" altLang="ko-KR" sz="3500" dirty="0" smtClean="0">
+                <a:latin typeface="DXPnMStd" panose="02020600000000000000" pitchFamily="18" charset="-127"/>
+                <a:ea typeface="DXPnMStd" panose="02020600000000000000" pitchFamily="18" charset="-127"/>
+              </a:rPr>
+              <a:t>?</a:t>
+            </a:r>
+            <a:endParaRPr kumimoji="1" lang="ko-KR" altLang="en-US" sz="3500" dirty="0">
+              <a:latin typeface="DXPnMStd" panose="02020600000000000000" pitchFamily="18" charset="-127"/>
+              <a:ea typeface="DXPnMStd" panose="02020600000000000000" pitchFamily="18" charset="-127"/>
+            </a:endParaRPr>
+          </a:p>
+        </p:txBody>
+      </p:sp>
+      <p:cxnSp>
+        <p:nvCxnSpPr>
+          <p:cNvPr id="9" name="직선 연결선[R] 3">
+            <a:extLst>
+              <a:ext uri="{FF2B5EF4-FFF2-40B4-BE49-F238E27FC236}">
+                <a16:creationId xmlns="" xmlns:a16="http://schemas.microsoft.com/office/drawing/2014/main" id="{0FD696AD-77ED-7543-8F23-0791154BE1FC}"/>
+              </a:ext>
+            </a:extLst>
+          </p:cNvPr>
+          <p:cNvCxnSpPr/>
+          <p:nvPr/>
+        </p:nvCxnSpPr>
+        <p:spPr>
+          <a:xfrm>
+            <a:off x="755576" y="3515197"/>
+            <a:ext cx="2088232" cy="0"/>
+          </a:xfrm>
+          <a:prstGeom prst="line">
+            <a:avLst/>
+          </a:prstGeom>
+        </p:spPr>
+        <p:style>
+          <a:lnRef idx="1">
+            <a:schemeClr val="accent1"/>
+          </a:lnRef>
+          <a:fillRef idx="0">
+            <a:schemeClr val="accent1"/>
+          </a:fillRef>
+          <a:effectRef idx="0">
+            <a:schemeClr val="accent1"/>
+          </a:effectRef>
+          <a:fontRef idx="minor">
+            <a:schemeClr val="tx1"/>
+          </a:fontRef>
+        </p:style>
+      </p:cxnSp>
+      <p:cxnSp>
+        <p:nvCxnSpPr>
+          <p:cNvPr id="11" name="직선 연결선[R] 4">
+            <a:extLst>
+              <a:ext uri="{FF2B5EF4-FFF2-40B4-BE49-F238E27FC236}">
+                <a16:creationId xmlns="" xmlns:a16="http://schemas.microsoft.com/office/drawing/2014/main" id="{D55ECF10-7B0B-3F4A-9419-72B19E2C9C4E}"/>
+              </a:ext>
+            </a:extLst>
+          </p:cNvPr>
+          <p:cNvCxnSpPr>
+            <a:cxnSpLocks/>
+          </p:cNvCxnSpPr>
+          <p:nvPr/>
+        </p:nvCxnSpPr>
+        <p:spPr>
+          <a:xfrm>
+            <a:off x="6426595" y="3515197"/>
+            <a:ext cx="820057" cy="0"/>
+          </a:xfrm>
+          <a:prstGeom prst="line">
+            <a:avLst/>
+          </a:prstGeom>
+        </p:spPr>
+        <p:style>
+          <a:lnRef idx="1">
+            <a:schemeClr val="accent1"/>
+          </a:lnRef>
+          <a:fillRef idx="0">
+            <a:schemeClr val="accent1"/>
+          </a:fillRef>
+          <a:effectRef idx="0">
+            <a:schemeClr val="accent1"/>
+          </a:effectRef>
+          <a:fontRef idx="minor">
+            <a:schemeClr val="tx1"/>
+          </a:fontRef>
+        </p:style>
+      </p:cxnSp>
+      <p:sp>
+        <p:nvSpPr>
+          <p:cNvPr id="13" name="TextBox 12">
+            <a:extLst>
+              <a:ext uri="{FF2B5EF4-FFF2-40B4-BE49-F238E27FC236}">
+                <a16:creationId xmlns="" xmlns:a16="http://schemas.microsoft.com/office/drawing/2014/main" id="{F6CD9F17-383F-194F-9157-0CC44B4FFB2D}"/>
+              </a:ext>
+            </a:extLst>
+          </p:cNvPr>
+          <p:cNvSpPr txBox="1"/>
+          <p:nvPr/>
+        </p:nvSpPr>
+        <p:spPr>
+          <a:xfrm>
+            <a:off x="5584630" y="3587206"/>
+            <a:ext cx="3127830" cy="830997"/>
+          </a:xfrm>
+          <a:prstGeom prst="rect">
+            <a:avLst/>
+          </a:prstGeom>
+          <a:noFill/>
+        </p:spPr>
+        <p:txBody>
+          <a:bodyPr wrap="square" rtlCol="0">
+            <a:spAutoFit/>
+          </a:bodyPr>
+          <a:lstStyle/>
+          <a:p>
+            <a:pPr marL="342900" indent="-342900">
+              <a:buFontTx/>
+              <a:buChar char="-"/>
+            </a:pPr>
+            <a:r>
+              <a:rPr kumimoji="1" lang="ko-KR" altLang="en-US" sz="2400" dirty="0"/>
+              <a:t>어떤 </a:t>
+            </a:r>
+            <a:r>
+              <a:rPr kumimoji="1" lang="ko-KR" altLang="en-US" sz="2400" dirty="0" err="1" smtClean="0"/>
+              <a:t>해쉬태그</a:t>
+            </a:r>
+            <a:r>
+              <a:rPr kumimoji="1" lang="en-US" altLang="ko-KR" sz="2400" dirty="0" smtClean="0"/>
+              <a:t>?</a:t>
+            </a:r>
+            <a:endParaRPr kumimoji="1" lang="en-US" altLang="ko-KR" sz="2400" dirty="0"/>
+          </a:p>
+          <a:p>
+            <a:pPr marL="342900" indent="-342900">
+              <a:buFontTx/>
+              <a:buChar char="-"/>
+            </a:pPr>
+            <a:r>
+              <a:rPr kumimoji="1" lang="ko-KR" altLang="en-US" sz="2400" dirty="0"/>
+              <a:t>어떤 </a:t>
+            </a:r>
+            <a:r>
+              <a:rPr kumimoji="1" lang="ko-KR" altLang="en-US" sz="2400" dirty="0" smtClean="0"/>
+              <a:t>키워드</a:t>
+            </a:r>
+            <a:r>
+              <a:rPr kumimoji="1" lang="en-US" altLang="ko-KR" sz="2400" dirty="0" smtClean="0"/>
+              <a:t>?</a:t>
+            </a:r>
+            <a:endParaRPr kumimoji="1" lang="ko-KR" altLang="en-US" sz="2400" dirty="0"/>
+          </a:p>
+        </p:txBody>
+      </p:sp>
+      <p:sp>
+        <p:nvSpPr>
+          <p:cNvPr id="14" name="TextBox 13">
+            <a:extLst>
+              <a:ext uri="{FF2B5EF4-FFF2-40B4-BE49-F238E27FC236}">
+                <a16:creationId xmlns="" xmlns:a16="http://schemas.microsoft.com/office/drawing/2014/main" id="{5E79CAE7-A7D6-C243-8CE3-B428C13D8E54}"/>
+              </a:ext>
+            </a:extLst>
+          </p:cNvPr>
+          <p:cNvSpPr txBox="1"/>
+          <p:nvPr/>
+        </p:nvSpPr>
+        <p:spPr>
+          <a:xfrm>
+            <a:off x="611560" y="3558407"/>
+            <a:ext cx="3168352" cy="461665"/>
+          </a:xfrm>
+          <a:prstGeom prst="rect">
+            <a:avLst/>
+          </a:prstGeom>
+          <a:noFill/>
+        </p:spPr>
+        <p:txBody>
+          <a:bodyPr wrap="square" rtlCol="0">
+            <a:spAutoFit/>
+          </a:bodyPr>
+          <a:lstStyle/>
+          <a:p>
+            <a:r>
+              <a:rPr kumimoji="1" lang="ko-KR" altLang="en-US" sz="2400" smtClean="0"/>
+              <a:t>다양한 </a:t>
+            </a:r>
+            <a:r>
+              <a:rPr kumimoji="1" lang="ko-KR" altLang="en-US" sz="2400" dirty="0" smtClean="0"/>
+              <a:t>사람들이 이용</a:t>
+            </a:r>
+            <a:endParaRPr kumimoji="1" lang="ko-KR" altLang="en-US" sz="2400" dirty="0"/>
+          </a:p>
+        </p:txBody>
+      </p:sp>
+    </p:spTree>
+    <p:extLst>
+      <p:ext uri="{BB962C8B-B14F-4D97-AF65-F5344CB8AC3E}">
+        <p14:creationId xmlns:p14="http://schemas.microsoft.com/office/powerpoint/2010/main" val="3299538817"/>
+      </p:ext>
+    </p:extLst>
+  </p:cSld>
+  <p:clrMapOvr>
+    <a:masterClrMapping/>
+  </p:clrMapOvr>
+  <p:timing>
+    <p:tnLst>
+      <p:par>
+        <p:cTn id="1" dur="indefinite" restart="never" nodeType="tmRoot"/>
+      </p:par>
+    </p:tnLst>
+  </p:timing>
+</p:sld>
+</file>
+
+<file path=ppt/slides/slide8.xml><?xml version="1.0" encoding="utf-8"?>
+<p:sld xmlns:a="http://schemas.openxmlformats.org/drawingml/2006/main" xmlns:r="http://schemas.openxmlformats.org/officeDocument/2006/relationships" xmlns:p="http://schemas.openxmlformats.org/presentationml/2006/main">
+  <p:cSld>
+    <p:spTree>
+      <p:nvGrpSpPr>
+        <p:cNvPr id="1" name=""/>
+        <p:cNvGrpSpPr/>
+        <p:nvPr/>
+      </p:nvGrpSpPr>
+      <p:grpSpPr>
+        <a:xfrm>
+          <a:off x="0" y="0"/>
+          <a:ext cx="0" cy="0"/>
+          <a:chOff x="0" y="0"/>
+          <a:chExt cx="0" cy="0"/>
+        </a:xfrm>
+      </p:grpSpPr>
+      <p:sp>
+        <p:nvSpPr>
+          <p:cNvPr id="2" name="직사각형 1"/>
+          <p:cNvSpPr/>
+          <p:nvPr/>
+        </p:nvSpPr>
+        <p:spPr>
+          <a:xfrm>
+            <a:off x="251520" y="620688"/>
+            <a:ext cx="8640960" cy="5976664"/>
+          </a:xfrm>
+          <a:prstGeom prst="rect">
+            <a:avLst/>
+          </a:prstGeom>
+          <a:solidFill>
+            <a:schemeClr val="bg1"/>
+          </a:solidFill>
+          <a:ln>
+            <a:noFill/>
+          </a:ln>
+        </p:spPr>
+        <p:style>
+          <a:lnRef idx="2">
+            <a:schemeClr val="accent1">
+              <a:shade val="50000"/>
+            </a:schemeClr>
+          </a:lnRef>
+          <a:fillRef idx="1">
+            <a:schemeClr val="accent1"/>
+          </a:fillRef>
+          <a:effectRef idx="0">
+            <a:schemeClr val="accent1"/>
+          </a:effectRef>
+          <a:fontRef idx="minor">
+            <a:schemeClr val="lt1"/>
+          </a:fontRef>
+        </p:style>
+        <p:txBody>
+          <a:bodyPr rtlCol="0" anchor="ctr"/>
+          <a:lstStyle/>
+          <a:p>
+            <a:pPr algn="ctr"/>
+            <a:endParaRPr lang="ko-KR" altLang="en-US"/>
+          </a:p>
+        </p:txBody>
+      </p:sp>
+      <p:sp>
+        <p:nvSpPr>
+          <p:cNvPr id="8" name="직사각형 7"/>
+          <p:cNvSpPr/>
+          <p:nvPr/>
+        </p:nvSpPr>
+        <p:spPr>
+          <a:xfrm>
+            <a:off x="219463" y="271681"/>
+            <a:ext cx="1297150" cy="276999"/>
+          </a:xfrm>
+          <a:prstGeom prst="rect">
+            <a:avLst/>
+          </a:prstGeom>
+        </p:spPr>
+        <p:txBody>
+          <a:bodyPr wrap="none">
+            <a:spAutoFit/>
+          </a:bodyPr>
+          <a:lstStyle/>
+          <a:p>
+            <a:pPr algn="ctr"/>
+            <a:r>
+              <a:rPr lang="ko-KR" altLang="en-US" sz="1200" b="1" spc="-150" dirty="0" smtClean="0">
+                <a:solidFill>
+                  <a:schemeClr val="bg1"/>
+                </a:solidFill>
+              </a:rPr>
+              <a:t>제목을 입력하세요</a:t>
+            </a:r>
+            <a:endParaRPr lang="ko-KR" altLang="en-US" sz="1200" b="1" spc="-150" dirty="0">
+              <a:solidFill>
+                <a:schemeClr val="bg1"/>
+              </a:solidFill>
+            </a:endParaRPr>
+          </a:p>
+        </p:txBody>
+      </p:sp>
+      <p:sp>
+        <p:nvSpPr>
+          <p:cNvPr id="10" name="TextBox 9"/>
+          <p:cNvSpPr txBox="1"/>
+          <p:nvPr/>
+        </p:nvSpPr>
+        <p:spPr>
+          <a:xfrm>
+            <a:off x="7164288" y="6546830"/>
+            <a:ext cx="1728192" cy="338554"/>
+          </a:xfrm>
+          <a:prstGeom prst="rect">
+            <a:avLst/>
+          </a:prstGeom>
+          <a:noFill/>
+        </p:spPr>
+        <p:txBody>
+          <a:bodyPr wrap="square" rtlCol="0">
+            <a:spAutoFit/>
+          </a:bodyPr>
+          <a:lstStyle/>
+          <a:p>
+            <a:pPr algn="r"/>
+            <a:r>
+              <a:rPr lang="en-US" altLang="ko-KR" sz="1600" dirty="0" smtClean="0">
+                <a:solidFill>
+                  <a:schemeClr val="bg1">
+                    <a:lumMod val="75000"/>
+                  </a:schemeClr>
+                </a:solidFill>
+              </a:rPr>
+              <a:t>MINHEEBLOG</a:t>
+            </a:r>
+            <a:endParaRPr lang="ko-KR" altLang="en-US" sz="1600" dirty="0">
+              <a:solidFill>
+                <a:schemeClr val="bg1">
+                  <a:lumMod val="75000"/>
+                </a:schemeClr>
               </a:solidFill>
             </a:endParaRPr>
           </a:p>
@@ -29523,6 +29561,219 @@
           </a:p>
         </p:txBody>
       </p:sp>
+      <p:sp>
+        <p:nvSpPr>
+          <p:cNvPr id="38" name="TextBox 37">
+            <a:extLst>
+              <a:ext uri="{FF2B5EF4-FFF2-40B4-BE49-F238E27FC236}">
+                <a16:creationId xmlns="" xmlns:a16="http://schemas.microsoft.com/office/drawing/2014/main" id="{3BD1BCA0-2912-4F2B-8FAD-571BE6131249}"/>
+              </a:ext>
+            </a:extLst>
+          </p:cNvPr>
+          <p:cNvSpPr txBox="1"/>
+          <p:nvPr/>
+        </p:nvSpPr>
+        <p:spPr>
+          <a:xfrm>
+            <a:off x="868038" y="1960189"/>
+            <a:ext cx="1543721" cy="338554"/>
+          </a:xfrm>
+          <a:prstGeom prst="rect">
+            <a:avLst/>
+          </a:prstGeom>
+          <a:noFill/>
+        </p:spPr>
+        <p:txBody>
+          <a:bodyPr wrap="square" rtlCol="0">
+            <a:spAutoFit/>
+          </a:bodyPr>
+          <a:lstStyle/>
+          <a:p>
+            <a:r>
+              <a:rPr lang="ko-KR" altLang="en-US" sz="1600" b="1" dirty="0" err="1" smtClean="0"/>
+              <a:t>해쉬태그</a:t>
+            </a:r>
+            <a:r>
+              <a:rPr lang="ko-KR" altLang="en-US" sz="1600" b="1" dirty="0" smtClean="0"/>
+              <a:t> 지정</a:t>
+            </a:r>
+            <a:endParaRPr lang="ko-KR" altLang="en-US" sz="1600" b="1" dirty="0"/>
+          </a:p>
+        </p:txBody>
+      </p:sp>
+      <p:sp>
+        <p:nvSpPr>
+          <p:cNvPr id="39" name="제목 1">
+            <a:extLst>
+              <a:ext uri="{FF2B5EF4-FFF2-40B4-BE49-F238E27FC236}">
+                <a16:creationId xmlns="" xmlns:a16="http://schemas.microsoft.com/office/drawing/2014/main" id="{43DC2B6A-6C61-614F-8E06-3A6504EBCAA7}"/>
+              </a:ext>
+            </a:extLst>
+          </p:cNvPr>
+          <p:cNvSpPr txBox="1">
+            <a:spLocks/>
+          </p:cNvSpPr>
+          <p:nvPr/>
+        </p:nvSpPr>
+        <p:spPr>
+          <a:xfrm>
+            <a:off x="219463" y="47659"/>
+            <a:ext cx="8456993" cy="2016171"/>
+          </a:xfrm>
+          <a:prstGeom prst="rect">
+            <a:avLst/>
+          </a:prstGeom>
+        </p:spPr>
+        <p:txBody>
+          <a:bodyPr vert="horz" lIns="91440" tIns="45720" rIns="91440" bIns="45720" rtlCol="0" anchor="ctr" anchorCtr="0">
+            <a:normAutofit/>
+          </a:bodyPr>
+          <a:lstStyle>
+            <a:lvl1pPr algn="ctr" defTabSz="914400" rtl="0" eaLnBrk="1" latinLnBrk="1" hangingPunct="1">
+              <a:lnSpc>
+                <a:spcPct val="90000"/>
+              </a:lnSpc>
+              <a:spcBef>
+                <a:spcPct val="0"/>
+              </a:spcBef>
+              <a:buNone/>
+              <a:defRPr sz="6000" kern="1200">
+                <a:solidFill>
+                  <a:schemeClr val="tx1"/>
+                </a:solidFill>
+                <a:latin typeface="+mj-lt"/>
+                <a:ea typeface="+mj-ea"/>
+                <a:cs typeface="+mj-cs"/>
+              </a:defRPr>
+            </a:lvl1pPr>
+          </a:lstStyle>
+          <a:p>
+            <a:r>
+              <a:rPr kumimoji="1" lang="ko-KR" altLang="en-US" sz="3500" dirty="0" err="1">
+                <a:latin typeface="DXPnMStd" panose="02020600000000000000" pitchFamily="18" charset="-127"/>
+                <a:ea typeface="DXPnMStd" panose="02020600000000000000" pitchFamily="18" charset="-127"/>
+              </a:rPr>
+              <a:t>인스타그램을</a:t>
+            </a:r>
+            <a:r>
+              <a:rPr kumimoji="1" lang="ko-KR" altLang="en-US" sz="3500" dirty="0">
+                <a:latin typeface="DXPnMStd" panose="02020600000000000000" pitchFamily="18" charset="-127"/>
+                <a:ea typeface="DXPnMStd" panose="02020600000000000000" pitchFamily="18" charset="-127"/>
+              </a:rPr>
+              <a:t> 선택한 이유는 무엇인가</a:t>
+            </a:r>
+            <a:r>
+              <a:rPr kumimoji="1" lang="en-US" altLang="ko-KR" sz="3500" dirty="0">
+                <a:latin typeface="DXPnMStd" panose="02020600000000000000" pitchFamily="18" charset="-127"/>
+                <a:ea typeface="DXPnMStd" panose="02020600000000000000" pitchFamily="18" charset="-127"/>
+              </a:rPr>
+              <a:t>?</a:t>
+            </a:r>
+            <a:endParaRPr kumimoji="1" lang="ko-KR" altLang="en-US" sz="3500" dirty="0">
+              <a:latin typeface="DXPnMStd" panose="02020600000000000000" pitchFamily="18" charset="-127"/>
+              <a:ea typeface="DXPnMStd" panose="02020600000000000000" pitchFamily="18" charset="-127"/>
+            </a:endParaRPr>
+          </a:p>
+        </p:txBody>
+      </p:sp>
+      <p:sp>
+        <p:nvSpPr>
+          <p:cNvPr id="40" name="화살표: 오른쪽 7">
+            <a:extLst>
+              <a:ext uri="{FF2B5EF4-FFF2-40B4-BE49-F238E27FC236}">
+                <a16:creationId xmlns="" xmlns:a16="http://schemas.microsoft.com/office/drawing/2014/main" id="{6E59AD2F-012E-A842-AE98-AA4A0453C31F}"/>
+              </a:ext>
+            </a:extLst>
+          </p:cNvPr>
+          <p:cNvSpPr/>
+          <p:nvPr/>
+        </p:nvSpPr>
+        <p:spPr>
+          <a:xfrm rot="5400000">
+            <a:off x="1323022" y="1440833"/>
+            <a:ext cx="216610" cy="170573"/>
+          </a:xfrm>
+          <a:prstGeom prst="rightArrow">
+            <a:avLst/>
+          </a:prstGeom>
+          <a:solidFill>
+            <a:srgbClr val="082E59"/>
+          </a:solidFill>
+        </p:spPr>
+        <p:style>
+          <a:lnRef idx="2">
+            <a:schemeClr val="accent1">
+              <a:shade val="50000"/>
+            </a:schemeClr>
+          </a:lnRef>
+          <a:fillRef idx="1">
+            <a:schemeClr val="accent1"/>
+          </a:fillRef>
+          <a:effectRef idx="0">
+            <a:schemeClr val="accent1"/>
+          </a:effectRef>
+          <a:fontRef idx="minor">
+            <a:schemeClr val="lt1"/>
+          </a:fontRef>
+        </p:style>
+        <p:txBody>
+          <a:bodyPr rtlCol="0" anchor="ctr"/>
+          <a:lstStyle/>
+          <a:p>
+            <a:pPr algn="ctr"/>
+            <a:endParaRPr lang="ko-KR" altLang="en-US"/>
+          </a:p>
+        </p:txBody>
+      </p:sp>
+      <p:sp>
+        <p:nvSpPr>
+          <p:cNvPr id="41" name="화살표: 오른쪽 7">
+            <a:extLst>
+              <a:ext uri="{FF2B5EF4-FFF2-40B4-BE49-F238E27FC236}">
+                <a16:creationId xmlns="" xmlns:a16="http://schemas.microsoft.com/office/drawing/2014/main" id="{9F9255E5-77B9-3F45-8169-5191645F6553}"/>
+              </a:ext>
+            </a:extLst>
+          </p:cNvPr>
+          <p:cNvSpPr/>
+          <p:nvPr/>
+        </p:nvSpPr>
+        <p:spPr>
+          <a:xfrm rot="5400000">
+            <a:off x="1323021" y="2506158"/>
+            <a:ext cx="216610" cy="170573"/>
+          </a:xfrm>
+          <a:prstGeom prst="rightArrow">
+            <a:avLst/>
+          </a:prstGeom>
+          <a:solidFill>
+            <a:srgbClr val="082E59"/>
+          </a:solidFill>
+        </p:spPr>
+        <p:style>
+          <a:lnRef idx="2">
+            <a:schemeClr val="accent1">
+              <a:shade val="50000"/>
+            </a:schemeClr>
+          </a:lnRef>
+          <a:fillRef idx="1">
+            <a:schemeClr val="accent1"/>
+          </a:fillRef>
+          <a:effectRef idx="0">
+            <a:schemeClr val="accent1"/>
+          </a:effectRef>
+          <a:fontRef idx="minor">
+            <a:schemeClr val="lt1"/>
+          </a:fontRef>
+        </p:style>
+        <p:txBody>
+          <a:bodyPr rtlCol="0" anchor="ctr"/>
+          <a:lstStyle/>
+          <a:p>
+            <a:pPr algn="ctr"/>
+            <a:endParaRPr lang="ko-KR" altLang="en-US"/>
+          </a:p>
+        </p:txBody>
+      </p:sp>
     </p:spTree>
   </p:cSld>
   <p:clrMapOvr>
@@ -29538,7 +29789,7 @@
 </p:sld>
 </file>
 
-<file path=ppt/slides/slide8.xml><?xml version="1.0" encoding="utf-8"?>
+<file path=ppt/slides/slide9.xml><?xml version="1.0" encoding="utf-8"?>
 <p:sld xmlns:a="http://schemas.openxmlformats.org/drawingml/2006/main" xmlns:r="http://schemas.openxmlformats.org/officeDocument/2006/relationships" xmlns:p="http://schemas.openxmlformats.org/presentationml/2006/main">
   <p:cSld>
     <p:spTree>
@@ -29678,7 +29929,7 @@
           <p:cNvPr id="38" name="화살표: 갈매기형 수장 1">
             <a:extLst>
               <a:ext uri="{FF2B5EF4-FFF2-40B4-BE49-F238E27FC236}">
-                <a16:creationId xmlns:a16="http://schemas.microsoft.com/office/drawing/2014/main" xmlns="" id="{A38FB86A-A9AC-4EAE-8223-69D52F8B1ABE}"/>
+                <a16:creationId xmlns="" xmlns:a16="http://schemas.microsoft.com/office/drawing/2014/main" id="{A38FB86A-A9AC-4EAE-8223-69D52F8B1ABE}"/>
               </a:ext>
             </a:extLst>
           </p:cNvPr>
@@ -29736,7 +29987,7 @@
           <p:cNvPr id="39" name="화살표: 갈매기형 수장 2">
             <a:extLst>
               <a:ext uri="{FF2B5EF4-FFF2-40B4-BE49-F238E27FC236}">
-                <a16:creationId xmlns:a16="http://schemas.microsoft.com/office/drawing/2014/main" xmlns="" id="{8C8E1FD7-9558-46EC-B4E7-FDD400E94927}"/>
+                <a16:creationId xmlns="" xmlns:a16="http://schemas.microsoft.com/office/drawing/2014/main" id="{8C8E1FD7-9558-46EC-B4E7-FDD400E94927}"/>
               </a:ext>
             </a:extLst>
           </p:cNvPr>
@@ -29792,7 +30043,7 @@
           <p:cNvPr id="41" name="화살표: 갈매기형 수장 4">
             <a:extLst>
               <a:ext uri="{FF2B5EF4-FFF2-40B4-BE49-F238E27FC236}">
-                <a16:creationId xmlns:a16="http://schemas.microsoft.com/office/drawing/2014/main" xmlns="" id="{66755A50-62DA-4FF0-95B0-EA82A6CC33B8}"/>
+                <a16:creationId xmlns="" xmlns:a16="http://schemas.microsoft.com/office/drawing/2014/main" id="{66755A50-62DA-4FF0-95B0-EA82A6CC33B8}"/>
               </a:ext>
             </a:extLst>
           </p:cNvPr>
@@ -29848,7 +30099,7 @@
           <p:cNvPr id="42" name="화살표: 갈매기형 수장 5">
             <a:extLst>
               <a:ext uri="{FF2B5EF4-FFF2-40B4-BE49-F238E27FC236}">
-                <a16:creationId xmlns:a16="http://schemas.microsoft.com/office/drawing/2014/main" xmlns="" id="{DE46CADA-41E8-412A-A136-0A94F5A27AD4}"/>
+                <a16:creationId xmlns="" xmlns:a16="http://schemas.microsoft.com/office/drawing/2014/main" id="{DE46CADA-41E8-412A-A136-0A94F5A27AD4}"/>
               </a:ext>
             </a:extLst>
           </p:cNvPr>
@@ -29904,7 +30155,7 @@
           <p:cNvPr id="43" name="TextBox 42">
             <a:extLst>
               <a:ext uri="{FF2B5EF4-FFF2-40B4-BE49-F238E27FC236}">
-                <a16:creationId xmlns:a16="http://schemas.microsoft.com/office/drawing/2014/main" xmlns="" id="{68E943C8-5BA8-4C3E-A527-DD0F8F2B0E0A}"/>
+                <a16:creationId xmlns="" xmlns:a16="http://schemas.microsoft.com/office/drawing/2014/main" id="{68E943C8-5BA8-4C3E-A527-DD0F8F2B0E0A}"/>
               </a:ext>
             </a:extLst>
           </p:cNvPr>
@@ -29948,7 +30199,7 @@
           <p:cNvPr id="44" name="TextBox 43">
             <a:extLst>
               <a:ext uri="{FF2B5EF4-FFF2-40B4-BE49-F238E27FC236}">
-                <a16:creationId xmlns:a16="http://schemas.microsoft.com/office/drawing/2014/main" xmlns="" id="{4D3D8339-CC68-4AAC-A189-19E6E05D54DD}"/>
+                <a16:creationId xmlns="" xmlns:a16="http://schemas.microsoft.com/office/drawing/2014/main" id="{4D3D8339-CC68-4AAC-A189-19E6E05D54DD}"/>
               </a:ext>
             </a:extLst>
           </p:cNvPr>
@@ -29987,7 +30238,7 @@
           <p:cNvPr id="46" name="TextBox 45">
             <a:extLst>
               <a:ext uri="{FF2B5EF4-FFF2-40B4-BE49-F238E27FC236}">
-                <a16:creationId xmlns:a16="http://schemas.microsoft.com/office/drawing/2014/main" xmlns="" id="{32361A82-4993-4DC4-B5EF-3C30F9515573}"/>
+                <a16:creationId xmlns="" xmlns:a16="http://schemas.microsoft.com/office/drawing/2014/main" id="{32361A82-4993-4DC4-B5EF-3C30F9515573}"/>
               </a:ext>
             </a:extLst>
           </p:cNvPr>
@@ -30026,7 +30277,7 @@
           <p:cNvPr id="47" name="TextBox 46">
             <a:extLst>
               <a:ext uri="{FF2B5EF4-FFF2-40B4-BE49-F238E27FC236}">
-                <a16:creationId xmlns:a16="http://schemas.microsoft.com/office/drawing/2014/main" xmlns="" id="{49D68CEE-0E8C-4AD6-9485-622609B084B3}"/>
+                <a16:creationId xmlns="" xmlns:a16="http://schemas.microsoft.com/office/drawing/2014/main" id="{49D68CEE-0E8C-4AD6-9485-622609B084B3}"/>
               </a:ext>
             </a:extLst>
           </p:cNvPr>
@@ -30066,7 +30317,7 @@
           <p:cNvPr id="48" name="화살표: 갈매기형 수장 2">
             <a:extLst>
               <a:ext uri="{FF2B5EF4-FFF2-40B4-BE49-F238E27FC236}">
-                <a16:creationId xmlns:a16="http://schemas.microsoft.com/office/drawing/2014/main" xmlns="" id="{7B196A9F-09F8-8545-89B0-5112E49D0233}"/>
+                <a16:creationId xmlns="" xmlns:a16="http://schemas.microsoft.com/office/drawing/2014/main" id="{7B196A9F-09F8-8545-89B0-5112E49D0233}"/>
               </a:ext>
             </a:extLst>
           </p:cNvPr>
@@ -30122,7 +30373,7 @@
           <p:cNvPr id="49" name="TextBox 48">
             <a:extLst>
               <a:ext uri="{FF2B5EF4-FFF2-40B4-BE49-F238E27FC236}">
-                <a16:creationId xmlns:a16="http://schemas.microsoft.com/office/drawing/2014/main" xmlns="" id="{BC3F0FE1-9ECF-C344-B0A8-12B4DA316EC5}"/>
+                <a16:creationId xmlns="" xmlns:a16="http://schemas.microsoft.com/office/drawing/2014/main" id="{BC3F0FE1-9ECF-C344-B0A8-12B4DA316EC5}"/>
               </a:ext>
             </a:extLst>
           </p:cNvPr>
@@ -30185,7 +30436,7 @@
           <p:cNvPr id="21" name="꺾인 연결선[E] 12">
             <a:extLst>
               <a:ext uri="{FF2B5EF4-FFF2-40B4-BE49-F238E27FC236}">
-                <a16:creationId xmlns="" xmlns:a16="http://schemas.microsoft.com/office/drawing/2014/main" id="{9EA1CB21-45EB-4FD5-8958-6638C2B8E9AF}"/>
+                <a16:creationId xmlns:a16="http://schemas.microsoft.com/office/drawing/2014/main" xmlns="" id="{9EA1CB21-45EB-4FD5-8958-6638C2B8E9AF}"/>
               </a:ext>
             </a:extLst>
           </p:cNvPr>
@@ -30231,7 +30482,7 @@
           <p:cNvPr id="22" name="TextBox 21">
             <a:extLst>
               <a:ext uri="{FF2B5EF4-FFF2-40B4-BE49-F238E27FC236}">
-                <a16:creationId xmlns="" xmlns:a16="http://schemas.microsoft.com/office/drawing/2014/main" id="{4F1E8E36-7223-43AE-A194-C5947D11B18D}"/>
+                <a16:creationId xmlns:a16="http://schemas.microsoft.com/office/drawing/2014/main" xmlns="" id="{4F1E8E36-7223-43AE-A194-C5947D11B18D}"/>
               </a:ext>
             </a:extLst>
           </p:cNvPr>
@@ -30275,7 +30526,7 @@
           <p:cNvPr id="24" name="TextBox 23">
             <a:extLst>
               <a:ext uri="{FF2B5EF4-FFF2-40B4-BE49-F238E27FC236}">
-                <a16:creationId xmlns="" xmlns:a16="http://schemas.microsoft.com/office/drawing/2014/main" id="{4F1E8E36-7223-43AE-A194-C5947D11B18D}"/>
+                <a16:creationId xmlns:a16="http://schemas.microsoft.com/office/drawing/2014/main" xmlns="" id="{4F1E8E36-7223-43AE-A194-C5947D11B18D}"/>
               </a:ext>
             </a:extLst>
           </p:cNvPr>
@@ -30319,7 +30570,7 @@
           <p:cNvPr id="28" name="직선 연결선 27">
             <a:extLst>
               <a:ext uri="{FF2B5EF4-FFF2-40B4-BE49-F238E27FC236}">
-                <a16:creationId xmlns="" xmlns:a16="http://schemas.microsoft.com/office/drawing/2014/main" id="{19C27C6B-EE52-4EBC-86EC-BB21C7AD776D}"/>
+                <a16:creationId xmlns:a16="http://schemas.microsoft.com/office/drawing/2014/main" xmlns="" id="{19C27C6B-EE52-4EBC-86EC-BB21C7AD776D}"/>
               </a:ext>
             </a:extLst>
           </p:cNvPr>
@@ -30362,7 +30613,7 @@
           <p:cNvPr id="40" name="TextBox 39">
             <a:extLst>
               <a:ext uri="{FF2B5EF4-FFF2-40B4-BE49-F238E27FC236}">
-                <a16:creationId xmlns="" xmlns:a16="http://schemas.microsoft.com/office/drawing/2014/main" id="{4F1E8E36-7223-43AE-A194-C5947D11B18D}"/>
+                <a16:creationId xmlns:a16="http://schemas.microsoft.com/office/drawing/2014/main" xmlns="" id="{4F1E8E36-7223-43AE-A194-C5947D11B18D}"/>
               </a:ext>
             </a:extLst>
           </p:cNvPr>
@@ -30406,7 +30657,7 @@
           <p:cNvPr id="50" name="TextBox 49">
             <a:extLst>
               <a:ext uri="{FF2B5EF4-FFF2-40B4-BE49-F238E27FC236}">
-                <a16:creationId xmlns="" xmlns:a16="http://schemas.microsoft.com/office/drawing/2014/main" id="{4F1E8E36-7223-43AE-A194-C5947D11B18D}"/>
+                <a16:creationId xmlns:a16="http://schemas.microsoft.com/office/drawing/2014/main" xmlns="" id="{4F1E8E36-7223-43AE-A194-C5947D11B18D}"/>
               </a:ext>
             </a:extLst>
           </p:cNvPr>
@@ -30592,1037 +30843,7 @@
     </p:spTree>
     <p:extLst>
       <p:ext uri="{BB962C8B-B14F-4D97-AF65-F5344CB8AC3E}">
-        <p14:creationId xmlns:p14="http://schemas.microsoft.com/office/powerpoint/2010/main" val="4175070301"/>
-      </p:ext>
-    </p:extLst>
-  </p:cSld>
-  <p:clrMapOvr>
-    <a:masterClrMapping/>
-  </p:clrMapOvr>
-  <p:timing>
-    <p:tnLst>
-      <p:par>
-        <p:cTn id="1" dur="indefinite" restart="never" nodeType="tmRoot"/>
-      </p:par>
-    </p:tnLst>
-  </p:timing>
-</p:sld>
-</file>
-
-<file path=ppt/slides/slide9.xml><?xml version="1.0" encoding="utf-8"?>
-<p:sld xmlns:a="http://schemas.openxmlformats.org/drawingml/2006/main" xmlns:r="http://schemas.openxmlformats.org/officeDocument/2006/relationships" xmlns:p="http://schemas.openxmlformats.org/presentationml/2006/main">
-  <p:cSld>
-    <p:spTree>
-      <p:nvGrpSpPr>
-        <p:cNvPr id="1" name=""/>
-        <p:cNvGrpSpPr/>
-        <p:nvPr/>
-      </p:nvGrpSpPr>
-      <p:grpSpPr>
-        <a:xfrm>
-          <a:off x="0" y="0"/>
-          <a:ext cx="0" cy="0"/>
-          <a:chOff x="0" y="0"/>
-          <a:chExt cx="0" cy="0"/>
-        </a:xfrm>
-      </p:grpSpPr>
-      <p:sp>
-        <p:nvSpPr>
-          <p:cNvPr id="2" name="직사각형 1"/>
-          <p:cNvSpPr/>
-          <p:nvPr/>
-        </p:nvSpPr>
-        <p:spPr>
-          <a:xfrm>
-            <a:off x="251520" y="620688"/>
-            <a:ext cx="8640960" cy="5976664"/>
-          </a:xfrm>
-          <a:prstGeom prst="rect">
-            <a:avLst/>
-          </a:prstGeom>
-          <a:solidFill>
-            <a:schemeClr val="bg1"/>
-          </a:solidFill>
-          <a:ln>
-            <a:noFill/>
-          </a:ln>
-        </p:spPr>
-        <p:style>
-          <a:lnRef idx="2">
-            <a:schemeClr val="accent1">
-              <a:shade val="50000"/>
-            </a:schemeClr>
-          </a:lnRef>
-          <a:fillRef idx="1">
-            <a:schemeClr val="accent1"/>
-          </a:fillRef>
-          <a:effectRef idx="0">
-            <a:schemeClr val="accent1"/>
-          </a:effectRef>
-          <a:fontRef idx="minor">
-            <a:schemeClr val="lt1"/>
-          </a:fontRef>
-        </p:style>
-        <p:txBody>
-          <a:bodyPr rtlCol="0" anchor="ctr"/>
-          <a:lstStyle/>
-          <a:p>
-            <a:pPr algn="ctr"/>
-            <a:endParaRPr lang="ko-KR" altLang="en-US"/>
-          </a:p>
-        </p:txBody>
-      </p:sp>
-      <p:sp>
-        <p:nvSpPr>
-          <p:cNvPr id="8" name="직사각형 7"/>
-          <p:cNvSpPr/>
-          <p:nvPr/>
-        </p:nvSpPr>
-        <p:spPr>
-          <a:xfrm>
-            <a:off x="219463" y="271681"/>
-            <a:ext cx="1297150" cy="276999"/>
-          </a:xfrm>
-          <a:prstGeom prst="rect">
-            <a:avLst/>
-          </a:prstGeom>
-        </p:spPr>
-        <p:txBody>
-          <a:bodyPr wrap="none">
-            <a:spAutoFit/>
-          </a:bodyPr>
-          <a:lstStyle/>
-          <a:p>
-            <a:pPr algn="ctr"/>
-            <a:r>
-              <a:rPr lang="ko-KR" altLang="en-US" sz="1200" b="1" spc="-150" dirty="0" smtClean="0">
-                <a:solidFill>
-                  <a:schemeClr val="bg1"/>
-                </a:solidFill>
-              </a:rPr>
-              <a:t>제목을 입력하세요</a:t>
-            </a:r>
-            <a:endParaRPr lang="ko-KR" altLang="en-US" sz="1200" b="1" spc="-150" dirty="0">
-              <a:solidFill>
-                <a:schemeClr val="bg1"/>
-              </a:solidFill>
-            </a:endParaRPr>
-          </a:p>
-        </p:txBody>
-      </p:sp>
-      <p:sp>
-        <p:nvSpPr>
-          <p:cNvPr id="12" name="TextBox 11"/>
-          <p:cNvSpPr txBox="1"/>
-          <p:nvPr/>
-        </p:nvSpPr>
-        <p:spPr>
-          <a:xfrm>
-            <a:off x="5364088" y="271681"/>
-            <a:ext cx="3600400" cy="276999"/>
-          </a:xfrm>
-          <a:prstGeom prst="rect">
-            <a:avLst/>
-          </a:prstGeom>
-          <a:noFill/>
-        </p:spPr>
-        <p:txBody>
-          <a:bodyPr wrap="square" rtlCol="0">
-            <a:spAutoFit/>
-          </a:bodyPr>
-          <a:lstStyle/>
-          <a:p>
-            <a:pPr algn="dist"/>
-            <a:r>
-              <a:rPr lang="ko-KR" altLang="en-US" sz="1200" dirty="0" smtClean="0">
-                <a:solidFill>
-                  <a:schemeClr val="bg1"/>
-                </a:solidFill>
-              </a:rPr>
-              <a:t>과목이름이나 영문타이틀</a:t>
-            </a:r>
-          </a:p>
-        </p:txBody>
-      </p:sp>
-      <p:sp>
-        <p:nvSpPr>
-          <p:cNvPr id="38" name="화살표: 갈매기형 수장 1">
-            <a:extLst>
-              <a:ext uri="{FF2B5EF4-FFF2-40B4-BE49-F238E27FC236}">
-                <a16:creationId xmlns:a16="http://schemas.microsoft.com/office/drawing/2014/main" xmlns="" id="{A38FB86A-A9AC-4EAE-8223-69D52F8B1ABE}"/>
-              </a:ext>
-            </a:extLst>
-          </p:cNvPr>
-          <p:cNvSpPr/>
-          <p:nvPr/>
-        </p:nvSpPr>
-        <p:spPr>
-          <a:xfrm>
-            <a:off x="479244" y="1072880"/>
-            <a:ext cx="1742256" cy="461945"/>
-          </a:xfrm>
-          <a:prstGeom prst="chevron">
-            <a:avLst/>
-          </a:prstGeom>
-          <a:solidFill>
-            <a:srgbClr val="FFC000"/>
-          </a:solidFill>
-          <a:ln>
-            <a:solidFill>
-              <a:srgbClr val="FFCC00"/>
-            </a:solidFill>
-          </a:ln>
-        </p:spPr>
-        <p:style>
-          <a:lnRef idx="2">
-            <a:schemeClr val="accent1">
-              <a:shade val="50000"/>
-            </a:schemeClr>
-          </a:lnRef>
-          <a:fillRef idx="1">
-            <a:schemeClr val="accent1"/>
-          </a:fillRef>
-          <a:effectRef idx="0">
-            <a:schemeClr val="accent1"/>
-          </a:effectRef>
-          <a:fontRef idx="minor">
-            <a:schemeClr val="lt1"/>
-          </a:fontRef>
-        </p:style>
-        <p:txBody>
-          <a:bodyPr rtlCol="0" anchor="ctr"/>
-          <a:lstStyle/>
-          <a:p>
-            <a:pPr algn="ctr"/>
-            <a:endParaRPr lang="ko-KR" altLang="en-US">
-              <a:solidFill>
-                <a:schemeClr val="tx1"/>
-              </a:solidFill>
-            </a:endParaRPr>
-          </a:p>
-        </p:txBody>
-      </p:sp>
-      <p:sp>
-        <p:nvSpPr>
-          <p:cNvPr id="39" name="화살표: 갈매기형 수장 2">
-            <a:extLst>
-              <a:ext uri="{FF2B5EF4-FFF2-40B4-BE49-F238E27FC236}">
-                <a16:creationId xmlns:a16="http://schemas.microsoft.com/office/drawing/2014/main" xmlns="" id="{8C8E1FD7-9558-46EC-B4E7-FDD400E94927}"/>
-              </a:ext>
-            </a:extLst>
-          </p:cNvPr>
-          <p:cNvSpPr/>
-          <p:nvPr/>
-        </p:nvSpPr>
-        <p:spPr>
-          <a:xfrm>
-            <a:off x="3779912" y="1072224"/>
-            <a:ext cx="1742256" cy="461945"/>
-          </a:xfrm>
-          <a:prstGeom prst="chevron">
-            <a:avLst/>
-          </a:prstGeom>
-          <a:noFill/>
-          <a:ln>
-            <a:solidFill>
-              <a:srgbClr val="FFCC00"/>
-            </a:solidFill>
-          </a:ln>
-        </p:spPr>
-        <p:style>
-          <a:lnRef idx="2">
-            <a:schemeClr val="accent1">
-              <a:shade val="50000"/>
-            </a:schemeClr>
-          </a:lnRef>
-          <a:fillRef idx="1">
-            <a:schemeClr val="accent1"/>
-          </a:fillRef>
-          <a:effectRef idx="0">
-            <a:schemeClr val="accent1"/>
-          </a:effectRef>
-          <a:fontRef idx="minor">
-            <a:schemeClr val="lt1"/>
-          </a:fontRef>
-        </p:style>
-        <p:txBody>
-          <a:bodyPr rtlCol="0" anchor="ctr"/>
-          <a:lstStyle/>
-          <a:p>
-            <a:pPr algn="ctr"/>
-            <a:endParaRPr lang="ko-KR" altLang="en-US">
-              <a:solidFill>
-                <a:schemeClr val="tx1"/>
-              </a:solidFill>
-            </a:endParaRPr>
-          </a:p>
-        </p:txBody>
-      </p:sp>
-      <p:sp>
-        <p:nvSpPr>
-          <p:cNvPr id="41" name="화살표: 갈매기형 수장 4">
-            <a:extLst>
-              <a:ext uri="{FF2B5EF4-FFF2-40B4-BE49-F238E27FC236}">
-                <a16:creationId xmlns:a16="http://schemas.microsoft.com/office/drawing/2014/main" xmlns="" id="{66755A50-62DA-4FF0-95B0-EA82A6CC33B8}"/>
-              </a:ext>
-            </a:extLst>
-          </p:cNvPr>
-          <p:cNvSpPr/>
-          <p:nvPr/>
-        </p:nvSpPr>
-        <p:spPr>
-          <a:xfrm>
-            <a:off x="5402325" y="1072224"/>
-            <a:ext cx="1742256" cy="461945"/>
-          </a:xfrm>
-          <a:prstGeom prst="chevron">
-            <a:avLst/>
-          </a:prstGeom>
-          <a:noFill/>
-          <a:ln>
-            <a:solidFill>
-              <a:srgbClr val="FFCC00"/>
-            </a:solidFill>
-          </a:ln>
-        </p:spPr>
-        <p:style>
-          <a:lnRef idx="2">
-            <a:schemeClr val="accent1">
-              <a:shade val="50000"/>
-            </a:schemeClr>
-          </a:lnRef>
-          <a:fillRef idx="1">
-            <a:schemeClr val="accent1"/>
-          </a:fillRef>
-          <a:effectRef idx="0">
-            <a:schemeClr val="accent1"/>
-          </a:effectRef>
-          <a:fontRef idx="minor">
-            <a:schemeClr val="lt1"/>
-          </a:fontRef>
-        </p:style>
-        <p:txBody>
-          <a:bodyPr rtlCol="0" anchor="ctr"/>
-          <a:lstStyle/>
-          <a:p>
-            <a:pPr algn="ctr"/>
-            <a:endParaRPr lang="ko-KR" altLang="en-US">
-              <a:solidFill>
-                <a:schemeClr val="tx1"/>
-              </a:solidFill>
-            </a:endParaRPr>
-          </a:p>
-        </p:txBody>
-      </p:sp>
-      <p:sp>
-        <p:nvSpPr>
-          <p:cNvPr id="42" name="화살표: 갈매기형 수장 5">
-            <a:extLst>
-              <a:ext uri="{FF2B5EF4-FFF2-40B4-BE49-F238E27FC236}">
-                <a16:creationId xmlns:a16="http://schemas.microsoft.com/office/drawing/2014/main" xmlns="" id="{DE46CADA-41E8-412A-A136-0A94F5A27AD4}"/>
-              </a:ext>
-            </a:extLst>
-          </p:cNvPr>
-          <p:cNvSpPr/>
-          <p:nvPr/>
-        </p:nvSpPr>
-        <p:spPr>
-          <a:xfrm>
-            <a:off x="7012687" y="1072224"/>
-            <a:ext cx="1742256" cy="461945"/>
-          </a:xfrm>
-          <a:prstGeom prst="chevron">
-            <a:avLst/>
-          </a:prstGeom>
-          <a:noFill/>
-          <a:ln>
-            <a:solidFill>
-              <a:srgbClr val="FFCC00"/>
-            </a:solidFill>
-          </a:ln>
-        </p:spPr>
-        <p:style>
-          <a:lnRef idx="2">
-            <a:schemeClr val="accent1">
-              <a:shade val="50000"/>
-            </a:schemeClr>
-          </a:lnRef>
-          <a:fillRef idx="1">
-            <a:schemeClr val="accent1"/>
-          </a:fillRef>
-          <a:effectRef idx="0">
-            <a:schemeClr val="accent1"/>
-          </a:effectRef>
-          <a:fontRef idx="minor">
-            <a:schemeClr val="lt1"/>
-          </a:fontRef>
-        </p:style>
-        <p:txBody>
-          <a:bodyPr rtlCol="0" anchor="ctr"/>
-          <a:lstStyle/>
-          <a:p>
-            <a:pPr algn="ctr"/>
-            <a:endParaRPr lang="ko-KR" altLang="en-US">
-              <a:solidFill>
-                <a:schemeClr val="tx1"/>
-              </a:solidFill>
-            </a:endParaRPr>
-          </a:p>
-        </p:txBody>
-      </p:sp>
-      <p:sp>
-        <p:nvSpPr>
-          <p:cNvPr id="43" name="TextBox 42">
-            <a:extLst>
-              <a:ext uri="{FF2B5EF4-FFF2-40B4-BE49-F238E27FC236}">
-                <a16:creationId xmlns:a16="http://schemas.microsoft.com/office/drawing/2014/main" xmlns="" id="{68E943C8-5BA8-4C3E-A527-DD0F8F2B0E0A}"/>
-              </a:ext>
-            </a:extLst>
-          </p:cNvPr>
-          <p:cNvSpPr txBox="1"/>
-          <p:nvPr/>
-        </p:nvSpPr>
-        <p:spPr>
-          <a:xfrm>
-            <a:off x="675082" y="1130530"/>
-            <a:ext cx="1343858" cy="369332"/>
-          </a:xfrm>
-          <a:prstGeom prst="rect">
-            <a:avLst/>
-          </a:prstGeom>
-          <a:noFill/>
-        </p:spPr>
-        <p:txBody>
-          <a:bodyPr wrap="square" rtlCol="0">
-            <a:spAutoFit/>
-          </a:bodyPr>
-          <a:lstStyle/>
-          <a:p>
-            <a:r>
-              <a:rPr lang="ko-KR" altLang="en-US" b="1" dirty="0" err="1">
-                <a:solidFill>
-                  <a:schemeClr val="bg1"/>
-                </a:solidFill>
-              </a:rPr>
-              <a:t>웹스크래핑</a:t>
-            </a:r>
-            <a:endParaRPr lang="ko-KR" altLang="en-US" b="1" dirty="0">
-              <a:solidFill>
-                <a:schemeClr val="bg1"/>
-              </a:solidFill>
-            </a:endParaRPr>
-          </a:p>
-        </p:txBody>
-      </p:sp>
-      <p:sp>
-        <p:nvSpPr>
-          <p:cNvPr id="44" name="TextBox 43">
-            <a:extLst>
-              <a:ext uri="{FF2B5EF4-FFF2-40B4-BE49-F238E27FC236}">
-                <a16:creationId xmlns:a16="http://schemas.microsoft.com/office/drawing/2014/main" xmlns="" id="{4D3D8339-CC68-4AAC-A189-19E6E05D54DD}"/>
-              </a:ext>
-            </a:extLst>
-          </p:cNvPr>
-          <p:cNvSpPr txBox="1"/>
-          <p:nvPr/>
-        </p:nvSpPr>
-        <p:spPr>
-          <a:xfrm>
-            <a:off x="4198808" y="1129874"/>
-            <a:ext cx="890085" cy="369332"/>
-          </a:xfrm>
-          <a:prstGeom prst="rect">
-            <a:avLst/>
-          </a:prstGeom>
-          <a:noFill/>
-        </p:spPr>
-        <p:txBody>
-          <a:bodyPr wrap="square" rtlCol="0">
-            <a:spAutoFit/>
-          </a:bodyPr>
-          <a:lstStyle/>
-          <a:p>
-            <a:r>
-              <a:rPr lang="ko-KR" altLang="en-US" b="1" dirty="0">
-                <a:solidFill>
-                  <a:srgbClr val="082E59"/>
-                </a:solidFill>
-              </a:rPr>
-              <a:t>시각화</a:t>
-            </a:r>
-          </a:p>
-        </p:txBody>
-      </p:sp>
-      <p:sp>
-        <p:nvSpPr>
-          <p:cNvPr id="46" name="TextBox 45">
-            <a:extLst>
-              <a:ext uri="{FF2B5EF4-FFF2-40B4-BE49-F238E27FC236}">
-                <a16:creationId xmlns:a16="http://schemas.microsoft.com/office/drawing/2014/main" xmlns="" id="{32361A82-4993-4DC4-B5EF-3C30F9515573}"/>
-              </a:ext>
-            </a:extLst>
-          </p:cNvPr>
-          <p:cNvSpPr txBox="1"/>
-          <p:nvPr/>
-        </p:nvSpPr>
-        <p:spPr>
-          <a:xfrm>
-            <a:off x="7327810" y="1129874"/>
-            <a:ext cx="1101193" cy="369332"/>
-          </a:xfrm>
-          <a:prstGeom prst="rect">
-            <a:avLst/>
-          </a:prstGeom>
-          <a:noFill/>
-        </p:spPr>
-        <p:txBody>
-          <a:bodyPr wrap="square" rtlCol="0">
-            <a:spAutoFit/>
-          </a:bodyPr>
-          <a:lstStyle/>
-          <a:p>
-            <a:r>
-              <a:rPr lang="ko-KR" altLang="en-US" b="1" dirty="0">
-                <a:solidFill>
-                  <a:srgbClr val="082E59"/>
-                </a:solidFill>
-              </a:rPr>
-              <a:t>결론도출</a:t>
-            </a:r>
-          </a:p>
-        </p:txBody>
-      </p:sp>
-      <p:sp>
-        <p:nvSpPr>
-          <p:cNvPr id="47" name="TextBox 46">
-            <a:extLst>
-              <a:ext uri="{FF2B5EF4-FFF2-40B4-BE49-F238E27FC236}">
-                <a16:creationId xmlns:a16="http://schemas.microsoft.com/office/drawing/2014/main" xmlns="" id="{49D68CEE-0E8C-4AD6-9485-622609B084B3}"/>
-              </a:ext>
-            </a:extLst>
-          </p:cNvPr>
-          <p:cNvSpPr txBox="1"/>
-          <p:nvPr/>
-        </p:nvSpPr>
-        <p:spPr>
-          <a:xfrm>
-            <a:off x="5402325" y="1129874"/>
-            <a:ext cx="1742256" cy="369332"/>
-          </a:xfrm>
-          <a:prstGeom prst="rect">
-            <a:avLst/>
-          </a:prstGeom>
-          <a:noFill/>
-        </p:spPr>
-        <p:txBody>
-          <a:bodyPr wrap="square" rtlCol="0">
-            <a:spAutoFit/>
-          </a:bodyPr>
-          <a:lstStyle/>
-          <a:p>
-            <a:pPr algn="ctr"/>
-            <a:r>
-              <a:rPr lang="ko-KR" altLang="en-US" b="1" dirty="0">
-                <a:solidFill>
-                  <a:srgbClr val="082E59"/>
-                </a:solidFill>
-              </a:rPr>
-              <a:t>분석</a:t>
-            </a:r>
-          </a:p>
-        </p:txBody>
-      </p:sp>
-      <p:sp>
-        <p:nvSpPr>
-          <p:cNvPr id="48" name="화살표: 갈매기형 수장 2">
-            <a:extLst>
-              <a:ext uri="{FF2B5EF4-FFF2-40B4-BE49-F238E27FC236}">
-                <a16:creationId xmlns:a16="http://schemas.microsoft.com/office/drawing/2014/main" xmlns="" id="{7B196A9F-09F8-8545-89B0-5112E49D0233}"/>
-              </a:ext>
-            </a:extLst>
-          </p:cNvPr>
-          <p:cNvSpPr/>
-          <p:nvPr/>
-        </p:nvSpPr>
-        <p:spPr>
-          <a:xfrm>
-            <a:off x="2151275" y="1072224"/>
-            <a:ext cx="1742256" cy="461945"/>
-          </a:xfrm>
-          <a:prstGeom prst="chevron">
-            <a:avLst/>
-          </a:prstGeom>
-          <a:noFill/>
-          <a:ln>
-            <a:solidFill>
-              <a:srgbClr val="FFCC00"/>
-            </a:solidFill>
-          </a:ln>
-        </p:spPr>
-        <p:style>
-          <a:lnRef idx="2">
-            <a:schemeClr val="accent1">
-              <a:shade val="50000"/>
-            </a:schemeClr>
-          </a:lnRef>
-          <a:fillRef idx="1">
-            <a:schemeClr val="accent1"/>
-          </a:fillRef>
-          <a:effectRef idx="0">
-            <a:schemeClr val="accent1"/>
-          </a:effectRef>
-          <a:fontRef idx="minor">
-            <a:schemeClr val="lt1"/>
-          </a:fontRef>
-        </p:style>
-        <p:txBody>
-          <a:bodyPr rtlCol="0" anchor="ctr"/>
-          <a:lstStyle/>
-          <a:p>
-            <a:pPr algn="ctr"/>
-            <a:endParaRPr lang="ko-KR" altLang="en-US">
-              <a:solidFill>
-                <a:schemeClr val="tx1"/>
-              </a:solidFill>
-            </a:endParaRPr>
-          </a:p>
-        </p:txBody>
-      </p:sp>
-      <p:sp>
-        <p:nvSpPr>
-          <p:cNvPr id="49" name="TextBox 48">
-            <a:extLst>
-              <a:ext uri="{FF2B5EF4-FFF2-40B4-BE49-F238E27FC236}">
-                <a16:creationId xmlns:a16="http://schemas.microsoft.com/office/drawing/2014/main" xmlns="" id="{BC3F0FE1-9ECF-C344-B0A8-12B4DA316EC5}"/>
-              </a:ext>
-            </a:extLst>
-          </p:cNvPr>
-          <p:cNvSpPr txBox="1"/>
-          <p:nvPr/>
-        </p:nvSpPr>
-        <p:spPr>
-          <a:xfrm>
-            <a:off x="2548474" y="1140694"/>
-            <a:ext cx="890085" cy="369332"/>
-          </a:xfrm>
-          <a:prstGeom prst="rect">
-            <a:avLst/>
-          </a:prstGeom>
-          <a:noFill/>
-        </p:spPr>
-        <p:txBody>
-          <a:bodyPr wrap="square" rtlCol="0">
-            <a:spAutoFit/>
-          </a:bodyPr>
-          <a:lstStyle/>
-          <a:p>
-            <a:r>
-              <a:rPr lang="ko-KR" altLang="en-US" b="1" dirty="0">
-                <a:solidFill>
-                  <a:srgbClr val="082E59"/>
-                </a:solidFill>
-              </a:rPr>
-              <a:t>전처리</a:t>
-            </a:r>
-          </a:p>
-        </p:txBody>
-      </p:sp>
-      <p:sp>
-        <p:nvSpPr>
-          <p:cNvPr id="50" name="TextBox 49">
-            <a:extLst>
-              <a:ext uri="{FF2B5EF4-FFF2-40B4-BE49-F238E27FC236}">
-                <a16:creationId xmlns="" xmlns:a16="http://schemas.microsoft.com/office/drawing/2014/main" id="{4F1E8E36-7223-43AE-A194-C5947D11B18D}"/>
-              </a:ext>
-            </a:extLst>
-          </p:cNvPr>
-          <p:cNvSpPr txBox="1"/>
-          <p:nvPr/>
-        </p:nvSpPr>
-        <p:spPr>
-          <a:xfrm>
-            <a:off x="1347011" y="5456814"/>
-            <a:ext cx="1440160" cy="369332"/>
-          </a:xfrm>
-          <a:prstGeom prst="rect">
-            <a:avLst/>
-          </a:prstGeom>
-          <a:noFill/>
-        </p:spPr>
-        <p:txBody>
-          <a:bodyPr wrap="square" rtlCol="0">
-            <a:spAutoFit/>
-          </a:bodyPr>
-          <a:lstStyle/>
-          <a:p>
-            <a:r>
-              <a:rPr lang="en-US" altLang="ko-KR" b="1" dirty="0">
-                <a:solidFill>
-                  <a:srgbClr val="082E59"/>
-                </a:solidFill>
-              </a:rPr>
-              <a:t>login.click()</a:t>
-            </a:r>
-            <a:endParaRPr lang="ko-KR" altLang="en-US" b="1" dirty="0">
-              <a:solidFill>
-                <a:srgbClr val="082E59"/>
-              </a:solidFill>
-            </a:endParaRPr>
-          </a:p>
-        </p:txBody>
-      </p:sp>
-      <p:pic>
-        <p:nvPicPr>
-          <p:cNvPr id="29" name="그림 28"/>
-          <p:cNvPicPr>
-            <a:picLocks noChangeAspect="1"/>
-          </p:cNvPicPr>
-          <p:nvPr/>
-        </p:nvPicPr>
-        <p:blipFill>
-          <a:blip r:embed="rId3">
-            <a:extLst>
-              <a:ext uri="{28A0092B-C50C-407E-A947-70E740481C1C}">
-                <a14:useLocalDpi xmlns:a14="http://schemas.microsoft.com/office/drawing/2010/main" val="0"/>
-              </a:ext>
-            </a:extLst>
-          </a:blip>
-          <a:stretch>
-            <a:fillRect/>
-          </a:stretch>
-        </p:blipFill>
-        <p:spPr>
-          <a:xfrm>
-            <a:off x="507316" y="2303339"/>
-            <a:ext cx="3287918" cy="2676626"/>
-          </a:xfrm>
-          <a:prstGeom prst="rect">
-            <a:avLst/>
-          </a:prstGeom>
-        </p:spPr>
-      </p:pic>
-      <p:pic>
-        <p:nvPicPr>
-          <p:cNvPr id="27" name="그림 26"/>
-          <p:cNvPicPr>
-            <a:picLocks noChangeAspect="1"/>
-          </p:cNvPicPr>
-          <p:nvPr/>
-        </p:nvPicPr>
-        <p:blipFill>
-          <a:blip r:embed="rId4" cstate="print">
-            <a:extLst>
-              <a:ext uri="{28A0092B-C50C-407E-A947-70E740481C1C}">
-                <a14:useLocalDpi xmlns:a14="http://schemas.microsoft.com/office/drawing/2010/main" val="0"/>
-              </a:ext>
-            </a:extLst>
-          </a:blip>
-          <a:stretch>
-            <a:fillRect/>
-          </a:stretch>
-        </p:blipFill>
-        <p:spPr>
-          <a:xfrm>
-            <a:off x="5088893" y="2212534"/>
-            <a:ext cx="3573609" cy="2960843"/>
-          </a:xfrm>
-          <a:prstGeom prst="rect">
-            <a:avLst/>
-          </a:prstGeom>
-        </p:spPr>
-      </p:pic>
-      <p:cxnSp>
-        <p:nvCxnSpPr>
-          <p:cNvPr id="21" name="꺾인 연결선[E] 12">
-            <a:extLst>
-              <a:ext uri="{FF2B5EF4-FFF2-40B4-BE49-F238E27FC236}">
-                <a16:creationId xmlns="" xmlns:a16="http://schemas.microsoft.com/office/drawing/2014/main" id="{9EA1CB21-45EB-4FD5-8958-6638C2B8E9AF}"/>
-              </a:ext>
-            </a:extLst>
-          </p:cNvPr>
-          <p:cNvCxnSpPr>
-            <a:cxnSpLocks/>
-          </p:cNvCxnSpPr>
-          <p:nvPr/>
-        </p:nvCxnSpPr>
-        <p:spPr>
-          <a:xfrm flipV="1">
-            <a:off x="2138357" y="3180961"/>
-            <a:ext cx="1641555" cy="511995"/>
-          </a:xfrm>
-          <a:prstGeom prst="bentConnector3">
-            <a:avLst>
-              <a:gd name="adj1" fmla="val 50000"/>
-            </a:avLst>
-          </a:prstGeom>
-          <a:ln w="19050">
-            <a:solidFill>
-              <a:srgbClr val="082E59"/>
-            </a:solidFill>
-          </a:ln>
-        </p:spPr>
-        <p:style>
-          <a:lnRef idx="1">
-            <a:schemeClr val="accent1"/>
-          </a:lnRef>
-          <a:fillRef idx="0">
-            <a:schemeClr val="accent1"/>
-          </a:fillRef>
-          <a:effectRef idx="0">
-            <a:schemeClr val="accent1"/>
-          </a:effectRef>
-          <a:fontRef idx="minor">
-            <a:schemeClr val="tx1"/>
-          </a:fontRef>
-        </p:style>
-      </p:cxnSp>
-      <p:cxnSp>
-        <p:nvCxnSpPr>
-          <p:cNvPr id="56" name="직선 연결선 55"/>
-          <p:cNvCxnSpPr/>
-          <p:nvPr/>
-        </p:nvCxnSpPr>
-        <p:spPr>
-          <a:xfrm>
-            <a:off x="2259914" y="3931456"/>
-            <a:ext cx="1519998" cy="8354"/>
-          </a:xfrm>
-          <a:prstGeom prst="line">
-            <a:avLst/>
-          </a:prstGeom>
-          <a:ln w="19050">
-            <a:solidFill>
-              <a:srgbClr val="082E59"/>
-            </a:solidFill>
-          </a:ln>
-        </p:spPr>
-        <p:style>
-          <a:lnRef idx="1">
-            <a:schemeClr val="accent1"/>
-          </a:lnRef>
-          <a:fillRef idx="0">
-            <a:schemeClr val="accent1"/>
-          </a:fillRef>
-          <a:effectRef idx="0">
-            <a:schemeClr val="accent1"/>
-          </a:effectRef>
-          <a:fontRef idx="minor">
-            <a:schemeClr val="tx1"/>
-          </a:fontRef>
-        </p:style>
-      </p:cxnSp>
-      <p:sp>
-        <p:nvSpPr>
-          <p:cNvPr id="40" name="TextBox 39">
-            <a:extLst>
-              <a:ext uri="{FF2B5EF4-FFF2-40B4-BE49-F238E27FC236}">
-                <a16:creationId xmlns="" xmlns:a16="http://schemas.microsoft.com/office/drawing/2014/main" id="{4F1E8E36-7223-43AE-A194-C5947D11B18D}"/>
-              </a:ext>
-            </a:extLst>
-          </p:cNvPr>
-          <p:cNvSpPr txBox="1"/>
-          <p:nvPr/>
-        </p:nvSpPr>
-        <p:spPr>
-          <a:xfrm>
-            <a:off x="3749555" y="3742851"/>
-            <a:ext cx="678429" cy="369332"/>
-          </a:xfrm>
-          <a:prstGeom prst="rect">
-            <a:avLst/>
-          </a:prstGeom>
-          <a:noFill/>
-        </p:spPr>
-        <p:txBody>
-          <a:bodyPr wrap="square" rtlCol="0">
-            <a:spAutoFit/>
-          </a:bodyPr>
-          <a:lstStyle/>
-          <a:p>
-            <a:r>
-              <a:rPr lang="en-US" altLang="ko-KR" b="1" dirty="0" smtClean="0">
-                <a:solidFill>
-                  <a:srgbClr val="082E59"/>
-                </a:solidFill>
-              </a:rPr>
-              <a:t>PW</a:t>
-            </a:r>
-            <a:endParaRPr lang="ko-KR" altLang="en-US" b="1" dirty="0">
-              <a:solidFill>
-                <a:srgbClr val="082E59"/>
-              </a:solidFill>
-            </a:endParaRPr>
-          </a:p>
-        </p:txBody>
-      </p:sp>
-      <p:sp>
-        <p:nvSpPr>
-          <p:cNvPr id="22" name="TextBox 21">
-            <a:extLst>
-              <a:ext uri="{FF2B5EF4-FFF2-40B4-BE49-F238E27FC236}">
-                <a16:creationId xmlns="" xmlns:a16="http://schemas.microsoft.com/office/drawing/2014/main" id="{4F1E8E36-7223-43AE-A194-C5947D11B18D}"/>
-              </a:ext>
-            </a:extLst>
-          </p:cNvPr>
-          <p:cNvSpPr txBox="1"/>
-          <p:nvPr/>
-        </p:nvSpPr>
-        <p:spPr>
-          <a:xfrm>
-            <a:off x="3795234" y="3015434"/>
-            <a:ext cx="560742" cy="369332"/>
-          </a:xfrm>
-          <a:prstGeom prst="rect">
-            <a:avLst/>
-          </a:prstGeom>
-          <a:noFill/>
-        </p:spPr>
-        <p:txBody>
-          <a:bodyPr wrap="square" rtlCol="0">
-            <a:spAutoFit/>
-          </a:bodyPr>
-          <a:lstStyle/>
-          <a:p>
-            <a:r>
-              <a:rPr lang="en-US" altLang="ko-KR" b="1" dirty="0" smtClean="0">
-                <a:solidFill>
-                  <a:srgbClr val="082E59"/>
-                </a:solidFill>
-              </a:rPr>
-              <a:t>ID</a:t>
-            </a:r>
-            <a:endParaRPr lang="ko-KR" altLang="en-US" b="1" dirty="0">
-              <a:solidFill>
-                <a:srgbClr val="082E59"/>
-              </a:solidFill>
-            </a:endParaRPr>
-          </a:p>
-        </p:txBody>
-      </p:sp>
-      <p:cxnSp>
-        <p:nvCxnSpPr>
-          <p:cNvPr id="61" name="직선 연결선 60"/>
-          <p:cNvCxnSpPr/>
-          <p:nvPr/>
-        </p:nvCxnSpPr>
-        <p:spPr>
-          <a:xfrm>
-            <a:off x="2018940" y="4396442"/>
-            <a:ext cx="0" cy="1041819"/>
-          </a:xfrm>
-          <a:prstGeom prst="line">
-            <a:avLst/>
-          </a:prstGeom>
-          <a:ln w="19050">
-            <a:solidFill>
-              <a:srgbClr val="082E59"/>
-            </a:solidFill>
-          </a:ln>
-        </p:spPr>
-        <p:style>
-          <a:lnRef idx="1">
-            <a:schemeClr val="accent1"/>
-          </a:lnRef>
-          <a:fillRef idx="0">
-            <a:schemeClr val="accent1"/>
-          </a:fillRef>
-          <a:effectRef idx="0">
-            <a:schemeClr val="accent1"/>
-          </a:effectRef>
-          <a:fontRef idx="minor">
-            <a:schemeClr val="tx1"/>
-          </a:fontRef>
-        </p:style>
-      </p:cxnSp>
-      <p:cxnSp>
-        <p:nvCxnSpPr>
-          <p:cNvPr id="36" name="직선 연결선 35">
-            <a:extLst>
-              <a:ext uri="{FF2B5EF4-FFF2-40B4-BE49-F238E27FC236}">
-                <a16:creationId xmlns="" xmlns:a16="http://schemas.microsoft.com/office/drawing/2014/main" id="{19C27C6B-EE52-4EBC-86EC-BB21C7AD776D}"/>
-              </a:ext>
-            </a:extLst>
-          </p:cNvPr>
-          <p:cNvCxnSpPr/>
-          <p:nvPr/>
-        </p:nvCxnSpPr>
-        <p:spPr>
-          <a:xfrm flipV="1">
-            <a:off x="6273453" y="3071756"/>
-            <a:ext cx="24358" cy="2508280"/>
-          </a:xfrm>
-          <a:prstGeom prst="line">
-            <a:avLst/>
-          </a:prstGeom>
-          <a:ln w="19050">
-            <a:solidFill>
-              <a:srgbClr val="082E59"/>
-            </a:solidFill>
-          </a:ln>
-        </p:spPr>
-        <p:style>
-          <a:lnRef idx="1">
-            <a:schemeClr val="accent1"/>
-          </a:lnRef>
-          <a:fillRef idx="0">
-            <a:schemeClr val="accent1"/>
-          </a:fillRef>
-          <a:effectRef idx="0">
-            <a:schemeClr val="accent1"/>
-          </a:effectRef>
-          <a:fontRef idx="minor">
-            <a:schemeClr val="tx1"/>
-          </a:fontRef>
-        </p:style>
-      </p:cxnSp>
-      <p:sp>
-        <p:nvSpPr>
-          <p:cNvPr id="24" name="TextBox 23">
-            <a:extLst>
-              <a:ext uri="{FF2B5EF4-FFF2-40B4-BE49-F238E27FC236}">
-                <a16:creationId xmlns="" xmlns:a16="http://schemas.microsoft.com/office/drawing/2014/main" id="{4F1E8E36-7223-43AE-A194-C5947D11B18D}"/>
-              </a:ext>
-            </a:extLst>
-          </p:cNvPr>
-          <p:cNvSpPr txBox="1"/>
-          <p:nvPr/>
-        </p:nvSpPr>
-        <p:spPr>
-          <a:xfrm>
-            <a:off x="5696381" y="5537325"/>
-            <a:ext cx="1154144" cy="369332"/>
-          </a:xfrm>
-          <a:prstGeom prst="rect">
-            <a:avLst/>
-          </a:prstGeom>
-          <a:noFill/>
-        </p:spPr>
-        <p:txBody>
-          <a:bodyPr wrap="square" rtlCol="0">
-            <a:spAutoFit/>
-          </a:bodyPr>
-          <a:lstStyle/>
-          <a:p>
-            <a:r>
-              <a:rPr lang="en-US" altLang="ko-KR" b="1" dirty="0">
-                <a:solidFill>
-                  <a:srgbClr val="082E59"/>
-                </a:solidFill>
-              </a:rPr>
-              <a:t>keyword</a:t>
-            </a:r>
-            <a:endParaRPr lang="ko-KR" altLang="en-US" b="1" dirty="0">
-              <a:solidFill>
-                <a:srgbClr val="082E59"/>
-              </a:solidFill>
-            </a:endParaRPr>
-          </a:p>
-        </p:txBody>
-      </p:sp>
-    </p:spTree>
-    <p:extLst>
-      <p:ext uri="{BB962C8B-B14F-4D97-AF65-F5344CB8AC3E}">
-        <p14:creationId xmlns:p14="http://schemas.microsoft.com/office/powerpoint/2010/main" val="2796047496"/>
+        <p14:creationId xmlns:p14="http://schemas.microsoft.com/office/powerpoint/2010/main" val="3964634749"/>
       </p:ext>
     </p:extLst>
   </p:cSld>
